--- a/writing.pptx
+++ b/writing.pptx
@@ -5,7 +5,7 @@
     <p:sldMasterId id="2147483669" r:id="rId1"/>
   </p:sldMasterIdLst>
   <p:notesMasterIdLst>
-    <p:notesMasterId r:id="rId20"/>
+    <p:notesMasterId r:id="rId25"/>
   </p:notesMasterIdLst>
   <p:sldIdLst>
     <p:sldId id="440" r:id="rId2"/>
@@ -14,18 +14,23 @@
     <p:sldId id="504" r:id="rId5"/>
     <p:sldId id="505" r:id="rId6"/>
     <p:sldId id="512" r:id="rId7"/>
-    <p:sldId id="507" r:id="rId8"/>
-    <p:sldId id="506" r:id="rId9"/>
-    <p:sldId id="509" r:id="rId10"/>
-    <p:sldId id="510" r:id="rId11"/>
-    <p:sldId id="511" r:id="rId12"/>
-    <p:sldId id="502" r:id="rId13"/>
-    <p:sldId id="501" r:id="rId14"/>
-    <p:sldId id="479" r:id="rId15"/>
-    <p:sldId id="481" r:id="rId16"/>
-    <p:sldId id="482" r:id="rId17"/>
-    <p:sldId id="483" r:id="rId18"/>
-    <p:sldId id="472" r:id="rId19"/>
+    <p:sldId id="506" r:id="rId8"/>
+    <p:sldId id="509" r:id="rId9"/>
+    <p:sldId id="510" r:id="rId10"/>
+    <p:sldId id="511" r:id="rId11"/>
+    <p:sldId id="452" r:id="rId12"/>
+    <p:sldId id="448" r:id="rId13"/>
+    <p:sldId id="450" r:id="rId14"/>
+    <p:sldId id="456" r:id="rId15"/>
+    <p:sldId id="457" r:id="rId16"/>
+    <p:sldId id="474" r:id="rId17"/>
+    <p:sldId id="458" r:id="rId18"/>
+    <p:sldId id="507" r:id="rId19"/>
+    <p:sldId id="513" r:id="rId20"/>
+    <p:sldId id="479" r:id="rId21"/>
+    <p:sldId id="481" r:id="rId22"/>
+    <p:sldId id="482" r:id="rId23"/>
+    <p:sldId id="483" r:id="rId24"/>
   </p:sldIdLst>
   <p:sldSz cx="9144000" cy="6858000" type="screen4x3"/>
   <p:notesSz cx="6858000" cy="9144000"/>
@@ -135,22 +140,23 @@
             <p14:sldId id="504"/>
             <p14:sldId id="505"/>
             <p14:sldId id="512"/>
-            <p14:sldId id="507"/>
             <p14:sldId id="506"/>
             <p14:sldId id="509"/>
             <p14:sldId id="510"/>
             <p14:sldId id="511"/>
-          </p14:sldIdLst>
-        </p14:section>
-        <p14:section name="材料" id="{C8678B29-8AF6-400C-A4A2-485BA0AD8399}">
-          <p14:sldIdLst>
-            <p14:sldId id="502"/>
-            <p14:sldId id="501"/>
+            <p14:sldId id="452"/>
+            <p14:sldId id="448"/>
+            <p14:sldId id="450"/>
+            <p14:sldId id="456"/>
+            <p14:sldId id="457"/>
+            <p14:sldId id="474"/>
+            <p14:sldId id="458"/>
+            <p14:sldId id="507"/>
+            <p14:sldId id="513"/>
             <p14:sldId id="479"/>
             <p14:sldId id="481"/>
             <p14:sldId id="482"/>
             <p14:sldId id="483"/>
-            <p14:sldId id="472"/>
           </p14:sldIdLst>
         </p14:section>
       </p14:sectionLst>
@@ -258,7 +264,7 @@
           <a:p>
             <a:fld id="{2ABE53D4-1A7B-4FFE-8A95-4265B045F058}" type="datetimeFigureOut">
               <a:rPr kumimoji="1" lang="ja-JP" altLang="en-US" smtClean="0"/>
-              <a:t>2022/12/6</a:t>
+              <a:t>2024/4/24</a:t>
             </a:fld>
             <a:endParaRPr kumimoji="1" lang="ja-JP" altLang="en-US"/>
           </a:p>
@@ -3397,9 +3403,14 @@
           <a:lstStyle/>
           <a:p>
             <a:r>
-              <a:rPr kumimoji="1" lang="ja-JP" altLang="en-US" dirty="0"/>
-              <a:t>サポーティング・センテンス</a:t>
-            </a:r>
+              <a:rPr lang="ja-JP" altLang="en-US" dirty="0"/>
+              <a:t>コンクルーディング</a:t>
+            </a:r>
+            <a:r>
+              <a:rPr lang="ja-JP" altLang="en-US"/>
+              <a:t>・センテンス</a:t>
+            </a:r>
+            <a:endParaRPr kumimoji="1" lang="ja-JP" altLang="en-US" dirty="0"/>
           </a:p>
         </p:txBody>
       </p:sp>
@@ -3425,52 +3436,25 @@
           <a:lstStyle/>
           <a:p>
             <a:r>
+              <a:rPr lang="ja-JP" altLang="en-US" dirty="0"/>
+              <a:t>コンクルーディング・センテンス</a:t>
+            </a:r>
+            <a:endParaRPr lang="en-US" altLang="ja-JP" dirty="0"/>
+          </a:p>
+          <a:p>
+            <a:pPr lvl="1"/>
+            <a:r>
               <a:rPr kumimoji="1" lang="ja-JP" altLang="en-US" dirty="0"/>
-              <a:t>サポーティング・センテンス</a:t>
+              <a:t>トピック・センテンスの内容を別の言い方でまとめたもの</a:t>
             </a:r>
             <a:endParaRPr kumimoji="1" lang="en-US" altLang="ja-JP" dirty="0"/>
           </a:p>
           <a:p>
             <a:pPr lvl="1"/>
             <a:r>
-              <a:rPr lang="ja-JP" altLang="en-US" dirty="0"/>
-              <a:t>トピック・センテンスの主張を補強するための文</a:t>
-            </a:r>
-            <a:endParaRPr lang="en-US" altLang="ja-JP" dirty="0"/>
-          </a:p>
-          <a:p>
-            <a:pPr lvl="1"/>
-            <a:r>
               <a:rPr kumimoji="1" lang="ja-JP" altLang="en-US" dirty="0"/>
-              <a:t>各パラグラフはサポーティング・センテンスを１～複数含む</a:t>
-            </a:r>
-            <a:endParaRPr kumimoji="1" lang="en-US" altLang="ja-JP" dirty="0"/>
-          </a:p>
-          <a:p>
-            <a:r>
-              <a:rPr lang="ja-JP" altLang="en-US" dirty="0"/>
-              <a:t>トピック・センテンスとの関係</a:t>
-            </a:r>
-            <a:endParaRPr lang="en-US" altLang="ja-JP" dirty="0"/>
-          </a:p>
-          <a:p>
-            <a:pPr lvl="1"/>
-            <a:r>
-              <a:rPr kumimoji="1" lang="ja-JP" altLang="en-US" dirty="0"/>
-              <a:t>サポーティング・センテンスはトピック・センテンスの詳細を述べる関係にある</a:t>
-            </a:r>
-            <a:endParaRPr kumimoji="1" lang="en-US" altLang="ja-JP" dirty="0"/>
-          </a:p>
-          <a:p>
-            <a:pPr lvl="1"/>
-            <a:r>
-              <a:rPr kumimoji="1" lang="ja-JP" altLang="en-US" dirty="0"/>
-              <a:t>トピック・センテンスは</a:t>
-            </a:r>
-            <a:endParaRPr kumimoji="1" lang="en-US" altLang="ja-JP" dirty="0"/>
-          </a:p>
-          <a:p>
-            <a:pPr lvl="2"/>
+              <a:t>ない場合も結構ある</a:t>
+            </a:r>
             <a:endParaRPr kumimoji="1" lang="en-US" altLang="ja-JP" dirty="0"/>
           </a:p>
         </p:txBody>
@@ -3478,7 +3462,7 @@
     </p:spTree>
     <p:extLst>
       <p:ext uri="{BB962C8B-B14F-4D97-AF65-F5344CB8AC3E}">
-        <p14:creationId xmlns:p14="http://schemas.microsoft.com/office/powerpoint/2010/main" val="1366793701"/>
+        <p14:creationId xmlns:p14="http://schemas.microsoft.com/office/powerpoint/2010/main" val="127409624"/>
       </p:ext>
     </p:extLst>
   </p:cSld>
@@ -3518,7 +3502,7 @@
           <p:cNvPr id="2" name="タイトル 1">
             <a:extLst>
               <a:ext uri="{FF2B5EF4-FFF2-40B4-BE49-F238E27FC236}">
-                <a16:creationId xmlns:a16="http://schemas.microsoft.com/office/drawing/2014/main" id="{85895AA1-C3F6-5137-D327-90AEE8D8717F}"/>
+                <a16:creationId xmlns:a16="http://schemas.microsoft.com/office/drawing/2014/main" id="{D93A85F1-1B35-5F84-85D9-55D1C6172E1E}"/>
               </a:ext>
             </a:extLst>
           </p:cNvPr>
@@ -3535,14 +3519,9 @@
           <a:lstStyle/>
           <a:p>
             <a:r>
-              <a:rPr lang="ja-JP" altLang="en-US" dirty="0"/>
-              <a:t>コンクルーディング</a:t>
-            </a:r>
-            <a:r>
-              <a:rPr lang="ja-JP" altLang="en-US"/>
-              <a:t>・センテンス</a:t>
-            </a:r>
-            <a:endParaRPr kumimoji="1" lang="ja-JP" altLang="en-US" dirty="0"/>
+              <a:rPr kumimoji="1" lang="ja-JP" altLang="en-US" dirty="0"/>
+              <a:t>「文」の書き方のポイント</a:t>
+            </a:r>
           </a:p>
         </p:txBody>
       </p:sp>
@@ -3551,7 +3530,7 @@
           <p:cNvPr id="3" name="テキスト プレースホルダー 2">
             <a:extLst>
               <a:ext uri="{FF2B5EF4-FFF2-40B4-BE49-F238E27FC236}">
-                <a16:creationId xmlns:a16="http://schemas.microsoft.com/office/drawing/2014/main" id="{AF7DC518-51F8-FA2A-0A74-B2DB18D49FC7}"/>
+                <a16:creationId xmlns:a16="http://schemas.microsoft.com/office/drawing/2014/main" id="{B4414A41-3B92-4E38-46C4-3166C73733E8}"/>
               </a:ext>
             </a:extLst>
           </p:cNvPr>
@@ -3567,26 +3546,35 @@
           <a:bodyPr/>
           <a:lstStyle/>
           <a:p>
-            <a:pPr lvl="1"/>
-            <a:r>
-              <a:rPr lang="ja-JP" altLang="en-US" dirty="0"/>
-              <a:t>コンクルーディング・センテンス</a:t>
-            </a:r>
-            <a:endParaRPr lang="en-US" altLang="ja-JP" dirty="0"/>
-          </a:p>
-          <a:p>
-            <a:pPr lvl="2"/>
+            <a:pPr marL="457200" indent="-457200">
+              <a:buFont typeface="+mj-lt"/>
+              <a:buAutoNum type="arabicPeriod"/>
+            </a:pPr>
             <a:r>
               <a:rPr kumimoji="1" lang="ja-JP" altLang="en-US" dirty="0"/>
-              <a:t>トピック・センテンスの内容を別の形でまとめたもの</a:t>
+              <a:t>各文を短く簡潔にする</a:t>
             </a:r>
             <a:endParaRPr kumimoji="1" lang="en-US" altLang="ja-JP" dirty="0"/>
           </a:p>
           <a:p>
-            <a:pPr lvl="2"/>
+            <a:pPr marL="457200" indent="-457200">
+              <a:buFont typeface="+mj-lt"/>
+              <a:buAutoNum type="arabicPeriod"/>
+            </a:pPr>
             <a:r>
               <a:rPr kumimoji="1" lang="ja-JP" altLang="en-US" dirty="0"/>
-              <a:t>ない場合もある</a:t>
+              <a:t>各文の主語や動詞，述語を明確にする</a:t>
+            </a:r>
+            <a:endParaRPr kumimoji="1" lang="en-US" altLang="ja-JP" dirty="0"/>
+          </a:p>
+          <a:p>
+            <a:pPr marL="457200" indent="-457200">
+              <a:buFont typeface="+mj-lt"/>
+              <a:buAutoNum type="arabicPeriod"/>
+            </a:pPr>
+            <a:r>
+              <a:rPr kumimoji="1" lang="ja-JP" altLang="en-US" dirty="0"/>
+              <a:t>各文を適切に接続する</a:t>
             </a:r>
             <a:endParaRPr kumimoji="1" lang="en-US" altLang="ja-JP" dirty="0"/>
           </a:p>
@@ -3595,7 +3583,7 @@
     </p:spTree>
     <p:extLst>
       <p:ext uri="{BB962C8B-B14F-4D97-AF65-F5344CB8AC3E}">
-        <p14:creationId xmlns:p14="http://schemas.microsoft.com/office/powerpoint/2010/main" val="127409624"/>
+        <p14:creationId xmlns:p14="http://schemas.microsoft.com/office/powerpoint/2010/main" val="3057599224"/>
       </p:ext>
     </p:extLst>
   </p:cSld>
@@ -3635,7 +3623,7 @@
           <p:cNvPr id="2" name="タイトル 1">
             <a:extLst>
               <a:ext uri="{FF2B5EF4-FFF2-40B4-BE49-F238E27FC236}">
-                <a16:creationId xmlns:a16="http://schemas.microsoft.com/office/drawing/2014/main" id="{A65F11AF-8D2A-6C89-2A30-1EE066DC25E3}"/>
+                <a16:creationId xmlns:a16="http://schemas.microsoft.com/office/drawing/2014/main" id="{A660BB84-DBA8-6642-6C09-5A4CA1B7E113}"/>
               </a:ext>
             </a:extLst>
           </p:cNvPr>
@@ -3652,8 +3640,12 @@
           <a:lstStyle/>
           <a:p>
             <a:r>
+              <a:rPr kumimoji="1" lang="en-US" altLang="ja-JP" dirty="0"/>
+              <a:t>1. </a:t>
+            </a:r>
+            <a:r>
               <a:rPr kumimoji="1" lang="ja-JP" altLang="en-US" dirty="0"/>
-              <a:t>材料</a:t>
+              <a:t>各文を短く簡潔にする</a:t>
             </a:r>
           </a:p>
         </p:txBody>
@@ -3663,7 +3655,7 @@
           <p:cNvPr id="3" name="テキスト プレースホルダー 2">
             <a:extLst>
               <a:ext uri="{FF2B5EF4-FFF2-40B4-BE49-F238E27FC236}">
-                <a16:creationId xmlns:a16="http://schemas.microsoft.com/office/drawing/2014/main" id="{52C61E24-9CF3-6BF1-B64E-532238DC6BB9}"/>
+                <a16:creationId xmlns:a16="http://schemas.microsoft.com/office/drawing/2014/main" id="{7FC8FB9F-70D9-3B50-054F-E1E6CF721F79}"/>
               </a:ext>
             </a:extLst>
           </p:cNvPr>
@@ -3679,14 +3671,37 @@
           <a:bodyPr/>
           <a:lstStyle/>
           <a:p>
-            <a:endParaRPr kumimoji="1" lang="ja-JP" altLang="en-US"/>
+            <a:r>
+              <a:rPr kumimoji="1" lang="ja-JP" altLang="en-US" b="1" dirty="0">
+                <a:solidFill>
+                  <a:schemeClr val="accent5"/>
+                </a:solidFill>
+              </a:rPr>
+              <a:t>短い文は全てを解決する</a:t>
+            </a:r>
+            <a:endParaRPr kumimoji="1" lang="en-US" altLang="ja-JP" dirty="0"/>
+          </a:p>
+          <a:p>
+            <a:r>
+              <a:rPr kumimoji="1" lang="ja-JP" altLang="en-US" dirty="0"/>
+              <a:t>短く簡潔な文は，</a:t>
+            </a:r>
+            <a:endParaRPr kumimoji="1" lang="en-US" altLang="ja-JP" dirty="0"/>
+          </a:p>
+          <a:p>
+            <a:pPr lvl="1"/>
+            <a:r>
+              <a:rPr kumimoji="1" lang="ja-JP" altLang="en-US" dirty="0"/>
+              <a:t>誰が読んでも明確に意味が理解できる</a:t>
+            </a:r>
+            <a:endParaRPr kumimoji="1" lang="en-US" altLang="ja-JP" dirty="0"/>
           </a:p>
         </p:txBody>
       </p:sp>
     </p:spTree>
     <p:extLst>
       <p:ext uri="{BB962C8B-B14F-4D97-AF65-F5344CB8AC3E}">
-        <p14:creationId xmlns:p14="http://schemas.microsoft.com/office/powerpoint/2010/main" val="727062805"/>
+        <p14:creationId xmlns:p14="http://schemas.microsoft.com/office/powerpoint/2010/main" val="1822019107"/>
       </p:ext>
     </p:extLst>
   </p:cSld>
@@ -3726,7 +3741,7 @@
           <p:cNvPr id="2" name="タイトル 1">
             <a:extLst>
               <a:ext uri="{FF2B5EF4-FFF2-40B4-BE49-F238E27FC236}">
-                <a16:creationId xmlns:a16="http://schemas.microsoft.com/office/drawing/2014/main" id="{EF611EE5-3E11-1E17-9A26-488B18EDA4C5}"/>
+                <a16:creationId xmlns:a16="http://schemas.microsoft.com/office/drawing/2014/main" id="{7015080F-9E79-6A62-8922-464CD13B906F}"/>
               </a:ext>
             </a:extLst>
           </p:cNvPr>
@@ -3743,8 +3758,12 @@
           <a:lstStyle/>
           <a:p>
             <a:r>
+              <a:rPr kumimoji="1" lang="en-US" altLang="ja-JP" dirty="0"/>
+              <a:t>2. </a:t>
+            </a:r>
+            <a:r>
               <a:rPr kumimoji="1" lang="ja-JP" altLang="en-US" dirty="0"/>
-              <a:t>参考</a:t>
+              <a:t>各文の主語や動詞，述語を明確にする</a:t>
             </a:r>
           </a:p>
         </p:txBody>
@@ -3754,7 +3773,7 @@
           <p:cNvPr id="3" name="テキスト プレースホルダー 2">
             <a:extLst>
               <a:ext uri="{FF2B5EF4-FFF2-40B4-BE49-F238E27FC236}">
-                <a16:creationId xmlns:a16="http://schemas.microsoft.com/office/drawing/2014/main" id="{5B034FA1-AC07-C3CF-FEAE-79C1971E6E74}"/>
+                <a16:creationId xmlns:a16="http://schemas.microsoft.com/office/drawing/2014/main" id="{CFBEEDD7-1ABB-B544-39E1-C52AB828F23A}"/>
               </a:ext>
             </a:extLst>
           </p:cNvPr>
@@ -3771,104 +3790,47 @@
           <a:lstStyle/>
           <a:p>
             <a:r>
-              <a:rPr kumimoji="1" lang="ja-JP" altLang="en-US" sz="1800" dirty="0"/>
-              <a:t>バーバラ ミント：</a:t>
-            </a:r>
-            <a:br>
-              <a:rPr kumimoji="1" lang="en-US" altLang="ja-JP" sz="1800" dirty="0"/>
-            </a:br>
-            <a:r>
-              <a:rPr kumimoji="1" lang="ja-JP" altLang="en-US" sz="1800" dirty="0"/>
-              <a:t>「考える技術・書く技術</a:t>
-            </a:r>
-            <a:r>
-              <a:rPr kumimoji="1" lang="en-US" altLang="ja-JP" sz="1800" dirty="0"/>
-              <a:t>―</a:t>
-            </a:r>
-            <a:r>
-              <a:rPr kumimoji="1" lang="ja-JP" altLang="en-US" sz="1800" dirty="0"/>
-              <a:t>問題解決力を伸ばすピラミッド原則」</a:t>
-            </a:r>
-            <a:br>
-              <a:rPr kumimoji="1" lang="en-US" altLang="ja-JP" sz="1800" dirty="0"/>
-            </a:br>
-            <a:r>
-              <a:rPr kumimoji="1" lang="ja-JP" altLang="en-US" sz="1800" dirty="0"/>
-              <a:t>（原題：</a:t>
-            </a:r>
-            <a:r>
-              <a:rPr kumimoji="1" lang="en-US" altLang="ja-JP" sz="1800" dirty="0"/>
-              <a:t>The Pyramid Principle: Logic in Writing and Thinking</a:t>
-            </a:r>
-            <a:r>
-              <a:rPr kumimoji="1" lang="ja-JP" altLang="en-US" sz="1800" dirty="0"/>
-              <a:t>）</a:t>
-            </a:r>
-            <a:br>
-              <a:rPr kumimoji="1" lang="en-US" altLang="ja-JP" sz="1800" dirty="0"/>
-            </a:br>
-            <a:endParaRPr kumimoji="1" lang="en-US" altLang="ja-JP" sz="1800" dirty="0"/>
+              <a:rPr kumimoji="1" lang="ja-JP" altLang="en-US" dirty="0"/>
+              <a:t>日本語は主語や述語（目的語）を省略して書けてしまう</a:t>
+            </a:r>
+            <a:endParaRPr kumimoji="1" lang="en-US" altLang="ja-JP" dirty="0"/>
           </a:p>
           <a:p>
             <a:pPr lvl="1"/>
             <a:r>
-              <a:rPr kumimoji="1" lang="ja-JP" altLang="en-US" sz="1800" dirty="0"/>
-              <a:t>思考や文章を書く際の論理の階層化について書かれている</a:t>
-            </a:r>
-            <a:endParaRPr kumimoji="1" lang="en-US" altLang="ja-JP" sz="1800" dirty="0"/>
+              <a:rPr kumimoji="1" lang="ja-JP" altLang="en-US" dirty="0"/>
+              <a:t>日本語論文であっても，本来そのような曖昧さは排除すべき</a:t>
+            </a:r>
+            <a:endParaRPr kumimoji="1" lang="en-US" altLang="ja-JP" dirty="0"/>
           </a:p>
           <a:p>
             <a:pPr lvl="1"/>
             <a:r>
-              <a:rPr kumimoji="1" lang="ja-JP" altLang="en-US" sz="1800" dirty="0"/>
-              <a:t>マッキンゼー社内でライティング指導をしていた方が書いている</a:t>
-            </a:r>
-            <a:endParaRPr kumimoji="1" lang="en-US" altLang="ja-JP" sz="1800" dirty="0"/>
+              <a:rPr kumimoji="1" lang="ja-JP" altLang="en-US" dirty="0"/>
+              <a:t>多少冗長であっても，意味に紛れがないよう略さずにきちんと書くべき</a:t>
+            </a:r>
+            <a:endParaRPr kumimoji="1" lang="en-US" altLang="ja-JP" dirty="0"/>
+          </a:p>
+          <a:p>
+            <a:r>
+              <a:rPr kumimoji="1" lang="ja-JP" altLang="en-US" dirty="0">
+                <a:solidFill>
+                  <a:schemeClr val="accent5"/>
+                </a:solidFill>
+              </a:rPr>
+              <a:t>まず各文を確認して，主語や述語が欠けていないかを確認</a:t>
+            </a:r>
+            <a:endParaRPr kumimoji="1" lang="en-US" altLang="ja-JP" dirty="0">
+              <a:solidFill>
+                <a:schemeClr val="accent5"/>
+              </a:solidFill>
+            </a:endParaRPr>
           </a:p>
           <a:p>
             <a:pPr lvl="1"/>
             <a:r>
-              <a:rPr kumimoji="1" lang="ja-JP" altLang="en-US" sz="1800" dirty="0"/>
-              <a:t>このページまで読んできた人は，「ピラミッド」が何を意味するのかは察しがつくのでは</a:t>
-            </a:r>
-            <a:endParaRPr kumimoji="1" lang="en-US" altLang="ja-JP" sz="1800" dirty="0"/>
-          </a:p>
-          <a:p>
-            <a:r>
-              <a:rPr kumimoji="1" lang="ja-JP" altLang="en-US" sz="1800" dirty="0"/>
-              <a:t>塩谷の感想（読んだのは</a:t>
-            </a:r>
-            <a:r>
-              <a:rPr kumimoji="1" lang="en-US" altLang="ja-JP" sz="1800" dirty="0"/>
-              <a:t>10</a:t>
-            </a:r>
-            <a:r>
-              <a:rPr kumimoji="1" lang="ja-JP" altLang="en-US" sz="1800" dirty="0"/>
-              <a:t>年以上前だが）</a:t>
-            </a:r>
-            <a:endParaRPr kumimoji="1" lang="en-US" altLang="ja-JP" sz="1800" dirty="0"/>
-          </a:p>
-          <a:p>
-            <a:pPr lvl="1"/>
-            <a:r>
-              <a:rPr kumimoji="1" lang="ja-JP" altLang="en-US" sz="1800" dirty="0"/>
-              <a:t>翻訳版はかなり読みづらいし，内容もかなり冗長さを感じる</a:t>
-            </a:r>
-            <a:endParaRPr kumimoji="1" lang="en-US" altLang="ja-JP" sz="1800" dirty="0"/>
-          </a:p>
-          <a:p>
-            <a:pPr lvl="1"/>
-            <a:r>
-              <a:rPr kumimoji="1" lang="ja-JP" altLang="en-US" sz="1800" dirty="0"/>
-              <a:t>でも大事なことが書かれていると思う</a:t>
-            </a:r>
-            <a:endParaRPr kumimoji="1" lang="en-US" altLang="ja-JP" sz="1800" dirty="0"/>
-          </a:p>
-          <a:p>
-            <a:pPr lvl="1"/>
-            <a:r>
-              <a:rPr kumimoji="1" lang="ja-JP" altLang="en-US" sz="1800" dirty="0"/>
-              <a:t>後述の「理科系の作文技術」と，もっとも大事な部分では同じ事を言っていると思う</a:t>
+              <a:rPr kumimoji="1" lang="ja-JP" altLang="en-US" dirty="0"/>
+              <a:t>自明な場合でも「それ」などを使った方がよい</a:t>
             </a:r>
           </a:p>
         </p:txBody>
@@ -3876,7 +3838,7 @@
     </p:spTree>
     <p:extLst>
       <p:ext uri="{BB962C8B-B14F-4D97-AF65-F5344CB8AC3E}">
-        <p14:creationId xmlns:p14="http://schemas.microsoft.com/office/powerpoint/2010/main" val="1201039015"/>
+        <p14:creationId xmlns:p14="http://schemas.microsoft.com/office/powerpoint/2010/main" val="902104713"/>
       </p:ext>
     </p:extLst>
   </p:cSld>
@@ -3913,10 +3875,10 @@
       </p:grpSpPr>
       <p:sp>
         <p:nvSpPr>
-          <p:cNvPr id="4" name="タイトル 3">
-            <a:extLst>
-              <a:ext uri="{FF2B5EF4-FFF2-40B4-BE49-F238E27FC236}">
-                <a16:creationId xmlns:a16="http://schemas.microsoft.com/office/drawing/2014/main" id="{6562E51A-24AB-589C-C10B-60BA2743CF86}"/>
+          <p:cNvPr id="2" name="タイトル 1">
+            <a:extLst>
+              <a:ext uri="{FF2B5EF4-FFF2-40B4-BE49-F238E27FC236}">
+                <a16:creationId xmlns:a16="http://schemas.microsoft.com/office/drawing/2014/main" id="{91D89DC0-3FD1-AEAA-2E43-17FD95F7ABA3}"/>
               </a:ext>
             </a:extLst>
           </p:cNvPr>
@@ -3933,18 +3895,22 @@
           <a:lstStyle/>
           <a:p>
             <a:r>
-              <a:rPr lang="ja-JP" altLang="en-US" dirty="0"/>
-              <a:t>プロットから文章やスライドへ</a:t>
+              <a:rPr kumimoji="1" lang="en-US" altLang="ja-JP" dirty="0"/>
+              <a:t>3. </a:t>
+            </a:r>
+            <a:r>
+              <a:rPr kumimoji="1" lang="ja-JP" altLang="en-US" dirty="0"/>
+              <a:t>各文を適切に接続する</a:t>
             </a:r>
           </a:p>
         </p:txBody>
       </p:sp>
       <p:sp>
         <p:nvSpPr>
-          <p:cNvPr id="5" name="テキスト プレースホルダー 4">
-            <a:extLst>
-              <a:ext uri="{FF2B5EF4-FFF2-40B4-BE49-F238E27FC236}">
-                <a16:creationId xmlns:a16="http://schemas.microsoft.com/office/drawing/2014/main" id="{24288186-ECCC-F136-8196-B4294566CB12}"/>
+          <p:cNvPr id="3" name="テキスト プレースホルダー 2">
+            <a:extLst>
+              <a:ext uri="{FF2B5EF4-FFF2-40B4-BE49-F238E27FC236}">
+                <a16:creationId xmlns:a16="http://schemas.microsoft.com/office/drawing/2014/main" id="{5BC3025A-7B01-BA2E-4B61-9B87B1743DAB}"/>
               </a:ext>
             </a:extLst>
           </p:cNvPr>
@@ -3961,122 +3927,85 @@
           <a:lstStyle/>
           <a:p>
             <a:r>
-              <a:rPr lang="ja-JP" altLang="en-US" dirty="0"/>
-              <a:t>プロットと文章の違い：</a:t>
-            </a:r>
-            <a:endParaRPr lang="en-US" altLang="ja-JP" dirty="0"/>
+              <a:rPr kumimoji="1" lang="ja-JP" altLang="en-US" dirty="0"/>
+              <a:t>なにも考えずに文を短くするとぶつ切れになる</a:t>
+            </a:r>
+            <a:endParaRPr kumimoji="1" lang="en-US" altLang="ja-JP" dirty="0"/>
           </a:p>
           <a:p>
             <a:pPr lvl="1"/>
             <a:r>
-              <a:rPr lang="ja-JP" altLang="en-US" dirty="0"/>
-              <a:t>プロットは論理の階層構造を単に表せば良い</a:t>
-            </a:r>
-            <a:endParaRPr lang="en-US" altLang="ja-JP" dirty="0"/>
+              <a:rPr kumimoji="1" lang="ja-JP" altLang="en-US" dirty="0"/>
+              <a:t>元々なんとなく繋がっていた気がしていただけで，</a:t>
+            </a:r>
+            <a:br>
+              <a:rPr kumimoji="1" lang="en-US" altLang="ja-JP" dirty="0"/>
+            </a:br>
+            <a:r>
+              <a:rPr kumimoji="1" lang="ja-JP" altLang="en-US" dirty="0"/>
+              <a:t>実は論理的に接続されていないとこうなりがち</a:t>
+            </a:r>
+            <a:endParaRPr kumimoji="1" lang="en-US" altLang="ja-JP" dirty="0"/>
+          </a:p>
+          <a:p>
+            <a:r>
+              <a:rPr kumimoji="1" lang="ja-JP" altLang="en-US" dirty="0"/>
+              <a:t>文同士を接続する方法</a:t>
+            </a:r>
+            <a:endParaRPr kumimoji="1" lang="en-US" altLang="ja-JP" dirty="0"/>
+          </a:p>
+          <a:p>
+            <a:pPr marL="817200" lvl="1" indent="-457200">
+              <a:buFont typeface="+mj-lt"/>
+              <a:buAutoNum type="arabicPeriod"/>
+            </a:pPr>
+            <a:r>
+              <a:rPr kumimoji="1" lang="ja-JP" altLang="en-US" dirty="0"/>
+              <a:t>接続詞を適切に入れる</a:t>
+            </a:r>
+            <a:endParaRPr kumimoji="1" lang="en-US" altLang="ja-JP" dirty="0"/>
           </a:p>
           <a:p>
             <a:pPr lvl="2"/>
             <a:r>
-              <a:rPr lang="ja-JP" altLang="en-US" dirty="0"/>
-              <a:t>子は親にぶら下がっている事で視覚的に論理関係がわかる</a:t>
-            </a:r>
-            <a:endParaRPr lang="en-US" altLang="ja-JP" dirty="0"/>
+              <a:rPr kumimoji="1" lang="ja-JP" altLang="en-US" dirty="0"/>
+              <a:t>「したがって」</a:t>
+            </a:r>
+            <a:endParaRPr kumimoji="1" lang="en-US" altLang="ja-JP" dirty="0"/>
           </a:p>
           <a:p>
             <a:pPr lvl="2"/>
             <a:r>
-              <a:rPr lang="ja-JP" altLang="en-US" dirty="0"/>
-              <a:t>つなぎの言葉は通常あまり書かない</a:t>
-            </a:r>
-            <a:endParaRPr lang="en-US" altLang="ja-JP" dirty="0"/>
-          </a:p>
-          <a:p>
-            <a:pPr lvl="1"/>
-            <a:r>
-              <a:rPr lang="ja-JP" altLang="en-US" dirty="0"/>
-              <a:t>しかし，文章（スライド）は基本的にシーケンシャル</a:t>
-            </a:r>
-            <a:endParaRPr lang="en-US" altLang="ja-JP" dirty="0"/>
+              <a:rPr kumimoji="1" lang="ja-JP" altLang="en-US" dirty="0"/>
+              <a:t>「なぜなら」</a:t>
+            </a:r>
+            <a:endParaRPr kumimoji="1" lang="en-US" altLang="ja-JP" dirty="0"/>
           </a:p>
           <a:p>
             <a:pPr lvl="2"/>
             <a:r>
-              <a:rPr lang="ja-JP" altLang="en-US" dirty="0"/>
-              <a:t>文章は前から後ろにむかって順に読むもの</a:t>
-            </a:r>
-            <a:endParaRPr lang="en-US" altLang="ja-JP" dirty="0"/>
-          </a:p>
-          <a:p>
-            <a:pPr lvl="2"/>
-            <a:r>
-              <a:rPr lang="ja-JP" altLang="en-US" dirty="0">
-                <a:solidFill>
-                  <a:schemeClr val="accent5"/>
-                </a:solidFill>
-              </a:rPr>
-              <a:t>前から読んでわかる順序に論理を展開し，それぞれにつなぎを入れる必要がある</a:t>
-            </a:r>
-            <a:endParaRPr lang="en-US" altLang="ja-JP" dirty="0">
-              <a:solidFill>
-                <a:schemeClr val="accent5"/>
-              </a:solidFill>
-            </a:endParaRPr>
-          </a:p>
-          <a:p>
-            <a:r>
-              <a:rPr lang="ja-JP" altLang="en-US" dirty="0"/>
-              <a:t>課題：</a:t>
-            </a:r>
-            <a:br>
-              <a:rPr lang="en-US" altLang="ja-JP" dirty="0"/>
-            </a:br>
-            <a:r>
-              <a:rPr lang="ja-JP" altLang="en-US" dirty="0"/>
-              <a:t>プロットの論理をどのようにシーケンシャルな文章に展開するか？</a:t>
-            </a:r>
-            <a:endParaRPr lang="en-US" altLang="ja-JP" dirty="0"/>
-          </a:p>
-        </p:txBody>
-      </p:sp>
-      <p:sp>
-        <p:nvSpPr>
-          <p:cNvPr id="2" name="スライド番号プレースホルダー 1">
-            <a:extLst>
-              <a:ext uri="{FF2B5EF4-FFF2-40B4-BE49-F238E27FC236}">
-                <a16:creationId xmlns:a16="http://schemas.microsoft.com/office/drawing/2014/main" id="{CFEF9DC9-89E4-71EE-05DF-89E205E66070}"/>
-              </a:ext>
-            </a:extLst>
-          </p:cNvPr>
-          <p:cNvSpPr>
-            <a:spLocks noGrp="1"/>
-          </p:cNvSpPr>
-          <p:nvPr>
-            <p:ph type="sldNum" sz="quarter" idx="4294967295"/>
-          </p:nvPr>
-        </p:nvSpPr>
-        <p:spPr>
-          <a:xfrm>
-            <a:off x="8531225" y="6308725"/>
-            <a:ext cx="612775" cy="549275"/>
-          </a:xfrm>
-        </p:spPr>
-        <p:txBody>
-          <a:bodyPr/>
-          <a:lstStyle/>
-          <a:p>
-            <a:fld id="{D2D8002D-B5B0-4BAC-B1F6-782DDCCE6D9C}" type="slidenum">
-              <a:rPr kumimoji="1" lang="ja-JP" altLang="en-US" smtClean="0"/>
-              <a:pPr/>
-              <a:t>14</a:t>
-            </a:fld>
-            <a:endParaRPr kumimoji="1" lang="ja-JP" altLang="en-US"/>
+              <a:rPr kumimoji="1" lang="ja-JP" altLang="en-US" dirty="0"/>
+              <a:t>「しかし」</a:t>
+            </a:r>
+            <a:endParaRPr kumimoji="1" lang="en-US" altLang="ja-JP" dirty="0"/>
+          </a:p>
+          <a:p>
+            <a:pPr marL="817200" lvl="1" indent="-457200">
+              <a:buFont typeface="+mj-lt"/>
+              <a:buAutoNum type="arabicPeriod"/>
+            </a:pPr>
+            <a:r>
+              <a:rPr kumimoji="1" lang="ja-JP" altLang="en-US" dirty="0"/>
+              <a:t>文内の論理的な繋がりを使う</a:t>
+            </a:r>
+            <a:endParaRPr kumimoji="1" lang="en-US" altLang="ja-JP" dirty="0"/>
           </a:p>
         </p:txBody>
       </p:sp>
     </p:spTree>
     <p:extLst>
       <p:ext uri="{BB962C8B-B14F-4D97-AF65-F5344CB8AC3E}">
-        <p14:creationId xmlns:p14="http://schemas.microsoft.com/office/powerpoint/2010/main" val="4034395818"/>
+        <p14:creationId xmlns:p14="http://schemas.microsoft.com/office/powerpoint/2010/main" val="308663371"/>
       </p:ext>
     </p:extLst>
   </p:cSld>
@@ -4116,6 +4045,1352 @@
           <p:cNvPr id="2" name="タイトル 1">
             <a:extLst>
               <a:ext uri="{FF2B5EF4-FFF2-40B4-BE49-F238E27FC236}">
+                <a16:creationId xmlns:a16="http://schemas.microsoft.com/office/drawing/2014/main" id="{0AA3E805-C8B0-4B62-0EE7-64CFD041C187}"/>
+              </a:ext>
+            </a:extLst>
+          </p:cNvPr>
+          <p:cNvSpPr>
+            <a:spLocks noGrp="1"/>
+          </p:cNvSpPr>
+          <p:nvPr>
+            <p:ph type="title"/>
+          </p:nvPr>
+        </p:nvSpPr>
+        <p:spPr/>
+        <p:txBody>
+          <a:bodyPr/>
+          <a:lstStyle/>
+          <a:p>
+            <a:r>
+              <a:rPr kumimoji="1" lang="ja-JP" altLang="en-US" dirty="0"/>
+              <a:t>論理的な繋がりを使った文の接続１</a:t>
+            </a:r>
+          </a:p>
+        </p:txBody>
+      </p:sp>
+      <p:sp>
+        <p:nvSpPr>
+          <p:cNvPr id="3" name="テキスト プレースホルダー 2">
+            <a:extLst>
+              <a:ext uri="{FF2B5EF4-FFF2-40B4-BE49-F238E27FC236}">
+                <a16:creationId xmlns:a16="http://schemas.microsoft.com/office/drawing/2014/main" id="{60ADC020-2198-50F1-6F94-34B8CBB0F2D4}"/>
+              </a:ext>
+            </a:extLst>
+          </p:cNvPr>
+          <p:cNvSpPr>
+            <a:spLocks noGrp="1"/>
+          </p:cNvSpPr>
+          <p:nvPr>
+            <p:ph type="body" sz="quarter" idx="10"/>
+          </p:nvPr>
+        </p:nvSpPr>
+        <p:spPr/>
+        <p:txBody>
+          <a:bodyPr/>
+          <a:lstStyle/>
+          <a:p>
+            <a:r>
+              <a:rPr kumimoji="1" lang="ja-JP" altLang="en-US" sz="1800" dirty="0">
+                <a:solidFill>
+                  <a:schemeClr val="accent5"/>
+                </a:solidFill>
+              </a:rPr>
+              <a:t>そこより前の文に出てくる単語や事象を入れると自然に繋がる</a:t>
+            </a:r>
+            <a:endParaRPr kumimoji="1" lang="en-US" altLang="ja-JP" sz="1800" dirty="0">
+              <a:solidFill>
+                <a:schemeClr val="accent5"/>
+              </a:solidFill>
+            </a:endParaRPr>
+          </a:p>
+          <a:p>
+            <a:pPr lvl="1"/>
+            <a:r>
+              <a:rPr kumimoji="1" lang="ja-JP" altLang="en-US" sz="1800" dirty="0"/>
+              <a:t>そこまでの文の内容に新しい情報を付け足す形にする</a:t>
+            </a:r>
+            <a:endParaRPr kumimoji="1" lang="en-US" altLang="ja-JP" sz="1800" dirty="0"/>
+          </a:p>
+          <a:p>
+            <a:r>
+              <a:rPr kumimoji="1" lang="ja-JP" altLang="en-US" sz="1800" dirty="0"/>
+              <a:t>「</a:t>
+            </a:r>
+            <a:r>
+              <a:rPr kumimoji="1" lang="en-US" altLang="ja-JP" sz="1800" dirty="0"/>
+              <a:t>A </a:t>
+            </a:r>
+            <a:r>
+              <a:rPr kumimoji="1" lang="ja-JP" altLang="en-US" sz="1800" dirty="0"/>
+              <a:t>は </a:t>
+            </a:r>
+            <a:r>
+              <a:rPr kumimoji="1" lang="en-US" altLang="ja-JP" sz="1800" dirty="0"/>
+              <a:t>B </a:t>
+            </a:r>
+            <a:r>
+              <a:rPr kumimoji="1" lang="ja-JP" altLang="en-US" sz="1800" dirty="0"/>
+              <a:t>である．なぜなら </a:t>
+            </a:r>
+            <a:r>
+              <a:rPr lang="en-US" altLang="ja-JP" sz="1800" dirty="0"/>
+              <a:t>B </a:t>
+            </a:r>
+            <a:r>
+              <a:rPr lang="ja-JP" altLang="en-US" sz="1800" dirty="0"/>
+              <a:t>は </a:t>
+            </a:r>
+            <a:r>
+              <a:rPr lang="en-US" altLang="ja-JP" sz="1800" dirty="0"/>
+              <a:t>C </a:t>
+            </a:r>
+            <a:r>
+              <a:rPr lang="ja-JP" altLang="en-US" sz="1800" dirty="0"/>
+              <a:t>だからだ</a:t>
+            </a:r>
+            <a:r>
+              <a:rPr kumimoji="1" lang="ja-JP" altLang="en-US" sz="1800" dirty="0"/>
+              <a:t>」の後に繋げる文を考える</a:t>
+            </a:r>
+            <a:endParaRPr kumimoji="1" lang="en-US" altLang="ja-JP" sz="1800" dirty="0"/>
+          </a:p>
+          <a:p>
+            <a:pPr lvl="1"/>
+            <a:r>
+              <a:rPr kumimoji="1" lang="ja-JP" altLang="en-US" sz="1800" dirty="0"/>
+              <a:t>良い例：</a:t>
+            </a:r>
+            <a:endParaRPr kumimoji="1" lang="en-US" altLang="ja-JP" sz="1800" dirty="0"/>
+          </a:p>
+          <a:p>
+            <a:pPr lvl="2"/>
+            <a:r>
+              <a:rPr kumimoji="1" lang="ja-JP" altLang="en-US" sz="1800" dirty="0"/>
+              <a:t>「この </a:t>
+            </a:r>
+            <a:r>
+              <a:rPr kumimoji="1" lang="en-US" altLang="ja-JP" sz="1800" dirty="0"/>
+              <a:t>B </a:t>
+            </a:r>
+            <a:r>
+              <a:rPr kumimoji="1" lang="ja-JP" altLang="en-US" sz="1800" dirty="0"/>
+              <a:t>は～という性質をもつ」</a:t>
+            </a:r>
+            <a:endParaRPr kumimoji="1" lang="en-US" altLang="ja-JP" sz="1800" dirty="0"/>
+          </a:p>
+          <a:p>
+            <a:pPr lvl="2"/>
+            <a:r>
+              <a:rPr kumimoji="1" lang="ja-JP" altLang="en-US" sz="1800" dirty="0"/>
+              <a:t>「この </a:t>
+            </a:r>
+            <a:r>
+              <a:rPr kumimoji="1" lang="en-US" altLang="ja-JP" sz="1800" dirty="0"/>
+              <a:t>C </a:t>
+            </a:r>
+            <a:r>
+              <a:rPr kumimoji="1" lang="ja-JP" altLang="en-US" sz="1800" dirty="0"/>
+              <a:t>は一般に </a:t>
+            </a:r>
+            <a:r>
+              <a:rPr kumimoji="1" lang="en-US" altLang="ja-JP" sz="1800" dirty="0"/>
+              <a:t>D </a:t>
+            </a:r>
+            <a:r>
+              <a:rPr kumimoji="1" lang="ja-JP" altLang="en-US" sz="1800" dirty="0"/>
+              <a:t>である」</a:t>
+            </a:r>
+            <a:endParaRPr kumimoji="1" lang="en-US" altLang="ja-JP" sz="1800" dirty="0"/>
+          </a:p>
+          <a:p>
+            <a:pPr lvl="1"/>
+            <a:r>
+              <a:rPr kumimoji="1" lang="ja-JP" altLang="en-US" sz="1800" dirty="0"/>
+              <a:t>だめな例：</a:t>
+            </a:r>
+            <a:endParaRPr kumimoji="1" lang="en-US" altLang="ja-JP" sz="1800" dirty="0"/>
+          </a:p>
+          <a:p>
+            <a:pPr lvl="2"/>
+            <a:r>
+              <a:rPr kumimoji="1" lang="ja-JP" altLang="en-US" sz="1800" dirty="0"/>
+              <a:t>「</a:t>
+            </a:r>
+            <a:r>
+              <a:rPr kumimoji="1" lang="en-US" altLang="ja-JP" sz="1800" dirty="0"/>
+              <a:t>E </a:t>
+            </a:r>
+            <a:r>
+              <a:rPr kumimoji="1" lang="ja-JP" altLang="en-US" sz="1800" dirty="0"/>
+              <a:t>は </a:t>
+            </a:r>
+            <a:r>
+              <a:rPr kumimoji="1" lang="en-US" altLang="ja-JP" sz="1800" dirty="0"/>
+              <a:t>F </a:t>
+            </a:r>
+            <a:r>
+              <a:rPr kumimoji="1" lang="ja-JP" altLang="en-US" sz="1800" dirty="0"/>
+              <a:t>である」（</a:t>
+            </a:r>
+            <a:r>
+              <a:rPr kumimoji="1" lang="en-US" altLang="ja-JP" sz="1800" dirty="0"/>
+              <a:t>E </a:t>
+            </a:r>
+            <a:r>
+              <a:rPr kumimoji="1" lang="ja-JP" altLang="en-US" sz="1800" dirty="0"/>
+              <a:t>も </a:t>
+            </a:r>
+            <a:r>
+              <a:rPr kumimoji="1" lang="en-US" altLang="ja-JP" sz="1800" dirty="0"/>
+              <a:t>F </a:t>
+            </a:r>
+            <a:r>
+              <a:rPr kumimoji="1" lang="ja-JP" altLang="en-US" sz="1800" dirty="0"/>
+              <a:t>も初登場なので繋がってない）</a:t>
+            </a:r>
+            <a:endParaRPr kumimoji="1" lang="en-US" altLang="ja-JP" sz="1800" dirty="0"/>
+          </a:p>
+        </p:txBody>
+      </p:sp>
+    </p:spTree>
+    <p:extLst>
+      <p:ext uri="{BB962C8B-B14F-4D97-AF65-F5344CB8AC3E}">
+        <p14:creationId xmlns:p14="http://schemas.microsoft.com/office/powerpoint/2010/main" val="1530409555"/>
+      </p:ext>
+    </p:extLst>
+  </p:cSld>
+  <p:clrMapOvr>
+    <a:masterClrMapping/>
+  </p:clrMapOvr>
+  <mc:AlternateContent xmlns:mc="http://schemas.openxmlformats.org/markup-compatibility/2006" xmlns:p14="http://schemas.microsoft.com/office/powerpoint/2010/main">
+    <mc:Choice Requires="p14">
+      <p:transition p14:dur="10"/>
+    </mc:Choice>
+    <mc:Fallback xmlns="">
+      <p:transition/>
+    </mc:Fallback>
+  </mc:AlternateContent>
+</p:sld>
+</file>
+
+<file path=ppt/slides/slide16.xml><?xml version="1.0" encoding="utf-8"?>
+<p:sld xmlns:a="http://schemas.openxmlformats.org/drawingml/2006/main" xmlns:r="http://schemas.openxmlformats.org/officeDocument/2006/relationships" xmlns:p="http://schemas.openxmlformats.org/presentationml/2006/main">
+  <p:cSld>
+    <p:spTree>
+      <p:nvGrpSpPr>
+        <p:cNvPr id="1" name=""/>
+        <p:cNvGrpSpPr/>
+        <p:nvPr/>
+      </p:nvGrpSpPr>
+      <p:grpSpPr>
+        <a:xfrm>
+          <a:off x="0" y="0"/>
+          <a:ext cx="0" cy="0"/>
+          <a:chOff x="0" y="0"/>
+          <a:chExt cx="0" cy="0"/>
+        </a:xfrm>
+      </p:grpSpPr>
+      <p:sp>
+        <p:nvSpPr>
+          <p:cNvPr id="2" name="タイトル 1">
+            <a:extLst>
+              <a:ext uri="{FF2B5EF4-FFF2-40B4-BE49-F238E27FC236}">
+                <a16:creationId xmlns:a16="http://schemas.microsoft.com/office/drawing/2014/main" id="{0AA3E805-C8B0-4B62-0EE7-64CFD041C187}"/>
+              </a:ext>
+            </a:extLst>
+          </p:cNvPr>
+          <p:cNvSpPr>
+            <a:spLocks noGrp="1"/>
+          </p:cNvSpPr>
+          <p:nvPr>
+            <p:ph type="title"/>
+          </p:nvPr>
+        </p:nvSpPr>
+        <p:spPr/>
+        <p:txBody>
+          <a:bodyPr/>
+          <a:lstStyle/>
+          <a:p>
+            <a:r>
+              <a:rPr kumimoji="1" lang="ja-JP" altLang="en-US" dirty="0"/>
+              <a:t>論理的な繋がりを使った文の接続２</a:t>
+            </a:r>
+          </a:p>
+        </p:txBody>
+      </p:sp>
+      <p:sp>
+        <p:nvSpPr>
+          <p:cNvPr id="3" name="テキスト プレースホルダー 2">
+            <a:extLst>
+              <a:ext uri="{FF2B5EF4-FFF2-40B4-BE49-F238E27FC236}">
+                <a16:creationId xmlns:a16="http://schemas.microsoft.com/office/drawing/2014/main" id="{60ADC020-2198-50F1-6F94-34B8CBB0F2D4}"/>
+              </a:ext>
+            </a:extLst>
+          </p:cNvPr>
+          <p:cNvSpPr>
+            <a:spLocks noGrp="1"/>
+          </p:cNvSpPr>
+          <p:nvPr>
+            <p:ph type="body" sz="quarter" idx="10"/>
+          </p:nvPr>
+        </p:nvSpPr>
+        <p:spPr/>
+        <p:txBody>
+          <a:bodyPr/>
+          <a:lstStyle/>
+          <a:p>
+            <a:r>
+              <a:rPr kumimoji="1" lang="ja-JP" altLang="en-US" sz="1800" dirty="0">
+                <a:solidFill>
+                  <a:schemeClr val="accent5"/>
+                </a:solidFill>
+              </a:rPr>
+              <a:t>各文内の前の方に，（なるべく近くの）既出の単語や事象を置く</a:t>
+            </a:r>
+            <a:endParaRPr kumimoji="1" lang="en-US" altLang="ja-JP" sz="1800" dirty="0"/>
+          </a:p>
+          <a:p>
+            <a:pPr lvl="1"/>
+            <a:r>
+              <a:rPr kumimoji="1" lang="ja-JP" altLang="en-US" sz="1800" dirty="0"/>
+              <a:t>既出の単語が，長い文の後半で初めて出てくるのは良くない</a:t>
+            </a:r>
+            <a:endParaRPr kumimoji="1" lang="en-US" altLang="ja-JP" sz="1800" dirty="0"/>
+          </a:p>
+          <a:p>
+            <a:pPr lvl="1"/>
+            <a:r>
+              <a:rPr kumimoji="1" lang="ja-JP" altLang="en-US" sz="1800" dirty="0"/>
+              <a:t>その文を最後まで読まないと，接続関係がわからない</a:t>
+            </a:r>
+            <a:endParaRPr kumimoji="1" lang="en-US" altLang="ja-JP" sz="1800" dirty="0"/>
+          </a:p>
+          <a:p>
+            <a:r>
+              <a:rPr kumimoji="1" lang="ja-JP" altLang="en-US" sz="1800" dirty="0"/>
+              <a:t>また「</a:t>
+            </a:r>
+            <a:r>
+              <a:rPr kumimoji="1" lang="en-US" altLang="ja-JP" sz="1800" dirty="0"/>
+              <a:t>A </a:t>
+            </a:r>
+            <a:r>
+              <a:rPr kumimoji="1" lang="ja-JP" altLang="en-US" sz="1800" dirty="0"/>
+              <a:t>は </a:t>
+            </a:r>
+            <a:r>
+              <a:rPr kumimoji="1" lang="en-US" altLang="ja-JP" sz="1800" dirty="0"/>
+              <a:t>B </a:t>
+            </a:r>
+            <a:r>
+              <a:rPr kumimoji="1" lang="ja-JP" altLang="en-US" sz="1800" dirty="0"/>
+              <a:t>である．なぜなら </a:t>
+            </a:r>
+            <a:r>
+              <a:rPr lang="en-US" altLang="ja-JP" sz="1800" dirty="0"/>
+              <a:t>B </a:t>
+            </a:r>
+            <a:r>
+              <a:rPr lang="ja-JP" altLang="en-US" sz="1800" dirty="0"/>
+              <a:t>は </a:t>
+            </a:r>
+            <a:r>
+              <a:rPr lang="en-US" altLang="ja-JP" sz="1800" b="1" dirty="0">
+                <a:solidFill>
+                  <a:schemeClr val="accent5"/>
+                </a:solidFill>
+              </a:rPr>
+              <a:t>C</a:t>
+            </a:r>
+            <a:r>
+              <a:rPr lang="en-US" altLang="ja-JP" sz="1800" dirty="0"/>
+              <a:t> </a:t>
+            </a:r>
+            <a:r>
+              <a:rPr lang="ja-JP" altLang="en-US" sz="1800" dirty="0"/>
+              <a:t>だからだ</a:t>
+            </a:r>
+            <a:r>
+              <a:rPr kumimoji="1" lang="ja-JP" altLang="en-US" sz="1800" dirty="0"/>
+              <a:t>」の後に繋げる文を考える</a:t>
+            </a:r>
+            <a:endParaRPr kumimoji="1" lang="en-US" altLang="ja-JP" sz="1800" dirty="0"/>
+          </a:p>
+          <a:p>
+            <a:pPr lvl="1"/>
+            <a:r>
+              <a:rPr kumimoji="1" lang="ja-JP" altLang="en-US" sz="1800" dirty="0"/>
+              <a:t>だめな例：</a:t>
+            </a:r>
+            <a:endParaRPr kumimoji="1" lang="en-US" altLang="ja-JP" sz="1800" dirty="0"/>
+          </a:p>
+          <a:p>
+            <a:pPr lvl="2"/>
+            <a:r>
+              <a:rPr kumimoji="1" lang="ja-JP" altLang="en-US" sz="1800" dirty="0"/>
+              <a:t>「～は～であり，そのため～は </a:t>
+            </a:r>
+            <a:r>
+              <a:rPr kumimoji="1" lang="en-US" altLang="ja-JP" sz="1800" b="1" dirty="0">
+                <a:solidFill>
+                  <a:schemeClr val="accent5"/>
+                </a:solidFill>
+              </a:rPr>
+              <a:t>C</a:t>
+            </a:r>
+            <a:r>
+              <a:rPr kumimoji="1" lang="en-US" altLang="ja-JP" sz="1800" dirty="0"/>
+              <a:t> </a:t>
+            </a:r>
+            <a:r>
+              <a:rPr kumimoji="1" lang="ja-JP" altLang="en-US" sz="1800" dirty="0"/>
+              <a:t>である」</a:t>
+            </a:r>
+            <a:endParaRPr kumimoji="1" lang="en-US" altLang="ja-JP" sz="1800" dirty="0"/>
+          </a:p>
+          <a:p>
+            <a:pPr lvl="2"/>
+            <a:r>
+              <a:rPr kumimoji="1" lang="en-US" altLang="ja-JP" sz="1800" dirty="0"/>
+              <a:t>C </a:t>
+            </a:r>
+            <a:r>
+              <a:rPr kumimoji="1" lang="ja-JP" altLang="en-US" sz="1800" dirty="0"/>
+              <a:t>が最後に出てくるので，そこまで読まないと関係がわからない</a:t>
+            </a:r>
+            <a:endParaRPr kumimoji="1" lang="en-US" altLang="ja-JP" sz="1800" dirty="0"/>
+          </a:p>
+          <a:p>
+            <a:pPr lvl="1"/>
+            <a:r>
+              <a:rPr kumimoji="1" lang="ja-JP" altLang="en-US" sz="1800" dirty="0"/>
+              <a:t>良い例：</a:t>
+            </a:r>
+            <a:endParaRPr kumimoji="1" lang="en-US" altLang="ja-JP" sz="1800" dirty="0"/>
+          </a:p>
+          <a:p>
+            <a:pPr lvl="2"/>
+            <a:r>
+              <a:rPr kumimoji="1" lang="ja-JP" altLang="en-US" sz="1800" dirty="0"/>
+              <a:t>「～は </a:t>
+            </a:r>
+            <a:r>
+              <a:rPr kumimoji="1" lang="en-US" altLang="ja-JP" sz="1800" b="1" dirty="0">
+                <a:solidFill>
+                  <a:schemeClr val="accent5"/>
+                </a:solidFill>
+              </a:rPr>
+              <a:t>C</a:t>
+            </a:r>
+            <a:r>
+              <a:rPr kumimoji="1" lang="en-US" altLang="ja-JP" sz="1800" dirty="0"/>
+              <a:t> </a:t>
+            </a:r>
+            <a:r>
+              <a:rPr kumimoji="1" lang="ja-JP" altLang="en-US" sz="1800" dirty="0"/>
+              <a:t>である．なぜなら～は～であるためである」</a:t>
+            </a:r>
+            <a:endParaRPr kumimoji="1" lang="en-US" altLang="ja-JP" sz="1800" dirty="0"/>
+          </a:p>
+        </p:txBody>
+      </p:sp>
+    </p:spTree>
+    <p:extLst>
+      <p:ext uri="{BB962C8B-B14F-4D97-AF65-F5344CB8AC3E}">
+        <p14:creationId xmlns:p14="http://schemas.microsoft.com/office/powerpoint/2010/main" val="3414039066"/>
+      </p:ext>
+    </p:extLst>
+  </p:cSld>
+  <p:clrMapOvr>
+    <a:masterClrMapping/>
+  </p:clrMapOvr>
+  <mc:AlternateContent xmlns:mc="http://schemas.openxmlformats.org/markup-compatibility/2006" xmlns:p14="http://schemas.microsoft.com/office/powerpoint/2010/main">
+    <mc:Choice Requires="p14">
+      <p:transition p14:dur="10"/>
+    </mc:Choice>
+    <mc:Fallback xmlns="">
+      <p:transition/>
+    </mc:Fallback>
+  </mc:AlternateContent>
+</p:sld>
+</file>
+
+<file path=ppt/slides/slide17.xml><?xml version="1.0" encoding="utf-8"?>
+<p:sld xmlns:a="http://schemas.openxmlformats.org/drawingml/2006/main" xmlns:r="http://schemas.openxmlformats.org/officeDocument/2006/relationships" xmlns:p="http://schemas.openxmlformats.org/presentationml/2006/main">
+  <p:cSld>
+    <p:spTree>
+      <p:nvGrpSpPr>
+        <p:cNvPr id="1" name=""/>
+        <p:cNvGrpSpPr/>
+        <p:nvPr/>
+      </p:nvGrpSpPr>
+      <p:grpSpPr>
+        <a:xfrm>
+          <a:off x="0" y="0"/>
+          <a:ext cx="0" cy="0"/>
+          <a:chOff x="0" y="0"/>
+          <a:chExt cx="0" cy="0"/>
+        </a:xfrm>
+      </p:grpSpPr>
+      <p:sp>
+        <p:nvSpPr>
+          <p:cNvPr id="2" name="タイトル 1">
+            <a:extLst>
+              <a:ext uri="{FF2B5EF4-FFF2-40B4-BE49-F238E27FC236}">
+                <a16:creationId xmlns:a16="http://schemas.microsoft.com/office/drawing/2014/main" id="{97F43A36-1241-4642-C35D-F2423024AF7E}"/>
+              </a:ext>
+            </a:extLst>
+          </p:cNvPr>
+          <p:cNvSpPr>
+            <a:spLocks noGrp="1"/>
+          </p:cNvSpPr>
+          <p:nvPr>
+            <p:ph type="title"/>
+          </p:nvPr>
+        </p:nvSpPr>
+        <p:spPr/>
+        <p:txBody>
+          <a:bodyPr/>
+          <a:lstStyle/>
+          <a:p>
+            <a:r>
+              <a:rPr kumimoji="1" lang="ja-JP" altLang="en-US" dirty="0"/>
+              <a:t>論理的な繋がりを使った文の接続３</a:t>
+            </a:r>
+          </a:p>
+        </p:txBody>
+      </p:sp>
+      <p:sp>
+        <p:nvSpPr>
+          <p:cNvPr id="3" name="テキスト プレースホルダー 2">
+            <a:extLst>
+              <a:ext uri="{FF2B5EF4-FFF2-40B4-BE49-F238E27FC236}">
+                <a16:creationId xmlns:a16="http://schemas.microsoft.com/office/drawing/2014/main" id="{0AE5F184-FC3A-2542-0079-3B39E1BBBD63}"/>
+              </a:ext>
+            </a:extLst>
+          </p:cNvPr>
+          <p:cNvSpPr>
+            <a:spLocks noGrp="1"/>
+          </p:cNvSpPr>
+          <p:nvPr>
+            <p:ph type="body" sz="quarter" idx="10"/>
+          </p:nvPr>
+        </p:nvSpPr>
+        <p:spPr/>
+        <p:txBody>
+          <a:bodyPr/>
+          <a:lstStyle/>
+          <a:p>
+            <a:r>
+              <a:rPr kumimoji="1" lang="ja-JP" altLang="en-US" dirty="0"/>
+              <a:t>最初に要素や単語を列挙してから，ぶらさげる</a:t>
+            </a:r>
+            <a:endParaRPr kumimoji="1" lang="en-US" altLang="ja-JP" dirty="0"/>
+          </a:p>
+          <a:p>
+            <a:pPr lvl="1"/>
+            <a:r>
+              <a:rPr kumimoji="1" lang="ja-JP" altLang="en-US" dirty="0"/>
+              <a:t>この後ろに列挙した要素の説明がくることが自然に伝わる</a:t>
+            </a:r>
+            <a:endParaRPr kumimoji="1" lang="en-US" altLang="ja-JP" dirty="0"/>
+          </a:p>
+          <a:p>
+            <a:r>
+              <a:rPr kumimoji="1" lang="ja-JP" altLang="en-US" dirty="0"/>
+              <a:t>例：</a:t>
+            </a:r>
+            <a:endParaRPr kumimoji="1" lang="en-US" altLang="ja-JP" dirty="0"/>
+          </a:p>
+          <a:p>
+            <a:pPr lvl="1"/>
+            <a:r>
+              <a:rPr kumimoji="1" lang="ja-JP" altLang="en-US" dirty="0"/>
+              <a:t>「</a:t>
+            </a:r>
+            <a:r>
+              <a:rPr kumimoji="1" lang="en-US" altLang="ja-JP" dirty="0"/>
+              <a:t>A </a:t>
+            </a:r>
+            <a:r>
+              <a:rPr kumimoji="1" lang="ja-JP" altLang="en-US" dirty="0"/>
+              <a:t>には </a:t>
+            </a:r>
+            <a:r>
+              <a:rPr kumimoji="1" lang="en-US" altLang="ja-JP" dirty="0"/>
+              <a:t>B </a:t>
+            </a:r>
+            <a:r>
+              <a:rPr kumimoji="1" lang="ja-JP" altLang="en-US" dirty="0"/>
+              <a:t>と </a:t>
+            </a:r>
+            <a:r>
+              <a:rPr kumimoji="1" lang="en-US" altLang="ja-JP" dirty="0"/>
+              <a:t>C </a:t>
+            </a:r>
+            <a:r>
+              <a:rPr kumimoji="1" lang="ja-JP" altLang="en-US" dirty="0"/>
+              <a:t>がある」</a:t>
+            </a:r>
+            <a:endParaRPr kumimoji="1" lang="en-US" altLang="ja-JP" dirty="0"/>
+          </a:p>
+          <a:p>
+            <a:pPr lvl="2"/>
+            <a:r>
+              <a:rPr kumimoji="1" lang="ja-JP" altLang="en-US" dirty="0"/>
+              <a:t>「</a:t>
+            </a:r>
+            <a:r>
+              <a:rPr kumimoji="1" lang="en-US" altLang="ja-JP" dirty="0"/>
+              <a:t>B </a:t>
+            </a:r>
+            <a:r>
+              <a:rPr kumimoji="1" lang="ja-JP" altLang="en-US" dirty="0"/>
+              <a:t>は～である」</a:t>
+            </a:r>
+            <a:endParaRPr kumimoji="1" lang="en-US" altLang="ja-JP" dirty="0"/>
+          </a:p>
+          <a:p>
+            <a:pPr lvl="2"/>
+            <a:r>
+              <a:rPr kumimoji="1" lang="ja-JP" altLang="en-US" dirty="0"/>
+              <a:t>「一方で </a:t>
+            </a:r>
+            <a:r>
+              <a:rPr kumimoji="1" lang="en-US" altLang="ja-JP" dirty="0"/>
+              <a:t>C </a:t>
+            </a:r>
+            <a:r>
+              <a:rPr kumimoji="1" lang="ja-JP" altLang="en-US" dirty="0"/>
+              <a:t>は～である」</a:t>
+            </a:r>
+            <a:br>
+              <a:rPr kumimoji="1" lang="en-US" altLang="ja-JP" dirty="0"/>
+            </a:br>
+            <a:endParaRPr kumimoji="1" lang="en-US" altLang="ja-JP" dirty="0"/>
+          </a:p>
+          <a:p>
+            <a:pPr lvl="1"/>
+            <a:r>
+              <a:rPr kumimoji="1" lang="ja-JP" altLang="en-US" dirty="0"/>
+              <a:t>「～は以下の手順で行われる」</a:t>
+            </a:r>
+            <a:endParaRPr kumimoji="1" lang="en-US" altLang="ja-JP" dirty="0"/>
+          </a:p>
+          <a:p>
+            <a:pPr lvl="2"/>
+            <a:r>
+              <a:rPr kumimoji="1" lang="ja-JP" altLang="en-US" dirty="0"/>
+              <a:t>「</a:t>
+            </a:r>
+            <a:r>
+              <a:rPr kumimoji="1" lang="en-US" altLang="ja-JP" dirty="0"/>
+              <a:t>1.</a:t>
+            </a:r>
+            <a:r>
+              <a:rPr kumimoji="1" lang="ja-JP" altLang="en-US" dirty="0"/>
+              <a:t>」「</a:t>
+            </a:r>
+            <a:r>
+              <a:rPr kumimoji="1" lang="en-US" altLang="ja-JP" dirty="0"/>
+              <a:t>2.</a:t>
+            </a:r>
+            <a:r>
+              <a:rPr kumimoji="1" lang="ja-JP" altLang="en-US" dirty="0"/>
+              <a:t>」「</a:t>
+            </a:r>
+            <a:r>
+              <a:rPr kumimoji="1" lang="en-US" altLang="ja-JP" dirty="0"/>
+              <a:t>3.</a:t>
+            </a:r>
+            <a:r>
+              <a:rPr kumimoji="1" lang="ja-JP" altLang="en-US" dirty="0"/>
+              <a:t>」</a:t>
+            </a:r>
+            <a:endParaRPr kumimoji="1" lang="en-US" altLang="ja-JP" dirty="0"/>
+          </a:p>
+          <a:p>
+            <a:pPr lvl="1"/>
+            <a:r>
+              <a:rPr kumimoji="1" lang="ja-JP" altLang="en-US" dirty="0"/>
+              <a:t>「～は以下の２つの理由からなる」</a:t>
+            </a:r>
+            <a:endParaRPr kumimoji="1" lang="en-US" altLang="ja-JP" dirty="0"/>
+          </a:p>
+          <a:p>
+            <a:pPr lvl="2"/>
+            <a:r>
+              <a:rPr kumimoji="1" lang="ja-JP" altLang="en-US" dirty="0"/>
+              <a:t>「</a:t>
+            </a:r>
+            <a:r>
+              <a:rPr kumimoji="1" lang="en-US" altLang="ja-JP" dirty="0"/>
+              <a:t>1.</a:t>
+            </a:r>
+            <a:r>
+              <a:rPr kumimoji="1" lang="ja-JP" altLang="en-US" dirty="0"/>
+              <a:t>」「</a:t>
+            </a:r>
+            <a:r>
+              <a:rPr kumimoji="1" lang="en-US" altLang="ja-JP" dirty="0"/>
+              <a:t>2.</a:t>
+            </a:r>
+            <a:r>
+              <a:rPr kumimoji="1" lang="ja-JP" altLang="en-US" dirty="0"/>
+              <a:t>」</a:t>
+            </a:r>
+            <a:endParaRPr kumimoji="1" lang="en-US" altLang="ja-JP" dirty="0"/>
+          </a:p>
+          <a:p>
+            <a:pPr lvl="1"/>
+            <a:endParaRPr kumimoji="1" lang="ja-JP" altLang="en-US" dirty="0"/>
+          </a:p>
+        </p:txBody>
+      </p:sp>
+    </p:spTree>
+    <p:extLst>
+      <p:ext uri="{BB962C8B-B14F-4D97-AF65-F5344CB8AC3E}">
+        <p14:creationId xmlns:p14="http://schemas.microsoft.com/office/powerpoint/2010/main" val="2236628389"/>
+      </p:ext>
+    </p:extLst>
+  </p:cSld>
+  <p:clrMapOvr>
+    <a:masterClrMapping/>
+  </p:clrMapOvr>
+  <mc:AlternateContent xmlns:mc="http://schemas.openxmlformats.org/markup-compatibility/2006" xmlns:p14="http://schemas.microsoft.com/office/powerpoint/2010/main">
+    <mc:Choice Requires="p14">
+      <p:transition p14:dur="10"/>
+    </mc:Choice>
+    <mc:Fallback xmlns="">
+      <p:transition/>
+    </mc:Fallback>
+  </mc:AlternateContent>
+</p:sld>
+</file>
+
+<file path=ppt/slides/slide18.xml><?xml version="1.0" encoding="utf-8"?>
+<p:sld xmlns:a="http://schemas.openxmlformats.org/drawingml/2006/main" xmlns:r="http://schemas.openxmlformats.org/officeDocument/2006/relationships" xmlns:p="http://schemas.openxmlformats.org/presentationml/2006/main">
+  <p:cSld>
+    <p:spTree>
+      <p:nvGrpSpPr>
+        <p:cNvPr id="1" name=""/>
+        <p:cNvGrpSpPr/>
+        <p:nvPr/>
+      </p:nvGrpSpPr>
+      <p:grpSpPr>
+        <a:xfrm>
+          <a:off x="0" y="0"/>
+          <a:ext cx="0" cy="0"/>
+          <a:chOff x="0" y="0"/>
+          <a:chExt cx="0" cy="0"/>
+        </a:xfrm>
+      </p:grpSpPr>
+      <p:sp>
+        <p:nvSpPr>
+          <p:cNvPr id="2" name="タイトル 1">
+            <a:extLst>
+              <a:ext uri="{FF2B5EF4-FFF2-40B4-BE49-F238E27FC236}">
+                <a16:creationId xmlns:a16="http://schemas.microsoft.com/office/drawing/2014/main" id="{29EE214D-6E7A-0357-0756-680B63295B42}"/>
+              </a:ext>
+            </a:extLst>
+          </p:cNvPr>
+          <p:cNvSpPr>
+            <a:spLocks noGrp="1"/>
+          </p:cNvSpPr>
+          <p:nvPr>
+            <p:ph type="title"/>
+          </p:nvPr>
+        </p:nvSpPr>
+        <p:spPr/>
+        <p:txBody>
+          <a:bodyPr/>
+          <a:lstStyle/>
+          <a:p>
+            <a:r>
+              <a:rPr lang="ja-JP" altLang="en-US" dirty="0"/>
+              <a:t>パラグラフや文内の接続：古い情報と新しい情報</a:t>
+            </a:r>
+            <a:endParaRPr kumimoji="1" lang="ja-JP" altLang="en-US" dirty="0"/>
+          </a:p>
+        </p:txBody>
+      </p:sp>
+      <p:sp>
+        <p:nvSpPr>
+          <p:cNvPr id="3" name="テキスト プレースホルダー 2">
+            <a:extLst>
+              <a:ext uri="{FF2B5EF4-FFF2-40B4-BE49-F238E27FC236}">
+                <a16:creationId xmlns:a16="http://schemas.microsoft.com/office/drawing/2014/main" id="{73E7C1C9-4BB8-6905-4AC9-D99FB1224F57}"/>
+              </a:ext>
+            </a:extLst>
+          </p:cNvPr>
+          <p:cNvSpPr>
+            <a:spLocks noGrp="1"/>
+          </p:cNvSpPr>
+          <p:nvPr>
+            <p:ph type="body" sz="quarter" idx="10"/>
+          </p:nvPr>
+        </p:nvSpPr>
+        <p:spPr/>
+        <p:txBody>
+          <a:bodyPr/>
+          <a:lstStyle/>
+          <a:p>
+            <a:r>
+              <a:rPr lang="ja-JP" altLang="en-US" dirty="0">
+                <a:solidFill>
+                  <a:schemeClr val="accent5"/>
+                </a:solidFill>
+              </a:rPr>
+              <a:t>文や文章は「古い情報」に「新しい情報」を結びつける</a:t>
+            </a:r>
+            <a:endParaRPr lang="en-US" altLang="ja-JP" dirty="0">
+              <a:solidFill>
+                <a:schemeClr val="accent5"/>
+              </a:solidFill>
+            </a:endParaRPr>
+          </a:p>
+          <a:p>
+            <a:pPr lvl="1"/>
+            <a:r>
+              <a:rPr kumimoji="1" lang="ja-JP" altLang="en-US" dirty="0"/>
+              <a:t>古い情報：</a:t>
+            </a:r>
+            <a:endParaRPr kumimoji="1" lang="en-US" altLang="ja-JP" dirty="0"/>
+          </a:p>
+          <a:p>
+            <a:pPr lvl="2"/>
+            <a:r>
+              <a:rPr kumimoji="1" lang="ja-JP" altLang="en-US" dirty="0"/>
+              <a:t>その文までに文章中に出てきた情報</a:t>
+            </a:r>
+            <a:endParaRPr kumimoji="1" lang="en-US" altLang="ja-JP" dirty="0"/>
+          </a:p>
+          <a:p>
+            <a:pPr lvl="2"/>
+            <a:r>
+              <a:rPr kumimoji="1" lang="ja-JP" altLang="en-US" dirty="0"/>
+              <a:t>読者が元から知っている（と想定できる）情報</a:t>
+            </a:r>
+            <a:endParaRPr kumimoji="1" lang="en-US" altLang="ja-JP" dirty="0"/>
+          </a:p>
+          <a:p>
+            <a:pPr lvl="1"/>
+            <a:r>
+              <a:rPr lang="ja-JP" altLang="en-US" dirty="0"/>
+              <a:t>新しい情報：</a:t>
+            </a:r>
+            <a:endParaRPr lang="en-US" altLang="ja-JP" dirty="0"/>
+          </a:p>
+          <a:p>
+            <a:pPr lvl="2"/>
+            <a:r>
+              <a:rPr lang="ja-JP" altLang="en-US" dirty="0"/>
+              <a:t>まだ文章中に出てきていない情報</a:t>
+            </a:r>
+            <a:endParaRPr lang="en-US" altLang="ja-JP" dirty="0"/>
+          </a:p>
+          <a:p>
+            <a:r>
+              <a:rPr kumimoji="1" lang="ja-JP" altLang="en-US" dirty="0"/>
+              <a:t>文章の構造：</a:t>
+            </a:r>
+            <a:endParaRPr kumimoji="1" lang="en-US" altLang="ja-JP" dirty="0"/>
+          </a:p>
+          <a:p>
+            <a:pPr lvl="1"/>
+            <a:r>
+              <a:rPr lang="ja-JP" altLang="en-US" dirty="0"/>
+              <a:t>個々の文によって新しい情報を少しずつ足す</a:t>
+            </a:r>
+            <a:endParaRPr lang="en-US" altLang="ja-JP" dirty="0"/>
+          </a:p>
+          <a:p>
+            <a:pPr lvl="1"/>
+            <a:r>
+              <a:rPr lang="ja-JP" altLang="en-US" dirty="0"/>
+              <a:t>文の集まりである文章により大きな新しい情報を表現する</a:t>
+            </a:r>
+            <a:endParaRPr kumimoji="1" lang="en-US" altLang="ja-JP" dirty="0"/>
+          </a:p>
+          <a:p>
+            <a:r>
+              <a:rPr lang="ja-JP" altLang="en-US" dirty="0">
+                <a:solidFill>
+                  <a:schemeClr val="accent5"/>
+                </a:solidFill>
+              </a:rPr>
+              <a:t>「古い情報」を一切含まない文は基本的に文章中に現れない</a:t>
+            </a:r>
+            <a:endParaRPr kumimoji="1" lang="ja-JP" altLang="en-US" dirty="0">
+              <a:solidFill>
+                <a:schemeClr val="accent5"/>
+              </a:solidFill>
+            </a:endParaRPr>
+          </a:p>
+        </p:txBody>
+      </p:sp>
+    </p:spTree>
+    <p:extLst>
+      <p:ext uri="{BB962C8B-B14F-4D97-AF65-F5344CB8AC3E}">
+        <p14:creationId xmlns:p14="http://schemas.microsoft.com/office/powerpoint/2010/main" val="2172065855"/>
+      </p:ext>
+    </p:extLst>
+  </p:cSld>
+  <p:clrMapOvr>
+    <a:masterClrMapping/>
+  </p:clrMapOvr>
+  <mc:AlternateContent xmlns:mc="http://schemas.openxmlformats.org/markup-compatibility/2006" xmlns:p14="http://schemas.microsoft.com/office/powerpoint/2010/main">
+    <mc:Choice Requires="p14">
+      <p:transition p14:dur="10"/>
+    </mc:Choice>
+    <mc:Fallback xmlns="">
+      <p:transition/>
+    </mc:Fallback>
+  </mc:AlternateContent>
+</p:sld>
+</file>
+
+<file path=ppt/slides/slide19.xml><?xml version="1.0" encoding="utf-8"?>
+<p:sld xmlns:a="http://schemas.openxmlformats.org/drawingml/2006/main" xmlns:r="http://schemas.openxmlformats.org/officeDocument/2006/relationships" xmlns:p="http://schemas.openxmlformats.org/presentationml/2006/main">
+  <p:cSld>
+    <p:spTree>
+      <p:nvGrpSpPr>
+        <p:cNvPr id="1" name=""/>
+        <p:cNvGrpSpPr/>
+        <p:nvPr/>
+      </p:nvGrpSpPr>
+      <p:grpSpPr>
+        <a:xfrm>
+          <a:off x="0" y="0"/>
+          <a:ext cx="0" cy="0"/>
+          <a:chOff x="0" y="0"/>
+          <a:chExt cx="0" cy="0"/>
+        </a:xfrm>
+      </p:grpSpPr>
+      <p:sp>
+        <p:nvSpPr>
+          <p:cNvPr id="2" name="タイトル 1">
+            <a:extLst>
+              <a:ext uri="{FF2B5EF4-FFF2-40B4-BE49-F238E27FC236}">
+                <a16:creationId xmlns:a16="http://schemas.microsoft.com/office/drawing/2014/main" id="{29EE214D-6E7A-0357-0756-680B63295B42}"/>
+              </a:ext>
+            </a:extLst>
+          </p:cNvPr>
+          <p:cNvSpPr>
+            <a:spLocks noGrp="1"/>
+          </p:cNvSpPr>
+          <p:nvPr>
+            <p:ph type="title"/>
+          </p:nvPr>
+        </p:nvSpPr>
+        <p:spPr/>
+        <p:txBody>
+          <a:bodyPr/>
+          <a:lstStyle/>
+          <a:p>
+            <a:r>
+              <a:rPr lang="ja-JP" altLang="en-US" dirty="0"/>
+              <a:t>パラグラフや文内の接続：古い情報と新しい情報</a:t>
+            </a:r>
+            <a:endParaRPr kumimoji="1" lang="ja-JP" altLang="en-US" dirty="0"/>
+          </a:p>
+        </p:txBody>
+      </p:sp>
+      <p:sp>
+        <p:nvSpPr>
+          <p:cNvPr id="3" name="テキスト プレースホルダー 2">
+            <a:extLst>
+              <a:ext uri="{FF2B5EF4-FFF2-40B4-BE49-F238E27FC236}">
+                <a16:creationId xmlns:a16="http://schemas.microsoft.com/office/drawing/2014/main" id="{73E7C1C9-4BB8-6905-4AC9-D99FB1224F57}"/>
+              </a:ext>
+            </a:extLst>
+          </p:cNvPr>
+          <p:cNvSpPr>
+            <a:spLocks noGrp="1"/>
+          </p:cNvSpPr>
+          <p:nvPr>
+            <p:ph type="body" sz="quarter" idx="10"/>
+          </p:nvPr>
+        </p:nvSpPr>
+        <p:spPr/>
+        <p:txBody>
+          <a:bodyPr/>
+          <a:lstStyle/>
+          <a:p>
+            <a:r>
+              <a:rPr lang="ja-JP" altLang="en-US" dirty="0"/>
+              <a:t>パラグラフ内の各文</a:t>
+            </a:r>
+            <a:endParaRPr lang="en-US" altLang="ja-JP" dirty="0"/>
+          </a:p>
+          <a:p>
+            <a:pPr lvl="1"/>
+            <a:r>
+              <a:rPr kumimoji="1" lang="ja-JP" altLang="en-US" dirty="0"/>
+              <a:t>トピック・センテンス </a:t>
+            </a:r>
+            <a:r>
+              <a:rPr kumimoji="1" lang="en-US" altLang="ja-JP" dirty="0"/>
+              <a:t>or </a:t>
+            </a:r>
+            <a:r>
+              <a:rPr kumimoji="1" lang="ja-JP" altLang="en-US" dirty="0"/>
+              <a:t>それまでのサポーティング・センテンスで触れた内容に必ず繋がっている</a:t>
+            </a:r>
+            <a:endParaRPr kumimoji="1" lang="en-US" altLang="ja-JP" dirty="0"/>
+          </a:p>
+          <a:p>
+            <a:pPr lvl="1"/>
+            <a:r>
+              <a:rPr kumimoji="1" lang="ja-JP" altLang="en-US" dirty="0"/>
+              <a:t>そこまでに現れていない概念や単語だけで構成された文を入れてはいけない</a:t>
+            </a:r>
+            <a:endParaRPr kumimoji="1" lang="en-US" altLang="ja-JP" dirty="0"/>
+          </a:p>
+          <a:p>
+            <a:pPr lvl="2"/>
+            <a:r>
+              <a:rPr kumimoji="1" lang="ja-JP" altLang="en-US" dirty="0"/>
+              <a:t>その後まで読んではじめて意味がわかるようなものはだめ</a:t>
+            </a:r>
+          </a:p>
+        </p:txBody>
+      </p:sp>
+    </p:spTree>
+    <p:extLst>
+      <p:ext uri="{BB962C8B-B14F-4D97-AF65-F5344CB8AC3E}">
+        <p14:creationId xmlns:p14="http://schemas.microsoft.com/office/powerpoint/2010/main" val="1929943680"/>
+      </p:ext>
+    </p:extLst>
+  </p:cSld>
+  <p:clrMapOvr>
+    <a:masterClrMapping/>
+  </p:clrMapOvr>
+  <mc:AlternateContent xmlns:mc="http://schemas.openxmlformats.org/markup-compatibility/2006" xmlns:p14="http://schemas.microsoft.com/office/powerpoint/2010/main">
+    <mc:Choice Requires="p14">
+      <p:transition p14:dur="10"/>
+    </mc:Choice>
+    <mc:Fallback xmlns="">
+      <p:transition/>
+    </mc:Fallback>
+  </mc:AlternateContent>
+</p:sld>
+</file>
+
+<file path=ppt/slides/slide2.xml><?xml version="1.0" encoding="utf-8"?>
+<p:sld xmlns:a="http://schemas.openxmlformats.org/drawingml/2006/main" xmlns:r="http://schemas.openxmlformats.org/officeDocument/2006/relationships" xmlns:p="http://schemas.openxmlformats.org/presentationml/2006/main">
+  <p:cSld>
+    <p:spTree>
+      <p:nvGrpSpPr>
+        <p:cNvPr id="1" name=""/>
+        <p:cNvGrpSpPr/>
+        <p:nvPr/>
+      </p:nvGrpSpPr>
+      <p:grpSpPr>
+        <a:xfrm>
+          <a:off x="0" y="0"/>
+          <a:ext cx="0" cy="0"/>
+          <a:chOff x="0" y="0"/>
+          <a:chExt cx="0" cy="0"/>
+        </a:xfrm>
+      </p:grpSpPr>
+      <p:sp>
+        <p:nvSpPr>
+          <p:cNvPr id="2" name="タイトル 1">
+            <a:extLst>
+              <a:ext uri="{FF2B5EF4-FFF2-40B4-BE49-F238E27FC236}">
+                <a16:creationId xmlns:a16="http://schemas.microsoft.com/office/drawing/2014/main" id="{9D61C188-5860-DCBE-4F54-3F8C103E2DAC}"/>
+              </a:ext>
+            </a:extLst>
+          </p:cNvPr>
+          <p:cNvSpPr>
+            <a:spLocks noGrp="1"/>
+          </p:cNvSpPr>
+          <p:nvPr>
+            <p:ph type="title"/>
+          </p:nvPr>
+        </p:nvSpPr>
+        <p:spPr/>
+        <p:txBody>
+          <a:bodyPr/>
+          <a:lstStyle/>
+          <a:p>
+            <a:endParaRPr kumimoji="1" lang="ja-JP" altLang="en-US"/>
+          </a:p>
+        </p:txBody>
+      </p:sp>
+      <p:sp>
+        <p:nvSpPr>
+          <p:cNvPr id="3" name="テキスト プレースホルダー 2">
+            <a:extLst>
+              <a:ext uri="{FF2B5EF4-FFF2-40B4-BE49-F238E27FC236}">
+                <a16:creationId xmlns:a16="http://schemas.microsoft.com/office/drawing/2014/main" id="{16406EAA-6DD5-1103-E09E-A8675115D0B4}"/>
+              </a:ext>
+            </a:extLst>
+          </p:cNvPr>
+          <p:cNvSpPr>
+            <a:spLocks noGrp="1"/>
+          </p:cNvSpPr>
+          <p:nvPr>
+            <p:ph type="body" sz="quarter" idx="10"/>
+          </p:nvPr>
+        </p:nvSpPr>
+        <p:spPr/>
+        <p:txBody>
+          <a:bodyPr/>
+          <a:lstStyle/>
+          <a:p>
+            <a:r>
+              <a:rPr lang="ja-JP" altLang="en-US" dirty="0"/>
+              <a:t>まだ工事中</a:t>
+            </a:r>
+            <a:endParaRPr kumimoji="1" lang="ja-JP" altLang="en-US" dirty="0"/>
+          </a:p>
+        </p:txBody>
+      </p:sp>
+    </p:spTree>
+    <p:extLst>
+      <p:ext uri="{BB962C8B-B14F-4D97-AF65-F5344CB8AC3E}">
+        <p14:creationId xmlns:p14="http://schemas.microsoft.com/office/powerpoint/2010/main" val="3860254781"/>
+      </p:ext>
+    </p:extLst>
+  </p:cSld>
+  <p:clrMapOvr>
+    <a:masterClrMapping/>
+  </p:clrMapOvr>
+  <mc:AlternateContent xmlns:mc="http://schemas.openxmlformats.org/markup-compatibility/2006" xmlns:p14="http://schemas.microsoft.com/office/powerpoint/2010/main">
+    <mc:Choice Requires="p14">
+      <p:transition p14:dur="10"/>
+    </mc:Choice>
+    <mc:Fallback xmlns="">
+      <p:transition/>
+    </mc:Fallback>
+  </mc:AlternateContent>
+</p:sld>
+</file>
+
+<file path=ppt/slides/slide20.xml><?xml version="1.0" encoding="utf-8"?>
+<p:sld xmlns:a="http://schemas.openxmlformats.org/drawingml/2006/main" xmlns:r="http://schemas.openxmlformats.org/officeDocument/2006/relationships" xmlns:p="http://schemas.openxmlformats.org/presentationml/2006/main">
+  <p:cSld>
+    <p:spTree>
+      <p:nvGrpSpPr>
+        <p:cNvPr id="1" name=""/>
+        <p:cNvGrpSpPr/>
+        <p:nvPr/>
+      </p:nvGrpSpPr>
+      <p:grpSpPr>
+        <a:xfrm>
+          <a:off x="0" y="0"/>
+          <a:ext cx="0" cy="0"/>
+          <a:chOff x="0" y="0"/>
+          <a:chExt cx="0" cy="0"/>
+        </a:xfrm>
+      </p:grpSpPr>
+      <p:sp>
+        <p:nvSpPr>
+          <p:cNvPr id="4" name="タイトル 3">
+            <a:extLst>
+              <a:ext uri="{FF2B5EF4-FFF2-40B4-BE49-F238E27FC236}">
+                <a16:creationId xmlns:a16="http://schemas.microsoft.com/office/drawing/2014/main" id="{6562E51A-24AB-589C-C10B-60BA2743CF86}"/>
+              </a:ext>
+            </a:extLst>
+          </p:cNvPr>
+          <p:cNvSpPr>
+            <a:spLocks noGrp="1"/>
+          </p:cNvSpPr>
+          <p:nvPr>
+            <p:ph type="title"/>
+          </p:nvPr>
+        </p:nvSpPr>
+        <p:spPr/>
+        <p:txBody>
+          <a:bodyPr/>
+          <a:lstStyle/>
+          <a:p>
+            <a:r>
+              <a:rPr lang="ja-JP" altLang="en-US" dirty="0"/>
+              <a:t>プロットから文章やスライドへ</a:t>
+            </a:r>
+          </a:p>
+        </p:txBody>
+      </p:sp>
+      <p:sp>
+        <p:nvSpPr>
+          <p:cNvPr id="5" name="テキスト プレースホルダー 4">
+            <a:extLst>
+              <a:ext uri="{FF2B5EF4-FFF2-40B4-BE49-F238E27FC236}">
+                <a16:creationId xmlns:a16="http://schemas.microsoft.com/office/drawing/2014/main" id="{24288186-ECCC-F136-8196-B4294566CB12}"/>
+              </a:ext>
+            </a:extLst>
+          </p:cNvPr>
+          <p:cNvSpPr>
+            <a:spLocks noGrp="1"/>
+          </p:cNvSpPr>
+          <p:nvPr>
+            <p:ph type="body" sz="quarter" idx="10"/>
+          </p:nvPr>
+        </p:nvSpPr>
+        <p:spPr/>
+        <p:txBody>
+          <a:bodyPr/>
+          <a:lstStyle/>
+          <a:p>
+            <a:r>
+              <a:rPr lang="ja-JP" altLang="en-US" dirty="0"/>
+              <a:t>プロットと文章の違い：</a:t>
+            </a:r>
+            <a:endParaRPr lang="en-US" altLang="ja-JP" dirty="0"/>
+          </a:p>
+          <a:p>
+            <a:pPr lvl="1"/>
+            <a:r>
+              <a:rPr lang="ja-JP" altLang="en-US" dirty="0"/>
+              <a:t>プロットは論理の階層構造を単に表せば良い</a:t>
+            </a:r>
+            <a:endParaRPr lang="en-US" altLang="ja-JP" dirty="0"/>
+          </a:p>
+          <a:p>
+            <a:pPr lvl="2"/>
+            <a:r>
+              <a:rPr lang="ja-JP" altLang="en-US" dirty="0"/>
+              <a:t>子は親にぶら下がっている事で視覚的に論理関係がわかる</a:t>
+            </a:r>
+            <a:endParaRPr lang="en-US" altLang="ja-JP" dirty="0"/>
+          </a:p>
+          <a:p>
+            <a:pPr lvl="2"/>
+            <a:r>
+              <a:rPr lang="ja-JP" altLang="en-US" dirty="0"/>
+              <a:t>つなぎの言葉は通常あまり書かない</a:t>
+            </a:r>
+            <a:endParaRPr lang="en-US" altLang="ja-JP" dirty="0"/>
+          </a:p>
+          <a:p>
+            <a:pPr lvl="1"/>
+            <a:r>
+              <a:rPr lang="ja-JP" altLang="en-US" dirty="0"/>
+              <a:t>しかし，文章（スライド）は基本的にシーケンシャル</a:t>
+            </a:r>
+            <a:endParaRPr lang="en-US" altLang="ja-JP" dirty="0"/>
+          </a:p>
+          <a:p>
+            <a:pPr lvl="2"/>
+            <a:r>
+              <a:rPr lang="ja-JP" altLang="en-US" dirty="0"/>
+              <a:t>文章は前から後ろにむかって順に読むもの</a:t>
+            </a:r>
+            <a:endParaRPr lang="en-US" altLang="ja-JP" dirty="0"/>
+          </a:p>
+          <a:p>
+            <a:pPr lvl="2"/>
+            <a:r>
+              <a:rPr lang="ja-JP" altLang="en-US" dirty="0">
+                <a:solidFill>
+                  <a:schemeClr val="accent5"/>
+                </a:solidFill>
+              </a:rPr>
+              <a:t>前から読んでわかる順序に論理を展開し，それぞれにつなぎを入れる必要がある</a:t>
+            </a:r>
+            <a:endParaRPr lang="en-US" altLang="ja-JP" dirty="0">
+              <a:solidFill>
+                <a:schemeClr val="accent5"/>
+              </a:solidFill>
+            </a:endParaRPr>
+          </a:p>
+          <a:p>
+            <a:r>
+              <a:rPr lang="ja-JP" altLang="en-US" dirty="0"/>
+              <a:t>課題：</a:t>
+            </a:r>
+            <a:br>
+              <a:rPr lang="en-US" altLang="ja-JP" dirty="0"/>
+            </a:br>
+            <a:r>
+              <a:rPr lang="ja-JP" altLang="en-US" dirty="0"/>
+              <a:t>プロットの論理をどのようにシーケンシャルな文章に展開するか？</a:t>
+            </a:r>
+            <a:endParaRPr lang="en-US" altLang="ja-JP" dirty="0"/>
+          </a:p>
+        </p:txBody>
+      </p:sp>
+      <p:sp>
+        <p:nvSpPr>
+          <p:cNvPr id="2" name="スライド番号プレースホルダー 1">
+            <a:extLst>
+              <a:ext uri="{FF2B5EF4-FFF2-40B4-BE49-F238E27FC236}">
+                <a16:creationId xmlns:a16="http://schemas.microsoft.com/office/drawing/2014/main" id="{CFEF9DC9-89E4-71EE-05DF-89E205E66070}"/>
+              </a:ext>
+            </a:extLst>
+          </p:cNvPr>
+          <p:cNvSpPr>
+            <a:spLocks noGrp="1"/>
+          </p:cNvSpPr>
+          <p:nvPr>
+            <p:ph type="sldNum" sz="quarter" idx="4294967295"/>
+          </p:nvPr>
+        </p:nvSpPr>
+        <p:spPr>
+          <a:xfrm>
+            <a:off x="8531225" y="6308725"/>
+            <a:ext cx="612775" cy="549275"/>
+          </a:xfrm>
+        </p:spPr>
+        <p:txBody>
+          <a:bodyPr/>
+          <a:lstStyle/>
+          <a:p>
+            <a:fld id="{D2D8002D-B5B0-4BAC-B1F6-782DDCCE6D9C}" type="slidenum">
+              <a:rPr kumimoji="1" lang="ja-JP" altLang="en-US" smtClean="0"/>
+              <a:pPr/>
+              <a:t>20</a:t>
+            </a:fld>
+            <a:endParaRPr kumimoji="1" lang="ja-JP" altLang="en-US"/>
+          </a:p>
+        </p:txBody>
+      </p:sp>
+    </p:spTree>
+    <p:extLst>
+      <p:ext uri="{BB962C8B-B14F-4D97-AF65-F5344CB8AC3E}">
+        <p14:creationId xmlns:p14="http://schemas.microsoft.com/office/powerpoint/2010/main" val="4034395818"/>
+      </p:ext>
+    </p:extLst>
+  </p:cSld>
+  <p:clrMapOvr>
+    <a:masterClrMapping/>
+  </p:clrMapOvr>
+  <mc:AlternateContent xmlns:mc="http://schemas.openxmlformats.org/markup-compatibility/2006" xmlns:p14="http://schemas.microsoft.com/office/powerpoint/2010/main">
+    <mc:Choice Requires="p14">
+      <p:transition p14:dur="10"/>
+    </mc:Choice>
+    <mc:Fallback xmlns="">
+      <p:transition/>
+    </mc:Fallback>
+  </mc:AlternateContent>
+</p:sld>
+</file>
+
+<file path=ppt/slides/slide21.xml><?xml version="1.0" encoding="utf-8"?>
+<p:sld xmlns:a="http://schemas.openxmlformats.org/drawingml/2006/main" xmlns:r="http://schemas.openxmlformats.org/officeDocument/2006/relationships" xmlns:p="http://schemas.openxmlformats.org/presentationml/2006/main">
+  <p:cSld>
+    <p:spTree>
+      <p:nvGrpSpPr>
+        <p:cNvPr id="1" name=""/>
+        <p:cNvGrpSpPr/>
+        <p:nvPr/>
+      </p:nvGrpSpPr>
+      <p:grpSpPr>
+        <a:xfrm>
+          <a:off x="0" y="0"/>
+          <a:ext cx="0" cy="0"/>
+          <a:chOff x="0" y="0"/>
+          <a:chExt cx="0" cy="0"/>
+        </a:xfrm>
+      </p:grpSpPr>
+      <p:sp>
+        <p:nvSpPr>
+          <p:cNvPr id="2" name="タイトル 1">
+            <a:extLst>
+              <a:ext uri="{FF2B5EF4-FFF2-40B4-BE49-F238E27FC236}">
                 <a16:creationId xmlns:a16="http://schemas.microsoft.com/office/drawing/2014/main" id="{76460A38-7213-E877-786C-852C28C01C66}"/>
               </a:ext>
             </a:extLst>
@@ -4320,7 +5595,7 @@
 </p:sld>
 </file>
 
-<file path=ppt/slides/slide16.xml><?xml version="1.0" encoding="utf-8"?>
+<file path=ppt/slides/slide22.xml><?xml version="1.0" encoding="utf-8"?>
 <p:sld xmlns:a="http://schemas.openxmlformats.org/drawingml/2006/main" xmlns:r="http://schemas.openxmlformats.org/officeDocument/2006/relationships" xmlns:p="http://schemas.openxmlformats.org/presentationml/2006/main">
   <p:cSld>
     <p:spTree>
@@ -7906,7 +9181,7 @@
 </p:sld>
 </file>
 
-<file path=ppt/slides/slide17.xml><?xml version="1.0" encoding="utf-8"?>
+<file path=ppt/slides/slide23.xml><?xml version="1.0" encoding="utf-8"?>
 <p:sld xmlns:a="http://schemas.openxmlformats.org/drawingml/2006/main" xmlns:r="http://schemas.openxmlformats.org/officeDocument/2006/relationships" xmlns:p="http://schemas.openxmlformats.org/presentationml/2006/main">
   <p:cSld>
     <p:spTree>
@@ -11492,235 +12767,6 @@
 </p:sld>
 </file>
 
-<file path=ppt/slides/slide18.xml><?xml version="1.0" encoding="utf-8"?>
-<p:sld xmlns:a="http://schemas.openxmlformats.org/drawingml/2006/main" xmlns:r="http://schemas.openxmlformats.org/officeDocument/2006/relationships" xmlns:p="http://schemas.openxmlformats.org/presentationml/2006/main">
-  <p:cSld>
-    <p:spTree>
-      <p:nvGrpSpPr>
-        <p:cNvPr id="1" name=""/>
-        <p:cNvGrpSpPr/>
-        <p:nvPr/>
-      </p:nvGrpSpPr>
-      <p:grpSpPr>
-        <a:xfrm>
-          <a:off x="0" y="0"/>
-          <a:ext cx="0" cy="0"/>
-          <a:chOff x="0" y="0"/>
-          <a:chExt cx="0" cy="0"/>
-        </a:xfrm>
-      </p:grpSpPr>
-      <p:sp>
-        <p:nvSpPr>
-          <p:cNvPr id="4" name="タイトル 3">
-            <a:extLst>
-              <a:ext uri="{FF2B5EF4-FFF2-40B4-BE49-F238E27FC236}">
-                <a16:creationId xmlns:a16="http://schemas.microsoft.com/office/drawing/2014/main" id="{C81CAB25-1D6D-1A81-C8EA-8465BE095F35}"/>
-              </a:ext>
-            </a:extLst>
-          </p:cNvPr>
-          <p:cNvSpPr>
-            <a:spLocks noGrp="1"/>
-          </p:cNvSpPr>
-          <p:nvPr>
-            <p:ph type="title"/>
-          </p:nvPr>
-        </p:nvSpPr>
-        <p:spPr/>
-        <p:txBody>
-          <a:bodyPr/>
-          <a:lstStyle/>
-          <a:p>
-            <a:r>
-              <a:rPr lang="ja-JP" altLang="en-US" dirty="0"/>
-              <a:t>まとめ</a:t>
-            </a:r>
-          </a:p>
-        </p:txBody>
-      </p:sp>
-      <p:sp>
-        <p:nvSpPr>
-          <p:cNvPr id="5" name="テキスト プレースホルダー 4">
-            <a:extLst>
-              <a:ext uri="{FF2B5EF4-FFF2-40B4-BE49-F238E27FC236}">
-                <a16:creationId xmlns:a16="http://schemas.microsoft.com/office/drawing/2014/main" id="{FE3DA219-61CC-867A-389E-BA4B65844082}"/>
-              </a:ext>
-            </a:extLst>
-          </p:cNvPr>
-          <p:cNvSpPr>
-            <a:spLocks noGrp="1"/>
-          </p:cNvSpPr>
-          <p:nvPr>
-            <p:ph type="body" sz="quarter" idx="10"/>
-          </p:nvPr>
-        </p:nvSpPr>
-        <p:spPr/>
-        <p:txBody>
-          <a:bodyPr/>
-          <a:lstStyle/>
-          <a:p>
-            <a:r>
-              <a:rPr lang="ja-JP" altLang="en-US" dirty="0"/>
-              <a:t>プロットの作り方について説明</a:t>
-            </a:r>
-            <a:endParaRPr lang="en-US" altLang="ja-JP" dirty="0"/>
-          </a:p>
-          <a:p>
-            <a:pPr lvl="1"/>
-            <a:r>
-              <a:rPr lang="ja-JP" altLang="en-US"/>
-              <a:t>目標規定文から</a:t>
-            </a:r>
-            <a:r>
-              <a:rPr lang="ja-JP" altLang="en-US" dirty="0"/>
-              <a:t>全体プロットまで</a:t>
-            </a:r>
-            <a:endParaRPr lang="en-US" altLang="ja-JP" dirty="0"/>
-          </a:p>
-          <a:p>
-            <a:pPr lvl="1"/>
-            <a:r>
-              <a:rPr lang="ja-JP" altLang="en-US" dirty="0"/>
-              <a:t>３点プロットから始めるとよい</a:t>
-            </a:r>
-            <a:endParaRPr lang="en-US" altLang="ja-JP" dirty="0"/>
-          </a:p>
-          <a:p>
-            <a:pPr lvl="2"/>
-            <a:r>
-              <a:rPr lang="ja-JP" altLang="en-US" dirty="0"/>
-              <a:t>背景，課題，提案の中身と関係をはっきりさせる</a:t>
-            </a:r>
-            <a:endParaRPr lang="en-US" altLang="ja-JP" dirty="0"/>
-          </a:p>
-          <a:p>
-            <a:r>
-              <a:rPr lang="ja-JP" altLang="en-US" dirty="0"/>
-              <a:t>３点プロットは基本</a:t>
-            </a:r>
-            <a:endParaRPr lang="en-US" altLang="ja-JP" dirty="0"/>
-          </a:p>
-          <a:p>
-            <a:pPr lvl="1"/>
-            <a:r>
-              <a:rPr lang="ja-JP" altLang="en-US" dirty="0"/>
-              <a:t>慣れてきたらイントロプロット等から初めてもよい</a:t>
-            </a:r>
-          </a:p>
-        </p:txBody>
-      </p:sp>
-    </p:spTree>
-    <p:extLst>
-      <p:ext uri="{BB962C8B-B14F-4D97-AF65-F5344CB8AC3E}">
-        <p14:creationId xmlns:p14="http://schemas.microsoft.com/office/powerpoint/2010/main" val="2995746449"/>
-      </p:ext>
-    </p:extLst>
-  </p:cSld>
-  <p:clrMapOvr>
-    <a:masterClrMapping/>
-  </p:clrMapOvr>
-  <mc:AlternateContent xmlns:mc="http://schemas.openxmlformats.org/markup-compatibility/2006" xmlns:p14="http://schemas.microsoft.com/office/powerpoint/2010/main">
-    <mc:Choice Requires="p14">
-      <p:transition p14:dur="10"/>
-    </mc:Choice>
-    <mc:Fallback xmlns="">
-      <p:transition/>
-    </mc:Fallback>
-  </mc:AlternateContent>
-</p:sld>
-</file>
-
-<file path=ppt/slides/slide2.xml><?xml version="1.0" encoding="utf-8"?>
-<p:sld xmlns:a="http://schemas.openxmlformats.org/drawingml/2006/main" xmlns:r="http://schemas.openxmlformats.org/officeDocument/2006/relationships" xmlns:p="http://schemas.openxmlformats.org/presentationml/2006/main">
-  <p:cSld>
-    <p:spTree>
-      <p:nvGrpSpPr>
-        <p:cNvPr id="1" name=""/>
-        <p:cNvGrpSpPr/>
-        <p:nvPr/>
-      </p:nvGrpSpPr>
-      <p:grpSpPr>
-        <a:xfrm>
-          <a:off x="0" y="0"/>
-          <a:ext cx="0" cy="0"/>
-          <a:chOff x="0" y="0"/>
-          <a:chExt cx="0" cy="0"/>
-        </a:xfrm>
-      </p:grpSpPr>
-      <p:sp>
-        <p:nvSpPr>
-          <p:cNvPr id="2" name="タイトル 1">
-            <a:extLst>
-              <a:ext uri="{FF2B5EF4-FFF2-40B4-BE49-F238E27FC236}">
-                <a16:creationId xmlns:a16="http://schemas.microsoft.com/office/drawing/2014/main" id="{9D61C188-5860-DCBE-4F54-3F8C103E2DAC}"/>
-              </a:ext>
-            </a:extLst>
-          </p:cNvPr>
-          <p:cNvSpPr>
-            <a:spLocks noGrp="1"/>
-          </p:cNvSpPr>
-          <p:nvPr>
-            <p:ph type="title"/>
-          </p:nvPr>
-        </p:nvSpPr>
-        <p:spPr/>
-        <p:txBody>
-          <a:bodyPr/>
-          <a:lstStyle/>
-          <a:p>
-            <a:endParaRPr kumimoji="1" lang="ja-JP" altLang="en-US"/>
-          </a:p>
-        </p:txBody>
-      </p:sp>
-      <p:sp>
-        <p:nvSpPr>
-          <p:cNvPr id="3" name="テキスト プレースホルダー 2">
-            <a:extLst>
-              <a:ext uri="{FF2B5EF4-FFF2-40B4-BE49-F238E27FC236}">
-                <a16:creationId xmlns:a16="http://schemas.microsoft.com/office/drawing/2014/main" id="{16406EAA-6DD5-1103-E09E-A8675115D0B4}"/>
-              </a:ext>
-            </a:extLst>
-          </p:cNvPr>
-          <p:cNvSpPr>
-            <a:spLocks noGrp="1"/>
-          </p:cNvSpPr>
-          <p:nvPr>
-            <p:ph type="body" sz="quarter" idx="10"/>
-          </p:nvPr>
-        </p:nvSpPr>
-        <p:spPr/>
-        <p:txBody>
-          <a:bodyPr/>
-          <a:lstStyle/>
-          <a:p>
-            <a:r>
-              <a:rPr lang="ja-JP" altLang="en-US" dirty="0"/>
-              <a:t>まだ工事中</a:t>
-            </a:r>
-            <a:endParaRPr kumimoji="1" lang="ja-JP" altLang="en-US" dirty="0"/>
-          </a:p>
-        </p:txBody>
-      </p:sp>
-    </p:spTree>
-    <p:extLst>
-      <p:ext uri="{BB962C8B-B14F-4D97-AF65-F5344CB8AC3E}">
-        <p14:creationId xmlns:p14="http://schemas.microsoft.com/office/powerpoint/2010/main" val="3860254781"/>
-      </p:ext>
-    </p:extLst>
-  </p:cSld>
-  <p:clrMapOvr>
-    <a:masterClrMapping/>
-  </p:clrMapOvr>
-  <mc:AlternateContent xmlns:mc="http://schemas.openxmlformats.org/markup-compatibility/2006" xmlns:p14="http://schemas.microsoft.com/office/powerpoint/2010/main">
-    <mc:Choice Requires="p14">
-      <p:transition p14:dur="10"/>
-    </mc:Choice>
-    <mc:Fallback xmlns="">
-      <p:transition/>
-    </mc:Fallback>
-  </mc:AlternateContent>
-</p:sld>
-</file>
-
 <file path=ppt/slides/slide3.xml><?xml version="1.0" encoding="utf-8"?>
 <p:sld xmlns:a="http://schemas.openxmlformats.org/drawingml/2006/main" xmlns:r="http://schemas.openxmlformats.org/officeDocument/2006/relationships" xmlns:p="http://schemas.openxmlformats.org/presentationml/2006/main">
   <p:cSld>
@@ -11907,6 +12953,10 @@
           <a:bodyPr/>
           <a:lstStyle/>
           <a:p>
+            <a:pPr marL="457200" indent="-457200">
+              <a:buFont typeface="+mj-lt"/>
+              <a:buAutoNum type="arabicPeriod"/>
+            </a:pPr>
             <a:r>
               <a:rPr kumimoji="1" lang="ja-JP" altLang="en-US" dirty="0"/>
               <a:t>文章とは</a:t>
@@ -11914,6 +12964,10 @@
             <a:endParaRPr kumimoji="1" lang="en-US" altLang="ja-JP" dirty="0"/>
           </a:p>
           <a:p>
+            <a:pPr marL="457200" indent="-457200">
+              <a:buFont typeface="+mj-lt"/>
+              <a:buAutoNum type="arabicPeriod"/>
+            </a:pPr>
             <a:r>
               <a:rPr kumimoji="1" lang="ja-JP" altLang="en-US" dirty="0"/>
               <a:t>文章の書き方＝文の配置とつなぐ方法</a:t>
@@ -11921,6 +12975,10 @@
             <a:endParaRPr kumimoji="1" lang="en-US" altLang="ja-JP" dirty="0"/>
           </a:p>
           <a:p>
+            <a:pPr marL="457200" indent="-457200">
+              <a:buFont typeface="+mj-lt"/>
+              <a:buAutoNum type="arabicPeriod"/>
+            </a:pPr>
             <a:r>
               <a:rPr lang="ja-JP" altLang="en-US" dirty="0"/>
               <a:t>文の書き方</a:t>
@@ -11928,6 +12986,10 @@
             <a:endParaRPr lang="en-US" altLang="ja-JP" dirty="0"/>
           </a:p>
           <a:p>
+            <a:pPr marL="457200" indent="-457200">
+              <a:buFont typeface="+mj-lt"/>
+              <a:buAutoNum type="arabicPeriod"/>
+            </a:pPr>
             <a:r>
               <a:rPr kumimoji="1" lang="ja-JP" altLang="en-US" dirty="0"/>
               <a:t>パラグラフ</a:t>
@@ -12205,7 +13267,59 @@
           <a:bodyPr/>
           <a:lstStyle/>
           <a:p>
-            <a:endParaRPr kumimoji="1" lang="ja-JP" altLang="en-US"/>
+            <a:r>
+              <a:rPr kumimoji="1" lang="ja-JP" altLang="en-US" dirty="0"/>
+              <a:t>文とパラグラフと文章</a:t>
+            </a:r>
+          </a:p>
+        </p:txBody>
+      </p:sp>
+      <p:sp>
+        <p:nvSpPr>
+          <p:cNvPr id="3" name="テキスト プレースホルダー 2">
+            <a:extLst>
+              <a:ext uri="{FF2B5EF4-FFF2-40B4-BE49-F238E27FC236}">
+                <a16:creationId xmlns:a16="http://schemas.microsoft.com/office/drawing/2014/main" id="{3745A3F1-5DF6-9A5A-C995-5F790B187311}"/>
+              </a:ext>
+            </a:extLst>
+          </p:cNvPr>
+          <p:cNvSpPr>
+            <a:spLocks noGrp="1"/>
+          </p:cNvSpPr>
+          <p:nvPr>
+            <p:ph type="body" sz="quarter" idx="10"/>
+          </p:nvPr>
+        </p:nvSpPr>
+        <p:spPr>
+          <a:xfrm>
+            <a:off x="611956" y="5229020"/>
+            <a:ext cx="8280092" cy="1079705"/>
+          </a:xfrm>
+        </p:spPr>
+        <p:txBody>
+          <a:bodyPr/>
+          <a:lstStyle/>
+          <a:p>
+            <a:r>
+              <a:rPr lang="ja-JP" altLang="en-US" dirty="0"/>
+              <a:t>パラグラフより下の部分の作り方をここでは扱う</a:t>
+            </a:r>
+            <a:endParaRPr lang="en-US" altLang="ja-JP" dirty="0"/>
+          </a:p>
+          <a:p>
+            <a:r>
+              <a:rPr lang="ja-JP" altLang="en-US" dirty="0"/>
+              <a:t>節（</a:t>
+            </a:r>
+            <a:r>
+              <a:rPr lang="en-US" altLang="ja-JP" dirty="0"/>
+              <a:t>=</a:t>
+            </a:r>
+            <a:r>
+              <a:rPr lang="ja-JP" altLang="en-US" dirty="0"/>
+              <a:t>セクション）の配置方法はプロットの作り方などで議論する</a:t>
+            </a:r>
+            <a:endParaRPr lang="en-US" altLang="ja-JP" dirty="0"/>
           </a:p>
         </p:txBody>
       </p:sp>
@@ -12452,13 +13566,13 @@
         </p:spPr>
         <p:style>
           <a:lnRef idx="1">
-            <a:schemeClr val="accent5"/>
+            <a:schemeClr val="accent6"/>
           </a:lnRef>
           <a:fillRef idx="2">
-            <a:schemeClr val="accent5"/>
+            <a:schemeClr val="accent6"/>
           </a:fillRef>
           <a:effectRef idx="1">
-            <a:schemeClr val="accent5"/>
+            <a:schemeClr val="accent6"/>
           </a:effectRef>
           <a:fontRef idx="minor">
             <a:schemeClr val="dk1"/>
@@ -12622,13 +13736,13 @@
         </p:spPr>
         <p:style>
           <a:lnRef idx="1">
-            <a:schemeClr val="accent5"/>
+            <a:schemeClr val="accent6"/>
           </a:lnRef>
           <a:fillRef idx="2">
-            <a:schemeClr val="accent5"/>
+            <a:schemeClr val="accent6"/>
           </a:fillRef>
           <a:effectRef idx="1">
-            <a:schemeClr val="accent5"/>
+            <a:schemeClr val="accent6"/>
           </a:effectRef>
           <a:fontRef idx="minor">
             <a:schemeClr val="dk1"/>
@@ -12710,13 +13824,13 @@
         </p:spPr>
         <p:style>
           <a:lnRef idx="1">
-            <a:schemeClr val="accent5"/>
+            <a:schemeClr val="accent6"/>
           </a:lnRef>
           <a:fillRef idx="2">
-            <a:schemeClr val="accent5"/>
+            <a:schemeClr val="accent6"/>
           </a:fillRef>
           <a:effectRef idx="1">
-            <a:schemeClr val="accent5"/>
+            <a:schemeClr val="accent6"/>
           </a:effectRef>
           <a:fontRef idx="minor">
             <a:schemeClr val="dk1"/>
@@ -12819,13 +13933,13 @@
         </p:spPr>
         <p:style>
           <a:lnRef idx="1">
-            <a:schemeClr val="accent5"/>
+            <a:schemeClr val="accent6"/>
           </a:lnRef>
           <a:fillRef idx="2">
-            <a:schemeClr val="accent5"/>
+            <a:schemeClr val="accent6"/>
           </a:fillRef>
           <a:effectRef idx="1">
-            <a:schemeClr val="accent5"/>
+            <a:schemeClr val="accent6"/>
           </a:effectRef>
           <a:fontRef idx="minor">
             <a:schemeClr val="dk1"/>
@@ -12928,13 +14042,13 @@
         </p:spPr>
         <p:style>
           <a:lnRef idx="1">
-            <a:schemeClr val="accent5"/>
+            <a:schemeClr val="accent6"/>
           </a:lnRef>
           <a:fillRef idx="2">
-            <a:schemeClr val="accent5"/>
+            <a:schemeClr val="accent6"/>
           </a:fillRef>
           <a:effectRef idx="1">
-            <a:schemeClr val="accent5"/>
+            <a:schemeClr val="accent6"/>
           </a:effectRef>
           <a:fontRef idx="minor">
             <a:schemeClr val="dk1"/>
@@ -13041,13 +14155,13 @@
         </p:spPr>
         <p:style>
           <a:lnRef idx="1">
-            <a:schemeClr val="accent5"/>
+            <a:schemeClr val="accent6"/>
           </a:lnRef>
           <a:fillRef idx="0">
-            <a:schemeClr val="accent5"/>
+            <a:schemeClr val="accent6"/>
           </a:fillRef>
           <a:effectRef idx="0">
-            <a:schemeClr val="accent5"/>
+            <a:schemeClr val="accent6"/>
           </a:effectRef>
           <a:fontRef idx="minor">
             <a:schemeClr val="tx1"/>
@@ -13085,13 +14199,13 @@
         </p:spPr>
         <p:style>
           <a:lnRef idx="1">
-            <a:schemeClr val="accent5"/>
+            <a:schemeClr val="accent6"/>
           </a:lnRef>
           <a:fillRef idx="0">
-            <a:schemeClr val="accent5"/>
+            <a:schemeClr val="accent6"/>
           </a:fillRef>
           <a:effectRef idx="0">
-            <a:schemeClr val="accent5"/>
+            <a:schemeClr val="accent6"/>
           </a:effectRef>
           <a:fontRef idx="minor">
             <a:schemeClr val="tx1"/>
@@ -13129,13 +14243,13 @@
         </p:spPr>
         <p:style>
           <a:lnRef idx="1">
-            <a:schemeClr val="accent5"/>
+            <a:schemeClr val="accent6"/>
           </a:lnRef>
           <a:fillRef idx="0">
-            <a:schemeClr val="accent5"/>
+            <a:schemeClr val="accent6"/>
           </a:fillRef>
           <a:effectRef idx="0">
-            <a:schemeClr val="accent5"/>
+            <a:schemeClr val="accent6"/>
           </a:effectRef>
           <a:fontRef idx="minor">
             <a:schemeClr val="tx1"/>
@@ -13173,13 +14287,13 @@
         </p:spPr>
         <p:style>
           <a:lnRef idx="1">
-            <a:schemeClr val="accent5"/>
+            <a:schemeClr val="accent6"/>
           </a:lnRef>
           <a:fillRef idx="0">
-            <a:schemeClr val="accent5"/>
+            <a:schemeClr val="accent6"/>
           </a:fillRef>
           <a:effectRef idx="0">
-            <a:schemeClr val="accent5"/>
+            <a:schemeClr val="accent6"/>
           </a:effectRef>
           <a:fontRef idx="minor">
             <a:schemeClr val="tx1"/>
@@ -13842,7 +14956,7 @@
           <p:cNvPr id="2" name="タイトル 1">
             <a:extLst>
               <a:ext uri="{FF2B5EF4-FFF2-40B4-BE49-F238E27FC236}">
-                <a16:creationId xmlns:a16="http://schemas.microsoft.com/office/drawing/2014/main" id="{29EE214D-6E7A-0357-0756-680B63295B42}"/>
+                <a16:creationId xmlns:a16="http://schemas.microsoft.com/office/drawing/2014/main" id="{85895AA1-C3F6-5137-D327-90AEE8D8717F}"/>
               </a:ext>
             </a:extLst>
           </p:cNvPr>
@@ -13859,10 +14973,9 @@
           <a:lstStyle/>
           <a:p>
             <a:r>
-              <a:rPr lang="ja-JP" altLang="en-US" dirty="0"/>
-              <a:t>古い情報と新しい情報</a:t>
-            </a:r>
-            <a:endParaRPr kumimoji="1" lang="ja-JP" altLang="en-US" dirty="0"/>
+              <a:rPr kumimoji="1" lang="ja-JP" altLang="en-US" dirty="0"/>
+              <a:t>パラグラフ</a:t>
+            </a:r>
           </a:p>
         </p:txBody>
       </p:sp>
@@ -13871,7 +14984,7 @@
           <p:cNvPr id="3" name="テキスト プレースホルダー 2">
             <a:extLst>
               <a:ext uri="{FF2B5EF4-FFF2-40B4-BE49-F238E27FC236}">
-                <a16:creationId xmlns:a16="http://schemas.microsoft.com/office/drawing/2014/main" id="{73E7C1C9-4BB8-6905-4AC9-D99FB1224F57}"/>
+                <a16:creationId xmlns:a16="http://schemas.microsoft.com/office/drawing/2014/main" id="{AF7DC518-51F8-FA2A-0A74-B2DB18D49FC7}"/>
               </a:ext>
             </a:extLst>
           </p:cNvPr>
@@ -13888,95 +15001,73 @@
           <a:lstStyle/>
           <a:p>
             <a:r>
+              <a:rPr kumimoji="1" lang="ja-JP" altLang="en-US" dirty="0">
+                <a:solidFill>
+                  <a:schemeClr val="accent5"/>
+                </a:solidFill>
+              </a:rPr>
+              <a:t>１つの主張</a:t>
+            </a:r>
+            <a:r>
+              <a:rPr kumimoji="1" lang="ja-JP" altLang="en-US" dirty="0"/>
+              <a:t>を述べるための，複数の文からなるまとまり</a:t>
+            </a:r>
+            <a:endParaRPr kumimoji="1" lang="en-US" altLang="ja-JP" dirty="0"/>
+          </a:p>
+          <a:p>
+            <a:pPr lvl="1"/>
+            <a:r>
+              <a:rPr kumimoji="1" lang="ja-JP" altLang="en-US" dirty="0"/>
+              <a:t>パラグラフ内に違う主張をいれてはならない</a:t>
+            </a:r>
+            <a:endParaRPr kumimoji="1" lang="en-US" altLang="ja-JP" dirty="0"/>
+          </a:p>
+          <a:p>
+            <a:r>
+              <a:rPr kumimoji="1" lang="ja-JP" altLang="en-US" dirty="0"/>
+              <a:t>以下の種類の複数の文からなる</a:t>
+            </a:r>
+            <a:endParaRPr kumimoji="1" lang="en-US" altLang="ja-JP" dirty="0"/>
+          </a:p>
+          <a:p>
+            <a:pPr marL="817200" lvl="1" indent="-457200">
+              <a:buFont typeface="+mj-lt"/>
+              <a:buAutoNum type="arabicPeriod"/>
+            </a:pPr>
+            <a:r>
               <a:rPr lang="ja-JP" altLang="en-US" dirty="0"/>
-              <a:t>文や文章は「古い情報」に「新しい情報」を結びつける</a:t>
+              <a:t>先頭：　トピック・センテンス</a:t>
             </a:r>
             <a:endParaRPr lang="en-US" altLang="ja-JP" dirty="0"/>
           </a:p>
           <a:p>
-            <a:pPr lvl="1"/>
+            <a:pPr marL="817200" lvl="1" indent="-457200">
+              <a:buFont typeface="+mj-lt"/>
+              <a:buAutoNum type="arabicPeriod"/>
+            </a:pPr>
             <a:r>
               <a:rPr kumimoji="1" lang="ja-JP" altLang="en-US" dirty="0"/>
-              <a:t>古い情報：</a:t>
+              <a:t>真ん中：サポーティング・センテンス</a:t>
             </a:r>
             <a:endParaRPr kumimoji="1" lang="en-US" altLang="ja-JP" dirty="0"/>
           </a:p>
           <a:p>
-            <a:pPr lvl="2"/>
-            <a:r>
-              <a:rPr kumimoji="1" lang="ja-JP" altLang="en-US" dirty="0"/>
-              <a:t>その文までに文章中に出てきた情報</a:t>
-            </a:r>
-            <a:endParaRPr kumimoji="1" lang="en-US" altLang="ja-JP" dirty="0"/>
-          </a:p>
-          <a:p>
-            <a:pPr lvl="2"/>
-            <a:r>
-              <a:rPr kumimoji="1" lang="ja-JP" altLang="en-US" dirty="0"/>
-              <a:t>読者が元から知っている（と想定できる）情報</a:t>
-            </a:r>
-            <a:endParaRPr kumimoji="1" lang="en-US" altLang="ja-JP" dirty="0"/>
-          </a:p>
-          <a:p>
-            <a:pPr lvl="1"/>
+            <a:pPr marL="817200" lvl="1" indent="-457200">
+              <a:buFont typeface="+mj-lt"/>
+              <a:buAutoNum type="arabicPeriod"/>
+            </a:pPr>
             <a:r>
               <a:rPr lang="ja-JP" altLang="en-US" dirty="0"/>
-              <a:t>新しい情報：</a:t>
+              <a:t>最後：　コンクルーディング・センテンス</a:t>
             </a:r>
             <a:endParaRPr lang="en-US" altLang="ja-JP" dirty="0"/>
-          </a:p>
-          <a:p>
-            <a:pPr lvl="2"/>
-            <a:r>
-              <a:rPr lang="ja-JP" altLang="en-US" dirty="0"/>
-              <a:t>まだ文章中に出てきていない情報</a:t>
-            </a:r>
-            <a:endParaRPr lang="en-US" altLang="ja-JP" dirty="0"/>
-          </a:p>
-          <a:p>
-            <a:r>
-              <a:rPr kumimoji="1" lang="ja-JP" altLang="en-US" dirty="0"/>
-              <a:t>文章の構造：</a:t>
-            </a:r>
-            <a:endParaRPr kumimoji="1" lang="en-US" altLang="ja-JP" dirty="0"/>
-          </a:p>
-          <a:p>
-            <a:pPr lvl="1"/>
-            <a:r>
-              <a:rPr lang="ja-JP" altLang="en-US" dirty="0"/>
-              <a:t>個々の文によって新しい情報を少しずつ足す</a:t>
-            </a:r>
-            <a:endParaRPr lang="en-US" altLang="ja-JP" dirty="0"/>
-          </a:p>
-          <a:p>
-            <a:pPr lvl="1"/>
-            <a:r>
-              <a:rPr lang="ja-JP" altLang="en-US" dirty="0"/>
-              <a:t>文の集まりである文章により大きな新しい情報を表現する</a:t>
-            </a:r>
-            <a:endParaRPr kumimoji="1" lang="en-US" altLang="ja-JP" dirty="0"/>
-          </a:p>
-          <a:p>
-            <a:r>
-              <a:rPr lang="ja-JP" altLang="en-US" dirty="0">
-                <a:solidFill>
-                  <a:schemeClr val="accent5"/>
-                </a:solidFill>
-              </a:rPr>
-              <a:t>「古い情報」を一切含まない文は基本的に文章中に現れない</a:t>
-            </a:r>
-            <a:endParaRPr kumimoji="1" lang="ja-JP" altLang="en-US" dirty="0">
-              <a:solidFill>
-                <a:schemeClr val="accent5"/>
-              </a:solidFill>
-            </a:endParaRPr>
           </a:p>
         </p:txBody>
       </p:sp>
     </p:spTree>
     <p:extLst>
       <p:ext uri="{BB962C8B-B14F-4D97-AF65-F5344CB8AC3E}">
-        <p14:creationId xmlns:p14="http://schemas.microsoft.com/office/powerpoint/2010/main" val="2172065855"/>
+        <p14:creationId xmlns:p14="http://schemas.microsoft.com/office/powerpoint/2010/main" val="2942226945"/>
       </p:ext>
     </p:extLst>
   </p:cSld>
@@ -14034,7 +15125,7 @@
           <a:p>
             <a:r>
               <a:rPr kumimoji="1" lang="ja-JP" altLang="en-US" dirty="0"/>
-              <a:t>パラグラフ</a:t>
+              <a:t>トピック・センテンス</a:t>
             </a:r>
           </a:p>
         </p:txBody>
@@ -14061,48 +15152,63 @@
           <a:lstStyle/>
           <a:p>
             <a:r>
-              <a:rPr kumimoji="1" lang="ja-JP" altLang="en-US" dirty="0"/>
-              <a:t>１つの主張を述べるための，複数の文からなるまとまり</a:t>
-            </a:r>
-            <a:endParaRPr kumimoji="1" lang="en-US" altLang="ja-JP" dirty="0"/>
-          </a:p>
-          <a:p>
-            <a:r>
-              <a:rPr kumimoji="1" lang="ja-JP" altLang="en-US" dirty="0"/>
-              <a:t>以下の種類の複数の文からなる</a:t>
-            </a:r>
-            <a:endParaRPr kumimoji="1" lang="en-US" altLang="ja-JP" dirty="0"/>
-          </a:p>
-          <a:p>
-            <a:pPr marL="817200" lvl="1" indent="-457200">
-              <a:buFont typeface="+mj-lt"/>
-              <a:buAutoNum type="arabicPeriod"/>
-            </a:pPr>
-            <a:r>
               <a:rPr lang="ja-JP" altLang="en-US" dirty="0"/>
-              <a:t>先頭：　トピック・センテンス</a:t>
+              <a:t>そのパラグラフ全体で述べたい主張をまとめた文</a:t>
             </a:r>
             <a:endParaRPr lang="en-US" altLang="ja-JP" dirty="0"/>
           </a:p>
           <a:p>
-            <a:pPr marL="817200" lvl="1" indent="-457200">
-              <a:buFont typeface="+mj-lt"/>
-              <a:buAutoNum type="arabicPeriod"/>
-            </a:pPr>
-            <a:r>
-              <a:rPr kumimoji="1" lang="ja-JP" altLang="en-US" dirty="0"/>
-              <a:t>真ん中：サポーティング・センテンス</a:t>
-            </a:r>
-            <a:endParaRPr kumimoji="1" lang="en-US" altLang="ja-JP" dirty="0"/>
-          </a:p>
-          <a:p>
-            <a:pPr marL="817200" lvl="1" indent="-457200">
-              <a:buFont typeface="+mj-lt"/>
-              <a:buAutoNum type="arabicPeriod"/>
-            </a:pPr>
+            <a:pPr lvl="1"/>
             <a:r>
               <a:rPr lang="ja-JP" altLang="en-US" dirty="0"/>
-              <a:t>最後：　コンクルーディング・センテンス</a:t>
+              <a:t>トピック・センテンスは各パラグラフに１つある</a:t>
+            </a:r>
+            <a:endParaRPr lang="en-US" altLang="ja-JP" dirty="0"/>
+          </a:p>
+          <a:p>
+            <a:pPr lvl="1"/>
+            <a:r>
+              <a:rPr lang="ja-JP" altLang="en-US" dirty="0"/>
+              <a:t>基本的にはそのパラグラフの先頭にある</a:t>
+            </a:r>
+            <a:endParaRPr lang="en-US" altLang="ja-JP" dirty="0"/>
+          </a:p>
+          <a:p>
+            <a:pPr lvl="2"/>
+            <a:r>
+              <a:rPr lang="ja-JP" altLang="en-US" dirty="0"/>
+              <a:t>前のパラグラフとの接続の関係で２文目等にくることもある</a:t>
+            </a:r>
+            <a:endParaRPr lang="en-US" altLang="ja-JP" dirty="0"/>
+          </a:p>
+          <a:p>
+            <a:r>
+              <a:rPr lang="ja-JP" altLang="en-US" dirty="0">
+                <a:solidFill>
+                  <a:schemeClr val="accent5"/>
+                </a:solidFill>
+              </a:rPr>
+              <a:t>各パラグラフのトピック・センテンスだけを取り出して繋げて読んでもおおよそ意味が通るようにする</a:t>
+            </a:r>
+            <a:endParaRPr lang="en-US" altLang="ja-JP" dirty="0">
+              <a:solidFill>
+                <a:schemeClr val="accent5"/>
+              </a:solidFill>
+            </a:endParaRPr>
+          </a:p>
+          <a:p>
+            <a:pPr lvl="1"/>
+            <a:r>
+              <a:rPr lang="ja-JP" altLang="en-US" dirty="0"/>
+              <a:t>トピック・センテンスはパラグラフの主張をまとめたもの</a:t>
+            </a:r>
+            <a:endParaRPr lang="en-US" altLang="ja-JP" dirty="0"/>
+          </a:p>
+          <a:p>
+            <a:pPr lvl="1"/>
+            <a:r>
+              <a:rPr lang="ja-JP" altLang="en-US" dirty="0"/>
+              <a:t>そこだけを取り出せば，おおまかな全体の主張がわかる</a:t>
             </a:r>
             <a:endParaRPr lang="en-US" altLang="ja-JP" dirty="0"/>
           </a:p>
@@ -14111,7 +15217,7 @@
     </p:spTree>
     <p:extLst>
       <p:ext uri="{BB962C8B-B14F-4D97-AF65-F5344CB8AC3E}">
-        <p14:creationId xmlns:p14="http://schemas.microsoft.com/office/powerpoint/2010/main" val="2942226945"/>
+        <p14:creationId xmlns:p14="http://schemas.microsoft.com/office/powerpoint/2010/main" val="4163540200"/>
       </p:ext>
     </p:extLst>
   </p:cSld>
@@ -14169,7 +15275,7 @@
           <a:p>
             <a:r>
               <a:rPr kumimoji="1" lang="ja-JP" altLang="en-US" dirty="0"/>
-              <a:t>トピック・センテンス</a:t>
+              <a:t>サポーティング・センテンス</a:t>
             </a:r>
           </a:p>
         </p:txBody>
@@ -14196,72 +15302,60 @@
           <a:lstStyle/>
           <a:p>
             <a:r>
+              <a:rPr kumimoji="1" lang="ja-JP" altLang="en-US" dirty="0"/>
+              <a:t>サポーティング・センテンス</a:t>
+            </a:r>
+            <a:endParaRPr kumimoji="1" lang="en-US" altLang="ja-JP" dirty="0"/>
+          </a:p>
+          <a:p>
+            <a:pPr lvl="1"/>
+            <a:r>
               <a:rPr lang="ja-JP" altLang="en-US" dirty="0"/>
-              <a:t>そのパラグラフ全体で述べたい主張をまとめた文</a:t>
+              <a:t>トピック・センテンスの主張を補強するための文</a:t>
             </a:r>
             <a:endParaRPr lang="en-US" altLang="ja-JP" dirty="0"/>
           </a:p>
           <a:p>
             <a:pPr lvl="1"/>
             <a:r>
+              <a:rPr kumimoji="1" lang="ja-JP" altLang="en-US" dirty="0"/>
+              <a:t>各パラグラフはサポーティング・センテンスを１～複数含む</a:t>
+            </a:r>
+            <a:endParaRPr kumimoji="1" lang="en-US" altLang="ja-JP" dirty="0"/>
+          </a:p>
+          <a:p>
+            <a:r>
               <a:rPr lang="ja-JP" altLang="en-US" dirty="0"/>
-              <a:t>トピック・センテンスは各パラグラフに１つある</a:t>
+              <a:t>トピック・センテンスとの関係</a:t>
             </a:r>
             <a:endParaRPr lang="en-US" altLang="ja-JP" dirty="0"/>
           </a:p>
           <a:p>
             <a:pPr lvl="1"/>
             <a:r>
-              <a:rPr lang="ja-JP" altLang="en-US" dirty="0"/>
-              <a:t>基本的にはそのパラグラフの先頭にある</a:t>
-            </a:r>
-            <a:endParaRPr lang="en-US" altLang="ja-JP" dirty="0"/>
+              <a:rPr kumimoji="1" lang="ja-JP" altLang="en-US" dirty="0"/>
+              <a:t>サポーティング・センテンスはトピック・センテンスの詳細を述べる関係にある</a:t>
+            </a:r>
+            <a:endParaRPr kumimoji="1" lang="en-US" altLang="ja-JP" dirty="0"/>
+          </a:p>
+          <a:p>
+            <a:pPr lvl="1"/>
+            <a:r>
+              <a:rPr kumimoji="1" lang="ja-JP" altLang="en-US" dirty="0"/>
+              <a:t>トピック・センテンスはサポーティング・センテンス達をまとめたものとなる</a:t>
+            </a:r>
+            <a:endParaRPr kumimoji="1" lang="en-US" altLang="ja-JP" dirty="0"/>
           </a:p>
           <a:p>
             <a:pPr lvl="2"/>
-            <a:r>
-              <a:rPr lang="ja-JP" altLang="en-US" dirty="0"/>
-              <a:t>前のパラグラフとの接続の関係で２文目等にくることもある</a:t>
-            </a:r>
-            <a:endParaRPr lang="en-US" altLang="ja-JP" dirty="0"/>
-          </a:p>
-          <a:p>
-            <a:r>
-              <a:rPr lang="ja-JP" altLang="en-US" dirty="0">
-                <a:solidFill>
-                  <a:schemeClr val="accent5"/>
-                </a:solidFill>
-              </a:rPr>
-              <a:t>各パラグラフのトピック・センテンスだけを取り出して繋げて読んでもおおよそ意味が通るようにする</a:t>
-            </a:r>
-            <a:endParaRPr lang="en-US" altLang="ja-JP" dirty="0">
-              <a:solidFill>
-                <a:schemeClr val="accent5"/>
-              </a:solidFill>
-            </a:endParaRPr>
-          </a:p>
-          <a:p>
-            <a:pPr lvl="1"/>
-            <a:r>
-              <a:rPr lang="ja-JP" altLang="en-US" dirty="0"/>
-              <a:t>トピック・センテンスはパラグラフの主張をまとめたもの</a:t>
-            </a:r>
-            <a:endParaRPr lang="en-US" altLang="ja-JP" dirty="0"/>
-          </a:p>
-          <a:p>
-            <a:pPr lvl="1"/>
-            <a:r>
-              <a:rPr lang="ja-JP" altLang="en-US" dirty="0"/>
-              <a:t>そこだけを取り出せば，おおまかな全体の主張がわかる</a:t>
-            </a:r>
-            <a:endParaRPr lang="en-US" altLang="ja-JP" dirty="0"/>
+            <a:endParaRPr kumimoji="1" lang="en-US" altLang="ja-JP" dirty="0"/>
           </a:p>
         </p:txBody>
       </p:sp>
     </p:spTree>
     <p:extLst>
       <p:ext uri="{BB962C8B-B14F-4D97-AF65-F5344CB8AC3E}">
-        <p14:creationId xmlns:p14="http://schemas.microsoft.com/office/powerpoint/2010/main" val="4163540200"/>
+        <p14:creationId xmlns:p14="http://schemas.microsoft.com/office/powerpoint/2010/main" val="1366793701"/>
       </p:ext>
     </p:extLst>
   </p:cSld>

--- a/writing.pptx
+++ b/writing.pptx
@@ -5,32 +5,38 @@
     <p:sldMasterId id="2147483669" r:id="rId1"/>
   </p:sldMasterIdLst>
   <p:notesMasterIdLst>
-    <p:notesMasterId r:id="rId25"/>
+    <p:notesMasterId r:id="rId31"/>
   </p:notesMasterIdLst>
   <p:sldIdLst>
     <p:sldId id="440" r:id="rId2"/>
     <p:sldId id="508" r:id="rId3"/>
     <p:sldId id="503" r:id="rId4"/>
     <p:sldId id="504" r:id="rId5"/>
-    <p:sldId id="505" r:id="rId6"/>
-    <p:sldId id="512" r:id="rId7"/>
-    <p:sldId id="506" r:id="rId8"/>
-    <p:sldId id="509" r:id="rId9"/>
-    <p:sldId id="510" r:id="rId10"/>
-    <p:sldId id="511" r:id="rId11"/>
-    <p:sldId id="452" r:id="rId12"/>
-    <p:sldId id="448" r:id="rId13"/>
-    <p:sldId id="450" r:id="rId14"/>
-    <p:sldId id="456" r:id="rId15"/>
-    <p:sldId id="457" r:id="rId16"/>
-    <p:sldId id="474" r:id="rId17"/>
-    <p:sldId id="458" r:id="rId18"/>
+    <p:sldId id="518" r:id="rId6"/>
+    <p:sldId id="505" r:id="rId7"/>
+    <p:sldId id="512" r:id="rId8"/>
+    <p:sldId id="519" r:id="rId9"/>
+    <p:sldId id="506" r:id="rId10"/>
+    <p:sldId id="509" r:id="rId11"/>
+    <p:sldId id="510" r:id="rId12"/>
+    <p:sldId id="511" r:id="rId13"/>
+    <p:sldId id="520" r:id="rId14"/>
+    <p:sldId id="452" r:id="rId15"/>
+    <p:sldId id="448" r:id="rId16"/>
+    <p:sldId id="450" r:id="rId17"/>
+    <p:sldId id="521" r:id="rId18"/>
     <p:sldId id="507" r:id="rId19"/>
-    <p:sldId id="513" r:id="rId20"/>
-    <p:sldId id="479" r:id="rId21"/>
-    <p:sldId id="481" r:id="rId22"/>
-    <p:sldId id="482" r:id="rId23"/>
-    <p:sldId id="483" r:id="rId24"/>
+    <p:sldId id="517" r:id="rId20"/>
+    <p:sldId id="456" r:id="rId21"/>
+    <p:sldId id="457" r:id="rId22"/>
+    <p:sldId id="474" r:id="rId23"/>
+    <p:sldId id="458" r:id="rId24"/>
+    <p:sldId id="513" r:id="rId25"/>
+    <p:sldId id="522" r:id="rId26"/>
+    <p:sldId id="479" r:id="rId27"/>
+    <p:sldId id="481" r:id="rId28"/>
+    <p:sldId id="482" r:id="rId29"/>
+    <p:sldId id="483" r:id="rId30"/>
   </p:sldIdLst>
   <p:sldSz cx="9144000" cy="6858000" type="screen4x3"/>
   <p:notesSz cx="6858000" cy="9144000"/>
@@ -138,21 +144,27 @@
             <p14:sldId id="508"/>
             <p14:sldId id="503"/>
             <p14:sldId id="504"/>
+            <p14:sldId id="518"/>
             <p14:sldId id="505"/>
             <p14:sldId id="512"/>
+            <p14:sldId id="519"/>
             <p14:sldId id="506"/>
             <p14:sldId id="509"/>
             <p14:sldId id="510"/>
             <p14:sldId id="511"/>
+            <p14:sldId id="520"/>
             <p14:sldId id="452"/>
             <p14:sldId id="448"/>
             <p14:sldId id="450"/>
+            <p14:sldId id="521"/>
+            <p14:sldId id="507"/>
+            <p14:sldId id="517"/>
             <p14:sldId id="456"/>
             <p14:sldId id="457"/>
             <p14:sldId id="474"/>
             <p14:sldId id="458"/>
-            <p14:sldId id="507"/>
             <p14:sldId id="513"/>
+            <p14:sldId id="522"/>
             <p14:sldId id="479"/>
             <p14:sldId id="481"/>
             <p14:sldId id="482"/>
@@ -264,7 +276,7 @@
           <a:p>
             <a:fld id="{2ABE53D4-1A7B-4FFE-8A95-4265B045F058}" type="datetimeFigureOut">
               <a:rPr kumimoji="1" lang="ja-JP" altLang="en-US" smtClean="0"/>
-              <a:t>2024/4/24</a:t>
+              <a:t>2024/4/25</a:t>
             </a:fld>
             <a:endParaRPr kumimoji="1" lang="ja-JP" altLang="en-US"/>
           </a:p>
@@ -3058,8 +3070,8 @@
               <a:t>文章の書き方 </a:t>
             </a:r>
             <a:r>
-              <a:rPr lang="en-US" altLang="ja-JP" sz="2800" dirty="0"/>
-              <a:t>v0</a:t>
+              <a:rPr lang="en-US" altLang="ja-JP" sz="2800"/>
+              <a:t>v1</a:t>
             </a:r>
             <a:endParaRPr kumimoji="1" lang="ja-JP" altLang="en-US" sz="2800" dirty="0"/>
           </a:p>
@@ -3403,14 +3415,9 @@
           <a:lstStyle/>
           <a:p>
             <a:r>
-              <a:rPr lang="ja-JP" altLang="en-US" dirty="0"/>
-              <a:t>コンクルーディング</a:t>
-            </a:r>
-            <a:r>
-              <a:rPr lang="ja-JP" altLang="en-US"/>
-              <a:t>・センテンス</a:t>
-            </a:r>
-            <a:endParaRPr kumimoji="1" lang="ja-JP" altLang="en-US" dirty="0"/>
+              <a:rPr kumimoji="1" lang="ja-JP" altLang="en-US" dirty="0"/>
+              <a:t>トピック・センテンス</a:t>
+            </a:r>
           </a:p>
         </p:txBody>
       </p:sp>
@@ -3437,32 +3444,71 @@
           <a:p>
             <a:r>
               <a:rPr lang="ja-JP" altLang="en-US" dirty="0"/>
-              <a:t>コンクルーディング・センテンス</a:t>
+              <a:t>そのパラグラフ全体で述べたい主張をまとめた文</a:t>
             </a:r>
             <a:endParaRPr lang="en-US" altLang="ja-JP" dirty="0"/>
           </a:p>
           <a:p>
             <a:pPr lvl="1"/>
             <a:r>
-              <a:rPr kumimoji="1" lang="ja-JP" altLang="en-US" dirty="0"/>
-              <a:t>トピック・センテンスの内容を別の言い方でまとめたもの</a:t>
-            </a:r>
-            <a:endParaRPr kumimoji="1" lang="en-US" altLang="ja-JP" dirty="0"/>
+              <a:rPr lang="ja-JP" altLang="en-US" dirty="0"/>
+              <a:t>トピック・センテンスは各パラグラフに１つある</a:t>
+            </a:r>
+            <a:endParaRPr lang="en-US" altLang="ja-JP" dirty="0"/>
           </a:p>
           <a:p>
             <a:pPr lvl="1"/>
             <a:r>
-              <a:rPr kumimoji="1" lang="ja-JP" altLang="en-US" dirty="0"/>
-              <a:t>ない場合も結構ある</a:t>
-            </a:r>
-            <a:endParaRPr kumimoji="1" lang="en-US" altLang="ja-JP" dirty="0"/>
+              <a:rPr lang="ja-JP" altLang="en-US" dirty="0"/>
+              <a:t>基本的にはそのパラグラフの先頭にある</a:t>
+            </a:r>
+            <a:endParaRPr lang="en-US" altLang="ja-JP" dirty="0"/>
+          </a:p>
+          <a:p>
+            <a:pPr lvl="2"/>
+            <a:r>
+              <a:rPr lang="ja-JP" altLang="en-US" dirty="0"/>
+              <a:t>前のパラグラフとの接続の関係で２文目等にくることもある</a:t>
+            </a:r>
+            <a:endParaRPr lang="en-US" altLang="ja-JP" dirty="0"/>
+          </a:p>
+          <a:p>
+            <a:r>
+              <a:rPr lang="ja-JP" altLang="en-US" dirty="0">
+                <a:solidFill>
+                  <a:schemeClr val="accent5"/>
+                </a:solidFill>
+              </a:rPr>
+              <a:t>各パラグラフのトピック・センテンスだけを取り出して繋げて読んでもおおよそ意味が通るようにする</a:t>
+            </a:r>
+            <a:endParaRPr lang="en-US" altLang="ja-JP" dirty="0">
+              <a:solidFill>
+                <a:schemeClr val="accent5"/>
+              </a:solidFill>
+            </a:endParaRPr>
+          </a:p>
+          <a:p>
+            <a:pPr lvl="1"/>
+            <a:r>
+              <a:rPr lang="ja-JP" altLang="en-US" dirty="0"/>
+              <a:t>トピック・センテンスはパラグラフの主張をまとめたもの</a:t>
+            </a:r>
+            <a:endParaRPr lang="en-US" altLang="ja-JP" dirty="0"/>
+          </a:p>
+          <a:p>
+            <a:pPr lvl="1"/>
+            <a:r>
+              <a:rPr lang="ja-JP" altLang="en-US" dirty="0"/>
+              <a:t>そこだけを取り出せば，おおまかな全体の主張がわかる</a:t>
+            </a:r>
+            <a:endParaRPr lang="en-US" altLang="ja-JP" dirty="0"/>
           </a:p>
         </p:txBody>
       </p:sp>
     </p:spTree>
     <p:extLst>
       <p:ext uri="{BB962C8B-B14F-4D97-AF65-F5344CB8AC3E}">
-        <p14:creationId xmlns:p14="http://schemas.microsoft.com/office/powerpoint/2010/main" val="127409624"/>
+        <p14:creationId xmlns:p14="http://schemas.microsoft.com/office/powerpoint/2010/main" val="4163540200"/>
       </p:ext>
     </p:extLst>
   </p:cSld>
@@ -3502,7 +3548,7 @@
           <p:cNvPr id="2" name="タイトル 1">
             <a:extLst>
               <a:ext uri="{FF2B5EF4-FFF2-40B4-BE49-F238E27FC236}">
-                <a16:creationId xmlns:a16="http://schemas.microsoft.com/office/drawing/2014/main" id="{D93A85F1-1B35-5F84-85D9-55D1C6172E1E}"/>
+                <a16:creationId xmlns:a16="http://schemas.microsoft.com/office/drawing/2014/main" id="{85895AA1-C3F6-5137-D327-90AEE8D8717F}"/>
               </a:ext>
             </a:extLst>
           </p:cNvPr>
@@ -3520,7 +3566,7 @@
           <a:p>
             <a:r>
               <a:rPr kumimoji="1" lang="ja-JP" altLang="en-US" dirty="0"/>
-              <a:t>「文」の書き方のポイント</a:t>
+              <a:t>サポーティング・センテンス</a:t>
             </a:r>
           </a:p>
         </p:txBody>
@@ -3530,7 +3576,7 @@
           <p:cNvPr id="3" name="テキスト プレースホルダー 2">
             <a:extLst>
               <a:ext uri="{FF2B5EF4-FFF2-40B4-BE49-F238E27FC236}">
-                <a16:creationId xmlns:a16="http://schemas.microsoft.com/office/drawing/2014/main" id="{B4414A41-3B92-4E38-46C4-3166C73733E8}"/>
+                <a16:creationId xmlns:a16="http://schemas.microsoft.com/office/drawing/2014/main" id="{AF7DC518-51F8-FA2A-0A74-B2DB18D49FC7}"/>
               </a:ext>
             </a:extLst>
           </p:cNvPr>
@@ -3546,36 +3592,53 @@
           <a:bodyPr/>
           <a:lstStyle/>
           <a:p>
-            <a:pPr marL="457200" indent="-457200">
-              <a:buFont typeface="+mj-lt"/>
-              <a:buAutoNum type="arabicPeriod"/>
-            </a:pPr>
             <a:r>
               <a:rPr kumimoji="1" lang="ja-JP" altLang="en-US" dirty="0"/>
-              <a:t>各文を短く簡潔にする</a:t>
+              <a:t>サポーティング・センテンス</a:t>
             </a:r>
             <a:endParaRPr kumimoji="1" lang="en-US" altLang="ja-JP" dirty="0"/>
           </a:p>
           <a:p>
-            <a:pPr marL="457200" indent="-457200">
-              <a:buFont typeface="+mj-lt"/>
-              <a:buAutoNum type="arabicPeriod"/>
-            </a:pPr>
+            <a:pPr lvl="1"/>
+            <a:r>
+              <a:rPr lang="ja-JP" altLang="en-US" dirty="0"/>
+              <a:t>トピック・センテンスの主張を補強するための文</a:t>
+            </a:r>
+            <a:endParaRPr lang="en-US" altLang="ja-JP" dirty="0"/>
+          </a:p>
+          <a:p>
+            <a:pPr lvl="1"/>
             <a:r>
               <a:rPr kumimoji="1" lang="ja-JP" altLang="en-US" dirty="0"/>
-              <a:t>各文の主語や動詞，述語を明確にする</a:t>
+              <a:t>各パラグラフはサポーティング・センテンスを１～複数含む</a:t>
             </a:r>
             <a:endParaRPr kumimoji="1" lang="en-US" altLang="ja-JP" dirty="0"/>
           </a:p>
           <a:p>
-            <a:pPr marL="457200" indent="-457200">
-              <a:buFont typeface="+mj-lt"/>
-              <a:buAutoNum type="arabicPeriod"/>
-            </a:pPr>
+            <a:r>
+              <a:rPr lang="ja-JP" altLang="en-US" dirty="0"/>
+              <a:t>トピック・センテンスとの関係</a:t>
+            </a:r>
+            <a:endParaRPr lang="en-US" altLang="ja-JP" dirty="0"/>
+          </a:p>
+          <a:p>
+            <a:pPr lvl="1"/>
             <a:r>
               <a:rPr kumimoji="1" lang="ja-JP" altLang="en-US" dirty="0"/>
-              <a:t>各文を適切に接続する</a:t>
-            </a:r>
+              <a:t>サポーティング・センテンスはトピック・センテンスの詳細を述べる関係にある</a:t>
+            </a:r>
+            <a:endParaRPr kumimoji="1" lang="en-US" altLang="ja-JP" dirty="0"/>
+          </a:p>
+          <a:p>
+            <a:pPr lvl="1"/>
+            <a:r>
+              <a:rPr kumimoji="1" lang="ja-JP" altLang="en-US" dirty="0"/>
+              <a:t>トピック・センテンスはサポーティング・センテンス達をまとめたものとなる</a:t>
+            </a:r>
+            <a:endParaRPr kumimoji="1" lang="en-US" altLang="ja-JP" dirty="0"/>
+          </a:p>
+          <a:p>
+            <a:pPr lvl="2"/>
             <a:endParaRPr kumimoji="1" lang="en-US" altLang="ja-JP" dirty="0"/>
           </a:p>
         </p:txBody>
@@ -3583,7 +3646,7 @@
     </p:spTree>
     <p:extLst>
       <p:ext uri="{BB962C8B-B14F-4D97-AF65-F5344CB8AC3E}">
-        <p14:creationId xmlns:p14="http://schemas.microsoft.com/office/powerpoint/2010/main" val="3057599224"/>
+        <p14:creationId xmlns:p14="http://schemas.microsoft.com/office/powerpoint/2010/main" val="1366793701"/>
       </p:ext>
     </p:extLst>
   </p:cSld>
@@ -3623,7 +3686,7 @@
           <p:cNvPr id="2" name="タイトル 1">
             <a:extLst>
               <a:ext uri="{FF2B5EF4-FFF2-40B4-BE49-F238E27FC236}">
-                <a16:creationId xmlns:a16="http://schemas.microsoft.com/office/drawing/2014/main" id="{A660BB84-DBA8-6642-6C09-5A4CA1B7E113}"/>
+                <a16:creationId xmlns:a16="http://schemas.microsoft.com/office/drawing/2014/main" id="{85895AA1-C3F6-5137-D327-90AEE8D8717F}"/>
               </a:ext>
             </a:extLst>
           </p:cNvPr>
@@ -3640,13 +3703,14 @@
           <a:lstStyle/>
           <a:p>
             <a:r>
-              <a:rPr kumimoji="1" lang="en-US" altLang="ja-JP" dirty="0"/>
-              <a:t>1. </a:t>
-            </a:r>
-            <a:r>
-              <a:rPr kumimoji="1" lang="ja-JP" altLang="en-US" dirty="0"/>
-              <a:t>各文を短く簡潔にする</a:t>
-            </a:r>
+              <a:rPr lang="ja-JP" altLang="en-US" dirty="0"/>
+              <a:t>コンクルーディング</a:t>
+            </a:r>
+            <a:r>
+              <a:rPr lang="ja-JP" altLang="en-US"/>
+              <a:t>・センテンス</a:t>
+            </a:r>
+            <a:endParaRPr kumimoji="1" lang="ja-JP" altLang="en-US" dirty="0"/>
           </a:p>
         </p:txBody>
       </p:sp>
@@ -3655,7 +3719,7 @@
           <p:cNvPr id="3" name="テキスト プレースホルダー 2">
             <a:extLst>
               <a:ext uri="{FF2B5EF4-FFF2-40B4-BE49-F238E27FC236}">
-                <a16:creationId xmlns:a16="http://schemas.microsoft.com/office/drawing/2014/main" id="{7FC8FB9F-70D9-3B50-054F-E1E6CF721F79}"/>
+                <a16:creationId xmlns:a16="http://schemas.microsoft.com/office/drawing/2014/main" id="{AF7DC518-51F8-FA2A-0A74-B2DB18D49FC7}"/>
               </a:ext>
             </a:extLst>
           </p:cNvPr>
@@ -3672,27 +3736,24 @@
           <a:lstStyle/>
           <a:p>
             <a:r>
-              <a:rPr kumimoji="1" lang="ja-JP" altLang="en-US" b="1" dirty="0">
-                <a:solidFill>
-                  <a:schemeClr val="accent5"/>
-                </a:solidFill>
-              </a:rPr>
-              <a:t>短い文は全てを解決する</a:t>
+              <a:rPr lang="ja-JP" altLang="en-US" dirty="0"/>
+              <a:t>コンクルーディング・センテンス</a:t>
+            </a:r>
+            <a:endParaRPr lang="en-US" altLang="ja-JP" dirty="0"/>
+          </a:p>
+          <a:p>
+            <a:pPr lvl="1"/>
+            <a:r>
+              <a:rPr kumimoji="1" lang="ja-JP" altLang="en-US" dirty="0"/>
+              <a:t>トピック・センテンスの内容を別の言い方でまとめたもの</a:t>
             </a:r>
             <a:endParaRPr kumimoji="1" lang="en-US" altLang="ja-JP" dirty="0"/>
           </a:p>
           <a:p>
+            <a:pPr lvl="1"/>
             <a:r>
               <a:rPr kumimoji="1" lang="ja-JP" altLang="en-US" dirty="0"/>
-              <a:t>短く簡潔な文は，</a:t>
-            </a:r>
-            <a:endParaRPr kumimoji="1" lang="en-US" altLang="ja-JP" dirty="0"/>
-          </a:p>
-          <a:p>
-            <a:pPr lvl="1"/>
-            <a:r>
-              <a:rPr kumimoji="1" lang="ja-JP" altLang="en-US" dirty="0"/>
-              <a:t>誰が読んでも明確に意味が理解できる</a:t>
+              <a:t>ない場合も結構ある</a:t>
             </a:r>
             <a:endParaRPr kumimoji="1" lang="en-US" altLang="ja-JP" dirty="0"/>
           </a:p>
@@ -3701,7 +3762,7 @@
     </p:spTree>
     <p:extLst>
       <p:ext uri="{BB962C8B-B14F-4D97-AF65-F5344CB8AC3E}">
-        <p14:creationId xmlns:p14="http://schemas.microsoft.com/office/powerpoint/2010/main" val="1822019107"/>
+        <p14:creationId xmlns:p14="http://schemas.microsoft.com/office/powerpoint/2010/main" val="127409624"/>
       </p:ext>
     </p:extLst>
   </p:cSld>
@@ -3738,10 +3799,10 @@
       </p:grpSpPr>
       <p:sp>
         <p:nvSpPr>
-          <p:cNvPr id="2" name="タイトル 1">
-            <a:extLst>
-              <a:ext uri="{FF2B5EF4-FFF2-40B4-BE49-F238E27FC236}">
-                <a16:creationId xmlns:a16="http://schemas.microsoft.com/office/drawing/2014/main" id="{7015080F-9E79-6A62-8922-464CD13B906F}"/>
+          <p:cNvPr id="6" name="タイトル 5">
+            <a:extLst>
+              <a:ext uri="{FF2B5EF4-FFF2-40B4-BE49-F238E27FC236}">
+                <a16:creationId xmlns:a16="http://schemas.microsoft.com/office/drawing/2014/main" id="{D44FC4B2-BE5F-0B62-A30B-6488B98CA7F1}"/>
               </a:ext>
             </a:extLst>
           </p:cNvPr>
@@ -3758,101 +3819,23 @@
           <a:lstStyle/>
           <a:p>
             <a:r>
-              <a:rPr kumimoji="1" lang="en-US" altLang="ja-JP" dirty="0"/>
-              <a:t>2. </a:t>
-            </a:r>
-            <a:r>
-              <a:rPr kumimoji="1" lang="ja-JP" altLang="en-US" dirty="0"/>
-              <a:t>各文の主語や動詞，述語を明確にする</a:t>
-            </a:r>
-          </a:p>
-        </p:txBody>
-      </p:sp>
-      <p:sp>
-        <p:nvSpPr>
-          <p:cNvPr id="3" name="テキスト プレースホルダー 2">
-            <a:extLst>
-              <a:ext uri="{FF2B5EF4-FFF2-40B4-BE49-F238E27FC236}">
-                <a16:creationId xmlns:a16="http://schemas.microsoft.com/office/drawing/2014/main" id="{CFBEEDD7-1ABB-B544-39E1-C52AB828F23A}"/>
-              </a:ext>
-            </a:extLst>
-          </p:cNvPr>
-          <p:cNvSpPr>
-            <a:spLocks noGrp="1"/>
-          </p:cNvSpPr>
-          <p:nvPr>
-            <p:ph type="body" sz="quarter" idx="10"/>
-          </p:nvPr>
-        </p:nvSpPr>
-        <p:spPr/>
-        <p:txBody>
-          <a:bodyPr/>
-          <a:lstStyle/>
-          <a:p>
-            <a:r>
-              <a:rPr kumimoji="1" lang="ja-JP" altLang="en-US" dirty="0"/>
-              <a:t>日本語は主語や述語（目的語）を省略して書けてしまう</a:t>
-            </a:r>
-            <a:endParaRPr kumimoji="1" lang="en-US" altLang="ja-JP" dirty="0"/>
-          </a:p>
-          <a:p>
-            <a:pPr lvl="1"/>
-            <a:r>
-              <a:rPr kumimoji="1" lang="ja-JP" altLang="en-US" dirty="0"/>
-              <a:t>日本語論文であっても，本来そのような曖昧さは排除すべき</a:t>
-            </a:r>
-            <a:endParaRPr kumimoji="1" lang="en-US" altLang="ja-JP" dirty="0"/>
-          </a:p>
-          <a:p>
-            <a:pPr lvl="1"/>
-            <a:r>
-              <a:rPr kumimoji="1" lang="ja-JP" altLang="en-US" dirty="0"/>
-              <a:t>多少冗長であっても，意味に紛れがないよう略さずにきちんと書くべき</a:t>
-            </a:r>
-            <a:endParaRPr kumimoji="1" lang="en-US" altLang="ja-JP" dirty="0"/>
-          </a:p>
-          <a:p>
-            <a:r>
-              <a:rPr kumimoji="1" lang="ja-JP" altLang="en-US" dirty="0">
-                <a:solidFill>
-                  <a:schemeClr val="accent5"/>
-                </a:solidFill>
-              </a:rPr>
-              <a:t>まず各文を確認して，主語や述語が欠けていないかを確認</a:t>
-            </a:r>
-            <a:endParaRPr kumimoji="1" lang="en-US" altLang="ja-JP" dirty="0">
-              <a:solidFill>
-                <a:schemeClr val="accent5"/>
-              </a:solidFill>
-            </a:endParaRPr>
-          </a:p>
-          <a:p>
-            <a:pPr lvl="1"/>
-            <a:r>
-              <a:rPr kumimoji="1" lang="ja-JP" altLang="en-US" dirty="0"/>
-              <a:t>自明な場合でも「それ」などを使った方がよい</a:t>
-            </a:r>
+              <a:rPr lang="ja-JP" altLang="en-US" dirty="0"/>
+              <a:t>文</a:t>
+            </a:r>
+            <a:endParaRPr lang="en-US" dirty="0"/>
           </a:p>
         </p:txBody>
       </p:sp>
     </p:spTree>
     <p:extLst>
       <p:ext uri="{BB962C8B-B14F-4D97-AF65-F5344CB8AC3E}">
-        <p14:creationId xmlns:p14="http://schemas.microsoft.com/office/powerpoint/2010/main" val="902104713"/>
+        <p14:creationId xmlns:p14="http://schemas.microsoft.com/office/powerpoint/2010/main" val="2493814936"/>
       </p:ext>
     </p:extLst>
   </p:cSld>
   <p:clrMapOvr>
     <a:masterClrMapping/>
   </p:clrMapOvr>
-  <mc:AlternateContent xmlns:mc="http://schemas.openxmlformats.org/markup-compatibility/2006" xmlns:p14="http://schemas.microsoft.com/office/powerpoint/2010/main">
-    <mc:Choice Requires="p14">
-      <p:transition p14:dur="10"/>
-    </mc:Choice>
-    <mc:Fallback xmlns="">
-      <p:transition/>
-    </mc:Fallback>
-  </mc:AlternateContent>
 </p:sld>
 </file>
 
@@ -3878,7 +3861,7 @@
           <p:cNvPr id="2" name="タイトル 1">
             <a:extLst>
               <a:ext uri="{FF2B5EF4-FFF2-40B4-BE49-F238E27FC236}">
-                <a16:creationId xmlns:a16="http://schemas.microsoft.com/office/drawing/2014/main" id="{91D89DC0-3FD1-AEAA-2E43-17FD95F7ABA3}"/>
+                <a16:creationId xmlns:a16="http://schemas.microsoft.com/office/drawing/2014/main" id="{D93A85F1-1B35-5F84-85D9-55D1C6172E1E}"/>
               </a:ext>
             </a:extLst>
           </p:cNvPr>
@@ -3895,12 +3878,8 @@
           <a:lstStyle/>
           <a:p>
             <a:r>
-              <a:rPr kumimoji="1" lang="en-US" altLang="ja-JP" dirty="0"/>
-              <a:t>3. </a:t>
-            </a:r>
-            <a:r>
               <a:rPr kumimoji="1" lang="ja-JP" altLang="en-US" dirty="0"/>
-              <a:t>各文を適切に接続する</a:t>
+              <a:t>「文」の書き方のポイント</a:t>
             </a:r>
           </a:p>
         </p:txBody>
@@ -3910,7 +3889,7 @@
           <p:cNvPr id="3" name="テキスト プレースホルダー 2">
             <a:extLst>
               <a:ext uri="{FF2B5EF4-FFF2-40B4-BE49-F238E27FC236}">
-                <a16:creationId xmlns:a16="http://schemas.microsoft.com/office/drawing/2014/main" id="{5BC3025A-7B01-BA2E-4B61-9B87B1743DAB}"/>
+                <a16:creationId xmlns:a16="http://schemas.microsoft.com/office/drawing/2014/main" id="{B4414A41-3B92-4E38-46C4-3166C73733E8}"/>
               </a:ext>
             </a:extLst>
           </p:cNvPr>
@@ -3926,77 +3905,24 @@
           <a:bodyPr/>
           <a:lstStyle/>
           <a:p>
-            <a:r>
-              <a:rPr kumimoji="1" lang="ja-JP" altLang="en-US" dirty="0"/>
-              <a:t>なにも考えずに文を短くするとぶつ切れになる</a:t>
-            </a:r>
-            <a:endParaRPr kumimoji="1" lang="en-US" altLang="ja-JP" dirty="0"/>
-          </a:p>
-          <a:p>
-            <a:pPr lvl="1"/>
-            <a:r>
-              <a:rPr kumimoji="1" lang="ja-JP" altLang="en-US" dirty="0"/>
-              <a:t>元々なんとなく繋がっていた気がしていただけで，</a:t>
-            </a:r>
-            <a:br>
-              <a:rPr kumimoji="1" lang="en-US" altLang="ja-JP" dirty="0"/>
-            </a:br>
-            <a:r>
-              <a:rPr kumimoji="1" lang="ja-JP" altLang="en-US" dirty="0"/>
-              <a:t>実は論理的に接続されていないとこうなりがち</a:t>
-            </a:r>
-            <a:endParaRPr kumimoji="1" lang="en-US" altLang="ja-JP" dirty="0"/>
-          </a:p>
-          <a:p>
-            <a:r>
-              <a:rPr kumimoji="1" lang="ja-JP" altLang="en-US" dirty="0"/>
-              <a:t>文同士を接続する方法</a:t>
-            </a:r>
-            <a:endParaRPr kumimoji="1" lang="en-US" altLang="ja-JP" dirty="0"/>
-          </a:p>
-          <a:p>
-            <a:pPr marL="817200" lvl="1" indent="-457200">
+            <a:pPr marL="457200" indent="-457200">
               <a:buFont typeface="+mj-lt"/>
               <a:buAutoNum type="arabicPeriod"/>
             </a:pPr>
             <a:r>
               <a:rPr kumimoji="1" lang="ja-JP" altLang="en-US" dirty="0"/>
-              <a:t>接続詞を適切に入れる</a:t>
+              <a:t>各文を短く簡潔にする</a:t>
             </a:r>
             <a:endParaRPr kumimoji="1" lang="en-US" altLang="ja-JP" dirty="0"/>
           </a:p>
           <a:p>
-            <a:pPr lvl="2"/>
-            <a:r>
-              <a:rPr kumimoji="1" lang="ja-JP" altLang="en-US" dirty="0"/>
-              <a:t>「したがって」</a:t>
-            </a:r>
-            <a:endParaRPr kumimoji="1" lang="en-US" altLang="ja-JP" dirty="0"/>
-          </a:p>
-          <a:p>
-            <a:pPr lvl="2"/>
-            <a:r>
-              <a:rPr kumimoji="1" lang="ja-JP" altLang="en-US" dirty="0"/>
-              <a:t>「なぜなら」</a:t>
-            </a:r>
-            <a:endParaRPr kumimoji="1" lang="en-US" altLang="ja-JP" dirty="0"/>
-          </a:p>
-          <a:p>
-            <a:pPr lvl="2"/>
-            <a:r>
-              <a:rPr kumimoji="1" lang="ja-JP" altLang="en-US" dirty="0"/>
-              <a:t>「しかし」</a:t>
-            </a:r>
-            <a:endParaRPr kumimoji="1" lang="en-US" altLang="ja-JP" dirty="0"/>
-          </a:p>
-          <a:p>
-            <a:pPr marL="817200" lvl="1" indent="-457200">
+            <a:pPr marL="457200" indent="-457200">
               <a:buFont typeface="+mj-lt"/>
               <a:buAutoNum type="arabicPeriod"/>
             </a:pPr>
             <a:r>
               <a:rPr kumimoji="1" lang="ja-JP" altLang="en-US" dirty="0"/>
-              <a:t>文内の論理的な繋がりを使う</a:t>
+              <a:t>各文の主語や動詞，述語を明確にする</a:t>
             </a:r>
             <a:endParaRPr kumimoji="1" lang="en-US" altLang="ja-JP" dirty="0"/>
           </a:p>
@@ -4005,7 +3931,7 @@
     </p:spTree>
     <p:extLst>
       <p:ext uri="{BB962C8B-B14F-4D97-AF65-F5344CB8AC3E}">
-        <p14:creationId xmlns:p14="http://schemas.microsoft.com/office/powerpoint/2010/main" val="308663371"/>
+        <p14:creationId xmlns:p14="http://schemas.microsoft.com/office/powerpoint/2010/main" val="3057599224"/>
       </p:ext>
     </p:extLst>
   </p:cSld>
@@ -4045,7 +3971,7 @@
           <p:cNvPr id="2" name="タイトル 1">
             <a:extLst>
               <a:ext uri="{FF2B5EF4-FFF2-40B4-BE49-F238E27FC236}">
-                <a16:creationId xmlns:a16="http://schemas.microsoft.com/office/drawing/2014/main" id="{0AA3E805-C8B0-4B62-0EE7-64CFD041C187}"/>
+                <a16:creationId xmlns:a16="http://schemas.microsoft.com/office/drawing/2014/main" id="{A660BB84-DBA8-6642-6C09-5A4CA1B7E113}"/>
               </a:ext>
             </a:extLst>
           </p:cNvPr>
@@ -4062,8 +3988,12 @@
           <a:lstStyle/>
           <a:p>
             <a:r>
+              <a:rPr kumimoji="1" lang="en-US" altLang="ja-JP" dirty="0"/>
+              <a:t>1. </a:t>
+            </a:r>
+            <a:r>
               <a:rPr kumimoji="1" lang="ja-JP" altLang="en-US" dirty="0"/>
-              <a:t>論理的な繋がりを使った文の接続１</a:t>
+              <a:t>各文を短く簡潔にする</a:t>
             </a:r>
           </a:p>
         </p:txBody>
@@ -4073,7 +4003,7 @@
           <p:cNvPr id="3" name="テキスト プレースホルダー 2">
             <a:extLst>
               <a:ext uri="{FF2B5EF4-FFF2-40B4-BE49-F238E27FC236}">
-                <a16:creationId xmlns:a16="http://schemas.microsoft.com/office/drawing/2014/main" id="{60ADC020-2198-50F1-6F94-34B8CBB0F2D4}"/>
+                <a16:creationId xmlns:a16="http://schemas.microsoft.com/office/drawing/2014/main" id="{7FC8FB9F-70D9-3B50-054F-E1E6CF721F79}"/>
               </a:ext>
             </a:extLst>
           </p:cNvPr>
@@ -4090,172 +4020,36 @@
           <a:lstStyle/>
           <a:p>
             <a:r>
-              <a:rPr kumimoji="1" lang="ja-JP" altLang="en-US" sz="1800" dirty="0">
+              <a:rPr kumimoji="1" lang="ja-JP" altLang="en-US" b="1" dirty="0">
                 <a:solidFill>
                   <a:schemeClr val="accent5"/>
                 </a:solidFill>
               </a:rPr>
-              <a:t>そこより前の文に出てくる単語や事象を入れると自然に繋がる</a:t>
-            </a:r>
-            <a:endParaRPr kumimoji="1" lang="en-US" altLang="ja-JP" sz="1800" dirty="0">
-              <a:solidFill>
-                <a:schemeClr val="accent5"/>
-              </a:solidFill>
-            </a:endParaRPr>
+              <a:t>短い文は全てを解決する</a:t>
+            </a:r>
+            <a:endParaRPr kumimoji="1" lang="en-US" altLang="ja-JP" dirty="0"/>
+          </a:p>
+          <a:p>
+            <a:r>
+              <a:rPr kumimoji="1" lang="ja-JP" altLang="en-US" dirty="0"/>
+              <a:t>短く簡潔な文は，</a:t>
+            </a:r>
+            <a:endParaRPr kumimoji="1" lang="en-US" altLang="ja-JP" dirty="0"/>
           </a:p>
           <a:p>
             <a:pPr lvl="1"/>
             <a:r>
-              <a:rPr kumimoji="1" lang="ja-JP" altLang="en-US" sz="1800" dirty="0"/>
-              <a:t>そこまでの文の内容に新しい情報を付け足す形にする</a:t>
-            </a:r>
-            <a:endParaRPr kumimoji="1" lang="en-US" altLang="ja-JP" sz="1800" dirty="0"/>
-          </a:p>
-          <a:p>
-            <a:r>
-              <a:rPr kumimoji="1" lang="ja-JP" altLang="en-US" sz="1800" dirty="0"/>
-              <a:t>「</a:t>
-            </a:r>
-            <a:r>
-              <a:rPr kumimoji="1" lang="en-US" altLang="ja-JP" sz="1800" dirty="0"/>
-              <a:t>A </a:t>
-            </a:r>
-            <a:r>
-              <a:rPr kumimoji="1" lang="ja-JP" altLang="en-US" sz="1800" dirty="0"/>
-              <a:t>は </a:t>
-            </a:r>
-            <a:r>
-              <a:rPr kumimoji="1" lang="en-US" altLang="ja-JP" sz="1800" dirty="0"/>
-              <a:t>B </a:t>
-            </a:r>
-            <a:r>
-              <a:rPr kumimoji="1" lang="ja-JP" altLang="en-US" sz="1800" dirty="0"/>
-              <a:t>である．なぜなら </a:t>
-            </a:r>
-            <a:r>
-              <a:rPr lang="en-US" altLang="ja-JP" sz="1800" dirty="0"/>
-              <a:t>B </a:t>
-            </a:r>
-            <a:r>
-              <a:rPr lang="ja-JP" altLang="en-US" sz="1800" dirty="0"/>
-              <a:t>は </a:t>
-            </a:r>
-            <a:r>
-              <a:rPr lang="en-US" altLang="ja-JP" sz="1800" dirty="0"/>
-              <a:t>C </a:t>
-            </a:r>
-            <a:r>
-              <a:rPr lang="ja-JP" altLang="en-US" sz="1800" dirty="0"/>
-              <a:t>だからだ</a:t>
-            </a:r>
-            <a:r>
-              <a:rPr kumimoji="1" lang="ja-JP" altLang="en-US" sz="1800" dirty="0"/>
-              <a:t>」の後に繋げる文を考える</a:t>
-            </a:r>
-            <a:endParaRPr kumimoji="1" lang="en-US" altLang="ja-JP" sz="1800" dirty="0"/>
-          </a:p>
-          <a:p>
-            <a:pPr lvl="1"/>
-            <a:r>
-              <a:rPr kumimoji="1" lang="ja-JP" altLang="en-US" sz="1800" dirty="0"/>
-              <a:t>良い例：</a:t>
-            </a:r>
-            <a:endParaRPr kumimoji="1" lang="en-US" altLang="ja-JP" sz="1800" dirty="0"/>
-          </a:p>
-          <a:p>
-            <a:pPr lvl="2"/>
-            <a:r>
-              <a:rPr kumimoji="1" lang="ja-JP" altLang="en-US" sz="1800" dirty="0"/>
-              <a:t>「この </a:t>
-            </a:r>
-            <a:r>
-              <a:rPr kumimoji="1" lang="en-US" altLang="ja-JP" sz="1800" dirty="0"/>
-              <a:t>B </a:t>
-            </a:r>
-            <a:r>
-              <a:rPr kumimoji="1" lang="ja-JP" altLang="en-US" sz="1800" dirty="0"/>
-              <a:t>は～という性質をもつ」</a:t>
-            </a:r>
-            <a:endParaRPr kumimoji="1" lang="en-US" altLang="ja-JP" sz="1800" dirty="0"/>
-          </a:p>
-          <a:p>
-            <a:pPr lvl="2"/>
-            <a:r>
-              <a:rPr kumimoji="1" lang="ja-JP" altLang="en-US" sz="1800" dirty="0"/>
-              <a:t>「この </a:t>
-            </a:r>
-            <a:r>
-              <a:rPr kumimoji="1" lang="en-US" altLang="ja-JP" sz="1800" dirty="0"/>
-              <a:t>C </a:t>
-            </a:r>
-            <a:r>
-              <a:rPr kumimoji="1" lang="ja-JP" altLang="en-US" sz="1800" dirty="0"/>
-              <a:t>は一般に </a:t>
-            </a:r>
-            <a:r>
-              <a:rPr kumimoji="1" lang="en-US" altLang="ja-JP" sz="1800" dirty="0"/>
-              <a:t>D </a:t>
-            </a:r>
-            <a:r>
-              <a:rPr kumimoji="1" lang="ja-JP" altLang="en-US" sz="1800" dirty="0"/>
-              <a:t>である」</a:t>
-            </a:r>
-            <a:endParaRPr kumimoji="1" lang="en-US" altLang="ja-JP" sz="1800" dirty="0"/>
-          </a:p>
-          <a:p>
-            <a:pPr lvl="1"/>
-            <a:r>
-              <a:rPr kumimoji="1" lang="ja-JP" altLang="en-US" sz="1800" dirty="0"/>
-              <a:t>だめな例：</a:t>
-            </a:r>
-            <a:endParaRPr kumimoji="1" lang="en-US" altLang="ja-JP" sz="1800" dirty="0"/>
-          </a:p>
-          <a:p>
-            <a:pPr lvl="2"/>
-            <a:r>
-              <a:rPr kumimoji="1" lang="ja-JP" altLang="en-US" sz="1800" dirty="0"/>
-              <a:t>「</a:t>
-            </a:r>
-            <a:r>
-              <a:rPr kumimoji="1" lang="en-US" altLang="ja-JP" sz="1800" dirty="0"/>
-              <a:t>E </a:t>
-            </a:r>
-            <a:r>
-              <a:rPr kumimoji="1" lang="ja-JP" altLang="en-US" sz="1800" dirty="0"/>
-              <a:t>は </a:t>
-            </a:r>
-            <a:r>
-              <a:rPr kumimoji="1" lang="en-US" altLang="ja-JP" sz="1800" dirty="0"/>
-              <a:t>F </a:t>
-            </a:r>
-            <a:r>
-              <a:rPr kumimoji="1" lang="ja-JP" altLang="en-US" sz="1800" dirty="0"/>
-              <a:t>である」（</a:t>
-            </a:r>
-            <a:r>
-              <a:rPr kumimoji="1" lang="en-US" altLang="ja-JP" sz="1800" dirty="0"/>
-              <a:t>E </a:t>
-            </a:r>
-            <a:r>
-              <a:rPr kumimoji="1" lang="ja-JP" altLang="en-US" sz="1800" dirty="0"/>
-              <a:t>も </a:t>
-            </a:r>
-            <a:r>
-              <a:rPr kumimoji="1" lang="en-US" altLang="ja-JP" sz="1800" dirty="0"/>
-              <a:t>F </a:t>
-            </a:r>
-            <a:r>
-              <a:rPr kumimoji="1" lang="ja-JP" altLang="en-US" sz="1800" dirty="0"/>
-              <a:t>も初登場なので繋がってない）</a:t>
-            </a:r>
-            <a:endParaRPr kumimoji="1" lang="en-US" altLang="ja-JP" sz="1800" dirty="0"/>
+              <a:rPr kumimoji="1" lang="ja-JP" altLang="en-US" dirty="0"/>
+              <a:t>誰が読んでも明確に意味が理解できる</a:t>
+            </a:r>
+            <a:endParaRPr kumimoji="1" lang="en-US" altLang="ja-JP" dirty="0"/>
           </a:p>
         </p:txBody>
       </p:sp>
     </p:spTree>
     <p:extLst>
       <p:ext uri="{BB962C8B-B14F-4D97-AF65-F5344CB8AC3E}">
-        <p14:creationId xmlns:p14="http://schemas.microsoft.com/office/powerpoint/2010/main" val="1530409555"/>
+        <p14:creationId xmlns:p14="http://schemas.microsoft.com/office/powerpoint/2010/main" val="1822019107"/>
       </p:ext>
     </p:extLst>
   </p:cSld>
@@ -4295,7 +4089,7 @@
           <p:cNvPr id="2" name="タイトル 1">
             <a:extLst>
               <a:ext uri="{FF2B5EF4-FFF2-40B4-BE49-F238E27FC236}">
-                <a16:creationId xmlns:a16="http://schemas.microsoft.com/office/drawing/2014/main" id="{0AA3E805-C8B0-4B62-0EE7-64CFD041C187}"/>
+                <a16:creationId xmlns:a16="http://schemas.microsoft.com/office/drawing/2014/main" id="{7015080F-9E79-6A62-8922-464CD13B906F}"/>
               </a:ext>
             </a:extLst>
           </p:cNvPr>
@@ -4312,8 +4106,12 @@
           <a:lstStyle/>
           <a:p>
             <a:r>
+              <a:rPr kumimoji="1" lang="en-US" altLang="ja-JP" dirty="0"/>
+              <a:t>2. </a:t>
+            </a:r>
+            <a:r>
               <a:rPr kumimoji="1" lang="ja-JP" altLang="en-US" dirty="0"/>
-              <a:t>論理的な繋がりを使った文の接続２</a:t>
+              <a:t>各文の主語や動詞，述語を明確にする</a:t>
             </a:r>
           </a:p>
         </p:txBody>
@@ -4323,7 +4121,7 @@
           <p:cNvPr id="3" name="テキスト プレースホルダー 2">
             <a:extLst>
               <a:ext uri="{FF2B5EF4-FFF2-40B4-BE49-F238E27FC236}">
-                <a16:creationId xmlns:a16="http://schemas.microsoft.com/office/drawing/2014/main" id="{60ADC020-2198-50F1-6F94-34B8CBB0F2D4}"/>
+                <a16:creationId xmlns:a16="http://schemas.microsoft.com/office/drawing/2014/main" id="{CFBEEDD7-1ABB-B544-39E1-C52AB828F23A}"/>
               </a:ext>
             </a:extLst>
           </p:cNvPr>
@@ -4340,164 +4138,55 @@
           <a:lstStyle/>
           <a:p>
             <a:r>
-              <a:rPr kumimoji="1" lang="ja-JP" altLang="en-US" sz="1800" dirty="0">
+              <a:rPr kumimoji="1" lang="ja-JP" altLang="en-US" dirty="0"/>
+              <a:t>日本語は主語や述語（目的語）を省略して書けてしまう</a:t>
+            </a:r>
+            <a:endParaRPr kumimoji="1" lang="en-US" altLang="ja-JP" dirty="0"/>
+          </a:p>
+          <a:p>
+            <a:pPr lvl="1"/>
+            <a:r>
+              <a:rPr kumimoji="1" lang="ja-JP" altLang="en-US" dirty="0"/>
+              <a:t>日本語論文であっても，本来そのような曖昧さは排除すべき</a:t>
+            </a:r>
+            <a:endParaRPr kumimoji="1" lang="en-US" altLang="ja-JP" dirty="0"/>
+          </a:p>
+          <a:p>
+            <a:pPr lvl="1"/>
+            <a:r>
+              <a:rPr kumimoji="1" lang="ja-JP" altLang="en-US" dirty="0"/>
+              <a:t>多少冗長であっても，意味に紛れがないよう略さずにきちんと書くべき</a:t>
+            </a:r>
+            <a:endParaRPr kumimoji="1" lang="en-US" altLang="ja-JP" dirty="0"/>
+          </a:p>
+          <a:p>
+            <a:r>
+              <a:rPr kumimoji="1" lang="ja-JP" altLang="en-US" dirty="0">
                 <a:solidFill>
                   <a:schemeClr val="accent5"/>
                 </a:solidFill>
               </a:rPr>
-              <a:t>各文内の前の方に，（なるべく近くの）既出の単語や事象を置く</a:t>
-            </a:r>
-            <a:endParaRPr kumimoji="1" lang="en-US" altLang="ja-JP" sz="1800" dirty="0"/>
+              <a:t>まず各文を確認して，主語や述語が欠けていないかを確認</a:t>
+            </a:r>
+            <a:endParaRPr kumimoji="1" lang="en-US" altLang="ja-JP" dirty="0">
+              <a:solidFill>
+                <a:schemeClr val="accent5"/>
+              </a:solidFill>
+            </a:endParaRPr>
           </a:p>
           <a:p>
             <a:pPr lvl="1"/>
             <a:r>
-              <a:rPr kumimoji="1" lang="ja-JP" altLang="en-US" sz="1800" dirty="0"/>
-              <a:t>既出の単語が，長い文の後半で初めて出てくるのは良くない</a:t>
-            </a:r>
-            <a:endParaRPr kumimoji="1" lang="en-US" altLang="ja-JP" sz="1800" dirty="0"/>
-          </a:p>
-          <a:p>
-            <a:pPr lvl="1"/>
-            <a:r>
-              <a:rPr kumimoji="1" lang="ja-JP" altLang="en-US" sz="1800" dirty="0"/>
-              <a:t>その文を最後まで読まないと，接続関係がわからない</a:t>
-            </a:r>
-            <a:endParaRPr kumimoji="1" lang="en-US" altLang="ja-JP" sz="1800" dirty="0"/>
-          </a:p>
-          <a:p>
-            <a:r>
-              <a:rPr kumimoji="1" lang="ja-JP" altLang="en-US" sz="1800" dirty="0"/>
-              <a:t>また「</a:t>
-            </a:r>
-            <a:r>
-              <a:rPr kumimoji="1" lang="en-US" altLang="ja-JP" sz="1800" dirty="0"/>
-              <a:t>A </a:t>
-            </a:r>
-            <a:r>
-              <a:rPr kumimoji="1" lang="ja-JP" altLang="en-US" sz="1800" dirty="0"/>
-              <a:t>は </a:t>
-            </a:r>
-            <a:r>
-              <a:rPr kumimoji="1" lang="en-US" altLang="ja-JP" sz="1800" dirty="0"/>
-              <a:t>B </a:t>
-            </a:r>
-            <a:r>
-              <a:rPr kumimoji="1" lang="ja-JP" altLang="en-US" sz="1800" dirty="0"/>
-              <a:t>である．なぜなら </a:t>
-            </a:r>
-            <a:r>
-              <a:rPr lang="en-US" altLang="ja-JP" sz="1800" dirty="0"/>
-              <a:t>B </a:t>
-            </a:r>
-            <a:r>
-              <a:rPr lang="ja-JP" altLang="en-US" sz="1800" dirty="0"/>
-              <a:t>は </a:t>
-            </a:r>
-            <a:r>
-              <a:rPr lang="en-US" altLang="ja-JP" sz="1800" b="1" dirty="0">
-                <a:solidFill>
-                  <a:schemeClr val="accent5"/>
-                </a:solidFill>
-              </a:rPr>
-              <a:t>C</a:t>
-            </a:r>
-            <a:r>
-              <a:rPr lang="en-US" altLang="ja-JP" sz="1800" dirty="0"/>
-              <a:t> </a:t>
-            </a:r>
-            <a:r>
-              <a:rPr lang="ja-JP" altLang="en-US" sz="1800" dirty="0"/>
-              <a:t>だからだ</a:t>
-            </a:r>
-            <a:r>
-              <a:rPr kumimoji="1" lang="ja-JP" altLang="en-US" sz="1800" dirty="0"/>
-              <a:t>」の後に繋げる文を考える</a:t>
-            </a:r>
-            <a:endParaRPr kumimoji="1" lang="en-US" altLang="ja-JP" sz="1800" dirty="0"/>
-          </a:p>
-          <a:p>
-            <a:pPr lvl="1"/>
-            <a:r>
-              <a:rPr kumimoji="1" lang="ja-JP" altLang="en-US" sz="1800" dirty="0"/>
-              <a:t>だめな例：</a:t>
-            </a:r>
-            <a:endParaRPr kumimoji="1" lang="en-US" altLang="ja-JP" sz="1800" dirty="0"/>
-          </a:p>
-          <a:p>
-            <a:pPr lvl="2"/>
-            <a:r>
-              <a:rPr kumimoji="1" lang="ja-JP" altLang="en-US" sz="1800" dirty="0"/>
-              <a:t>「～は～であり，そのため～は </a:t>
-            </a:r>
-            <a:r>
-              <a:rPr kumimoji="1" lang="en-US" altLang="ja-JP" sz="1800" b="1" dirty="0">
-                <a:solidFill>
-                  <a:schemeClr val="accent5"/>
-                </a:solidFill>
-              </a:rPr>
-              <a:t>C</a:t>
-            </a:r>
-            <a:r>
-              <a:rPr kumimoji="1" lang="en-US" altLang="ja-JP" sz="1800" dirty="0"/>
-              <a:t> </a:t>
-            </a:r>
-            <a:r>
-              <a:rPr kumimoji="1" lang="ja-JP" altLang="en-US" sz="1800" dirty="0"/>
-              <a:t>である」</a:t>
-            </a:r>
-            <a:endParaRPr kumimoji="1" lang="en-US" altLang="ja-JP" sz="1800" dirty="0"/>
-          </a:p>
-          <a:p>
-            <a:pPr lvl="2"/>
-            <a:r>
-              <a:rPr kumimoji="1" lang="en-US" altLang="ja-JP" sz="1800" dirty="0"/>
-              <a:t>C </a:t>
-            </a:r>
-            <a:r>
-              <a:rPr kumimoji="1" lang="ja-JP" altLang="en-US" sz="1800" dirty="0"/>
-              <a:t>が最後に出てくるので，そこまで読まないと関係がわからない</a:t>
-            </a:r>
-            <a:endParaRPr kumimoji="1" lang="en-US" altLang="ja-JP" sz="1800" dirty="0"/>
-          </a:p>
-          <a:p>
-            <a:pPr lvl="1"/>
-            <a:r>
-              <a:rPr kumimoji="1" lang="ja-JP" altLang="en-US" sz="1800" dirty="0"/>
-              <a:t>良い例：</a:t>
-            </a:r>
-            <a:endParaRPr kumimoji="1" lang="en-US" altLang="ja-JP" sz="1800" dirty="0"/>
-          </a:p>
-          <a:p>
-            <a:pPr lvl="2"/>
-            <a:r>
-              <a:rPr kumimoji="1" lang="ja-JP" altLang="en-US" sz="1800" dirty="0"/>
-              <a:t>「～は </a:t>
-            </a:r>
-            <a:r>
-              <a:rPr kumimoji="1" lang="en-US" altLang="ja-JP" sz="1800" b="1" dirty="0">
-                <a:solidFill>
-                  <a:schemeClr val="accent5"/>
-                </a:solidFill>
-              </a:rPr>
-              <a:t>C</a:t>
-            </a:r>
-            <a:r>
-              <a:rPr kumimoji="1" lang="en-US" altLang="ja-JP" sz="1800" dirty="0"/>
-              <a:t> </a:t>
-            </a:r>
-            <a:r>
-              <a:rPr kumimoji="1" lang="ja-JP" altLang="en-US" sz="1800" dirty="0"/>
-              <a:t>である．なぜなら～は～であるためである」</a:t>
-            </a:r>
-            <a:endParaRPr kumimoji="1" lang="en-US" altLang="ja-JP" sz="1800" dirty="0"/>
+              <a:rPr kumimoji="1" lang="ja-JP" altLang="en-US" dirty="0"/>
+              <a:t>自明な場合でも「それ」などを使った方がよい</a:t>
+            </a:r>
           </a:p>
         </p:txBody>
       </p:sp>
     </p:spTree>
     <p:extLst>
       <p:ext uri="{BB962C8B-B14F-4D97-AF65-F5344CB8AC3E}">
-        <p14:creationId xmlns:p14="http://schemas.microsoft.com/office/powerpoint/2010/main" val="3414039066"/>
+        <p14:creationId xmlns:p14="http://schemas.microsoft.com/office/powerpoint/2010/main" val="902104713"/>
       </p:ext>
     </p:extLst>
   </p:cSld>
@@ -4534,10 +4223,10 @@
       </p:grpSpPr>
       <p:sp>
         <p:nvSpPr>
-          <p:cNvPr id="2" name="タイトル 1">
-            <a:extLst>
-              <a:ext uri="{FF2B5EF4-FFF2-40B4-BE49-F238E27FC236}">
-                <a16:creationId xmlns:a16="http://schemas.microsoft.com/office/drawing/2014/main" id="{97F43A36-1241-4642-C35D-F2423024AF7E}"/>
+          <p:cNvPr id="6" name="タイトル 5">
+            <a:extLst>
+              <a:ext uri="{FF2B5EF4-FFF2-40B4-BE49-F238E27FC236}">
+                <a16:creationId xmlns:a16="http://schemas.microsoft.com/office/drawing/2014/main" id="{D44FC4B2-BE5F-0B62-A30B-6488B98CA7F1}"/>
               </a:ext>
             </a:extLst>
           </p:cNvPr>
@@ -4554,217 +4243,23 @@
           <a:lstStyle/>
           <a:p>
             <a:r>
-              <a:rPr kumimoji="1" lang="ja-JP" altLang="en-US" dirty="0"/>
-              <a:t>論理的な繋がりを使った文の接続３</a:t>
-            </a:r>
-          </a:p>
-        </p:txBody>
-      </p:sp>
-      <p:sp>
-        <p:nvSpPr>
-          <p:cNvPr id="3" name="テキスト プレースホルダー 2">
-            <a:extLst>
-              <a:ext uri="{FF2B5EF4-FFF2-40B4-BE49-F238E27FC236}">
-                <a16:creationId xmlns:a16="http://schemas.microsoft.com/office/drawing/2014/main" id="{0AE5F184-FC3A-2542-0079-3B39E1BBBD63}"/>
-              </a:ext>
-            </a:extLst>
-          </p:cNvPr>
-          <p:cNvSpPr>
-            <a:spLocks noGrp="1"/>
-          </p:cNvSpPr>
-          <p:nvPr>
-            <p:ph type="body" sz="quarter" idx="10"/>
-          </p:nvPr>
-        </p:nvSpPr>
-        <p:spPr/>
-        <p:txBody>
-          <a:bodyPr/>
-          <a:lstStyle/>
-          <a:p>
-            <a:r>
-              <a:rPr kumimoji="1" lang="ja-JP" altLang="en-US" dirty="0"/>
-              <a:t>最初に要素や単語を列挙してから，ぶらさげる</a:t>
-            </a:r>
-            <a:endParaRPr kumimoji="1" lang="en-US" altLang="ja-JP" dirty="0"/>
-          </a:p>
-          <a:p>
-            <a:pPr lvl="1"/>
-            <a:r>
-              <a:rPr kumimoji="1" lang="ja-JP" altLang="en-US" dirty="0"/>
-              <a:t>この後ろに列挙した要素の説明がくることが自然に伝わる</a:t>
-            </a:r>
-            <a:endParaRPr kumimoji="1" lang="en-US" altLang="ja-JP" dirty="0"/>
-          </a:p>
-          <a:p>
-            <a:r>
-              <a:rPr kumimoji="1" lang="ja-JP" altLang="en-US" dirty="0"/>
-              <a:t>例：</a:t>
-            </a:r>
-            <a:endParaRPr kumimoji="1" lang="en-US" altLang="ja-JP" dirty="0"/>
-          </a:p>
-          <a:p>
-            <a:pPr lvl="1"/>
-            <a:r>
-              <a:rPr kumimoji="1" lang="ja-JP" altLang="en-US" dirty="0"/>
-              <a:t>「</a:t>
-            </a:r>
-            <a:r>
-              <a:rPr kumimoji="1" lang="en-US" altLang="ja-JP" dirty="0"/>
-              <a:t>A </a:t>
-            </a:r>
-            <a:r>
-              <a:rPr kumimoji="1" lang="ja-JP" altLang="en-US" dirty="0"/>
-              <a:t>には </a:t>
-            </a:r>
-            <a:r>
-              <a:rPr kumimoji="1" lang="en-US" altLang="ja-JP" dirty="0"/>
-              <a:t>B </a:t>
-            </a:r>
-            <a:r>
-              <a:rPr kumimoji="1" lang="ja-JP" altLang="en-US" dirty="0"/>
-              <a:t>と </a:t>
-            </a:r>
-            <a:r>
-              <a:rPr kumimoji="1" lang="en-US" altLang="ja-JP" dirty="0"/>
-              <a:t>C </a:t>
-            </a:r>
-            <a:r>
-              <a:rPr kumimoji="1" lang="ja-JP" altLang="en-US" dirty="0"/>
-              <a:t>がある」</a:t>
-            </a:r>
-            <a:endParaRPr kumimoji="1" lang="en-US" altLang="ja-JP" dirty="0"/>
-          </a:p>
-          <a:p>
-            <a:pPr lvl="2"/>
-            <a:r>
-              <a:rPr kumimoji="1" lang="ja-JP" altLang="en-US" dirty="0"/>
-              <a:t>「</a:t>
-            </a:r>
-            <a:r>
-              <a:rPr kumimoji="1" lang="en-US" altLang="ja-JP" dirty="0"/>
-              <a:t>B </a:t>
-            </a:r>
-            <a:r>
-              <a:rPr kumimoji="1" lang="ja-JP" altLang="en-US" dirty="0"/>
-              <a:t>は～である」</a:t>
-            </a:r>
-            <a:endParaRPr kumimoji="1" lang="en-US" altLang="ja-JP" dirty="0"/>
-          </a:p>
-          <a:p>
-            <a:pPr lvl="2"/>
-            <a:r>
-              <a:rPr kumimoji="1" lang="ja-JP" altLang="en-US" dirty="0"/>
-              <a:t>「一方で </a:t>
-            </a:r>
-            <a:r>
-              <a:rPr kumimoji="1" lang="en-US" altLang="ja-JP" dirty="0"/>
-              <a:t>C </a:t>
-            </a:r>
-            <a:r>
-              <a:rPr kumimoji="1" lang="ja-JP" altLang="en-US" dirty="0"/>
-              <a:t>は～である」</a:t>
-            </a:r>
-            <a:br>
-              <a:rPr kumimoji="1" lang="en-US" altLang="ja-JP" dirty="0"/>
-            </a:br>
-            <a:endParaRPr kumimoji="1" lang="en-US" altLang="ja-JP" dirty="0"/>
-          </a:p>
-          <a:p>
-            <a:pPr lvl="1"/>
-            <a:r>
-              <a:rPr kumimoji="1" lang="ja-JP" altLang="en-US" dirty="0"/>
-              <a:t>「～は以下の手順で行われる」</a:t>
-            </a:r>
-            <a:endParaRPr kumimoji="1" lang="en-US" altLang="ja-JP" dirty="0"/>
-          </a:p>
-          <a:p>
-            <a:pPr lvl="2"/>
-            <a:r>
-              <a:rPr kumimoji="1" lang="ja-JP" altLang="en-US" dirty="0"/>
-              <a:t>「</a:t>
-            </a:r>
-            <a:r>
-              <a:rPr kumimoji="1" lang="en-US" altLang="ja-JP" dirty="0"/>
-              <a:t>1.</a:t>
-            </a:r>
-            <a:r>
-              <a:rPr kumimoji="1" lang="ja-JP" altLang="en-US" dirty="0"/>
-              <a:t>」「</a:t>
-            </a:r>
-            <a:r>
-              <a:rPr kumimoji="1" lang="en-US" altLang="ja-JP" dirty="0"/>
-              <a:t>2.</a:t>
-            </a:r>
-            <a:r>
-              <a:rPr kumimoji="1" lang="ja-JP" altLang="en-US" dirty="0"/>
-              <a:t>」「</a:t>
-            </a:r>
-            <a:r>
-              <a:rPr kumimoji="1" lang="en-US" altLang="ja-JP" dirty="0"/>
-              <a:t>3.</a:t>
-            </a:r>
-            <a:r>
-              <a:rPr kumimoji="1" lang="ja-JP" altLang="en-US" dirty="0"/>
-              <a:t>」</a:t>
-            </a:r>
-            <a:endParaRPr kumimoji="1" lang="en-US" altLang="ja-JP" dirty="0"/>
-          </a:p>
-          <a:p>
-            <a:pPr lvl="1"/>
-            <a:r>
-              <a:rPr kumimoji="1" lang="ja-JP" altLang="en-US" dirty="0"/>
-              <a:t>「～は以下の２つの理由からなる」</a:t>
-            </a:r>
-            <a:endParaRPr kumimoji="1" lang="en-US" altLang="ja-JP" dirty="0"/>
-          </a:p>
-          <a:p>
-            <a:pPr lvl="2"/>
-            <a:r>
-              <a:rPr kumimoji="1" lang="ja-JP" altLang="en-US" dirty="0"/>
-              <a:t>「</a:t>
-            </a:r>
-            <a:r>
-              <a:rPr kumimoji="1" lang="en-US" altLang="ja-JP" dirty="0"/>
-              <a:t>1.</a:t>
-            </a:r>
-            <a:r>
-              <a:rPr kumimoji="1" lang="ja-JP" altLang="en-US" dirty="0"/>
-              <a:t>」「</a:t>
-            </a:r>
-            <a:r>
-              <a:rPr kumimoji="1" lang="en-US" altLang="ja-JP" dirty="0"/>
-              <a:t>2.</a:t>
-            </a:r>
-            <a:r>
-              <a:rPr kumimoji="1" lang="ja-JP" altLang="en-US" dirty="0"/>
-              <a:t>」</a:t>
-            </a:r>
-            <a:endParaRPr kumimoji="1" lang="en-US" altLang="ja-JP" dirty="0"/>
-          </a:p>
-          <a:p>
-            <a:pPr lvl="1"/>
-            <a:endParaRPr kumimoji="1" lang="ja-JP" altLang="en-US" dirty="0"/>
+              <a:rPr lang="ja-JP" altLang="en-US" dirty="0"/>
+              <a:t>文の接続</a:t>
+            </a:r>
+            <a:endParaRPr lang="en-US" dirty="0"/>
           </a:p>
         </p:txBody>
       </p:sp>
     </p:spTree>
     <p:extLst>
       <p:ext uri="{BB962C8B-B14F-4D97-AF65-F5344CB8AC3E}">
-        <p14:creationId xmlns:p14="http://schemas.microsoft.com/office/powerpoint/2010/main" val="2236628389"/>
+        <p14:creationId xmlns:p14="http://schemas.microsoft.com/office/powerpoint/2010/main" val="1455509777"/>
       </p:ext>
     </p:extLst>
   </p:cSld>
   <p:clrMapOvr>
     <a:masterClrMapping/>
   </p:clrMapOvr>
-  <mc:AlternateContent xmlns:mc="http://schemas.openxmlformats.org/markup-compatibility/2006" xmlns:p14="http://schemas.microsoft.com/office/powerpoint/2010/main">
-    <mc:Choice Requires="p14">
-      <p:transition p14:dur="10"/>
-    </mc:Choice>
-    <mc:Fallback xmlns="">
-      <p:transition/>
-    </mc:Fallback>
-  </mc:AlternateContent>
 </p:sld>
 </file>
 
@@ -4808,7 +4303,7 @@
           <a:p>
             <a:r>
               <a:rPr lang="ja-JP" altLang="en-US" dirty="0"/>
-              <a:t>パラグラフや文内の接続：古い情報と新しい情報</a:t>
+              <a:t>文の接続の基本１：古い情報と新しい情報</a:t>
             </a:r>
             <a:endParaRPr kumimoji="1" lang="ja-JP" altLang="en-US" dirty="0"/>
           </a:p>
@@ -4990,7 +4485,7 @@
           <a:p>
             <a:r>
               <a:rPr lang="ja-JP" altLang="en-US" dirty="0"/>
-              <a:t>パラグラフや文内の接続：古い情報と新しい情報</a:t>
+              <a:t>文の接続の基本２：概観から詳細へ</a:t>
             </a:r>
             <a:endParaRPr kumimoji="1" lang="ja-JP" altLang="en-US" dirty="0"/>
           </a:p>
@@ -5018,32 +4513,48 @@
           <a:lstStyle/>
           <a:p>
             <a:r>
-              <a:rPr lang="ja-JP" altLang="en-US" dirty="0"/>
-              <a:t>パラグラフ内の各文</a:t>
-            </a:r>
-            <a:endParaRPr lang="en-US" altLang="ja-JP" dirty="0"/>
+              <a:rPr kumimoji="1" lang="ja-JP" altLang="en-US" dirty="0">
+                <a:solidFill>
+                  <a:schemeClr val="accent5"/>
+                </a:solidFill>
+              </a:rPr>
+              <a:t>概観を先に話してから，その詳細を次に話すのが鉄則</a:t>
+            </a:r>
+            <a:endParaRPr kumimoji="1" lang="en-US" altLang="ja-JP" dirty="0">
+              <a:solidFill>
+                <a:schemeClr val="accent5"/>
+              </a:solidFill>
+            </a:endParaRPr>
           </a:p>
           <a:p>
             <a:pPr lvl="1"/>
             <a:r>
               <a:rPr kumimoji="1" lang="ja-JP" altLang="en-US" dirty="0"/>
-              <a:t>トピック・センテンス </a:t>
-            </a:r>
-            <a:r>
-              <a:rPr kumimoji="1" lang="en-US" altLang="ja-JP" dirty="0"/>
-              <a:t>or </a:t>
-            </a:r>
+              <a:t>概観の例</a:t>
+            </a:r>
+            <a:endParaRPr kumimoji="1" lang="en-US" altLang="ja-JP" dirty="0"/>
+          </a:p>
+          <a:p>
+            <a:pPr lvl="2"/>
             <a:r>
               <a:rPr kumimoji="1" lang="ja-JP" altLang="en-US" dirty="0"/>
-              <a:t>それまでのサポーティング・センテンスで触れた内容に必ず繋がっている</a:t>
+              <a:t>おおざっぱに一言で言うとどう言う事か</a:t>
             </a:r>
             <a:endParaRPr kumimoji="1" lang="en-US" altLang="ja-JP" dirty="0"/>
           </a:p>
           <a:p>
+            <a:pPr lvl="2"/>
+            <a:r>
+              <a:rPr kumimoji="1" lang="ja-JP" altLang="en-US" dirty="0"/>
+              <a:t>なんの話題についてか</a:t>
+            </a:r>
+            <a:endParaRPr kumimoji="1" lang="en-US" altLang="ja-JP" dirty="0"/>
+          </a:p>
+          <a:p>
             <a:pPr lvl="1"/>
             <a:r>
               <a:rPr kumimoji="1" lang="ja-JP" altLang="en-US" dirty="0"/>
-              <a:t>そこまでに現れていない概念や単語だけで構成された文を入れてはいけない</a:t>
+              <a:t>詳細の例</a:t>
             </a:r>
             <a:endParaRPr kumimoji="1" lang="en-US" altLang="ja-JP" dirty="0"/>
           </a:p>
@@ -5051,15 +4562,39 @@
             <a:pPr lvl="2"/>
             <a:r>
               <a:rPr kumimoji="1" lang="ja-JP" altLang="en-US" dirty="0"/>
-              <a:t>その後まで読んではじめて意味がわかるようなものはだめ</a:t>
-            </a:r>
+              <a:t>一言で言った内容の理由や内訳など</a:t>
+            </a:r>
+            <a:endParaRPr kumimoji="1" lang="en-US" altLang="ja-JP" dirty="0"/>
+          </a:p>
+          <a:p>
+            <a:r>
+              <a:rPr kumimoji="1" lang="ja-JP" altLang="en-US" dirty="0"/>
+              <a:t>逆にしてしまいがち</a:t>
+            </a:r>
+            <a:endParaRPr kumimoji="1" lang="en-US" altLang="ja-JP" dirty="0"/>
+          </a:p>
+          <a:p>
+            <a:pPr lvl="1"/>
+            <a:r>
+              <a:rPr kumimoji="1" lang="ja-JP" altLang="en-US" dirty="0"/>
+              <a:t>逆にすると，最後まで読むと意味が繋がって わかる文になる</a:t>
+            </a:r>
+            <a:endParaRPr kumimoji="1" lang="en-US" altLang="ja-JP" dirty="0"/>
+          </a:p>
+          <a:p>
+            <a:pPr lvl="1"/>
+            <a:r>
+              <a:rPr kumimoji="1" lang="ja-JP" altLang="en-US" dirty="0"/>
+              <a:t>これは脳内に情報を全部スタックしておく必要があり，非常にわかりにくい</a:t>
+            </a:r>
+            <a:endParaRPr kumimoji="1" lang="en-US" altLang="ja-JP" dirty="0"/>
           </a:p>
         </p:txBody>
       </p:sp>
     </p:spTree>
     <p:extLst>
       <p:ext uri="{BB962C8B-B14F-4D97-AF65-F5344CB8AC3E}">
-        <p14:creationId xmlns:p14="http://schemas.microsoft.com/office/powerpoint/2010/main" val="1929943680"/>
+        <p14:creationId xmlns:p14="http://schemas.microsoft.com/office/powerpoint/2010/main" val="3682535709"/>
       </p:ext>
     </p:extLst>
   </p:cSld>
@@ -5188,10 +4723,10 @@
       </p:grpSpPr>
       <p:sp>
         <p:nvSpPr>
-          <p:cNvPr id="4" name="タイトル 3">
-            <a:extLst>
-              <a:ext uri="{FF2B5EF4-FFF2-40B4-BE49-F238E27FC236}">
-                <a16:creationId xmlns:a16="http://schemas.microsoft.com/office/drawing/2014/main" id="{6562E51A-24AB-589C-C10B-60BA2743CF86}"/>
+          <p:cNvPr id="2" name="タイトル 1">
+            <a:extLst>
+              <a:ext uri="{FF2B5EF4-FFF2-40B4-BE49-F238E27FC236}">
+                <a16:creationId xmlns:a16="http://schemas.microsoft.com/office/drawing/2014/main" id="{91D89DC0-3FD1-AEAA-2E43-17FD95F7ABA3}"/>
               </a:ext>
             </a:extLst>
           </p:cNvPr>
@@ -5208,18 +4743,18 @@
           <a:lstStyle/>
           <a:p>
             <a:r>
-              <a:rPr lang="ja-JP" altLang="en-US" dirty="0"/>
-              <a:t>プロットから文章やスライドへ</a:t>
+              <a:rPr kumimoji="1" lang="ja-JP" altLang="en-US" dirty="0"/>
+              <a:t>各文を適切に接続する</a:t>
             </a:r>
           </a:p>
         </p:txBody>
       </p:sp>
       <p:sp>
         <p:nvSpPr>
-          <p:cNvPr id="5" name="テキスト プレースホルダー 4">
-            <a:extLst>
-              <a:ext uri="{FF2B5EF4-FFF2-40B4-BE49-F238E27FC236}">
-                <a16:creationId xmlns:a16="http://schemas.microsoft.com/office/drawing/2014/main" id="{24288186-ECCC-F136-8196-B4294566CB12}"/>
+          <p:cNvPr id="3" name="テキスト プレースホルダー 2">
+            <a:extLst>
+              <a:ext uri="{FF2B5EF4-FFF2-40B4-BE49-F238E27FC236}">
+                <a16:creationId xmlns:a16="http://schemas.microsoft.com/office/drawing/2014/main" id="{5BC3025A-7B01-BA2E-4B61-9B87B1743DAB}"/>
               </a:ext>
             </a:extLst>
           </p:cNvPr>
@@ -5236,122 +4771,85 @@
           <a:lstStyle/>
           <a:p>
             <a:r>
-              <a:rPr lang="ja-JP" altLang="en-US" dirty="0"/>
-              <a:t>プロットと文章の違い：</a:t>
-            </a:r>
-            <a:endParaRPr lang="en-US" altLang="ja-JP" dirty="0"/>
+              <a:rPr kumimoji="1" lang="ja-JP" altLang="en-US" dirty="0"/>
+              <a:t>なにも考えずに文を短くするとぶつ切れになる</a:t>
+            </a:r>
+            <a:endParaRPr kumimoji="1" lang="en-US" altLang="ja-JP" dirty="0"/>
           </a:p>
           <a:p>
             <a:pPr lvl="1"/>
             <a:r>
-              <a:rPr lang="ja-JP" altLang="en-US" dirty="0"/>
-              <a:t>プロットは論理の階層構造を単に表せば良い</a:t>
-            </a:r>
-            <a:endParaRPr lang="en-US" altLang="ja-JP" dirty="0"/>
+              <a:rPr kumimoji="1" lang="ja-JP" altLang="en-US" dirty="0"/>
+              <a:t>元々なんとなく繋がっていた気がしていただけで，</a:t>
+            </a:r>
+            <a:br>
+              <a:rPr kumimoji="1" lang="en-US" altLang="ja-JP" dirty="0"/>
+            </a:br>
+            <a:r>
+              <a:rPr kumimoji="1" lang="ja-JP" altLang="en-US" dirty="0"/>
+              <a:t>実は論理的に接続されていないとこうなりがち</a:t>
+            </a:r>
+            <a:endParaRPr kumimoji="1" lang="en-US" altLang="ja-JP" dirty="0"/>
+          </a:p>
+          <a:p>
+            <a:r>
+              <a:rPr kumimoji="1" lang="ja-JP" altLang="en-US" dirty="0"/>
+              <a:t>文同士を接続する方法</a:t>
+            </a:r>
+            <a:endParaRPr kumimoji="1" lang="en-US" altLang="ja-JP" dirty="0"/>
+          </a:p>
+          <a:p>
+            <a:pPr marL="817200" lvl="1" indent="-457200">
+              <a:buFont typeface="+mj-lt"/>
+              <a:buAutoNum type="arabicPeriod"/>
+            </a:pPr>
+            <a:r>
+              <a:rPr kumimoji="1" lang="ja-JP" altLang="en-US" dirty="0"/>
+              <a:t>接続詞を適切に入れる</a:t>
+            </a:r>
+            <a:endParaRPr kumimoji="1" lang="en-US" altLang="ja-JP" dirty="0"/>
           </a:p>
           <a:p>
             <a:pPr lvl="2"/>
             <a:r>
-              <a:rPr lang="ja-JP" altLang="en-US" dirty="0"/>
-              <a:t>子は親にぶら下がっている事で視覚的に論理関係がわかる</a:t>
-            </a:r>
-            <a:endParaRPr lang="en-US" altLang="ja-JP" dirty="0"/>
+              <a:rPr kumimoji="1" lang="ja-JP" altLang="en-US" dirty="0"/>
+              <a:t>「したがって」</a:t>
+            </a:r>
+            <a:endParaRPr kumimoji="1" lang="en-US" altLang="ja-JP" dirty="0"/>
           </a:p>
           <a:p>
             <a:pPr lvl="2"/>
             <a:r>
-              <a:rPr lang="ja-JP" altLang="en-US" dirty="0"/>
-              <a:t>つなぎの言葉は通常あまり書かない</a:t>
-            </a:r>
-            <a:endParaRPr lang="en-US" altLang="ja-JP" dirty="0"/>
-          </a:p>
-          <a:p>
-            <a:pPr lvl="1"/>
-            <a:r>
-              <a:rPr lang="ja-JP" altLang="en-US" dirty="0"/>
-              <a:t>しかし，文章（スライド）は基本的にシーケンシャル</a:t>
-            </a:r>
-            <a:endParaRPr lang="en-US" altLang="ja-JP" dirty="0"/>
+              <a:rPr kumimoji="1" lang="ja-JP" altLang="en-US" dirty="0"/>
+              <a:t>「なぜなら」</a:t>
+            </a:r>
+            <a:endParaRPr kumimoji="1" lang="en-US" altLang="ja-JP" dirty="0"/>
           </a:p>
           <a:p>
             <a:pPr lvl="2"/>
             <a:r>
-              <a:rPr lang="ja-JP" altLang="en-US" dirty="0"/>
-              <a:t>文章は前から後ろにむかって順に読むもの</a:t>
-            </a:r>
-            <a:endParaRPr lang="en-US" altLang="ja-JP" dirty="0"/>
-          </a:p>
-          <a:p>
-            <a:pPr lvl="2"/>
-            <a:r>
-              <a:rPr lang="ja-JP" altLang="en-US" dirty="0">
-                <a:solidFill>
-                  <a:schemeClr val="accent5"/>
-                </a:solidFill>
-              </a:rPr>
-              <a:t>前から読んでわかる順序に論理を展開し，それぞれにつなぎを入れる必要がある</a:t>
-            </a:r>
-            <a:endParaRPr lang="en-US" altLang="ja-JP" dirty="0">
-              <a:solidFill>
-                <a:schemeClr val="accent5"/>
-              </a:solidFill>
-            </a:endParaRPr>
-          </a:p>
-          <a:p>
-            <a:r>
-              <a:rPr lang="ja-JP" altLang="en-US" dirty="0"/>
-              <a:t>課題：</a:t>
-            </a:r>
-            <a:br>
-              <a:rPr lang="en-US" altLang="ja-JP" dirty="0"/>
-            </a:br>
-            <a:r>
-              <a:rPr lang="ja-JP" altLang="en-US" dirty="0"/>
-              <a:t>プロットの論理をどのようにシーケンシャルな文章に展開するか？</a:t>
-            </a:r>
-            <a:endParaRPr lang="en-US" altLang="ja-JP" dirty="0"/>
-          </a:p>
-        </p:txBody>
-      </p:sp>
-      <p:sp>
-        <p:nvSpPr>
-          <p:cNvPr id="2" name="スライド番号プレースホルダー 1">
-            <a:extLst>
-              <a:ext uri="{FF2B5EF4-FFF2-40B4-BE49-F238E27FC236}">
-                <a16:creationId xmlns:a16="http://schemas.microsoft.com/office/drawing/2014/main" id="{CFEF9DC9-89E4-71EE-05DF-89E205E66070}"/>
-              </a:ext>
-            </a:extLst>
-          </p:cNvPr>
-          <p:cNvSpPr>
-            <a:spLocks noGrp="1"/>
-          </p:cNvSpPr>
-          <p:nvPr>
-            <p:ph type="sldNum" sz="quarter" idx="4294967295"/>
-          </p:nvPr>
-        </p:nvSpPr>
-        <p:spPr>
-          <a:xfrm>
-            <a:off x="8531225" y="6308725"/>
-            <a:ext cx="612775" cy="549275"/>
-          </a:xfrm>
-        </p:spPr>
-        <p:txBody>
-          <a:bodyPr/>
-          <a:lstStyle/>
-          <a:p>
-            <a:fld id="{D2D8002D-B5B0-4BAC-B1F6-782DDCCE6D9C}" type="slidenum">
-              <a:rPr kumimoji="1" lang="ja-JP" altLang="en-US" smtClean="0"/>
-              <a:pPr/>
-              <a:t>20</a:t>
-            </a:fld>
-            <a:endParaRPr kumimoji="1" lang="ja-JP" altLang="en-US"/>
+              <a:rPr kumimoji="1" lang="ja-JP" altLang="en-US" dirty="0"/>
+              <a:t>「しかし」</a:t>
+            </a:r>
+            <a:endParaRPr kumimoji="1" lang="en-US" altLang="ja-JP" dirty="0"/>
+          </a:p>
+          <a:p>
+            <a:pPr marL="817200" lvl="1" indent="-457200">
+              <a:buFont typeface="+mj-lt"/>
+              <a:buAutoNum type="arabicPeriod"/>
+            </a:pPr>
+            <a:r>
+              <a:rPr kumimoji="1" lang="ja-JP" altLang="en-US" dirty="0"/>
+              <a:t>文内の論理的な繋がりを使う</a:t>
+            </a:r>
+            <a:endParaRPr kumimoji="1" lang="en-US" altLang="ja-JP" dirty="0"/>
           </a:p>
         </p:txBody>
       </p:sp>
     </p:spTree>
     <p:extLst>
       <p:ext uri="{BB962C8B-B14F-4D97-AF65-F5344CB8AC3E}">
-        <p14:creationId xmlns:p14="http://schemas.microsoft.com/office/powerpoint/2010/main" val="4034395818"/>
+        <p14:creationId xmlns:p14="http://schemas.microsoft.com/office/powerpoint/2010/main" val="308663371"/>
       </p:ext>
     </p:extLst>
   </p:cSld>
@@ -5391,6 +4889,1137 @@
           <p:cNvPr id="2" name="タイトル 1">
             <a:extLst>
               <a:ext uri="{FF2B5EF4-FFF2-40B4-BE49-F238E27FC236}">
+                <a16:creationId xmlns:a16="http://schemas.microsoft.com/office/drawing/2014/main" id="{0AA3E805-C8B0-4B62-0EE7-64CFD041C187}"/>
+              </a:ext>
+            </a:extLst>
+          </p:cNvPr>
+          <p:cNvSpPr>
+            <a:spLocks noGrp="1"/>
+          </p:cNvSpPr>
+          <p:nvPr>
+            <p:ph type="title"/>
+          </p:nvPr>
+        </p:nvSpPr>
+        <p:spPr/>
+        <p:txBody>
+          <a:bodyPr/>
+          <a:lstStyle/>
+          <a:p>
+            <a:r>
+              <a:rPr kumimoji="1" lang="ja-JP" altLang="en-US" dirty="0"/>
+              <a:t>論理的な繋がりを使った文の接続１</a:t>
+            </a:r>
+          </a:p>
+        </p:txBody>
+      </p:sp>
+      <p:sp>
+        <p:nvSpPr>
+          <p:cNvPr id="3" name="テキスト プレースホルダー 2">
+            <a:extLst>
+              <a:ext uri="{FF2B5EF4-FFF2-40B4-BE49-F238E27FC236}">
+                <a16:creationId xmlns:a16="http://schemas.microsoft.com/office/drawing/2014/main" id="{60ADC020-2198-50F1-6F94-34B8CBB0F2D4}"/>
+              </a:ext>
+            </a:extLst>
+          </p:cNvPr>
+          <p:cNvSpPr>
+            <a:spLocks noGrp="1"/>
+          </p:cNvSpPr>
+          <p:nvPr>
+            <p:ph type="body" sz="quarter" idx="10"/>
+          </p:nvPr>
+        </p:nvSpPr>
+        <p:spPr/>
+        <p:txBody>
+          <a:bodyPr/>
+          <a:lstStyle/>
+          <a:p>
+            <a:r>
+              <a:rPr kumimoji="1" lang="ja-JP" altLang="en-US" sz="1800" dirty="0">
+                <a:solidFill>
+                  <a:schemeClr val="accent5"/>
+                </a:solidFill>
+              </a:rPr>
+              <a:t>そこより前の文に出てくる単語や事象を入れると自然に繋がる</a:t>
+            </a:r>
+            <a:endParaRPr kumimoji="1" lang="en-US" altLang="ja-JP" sz="1800" dirty="0">
+              <a:solidFill>
+                <a:schemeClr val="accent5"/>
+              </a:solidFill>
+            </a:endParaRPr>
+          </a:p>
+          <a:p>
+            <a:pPr lvl="1"/>
+            <a:r>
+              <a:rPr kumimoji="1" lang="ja-JP" altLang="en-US" sz="1800" dirty="0"/>
+              <a:t>そこまでの文の内容に新しい情報を付け足す形にする</a:t>
+            </a:r>
+            <a:endParaRPr kumimoji="1" lang="en-US" altLang="ja-JP" sz="1800" dirty="0"/>
+          </a:p>
+          <a:p>
+            <a:r>
+              <a:rPr kumimoji="1" lang="ja-JP" altLang="en-US" sz="1800" dirty="0"/>
+              <a:t>「</a:t>
+            </a:r>
+            <a:r>
+              <a:rPr kumimoji="1" lang="en-US" altLang="ja-JP" sz="1800" dirty="0"/>
+              <a:t>A </a:t>
+            </a:r>
+            <a:r>
+              <a:rPr kumimoji="1" lang="ja-JP" altLang="en-US" sz="1800" dirty="0"/>
+              <a:t>は </a:t>
+            </a:r>
+            <a:r>
+              <a:rPr kumimoji="1" lang="en-US" altLang="ja-JP" sz="1800" dirty="0"/>
+              <a:t>B </a:t>
+            </a:r>
+            <a:r>
+              <a:rPr kumimoji="1" lang="ja-JP" altLang="en-US" sz="1800" dirty="0"/>
+              <a:t>である．なぜなら </a:t>
+            </a:r>
+            <a:r>
+              <a:rPr lang="en-US" altLang="ja-JP" sz="1800" dirty="0"/>
+              <a:t>B </a:t>
+            </a:r>
+            <a:r>
+              <a:rPr lang="ja-JP" altLang="en-US" sz="1800" dirty="0"/>
+              <a:t>は </a:t>
+            </a:r>
+            <a:r>
+              <a:rPr lang="en-US" altLang="ja-JP" sz="1800" dirty="0"/>
+              <a:t>C </a:t>
+            </a:r>
+            <a:r>
+              <a:rPr lang="ja-JP" altLang="en-US" sz="1800" dirty="0"/>
+              <a:t>だからだ</a:t>
+            </a:r>
+            <a:r>
+              <a:rPr kumimoji="1" lang="ja-JP" altLang="en-US" sz="1800" dirty="0"/>
+              <a:t>」の後に繋げる文を考える</a:t>
+            </a:r>
+            <a:endParaRPr kumimoji="1" lang="en-US" altLang="ja-JP" sz="1800" dirty="0"/>
+          </a:p>
+          <a:p>
+            <a:pPr lvl="1"/>
+            <a:r>
+              <a:rPr kumimoji="1" lang="ja-JP" altLang="en-US" sz="1800" dirty="0"/>
+              <a:t>良い例：</a:t>
+            </a:r>
+            <a:endParaRPr kumimoji="1" lang="en-US" altLang="ja-JP" sz="1800" dirty="0"/>
+          </a:p>
+          <a:p>
+            <a:pPr lvl="2"/>
+            <a:r>
+              <a:rPr kumimoji="1" lang="ja-JP" altLang="en-US" sz="1800" dirty="0"/>
+              <a:t>「この </a:t>
+            </a:r>
+            <a:r>
+              <a:rPr kumimoji="1" lang="en-US" altLang="ja-JP" sz="1800" dirty="0"/>
+              <a:t>B </a:t>
+            </a:r>
+            <a:r>
+              <a:rPr kumimoji="1" lang="ja-JP" altLang="en-US" sz="1800" dirty="0"/>
+              <a:t>は～という性質をもつ」</a:t>
+            </a:r>
+            <a:endParaRPr kumimoji="1" lang="en-US" altLang="ja-JP" sz="1800" dirty="0"/>
+          </a:p>
+          <a:p>
+            <a:pPr lvl="2"/>
+            <a:r>
+              <a:rPr kumimoji="1" lang="ja-JP" altLang="en-US" sz="1800" dirty="0"/>
+              <a:t>「この </a:t>
+            </a:r>
+            <a:r>
+              <a:rPr kumimoji="1" lang="en-US" altLang="ja-JP" sz="1800" dirty="0"/>
+              <a:t>C </a:t>
+            </a:r>
+            <a:r>
+              <a:rPr kumimoji="1" lang="ja-JP" altLang="en-US" sz="1800" dirty="0"/>
+              <a:t>は一般に </a:t>
+            </a:r>
+            <a:r>
+              <a:rPr kumimoji="1" lang="en-US" altLang="ja-JP" sz="1800" dirty="0"/>
+              <a:t>D </a:t>
+            </a:r>
+            <a:r>
+              <a:rPr kumimoji="1" lang="ja-JP" altLang="en-US" sz="1800" dirty="0"/>
+              <a:t>である」</a:t>
+            </a:r>
+            <a:endParaRPr kumimoji="1" lang="en-US" altLang="ja-JP" sz="1800" dirty="0"/>
+          </a:p>
+          <a:p>
+            <a:pPr lvl="1"/>
+            <a:r>
+              <a:rPr kumimoji="1" lang="ja-JP" altLang="en-US" sz="1800" dirty="0"/>
+              <a:t>だめな例：</a:t>
+            </a:r>
+            <a:endParaRPr kumimoji="1" lang="en-US" altLang="ja-JP" sz="1800" dirty="0"/>
+          </a:p>
+          <a:p>
+            <a:pPr lvl="2"/>
+            <a:r>
+              <a:rPr kumimoji="1" lang="ja-JP" altLang="en-US" sz="1800" dirty="0"/>
+              <a:t>「</a:t>
+            </a:r>
+            <a:r>
+              <a:rPr kumimoji="1" lang="en-US" altLang="ja-JP" sz="1800" dirty="0"/>
+              <a:t>E </a:t>
+            </a:r>
+            <a:r>
+              <a:rPr kumimoji="1" lang="ja-JP" altLang="en-US" sz="1800" dirty="0"/>
+              <a:t>は </a:t>
+            </a:r>
+            <a:r>
+              <a:rPr kumimoji="1" lang="en-US" altLang="ja-JP" sz="1800" dirty="0"/>
+              <a:t>F </a:t>
+            </a:r>
+            <a:r>
+              <a:rPr kumimoji="1" lang="ja-JP" altLang="en-US" sz="1800" dirty="0"/>
+              <a:t>である」（</a:t>
+            </a:r>
+            <a:r>
+              <a:rPr kumimoji="1" lang="en-US" altLang="ja-JP" sz="1800" dirty="0"/>
+              <a:t>E </a:t>
+            </a:r>
+            <a:r>
+              <a:rPr kumimoji="1" lang="ja-JP" altLang="en-US" sz="1800" dirty="0"/>
+              <a:t>も </a:t>
+            </a:r>
+            <a:r>
+              <a:rPr kumimoji="1" lang="en-US" altLang="ja-JP" sz="1800" dirty="0"/>
+              <a:t>F </a:t>
+            </a:r>
+            <a:r>
+              <a:rPr kumimoji="1" lang="ja-JP" altLang="en-US" sz="1800" dirty="0"/>
+              <a:t>も初登場なので繋がってない）</a:t>
+            </a:r>
+            <a:endParaRPr kumimoji="1" lang="en-US" altLang="ja-JP" sz="1800" dirty="0"/>
+          </a:p>
+        </p:txBody>
+      </p:sp>
+    </p:spTree>
+    <p:extLst>
+      <p:ext uri="{BB962C8B-B14F-4D97-AF65-F5344CB8AC3E}">
+        <p14:creationId xmlns:p14="http://schemas.microsoft.com/office/powerpoint/2010/main" val="1530409555"/>
+      </p:ext>
+    </p:extLst>
+  </p:cSld>
+  <p:clrMapOvr>
+    <a:masterClrMapping/>
+  </p:clrMapOvr>
+  <mc:AlternateContent xmlns:mc="http://schemas.openxmlformats.org/markup-compatibility/2006" xmlns:p14="http://schemas.microsoft.com/office/powerpoint/2010/main">
+    <mc:Choice Requires="p14">
+      <p:transition p14:dur="10"/>
+    </mc:Choice>
+    <mc:Fallback xmlns="">
+      <p:transition/>
+    </mc:Fallback>
+  </mc:AlternateContent>
+</p:sld>
+</file>
+
+<file path=ppt/slides/slide22.xml><?xml version="1.0" encoding="utf-8"?>
+<p:sld xmlns:a="http://schemas.openxmlformats.org/drawingml/2006/main" xmlns:r="http://schemas.openxmlformats.org/officeDocument/2006/relationships" xmlns:p="http://schemas.openxmlformats.org/presentationml/2006/main">
+  <p:cSld>
+    <p:spTree>
+      <p:nvGrpSpPr>
+        <p:cNvPr id="1" name=""/>
+        <p:cNvGrpSpPr/>
+        <p:nvPr/>
+      </p:nvGrpSpPr>
+      <p:grpSpPr>
+        <a:xfrm>
+          <a:off x="0" y="0"/>
+          <a:ext cx="0" cy="0"/>
+          <a:chOff x="0" y="0"/>
+          <a:chExt cx="0" cy="0"/>
+        </a:xfrm>
+      </p:grpSpPr>
+      <p:sp>
+        <p:nvSpPr>
+          <p:cNvPr id="2" name="タイトル 1">
+            <a:extLst>
+              <a:ext uri="{FF2B5EF4-FFF2-40B4-BE49-F238E27FC236}">
+                <a16:creationId xmlns:a16="http://schemas.microsoft.com/office/drawing/2014/main" id="{0AA3E805-C8B0-4B62-0EE7-64CFD041C187}"/>
+              </a:ext>
+            </a:extLst>
+          </p:cNvPr>
+          <p:cNvSpPr>
+            <a:spLocks noGrp="1"/>
+          </p:cNvSpPr>
+          <p:nvPr>
+            <p:ph type="title"/>
+          </p:nvPr>
+        </p:nvSpPr>
+        <p:spPr/>
+        <p:txBody>
+          <a:bodyPr/>
+          <a:lstStyle/>
+          <a:p>
+            <a:r>
+              <a:rPr kumimoji="1" lang="ja-JP" altLang="en-US" dirty="0"/>
+              <a:t>論理的な繋がりを使った文の接続２</a:t>
+            </a:r>
+          </a:p>
+        </p:txBody>
+      </p:sp>
+      <p:sp>
+        <p:nvSpPr>
+          <p:cNvPr id="3" name="テキスト プレースホルダー 2">
+            <a:extLst>
+              <a:ext uri="{FF2B5EF4-FFF2-40B4-BE49-F238E27FC236}">
+                <a16:creationId xmlns:a16="http://schemas.microsoft.com/office/drawing/2014/main" id="{60ADC020-2198-50F1-6F94-34B8CBB0F2D4}"/>
+              </a:ext>
+            </a:extLst>
+          </p:cNvPr>
+          <p:cNvSpPr>
+            <a:spLocks noGrp="1"/>
+          </p:cNvSpPr>
+          <p:nvPr>
+            <p:ph type="body" sz="quarter" idx="10"/>
+          </p:nvPr>
+        </p:nvSpPr>
+        <p:spPr/>
+        <p:txBody>
+          <a:bodyPr/>
+          <a:lstStyle/>
+          <a:p>
+            <a:r>
+              <a:rPr kumimoji="1" lang="ja-JP" altLang="en-US" sz="1800" dirty="0">
+                <a:solidFill>
+                  <a:schemeClr val="accent5"/>
+                </a:solidFill>
+              </a:rPr>
+              <a:t>各文内の前の方に，（なるべく近くの）既出の単語や事象を置く</a:t>
+            </a:r>
+            <a:endParaRPr kumimoji="1" lang="en-US" altLang="ja-JP" sz="1800" dirty="0"/>
+          </a:p>
+          <a:p>
+            <a:pPr lvl="1"/>
+            <a:r>
+              <a:rPr kumimoji="1" lang="ja-JP" altLang="en-US" sz="1800" dirty="0"/>
+              <a:t>既出の単語が，長い文の後半で初めて出てくるのは良くない</a:t>
+            </a:r>
+            <a:endParaRPr kumimoji="1" lang="en-US" altLang="ja-JP" sz="1800" dirty="0"/>
+          </a:p>
+          <a:p>
+            <a:pPr lvl="1"/>
+            <a:r>
+              <a:rPr kumimoji="1" lang="ja-JP" altLang="en-US" sz="1800" dirty="0"/>
+              <a:t>その文を最後まで読まないと，接続関係がわからない</a:t>
+            </a:r>
+            <a:endParaRPr kumimoji="1" lang="en-US" altLang="ja-JP" sz="1800" dirty="0"/>
+          </a:p>
+          <a:p>
+            <a:r>
+              <a:rPr kumimoji="1" lang="ja-JP" altLang="en-US" sz="1800" dirty="0"/>
+              <a:t>また「</a:t>
+            </a:r>
+            <a:r>
+              <a:rPr kumimoji="1" lang="en-US" altLang="ja-JP" sz="1800" dirty="0"/>
+              <a:t>A </a:t>
+            </a:r>
+            <a:r>
+              <a:rPr kumimoji="1" lang="ja-JP" altLang="en-US" sz="1800" dirty="0"/>
+              <a:t>は </a:t>
+            </a:r>
+            <a:r>
+              <a:rPr kumimoji="1" lang="en-US" altLang="ja-JP" sz="1800" dirty="0"/>
+              <a:t>B </a:t>
+            </a:r>
+            <a:r>
+              <a:rPr kumimoji="1" lang="ja-JP" altLang="en-US" sz="1800" dirty="0"/>
+              <a:t>である．なぜなら </a:t>
+            </a:r>
+            <a:r>
+              <a:rPr lang="en-US" altLang="ja-JP" sz="1800" dirty="0"/>
+              <a:t>B </a:t>
+            </a:r>
+            <a:r>
+              <a:rPr lang="ja-JP" altLang="en-US" sz="1800" dirty="0"/>
+              <a:t>は </a:t>
+            </a:r>
+            <a:r>
+              <a:rPr lang="en-US" altLang="ja-JP" sz="1800" b="1" dirty="0">
+                <a:solidFill>
+                  <a:schemeClr val="accent5"/>
+                </a:solidFill>
+              </a:rPr>
+              <a:t>C</a:t>
+            </a:r>
+            <a:r>
+              <a:rPr lang="en-US" altLang="ja-JP" sz="1800" dirty="0"/>
+              <a:t> </a:t>
+            </a:r>
+            <a:r>
+              <a:rPr lang="ja-JP" altLang="en-US" sz="1800" dirty="0"/>
+              <a:t>だからだ</a:t>
+            </a:r>
+            <a:r>
+              <a:rPr kumimoji="1" lang="ja-JP" altLang="en-US" sz="1800" dirty="0"/>
+              <a:t>」の後に繋げる文を考える</a:t>
+            </a:r>
+            <a:endParaRPr kumimoji="1" lang="en-US" altLang="ja-JP" sz="1800" dirty="0"/>
+          </a:p>
+          <a:p>
+            <a:pPr lvl="1"/>
+            <a:r>
+              <a:rPr kumimoji="1" lang="ja-JP" altLang="en-US" sz="1800" dirty="0"/>
+              <a:t>だめな例：</a:t>
+            </a:r>
+            <a:endParaRPr kumimoji="1" lang="en-US" altLang="ja-JP" sz="1800" dirty="0"/>
+          </a:p>
+          <a:p>
+            <a:pPr lvl="2"/>
+            <a:r>
+              <a:rPr kumimoji="1" lang="ja-JP" altLang="en-US" sz="1800" dirty="0"/>
+              <a:t>「～は～であり，そのため～は </a:t>
+            </a:r>
+            <a:r>
+              <a:rPr kumimoji="1" lang="en-US" altLang="ja-JP" sz="1800" b="1" dirty="0">
+                <a:solidFill>
+                  <a:schemeClr val="accent5"/>
+                </a:solidFill>
+              </a:rPr>
+              <a:t>C</a:t>
+            </a:r>
+            <a:r>
+              <a:rPr kumimoji="1" lang="en-US" altLang="ja-JP" sz="1800" dirty="0"/>
+              <a:t> </a:t>
+            </a:r>
+            <a:r>
+              <a:rPr kumimoji="1" lang="ja-JP" altLang="en-US" sz="1800" dirty="0"/>
+              <a:t>である」</a:t>
+            </a:r>
+            <a:endParaRPr kumimoji="1" lang="en-US" altLang="ja-JP" sz="1800" dirty="0"/>
+          </a:p>
+          <a:p>
+            <a:pPr lvl="2"/>
+            <a:r>
+              <a:rPr kumimoji="1" lang="en-US" altLang="ja-JP" sz="1800" dirty="0"/>
+              <a:t>C </a:t>
+            </a:r>
+            <a:r>
+              <a:rPr kumimoji="1" lang="ja-JP" altLang="en-US" sz="1800" dirty="0"/>
+              <a:t>が最後に出てくるので，そこまで読まないと関係がわからない</a:t>
+            </a:r>
+            <a:endParaRPr kumimoji="1" lang="en-US" altLang="ja-JP" sz="1800" dirty="0"/>
+          </a:p>
+          <a:p>
+            <a:pPr lvl="1"/>
+            <a:r>
+              <a:rPr kumimoji="1" lang="ja-JP" altLang="en-US" sz="1800" dirty="0"/>
+              <a:t>良い例：</a:t>
+            </a:r>
+            <a:endParaRPr kumimoji="1" lang="en-US" altLang="ja-JP" sz="1800" dirty="0"/>
+          </a:p>
+          <a:p>
+            <a:pPr lvl="2"/>
+            <a:r>
+              <a:rPr kumimoji="1" lang="ja-JP" altLang="en-US" sz="1800" dirty="0"/>
+              <a:t>「～は </a:t>
+            </a:r>
+            <a:r>
+              <a:rPr kumimoji="1" lang="en-US" altLang="ja-JP" sz="1800" b="1" dirty="0">
+                <a:solidFill>
+                  <a:schemeClr val="accent5"/>
+                </a:solidFill>
+              </a:rPr>
+              <a:t>C</a:t>
+            </a:r>
+            <a:r>
+              <a:rPr kumimoji="1" lang="en-US" altLang="ja-JP" sz="1800" dirty="0"/>
+              <a:t> </a:t>
+            </a:r>
+            <a:r>
+              <a:rPr kumimoji="1" lang="ja-JP" altLang="en-US" sz="1800" dirty="0"/>
+              <a:t>である．なぜなら～は～であるためである」</a:t>
+            </a:r>
+            <a:endParaRPr kumimoji="1" lang="en-US" altLang="ja-JP" sz="1800" dirty="0"/>
+          </a:p>
+        </p:txBody>
+      </p:sp>
+    </p:spTree>
+    <p:extLst>
+      <p:ext uri="{BB962C8B-B14F-4D97-AF65-F5344CB8AC3E}">
+        <p14:creationId xmlns:p14="http://schemas.microsoft.com/office/powerpoint/2010/main" val="3414039066"/>
+      </p:ext>
+    </p:extLst>
+  </p:cSld>
+  <p:clrMapOvr>
+    <a:masterClrMapping/>
+  </p:clrMapOvr>
+  <mc:AlternateContent xmlns:mc="http://schemas.openxmlformats.org/markup-compatibility/2006" xmlns:p14="http://schemas.microsoft.com/office/powerpoint/2010/main">
+    <mc:Choice Requires="p14">
+      <p:transition p14:dur="10"/>
+    </mc:Choice>
+    <mc:Fallback xmlns="">
+      <p:transition/>
+    </mc:Fallback>
+  </mc:AlternateContent>
+</p:sld>
+</file>
+
+<file path=ppt/slides/slide23.xml><?xml version="1.0" encoding="utf-8"?>
+<p:sld xmlns:a="http://schemas.openxmlformats.org/drawingml/2006/main" xmlns:r="http://schemas.openxmlformats.org/officeDocument/2006/relationships" xmlns:p="http://schemas.openxmlformats.org/presentationml/2006/main">
+  <p:cSld>
+    <p:spTree>
+      <p:nvGrpSpPr>
+        <p:cNvPr id="1" name=""/>
+        <p:cNvGrpSpPr/>
+        <p:nvPr/>
+      </p:nvGrpSpPr>
+      <p:grpSpPr>
+        <a:xfrm>
+          <a:off x="0" y="0"/>
+          <a:ext cx="0" cy="0"/>
+          <a:chOff x="0" y="0"/>
+          <a:chExt cx="0" cy="0"/>
+        </a:xfrm>
+      </p:grpSpPr>
+      <p:sp>
+        <p:nvSpPr>
+          <p:cNvPr id="2" name="タイトル 1">
+            <a:extLst>
+              <a:ext uri="{FF2B5EF4-FFF2-40B4-BE49-F238E27FC236}">
+                <a16:creationId xmlns:a16="http://schemas.microsoft.com/office/drawing/2014/main" id="{97F43A36-1241-4642-C35D-F2423024AF7E}"/>
+              </a:ext>
+            </a:extLst>
+          </p:cNvPr>
+          <p:cNvSpPr>
+            <a:spLocks noGrp="1"/>
+          </p:cNvSpPr>
+          <p:nvPr>
+            <p:ph type="title"/>
+          </p:nvPr>
+        </p:nvSpPr>
+        <p:spPr/>
+        <p:txBody>
+          <a:bodyPr/>
+          <a:lstStyle/>
+          <a:p>
+            <a:r>
+              <a:rPr kumimoji="1" lang="ja-JP" altLang="en-US" dirty="0"/>
+              <a:t>論理的な繋がりを使った文の接続３</a:t>
+            </a:r>
+          </a:p>
+        </p:txBody>
+      </p:sp>
+      <p:sp>
+        <p:nvSpPr>
+          <p:cNvPr id="3" name="テキスト プレースホルダー 2">
+            <a:extLst>
+              <a:ext uri="{FF2B5EF4-FFF2-40B4-BE49-F238E27FC236}">
+                <a16:creationId xmlns:a16="http://schemas.microsoft.com/office/drawing/2014/main" id="{0AE5F184-FC3A-2542-0079-3B39E1BBBD63}"/>
+              </a:ext>
+            </a:extLst>
+          </p:cNvPr>
+          <p:cNvSpPr>
+            <a:spLocks noGrp="1"/>
+          </p:cNvSpPr>
+          <p:nvPr>
+            <p:ph type="body" sz="quarter" idx="10"/>
+          </p:nvPr>
+        </p:nvSpPr>
+        <p:spPr/>
+        <p:txBody>
+          <a:bodyPr/>
+          <a:lstStyle/>
+          <a:p>
+            <a:r>
+              <a:rPr kumimoji="1" lang="ja-JP" altLang="en-US" dirty="0"/>
+              <a:t>最初に要素や単語を列挙してから，ぶらさげる</a:t>
+            </a:r>
+            <a:endParaRPr kumimoji="1" lang="en-US" altLang="ja-JP" dirty="0"/>
+          </a:p>
+          <a:p>
+            <a:pPr lvl="1"/>
+            <a:r>
+              <a:rPr kumimoji="1" lang="ja-JP" altLang="en-US" dirty="0"/>
+              <a:t>この後ろに列挙した要素の説明がくることが自然に伝わる</a:t>
+            </a:r>
+            <a:endParaRPr kumimoji="1" lang="en-US" altLang="ja-JP" dirty="0"/>
+          </a:p>
+          <a:p>
+            <a:r>
+              <a:rPr kumimoji="1" lang="ja-JP" altLang="en-US" dirty="0"/>
+              <a:t>例：</a:t>
+            </a:r>
+            <a:endParaRPr kumimoji="1" lang="en-US" altLang="ja-JP" dirty="0"/>
+          </a:p>
+          <a:p>
+            <a:pPr lvl="1"/>
+            <a:r>
+              <a:rPr kumimoji="1" lang="ja-JP" altLang="en-US" dirty="0"/>
+              <a:t>「</a:t>
+            </a:r>
+            <a:r>
+              <a:rPr kumimoji="1" lang="en-US" altLang="ja-JP" dirty="0"/>
+              <a:t>A </a:t>
+            </a:r>
+            <a:r>
+              <a:rPr kumimoji="1" lang="ja-JP" altLang="en-US" dirty="0"/>
+              <a:t>には </a:t>
+            </a:r>
+            <a:r>
+              <a:rPr kumimoji="1" lang="en-US" altLang="ja-JP" dirty="0"/>
+              <a:t>B </a:t>
+            </a:r>
+            <a:r>
+              <a:rPr kumimoji="1" lang="ja-JP" altLang="en-US" dirty="0"/>
+              <a:t>と </a:t>
+            </a:r>
+            <a:r>
+              <a:rPr kumimoji="1" lang="en-US" altLang="ja-JP" dirty="0"/>
+              <a:t>C </a:t>
+            </a:r>
+            <a:r>
+              <a:rPr kumimoji="1" lang="ja-JP" altLang="en-US" dirty="0"/>
+              <a:t>がある」</a:t>
+            </a:r>
+            <a:endParaRPr kumimoji="1" lang="en-US" altLang="ja-JP" dirty="0"/>
+          </a:p>
+          <a:p>
+            <a:pPr lvl="2"/>
+            <a:r>
+              <a:rPr kumimoji="1" lang="ja-JP" altLang="en-US" dirty="0"/>
+              <a:t>「</a:t>
+            </a:r>
+            <a:r>
+              <a:rPr kumimoji="1" lang="en-US" altLang="ja-JP" dirty="0"/>
+              <a:t>B </a:t>
+            </a:r>
+            <a:r>
+              <a:rPr kumimoji="1" lang="ja-JP" altLang="en-US" dirty="0"/>
+              <a:t>は～である」</a:t>
+            </a:r>
+            <a:endParaRPr kumimoji="1" lang="en-US" altLang="ja-JP" dirty="0"/>
+          </a:p>
+          <a:p>
+            <a:pPr lvl="2"/>
+            <a:r>
+              <a:rPr kumimoji="1" lang="ja-JP" altLang="en-US" dirty="0"/>
+              <a:t>「一方で </a:t>
+            </a:r>
+            <a:r>
+              <a:rPr kumimoji="1" lang="en-US" altLang="ja-JP" dirty="0"/>
+              <a:t>C </a:t>
+            </a:r>
+            <a:r>
+              <a:rPr kumimoji="1" lang="ja-JP" altLang="en-US" dirty="0"/>
+              <a:t>は～である」</a:t>
+            </a:r>
+            <a:br>
+              <a:rPr kumimoji="1" lang="en-US" altLang="ja-JP" dirty="0"/>
+            </a:br>
+            <a:endParaRPr kumimoji="1" lang="en-US" altLang="ja-JP" dirty="0"/>
+          </a:p>
+          <a:p>
+            <a:pPr lvl="1"/>
+            <a:r>
+              <a:rPr kumimoji="1" lang="ja-JP" altLang="en-US" dirty="0"/>
+              <a:t>「～は以下の手順で行われる」</a:t>
+            </a:r>
+            <a:endParaRPr kumimoji="1" lang="en-US" altLang="ja-JP" dirty="0"/>
+          </a:p>
+          <a:p>
+            <a:pPr lvl="2"/>
+            <a:r>
+              <a:rPr kumimoji="1" lang="ja-JP" altLang="en-US" dirty="0"/>
+              <a:t>「</a:t>
+            </a:r>
+            <a:r>
+              <a:rPr kumimoji="1" lang="en-US" altLang="ja-JP" dirty="0"/>
+              <a:t>1.</a:t>
+            </a:r>
+            <a:r>
+              <a:rPr kumimoji="1" lang="ja-JP" altLang="en-US" dirty="0"/>
+              <a:t>」「</a:t>
+            </a:r>
+            <a:r>
+              <a:rPr kumimoji="1" lang="en-US" altLang="ja-JP" dirty="0"/>
+              <a:t>2.</a:t>
+            </a:r>
+            <a:r>
+              <a:rPr kumimoji="1" lang="ja-JP" altLang="en-US" dirty="0"/>
+              <a:t>」「</a:t>
+            </a:r>
+            <a:r>
+              <a:rPr kumimoji="1" lang="en-US" altLang="ja-JP" dirty="0"/>
+              <a:t>3.</a:t>
+            </a:r>
+            <a:r>
+              <a:rPr kumimoji="1" lang="ja-JP" altLang="en-US" dirty="0"/>
+              <a:t>」</a:t>
+            </a:r>
+            <a:endParaRPr kumimoji="1" lang="en-US" altLang="ja-JP" dirty="0"/>
+          </a:p>
+          <a:p>
+            <a:pPr lvl="1"/>
+            <a:r>
+              <a:rPr kumimoji="1" lang="ja-JP" altLang="en-US" dirty="0"/>
+              <a:t>「～は以下の２つの理由からなる」</a:t>
+            </a:r>
+            <a:endParaRPr kumimoji="1" lang="en-US" altLang="ja-JP" dirty="0"/>
+          </a:p>
+          <a:p>
+            <a:pPr lvl="2"/>
+            <a:r>
+              <a:rPr kumimoji="1" lang="ja-JP" altLang="en-US" dirty="0"/>
+              <a:t>「</a:t>
+            </a:r>
+            <a:r>
+              <a:rPr kumimoji="1" lang="en-US" altLang="ja-JP" dirty="0"/>
+              <a:t>1.</a:t>
+            </a:r>
+            <a:r>
+              <a:rPr kumimoji="1" lang="ja-JP" altLang="en-US" dirty="0"/>
+              <a:t>」「</a:t>
+            </a:r>
+            <a:r>
+              <a:rPr kumimoji="1" lang="en-US" altLang="ja-JP" dirty="0"/>
+              <a:t>2.</a:t>
+            </a:r>
+            <a:r>
+              <a:rPr kumimoji="1" lang="ja-JP" altLang="en-US" dirty="0"/>
+              <a:t>」</a:t>
+            </a:r>
+            <a:endParaRPr kumimoji="1" lang="en-US" altLang="ja-JP" dirty="0"/>
+          </a:p>
+          <a:p>
+            <a:pPr lvl="1"/>
+            <a:endParaRPr kumimoji="1" lang="ja-JP" altLang="en-US" dirty="0"/>
+          </a:p>
+        </p:txBody>
+      </p:sp>
+    </p:spTree>
+    <p:extLst>
+      <p:ext uri="{BB962C8B-B14F-4D97-AF65-F5344CB8AC3E}">
+        <p14:creationId xmlns:p14="http://schemas.microsoft.com/office/powerpoint/2010/main" val="2236628389"/>
+      </p:ext>
+    </p:extLst>
+  </p:cSld>
+  <p:clrMapOvr>
+    <a:masterClrMapping/>
+  </p:clrMapOvr>
+  <mc:AlternateContent xmlns:mc="http://schemas.openxmlformats.org/markup-compatibility/2006" xmlns:p14="http://schemas.microsoft.com/office/powerpoint/2010/main">
+    <mc:Choice Requires="p14">
+      <p:transition p14:dur="10"/>
+    </mc:Choice>
+    <mc:Fallback xmlns="">
+      <p:transition/>
+    </mc:Fallback>
+  </mc:AlternateContent>
+</p:sld>
+</file>
+
+<file path=ppt/slides/slide24.xml><?xml version="1.0" encoding="utf-8"?>
+<p:sld xmlns:a="http://schemas.openxmlformats.org/drawingml/2006/main" xmlns:r="http://schemas.openxmlformats.org/officeDocument/2006/relationships" xmlns:p="http://schemas.openxmlformats.org/presentationml/2006/main">
+  <p:cSld>
+    <p:spTree>
+      <p:nvGrpSpPr>
+        <p:cNvPr id="1" name=""/>
+        <p:cNvGrpSpPr/>
+        <p:nvPr/>
+      </p:nvGrpSpPr>
+      <p:grpSpPr>
+        <a:xfrm>
+          <a:off x="0" y="0"/>
+          <a:ext cx="0" cy="0"/>
+          <a:chOff x="0" y="0"/>
+          <a:chExt cx="0" cy="0"/>
+        </a:xfrm>
+      </p:grpSpPr>
+      <p:sp>
+        <p:nvSpPr>
+          <p:cNvPr id="2" name="タイトル 1">
+            <a:extLst>
+              <a:ext uri="{FF2B5EF4-FFF2-40B4-BE49-F238E27FC236}">
+                <a16:creationId xmlns:a16="http://schemas.microsoft.com/office/drawing/2014/main" id="{29EE214D-6E7A-0357-0756-680B63295B42}"/>
+              </a:ext>
+            </a:extLst>
+          </p:cNvPr>
+          <p:cNvSpPr>
+            <a:spLocks noGrp="1"/>
+          </p:cNvSpPr>
+          <p:nvPr>
+            <p:ph type="title"/>
+          </p:nvPr>
+        </p:nvSpPr>
+        <p:spPr/>
+        <p:txBody>
+          <a:bodyPr/>
+          <a:lstStyle/>
+          <a:p>
+            <a:r>
+              <a:rPr lang="ja-JP" altLang="en-US" dirty="0"/>
+              <a:t>パラグラフや文内の接続：古い情報と新しい情報</a:t>
+            </a:r>
+            <a:endParaRPr kumimoji="1" lang="ja-JP" altLang="en-US" dirty="0"/>
+          </a:p>
+        </p:txBody>
+      </p:sp>
+      <p:sp>
+        <p:nvSpPr>
+          <p:cNvPr id="3" name="テキスト プレースホルダー 2">
+            <a:extLst>
+              <a:ext uri="{FF2B5EF4-FFF2-40B4-BE49-F238E27FC236}">
+                <a16:creationId xmlns:a16="http://schemas.microsoft.com/office/drawing/2014/main" id="{73E7C1C9-4BB8-6905-4AC9-D99FB1224F57}"/>
+              </a:ext>
+            </a:extLst>
+          </p:cNvPr>
+          <p:cNvSpPr>
+            <a:spLocks noGrp="1"/>
+          </p:cNvSpPr>
+          <p:nvPr>
+            <p:ph type="body" sz="quarter" idx="10"/>
+          </p:nvPr>
+        </p:nvSpPr>
+        <p:spPr/>
+        <p:txBody>
+          <a:bodyPr/>
+          <a:lstStyle/>
+          <a:p>
+            <a:r>
+              <a:rPr lang="ja-JP" altLang="en-US" dirty="0"/>
+              <a:t>パラグラフ内の各文</a:t>
+            </a:r>
+            <a:endParaRPr lang="en-US" altLang="ja-JP" dirty="0"/>
+          </a:p>
+          <a:p>
+            <a:pPr lvl="1"/>
+            <a:r>
+              <a:rPr kumimoji="1" lang="ja-JP" altLang="en-US" dirty="0"/>
+              <a:t>トピック・センテンス </a:t>
+            </a:r>
+            <a:r>
+              <a:rPr kumimoji="1" lang="en-US" altLang="ja-JP" dirty="0"/>
+              <a:t>or </a:t>
+            </a:r>
+            <a:r>
+              <a:rPr kumimoji="1" lang="ja-JP" altLang="en-US" dirty="0"/>
+              <a:t>それまでのサポーティング・センテンスで触れた内容に必ず繋がっている</a:t>
+            </a:r>
+            <a:endParaRPr kumimoji="1" lang="en-US" altLang="ja-JP" dirty="0"/>
+          </a:p>
+          <a:p>
+            <a:pPr lvl="1"/>
+            <a:r>
+              <a:rPr kumimoji="1" lang="ja-JP" altLang="en-US" dirty="0"/>
+              <a:t>そこまでに現れていない概念や単語だけで構成された文を入れてはいけない</a:t>
+            </a:r>
+            <a:endParaRPr kumimoji="1" lang="en-US" altLang="ja-JP" dirty="0"/>
+          </a:p>
+          <a:p>
+            <a:pPr lvl="2"/>
+            <a:r>
+              <a:rPr kumimoji="1" lang="ja-JP" altLang="en-US" dirty="0"/>
+              <a:t>その後まで読んではじめて意味がわかるようなものはだめ</a:t>
+            </a:r>
+          </a:p>
+        </p:txBody>
+      </p:sp>
+    </p:spTree>
+    <p:extLst>
+      <p:ext uri="{BB962C8B-B14F-4D97-AF65-F5344CB8AC3E}">
+        <p14:creationId xmlns:p14="http://schemas.microsoft.com/office/powerpoint/2010/main" val="1929943680"/>
+      </p:ext>
+    </p:extLst>
+  </p:cSld>
+  <p:clrMapOvr>
+    <a:masterClrMapping/>
+  </p:clrMapOvr>
+  <mc:AlternateContent xmlns:mc="http://schemas.openxmlformats.org/markup-compatibility/2006" xmlns:p14="http://schemas.microsoft.com/office/powerpoint/2010/main">
+    <mc:Choice Requires="p14">
+      <p:transition p14:dur="10"/>
+    </mc:Choice>
+    <mc:Fallback xmlns="">
+      <p:transition/>
+    </mc:Fallback>
+  </mc:AlternateContent>
+</p:sld>
+</file>
+
+<file path=ppt/slides/slide25.xml><?xml version="1.0" encoding="utf-8"?>
+<p:sld xmlns:a="http://schemas.openxmlformats.org/drawingml/2006/main" xmlns:r="http://schemas.openxmlformats.org/officeDocument/2006/relationships" xmlns:p="http://schemas.openxmlformats.org/presentationml/2006/main">
+  <p:cSld>
+    <p:spTree>
+      <p:nvGrpSpPr>
+        <p:cNvPr id="1" name=""/>
+        <p:cNvGrpSpPr/>
+        <p:nvPr/>
+      </p:nvGrpSpPr>
+      <p:grpSpPr>
+        <a:xfrm>
+          <a:off x="0" y="0"/>
+          <a:ext cx="0" cy="0"/>
+          <a:chOff x="0" y="0"/>
+          <a:chExt cx="0" cy="0"/>
+        </a:xfrm>
+      </p:grpSpPr>
+      <p:sp>
+        <p:nvSpPr>
+          <p:cNvPr id="6" name="タイトル 5">
+            <a:extLst>
+              <a:ext uri="{FF2B5EF4-FFF2-40B4-BE49-F238E27FC236}">
+                <a16:creationId xmlns:a16="http://schemas.microsoft.com/office/drawing/2014/main" id="{D44FC4B2-BE5F-0B62-A30B-6488B98CA7F1}"/>
+              </a:ext>
+            </a:extLst>
+          </p:cNvPr>
+          <p:cNvSpPr>
+            <a:spLocks noGrp="1"/>
+          </p:cNvSpPr>
+          <p:nvPr>
+            <p:ph type="title"/>
+          </p:nvPr>
+        </p:nvSpPr>
+        <p:spPr/>
+        <p:txBody>
+          <a:bodyPr/>
+          <a:lstStyle/>
+          <a:p>
+            <a:r>
+              <a:rPr lang="ja-JP" altLang="en-US" dirty="0"/>
+              <a:t>プロットから文章への展開</a:t>
+            </a:r>
+            <a:endParaRPr lang="en-US" altLang="ja-JP" dirty="0"/>
+          </a:p>
+        </p:txBody>
+      </p:sp>
+    </p:spTree>
+    <p:extLst>
+      <p:ext uri="{BB962C8B-B14F-4D97-AF65-F5344CB8AC3E}">
+        <p14:creationId xmlns:p14="http://schemas.microsoft.com/office/powerpoint/2010/main" val="3590338157"/>
+      </p:ext>
+    </p:extLst>
+  </p:cSld>
+  <p:clrMapOvr>
+    <a:masterClrMapping/>
+  </p:clrMapOvr>
+</p:sld>
+</file>
+
+<file path=ppt/slides/slide26.xml><?xml version="1.0" encoding="utf-8"?>
+<p:sld xmlns:a="http://schemas.openxmlformats.org/drawingml/2006/main" xmlns:r="http://schemas.openxmlformats.org/officeDocument/2006/relationships" xmlns:p="http://schemas.openxmlformats.org/presentationml/2006/main">
+  <p:cSld>
+    <p:spTree>
+      <p:nvGrpSpPr>
+        <p:cNvPr id="1" name=""/>
+        <p:cNvGrpSpPr/>
+        <p:nvPr/>
+      </p:nvGrpSpPr>
+      <p:grpSpPr>
+        <a:xfrm>
+          <a:off x="0" y="0"/>
+          <a:ext cx="0" cy="0"/>
+          <a:chOff x="0" y="0"/>
+          <a:chExt cx="0" cy="0"/>
+        </a:xfrm>
+      </p:grpSpPr>
+      <p:sp>
+        <p:nvSpPr>
+          <p:cNvPr id="4" name="タイトル 3">
+            <a:extLst>
+              <a:ext uri="{FF2B5EF4-FFF2-40B4-BE49-F238E27FC236}">
+                <a16:creationId xmlns:a16="http://schemas.microsoft.com/office/drawing/2014/main" id="{6562E51A-24AB-589C-C10B-60BA2743CF86}"/>
+              </a:ext>
+            </a:extLst>
+          </p:cNvPr>
+          <p:cNvSpPr>
+            <a:spLocks noGrp="1"/>
+          </p:cNvSpPr>
+          <p:nvPr>
+            <p:ph type="title"/>
+          </p:nvPr>
+        </p:nvSpPr>
+        <p:spPr/>
+        <p:txBody>
+          <a:bodyPr/>
+          <a:lstStyle/>
+          <a:p>
+            <a:r>
+              <a:rPr lang="ja-JP" altLang="en-US" dirty="0"/>
+              <a:t>プロットから文章やスライドへ</a:t>
+            </a:r>
+          </a:p>
+        </p:txBody>
+      </p:sp>
+      <p:sp>
+        <p:nvSpPr>
+          <p:cNvPr id="5" name="テキスト プレースホルダー 4">
+            <a:extLst>
+              <a:ext uri="{FF2B5EF4-FFF2-40B4-BE49-F238E27FC236}">
+                <a16:creationId xmlns:a16="http://schemas.microsoft.com/office/drawing/2014/main" id="{24288186-ECCC-F136-8196-B4294566CB12}"/>
+              </a:ext>
+            </a:extLst>
+          </p:cNvPr>
+          <p:cNvSpPr>
+            <a:spLocks noGrp="1"/>
+          </p:cNvSpPr>
+          <p:nvPr>
+            <p:ph type="body" sz="quarter" idx="10"/>
+          </p:nvPr>
+        </p:nvSpPr>
+        <p:spPr/>
+        <p:txBody>
+          <a:bodyPr/>
+          <a:lstStyle/>
+          <a:p>
+            <a:r>
+              <a:rPr lang="ja-JP" altLang="en-US" dirty="0"/>
+              <a:t>プロットと文章の違い：</a:t>
+            </a:r>
+            <a:endParaRPr lang="en-US" altLang="ja-JP" dirty="0"/>
+          </a:p>
+          <a:p>
+            <a:pPr lvl="1"/>
+            <a:r>
+              <a:rPr lang="ja-JP" altLang="en-US" dirty="0"/>
+              <a:t>プロットは論理の階層構造を単に表せば良い</a:t>
+            </a:r>
+            <a:endParaRPr lang="en-US" altLang="ja-JP" dirty="0"/>
+          </a:p>
+          <a:p>
+            <a:pPr lvl="2"/>
+            <a:r>
+              <a:rPr lang="ja-JP" altLang="en-US" dirty="0"/>
+              <a:t>子は親にぶら下がっている事で視覚的に論理関係がわかる</a:t>
+            </a:r>
+            <a:endParaRPr lang="en-US" altLang="ja-JP" dirty="0"/>
+          </a:p>
+          <a:p>
+            <a:pPr lvl="2"/>
+            <a:r>
+              <a:rPr lang="ja-JP" altLang="en-US" dirty="0"/>
+              <a:t>つなぎの言葉は通常あまり書かない</a:t>
+            </a:r>
+            <a:endParaRPr lang="en-US" altLang="ja-JP" dirty="0"/>
+          </a:p>
+          <a:p>
+            <a:pPr lvl="1"/>
+            <a:r>
+              <a:rPr lang="ja-JP" altLang="en-US" dirty="0"/>
+              <a:t>しかし，文章（スライド）は基本的にシーケンシャル</a:t>
+            </a:r>
+            <a:endParaRPr lang="en-US" altLang="ja-JP" dirty="0"/>
+          </a:p>
+          <a:p>
+            <a:pPr lvl="2"/>
+            <a:r>
+              <a:rPr lang="ja-JP" altLang="en-US" dirty="0"/>
+              <a:t>文章は前から後ろにむかって順に読むもの</a:t>
+            </a:r>
+            <a:endParaRPr lang="en-US" altLang="ja-JP" dirty="0"/>
+          </a:p>
+          <a:p>
+            <a:pPr lvl="2"/>
+            <a:r>
+              <a:rPr lang="ja-JP" altLang="en-US" dirty="0">
+                <a:solidFill>
+                  <a:schemeClr val="accent5"/>
+                </a:solidFill>
+              </a:rPr>
+              <a:t>前から読んでわかる順序に論理を展開し，それぞれにつなぎを入れる必要がある</a:t>
+            </a:r>
+            <a:endParaRPr lang="en-US" altLang="ja-JP" dirty="0">
+              <a:solidFill>
+                <a:schemeClr val="accent5"/>
+              </a:solidFill>
+            </a:endParaRPr>
+          </a:p>
+          <a:p>
+            <a:r>
+              <a:rPr lang="ja-JP" altLang="en-US" dirty="0"/>
+              <a:t>課題：</a:t>
+            </a:r>
+            <a:br>
+              <a:rPr lang="en-US" altLang="ja-JP" dirty="0"/>
+            </a:br>
+            <a:r>
+              <a:rPr lang="ja-JP" altLang="en-US" dirty="0"/>
+              <a:t>プロットの論理をどのようにシーケンシャルな文章に展開するか？</a:t>
+            </a:r>
+            <a:endParaRPr lang="en-US" altLang="ja-JP" dirty="0"/>
+          </a:p>
+        </p:txBody>
+      </p:sp>
+      <p:sp>
+        <p:nvSpPr>
+          <p:cNvPr id="2" name="スライド番号プレースホルダー 1">
+            <a:extLst>
+              <a:ext uri="{FF2B5EF4-FFF2-40B4-BE49-F238E27FC236}">
+                <a16:creationId xmlns:a16="http://schemas.microsoft.com/office/drawing/2014/main" id="{CFEF9DC9-89E4-71EE-05DF-89E205E66070}"/>
+              </a:ext>
+            </a:extLst>
+          </p:cNvPr>
+          <p:cNvSpPr>
+            <a:spLocks noGrp="1"/>
+          </p:cNvSpPr>
+          <p:nvPr>
+            <p:ph type="sldNum" sz="quarter" idx="4294967295"/>
+          </p:nvPr>
+        </p:nvSpPr>
+        <p:spPr>
+          <a:xfrm>
+            <a:off x="8531225" y="6308725"/>
+            <a:ext cx="612775" cy="549275"/>
+          </a:xfrm>
+        </p:spPr>
+        <p:txBody>
+          <a:bodyPr/>
+          <a:lstStyle/>
+          <a:p>
+            <a:fld id="{D2D8002D-B5B0-4BAC-B1F6-782DDCCE6D9C}" type="slidenum">
+              <a:rPr kumimoji="1" lang="ja-JP" altLang="en-US" smtClean="0"/>
+              <a:pPr/>
+              <a:t>26</a:t>
+            </a:fld>
+            <a:endParaRPr kumimoji="1" lang="ja-JP" altLang="en-US"/>
+          </a:p>
+        </p:txBody>
+      </p:sp>
+    </p:spTree>
+    <p:extLst>
+      <p:ext uri="{BB962C8B-B14F-4D97-AF65-F5344CB8AC3E}">
+        <p14:creationId xmlns:p14="http://schemas.microsoft.com/office/powerpoint/2010/main" val="4034395818"/>
+      </p:ext>
+    </p:extLst>
+  </p:cSld>
+  <p:clrMapOvr>
+    <a:masterClrMapping/>
+  </p:clrMapOvr>
+  <mc:AlternateContent xmlns:mc="http://schemas.openxmlformats.org/markup-compatibility/2006" xmlns:p14="http://schemas.microsoft.com/office/powerpoint/2010/main">
+    <mc:Choice Requires="p14">
+      <p:transition p14:dur="10"/>
+    </mc:Choice>
+    <mc:Fallback xmlns="">
+      <p:transition/>
+    </mc:Fallback>
+  </mc:AlternateContent>
+</p:sld>
+</file>
+
+<file path=ppt/slides/slide27.xml><?xml version="1.0" encoding="utf-8"?>
+<p:sld xmlns:a="http://schemas.openxmlformats.org/drawingml/2006/main" xmlns:r="http://schemas.openxmlformats.org/officeDocument/2006/relationships" xmlns:p="http://schemas.openxmlformats.org/presentationml/2006/main">
+  <p:cSld>
+    <p:spTree>
+      <p:nvGrpSpPr>
+        <p:cNvPr id="1" name=""/>
+        <p:cNvGrpSpPr/>
+        <p:nvPr/>
+      </p:nvGrpSpPr>
+      <p:grpSpPr>
+        <a:xfrm>
+          <a:off x="0" y="0"/>
+          <a:ext cx="0" cy="0"/>
+          <a:chOff x="0" y="0"/>
+          <a:chExt cx="0" cy="0"/>
+        </a:xfrm>
+      </p:grpSpPr>
+      <p:sp>
+        <p:nvSpPr>
+          <p:cNvPr id="2" name="タイトル 1">
+            <a:extLst>
+              <a:ext uri="{FF2B5EF4-FFF2-40B4-BE49-F238E27FC236}">
                 <a16:creationId xmlns:a16="http://schemas.microsoft.com/office/drawing/2014/main" id="{76460A38-7213-E877-786C-852C28C01C66}"/>
               </a:ext>
             </a:extLst>
@@ -5595,7 +6224,7 @@
 </p:sld>
 </file>
 
-<file path=ppt/slides/slide22.xml><?xml version="1.0" encoding="utf-8"?>
+<file path=ppt/slides/slide28.xml><?xml version="1.0" encoding="utf-8"?>
 <p:sld xmlns:a="http://schemas.openxmlformats.org/drawingml/2006/main" xmlns:r="http://schemas.openxmlformats.org/officeDocument/2006/relationships" xmlns:p="http://schemas.openxmlformats.org/presentationml/2006/main">
   <p:cSld>
     <p:spTree>
@@ -9181,7 +9810,7 @@
 </p:sld>
 </file>
 
-<file path=ppt/slides/slide23.xml><?xml version="1.0" encoding="utf-8"?>
+<file path=ppt/slides/slide29.xml><?xml version="1.0" encoding="utf-8"?>
 <p:sld xmlns:a="http://schemas.openxmlformats.org/drawingml/2006/main" xmlns:r="http://schemas.openxmlformats.org/officeDocument/2006/relationships" xmlns:p="http://schemas.openxmlformats.org/presentationml/2006/main">
   <p:cSld>
     <p:spTree>
@@ -12970,9 +13599,8 @@
             </a:pPr>
             <a:r>
               <a:rPr kumimoji="1" lang="ja-JP" altLang="en-US" dirty="0"/>
-              <a:t>文章の書き方＝文の配置とつなぐ方法</a:t>
-            </a:r>
-            <a:endParaRPr kumimoji="1" lang="en-US" altLang="ja-JP" dirty="0"/>
+              <a:t>パラグラフ</a:t>
+            </a:r>
           </a:p>
           <a:p>
             <a:pPr marL="457200" indent="-457200">
@@ -12981,7 +13609,7 @@
             </a:pPr>
             <a:r>
               <a:rPr lang="ja-JP" altLang="en-US" dirty="0"/>
-              <a:t>文の書き方</a:t>
+              <a:t>文</a:t>
             </a:r>
             <a:endParaRPr lang="en-US" altLang="ja-JP" dirty="0"/>
           </a:p>
@@ -12991,9 +13619,21 @@
               <a:buAutoNum type="arabicPeriod"/>
             </a:pPr>
             <a:r>
-              <a:rPr kumimoji="1" lang="ja-JP" altLang="en-US" dirty="0"/>
-              <a:t>パラグラフ</a:t>
-            </a:r>
+              <a:rPr lang="ja-JP" altLang="en-US" dirty="0"/>
+              <a:t>文の接続</a:t>
+            </a:r>
+            <a:endParaRPr lang="en-US" altLang="ja-JP" dirty="0"/>
+          </a:p>
+          <a:p>
+            <a:pPr marL="457200" indent="-457200">
+              <a:buFont typeface="+mj-lt"/>
+              <a:buAutoNum type="arabicPeriod"/>
+            </a:pPr>
+            <a:r>
+              <a:rPr lang="ja-JP" altLang="en-US" dirty="0"/>
+              <a:t>プロットから文章への展開</a:t>
+            </a:r>
+            <a:endParaRPr lang="en-US" altLang="ja-JP" dirty="0"/>
           </a:p>
         </p:txBody>
       </p:sp>
@@ -13037,6 +13677,65 @@
       </p:grpSpPr>
       <p:sp>
         <p:nvSpPr>
+          <p:cNvPr id="6" name="タイトル 5">
+            <a:extLst>
+              <a:ext uri="{FF2B5EF4-FFF2-40B4-BE49-F238E27FC236}">
+                <a16:creationId xmlns:a16="http://schemas.microsoft.com/office/drawing/2014/main" id="{D44FC4B2-BE5F-0B62-A30B-6488B98CA7F1}"/>
+              </a:ext>
+            </a:extLst>
+          </p:cNvPr>
+          <p:cNvSpPr>
+            <a:spLocks noGrp="1"/>
+          </p:cNvSpPr>
+          <p:nvPr>
+            <p:ph type="title"/>
+          </p:nvPr>
+        </p:nvSpPr>
+        <p:spPr/>
+        <p:txBody>
+          <a:bodyPr/>
+          <a:lstStyle/>
+          <a:p>
+            <a:r>
+              <a:rPr lang="ja-JP" altLang="en-US" dirty="0"/>
+              <a:t>文章とは</a:t>
+            </a:r>
+            <a:endParaRPr lang="en-US" dirty="0"/>
+          </a:p>
+        </p:txBody>
+      </p:sp>
+    </p:spTree>
+    <p:extLst>
+      <p:ext uri="{BB962C8B-B14F-4D97-AF65-F5344CB8AC3E}">
+        <p14:creationId xmlns:p14="http://schemas.microsoft.com/office/powerpoint/2010/main" val="265921179"/>
+      </p:ext>
+    </p:extLst>
+  </p:cSld>
+  <p:clrMapOvr>
+    <a:masterClrMapping/>
+  </p:clrMapOvr>
+</p:sld>
+</file>
+
+<file path=ppt/slides/slide6.xml><?xml version="1.0" encoding="utf-8"?>
+<p:sld xmlns:a="http://schemas.openxmlformats.org/drawingml/2006/main" xmlns:r="http://schemas.openxmlformats.org/officeDocument/2006/relationships" xmlns:p="http://schemas.openxmlformats.org/presentationml/2006/main">
+  <p:cSld>
+    <p:spTree>
+      <p:nvGrpSpPr>
+        <p:cNvPr id="1" name=""/>
+        <p:cNvGrpSpPr/>
+        <p:nvPr/>
+      </p:nvGrpSpPr>
+      <p:grpSpPr>
+        <a:xfrm>
+          <a:off x="0" y="0"/>
+          <a:ext cx="0" cy="0"/>
+          <a:chOff x="0" y="0"/>
+          <a:chExt cx="0" cy="0"/>
+        </a:xfrm>
+      </p:grpSpPr>
+      <p:sp>
+        <p:nvSpPr>
           <p:cNvPr id="2" name="タイトル 1">
             <a:extLst>
               <a:ext uri="{FF2B5EF4-FFF2-40B4-BE49-F238E27FC236}">
@@ -13165,7 +13864,7 @@
 </p:sld>
 </file>
 
-<file path=ppt/slides/slide6.xml><?xml version="1.0" encoding="utf-8"?>
+<file path=ppt/slides/slide7.xml><?xml version="1.0" encoding="utf-8"?>
 <p:sld xmlns:a="http://schemas.openxmlformats.org/drawingml/2006/main" xmlns:r="http://schemas.openxmlformats.org/officeDocument/2006/relationships" xmlns:p="http://schemas.openxmlformats.org/presentationml/2006/main">
   <p:cSld>
     <p:spTree>
@@ -14934,157 +15633,6 @@
 </p:sld>
 </file>
 
-<file path=ppt/slides/slide7.xml><?xml version="1.0" encoding="utf-8"?>
-<p:sld xmlns:a="http://schemas.openxmlformats.org/drawingml/2006/main" xmlns:r="http://schemas.openxmlformats.org/officeDocument/2006/relationships" xmlns:p="http://schemas.openxmlformats.org/presentationml/2006/main">
-  <p:cSld>
-    <p:spTree>
-      <p:nvGrpSpPr>
-        <p:cNvPr id="1" name=""/>
-        <p:cNvGrpSpPr/>
-        <p:nvPr/>
-      </p:nvGrpSpPr>
-      <p:grpSpPr>
-        <a:xfrm>
-          <a:off x="0" y="0"/>
-          <a:ext cx="0" cy="0"/>
-          <a:chOff x="0" y="0"/>
-          <a:chExt cx="0" cy="0"/>
-        </a:xfrm>
-      </p:grpSpPr>
-      <p:sp>
-        <p:nvSpPr>
-          <p:cNvPr id="2" name="タイトル 1">
-            <a:extLst>
-              <a:ext uri="{FF2B5EF4-FFF2-40B4-BE49-F238E27FC236}">
-                <a16:creationId xmlns:a16="http://schemas.microsoft.com/office/drawing/2014/main" id="{85895AA1-C3F6-5137-D327-90AEE8D8717F}"/>
-              </a:ext>
-            </a:extLst>
-          </p:cNvPr>
-          <p:cNvSpPr>
-            <a:spLocks noGrp="1"/>
-          </p:cNvSpPr>
-          <p:nvPr>
-            <p:ph type="title"/>
-          </p:nvPr>
-        </p:nvSpPr>
-        <p:spPr/>
-        <p:txBody>
-          <a:bodyPr/>
-          <a:lstStyle/>
-          <a:p>
-            <a:r>
-              <a:rPr kumimoji="1" lang="ja-JP" altLang="en-US" dirty="0"/>
-              <a:t>パラグラフ</a:t>
-            </a:r>
-          </a:p>
-        </p:txBody>
-      </p:sp>
-      <p:sp>
-        <p:nvSpPr>
-          <p:cNvPr id="3" name="テキスト プレースホルダー 2">
-            <a:extLst>
-              <a:ext uri="{FF2B5EF4-FFF2-40B4-BE49-F238E27FC236}">
-                <a16:creationId xmlns:a16="http://schemas.microsoft.com/office/drawing/2014/main" id="{AF7DC518-51F8-FA2A-0A74-B2DB18D49FC7}"/>
-              </a:ext>
-            </a:extLst>
-          </p:cNvPr>
-          <p:cNvSpPr>
-            <a:spLocks noGrp="1"/>
-          </p:cNvSpPr>
-          <p:nvPr>
-            <p:ph type="body" sz="quarter" idx="10"/>
-          </p:nvPr>
-        </p:nvSpPr>
-        <p:spPr/>
-        <p:txBody>
-          <a:bodyPr/>
-          <a:lstStyle/>
-          <a:p>
-            <a:r>
-              <a:rPr kumimoji="1" lang="ja-JP" altLang="en-US" dirty="0">
-                <a:solidFill>
-                  <a:schemeClr val="accent5"/>
-                </a:solidFill>
-              </a:rPr>
-              <a:t>１つの主張</a:t>
-            </a:r>
-            <a:r>
-              <a:rPr kumimoji="1" lang="ja-JP" altLang="en-US" dirty="0"/>
-              <a:t>を述べるための，複数の文からなるまとまり</a:t>
-            </a:r>
-            <a:endParaRPr kumimoji="1" lang="en-US" altLang="ja-JP" dirty="0"/>
-          </a:p>
-          <a:p>
-            <a:pPr lvl="1"/>
-            <a:r>
-              <a:rPr kumimoji="1" lang="ja-JP" altLang="en-US" dirty="0"/>
-              <a:t>パラグラフ内に違う主張をいれてはならない</a:t>
-            </a:r>
-            <a:endParaRPr kumimoji="1" lang="en-US" altLang="ja-JP" dirty="0"/>
-          </a:p>
-          <a:p>
-            <a:r>
-              <a:rPr kumimoji="1" lang="ja-JP" altLang="en-US" dirty="0"/>
-              <a:t>以下の種類の複数の文からなる</a:t>
-            </a:r>
-            <a:endParaRPr kumimoji="1" lang="en-US" altLang="ja-JP" dirty="0"/>
-          </a:p>
-          <a:p>
-            <a:pPr marL="817200" lvl="1" indent="-457200">
-              <a:buFont typeface="+mj-lt"/>
-              <a:buAutoNum type="arabicPeriod"/>
-            </a:pPr>
-            <a:r>
-              <a:rPr lang="ja-JP" altLang="en-US" dirty="0"/>
-              <a:t>先頭：　トピック・センテンス</a:t>
-            </a:r>
-            <a:endParaRPr lang="en-US" altLang="ja-JP" dirty="0"/>
-          </a:p>
-          <a:p>
-            <a:pPr marL="817200" lvl="1" indent="-457200">
-              <a:buFont typeface="+mj-lt"/>
-              <a:buAutoNum type="arabicPeriod"/>
-            </a:pPr>
-            <a:r>
-              <a:rPr kumimoji="1" lang="ja-JP" altLang="en-US" dirty="0"/>
-              <a:t>真ん中：サポーティング・センテンス</a:t>
-            </a:r>
-            <a:endParaRPr kumimoji="1" lang="en-US" altLang="ja-JP" dirty="0"/>
-          </a:p>
-          <a:p>
-            <a:pPr marL="817200" lvl="1" indent="-457200">
-              <a:buFont typeface="+mj-lt"/>
-              <a:buAutoNum type="arabicPeriod"/>
-            </a:pPr>
-            <a:r>
-              <a:rPr lang="ja-JP" altLang="en-US" dirty="0"/>
-              <a:t>最後：　コンクルーディング・センテンス</a:t>
-            </a:r>
-            <a:endParaRPr lang="en-US" altLang="ja-JP" dirty="0"/>
-          </a:p>
-        </p:txBody>
-      </p:sp>
-    </p:spTree>
-    <p:extLst>
-      <p:ext uri="{BB962C8B-B14F-4D97-AF65-F5344CB8AC3E}">
-        <p14:creationId xmlns:p14="http://schemas.microsoft.com/office/powerpoint/2010/main" val="2942226945"/>
-      </p:ext>
-    </p:extLst>
-  </p:cSld>
-  <p:clrMapOvr>
-    <a:masterClrMapping/>
-  </p:clrMapOvr>
-  <mc:AlternateContent xmlns:mc="http://schemas.openxmlformats.org/markup-compatibility/2006" xmlns:p14="http://schemas.microsoft.com/office/powerpoint/2010/main">
-    <mc:Choice Requires="p14">
-      <p:transition p14:dur="10"/>
-    </mc:Choice>
-    <mc:Fallback xmlns="">
-      <p:transition/>
-    </mc:Fallback>
-  </mc:AlternateContent>
-</p:sld>
-</file>
-
 <file path=ppt/slides/slide8.xml><?xml version="1.0" encoding="utf-8"?>
 <p:sld xmlns:a="http://schemas.openxmlformats.org/drawingml/2006/main" xmlns:r="http://schemas.openxmlformats.org/officeDocument/2006/relationships" xmlns:p="http://schemas.openxmlformats.org/presentationml/2006/main">
   <p:cSld>
@@ -15104,10 +15652,10 @@
       </p:grpSpPr>
       <p:sp>
         <p:nvSpPr>
-          <p:cNvPr id="2" name="タイトル 1">
-            <a:extLst>
-              <a:ext uri="{FF2B5EF4-FFF2-40B4-BE49-F238E27FC236}">
-                <a16:creationId xmlns:a16="http://schemas.microsoft.com/office/drawing/2014/main" id="{85895AA1-C3F6-5137-D327-90AEE8D8717F}"/>
+          <p:cNvPr id="6" name="タイトル 5">
+            <a:extLst>
+              <a:ext uri="{FF2B5EF4-FFF2-40B4-BE49-F238E27FC236}">
+                <a16:creationId xmlns:a16="http://schemas.microsoft.com/office/drawing/2014/main" id="{D44FC4B2-BE5F-0B62-A30B-6488B98CA7F1}"/>
               </a:ext>
             </a:extLst>
           </p:cNvPr>
@@ -15124,114 +15672,23 @@
           <a:lstStyle/>
           <a:p>
             <a:r>
-              <a:rPr kumimoji="1" lang="ja-JP" altLang="en-US" dirty="0"/>
-              <a:t>トピック・センテンス</a:t>
-            </a:r>
-          </a:p>
-        </p:txBody>
-      </p:sp>
-      <p:sp>
-        <p:nvSpPr>
-          <p:cNvPr id="3" name="テキスト プレースホルダー 2">
-            <a:extLst>
-              <a:ext uri="{FF2B5EF4-FFF2-40B4-BE49-F238E27FC236}">
-                <a16:creationId xmlns:a16="http://schemas.microsoft.com/office/drawing/2014/main" id="{AF7DC518-51F8-FA2A-0A74-B2DB18D49FC7}"/>
-              </a:ext>
-            </a:extLst>
-          </p:cNvPr>
-          <p:cNvSpPr>
-            <a:spLocks noGrp="1"/>
-          </p:cNvSpPr>
-          <p:nvPr>
-            <p:ph type="body" sz="quarter" idx="10"/>
-          </p:nvPr>
-        </p:nvSpPr>
-        <p:spPr/>
-        <p:txBody>
-          <a:bodyPr/>
-          <a:lstStyle/>
-          <a:p>
-            <a:r>
               <a:rPr lang="ja-JP" altLang="en-US" dirty="0"/>
-              <a:t>そのパラグラフ全体で述べたい主張をまとめた文</a:t>
-            </a:r>
-            <a:endParaRPr lang="en-US" altLang="ja-JP" dirty="0"/>
-          </a:p>
-          <a:p>
-            <a:pPr lvl="1"/>
-            <a:r>
-              <a:rPr lang="ja-JP" altLang="en-US" dirty="0"/>
-              <a:t>トピック・センテンスは各パラグラフに１つある</a:t>
-            </a:r>
-            <a:endParaRPr lang="en-US" altLang="ja-JP" dirty="0"/>
-          </a:p>
-          <a:p>
-            <a:pPr lvl="1"/>
-            <a:r>
-              <a:rPr lang="ja-JP" altLang="en-US" dirty="0"/>
-              <a:t>基本的にはそのパラグラフの先頭にある</a:t>
-            </a:r>
-            <a:endParaRPr lang="en-US" altLang="ja-JP" dirty="0"/>
-          </a:p>
-          <a:p>
-            <a:pPr lvl="2"/>
-            <a:r>
-              <a:rPr lang="ja-JP" altLang="en-US" dirty="0"/>
-              <a:t>前のパラグラフとの接続の関係で２文目等にくることもある</a:t>
-            </a:r>
-            <a:endParaRPr lang="en-US" altLang="ja-JP" dirty="0"/>
-          </a:p>
-          <a:p>
-            <a:r>
-              <a:rPr lang="ja-JP" altLang="en-US" dirty="0">
-                <a:solidFill>
-                  <a:schemeClr val="accent5"/>
-                </a:solidFill>
-              </a:rPr>
-              <a:t>各パラグラフのトピック・センテンスだけを取り出して繋げて読んでもおおよそ意味が通るようにする</a:t>
-            </a:r>
-            <a:endParaRPr lang="en-US" altLang="ja-JP" dirty="0">
-              <a:solidFill>
-                <a:schemeClr val="accent5"/>
-              </a:solidFill>
-            </a:endParaRPr>
-          </a:p>
-          <a:p>
-            <a:pPr lvl="1"/>
-            <a:r>
-              <a:rPr lang="ja-JP" altLang="en-US" dirty="0"/>
-              <a:t>トピック・センテンスはパラグラフの主張をまとめたもの</a:t>
-            </a:r>
-            <a:endParaRPr lang="en-US" altLang="ja-JP" dirty="0"/>
-          </a:p>
-          <a:p>
-            <a:pPr lvl="1"/>
-            <a:r>
-              <a:rPr lang="ja-JP" altLang="en-US" dirty="0"/>
-              <a:t>そこだけを取り出せば，おおまかな全体の主張がわかる</a:t>
-            </a:r>
-            <a:endParaRPr lang="en-US" altLang="ja-JP" dirty="0"/>
+              <a:t>パラグラフ</a:t>
+            </a:r>
+            <a:endParaRPr lang="en-US" dirty="0"/>
           </a:p>
         </p:txBody>
       </p:sp>
     </p:spTree>
     <p:extLst>
       <p:ext uri="{BB962C8B-B14F-4D97-AF65-F5344CB8AC3E}">
-        <p14:creationId xmlns:p14="http://schemas.microsoft.com/office/powerpoint/2010/main" val="4163540200"/>
+        <p14:creationId xmlns:p14="http://schemas.microsoft.com/office/powerpoint/2010/main" val="3637064490"/>
       </p:ext>
     </p:extLst>
   </p:cSld>
   <p:clrMapOvr>
     <a:masterClrMapping/>
   </p:clrMapOvr>
-  <mc:AlternateContent xmlns:mc="http://schemas.openxmlformats.org/markup-compatibility/2006" xmlns:p14="http://schemas.microsoft.com/office/powerpoint/2010/main">
-    <mc:Choice Requires="p14">
-      <p:transition p14:dur="10"/>
-    </mc:Choice>
-    <mc:Fallback xmlns="">
-      <p:transition/>
-    </mc:Fallback>
-  </mc:AlternateContent>
 </p:sld>
 </file>
 
@@ -15275,7 +15732,7 @@
           <a:p>
             <a:r>
               <a:rPr kumimoji="1" lang="ja-JP" altLang="en-US" dirty="0"/>
-              <a:t>サポーティング・センテンス</a:t>
+              <a:t>パラグラフ</a:t>
             </a:r>
           </a:p>
         </p:txBody>
@@ -15302,60 +15759,73 @@
           <a:lstStyle/>
           <a:p>
             <a:r>
+              <a:rPr kumimoji="1" lang="ja-JP" altLang="en-US" dirty="0">
+                <a:solidFill>
+                  <a:schemeClr val="accent5"/>
+                </a:solidFill>
+              </a:rPr>
+              <a:t>１つの主張</a:t>
+            </a:r>
+            <a:r>
               <a:rPr kumimoji="1" lang="ja-JP" altLang="en-US" dirty="0"/>
-              <a:t>サポーティング・センテンス</a:t>
+              <a:t>を述べるための，複数の文からなるまとまり</a:t>
             </a:r>
             <a:endParaRPr kumimoji="1" lang="en-US" altLang="ja-JP" dirty="0"/>
           </a:p>
           <a:p>
             <a:pPr lvl="1"/>
             <a:r>
+              <a:rPr kumimoji="1" lang="ja-JP" altLang="en-US" dirty="0"/>
+              <a:t>パラグラフ内に違う主張をいれてはならない</a:t>
+            </a:r>
+            <a:endParaRPr kumimoji="1" lang="en-US" altLang="ja-JP" dirty="0"/>
+          </a:p>
+          <a:p>
+            <a:r>
+              <a:rPr kumimoji="1" lang="ja-JP" altLang="en-US" dirty="0"/>
+              <a:t>以下の種類の複数の文からなる</a:t>
+            </a:r>
+            <a:endParaRPr kumimoji="1" lang="en-US" altLang="ja-JP" dirty="0"/>
+          </a:p>
+          <a:p>
+            <a:pPr marL="817200" lvl="1" indent="-457200">
+              <a:buFont typeface="+mj-lt"/>
+              <a:buAutoNum type="arabicPeriod"/>
+            </a:pPr>
+            <a:r>
               <a:rPr lang="ja-JP" altLang="en-US" dirty="0"/>
-              <a:t>トピック・センテンスの主張を補強するための文</a:t>
+              <a:t>先頭：　トピック・センテンス</a:t>
             </a:r>
             <a:endParaRPr lang="en-US" altLang="ja-JP" dirty="0"/>
           </a:p>
           <a:p>
-            <a:pPr lvl="1"/>
+            <a:pPr marL="817200" lvl="1" indent="-457200">
+              <a:buFont typeface="+mj-lt"/>
+              <a:buAutoNum type="arabicPeriod"/>
+            </a:pPr>
             <a:r>
               <a:rPr kumimoji="1" lang="ja-JP" altLang="en-US" dirty="0"/>
-              <a:t>各パラグラフはサポーティング・センテンスを１～複数含む</a:t>
+              <a:t>真ん中：サポーティング・センテンス</a:t>
             </a:r>
             <a:endParaRPr kumimoji="1" lang="en-US" altLang="ja-JP" dirty="0"/>
           </a:p>
           <a:p>
+            <a:pPr marL="817200" lvl="1" indent="-457200">
+              <a:buFont typeface="+mj-lt"/>
+              <a:buAutoNum type="arabicPeriod"/>
+            </a:pPr>
             <a:r>
               <a:rPr lang="ja-JP" altLang="en-US" dirty="0"/>
-              <a:t>トピック・センテンスとの関係</a:t>
+              <a:t>最後：　コンクルーディング・センテンス</a:t>
             </a:r>
             <a:endParaRPr lang="en-US" altLang="ja-JP" dirty="0"/>
-          </a:p>
-          <a:p>
-            <a:pPr lvl="1"/>
-            <a:r>
-              <a:rPr kumimoji="1" lang="ja-JP" altLang="en-US" dirty="0"/>
-              <a:t>サポーティング・センテンスはトピック・センテンスの詳細を述べる関係にある</a:t>
-            </a:r>
-            <a:endParaRPr kumimoji="1" lang="en-US" altLang="ja-JP" dirty="0"/>
-          </a:p>
-          <a:p>
-            <a:pPr lvl="1"/>
-            <a:r>
-              <a:rPr kumimoji="1" lang="ja-JP" altLang="en-US" dirty="0"/>
-              <a:t>トピック・センテンスはサポーティング・センテンス達をまとめたものとなる</a:t>
-            </a:r>
-            <a:endParaRPr kumimoji="1" lang="en-US" altLang="ja-JP" dirty="0"/>
-          </a:p>
-          <a:p>
-            <a:pPr lvl="2"/>
-            <a:endParaRPr kumimoji="1" lang="en-US" altLang="ja-JP" dirty="0"/>
           </a:p>
         </p:txBody>
       </p:sp>
     </p:spTree>
     <p:extLst>
       <p:ext uri="{BB962C8B-B14F-4D97-AF65-F5344CB8AC3E}">
-        <p14:creationId xmlns:p14="http://schemas.microsoft.com/office/powerpoint/2010/main" val="1366793701"/>
+        <p14:creationId xmlns:p14="http://schemas.microsoft.com/office/powerpoint/2010/main" val="2942226945"/>
       </p:ext>
     </p:extLst>
   </p:cSld>

--- a/writing.pptx
+++ b/writing.pptx
@@ -5,38 +5,42 @@
     <p:sldMasterId id="2147483669" r:id="rId1"/>
   </p:sldMasterIdLst>
   <p:notesMasterIdLst>
-    <p:notesMasterId r:id="rId31"/>
+    <p:notesMasterId r:id="rId35"/>
   </p:notesMasterIdLst>
   <p:sldIdLst>
     <p:sldId id="440" r:id="rId2"/>
     <p:sldId id="508" r:id="rId3"/>
-    <p:sldId id="503" r:id="rId4"/>
-    <p:sldId id="504" r:id="rId5"/>
-    <p:sldId id="518" r:id="rId6"/>
-    <p:sldId id="505" r:id="rId7"/>
-    <p:sldId id="512" r:id="rId8"/>
-    <p:sldId id="519" r:id="rId9"/>
-    <p:sldId id="506" r:id="rId10"/>
-    <p:sldId id="509" r:id="rId11"/>
-    <p:sldId id="510" r:id="rId12"/>
-    <p:sldId id="511" r:id="rId13"/>
-    <p:sldId id="520" r:id="rId14"/>
-    <p:sldId id="452" r:id="rId15"/>
-    <p:sldId id="448" r:id="rId16"/>
-    <p:sldId id="450" r:id="rId17"/>
-    <p:sldId id="521" r:id="rId18"/>
-    <p:sldId id="507" r:id="rId19"/>
-    <p:sldId id="517" r:id="rId20"/>
-    <p:sldId id="456" r:id="rId21"/>
-    <p:sldId id="457" r:id="rId22"/>
-    <p:sldId id="474" r:id="rId23"/>
-    <p:sldId id="458" r:id="rId24"/>
-    <p:sldId id="513" r:id="rId25"/>
-    <p:sldId id="522" r:id="rId26"/>
-    <p:sldId id="479" r:id="rId27"/>
-    <p:sldId id="481" r:id="rId28"/>
-    <p:sldId id="482" r:id="rId29"/>
-    <p:sldId id="483" r:id="rId30"/>
+    <p:sldId id="523" r:id="rId4"/>
+    <p:sldId id="503" r:id="rId5"/>
+    <p:sldId id="504" r:id="rId6"/>
+    <p:sldId id="518" r:id="rId7"/>
+    <p:sldId id="505" r:id="rId8"/>
+    <p:sldId id="512" r:id="rId9"/>
+    <p:sldId id="519" r:id="rId10"/>
+    <p:sldId id="506" r:id="rId11"/>
+    <p:sldId id="509" r:id="rId12"/>
+    <p:sldId id="510" r:id="rId13"/>
+    <p:sldId id="511" r:id="rId14"/>
+    <p:sldId id="520" r:id="rId15"/>
+    <p:sldId id="452" r:id="rId16"/>
+    <p:sldId id="448" r:id="rId17"/>
+    <p:sldId id="450" r:id="rId18"/>
+    <p:sldId id="521" r:id="rId19"/>
+    <p:sldId id="507" r:id="rId20"/>
+    <p:sldId id="517" r:id="rId21"/>
+    <p:sldId id="456" r:id="rId22"/>
+    <p:sldId id="457" r:id="rId23"/>
+    <p:sldId id="474" r:id="rId24"/>
+    <p:sldId id="458" r:id="rId25"/>
+    <p:sldId id="513" r:id="rId26"/>
+    <p:sldId id="522" r:id="rId27"/>
+    <p:sldId id="479" r:id="rId28"/>
+    <p:sldId id="481" r:id="rId29"/>
+    <p:sldId id="482" r:id="rId30"/>
+    <p:sldId id="483" r:id="rId31"/>
+    <p:sldId id="524" r:id="rId32"/>
+    <p:sldId id="525" r:id="rId33"/>
+    <p:sldId id="526" r:id="rId34"/>
   </p:sldIdLst>
   <p:sldSz cx="9144000" cy="6858000" type="screen4x3"/>
   <p:notesSz cx="6858000" cy="9144000"/>
@@ -142,6 +146,7 @@
           <p14:sldIdLst>
             <p14:sldId id="440"/>
             <p14:sldId id="508"/>
+            <p14:sldId id="523"/>
             <p14:sldId id="503"/>
             <p14:sldId id="504"/>
             <p14:sldId id="518"/>
@@ -169,6 +174,9 @@
             <p14:sldId id="481"/>
             <p14:sldId id="482"/>
             <p14:sldId id="483"/>
+            <p14:sldId id="524"/>
+            <p14:sldId id="525"/>
+            <p14:sldId id="526"/>
           </p14:sldIdLst>
         </p14:section>
       </p14:sectionLst>
@@ -276,7 +284,7 @@
           <a:p>
             <a:fld id="{2ABE53D4-1A7B-4FFE-8A95-4265B045F058}" type="datetimeFigureOut">
               <a:rPr kumimoji="1" lang="ja-JP" altLang="en-US" smtClean="0"/>
-              <a:t>2024/4/25</a:t>
+              <a:t>2024/5/7</a:t>
             </a:fld>
             <a:endParaRPr kumimoji="1" lang="ja-JP" altLang="en-US"/>
           </a:p>
@@ -3071,7 +3079,7 @@
             </a:r>
             <a:r>
               <a:rPr lang="en-US" altLang="ja-JP" sz="2800"/>
-              <a:t>v1</a:t>
+              <a:t>v2</a:t>
             </a:r>
             <a:endParaRPr kumimoji="1" lang="ja-JP" altLang="en-US" sz="2800" dirty="0"/>
           </a:p>
@@ -3416,7 +3424,7 @@
           <a:p>
             <a:r>
               <a:rPr kumimoji="1" lang="ja-JP" altLang="en-US" dirty="0"/>
-              <a:t>トピック・センテンス</a:t>
+              <a:t>パラグラフ</a:t>
             </a:r>
           </a:p>
         </p:txBody>
@@ -3443,63 +3451,64 @@
           <a:lstStyle/>
           <a:p>
             <a:r>
+              <a:rPr kumimoji="1" lang="ja-JP" altLang="en-US" dirty="0">
+                <a:solidFill>
+                  <a:schemeClr val="accent5"/>
+                </a:solidFill>
+              </a:rPr>
+              <a:t>１つの主張</a:t>
+            </a:r>
+            <a:r>
+              <a:rPr kumimoji="1" lang="ja-JP" altLang="en-US" dirty="0"/>
+              <a:t>を述べるための，複数の文からなるまとまり</a:t>
+            </a:r>
+            <a:endParaRPr kumimoji="1" lang="en-US" altLang="ja-JP" dirty="0"/>
+          </a:p>
+          <a:p>
+            <a:pPr lvl="1"/>
+            <a:r>
+              <a:rPr kumimoji="1" lang="ja-JP" altLang="en-US" dirty="0"/>
+              <a:t>パラグラフ内に違う主張をいれてはならない</a:t>
+            </a:r>
+            <a:endParaRPr kumimoji="1" lang="en-US" altLang="ja-JP" dirty="0"/>
+          </a:p>
+          <a:p>
+            <a:r>
+              <a:rPr kumimoji="1" lang="ja-JP" altLang="en-US" dirty="0"/>
+              <a:t>以下の種類の複数の文からなる</a:t>
+            </a:r>
+            <a:endParaRPr kumimoji="1" lang="en-US" altLang="ja-JP" dirty="0"/>
+          </a:p>
+          <a:p>
+            <a:pPr marL="817200" lvl="1" indent="-457200">
+              <a:buFont typeface="+mj-lt"/>
+              <a:buAutoNum type="arabicPeriod"/>
+            </a:pPr>
+            <a:r>
               <a:rPr lang="ja-JP" altLang="en-US" dirty="0"/>
-              <a:t>そのパラグラフ全体で述べたい主張をまとめた文</a:t>
+              <a:t>先頭：　トピック・センテンス</a:t>
             </a:r>
             <a:endParaRPr lang="en-US" altLang="ja-JP" dirty="0"/>
           </a:p>
           <a:p>
-            <a:pPr lvl="1"/>
+            <a:pPr marL="817200" lvl="1" indent="-457200">
+              <a:buFont typeface="+mj-lt"/>
+              <a:buAutoNum type="arabicPeriod"/>
+            </a:pPr>
+            <a:r>
+              <a:rPr kumimoji="1" lang="ja-JP" altLang="en-US" dirty="0"/>
+              <a:t>真ん中：サポーティング・センテンス</a:t>
+            </a:r>
+            <a:endParaRPr kumimoji="1" lang="en-US" altLang="ja-JP" dirty="0"/>
+          </a:p>
+          <a:p>
+            <a:pPr marL="817200" lvl="1" indent="-457200">
+              <a:buFont typeface="+mj-lt"/>
+              <a:buAutoNum type="arabicPeriod"/>
+            </a:pPr>
             <a:r>
               <a:rPr lang="ja-JP" altLang="en-US" dirty="0"/>
-              <a:t>トピック・センテンスは各パラグラフに１つある</a:t>
-            </a:r>
-            <a:endParaRPr lang="en-US" altLang="ja-JP" dirty="0"/>
-          </a:p>
-          <a:p>
-            <a:pPr lvl="1"/>
-            <a:r>
-              <a:rPr lang="ja-JP" altLang="en-US" dirty="0"/>
-              <a:t>基本的にはそのパラグラフの先頭にある</a:t>
-            </a:r>
-            <a:endParaRPr lang="en-US" altLang="ja-JP" dirty="0"/>
-          </a:p>
-          <a:p>
-            <a:pPr lvl="2"/>
-            <a:r>
-              <a:rPr lang="ja-JP" altLang="en-US" dirty="0"/>
-              <a:t>前のパラグラフとの接続の関係で２文目等にくることもある</a:t>
-            </a:r>
-            <a:endParaRPr lang="en-US" altLang="ja-JP" dirty="0"/>
-          </a:p>
-          <a:p>
-            <a:r>
-              <a:rPr lang="ja-JP" altLang="en-US" dirty="0">
-                <a:solidFill>
-                  <a:schemeClr val="accent5"/>
-                </a:solidFill>
-              </a:rPr>
-              <a:t>各パラグラフのトピック・センテンスだけを取り出して繋げて読んでもおおよそ意味が通るようにする</a:t>
-            </a:r>
-            <a:endParaRPr lang="en-US" altLang="ja-JP" dirty="0">
-              <a:solidFill>
-                <a:schemeClr val="accent5"/>
-              </a:solidFill>
-            </a:endParaRPr>
-          </a:p>
-          <a:p>
-            <a:pPr lvl="1"/>
-            <a:r>
-              <a:rPr lang="ja-JP" altLang="en-US" dirty="0"/>
-              <a:t>トピック・センテンスはパラグラフの主張をまとめたもの</a:t>
-            </a:r>
-            <a:endParaRPr lang="en-US" altLang="ja-JP" dirty="0"/>
-          </a:p>
-          <a:p>
-            <a:pPr lvl="1"/>
-            <a:r>
-              <a:rPr lang="ja-JP" altLang="en-US" dirty="0"/>
-              <a:t>そこだけを取り出せば，おおまかな全体の主張がわかる</a:t>
+              <a:t>最後：　コンクルーディング・センテンス</a:t>
             </a:r>
             <a:endParaRPr lang="en-US" altLang="ja-JP" dirty="0"/>
           </a:p>
@@ -3508,7 +3517,7 @@
     </p:spTree>
     <p:extLst>
       <p:ext uri="{BB962C8B-B14F-4D97-AF65-F5344CB8AC3E}">
-        <p14:creationId xmlns:p14="http://schemas.microsoft.com/office/powerpoint/2010/main" val="4163540200"/>
+        <p14:creationId xmlns:p14="http://schemas.microsoft.com/office/powerpoint/2010/main" val="2942226945"/>
       </p:ext>
     </p:extLst>
   </p:cSld>
@@ -3566,7 +3575,7 @@
           <a:p>
             <a:r>
               <a:rPr kumimoji="1" lang="ja-JP" altLang="en-US" dirty="0"/>
-              <a:t>サポーティング・センテンス</a:t>
+              <a:t>トピック・センテンス</a:t>
             </a:r>
           </a:p>
         </p:txBody>
@@ -3593,60 +3602,72 @@
           <a:lstStyle/>
           <a:p>
             <a:r>
-              <a:rPr kumimoji="1" lang="ja-JP" altLang="en-US" dirty="0"/>
-              <a:t>サポーティング・センテンス</a:t>
-            </a:r>
-            <a:endParaRPr kumimoji="1" lang="en-US" altLang="ja-JP" dirty="0"/>
+              <a:rPr lang="ja-JP" altLang="en-US" dirty="0"/>
+              <a:t>そのパラグラフ全体で述べたい主張をまとめた文</a:t>
+            </a:r>
+            <a:endParaRPr lang="en-US" altLang="ja-JP" dirty="0"/>
           </a:p>
           <a:p>
             <a:pPr lvl="1"/>
             <a:r>
               <a:rPr lang="ja-JP" altLang="en-US" dirty="0"/>
-              <a:t>トピック・センテンスの主張を補強するための文</a:t>
+              <a:t>トピック・センテンスは各パラグラフに１つある</a:t>
             </a:r>
             <a:endParaRPr lang="en-US" altLang="ja-JP" dirty="0"/>
           </a:p>
           <a:p>
             <a:pPr lvl="1"/>
             <a:r>
-              <a:rPr kumimoji="1" lang="ja-JP" altLang="en-US" dirty="0"/>
-              <a:t>各パラグラフはサポーティング・センテンスを１～複数含む</a:t>
-            </a:r>
-            <a:endParaRPr kumimoji="1" lang="en-US" altLang="ja-JP" dirty="0"/>
-          </a:p>
-          <a:p>
-            <a:r>
               <a:rPr lang="ja-JP" altLang="en-US" dirty="0"/>
-              <a:t>トピック・センテンスとの関係</a:t>
+              <a:t>基本的にはそのパラグラフの先頭にある</a:t>
             </a:r>
             <a:endParaRPr lang="en-US" altLang="ja-JP" dirty="0"/>
           </a:p>
           <a:p>
+            <a:pPr lvl="2"/>
+            <a:r>
+              <a:rPr lang="ja-JP" altLang="en-US" dirty="0"/>
+              <a:t>前のパラグラフとの接続の関係で２文目等にくることもある</a:t>
+            </a:r>
+            <a:endParaRPr lang="en-US" altLang="ja-JP" dirty="0"/>
+          </a:p>
+          <a:p>
+            <a:r>
+              <a:rPr lang="ja-JP" altLang="en-US" dirty="0">
+                <a:solidFill>
+                  <a:schemeClr val="accent5"/>
+                </a:solidFill>
+              </a:rPr>
+              <a:t>各パラグラフのトピック・センテンスだけを取り出して繋げて読んでもおおよそ意味が通るようにする</a:t>
+            </a:r>
+            <a:endParaRPr lang="en-US" altLang="ja-JP" dirty="0">
+              <a:solidFill>
+                <a:schemeClr val="accent5"/>
+              </a:solidFill>
+            </a:endParaRPr>
+          </a:p>
+          <a:p>
             <a:pPr lvl="1"/>
             <a:r>
-              <a:rPr kumimoji="1" lang="ja-JP" altLang="en-US" dirty="0"/>
-              <a:t>サポーティング・センテンスはトピック・センテンスの詳細を述べる関係にある</a:t>
-            </a:r>
-            <a:endParaRPr kumimoji="1" lang="en-US" altLang="ja-JP" dirty="0"/>
+              <a:rPr lang="ja-JP" altLang="en-US" dirty="0"/>
+              <a:t>トピック・センテンスはパラグラフの主張をまとめたもの</a:t>
+            </a:r>
+            <a:endParaRPr lang="en-US" altLang="ja-JP" dirty="0"/>
           </a:p>
           <a:p>
             <a:pPr lvl="1"/>
             <a:r>
-              <a:rPr kumimoji="1" lang="ja-JP" altLang="en-US" dirty="0"/>
-              <a:t>トピック・センテンスはサポーティング・センテンス達をまとめたものとなる</a:t>
-            </a:r>
-            <a:endParaRPr kumimoji="1" lang="en-US" altLang="ja-JP" dirty="0"/>
-          </a:p>
-          <a:p>
-            <a:pPr lvl="2"/>
-            <a:endParaRPr kumimoji="1" lang="en-US" altLang="ja-JP" dirty="0"/>
+              <a:rPr lang="ja-JP" altLang="en-US" dirty="0"/>
+              <a:t>そこだけを取り出せば，おおまかな全体の主張がわかる</a:t>
+            </a:r>
+            <a:endParaRPr lang="en-US" altLang="ja-JP" dirty="0"/>
           </a:p>
         </p:txBody>
       </p:sp>
     </p:spTree>
     <p:extLst>
       <p:ext uri="{BB962C8B-B14F-4D97-AF65-F5344CB8AC3E}">
-        <p14:creationId xmlns:p14="http://schemas.microsoft.com/office/powerpoint/2010/main" val="1366793701"/>
+        <p14:creationId xmlns:p14="http://schemas.microsoft.com/office/powerpoint/2010/main" val="4163540200"/>
       </p:ext>
     </p:extLst>
   </p:cSld>
@@ -3703,14 +3724,9 @@
           <a:lstStyle/>
           <a:p>
             <a:r>
-              <a:rPr lang="ja-JP" altLang="en-US" dirty="0"/>
-              <a:t>コンクルーディング</a:t>
-            </a:r>
-            <a:r>
-              <a:rPr lang="ja-JP" altLang="en-US"/>
-              <a:t>・センテンス</a:t>
-            </a:r>
-            <a:endParaRPr kumimoji="1" lang="ja-JP" altLang="en-US" dirty="0"/>
+              <a:rPr kumimoji="1" lang="ja-JP" altLang="en-US" dirty="0"/>
+              <a:t>サポーティング・センテンス</a:t>
+            </a:r>
           </a:p>
         </p:txBody>
       </p:sp>
@@ -3736,8 +3752,16 @@
           <a:lstStyle/>
           <a:p>
             <a:r>
+              <a:rPr kumimoji="1" lang="ja-JP" altLang="en-US" dirty="0"/>
+              <a:t>サポーティング・センテンス</a:t>
+            </a:r>
+            <a:endParaRPr kumimoji="1" lang="en-US" altLang="ja-JP" dirty="0"/>
+          </a:p>
+          <a:p>
+            <a:pPr lvl="1"/>
+            <a:r>
               <a:rPr lang="ja-JP" altLang="en-US" dirty="0"/>
-              <a:t>コンクルーディング・センテンス</a:t>
+              <a:t>トピック・センテンスの主張を補強するための文</a:t>
             </a:r>
             <a:endParaRPr lang="en-US" altLang="ja-JP" dirty="0"/>
           </a:p>
@@ -3745,16 +3769,35 @@
             <a:pPr lvl="1"/>
             <a:r>
               <a:rPr kumimoji="1" lang="ja-JP" altLang="en-US" dirty="0"/>
-              <a:t>トピック・センテンスの内容を別の言い方でまとめたもの</a:t>
+              <a:t>各パラグラフはサポーティング・センテンスを１～複数含む</a:t>
             </a:r>
             <a:endParaRPr kumimoji="1" lang="en-US" altLang="ja-JP" dirty="0"/>
           </a:p>
           <a:p>
+            <a:r>
+              <a:rPr lang="ja-JP" altLang="en-US" dirty="0"/>
+              <a:t>トピック・センテンスとの関係</a:t>
+            </a:r>
+            <a:endParaRPr lang="en-US" altLang="ja-JP" dirty="0"/>
+          </a:p>
+          <a:p>
             <a:pPr lvl="1"/>
             <a:r>
               <a:rPr kumimoji="1" lang="ja-JP" altLang="en-US" dirty="0"/>
-              <a:t>ない場合も結構ある</a:t>
-            </a:r>
+              <a:t>サポーティング・センテンスはトピック・センテンスの詳細を述べる関係にある</a:t>
+            </a:r>
+            <a:endParaRPr kumimoji="1" lang="en-US" altLang="ja-JP" dirty="0"/>
+          </a:p>
+          <a:p>
+            <a:pPr lvl="1"/>
+            <a:r>
+              <a:rPr kumimoji="1" lang="ja-JP" altLang="en-US" dirty="0"/>
+              <a:t>トピック・センテンスはサポーティング・センテンス達をまとめたものとなる</a:t>
+            </a:r>
+            <a:endParaRPr kumimoji="1" lang="en-US" altLang="ja-JP" dirty="0"/>
+          </a:p>
+          <a:p>
+            <a:pPr lvl="2"/>
             <a:endParaRPr kumimoji="1" lang="en-US" altLang="ja-JP" dirty="0"/>
           </a:p>
         </p:txBody>
@@ -3762,7 +3805,7 @@
     </p:spTree>
     <p:extLst>
       <p:ext uri="{BB962C8B-B14F-4D97-AF65-F5344CB8AC3E}">
-        <p14:creationId xmlns:p14="http://schemas.microsoft.com/office/powerpoint/2010/main" val="127409624"/>
+        <p14:creationId xmlns:p14="http://schemas.microsoft.com/office/powerpoint/2010/main" val="1366793701"/>
       </p:ext>
     </p:extLst>
   </p:cSld>
@@ -3799,10 +3842,10 @@
       </p:grpSpPr>
       <p:sp>
         <p:nvSpPr>
-          <p:cNvPr id="6" name="タイトル 5">
-            <a:extLst>
-              <a:ext uri="{FF2B5EF4-FFF2-40B4-BE49-F238E27FC236}">
-                <a16:creationId xmlns:a16="http://schemas.microsoft.com/office/drawing/2014/main" id="{D44FC4B2-BE5F-0B62-A30B-6488B98CA7F1}"/>
+          <p:cNvPr id="2" name="タイトル 1">
+            <a:extLst>
+              <a:ext uri="{FF2B5EF4-FFF2-40B4-BE49-F238E27FC236}">
+                <a16:creationId xmlns:a16="http://schemas.microsoft.com/office/drawing/2014/main" id="{85895AA1-C3F6-5137-D327-90AEE8D8717F}"/>
               </a:ext>
             </a:extLst>
           </p:cNvPr>
@@ -3820,22 +3863,79 @@
           <a:p>
             <a:r>
               <a:rPr lang="ja-JP" altLang="en-US" dirty="0"/>
-              <a:t>文</a:t>
-            </a:r>
-            <a:endParaRPr lang="en-US" dirty="0"/>
+              <a:t>コンクルーディング</a:t>
+            </a:r>
+            <a:r>
+              <a:rPr lang="ja-JP" altLang="en-US"/>
+              <a:t>・センテンス</a:t>
+            </a:r>
+            <a:endParaRPr kumimoji="1" lang="ja-JP" altLang="en-US" dirty="0"/>
+          </a:p>
+        </p:txBody>
+      </p:sp>
+      <p:sp>
+        <p:nvSpPr>
+          <p:cNvPr id="3" name="テキスト プレースホルダー 2">
+            <a:extLst>
+              <a:ext uri="{FF2B5EF4-FFF2-40B4-BE49-F238E27FC236}">
+                <a16:creationId xmlns:a16="http://schemas.microsoft.com/office/drawing/2014/main" id="{AF7DC518-51F8-FA2A-0A74-B2DB18D49FC7}"/>
+              </a:ext>
+            </a:extLst>
+          </p:cNvPr>
+          <p:cNvSpPr>
+            <a:spLocks noGrp="1"/>
+          </p:cNvSpPr>
+          <p:nvPr>
+            <p:ph type="body" sz="quarter" idx="10"/>
+          </p:nvPr>
+        </p:nvSpPr>
+        <p:spPr/>
+        <p:txBody>
+          <a:bodyPr/>
+          <a:lstStyle/>
+          <a:p>
+            <a:r>
+              <a:rPr lang="ja-JP" altLang="en-US" dirty="0"/>
+              <a:t>コンクルーディング・センテンス</a:t>
+            </a:r>
+            <a:endParaRPr lang="en-US" altLang="ja-JP" dirty="0"/>
+          </a:p>
+          <a:p>
+            <a:pPr lvl="1"/>
+            <a:r>
+              <a:rPr kumimoji="1" lang="ja-JP" altLang="en-US" dirty="0"/>
+              <a:t>トピック・センテンスの内容を別の言い方でまとめたもの</a:t>
+            </a:r>
+            <a:endParaRPr kumimoji="1" lang="en-US" altLang="ja-JP" dirty="0"/>
+          </a:p>
+          <a:p>
+            <a:pPr lvl="1"/>
+            <a:r>
+              <a:rPr kumimoji="1" lang="ja-JP" altLang="en-US" dirty="0"/>
+              <a:t>ない場合も結構ある</a:t>
+            </a:r>
+            <a:endParaRPr kumimoji="1" lang="en-US" altLang="ja-JP" dirty="0"/>
           </a:p>
         </p:txBody>
       </p:sp>
     </p:spTree>
     <p:extLst>
       <p:ext uri="{BB962C8B-B14F-4D97-AF65-F5344CB8AC3E}">
-        <p14:creationId xmlns:p14="http://schemas.microsoft.com/office/powerpoint/2010/main" val="2493814936"/>
+        <p14:creationId xmlns:p14="http://schemas.microsoft.com/office/powerpoint/2010/main" val="127409624"/>
       </p:ext>
     </p:extLst>
   </p:cSld>
   <p:clrMapOvr>
     <a:masterClrMapping/>
   </p:clrMapOvr>
+  <mc:AlternateContent xmlns:mc="http://schemas.openxmlformats.org/markup-compatibility/2006" xmlns:p14="http://schemas.microsoft.com/office/powerpoint/2010/main">
+    <mc:Choice Requires="p14">
+      <p:transition p14:dur="10"/>
+    </mc:Choice>
+    <mc:Fallback xmlns="">
+      <p:transition/>
+    </mc:Fallback>
+  </mc:AlternateContent>
 </p:sld>
 </file>
 
@@ -3858,10 +3958,10 @@
       </p:grpSpPr>
       <p:sp>
         <p:nvSpPr>
-          <p:cNvPr id="2" name="タイトル 1">
-            <a:extLst>
-              <a:ext uri="{FF2B5EF4-FFF2-40B4-BE49-F238E27FC236}">
-                <a16:creationId xmlns:a16="http://schemas.microsoft.com/office/drawing/2014/main" id="{D93A85F1-1B35-5F84-85D9-55D1C6172E1E}"/>
+          <p:cNvPr id="6" name="タイトル 5">
+            <a:extLst>
+              <a:ext uri="{FF2B5EF4-FFF2-40B4-BE49-F238E27FC236}">
+                <a16:creationId xmlns:a16="http://schemas.microsoft.com/office/drawing/2014/main" id="{D44FC4B2-BE5F-0B62-A30B-6488B98CA7F1}"/>
               </a:ext>
             </a:extLst>
           </p:cNvPr>
@@ -3878,74 +3978,23 @@
           <a:lstStyle/>
           <a:p>
             <a:r>
-              <a:rPr kumimoji="1" lang="ja-JP" altLang="en-US" dirty="0"/>
-              <a:t>「文」の書き方のポイント</a:t>
-            </a:r>
-          </a:p>
-        </p:txBody>
-      </p:sp>
-      <p:sp>
-        <p:nvSpPr>
-          <p:cNvPr id="3" name="テキスト プレースホルダー 2">
-            <a:extLst>
-              <a:ext uri="{FF2B5EF4-FFF2-40B4-BE49-F238E27FC236}">
-                <a16:creationId xmlns:a16="http://schemas.microsoft.com/office/drawing/2014/main" id="{B4414A41-3B92-4E38-46C4-3166C73733E8}"/>
-              </a:ext>
-            </a:extLst>
-          </p:cNvPr>
-          <p:cNvSpPr>
-            <a:spLocks noGrp="1"/>
-          </p:cNvSpPr>
-          <p:nvPr>
-            <p:ph type="body" sz="quarter" idx="10"/>
-          </p:nvPr>
-        </p:nvSpPr>
-        <p:spPr/>
-        <p:txBody>
-          <a:bodyPr/>
-          <a:lstStyle/>
-          <a:p>
-            <a:pPr marL="457200" indent="-457200">
-              <a:buFont typeface="+mj-lt"/>
-              <a:buAutoNum type="arabicPeriod"/>
-            </a:pPr>
-            <a:r>
-              <a:rPr kumimoji="1" lang="ja-JP" altLang="en-US" dirty="0"/>
-              <a:t>各文を短く簡潔にする</a:t>
-            </a:r>
-            <a:endParaRPr kumimoji="1" lang="en-US" altLang="ja-JP" dirty="0"/>
-          </a:p>
-          <a:p>
-            <a:pPr marL="457200" indent="-457200">
-              <a:buFont typeface="+mj-lt"/>
-              <a:buAutoNum type="arabicPeriod"/>
-            </a:pPr>
-            <a:r>
-              <a:rPr kumimoji="1" lang="ja-JP" altLang="en-US" dirty="0"/>
-              <a:t>各文の主語や動詞，述語を明確にする</a:t>
-            </a:r>
-            <a:endParaRPr kumimoji="1" lang="en-US" altLang="ja-JP" dirty="0"/>
+              <a:rPr lang="ja-JP" altLang="en-US" dirty="0"/>
+              <a:t>文</a:t>
+            </a:r>
+            <a:endParaRPr lang="en-US" dirty="0"/>
           </a:p>
         </p:txBody>
       </p:sp>
     </p:spTree>
     <p:extLst>
       <p:ext uri="{BB962C8B-B14F-4D97-AF65-F5344CB8AC3E}">
-        <p14:creationId xmlns:p14="http://schemas.microsoft.com/office/powerpoint/2010/main" val="3057599224"/>
+        <p14:creationId xmlns:p14="http://schemas.microsoft.com/office/powerpoint/2010/main" val="2493814936"/>
       </p:ext>
     </p:extLst>
   </p:cSld>
   <p:clrMapOvr>
     <a:masterClrMapping/>
   </p:clrMapOvr>
-  <mc:AlternateContent xmlns:mc="http://schemas.openxmlformats.org/markup-compatibility/2006" xmlns:p14="http://schemas.microsoft.com/office/powerpoint/2010/main">
-    <mc:Choice Requires="p14">
-      <p:transition p14:dur="10"/>
-    </mc:Choice>
-    <mc:Fallback xmlns="">
-      <p:transition/>
-    </mc:Fallback>
-  </mc:AlternateContent>
 </p:sld>
 </file>
 
@@ -3971,7 +4020,7 @@
           <p:cNvPr id="2" name="タイトル 1">
             <a:extLst>
               <a:ext uri="{FF2B5EF4-FFF2-40B4-BE49-F238E27FC236}">
-                <a16:creationId xmlns:a16="http://schemas.microsoft.com/office/drawing/2014/main" id="{A660BB84-DBA8-6642-6C09-5A4CA1B7E113}"/>
+                <a16:creationId xmlns:a16="http://schemas.microsoft.com/office/drawing/2014/main" id="{D93A85F1-1B35-5F84-85D9-55D1C6172E1E}"/>
               </a:ext>
             </a:extLst>
           </p:cNvPr>
@@ -3988,12 +4037,8 @@
           <a:lstStyle/>
           <a:p>
             <a:r>
-              <a:rPr kumimoji="1" lang="en-US" altLang="ja-JP" dirty="0"/>
-              <a:t>1. </a:t>
-            </a:r>
-            <a:r>
               <a:rPr kumimoji="1" lang="ja-JP" altLang="en-US" dirty="0"/>
-              <a:t>各文を短く簡潔にする</a:t>
+              <a:t>「文」の書き方のポイント</a:t>
             </a:r>
           </a:p>
         </p:txBody>
@@ -4003,7 +4048,7 @@
           <p:cNvPr id="3" name="テキスト プレースホルダー 2">
             <a:extLst>
               <a:ext uri="{FF2B5EF4-FFF2-40B4-BE49-F238E27FC236}">
-                <a16:creationId xmlns:a16="http://schemas.microsoft.com/office/drawing/2014/main" id="{7FC8FB9F-70D9-3B50-054F-E1E6CF721F79}"/>
+                <a16:creationId xmlns:a16="http://schemas.microsoft.com/office/drawing/2014/main" id="{B4414A41-3B92-4E38-46C4-3166C73733E8}"/>
               </a:ext>
             </a:extLst>
           </p:cNvPr>
@@ -4019,28 +4064,24 @@
           <a:bodyPr/>
           <a:lstStyle/>
           <a:p>
-            <a:r>
-              <a:rPr kumimoji="1" lang="ja-JP" altLang="en-US" b="1" dirty="0">
-                <a:solidFill>
-                  <a:schemeClr val="accent5"/>
-                </a:solidFill>
-              </a:rPr>
-              <a:t>短い文は全てを解決する</a:t>
+            <a:pPr marL="457200" indent="-457200">
+              <a:buFont typeface="+mj-lt"/>
+              <a:buAutoNum type="arabicPeriod"/>
+            </a:pPr>
+            <a:r>
+              <a:rPr kumimoji="1" lang="ja-JP" altLang="en-US" dirty="0"/>
+              <a:t>各文を短く簡潔にする</a:t>
             </a:r>
             <a:endParaRPr kumimoji="1" lang="en-US" altLang="ja-JP" dirty="0"/>
           </a:p>
           <a:p>
+            <a:pPr marL="457200" indent="-457200">
+              <a:buFont typeface="+mj-lt"/>
+              <a:buAutoNum type="arabicPeriod"/>
+            </a:pPr>
             <a:r>
               <a:rPr kumimoji="1" lang="ja-JP" altLang="en-US" dirty="0"/>
-              <a:t>短く簡潔な文は，</a:t>
-            </a:r>
-            <a:endParaRPr kumimoji="1" lang="en-US" altLang="ja-JP" dirty="0"/>
-          </a:p>
-          <a:p>
-            <a:pPr lvl="1"/>
-            <a:r>
-              <a:rPr kumimoji="1" lang="ja-JP" altLang="en-US" dirty="0"/>
-              <a:t>誰が読んでも明確に意味が理解できる</a:t>
+              <a:t>各文の主語や動詞，述語を明確にする</a:t>
             </a:r>
             <a:endParaRPr kumimoji="1" lang="en-US" altLang="ja-JP" dirty="0"/>
           </a:p>
@@ -4049,7 +4090,7 @@
     </p:spTree>
     <p:extLst>
       <p:ext uri="{BB962C8B-B14F-4D97-AF65-F5344CB8AC3E}">
-        <p14:creationId xmlns:p14="http://schemas.microsoft.com/office/powerpoint/2010/main" val="1822019107"/>
+        <p14:creationId xmlns:p14="http://schemas.microsoft.com/office/powerpoint/2010/main" val="3057599224"/>
       </p:ext>
     </p:extLst>
   </p:cSld>
@@ -4089,7 +4130,7 @@
           <p:cNvPr id="2" name="タイトル 1">
             <a:extLst>
               <a:ext uri="{FF2B5EF4-FFF2-40B4-BE49-F238E27FC236}">
-                <a16:creationId xmlns:a16="http://schemas.microsoft.com/office/drawing/2014/main" id="{7015080F-9E79-6A62-8922-464CD13B906F}"/>
+                <a16:creationId xmlns:a16="http://schemas.microsoft.com/office/drawing/2014/main" id="{A660BB84-DBA8-6642-6C09-5A4CA1B7E113}"/>
               </a:ext>
             </a:extLst>
           </p:cNvPr>
@@ -4107,11 +4148,11 @@
           <a:p>
             <a:r>
               <a:rPr kumimoji="1" lang="en-US" altLang="ja-JP" dirty="0"/>
-              <a:t>2. </a:t>
+              <a:t>1. </a:t>
             </a:r>
             <a:r>
               <a:rPr kumimoji="1" lang="ja-JP" altLang="en-US" dirty="0"/>
-              <a:t>各文の主語や動詞，述語を明確にする</a:t>
+              <a:t>各文を短く簡潔にする</a:t>
             </a:r>
           </a:p>
         </p:txBody>
@@ -4121,7 +4162,7 @@
           <p:cNvPr id="3" name="テキスト プレースホルダー 2">
             <a:extLst>
               <a:ext uri="{FF2B5EF4-FFF2-40B4-BE49-F238E27FC236}">
-                <a16:creationId xmlns:a16="http://schemas.microsoft.com/office/drawing/2014/main" id="{CFBEEDD7-1ABB-B544-39E1-C52AB828F23A}"/>
+                <a16:creationId xmlns:a16="http://schemas.microsoft.com/office/drawing/2014/main" id="{7FC8FB9F-70D9-3B50-054F-E1E6CF721F79}"/>
               </a:ext>
             </a:extLst>
           </p:cNvPr>
@@ -4138,8 +4179,19 @@
           <a:lstStyle/>
           <a:p>
             <a:r>
+              <a:rPr kumimoji="1" lang="ja-JP" altLang="en-US" b="1" dirty="0">
+                <a:solidFill>
+                  <a:schemeClr val="accent5"/>
+                </a:solidFill>
+              </a:rPr>
+              <a:t>短い文は全てを解決する</a:t>
+            </a:r>
+            <a:endParaRPr kumimoji="1" lang="en-US" altLang="ja-JP" dirty="0"/>
+          </a:p>
+          <a:p>
+            <a:r>
               <a:rPr kumimoji="1" lang="ja-JP" altLang="en-US" dirty="0"/>
-              <a:t>日本語は主語や述語（目的語）を省略して書けてしまう</a:t>
+              <a:t>短く簡潔な文は，</a:t>
             </a:r>
             <a:endParaRPr kumimoji="1" lang="en-US" altLang="ja-JP" dirty="0"/>
           </a:p>
@@ -4147,46 +4199,16 @@
             <a:pPr lvl="1"/>
             <a:r>
               <a:rPr kumimoji="1" lang="ja-JP" altLang="en-US" dirty="0"/>
-              <a:t>日本語論文であっても，本来そのような曖昧さは排除すべき</a:t>
+              <a:t>誰が読んでも明確に意味が理解できる</a:t>
             </a:r>
             <a:endParaRPr kumimoji="1" lang="en-US" altLang="ja-JP" dirty="0"/>
-          </a:p>
-          <a:p>
-            <a:pPr lvl="1"/>
-            <a:r>
-              <a:rPr kumimoji="1" lang="ja-JP" altLang="en-US" dirty="0"/>
-              <a:t>多少冗長であっても，意味に紛れがないよう略さずにきちんと書くべき</a:t>
-            </a:r>
-            <a:endParaRPr kumimoji="1" lang="en-US" altLang="ja-JP" dirty="0"/>
-          </a:p>
-          <a:p>
-            <a:r>
-              <a:rPr kumimoji="1" lang="ja-JP" altLang="en-US" dirty="0">
-                <a:solidFill>
-                  <a:schemeClr val="accent5"/>
-                </a:solidFill>
-              </a:rPr>
-              <a:t>まず各文を確認して，主語や述語が欠けていないかを確認</a:t>
-            </a:r>
-            <a:endParaRPr kumimoji="1" lang="en-US" altLang="ja-JP" dirty="0">
-              <a:solidFill>
-                <a:schemeClr val="accent5"/>
-              </a:solidFill>
-            </a:endParaRPr>
-          </a:p>
-          <a:p>
-            <a:pPr lvl="1"/>
-            <a:r>
-              <a:rPr kumimoji="1" lang="ja-JP" altLang="en-US" dirty="0"/>
-              <a:t>自明な場合でも「それ」などを使った方がよい</a:t>
-            </a:r>
           </a:p>
         </p:txBody>
       </p:sp>
     </p:spTree>
     <p:extLst>
       <p:ext uri="{BB962C8B-B14F-4D97-AF65-F5344CB8AC3E}">
-        <p14:creationId xmlns:p14="http://schemas.microsoft.com/office/powerpoint/2010/main" val="902104713"/>
+        <p14:creationId xmlns:p14="http://schemas.microsoft.com/office/powerpoint/2010/main" val="1822019107"/>
       </p:ext>
     </p:extLst>
   </p:cSld>
@@ -4223,10 +4245,10 @@
       </p:grpSpPr>
       <p:sp>
         <p:nvSpPr>
-          <p:cNvPr id="6" name="タイトル 5">
-            <a:extLst>
-              <a:ext uri="{FF2B5EF4-FFF2-40B4-BE49-F238E27FC236}">
-                <a16:creationId xmlns:a16="http://schemas.microsoft.com/office/drawing/2014/main" id="{D44FC4B2-BE5F-0B62-A30B-6488B98CA7F1}"/>
+          <p:cNvPr id="2" name="タイトル 1">
+            <a:extLst>
+              <a:ext uri="{FF2B5EF4-FFF2-40B4-BE49-F238E27FC236}">
+                <a16:creationId xmlns:a16="http://schemas.microsoft.com/office/drawing/2014/main" id="{7015080F-9E79-6A62-8922-464CD13B906F}"/>
               </a:ext>
             </a:extLst>
           </p:cNvPr>
@@ -4243,23 +4265,101 @@
           <a:lstStyle/>
           <a:p>
             <a:r>
-              <a:rPr lang="ja-JP" altLang="en-US" dirty="0"/>
-              <a:t>文の接続</a:t>
-            </a:r>
-            <a:endParaRPr lang="en-US" dirty="0"/>
+              <a:rPr kumimoji="1" lang="en-US" altLang="ja-JP" dirty="0"/>
+              <a:t>2. </a:t>
+            </a:r>
+            <a:r>
+              <a:rPr kumimoji="1" lang="ja-JP" altLang="en-US" dirty="0"/>
+              <a:t>各文の主語や動詞，述語を明確にする</a:t>
+            </a:r>
+          </a:p>
+        </p:txBody>
+      </p:sp>
+      <p:sp>
+        <p:nvSpPr>
+          <p:cNvPr id="3" name="テキスト プレースホルダー 2">
+            <a:extLst>
+              <a:ext uri="{FF2B5EF4-FFF2-40B4-BE49-F238E27FC236}">
+                <a16:creationId xmlns:a16="http://schemas.microsoft.com/office/drawing/2014/main" id="{CFBEEDD7-1ABB-B544-39E1-C52AB828F23A}"/>
+              </a:ext>
+            </a:extLst>
+          </p:cNvPr>
+          <p:cNvSpPr>
+            <a:spLocks noGrp="1"/>
+          </p:cNvSpPr>
+          <p:nvPr>
+            <p:ph type="body" sz="quarter" idx="10"/>
+          </p:nvPr>
+        </p:nvSpPr>
+        <p:spPr/>
+        <p:txBody>
+          <a:bodyPr/>
+          <a:lstStyle/>
+          <a:p>
+            <a:r>
+              <a:rPr kumimoji="1" lang="ja-JP" altLang="en-US" dirty="0"/>
+              <a:t>日本語は主語や述語（目的語）を省略して書けてしまう</a:t>
+            </a:r>
+            <a:endParaRPr kumimoji="1" lang="en-US" altLang="ja-JP" dirty="0"/>
+          </a:p>
+          <a:p>
+            <a:pPr lvl="1"/>
+            <a:r>
+              <a:rPr kumimoji="1" lang="ja-JP" altLang="en-US" dirty="0"/>
+              <a:t>日本語論文であっても，本来そのような曖昧さは排除すべき</a:t>
+            </a:r>
+            <a:endParaRPr kumimoji="1" lang="en-US" altLang="ja-JP" dirty="0"/>
+          </a:p>
+          <a:p>
+            <a:pPr lvl="1"/>
+            <a:r>
+              <a:rPr kumimoji="1" lang="ja-JP" altLang="en-US" dirty="0"/>
+              <a:t>多少冗長であっても，意味に紛れがないよう略さずにきちんと書くべき</a:t>
+            </a:r>
+            <a:endParaRPr kumimoji="1" lang="en-US" altLang="ja-JP" dirty="0"/>
+          </a:p>
+          <a:p>
+            <a:r>
+              <a:rPr kumimoji="1" lang="ja-JP" altLang="en-US" dirty="0">
+                <a:solidFill>
+                  <a:schemeClr val="accent5"/>
+                </a:solidFill>
+              </a:rPr>
+              <a:t>まず各文を確認して，主語や述語が欠けていないかを確認</a:t>
+            </a:r>
+            <a:endParaRPr kumimoji="1" lang="en-US" altLang="ja-JP" dirty="0">
+              <a:solidFill>
+                <a:schemeClr val="accent5"/>
+              </a:solidFill>
+            </a:endParaRPr>
+          </a:p>
+          <a:p>
+            <a:pPr lvl="1"/>
+            <a:r>
+              <a:rPr kumimoji="1" lang="ja-JP" altLang="en-US" dirty="0"/>
+              <a:t>自明な場合でも「それ」などを使った方がよい</a:t>
+            </a:r>
           </a:p>
         </p:txBody>
       </p:sp>
     </p:spTree>
     <p:extLst>
       <p:ext uri="{BB962C8B-B14F-4D97-AF65-F5344CB8AC3E}">
-        <p14:creationId xmlns:p14="http://schemas.microsoft.com/office/powerpoint/2010/main" val="1455509777"/>
+        <p14:creationId xmlns:p14="http://schemas.microsoft.com/office/powerpoint/2010/main" val="902104713"/>
       </p:ext>
     </p:extLst>
   </p:cSld>
   <p:clrMapOvr>
     <a:masterClrMapping/>
   </p:clrMapOvr>
+  <mc:AlternateContent xmlns:mc="http://schemas.openxmlformats.org/markup-compatibility/2006" xmlns:p14="http://schemas.microsoft.com/office/powerpoint/2010/main">
+    <mc:Choice Requires="p14">
+      <p:transition p14:dur="10"/>
+    </mc:Choice>
+    <mc:Fallback xmlns="">
+      <p:transition/>
+    </mc:Fallback>
+  </mc:AlternateContent>
 </p:sld>
 </file>
 
@@ -4282,10 +4382,10 @@
       </p:grpSpPr>
       <p:sp>
         <p:nvSpPr>
-          <p:cNvPr id="2" name="タイトル 1">
-            <a:extLst>
-              <a:ext uri="{FF2B5EF4-FFF2-40B4-BE49-F238E27FC236}">
-                <a16:creationId xmlns:a16="http://schemas.microsoft.com/office/drawing/2014/main" id="{29EE214D-6E7A-0357-0756-680B63295B42}"/>
+          <p:cNvPr id="6" name="タイトル 5">
+            <a:extLst>
+              <a:ext uri="{FF2B5EF4-FFF2-40B4-BE49-F238E27FC236}">
+                <a16:creationId xmlns:a16="http://schemas.microsoft.com/office/drawing/2014/main" id="{D44FC4B2-BE5F-0B62-A30B-6488B98CA7F1}"/>
               </a:ext>
             </a:extLst>
           </p:cNvPr>
@@ -4303,145 +4403,22 @@
           <a:p>
             <a:r>
               <a:rPr lang="ja-JP" altLang="en-US" dirty="0"/>
-              <a:t>文の接続の基本１：古い情報と新しい情報</a:t>
-            </a:r>
-            <a:endParaRPr kumimoji="1" lang="ja-JP" altLang="en-US" dirty="0"/>
-          </a:p>
-        </p:txBody>
-      </p:sp>
-      <p:sp>
-        <p:nvSpPr>
-          <p:cNvPr id="3" name="テキスト プレースホルダー 2">
-            <a:extLst>
-              <a:ext uri="{FF2B5EF4-FFF2-40B4-BE49-F238E27FC236}">
-                <a16:creationId xmlns:a16="http://schemas.microsoft.com/office/drawing/2014/main" id="{73E7C1C9-4BB8-6905-4AC9-D99FB1224F57}"/>
-              </a:ext>
-            </a:extLst>
-          </p:cNvPr>
-          <p:cNvSpPr>
-            <a:spLocks noGrp="1"/>
-          </p:cNvSpPr>
-          <p:nvPr>
-            <p:ph type="body" sz="quarter" idx="10"/>
-          </p:nvPr>
-        </p:nvSpPr>
-        <p:spPr/>
-        <p:txBody>
-          <a:bodyPr/>
-          <a:lstStyle/>
-          <a:p>
-            <a:r>
-              <a:rPr lang="ja-JP" altLang="en-US" dirty="0">
-                <a:solidFill>
-                  <a:schemeClr val="accent5"/>
-                </a:solidFill>
-              </a:rPr>
-              <a:t>文や文章は「古い情報」に「新しい情報」を結びつける</a:t>
-            </a:r>
-            <a:endParaRPr lang="en-US" altLang="ja-JP" dirty="0">
-              <a:solidFill>
-                <a:schemeClr val="accent5"/>
-              </a:solidFill>
-            </a:endParaRPr>
-          </a:p>
-          <a:p>
-            <a:pPr lvl="1"/>
-            <a:r>
-              <a:rPr kumimoji="1" lang="ja-JP" altLang="en-US" dirty="0"/>
-              <a:t>古い情報：</a:t>
-            </a:r>
-            <a:endParaRPr kumimoji="1" lang="en-US" altLang="ja-JP" dirty="0"/>
-          </a:p>
-          <a:p>
-            <a:pPr lvl="2"/>
-            <a:r>
-              <a:rPr kumimoji="1" lang="ja-JP" altLang="en-US" dirty="0"/>
-              <a:t>その文までに文章中に出てきた情報</a:t>
-            </a:r>
-            <a:endParaRPr kumimoji="1" lang="en-US" altLang="ja-JP" dirty="0"/>
-          </a:p>
-          <a:p>
-            <a:pPr lvl="2"/>
-            <a:r>
-              <a:rPr kumimoji="1" lang="ja-JP" altLang="en-US" dirty="0"/>
-              <a:t>読者が元から知っている（と想定できる）情報</a:t>
-            </a:r>
-            <a:endParaRPr kumimoji="1" lang="en-US" altLang="ja-JP" dirty="0"/>
-          </a:p>
-          <a:p>
-            <a:pPr lvl="1"/>
-            <a:r>
-              <a:rPr lang="ja-JP" altLang="en-US" dirty="0"/>
-              <a:t>新しい情報：</a:t>
-            </a:r>
-            <a:endParaRPr lang="en-US" altLang="ja-JP" dirty="0"/>
-          </a:p>
-          <a:p>
-            <a:pPr lvl="2"/>
-            <a:r>
-              <a:rPr lang="ja-JP" altLang="en-US" dirty="0"/>
-              <a:t>まだ文章中に出てきていない情報</a:t>
-            </a:r>
-            <a:endParaRPr lang="en-US" altLang="ja-JP" dirty="0"/>
-          </a:p>
-          <a:p>
-            <a:r>
-              <a:rPr kumimoji="1" lang="ja-JP" altLang="en-US" dirty="0"/>
-              <a:t>文章の構造：</a:t>
-            </a:r>
-            <a:endParaRPr kumimoji="1" lang="en-US" altLang="ja-JP" dirty="0"/>
-          </a:p>
-          <a:p>
-            <a:pPr lvl="1"/>
-            <a:r>
-              <a:rPr lang="ja-JP" altLang="en-US" dirty="0"/>
-              <a:t>個々の文によって新しい情報を少しずつ足す</a:t>
-            </a:r>
-            <a:endParaRPr lang="en-US" altLang="ja-JP" dirty="0"/>
-          </a:p>
-          <a:p>
-            <a:pPr lvl="1"/>
-            <a:r>
-              <a:rPr lang="ja-JP" altLang="en-US" dirty="0"/>
-              <a:t>文の集まりである文章により大きな新しい情報を表現する</a:t>
-            </a:r>
-            <a:endParaRPr kumimoji="1" lang="en-US" altLang="ja-JP" dirty="0"/>
-          </a:p>
-          <a:p>
-            <a:r>
-              <a:rPr lang="ja-JP" altLang="en-US" dirty="0">
-                <a:solidFill>
-                  <a:schemeClr val="accent5"/>
-                </a:solidFill>
-              </a:rPr>
-              <a:t>「古い情報」を一切含まない文は基本的に文章中に現れない</a:t>
-            </a:r>
-            <a:endParaRPr kumimoji="1" lang="ja-JP" altLang="en-US" dirty="0">
-              <a:solidFill>
-                <a:schemeClr val="accent5"/>
-              </a:solidFill>
-            </a:endParaRPr>
+              <a:t>文の接続</a:t>
+            </a:r>
+            <a:endParaRPr lang="en-US" dirty="0"/>
           </a:p>
         </p:txBody>
       </p:sp>
     </p:spTree>
     <p:extLst>
       <p:ext uri="{BB962C8B-B14F-4D97-AF65-F5344CB8AC3E}">
-        <p14:creationId xmlns:p14="http://schemas.microsoft.com/office/powerpoint/2010/main" val="2172065855"/>
+        <p14:creationId xmlns:p14="http://schemas.microsoft.com/office/powerpoint/2010/main" val="1455509777"/>
       </p:ext>
     </p:extLst>
   </p:cSld>
   <p:clrMapOvr>
     <a:masterClrMapping/>
   </p:clrMapOvr>
-  <mc:AlternateContent xmlns:mc="http://schemas.openxmlformats.org/markup-compatibility/2006" xmlns:p14="http://schemas.microsoft.com/office/powerpoint/2010/main">
-    <mc:Choice Requires="p14">
-      <p:transition p14:dur="10"/>
-    </mc:Choice>
-    <mc:Fallback xmlns="">
-      <p:transition/>
-    </mc:Fallback>
-  </mc:AlternateContent>
 </p:sld>
 </file>
 
@@ -4485,7 +4462,7 @@
           <a:p>
             <a:r>
               <a:rPr lang="ja-JP" altLang="en-US" dirty="0"/>
-              <a:t>文の接続の基本２：概観から詳細へ</a:t>
+              <a:t>文の接続の基本１：古い情報と新しい情報</a:t>
             </a:r>
             <a:endParaRPr kumimoji="1" lang="ja-JP" altLang="en-US" dirty="0"/>
           </a:p>
@@ -4513,14 +4490,14 @@
           <a:lstStyle/>
           <a:p>
             <a:r>
-              <a:rPr kumimoji="1" lang="ja-JP" altLang="en-US" dirty="0">
+              <a:rPr lang="ja-JP" altLang="en-US" dirty="0">
                 <a:solidFill>
                   <a:schemeClr val="accent5"/>
                 </a:solidFill>
               </a:rPr>
-              <a:t>概観を先に話してから，その詳細を次に話すのが鉄則</a:t>
-            </a:r>
-            <a:endParaRPr kumimoji="1" lang="en-US" altLang="ja-JP" dirty="0">
+              <a:t>文や文章は「古い情報」に「新しい情報」を結びつける</a:t>
+            </a:r>
+            <a:endParaRPr lang="en-US" altLang="ja-JP" dirty="0">
               <a:solidFill>
                 <a:schemeClr val="accent5"/>
               </a:solidFill>
@@ -4530,7 +4507,7 @@
             <a:pPr lvl="1"/>
             <a:r>
               <a:rPr kumimoji="1" lang="ja-JP" altLang="en-US" dirty="0"/>
-              <a:t>概観の例</a:t>
+              <a:t>古い情報：</a:t>
             </a:r>
             <a:endParaRPr kumimoji="1" lang="en-US" altLang="ja-JP" dirty="0"/>
           </a:p>
@@ -4538,7 +4515,7 @@
             <a:pPr lvl="2"/>
             <a:r>
               <a:rPr kumimoji="1" lang="ja-JP" altLang="en-US" dirty="0"/>
-              <a:t>おおざっぱに一言で言うとどう言う事か</a:t>
+              <a:t>その文までに文章中に出てきた情報</a:t>
             </a:r>
             <a:endParaRPr kumimoji="1" lang="en-US" altLang="ja-JP" dirty="0"/>
           </a:p>
@@ -4546,55 +4523,70 @@
             <a:pPr lvl="2"/>
             <a:r>
               <a:rPr kumimoji="1" lang="ja-JP" altLang="en-US" dirty="0"/>
-              <a:t>なんの話題についてか</a:t>
+              <a:t>読者が元から知っている（と想定できる）情報</a:t>
             </a:r>
             <a:endParaRPr kumimoji="1" lang="en-US" altLang="ja-JP" dirty="0"/>
           </a:p>
           <a:p>
             <a:pPr lvl="1"/>
             <a:r>
+              <a:rPr lang="ja-JP" altLang="en-US" dirty="0"/>
+              <a:t>新しい情報：</a:t>
+            </a:r>
+            <a:endParaRPr lang="en-US" altLang="ja-JP" dirty="0"/>
+          </a:p>
+          <a:p>
+            <a:pPr lvl="2"/>
+            <a:r>
+              <a:rPr lang="ja-JP" altLang="en-US" dirty="0"/>
+              <a:t>まだ文章中に出てきていない情報</a:t>
+            </a:r>
+            <a:endParaRPr lang="en-US" altLang="ja-JP" dirty="0"/>
+          </a:p>
+          <a:p>
+            <a:r>
               <a:rPr kumimoji="1" lang="ja-JP" altLang="en-US" dirty="0"/>
-              <a:t>詳細の例</a:t>
+              <a:t>文章の構造：</a:t>
             </a:r>
             <a:endParaRPr kumimoji="1" lang="en-US" altLang="ja-JP" dirty="0"/>
           </a:p>
           <a:p>
-            <a:pPr lvl="2"/>
-            <a:r>
-              <a:rPr kumimoji="1" lang="ja-JP" altLang="en-US" dirty="0"/>
-              <a:t>一言で言った内容の理由や内訳など</a:t>
+            <a:pPr lvl="1"/>
+            <a:r>
+              <a:rPr lang="ja-JP" altLang="en-US" dirty="0"/>
+              <a:t>個々の文によって新しい情報を少しずつ足す</a:t>
+            </a:r>
+            <a:endParaRPr lang="en-US" altLang="ja-JP" dirty="0"/>
+          </a:p>
+          <a:p>
+            <a:pPr lvl="1"/>
+            <a:r>
+              <a:rPr lang="ja-JP" altLang="en-US" dirty="0"/>
+              <a:t>文の集まりである文章により大きな新しい情報を表現する</a:t>
             </a:r>
             <a:endParaRPr kumimoji="1" lang="en-US" altLang="ja-JP" dirty="0"/>
           </a:p>
           <a:p>
             <a:r>
-              <a:rPr kumimoji="1" lang="ja-JP" altLang="en-US" dirty="0"/>
-              <a:t>逆にしてしまいがち</a:t>
-            </a:r>
-            <a:endParaRPr kumimoji="1" lang="en-US" altLang="ja-JP" dirty="0"/>
-          </a:p>
-          <a:p>
-            <a:pPr lvl="1"/>
-            <a:r>
-              <a:rPr kumimoji="1" lang="ja-JP" altLang="en-US" dirty="0"/>
-              <a:t>逆にすると，最後まで読むと意味が繋がって わかる文になる</a:t>
-            </a:r>
-            <a:endParaRPr kumimoji="1" lang="en-US" altLang="ja-JP" dirty="0"/>
-          </a:p>
-          <a:p>
-            <a:pPr lvl="1"/>
-            <a:r>
-              <a:rPr kumimoji="1" lang="ja-JP" altLang="en-US" dirty="0"/>
-              <a:t>これは脳内に情報を全部スタックしておく必要があり，非常にわかりにくい</a:t>
-            </a:r>
-            <a:endParaRPr kumimoji="1" lang="en-US" altLang="ja-JP" dirty="0"/>
+              <a:rPr lang="ja-JP" altLang="en-US" dirty="0">
+                <a:solidFill>
+                  <a:schemeClr val="accent5"/>
+                </a:solidFill>
+              </a:rPr>
+              <a:t>「古い情報」を一切含まない文は基本的に文章中に現れない</a:t>
+            </a:r>
+            <a:endParaRPr kumimoji="1" lang="ja-JP" altLang="en-US" dirty="0">
+              <a:solidFill>
+                <a:schemeClr val="accent5"/>
+              </a:solidFill>
+            </a:endParaRPr>
           </a:p>
         </p:txBody>
       </p:sp>
     </p:spTree>
     <p:extLst>
       <p:ext uri="{BB962C8B-B14F-4D97-AF65-F5344CB8AC3E}">
-        <p14:creationId xmlns:p14="http://schemas.microsoft.com/office/powerpoint/2010/main" val="3682535709"/>
+        <p14:creationId xmlns:p14="http://schemas.microsoft.com/office/powerpoint/2010/main" val="2172065855"/>
       </p:ext>
     </p:extLst>
   </p:cSld>
@@ -4726,7 +4718,7 @@
           <p:cNvPr id="2" name="タイトル 1">
             <a:extLst>
               <a:ext uri="{FF2B5EF4-FFF2-40B4-BE49-F238E27FC236}">
-                <a16:creationId xmlns:a16="http://schemas.microsoft.com/office/drawing/2014/main" id="{91D89DC0-3FD1-AEAA-2E43-17FD95F7ABA3}"/>
+                <a16:creationId xmlns:a16="http://schemas.microsoft.com/office/drawing/2014/main" id="{29EE214D-6E7A-0357-0756-680B63295B42}"/>
               </a:ext>
             </a:extLst>
           </p:cNvPr>
@@ -4743,9 +4735,10 @@
           <a:lstStyle/>
           <a:p>
             <a:r>
-              <a:rPr kumimoji="1" lang="ja-JP" altLang="en-US" dirty="0"/>
-              <a:t>各文を適切に接続する</a:t>
-            </a:r>
+              <a:rPr lang="ja-JP" altLang="en-US" dirty="0"/>
+              <a:t>文の接続の基本２：概観から詳細へ</a:t>
+            </a:r>
+            <a:endParaRPr kumimoji="1" lang="ja-JP" altLang="en-US" dirty="0"/>
           </a:p>
         </p:txBody>
       </p:sp>
@@ -4754,7 +4747,7 @@
           <p:cNvPr id="3" name="テキスト プレースホルダー 2">
             <a:extLst>
               <a:ext uri="{FF2B5EF4-FFF2-40B4-BE49-F238E27FC236}">
-                <a16:creationId xmlns:a16="http://schemas.microsoft.com/office/drawing/2014/main" id="{5BC3025A-7B01-BA2E-4B61-9B87B1743DAB}"/>
+                <a16:creationId xmlns:a16="http://schemas.microsoft.com/office/drawing/2014/main" id="{73E7C1C9-4BB8-6905-4AC9-D99FB1224F57}"/>
               </a:ext>
             </a:extLst>
           </p:cNvPr>
@@ -4771,76 +4764,79 @@
           <a:lstStyle/>
           <a:p>
             <a:r>
+              <a:rPr kumimoji="1" lang="ja-JP" altLang="en-US" dirty="0">
+                <a:solidFill>
+                  <a:schemeClr val="accent5"/>
+                </a:solidFill>
+              </a:rPr>
+              <a:t>概観を先に話してから，その詳細を次に話すのが鉄則</a:t>
+            </a:r>
+            <a:endParaRPr kumimoji="1" lang="en-US" altLang="ja-JP" dirty="0">
+              <a:solidFill>
+                <a:schemeClr val="accent5"/>
+              </a:solidFill>
+            </a:endParaRPr>
+          </a:p>
+          <a:p>
+            <a:pPr lvl="1"/>
+            <a:r>
               <a:rPr kumimoji="1" lang="ja-JP" altLang="en-US" dirty="0"/>
-              <a:t>なにも考えずに文を短くするとぶつ切れになる</a:t>
+              <a:t>概観の例</a:t>
             </a:r>
             <a:endParaRPr kumimoji="1" lang="en-US" altLang="ja-JP" dirty="0"/>
           </a:p>
           <a:p>
+            <a:pPr lvl="2"/>
+            <a:r>
+              <a:rPr kumimoji="1" lang="ja-JP" altLang="en-US" dirty="0"/>
+              <a:t>おおざっぱに一言で言うとどう言う事か</a:t>
+            </a:r>
+            <a:endParaRPr kumimoji="1" lang="en-US" altLang="ja-JP" dirty="0"/>
+          </a:p>
+          <a:p>
+            <a:pPr lvl="2"/>
+            <a:r>
+              <a:rPr kumimoji="1" lang="ja-JP" altLang="en-US" dirty="0"/>
+              <a:t>なんの話題についてか</a:t>
+            </a:r>
+            <a:endParaRPr kumimoji="1" lang="en-US" altLang="ja-JP" dirty="0"/>
+          </a:p>
+          <a:p>
             <a:pPr lvl="1"/>
             <a:r>
               <a:rPr kumimoji="1" lang="ja-JP" altLang="en-US" dirty="0"/>
-              <a:t>元々なんとなく繋がっていた気がしていただけで，</a:t>
-            </a:r>
-            <a:br>
-              <a:rPr kumimoji="1" lang="en-US" altLang="ja-JP" dirty="0"/>
-            </a:br>
+              <a:t>詳細の例</a:t>
+            </a:r>
+            <a:endParaRPr kumimoji="1" lang="en-US" altLang="ja-JP" dirty="0"/>
+          </a:p>
+          <a:p>
+            <a:pPr lvl="2"/>
             <a:r>
               <a:rPr kumimoji="1" lang="ja-JP" altLang="en-US" dirty="0"/>
-              <a:t>実は論理的に接続されていないとこうなりがち</a:t>
+              <a:t>一言で言った内容の理由や内訳など</a:t>
             </a:r>
             <a:endParaRPr kumimoji="1" lang="en-US" altLang="ja-JP" dirty="0"/>
           </a:p>
           <a:p>
             <a:r>
               <a:rPr kumimoji="1" lang="ja-JP" altLang="en-US" dirty="0"/>
-              <a:t>文同士を接続する方法</a:t>
+              <a:t>逆にしてしまいがち</a:t>
             </a:r>
             <a:endParaRPr kumimoji="1" lang="en-US" altLang="ja-JP" dirty="0"/>
           </a:p>
           <a:p>
-            <a:pPr marL="817200" lvl="1" indent="-457200">
-              <a:buFont typeface="+mj-lt"/>
-              <a:buAutoNum type="arabicPeriod"/>
-            </a:pPr>
+            <a:pPr lvl="1"/>
             <a:r>
               <a:rPr kumimoji="1" lang="ja-JP" altLang="en-US" dirty="0"/>
-              <a:t>接続詞を適切に入れる</a:t>
+              <a:t>逆にすると，最後まで読むと意味が繋がって わかる文になる</a:t>
             </a:r>
             <a:endParaRPr kumimoji="1" lang="en-US" altLang="ja-JP" dirty="0"/>
           </a:p>
           <a:p>
-            <a:pPr lvl="2"/>
+            <a:pPr lvl="1"/>
             <a:r>
               <a:rPr kumimoji="1" lang="ja-JP" altLang="en-US" dirty="0"/>
-              <a:t>「したがって」</a:t>
-            </a:r>
-            <a:endParaRPr kumimoji="1" lang="en-US" altLang="ja-JP" dirty="0"/>
-          </a:p>
-          <a:p>
-            <a:pPr lvl="2"/>
-            <a:r>
-              <a:rPr kumimoji="1" lang="ja-JP" altLang="en-US" dirty="0"/>
-              <a:t>「なぜなら」</a:t>
-            </a:r>
-            <a:endParaRPr kumimoji="1" lang="en-US" altLang="ja-JP" dirty="0"/>
-          </a:p>
-          <a:p>
-            <a:pPr lvl="2"/>
-            <a:r>
-              <a:rPr kumimoji="1" lang="ja-JP" altLang="en-US" dirty="0"/>
-              <a:t>「しかし」</a:t>
-            </a:r>
-            <a:endParaRPr kumimoji="1" lang="en-US" altLang="ja-JP" dirty="0"/>
-          </a:p>
-          <a:p>
-            <a:pPr marL="817200" lvl="1" indent="-457200">
-              <a:buFont typeface="+mj-lt"/>
-              <a:buAutoNum type="arabicPeriod"/>
-            </a:pPr>
-            <a:r>
-              <a:rPr kumimoji="1" lang="ja-JP" altLang="en-US" dirty="0"/>
-              <a:t>文内の論理的な繋がりを使う</a:t>
+              <a:t>これは脳内に情報を全部スタックしておく必要があり，非常にわかりにくい</a:t>
             </a:r>
             <a:endParaRPr kumimoji="1" lang="en-US" altLang="ja-JP" dirty="0"/>
           </a:p>
@@ -4849,7 +4845,7 @@
     </p:spTree>
     <p:extLst>
       <p:ext uri="{BB962C8B-B14F-4D97-AF65-F5344CB8AC3E}">
-        <p14:creationId xmlns:p14="http://schemas.microsoft.com/office/powerpoint/2010/main" val="308663371"/>
+        <p14:creationId xmlns:p14="http://schemas.microsoft.com/office/powerpoint/2010/main" val="3682535709"/>
       </p:ext>
     </p:extLst>
   </p:cSld>
@@ -4889,7 +4885,7 @@
           <p:cNvPr id="2" name="タイトル 1">
             <a:extLst>
               <a:ext uri="{FF2B5EF4-FFF2-40B4-BE49-F238E27FC236}">
-                <a16:creationId xmlns:a16="http://schemas.microsoft.com/office/drawing/2014/main" id="{0AA3E805-C8B0-4B62-0EE7-64CFD041C187}"/>
+                <a16:creationId xmlns:a16="http://schemas.microsoft.com/office/drawing/2014/main" id="{91D89DC0-3FD1-AEAA-2E43-17FD95F7ABA3}"/>
               </a:ext>
             </a:extLst>
           </p:cNvPr>
@@ -4907,7 +4903,7 @@
           <a:p>
             <a:r>
               <a:rPr kumimoji="1" lang="ja-JP" altLang="en-US" dirty="0"/>
-              <a:t>論理的な繋がりを使った文の接続１</a:t>
+              <a:t>各文を適切に接続する</a:t>
             </a:r>
           </a:p>
         </p:txBody>
@@ -4917,7 +4913,7 @@
           <p:cNvPr id="3" name="テキスト プレースホルダー 2">
             <a:extLst>
               <a:ext uri="{FF2B5EF4-FFF2-40B4-BE49-F238E27FC236}">
-                <a16:creationId xmlns:a16="http://schemas.microsoft.com/office/drawing/2014/main" id="{60ADC020-2198-50F1-6F94-34B8CBB0F2D4}"/>
+                <a16:creationId xmlns:a16="http://schemas.microsoft.com/office/drawing/2014/main" id="{5BC3025A-7B01-BA2E-4B61-9B87B1743DAB}"/>
               </a:ext>
             </a:extLst>
           </p:cNvPr>
@@ -4934,172 +4930,85 @@
           <a:lstStyle/>
           <a:p>
             <a:r>
-              <a:rPr kumimoji="1" lang="ja-JP" altLang="en-US" sz="1800" dirty="0">
-                <a:solidFill>
-                  <a:schemeClr val="accent5"/>
-                </a:solidFill>
-              </a:rPr>
-              <a:t>そこより前の文に出てくる単語や事象を入れると自然に繋がる</a:t>
-            </a:r>
-            <a:endParaRPr kumimoji="1" lang="en-US" altLang="ja-JP" sz="1800" dirty="0">
-              <a:solidFill>
-                <a:schemeClr val="accent5"/>
-              </a:solidFill>
-            </a:endParaRPr>
+              <a:rPr kumimoji="1" lang="ja-JP" altLang="en-US" dirty="0"/>
+              <a:t>なにも考えずに文を短くするとぶつ切れになる</a:t>
+            </a:r>
+            <a:endParaRPr kumimoji="1" lang="en-US" altLang="ja-JP" dirty="0"/>
           </a:p>
           <a:p>
             <a:pPr lvl="1"/>
             <a:r>
-              <a:rPr kumimoji="1" lang="ja-JP" altLang="en-US" sz="1800" dirty="0"/>
-              <a:t>そこまでの文の内容に新しい情報を付け足す形にする</a:t>
-            </a:r>
-            <a:endParaRPr kumimoji="1" lang="en-US" altLang="ja-JP" sz="1800" dirty="0"/>
-          </a:p>
-          <a:p>
-            <a:r>
-              <a:rPr kumimoji="1" lang="ja-JP" altLang="en-US" sz="1800" dirty="0"/>
-              <a:t>「</a:t>
-            </a:r>
-            <a:r>
-              <a:rPr kumimoji="1" lang="en-US" altLang="ja-JP" sz="1800" dirty="0"/>
-              <a:t>A </a:t>
-            </a:r>
-            <a:r>
-              <a:rPr kumimoji="1" lang="ja-JP" altLang="en-US" sz="1800" dirty="0"/>
-              <a:t>は </a:t>
-            </a:r>
-            <a:r>
-              <a:rPr kumimoji="1" lang="en-US" altLang="ja-JP" sz="1800" dirty="0"/>
-              <a:t>B </a:t>
-            </a:r>
-            <a:r>
-              <a:rPr kumimoji="1" lang="ja-JP" altLang="en-US" sz="1800" dirty="0"/>
-              <a:t>である．なぜなら </a:t>
-            </a:r>
-            <a:r>
-              <a:rPr lang="en-US" altLang="ja-JP" sz="1800" dirty="0"/>
-              <a:t>B </a:t>
-            </a:r>
-            <a:r>
-              <a:rPr lang="ja-JP" altLang="en-US" sz="1800" dirty="0"/>
-              <a:t>は </a:t>
-            </a:r>
-            <a:r>
-              <a:rPr lang="en-US" altLang="ja-JP" sz="1800" dirty="0"/>
-              <a:t>C </a:t>
-            </a:r>
-            <a:r>
-              <a:rPr lang="ja-JP" altLang="en-US" sz="1800" dirty="0"/>
-              <a:t>だからだ</a:t>
-            </a:r>
-            <a:r>
-              <a:rPr kumimoji="1" lang="ja-JP" altLang="en-US" sz="1800" dirty="0"/>
-              <a:t>」の後に繋げる文を考える</a:t>
-            </a:r>
-            <a:endParaRPr kumimoji="1" lang="en-US" altLang="ja-JP" sz="1800" dirty="0"/>
-          </a:p>
-          <a:p>
-            <a:pPr lvl="1"/>
-            <a:r>
-              <a:rPr kumimoji="1" lang="ja-JP" altLang="en-US" sz="1800" dirty="0"/>
-              <a:t>良い例：</a:t>
-            </a:r>
-            <a:endParaRPr kumimoji="1" lang="en-US" altLang="ja-JP" sz="1800" dirty="0"/>
+              <a:rPr kumimoji="1" lang="ja-JP" altLang="en-US" dirty="0"/>
+              <a:t>元々なんとなく繋がっていた気がしていただけで，</a:t>
+            </a:r>
+            <a:br>
+              <a:rPr kumimoji="1" lang="en-US" altLang="ja-JP" dirty="0"/>
+            </a:br>
+            <a:r>
+              <a:rPr kumimoji="1" lang="ja-JP" altLang="en-US" dirty="0"/>
+              <a:t>実は論理的に接続されていないとこうなりがち</a:t>
+            </a:r>
+            <a:endParaRPr kumimoji="1" lang="en-US" altLang="ja-JP" dirty="0"/>
+          </a:p>
+          <a:p>
+            <a:r>
+              <a:rPr kumimoji="1" lang="ja-JP" altLang="en-US" dirty="0"/>
+              <a:t>文同士を接続する方法</a:t>
+            </a:r>
+            <a:endParaRPr kumimoji="1" lang="en-US" altLang="ja-JP" dirty="0"/>
+          </a:p>
+          <a:p>
+            <a:pPr marL="817200" lvl="1" indent="-457200">
+              <a:buFont typeface="+mj-lt"/>
+              <a:buAutoNum type="arabicPeriod"/>
+            </a:pPr>
+            <a:r>
+              <a:rPr kumimoji="1" lang="ja-JP" altLang="en-US" dirty="0"/>
+              <a:t>接続詞を適切に入れる</a:t>
+            </a:r>
+            <a:endParaRPr kumimoji="1" lang="en-US" altLang="ja-JP" dirty="0"/>
           </a:p>
           <a:p>
             <a:pPr lvl="2"/>
             <a:r>
-              <a:rPr kumimoji="1" lang="ja-JP" altLang="en-US" sz="1800" dirty="0"/>
-              <a:t>「この </a:t>
-            </a:r>
-            <a:r>
-              <a:rPr kumimoji="1" lang="en-US" altLang="ja-JP" sz="1800" dirty="0"/>
-              <a:t>B </a:t>
-            </a:r>
-            <a:r>
-              <a:rPr kumimoji="1" lang="ja-JP" altLang="en-US" sz="1800" dirty="0"/>
-              <a:t>は～という性質をもつ」</a:t>
-            </a:r>
-            <a:endParaRPr kumimoji="1" lang="en-US" altLang="ja-JP" sz="1800" dirty="0"/>
+              <a:rPr kumimoji="1" lang="ja-JP" altLang="en-US" dirty="0"/>
+              <a:t>「したがって」</a:t>
+            </a:r>
+            <a:endParaRPr kumimoji="1" lang="en-US" altLang="ja-JP" dirty="0"/>
           </a:p>
           <a:p>
             <a:pPr lvl="2"/>
             <a:r>
-              <a:rPr kumimoji="1" lang="ja-JP" altLang="en-US" sz="1800" dirty="0"/>
-              <a:t>「この </a:t>
-            </a:r>
-            <a:r>
-              <a:rPr kumimoji="1" lang="en-US" altLang="ja-JP" sz="1800" dirty="0"/>
-              <a:t>C </a:t>
-            </a:r>
-            <a:r>
-              <a:rPr kumimoji="1" lang="ja-JP" altLang="en-US" sz="1800" dirty="0"/>
-              <a:t>は一般に </a:t>
-            </a:r>
-            <a:r>
-              <a:rPr kumimoji="1" lang="en-US" altLang="ja-JP" sz="1800" dirty="0"/>
-              <a:t>D </a:t>
-            </a:r>
-            <a:r>
-              <a:rPr kumimoji="1" lang="ja-JP" altLang="en-US" sz="1800" dirty="0"/>
-              <a:t>である」</a:t>
-            </a:r>
-            <a:endParaRPr kumimoji="1" lang="en-US" altLang="ja-JP" sz="1800" dirty="0"/>
-          </a:p>
-          <a:p>
-            <a:pPr lvl="1"/>
-            <a:r>
-              <a:rPr kumimoji="1" lang="ja-JP" altLang="en-US" sz="1800" dirty="0"/>
-              <a:t>だめな例：</a:t>
-            </a:r>
-            <a:endParaRPr kumimoji="1" lang="en-US" altLang="ja-JP" sz="1800" dirty="0"/>
+              <a:rPr kumimoji="1" lang="ja-JP" altLang="en-US" dirty="0"/>
+              <a:t>「なぜなら」</a:t>
+            </a:r>
+            <a:endParaRPr kumimoji="1" lang="en-US" altLang="ja-JP" dirty="0"/>
           </a:p>
           <a:p>
             <a:pPr lvl="2"/>
             <a:r>
-              <a:rPr kumimoji="1" lang="ja-JP" altLang="en-US" sz="1800" dirty="0"/>
-              <a:t>「</a:t>
-            </a:r>
-            <a:r>
-              <a:rPr kumimoji="1" lang="en-US" altLang="ja-JP" sz="1800" dirty="0"/>
-              <a:t>E </a:t>
-            </a:r>
-            <a:r>
-              <a:rPr kumimoji="1" lang="ja-JP" altLang="en-US" sz="1800" dirty="0"/>
-              <a:t>は </a:t>
-            </a:r>
-            <a:r>
-              <a:rPr kumimoji="1" lang="en-US" altLang="ja-JP" sz="1800" dirty="0"/>
-              <a:t>F </a:t>
-            </a:r>
-            <a:r>
-              <a:rPr kumimoji="1" lang="ja-JP" altLang="en-US" sz="1800" dirty="0"/>
-              <a:t>である」（</a:t>
-            </a:r>
-            <a:r>
-              <a:rPr kumimoji="1" lang="en-US" altLang="ja-JP" sz="1800" dirty="0"/>
-              <a:t>E </a:t>
-            </a:r>
-            <a:r>
-              <a:rPr kumimoji="1" lang="ja-JP" altLang="en-US" sz="1800" dirty="0"/>
-              <a:t>も </a:t>
-            </a:r>
-            <a:r>
-              <a:rPr kumimoji="1" lang="en-US" altLang="ja-JP" sz="1800" dirty="0"/>
-              <a:t>F </a:t>
-            </a:r>
-            <a:r>
-              <a:rPr kumimoji="1" lang="ja-JP" altLang="en-US" sz="1800" dirty="0"/>
-              <a:t>も初登場なので繋がってない）</a:t>
-            </a:r>
-            <a:endParaRPr kumimoji="1" lang="en-US" altLang="ja-JP" sz="1800" dirty="0"/>
+              <a:rPr kumimoji="1" lang="ja-JP" altLang="en-US" dirty="0"/>
+              <a:t>「しかし」</a:t>
+            </a:r>
+            <a:endParaRPr kumimoji="1" lang="en-US" altLang="ja-JP" dirty="0"/>
+          </a:p>
+          <a:p>
+            <a:pPr marL="817200" lvl="1" indent="-457200">
+              <a:buFont typeface="+mj-lt"/>
+              <a:buAutoNum type="arabicPeriod"/>
+            </a:pPr>
+            <a:r>
+              <a:rPr kumimoji="1" lang="ja-JP" altLang="en-US" dirty="0"/>
+              <a:t>文内の論理的な繋がりを使う</a:t>
+            </a:r>
+            <a:endParaRPr kumimoji="1" lang="en-US" altLang="ja-JP" dirty="0"/>
           </a:p>
         </p:txBody>
       </p:sp>
     </p:spTree>
     <p:extLst>
       <p:ext uri="{BB962C8B-B14F-4D97-AF65-F5344CB8AC3E}">
-        <p14:creationId xmlns:p14="http://schemas.microsoft.com/office/powerpoint/2010/main" val="1530409555"/>
+        <p14:creationId xmlns:p14="http://schemas.microsoft.com/office/powerpoint/2010/main" val="308663371"/>
       </p:ext>
     </p:extLst>
   </p:cSld>
@@ -5157,7 +5066,7 @@
           <a:p>
             <a:r>
               <a:rPr kumimoji="1" lang="ja-JP" altLang="en-US" dirty="0"/>
-              <a:t>論理的な繋がりを使った文の接続２</a:t>
+              <a:t>論理的な繋がりを使った文の接続１</a:t>
             </a:r>
           </a:p>
         </p:txBody>
@@ -5189,30 +5098,26 @@
                   <a:schemeClr val="accent5"/>
                 </a:solidFill>
               </a:rPr>
-              <a:t>各文内の前の方に，（なるべく近くの）既出の単語や事象を置く</a:t>
+              <a:t>そこより前の文に出てくる単語や事象を入れると自然に繋がる</a:t>
+            </a:r>
+            <a:endParaRPr kumimoji="1" lang="en-US" altLang="ja-JP" sz="1800" dirty="0">
+              <a:solidFill>
+                <a:schemeClr val="accent5"/>
+              </a:solidFill>
+            </a:endParaRPr>
+          </a:p>
+          <a:p>
+            <a:pPr lvl="1"/>
+            <a:r>
+              <a:rPr kumimoji="1" lang="ja-JP" altLang="en-US" sz="1800" dirty="0"/>
+              <a:t>そこまでの文の内容に新しい情報を付け足す形にする</a:t>
             </a:r>
             <a:endParaRPr kumimoji="1" lang="en-US" altLang="ja-JP" sz="1800" dirty="0"/>
           </a:p>
           <a:p>
-            <a:pPr lvl="1"/>
             <a:r>
               <a:rPr kumimoji="1" lang="ja-JP" altLang="en-US" sz="1800" dirty="0"/>
-              <a:t>既出の単語が，長い文の後半で初めて出てくるのは良くない</a:t>
-            </a:r>
-            <a:endParaRPr kumimoji="1" lang="en-US" altLang="ja-JP" sz="1800" dirty="0"/>
-          </a:p>
-          <a:p>
-            <a:pPr lvl="1"/>
-            <a:r>
-              <a:rPr kumimoji="1" lang="ja-JP" altLang="en-US" sz="1800" dirty="0"/>
-              <a:t>その文を最後まで読まないと，接続関係がわからない</a:t>
-            </a:r>
-            <a:endParaRPr kumimoji="1" lang="en-US" altLang="ja-JP" sz="1800" dirty="0"/>
-          </a:p>
-          <a:p>
-            <a:r>
-              <a:rPr kumimoji="1" lang="ja-JP" altLang="en-US" sz="1800" dirty="0"/>
-              <a:t>また「</a:t>
+              <a:t>「</a:t>
             </a:r>
             <a:r>
               <a:rPr kumimoji="1" lang="en-US" altLang="ja-JP" sz="1800" dirty="0"/>
@@ -5239,16 +5144,8 @@
               <a:t>は </a:t>
             </a:r>
             <a:r>
-              <a:rPr lang="en-US" altLang="ja-JP" sz="1800" b="1" dirty="0">
-                <a:solidFill>
-                  <a:schemeClr val="accent5"/>
-                </a:solidFill>
-              </a:rPr>
-              <a:t>C</a:t>
-            </a:r>
-            <a:r>
               <a:rPr lang="en-US" altLang="ja-JP" sz="1800" dirty="0"/>
-              <a:t> </a:t>
+              <a:t>C </a:t>
             </a:r>
             <a:r>
               <a:rPr lang="ja-JP" altLang="en-US" sz="1800" dirty="0"/>
@@ -5264,7 +5161,7 @@
             <a:pPr lvl="1"/>
             <a:r>
               <a:rPr kumimoji="1" lang="ja-JP" altLang="en-US" sz="1800" dirty="0"/>
-              <a:t>だめな例：</a:t>
+              <a:t>良い例：</a:t>
             </a:r>
             <a:endParaRPr kumimoji="1" lang="en-US" altLang="ja-JP" sz="1800" dirty="0"/>
           </a:p>
@@ -5272,19 +5169,35 @@
             <a:pPr lvl="2"/>
             <a:r>
               <a:rPr kumimoji="1" lang="ja-JP" altLang="en-US" sz="1800" dirty="0"/>
-              <a:t>「～は～であり，そのため～は </a:t>
-            </a:r>
-            <a:r>
-              <a:rPr kumimoji="1" lang="en-US" altLang="ja-JP" sz="1800" b="1" dirty="0">
-                <a:solidFill>
-                  <a:schemeClr val="accent5"/>
-                </a:solidFill>
-              </a:rPr>
-              <a:t>C</a:t>
+              <a:t>「この </a:t>
             </a:r>
             <a:r>
               <a:rPr kumimoji="1" lang="en-US" altLang="ja-JP" sz="1800" dirty="0"/>
-              <a:t> </a:t>
+              <a:t>B </a:t>
+            </a:r>
+            <a:r>
+              <a:rPr kumimoji="1" lang="ja-JP" altLang="en-US" sz="1800" dirty="0"/>
+              <a:t>は～という性質をもつ」</a:t>
+            </a:r>
+            <a:endParaRPr kumimoji="1" lang="en-US" altLang="ja-JP" sz="1800" dirty="0"/>
+          </a:p>
+          <a:p>
+            <a:pPr lvl="2"/>
+            <a:r>
+              <a:rPr kumimoji="1" lang="ja-JP" altLang="en-US" sz="1800" dirty="0"/>
+              <a:t>「この </a:t>
+            </a:r>
+            <a:r>
+              <a:rPr kumimoji="1" lang="en-US" altLang="ja-JP" sz="1800" dirty="0"/>
+              <a:t>C </a:t>
+            </a:r>
+            <a:r>
+              <a:rPr kumimoji="1" lang="ja-JP" altLang="en-US" sz="1800" dirty="0"/>
+              <a:t>は一般に </a:t>
+            </a:r>
+            <a:r>
+              <a:rPr kumimoji="1" lang="en-US" altLang="ja-JP" sz="1800" dirty="0"/>
+              <a:t>D </a:t>
             </a:r>
             <a:r>
               <a:rPr kumimoji="1" lang="ja-JP" altLang="en-US" sz="1800" dirty="0"/>
@@ -5293,46 +5206,50 @@
             <a:endParaRPr kumimoji="1" lang="en-US" altLang="ja-JP" sz="1800" dirty="0"/>
           </a:p>
           <a:p>
+            <a:pPr lvl="1"/>
+            <a:r>
+              <a:rPr kumimoji="1" lang="ja-JP" altLang="en-US" sz="1800" dirty="0"/>
+              <a:t>だめな例：</a:t>
+            </a:r>
+            <a:endParaRPr kumimoji="1" lang="en-US" altLang="ja-JP" sz="1800" dirty="0"/>
+          </a:p>
+          <a:p>
             <a:pPr lvl="2"/>
             <a:r>
+              <a:rPr kumimoji="1" lang="ja-JP" altLang="en-US" sz="1800" dirty="0"/>
+              <a:t>「</a:t>
+            </a:r>
+            <a:r>
               <a:rPr kumimoji="1" lang="en-US" altLang="ja-JP" sz="1800" dirty="0"/>
-              <a:t>C </a:t>
+              <a:t>E </a:t>
             </a:r>
             <a:r>
               <a:rPr kumimoji="1" lang="ja-JP" altLang="en-US" sz="1800" dirty="0"/>
-              <a:t>が最後に出てくるので，そこまで読まないと関係がわからない</a:t>
-            </a:r>
-            <a:endParaRPr kumimoji="1" lang="en-US" altLang="ja-JP" sz="1800" dirty="0"/>
-          </a:p>
-          <a:p>
-            <a:pPr lvl="1"/>
+              <a:t>は </a:t>
+            </a:r>
+            <a:r>
+              <a:rPr kumimoji="1" lang="en-US" altLang="ja-JP" sz="1800" dirty="0"/>
+              <a:t>F </a:t>
+            </a:r>
             <a:r>
               <a:rPr kumimoji="1" lang="ja-JP" altLang="en-US" sz="1800" dirty="0"/>
-              <a:t>良い例：</a:t>
-            </a:r>
-            <a:endParaRPr kumimoji="1" lang="en-US" altLang="ja-JP" sz="1800" dirty="0"/>
-          </a:p>
-          <a:p>
-            <a:pPr lvl="2"/>
+              <a:t>である」（</a:t>
+            </a:r>
+            <a:r>
+              <a:rPr kumimoji="1" lang="en-US" altLang="ja-JP" sz="1800" dirty="0"/>
+              <a:t>E </a:t>
+            </a:r>
             <a:r>
               <a:rPr kumimoji="1" lang="ja-JP" altLang="en-US" sz="1800" dirty="0"/>
-              <a:t>「～は </a:t>
-            </a:r>
-            <a:r>
-              <a:rPr kumimoji="1" lang="en-US" altLang="ja-JP" sz="1800" b="1" dirty="0">
-                <a:solidFill>
-                  <a:schemeClr val="accent5"/>
-                </a:solidFill>
-              </a:rPr>
-              <a:t>C</a:t>
+              <a:t>も </a:t>
             </a:r>
             <a:r>
               <a:rPr kumimoji="1" lang="en-US" altLang="ja-JP" sz="1800" dirty="0"/>
-              <a:t> </a:t>
+              <a:t>F </a:t>
             </a:r>
             <a:r>
               <a:rPr kumimoji="1" lang="ja-JP" altLang="en-US" sz="1800" dirty="0"/>
-              <a:t>である．なぜなら～は～であるためである」</a:t>
+              <a:t>も初登場なので繋がってない）</a:t>
             </a:r>
             <a:endParaRPr kumimoji="1" lang="en-US" altLang="ja-JP" sz="1800" dirty="0"/>
           </a:p>
@@ -5341,7 +5258,7 @@
     </p:spTree>
     <p:extLst>
       <p:ext uri="{BB962C8B-B14F-4D97-AF65-F5344CB8AC3E}">
-        <p14:creationId xmlns:p14="http://schemas.microsoft.com/office/powerpoint/2010/main" val="3414039066"/>
+        <p14:creationId xmlns:p14="http://schemas.microsoft.com/office/powerpoint/2010/main" val="1530409555"/>
       </p:ext>
     </p:extLst>
   </p:cSld>
@@ -5381,7 +5298,7 @@
           <p:cNvPr id="2" name="タイトル 1">
             <a:extLst>
               <a:ext uri="{FF2B5EF4-FFF2-40B4-BE49-F238E27FC236}">
-                <a16:creationId xmlns:a16="http://schemas.microsoft.com/office/drawing/2014/main" id="{97F43A36-1241-4642-C35D-F2423024AF7E}"/>
+                <a16:creationId xmlns:a16="http://schemas.microsoft.com/office/drawing/2014/main" id="{0AA3E805-C8B0-4B62-0EE7-64CFD041C187}"/>
               </a:ext>
             </a:extLst>
           </p:cNvPr>
@@ -5399,7 +5316,7 @@
           <a:p>
             <a:r>
               <a:rPr kumimoji="1" lang="ja-JP" altLang="en-US" dirty="0"/>
-              <a:t>論理的な繋がりを使った文の接続３</a:t>
+              <a:t>論理的な繋がりを使った文の接続２</a:t>
             </a:r>
           </a:p>
         </p:txBody>
@@ -5409,7 +5326,7 @@
           <p:cNvPr id="3" name="テキスト プレースホルダー 2">
             <a:extLst>
               <a:ext uri="{FF2B5EF4-FFF2-40B4-BE49-F238E27FC236}">
-                <a16:creationId xmlns:a16="http://schemas.microsoft.com/office/drawing/2014/main" id="{0AE5F184-FC3A-2542-0079-3B39E1BBBD63}"/>
+                <a16:creationId xmlns:a16="http://schemas.microsoft.com/office/drawing/2014/main" id="{60ADC020-2198-50F1-6F94-34B8CBB0F2D4}"/>
               </a:ext>
             </a:extLst>
           </p:cNvPr>
@@ -5426,175 +5343,164 @@
           <a:lstStyle/>
           <a:p>
             <a:r>
-              <a:rPr kumimoji="1" lang="ja-JP" altLang="en-US" dirty="0"/>
-              <a:t>最初に要素や単語を列挙してから，ぶらさげる</a:t>
-            </a:r>
-            <a:endParaRPr kumimoji="1" lang="en-US" altLang="ja-JP" dirty="0"/>
+              <a:rPr kumimoji="1" lang="ja-JP" altLang="en-US" sz="1800" dirty="0">
+                <a:solidFill>
+                  <a:schemeClr val="accent5"/>
+                </a:solidFill>
+              </a:rPr>
+              <a:t>各文内の前の方に，（なるべく近くの）既出の単語や事象を置く</a:t>
+            </a:r>
+            <a:endParaRPr kumimoji="1" lang="en-US" altLang="ja-JP" sz="1800" dirty="0"/>
           </a:p>
           <a:p>
             <a:pPr lvl="1"/>
             <a:r>
-              <a:rPr kumimoji="1" lang="ja-JP" altLang="en-US" dirty="0"/>
-              <a:t>この後ろに列挙した要素の説明がくることが自然に伝わる</a:t>
-            </a:r>
-            <a:endParaRPr kumimoji="1" lang="en-US" altLang="ja-JP" dirty="0"/>
-          </a:p>
-          <a:p>
-            <a:r>
-              <a:rPr kumimoji="1" lang="ja-JP" altLang="en-US" dirty="0"/>
-              <a:t>例：</a:t>
-            </a:r>
-            <a:endParaRPr kumimoji="1" lang="en-US" altLang="ja-JP" dirty="0"/>
+              <a:rPr kumimoji="1" lang="ja-JP" altLang="en-US" sz="1800" dirty="0"/>
+              <a:t>既出の単語が，長い文の後半で初めて出てくるのは良くない</a:t>
+            </a:r>
+            <a:endParaRPr kumimoji="1" lang="en-US" altLang="ja-JP" sz="1800" dirty="0"/>
           </a:p>
           <a:p>
             <a:pPr lvl="1"/>
             <a:r>
-              <a:rPr kumimoji="1" lang="ja-JP" altLang="en-US" dirty="0"/>
-              <a:t>「</a:t>
-            </a:r>
-            <a:r>
-              <a:rPr kumimoji="1" lang="en-US" altLang="ja-JP" dirty="0"/>
+              <a:rPr kumimoji="1" lang="ja-JP" altLang="en-US" sz="1800" dirty="0"/>
+              <a:t>その文を最後まで読まないと，接続関係がわからない</a:t>
+            </a:r>
+            <a:endParaRPr kumimoji="1" lang="en-US" altLang="ja-JP" sz="1800" dirty="0"/>
+          </a:p>
+          <a:p>
+            <a:r>
+              <a:rPr kumimoji="1" lang="ja-JP" altLang="en-US" sz="1800" dirty="0"/>
+              <a:t>また「</a:t>
+            </a:r>
+            <a:r>
+              <a:rPr kumimoji="1" lang="en-US" altLang="ja-JP" sz="1800" dirty="0"/>
               <a:t>A </a:t>
             </a:r>
             <a:r>
-              <a:rPr kumimoji="1" lang="ja-JP" altLang="en-US" dirty="0"/>
-              <a:t>には </a:t>
-            </a:r>
-            <a:r>
-              <a:rPr kumimoji="1" lang="en-US" altLang="ja-JP" dirty="0"/>
+              <a:rPr kumimoji="1" lang="ja-JP" altLang="en-US" sz="1800" dirty="0"/>
+              <a:t>は </a:t>
+            </a:r>
+            <a:r>
+              <a:rPr kumimoji="1" lang="en-US" altLang="ja-JP" sz="1800" dirty="0"/>
               <a:t>B </a:t>
             </a:r>
             <a:r>
-              <a:rPr kumimoji="1" lang="ja-JP" altLang="en-US" dirty="0"/>
-              <a:t>と </a:t>
-            </a:r>
-            <a:r>
-              <a:rPr kumimoji="1" lang="en-US" altLang="ja-JP" dirty="0"/>
+              <a:rPr kumimoji="1" lang="ja-JP" altLang="en-US" sz="1800" dirty="0"/>
+              <a:t>である．なぜなら </a:t>
+            </a:r>
+            <a:r>
+              <a:rPr lang="en-US" altLang="ja-JP" sz="1800" dirty="0"/>
+              <a:t>B </a:t>
+            </a:r>
+            <a:r>
+              <a:rPr lang="ja-JP" altLang="en-US" sz="1800" dirty="0"/>
+              <a:t>は </a:t>
+            </a:r>
+            <a:r>
+              <a:rPr lang="en-US" altLang="ja-JP" sz="1800" b="1" dirty="0">
+                <a:solidFill>
+                  <a:schemeClr val="accent5"/>
+                </a:solidFill>
+              </a:rPr>
+              <a:t>C</a:t>
+            </a:r>
+            <a:r>
+              <a:rPr lang="en-US" altLang="ja-JP" sz="1800" dirty="0"/>
+              <a:t> </a:t>
+            </a:r>
+            <a:r>
+              <a:rPr lang="ja-JP" altLang="en-US" sz="1800" dirty="0"/>
+              <a:t>だからだ</a:t>
+            </a:r>
+            <a:r>
+              <a:rPr kumimoji="1" lang="ja-JP" altLang="en-US" sz="1800" dirty="0"/>
+              <a:t>」の後に繋げる文を考える</a:t>
+            </a:r>
+            <a:endParaRPr kumimoji="1" lang="en-US" altLang="ja-JP" sz="1800" dirty="0"/>
+          </a:p>
+          <a:p>
+            <a:pPr lvl="1"/>
+            <a:r>
+              <a:rPr kumimoji="1" lang="ja-JP" altLang="en-US" sz="1800" dirty="0"/>
+              <a:t>だめな例：</a:t>
+            </a:r>
+            <a:endParaRPr kumimoji="1" lang="en-US" altLang="ja-JP" sz="1800" dirty="0"/>
+          </a:p>
+          <a:p>
+            <a:pPr lvl="2"/>
+            <a:r>
+              <a:rPr kumimoji="1" lang="ja-JP" altLang="en-US" sz="1800" dirty="0"/>
+              <a:t>「～は～であり，そのため～は </a:t>
+            </a:r>
+            <a:r>
+              <a:rPr kumimoji="1" lang="en-US" altLang="ja-JP" sz="1800" b="1" dirty="0">
+                <a:solidFill>
+                  <a:schemeClr val="accent5"/>
+                </a:solidFill>
+              </a:rPr>
+              <a:t>C</a:t>
+            </a:r>
+            <a:r>
+              <a:rPr kumimoji="1" lang="en-US" altLang="ja-JP" sz="1800" dirty="0"/>
+              <a:t> </a:t>
+            </a:r>
+            <a:r>
+              <a:rPr kumimoji="1" lang="ja-JP" altLang="en-US" sz="1800" dirty="0"/>
+              <a:t>である」</a:t>
+            </a:r>
+            <a:endParaRPr kumimoji="1" lang="en-US" altLang="ja-JP" sz="1800" dirty="0"/>
+          </a:p>
+          <a:p>
+            <a:pPr lvl="2"/>
+            <a:r>
+              <a:rPr kumimoji="1" lang="en-US" altLang="ja-JP" sz="1800" dirty="0"/>
               <a:t>C </a:t>
             </a:r>
             <a:r>
-              <a:rPr kumimoji="1" lang="ja-JP" altLang="en-US" dirty="0"/>
-              <a:t>がある」</a:t>
-            </a:r>
-            <a:endParaRPr kumimoji="1" lang="en-US" altLang="ja-JP" dirty="0"/>
+              <a:rPr kumimoji="1" lang="ja-JP" altLang="en-US" sz="1800" dirty="0"/>
+              <a:t>が最後に出てくるので，そこまで読まないと関係がわからない</a:t>
+            </a:r>
+            <a:endParaRPr kumimoji="1" lang="en-US" altLang="ja-JP" sz="1800" dirty="0"/>
+          </a:p>
+          <a:p>
+            <a:pPr lvl="1"/>
+            <a:r>
+              <a:rPr kumimoji="1" lang="ja-JP" altLang="en-US" sz="1800" dirty="0"/>
+              <a:t>良い例：</a:t>
+            </a:r>
+            <a:endParaRPr kumimoji="1" lang="en-US" altLang="ja-JP" sz="1800" dirty="0"/>
           </a:p>
           <a:p>
             <a:pPr lvl="2"/>
             <a:r>
-              <a:rPr kumimoji="1" lang="ja-JP" altLang="en-US" dirty="0"/>
-              <a:t>「</a:t>
-            </a:r>
-            <a:r>
-              <a:rPr kumimoji="1" lang="en-US" altLang="ja-JP" dirty="0"/>
-              <a:t>B </a:t>
-            </a:r>
-            <a:r>
-              <a:rPr kumimoji="1" lang="ja-JP" altLang="en-US" dirty="0"/>
-              <a:t>は～である」</a:t>
-            </a:r>
-            <a:endParaRPr kumimoji="1" lang="en-US" altLang="ja-JP" dirty="0"/>
-          </a:p>
-          <a:p>
-            <a:pPr lvl="2"/>
-            <a:r>
-              <a:rPr kumimoji="1" lang="ja-JP" altLang="en-US" dirty="0"/>
-              <a:t>「一方で </a:t>
-            </a:r>
-            <a:r>
-              <a:rPr kumimoji="1" lang="en-US" altLang="ja-JP" dirty="0"/>
-              <a:t>C </a:t>
-            </a:r>
-            <a:r>
-              <a:rPr kumimoji="1" lang="ja-JP" altLang="en-US" dirty="0"/>
-              <a:t>は～である」</a:t>
-            </a:r>
-            <a:br>
-              <a:rPr kumimoji="1" lang="en-US" altLang="ja-JP" dirty="0"/>
-            </a:br>
-            <a:endParaRPr kumimoji="1" lang="en-US" altLang="ja-JP" dirty="0"/>
-          </a:p>
-          <a:p>
-            <a:pPr lvl="1"/>
-            <a:r>
-              <a:rPr kumimoji="1" lang="ja-JP" altLang="en-US" dirty="0"/>
-              <a:t>「～は以下の手順で行われる」</a:t>
-            </a:r>
-            <a:endParaRPr kumimoji="1" lang="en-US" altLang="ja-JP" dirty="0"/>
-          </a:p>
-          <a:p>
-            <a:pPr lvl="2"/>
-            <a:r>
-              <a:rPr kumimoji="1" lang="ja-JP" altLang="en-US" dirty="0"/>
-              <a:t>「</a:t>
-            </a:r>
-            <a:r>
-              <a:rPr kumimoji="1" lang="en-US" altLang="ja-JP" dirty="0"/>
-              <a:t>1.</a:t>
-            </a:r>
-            <a:r>
-              <a:rPr kumimoji="1" lang="ja-JP" altLang="en-US" dirty="0"/>
-              <a:t>」「</a:t>
-            </a:r>
-            <a:r>
-              <a:rPr kumimoji="1" lang="en-US" altLang="ja-JP" dirty="0"/>
-              <a:t>2.</a:t>
-            </a:r>
-            <a:r>
-              <a:rPr kumimoji="1" lang="ja-JP" altLang="en-US" dirty="0"/>
-              <a:t>」「</a:t>
-            </a:r>
-            <a:r>
-              <a:rPr kumimoji="1" lang="en-US" altLang="ja-JP" dirty="0"/>
-              <a:t>3.</a:t>
-            </a:r>
-            <a:r>
-              <a:rPr kumimoji="1" lang="ja-JP" altLang="en-US" dirty="0"/>
-              <a:t>」</a:t>
-            </a:r>
-            <a:endParaRPr kumimoji="1" lang="en-US" altLang="ja-JP" dirty="0"/>
-          </a:p>
-          <a:p>
-            <a:pPr lvl="1"/>
-            <a:r>
-              <a:rPr kumimoji="1" lang="ja-JP" altLang="en-US" dirty="0"/>
-              <a:t>「～は以下の２つの理由からなる」</a:t>
-            </a:r>
-            <a:endParaRPr kumimoji="1" lang="en-US" altLang="ja-JP" dirty="0"/>
-          </a:p>
-          <a:p>
-            <a:pPr lvl="2"/>
-            <a:r>
-              <a:rPr kumimoji="1" lang="ja-JP" altLang="en-US" dirty="0"/>
-              <a:t>「</a:t>
-            </a:r>
-            <a:r>
-              <a:rPr kumimoji="1" lang="en-US" altLang="ja-JP" dirty="0"/>
-              <a:t>1.</a:t>
-            </a:r>
-            <a:r>
-              <a:rPr kumimoji="1" lang="ja-JP" altLang="en-US" dirty="0"/>
-              <a:t>」「</a:t>
-            </a:r>
-            <a:r>
-              <a:rPr kumimoji="1" lang="en-US" altLang="ja-JP" dirty="0"/>
-              <a:t>2.</a:t>
-            </a:r>
-            <a:r>
-              <a:rPr kumimoji="1" lang="ja-JP" altLang="en-US" dirty="0"/>
-              <a:t>」</a:t>
-            </a:r>
-            <a:endParaRPr kumimoji="1" lang="en-US" altLang="ja-JP" dirty="0"/>
-          </a:p>
-          <a:p>
-            <a:pPr lvl="1"/>
-            <a:endParaRPr kumimoji="1" lang="ja-JP" altLang="en-US" dirty="0"/>
+              <a:rPr kumimoji="1" lang="ja-JP" altLang="en-US" sz="1800" dirty="0"/>
+              <a:t>「～は </a:t>
+            </a:r>
+            <a:r>
+              <a:rPr kumimoji="1" lang="en-US" altLang="ja-JP" sz="1800" b="1" dirty="0">
+                <a:solidFill>
+                  <a:schemeClr val="accent5"/>
+                </a:solidFill>
+              </a:rPr>
+              <a:t>C</a:t>
+            </a:r>
+            <a:r>
+              <a:rPr kumimoji="1" lang="en-US" altLang="ja-JP" sz="1800" dirty="0"/>
+              <a:t> </a:t>
+            </a:r>
+            <a:r>
+              <a:rPr kumimoji="1" lang="ja-JP" altLang="en-US" sz="1800" dirty="0"/>
+              <a:t>である．なぜなら～は～であるためである」</a:t>
+            </a:r>
+            <a:endParaRPr kumimoji="1" lang="en-US" altLang="ja-JP" sz="1800" dirty="0"/>
           </a:p>
         </p:txBody>
       </p:sp>
     </p:spTree>
     <p:extLst>
       <p:ext uri="{BB962C8B-B14F-4D97-AF65-F5344CB8AC3E}">
-        <p14:creationId xmlns:p14="http://schemas.microsoft.com/office/powerpoint/2010/main" val="2236628389"/>
+        <p14:creationId xmlns:p14="http://schemas.microsoft.com/office/powerpoint/2010/main" val="3414039066"/>
       </p:ext>
     </p:extLst>
   </p:cSld>
@@ -5634,7 +5540,7 @@
           <p:cNvPr id="2" name="タイトル 1">
             <a:extLst>
               <a:ext uri="{FF2B5EF4-FFF2-40B4-BE49-F238E27FC236}">
-                <a16:creationId xmlns:a16="http://schemas.microsoft.com/office/drawing/2014/main" id="{29EE214D-6E7A-0357-0756-680B63295B42}"/>
+                <a16:creationId xmlns:a16="http://schemas.microsoft.com/office/drawing/2014/main" id="{97F43A36-1241-4642-C35D-F2423024AF7E}"/>
               </a:ext>
             </a:extLst>
           </p:cNvPr>
@@ -5651,10 +5557,9 @@
           <a:lstStyle/>
           <a:p>
             <a:r>
-              <a:rPr lang="ja-JP" altLang="en-US" dirty="0"/>
-              <a:t>パラグラフや文内の接続：古い情報と新しい情報</a:t>
-            </a:r>
-            <a:endParaRPr kumimoji="1" lang="ja-JP" altLang="en-US" dirty="0"/>
+              <a:rPr kumimoji="1" lang="ja-JP" altLang="en-US" dirty="0"/>
+              <a:t>論理的な繋がりを使った文の接続３</a:t>
+            </a:r>
           </a:p>
         </p:txBody>
       </p:sp>
@@ -5663,7 +5568,7 @@
           <p:cNvPr id="3" name="テキスト プレースホルダー 2">
             <a:extLst>
               <a:ext uri="{FF2B5EF4-FFF2-40B4-BE49-F238E27FC236}">
-                <a16:creationId xmlns:a16="http://schemas.microsoft.com/office/drawing/2014/main" id="{73E7C1C9-4BB8-6905-4AC9-D99FB1224F57}"/>
+                <a16:creationId xmlns:a16="http://schemas.microsoft.com/office/drawing/2014/main" id="{0AE5F184-FC3A-2542-0079-3B39E1BBBD63}"/>
               </a:ext>
             </a:extLst>
           </p:cNvPr>
@@ -5680,32 +5585,98 @@
           <a:lstStyle/>
           <a:p>
             <a:r>
-              <a:rPr lang="ja-JP" altLang="en-US" dirty="0"/>
-              <a:t>パラグラフ内の各文</a:t>
-            </a:r>
-            <a:endParaRPr lang="en-US" altLang="ja-JP" dirty="0"/>
+              <a:rPr kumimoji="1" lang="ja-JP" altLang="en-US" dirty="0"/>
+              <a:t>最初に要素や単語を列挙してから，ぶらさげる</a:t>
+            </a:r>
+            <a:endParaRPr kumimoji="1" lang="en-US" altLang="ja-JP" dirty="0"/>
           </a:p>
           <a:p>
             <a:pPr lvl="1"/>
             <a:r>
               <a:rPr kumimoji="1" lang="ja-JP" altLang="en-US" dirty="0"/>
-              <a:t>トピック・センテンス </a:t>
+              <a:t>この後ろに列挙した要素の説明がくることが自然に伝わる</a:t>
+            </a:r>
+            <a:endParaRPr kumimoji="1" lang="en-US" altLang="ja-JP" dirty="0"/>
+          </a:p>
+          <a:p>
+            <a:r>
+              <a:rPr kumimoji="1" lang="ja-JP" altLang="en-US" dirty="0"/>
+              <a:t>例：</a:t>
+            </a:r>
+            <a:endParaRPr kumimoji="1" lang="en-US" altLang="ja-JP" dirty="0"/>
+          </a:p>
+          <a:p>
+            <a:pPr lvl="1"/>
+            <a:r>
+              <a:rPr kumimoji="1" lang="ja-JP" altLang="en-US" dirty="0"/>
+              <a:t>「</a:t>
             </a:r>
             <a:r>
               <a:rPr kumimoji="1" lang="en-US" altLang="ja-JP" dirty="0"/>
-              <a:t>or </a:t>
+              <a:t>A </a:t>
             </a:r>
             <a:r>
               <a:rPr kumimoji="1" lang="ja-JP" altLang="en-US" dirty="0"/>
-              <a:t>それまでのサポーティング・センテンスで触れた内容に必ず繋がっている</a:t>
+              <a:t>には </a:t>
+            </a:r>
+            <a:r>
+              <a:rPr kumimoji="1" lang="en-US" altLang="ja-JP" dirty="0"/>
+              <a:t>B </a:t>
+            </a:r>
+            <a:r>
+              <a:rPr kumimoji="1" lang="ja-JP" altLang="en-US" dirty="0"/>
+              <a:t>と </a:t>
+            </a:r>
+            <a:r>
+              <a:rPr kumimoji="1" lang="en-US" altLang="ja-JP" dirty="0"/>
+              <a:t>C </a:t>
+            </a:r>
+            <a:r>
+              <a:rPr kumimoji="1" lang="ja-JP" altLang="en-US" dirty="0"/>
+              <a:t>がある」</a:t>
             </a:r>
             <a:endParaRPr kumimoji="1" lang="en-US" altLang="ja-JP" dirty="0"/>
           </a:p>
           <a:p>
+            <a:pPr lvl="2"/>
+            <a:r>
+              <a:rPr kumimoji="1" lang="ja-JP" altLang="en-US" dirty="0"/>
+              <a:t>「</a:t>
+            </a:r>
+            <a:r>
+              <a:rPr kumimoji="1" lang="en-US" altLang="ja-JP" dirty="0"/>
+              <a:t>B </a:t>
+            </a:r>
+            <a:r>
+              <a:rPr kumimoji="1" lang="ja-JP" altLang="en-US" dirty="0"/>
+              <a:t>は～である」</a:t>
+            </a:r>
+            <a:endParaRPr kumimoji="1" lang="en-US" altLang="ja-JP" dirty="0"/>
+          </a:p>
+          <a:p>
+            <a:pPr lvl="2"/>
+            <a:r>
+              <a:rPr kumimoji="1" lang="ja-JP" altLang="en-US" dirty="0"/>
+              <a:t>「一方で </a:t>
+            </a:r>
+            <a:r>
+              <a:rPr kumimoji="1" lang="en-US" altLang="ja-JP" dirty="0"/>
+              <a:t>C </a:t>
+            </a:r>
+            <a:r>
+              <a:rPr kumimoji="1" lang="ja-JP" altLang="en-US" dirty="0"/>
+              <a:t>は～である」</a:t>
+            </a:r>
+            <a:br>
+              <a:rPr kumimoji="1" lang="en-US" altLang="ja-JP" dirty="0"/>
+            </a:br>
+            <a:endParaRPr kumimoji="1" lang="en-US" altLang="ja-JP" dirty="0"/>
+          </a:p>
+          <a:p>
             <a:pPr lvl="1"/>
             <a:r>
               <a:rPr kumimoji="1" lang="ja-JP" altLang="en-US" dirty="0"/>
-              <a:t>そこまでに現れていない概念や単語だけで構成された文を入れてはいけない</a:t>
+              <a:t>「～は以下の手順で行われる」</a:t>
             </a:r>
             <a:endParaRPr kumimoji="1" lang="en-US" altLang="ja-JP" dirty="0"/>
           </a:p>
@@ -5713,15 +5684,76 @@
             <a:pPr lvl="2"/>
             <a:r>
               <a:rPr kumimoji="1" lang="ja-JP" altLang="en-US" dirty="0"/>
-              <a:t>その後まで読んではじめて意味がわかるようなものはだめ</a:t>
-            </a:r>
+              <a:t>「</a:t>
+            </a:r>
+            <a:r>
+              <a:rPr kumimoji="1" lang="en-US" altLang="ja-JP" dirty="0"/>
+              <a:t>1.</a:t>
+            </a:r>
+            <a:r>
+              <a:rPr kumimoji="1" lang="ja-JP" altLang="en-US" dirty="0"/>
+              <a:t>」「</a:t>
+            </a:r>
+            <a:r>
+              <a:rPr kumimoji="1" lang="en-US" altLang="ja-JP" dirty="0"/>
+              <a:t>2.</a:t>
+            </a:r>
+            <a:r>
+              <a:rPr kumimoji="1" lang="ja-JP" altLang="en-US" dirty="0"/>
+              <a:t>」「</a:t>
+            </a:r>
+            <a:r>
+              <a:rPr kumimoji="1" lang="en-US" altLang="ja-JP" dirty="0"/>
+              <a:t>3.</a:t>
+            </a:r>
+            <a:r>
+              <a:rPr kumimoji="1" lang="ja-JP" altLang="en-US" dirty="0"/>
+              <a:t>」</a:t>
+            </a:r>
+            <a:endParaRPr kumimoji="1" lang="en-US" altLang="ja-JP" dirty="0"/>
+          </a:p>
+          <a:p>
+            <a:pPr lvl="1"/>
+            <a:r>
+              <a:rPr kumimoji="1" lang="ja-JP" altLang="en-US" dirty="0"/>
+              <a:t>「～は以下の２つの理由からなる」</a:t>
+            </a:r>
+            <a:endParaRPr kumimoji="1" lang="en-US" altLang="ja-JP" dirty="0"/>
+          </a:p>
+          <a:p>
+            <a:pPr lvl="2"/>
+            <a:r>
+              <a:rPr kumimoji="1" lang="ja-JP" altLang="en-US" dirty="0"/>
+              <a:t>「</a:t>
+            </a:r>
+            <a:r>
+              <a:rPr kumimoji="1" lang="en-US" altLang="ja-JP" dirty="0"/>
+              <a:t>1.</a:t>
+            </a:r>
+            <a:r>
+              <a:rPr kumimoji="1" lang="ja-JP" altLang="en-US" dirty="0"/>
+              <a:t>」「</a:t>
+            </a:r>
+            <a:r>
+              <a:rPr kumimoji="1" lang="en-US" altLang="ja-JP" dirty="0"/>
+              <a:t>2.</a:t>
+            </a:r>
+            <a:r>
+              <a:rPr kumimoji="1" lang="ja-JP" altLang="en-US" dirty="0"/>
+              <a:t>」</a:t>
+            </a:r>
+            <a:endParaRPr kumimoji="1" lang="en-US" altLang="ja-JP" dirty="0"/>
+          </a:p>
+          <a:p>
+            <a:pPr lvl="1"/>
+            <a:endParaRPr kumimoji="1" lang="ja-JP" altLang="en-US" dirty="0"/>
           </a:p>
         </p:txBody>
       </p:sp>
     </p:spTree>
     <p:extLst>
       <p:ext uri="{BB962C8B-B14F-4D97-AF65-F5344CB8AC3E}">
-        <p14:creationId xmlns:p14="http://schemas.microsoft.com/office/powerpoint/2010/main" val="1929943680"/>
+        <p14:creationId xmlns:p14="http://schemas.microsoft.com/office/powerpoint/2010/main" val="2236628389"/>
       </p:ext>
     </p:extLst>
   </p:cSld>
@@ -5758,10 +5790,10 @@
       </p:grpSpPr>
       <p:sp>
         <p:nvSpPr>
-          <p:cNvPr id="6" name="タイトル 5">
-            <a:extLst>
-              <a:ext uri="{FF2B5EF4-FFF2-40B4-BE49-F238E27FC236}">
-                <a16:creationId xmlns:a16="http://schemas.microsoft.com/office/drawing/2014/main" id="{D44FC4B2-BE5F-0B62-A30B-6488B98CA7F1}"/>
+          <p:cNvPr id="2" name="タイトル 1">
+            <a:extLst>
+              <a:ext uri="{FF2B5EF4-FFF2-40B4-BE49-F238E27FC236}">
+                <a16:creationId xmlns:a16="http://schemas.microsoft.com/office/drawing/2014/main" id="{29EE214D-6E7A-0357-0756-680B63295B42}"/>
               </a:ext>
             </a:extLst>
           </p:cNvPr>
@@ -5779,22 +5811,90 @@
           <a:p>
             <a:r>
               <a:rPr lang="ja-JP" altLang="en-US" dirty="0"/>
-              <a:t>プロットから文章への展開</a:t>
+              <a:t>パラグラフや文内の接続：古い情報と新しい情報</a:t>
+            </a:r>
+            <a:endParaRPr kumimoji="1" lang="ja-JP" altLang="en-US" dirty="0"/>
+          </a:p>
+        </p:txBody>
+      </p:sp>
+      <p:sp>
+        <p:nvSpPr>
+          <p:cNvPr id="3" name="テキスト プレースホルダー 2">
+            <a:extLst>
+              <a:ext uri="{FF2B5EF4-FFF2-40B4-BE49-F238E27FC236}">
+                <a16:creationId xmlns:a16="http://schemas.microsoft.com/office/drawing/2014/main" id="{73E7C1C9-4BB8-6905-4AC9-D99FB1224F57}"/>
+              </a:ext>
+            </a:extLst>
+          </p:cNvPr>
+          <p:cNvSpPr>
+            <a:spLocks noGrp="1"/>
+          </p:cNvSpPr>
+          <p:nvPr>
+            <p:ph type="body" sz="quarter" idx="10"/>
+          </p:nvPr>
+        </p:nvSpPr>
+        <p:spPr/>
+        <p:txBody>
+          <a:bodyPr/>
+          <a:lstStyle/>
+          <a:p>
+            <a:r>
+              <a:rPr lang="ja-JP" altLang="en-US" dirty="0"/>
+              <a:t>パラグラフ内の各文</a:t>
             </a:r>
             <a:endParaRPr lang="en-US" altLang="ja-JP" dirty="0"/>
+          </a:p>
+          <a:p>
+            <a:pPr lvl="1"/>
+            <a:r>
+              <a:rPr kumimoji="1" lang="ja-JP" altLang="en-US" dirty="0"/>
+              <a:t>トピック・センテンス </a:t>
+            </a:r>
+            <a:r>
+              <a:rPr kumimoji="1" lang="en-US" altLang="ja-JP" dirty="0"/>
+              <a:t>or </a:t>
+            </a:r>
+            <a:r>
+              <a:rPr kumimoji="1" lang="ja-JP" altLang="en-US" dirty="0"/>
+              <a:t>それまでのサポーティング・センテンスで触れた内容に必ず繋がっている</a:t>
+            </a:r>
+            <a:endParaRPr kumimoji="1" lang="en-US" altLang="ja-JP" dirty="0"/>
+          </a:p>
+          <a:p>
+            <a:pPr lvl="1"/>
+            <a:r>
+              <a:rPr kumimoji="1" lang="ja-JP" altLang="en-US" dirty="0"/>
+              <a:t>そこまでに現れていない概念や単語だけで構成された文を入れてはいけない</a:t>
+            </a:r>
+            <a:endParaRPr kumimoji="1" lang="en-US" altLang="ja-JP" dirty="0"/>
+          </a:p>
+          <a:p>
+            <a:pPr lvl="2"/>
+            <a:r>
+              <a:rPr kumimoji="1" lang="ja-JP" altLang="en-US" dirty="0"/>
+              <a:t>その後まで読んではじめて意味がわかるようなものはだめ</a:t>
+            </a:r>
           </a:p>
         </p:txBody>
       </p:sp>
     </p:spTree>
     <p:extLst>
       <p:ext uri="{BB962C8B-B14F-4D97-AF65-F5344CB8AC3E}">
-        <p14:creationId xmlns:p14="http://schemas.microsoft.com/office/powerpoint/2010/main" val="3590338157"/>
+        <p14:creationId xmlns:p14="http://schemas.microsoft.com/office/powerpoint/2010/main" val="1929943680"/>
       </p:ext>
     </p:extLst>
   </p:cSld>
   <p:clrMapOvr>
     <a:masterClrMapping/>
   </p:clrMapOvr>
+  <mc:AlternateContent xmlns:mc="http://schemas.openxmlformats.org/markup-compatibility/2006" xmlns:p14="http://schemas.microsoft.com/office/powerpoint/2010/main">
+    <mc:Choice Requires="p14">
+      <p:transition p14:dur="10"/>
+    </mc:Choice>
+    <mc:Fallback xmlns="">
+      <p:transition/>
+    </mc:Fallback>
+  </mc:AlternateContent>
 </p:sld>
 </file>
 
@@ -5817,6 +5917,65 @@
       </p:grpSpPr>
       <p:sp>
         <p:nvSpPr>
+          <p:cNvPr id="6" name="タイトル 5">
+            <a:extLst>
+              <a:ext uri="{FF2B5EF4-FFF2-40B4-BE49-F238E27FC236}">
+                <a16:creationId xmlns:a16="http://schemas.microsoft.com/office/drawing/2014/main" id="{D44FC4B2-BE5F-0B62-A30B-6488B98CA7F1}"/>
+              </a:ext>
+            </a:extLst>
+          </p:cNvPr>
+          <p:cNvSpPr>
+            <a:spLocks noGrp="1"/>
+          </p:cNvSpPr>
+          <p:nvPr>
+            <p:ph type="title"/>
+          </p:nvPr>
+        </p:nvSpPr>
+        <p:spPr/>
+        <p:txBody>
+          <a:bodyPr/>
+          <a:lstStyle/>
+          <a:p>
+            <a:r>
+              <a:rPr lang="ja-JP" altLang="en-US" dirty="0"/>
+              <a:t>プロットから文章への展開</a:t>
+            </a:r>
+            <a:endParaRPr lang="en-US" altLang="ja-JP" dirty="0"/>
+          </a:p>
+        </p:txBody>
+      </p:sp>
+    </p:spTree>
+    <p:extLst>
+      <p:ext uri="{BB962C8B-B14F-4D97-AF65-F5344CB8AC3E}">
+        <p14:creationId xmlns:p14="http://schemas.microsoft.com/office/powerpoint/2010/main" val="3590338157"/>
+      </p:ext>
+    </p:extLst>
+  </p:cSld>
+  <p:clrMapOvr>
+    <a:masterClrMapping/>
+  </p:clrMapOvr>
+</p:sld>
+</file>
+
+<file path=ppt/slides/slide27.xml><?xml version="1.0" encoding="utf-8"?>
+<p:sld xmlns:a="http://schemas.openxmlformats.org/drawingml/2006/main" xmlns:r="http://schemas.openxmlformats.org/officeDocument/2006/relationships" xmlns:p="http://schemas.openxmlformats.org/presentationml/2006/main">
+  <p:cSld>
+    <p:spTree>
+      <p:nvGrpSpPr>
+        <p:cNvPr id="1" name=""/>
+        <p:cNvGrpSpPr/>
+        <p:nvPr/>
+      </p:nvGrpSpPr>
+      <p:grpSpPr>
+        <a:xfrm>
+          <a:off x="0" y="0"/>
+          <a:ext cx="0" cy="0"/>
+          <a:chOff x="0" y="0"/>
+          <a:chExt cx="0" cy="0"/>
+        </a:xfrm>
+      </p:grpSpPr>
+      <p:sp>
+        <p:nvSpPr>
           <p:cNvPr id="4" name="タイトル 3">
             <a:extLst>
               <a:ext uri="{FF2B5EF4-FFF2-40B4-BE49-F238E27FC236}">
@@ -5971,7 +6130,7 @@
             <a:fld id="{D2D8002D-B5B0-4BAC-B1F6-782DDCCE6D9C}" type="slidenum">
               <a:rPr kumimoji="1" lang="ja-JP" altLang="en-US" smtClean="0"/>
               <a:pPr/>
-              <a:t>26</a:t>
+              <a:t>27</a:t>
             </a:fld>
             <a:endParaRPr kumimoji="1" lang="ja-JP" altLang="en-US"/>
           </a:p>
@@ -5998,7 +6157,7 @@
 </p:sld>
 </file>
 
-<file path=ppt/slides/slide27.xml><?xml version="1.0" encoding="utf-8"?>
+<file path=ppt/slides/slide28.xml><?xml version="1.0" encoding="utf-8"?>
 <p:sld xmlns:a="http://schemas.openxmlformats.org/drawingml/2006/main" xmlns:r="http://schemas.openxmlformats.org/officeDocument/2006/relationships" xmlns:p="http://schemas.openxmlformats.org/presentationml/2006/main">
   <p:cSld>
     <p:spTree>
@@ -6224,7 +6383,7 @@
 </p:sld>
 </file>
 
-<file path=ppt/slides/slide28.xml><?xml version="1.0" encoding="utf-8"?>
+<file path=ppt/slides/slide29.xml><?xml version="1.0" encoding="utf-8"?>
 <p:sld xmlns:a="http://schemas.openxmlformats.org/drawingml/2006/main" xmlns:r="http://schemas.openxmlformats.org/officeDocument/2006/relationships" xmlns:p="http://schemas.openxmlformats.org/presentationml/2006/main">
   <p:cSld>
     <p:spTree>
@@ -9810,7 +9969,129 @@
 </p:sld>
 </file>
 
-<file path=ppt/slides/slide29.xml><?xml version="1.0" encoding="utf-8"?>
+<file path=ppt/slides/slide3.xml><?xml version="1.0" encoding="utf-8"?>
+<p:sld xmlns:a="http://schemas.openxmlformats.org/drawingml/2006/main" xmlns:r="http://schemas.openxmlformats.org/officeDocument/2006/relationships" xmlns:p="http://schemas.openxmlformats.org/presentationml/2006/main">
+  <p:cSld>
+    <p:spTree>
+      <p:nvGrpSpPr>
+        <p:cNvPr id="1" name=""/>
+        <p:cNvGrpSpPr/>
+        <p:nvPr/>
+      </p:nvGrpSpPr>
+      <p:grpSpPr>
+        <a:xfrm>
+          <a:off x="0" y="0"/>
+          <a:ext cx="0" cy="0"/>
+          <a:chOff x="0" y="0"/>
+          <a:chExt cx="0" cy="0"/>
+        </a:xfrm>
+      </p:grpSpPr>
+      <p:sp>
+        <p:nvSpPr>
+          <p:cNvPr id="2" name="タイトル 1">
+            <a:extLst>
+              <a:ext uri="{FF2B5EF4-FFF2-40B4-BE49-F238E27FC236}">
+                <a16:creationId xmlns:a16="http://schemas.microsoft.com/office/drawing/2014/main" id="{E2B2804B-5759-9AAD-53B1-42FDE0863920}"/>
+              </a:ext>
+            </a:extLst>
+          </p:cNvPr>
+          <p:cNvSpPr>
+            <a:spLocks noGrp="1"/>
+          </p:cNvSpPr>
+          <p:nvPr>
+            <p:ph type="title"/>
+          </p:nvPr>
+        </p:nvSpPr>
+        <p:spPr/>
+        <p:txBody>
+          <a:bodyPr/>
+          <a:lstStyle/>
+          <a:p>
+            <a:r>
+              <a:rPr kumimoji="1" lang="ja-JP" altLang="en-US" dirty="0"/>
+              <a:t>チェックリスト</a:t>
+            </a:r>
+            <a:endParaRPr kumimoji="1" lang="en-US" dirty="0"/>
+          </a:p>
+        </p:txBody>
+      </p:sp>
+      <p:sp>
+        <p:nvSpPr>
+          <p:cNvPr id="3" name="テキスト プレースホルダー 2">
+            <a:extLst>
+              <a:ext uri="{FF2B5EF4-FFF2-40B4-BE49-F238E27FC236}">
+                <a16:creationId xmlns:a16="http://schemas.microsoft.com/office/drawing/2014/main" id="{7BF7AC90-EE6A-FEBB-4396-0C91BB79835D}"/>
+              </a:ext>
+            </a:extLst>
+          </p:cNvPr>
+          <p:cNvSpPr>
+            <a:spLocks noGrp="1"/>
+          </p:cNvSpPr>
+          <p:nvPr>
+            <p:ph type="body" sz="quarter" idx="10"/>
+          </p:nvPr>
+        </p:nvSpPr>
+        <p:spPr/>
+        <p:txBody>
+          <a:bodyPr/>
+          <a:lstStyle/>
+          <a:p>
+            <a:pPr marL="457200" indent="-457200">
+              <a:buFont typeface="+mj-lt"/>
+              <a:buAutoNum type="arabicPeriod"/>
+            </a:pPr>
+            <a:r>
+              <a:rPr kumimoji="1" lang="ja-JP" altLang="en-US" dirty="0"/>
+              <a:t>複文を書く場合は２文以下におさまっている</a:t>
+            </a:r>
+            <a:endParaRPr kumimoji="1" lang="en-US" altLang="ja-JP" dirty="0"/>
+          </a:p>
+          <a:p>
+            <a:pPr marL="457200" indent="-457200">
+              <a:buFont typeface="+mj-lt"/>
+              <a:buAutoNum type="arabicPeriod"/>
+            </a:pPr>
+            <a:r>
+              <a:rPr kumimoji="1" lang="ja-JP" altLang="en-US" dirty="0"/>
+              <a:t>全ての文はそれまでに出てきた古い情報を明に含み接続されている</a:t>
+            </a:r>
+            <a:endParaRPr kumimoji="1" lang="en-US" altLang="ja-JP" dirty="0"/>
+          </a:p>
+          <a:p>
+            <a:pPr marL="457200" indent="-457200">
+              <a:buFont typeface="+mj-lt"/>
+              <a:buAutoNum type="arabicPeriod"/>
+            </a:pPr>
+            <a:r>
+              <a:rPr kumimoji="1" lang="ja-JP" altLang="en-US" dirty="0"/>
+              <a:t>読点を正しくうっている</a:t>
+            </a:r>
+            <a:endParaRPr kumimoji="1" lang="en-US" dirty="0"/>
+          </a:p>
+        </p:txBody>
+      </p:sp>
+    </p:spTree>
+    <p:extLst>
+      <p:ext uri="{BB962C8B-B14F-4D97-AF65-F5344CB8AC3E}">
+        <p14:creationId xmlns:p14="http://schemas.microsoft.com/office/powerpoint/2010/main" val="2963593128"/>
+      </p:ext>
+    </p:extLst>
+  </p:cSld>
+  <p:clrMapOvr>
+    <a:masterClrMapping/>
+  </p:clrMapOvr>
+  <mc:AlternateContent xmlns:mc="http://schemas.openxmlformats.org/markup-compatibility/2006" xmlns:p14="http://schemas.microsoft.com/office/powerpoint/2010/main">
+    <mc:Choice Requires="p14">
+      <p:transition p14:dur="10"/>
+    </mc:Choice>
+    <mc:Fallback xmlns="">
+      <p:transition/>
+    </mc:Fallback>
+  </mc:AlternateContent>
+</p:sld>
+</file>
+
+<file path=ppt/slides/slide30.xml><?xml version="1.0" encoding="utf-8"?>
 <p:sld xmlns:a="http://schemas.openxmlformats.org/drawingml/2006/main" xmlns:r="http://schemas.openxmlformats.org/officeDocument/2006/relationships" xmlns:p="http://schemas.openxmlformats.org/presentationml/2006/main">
   <p:cSld>
     <p:spTree>
@@ -13396,7 +13677,66 @@
 </p:sld>
 </file>
 
-<file path=ppt/slides/slide3.xml><?xml version="1.0" encoding="utf-8"?>
+<file path=ppt/slides/slide31.xml><?xml version="1.0" encoding="utf-8"?>
+<p:sld xmlns:a="http://schemas.openxmlformats.org/drawingml/2006/main" xmlns:r="http://schemas.openxmlformats.org/officeDocument/2006/relationships" xmlns:p="http://schemas.openxmlformats.org/presentationml/2006/main">
+  <p:cSld>
+    <p:spTree>
+      <p:nvGrpSpPr>
+        <p:cNvPr id="1" name=""/>
+        <p:cNvGrpSpPr/>
+        <p:nvPr/>
+      </p:nvGrpSpPr>
+      <p:grpSpPr>
+        <a:xfrm>
+          <a:off x="0" y="0"/>
+          <a:ext cx="0" cy="0"/>
+          <a:chOff x="0" y="0"/>
+          <a:chExt cx="0" cy="0"/>
+        </a:xfrm>
+      </p:grpSpPr>
+      <p:sp>
+        <p:nvSpPr>
+          <p:cNvPr id="4" name="タイトル 3">
+            <a:extLst>
+              <a:ext uri="{FF2B5EF4-FFF2-40B4-BE49-F238E27FC236}">
+                <a16:creationId xmlns:a16="http://schemas.microsoft.com/office/drawing/2014/main" id="{A9426C05-5AE1-8631-4846-516FF0339BB6}"/>
+              </a:ext>
+            </a:extLst>
+          </p:cNvPr>
+          <p:cNvSpPr>
+            <a:spLocks noGrp="1"/>
+          </p:cNvSpPr>
+          <p:nvPr>
+            <p:ph type="title"/>
+          </p:nvPr>
+        </p:nvSpPr>
+        <p:spPr/>
+        <p:txBody>
+          <a:bodyPr/>
+          <a:lstStyle/>
+          <a:p>
+            <a:r>
+              <a:rPr lang="ja-JP" altLang="en-US" dirty="0"/>
+              <a:t>その他の話題</a:t>
+            </a:r>
+            <a:endParaRPr lang="en-US" dirty="0"/>
+          </a:p>
+        </p:txBody>
+      </p:sp>
+    </p:spTree>
+    <p:extLst>
+      <p:ext uri="{BB962C8B-B14F-4D97-AF65-F5344CB8AC3E}">
+        <p14:creationId xmlns:p14="http://schemas.microsoft.com/office/powerpoint/2010/main" val="3864265871"/>
+      </p:ext>
+    </p:extLst>
+  </p:cSld>
+  <p:clrMapOvr>
+    <a:masterClrMapping/>
+  </p:clrMapOvr>
+</p:sld>
+</file>
+
+<file path=ppt/slides/slide32.xml><?xml version="1.0" encoding="utf-8"?>
 <p:sld xmlns:a="http://schemas.openxmlformats.org/drawingml/2006/main" xmlns:r="http://schemas.openxmlformats.org/officeDocument/2006/relationships" xmlns:p="http://schemas.openxmlformats.org/presentationml/2006/main">
   <p:cSld>
     <p:spTree>
@@ -13418,7 +13758,7 @@
           <p:cNvPr id="2" name="タイトル 1">
             <a:extLst>
               <a:ext uri="{FF2B5EF4-FFF2-40B4-BE49-F238E27FC236}">
-                <a16:creationId xmlns:a16="http://schemas.microsoft.com/office/drawing/2014/main" id="{F1737B44-8032-4C9C-E23C-52FE6C5F10AD}"/>
+                <a16:creationId xmlns:a16="http://schemas.microsoft.com/office/drawing/2014/main" id="{57D58272-A4AE-3AA5-F40D-3A8576F12440}"/>
               </a:ext>
             </a:extLst>
           </p:cNvPr>
@@ -13436,8 +13776,9 @@
           <a:p>
             <a:r>
               <a:rPr kumimoji="1" lang="ja-JP" altLang="en-US" dirty="0"/>
-              <a:t>はじめに</a:t>
-            </a:r>
+              <a:t>読点の打ち方</a:t>
+            </a:r>
+            <a:endParaRPr kumimoji="1" lang="en-US" dirty="0"/>
           </a:p>
         </p:txBody>
       </p:sp>
@@ -13446,7 +13787,240 @@
           <p:cNvPr id="3" name="テキスト プレースホルダー 2">
             <a:extLst>
               <a:ext uri="{FF2B5EF4-FFF2-40B4-BE49-F238E27FC236}">
-                <a16:creationId xmlns:a16="http://schemas.microsoft.com/office/drawing/2014/main" id="{2AF16432-062D-1B5F-79E7-959ADC48A770}"/>
+                <a16:creationId xmlns:a16="http://schemas.microsoft.com/office/drawing/2014/main" id="{5CFAE879-D802-CFF8-6E96-86A2DEB88E2F}"/>
+              </a:ext>
+            </a:extLst>
+          </p:cNvPr>
+          <p:cNvSpPr>
+            <a:spLocks noGrp="1"/>
+          </p:cNvSpPr>
+          <p:nvPr>
+            <p:ph type="body" sz="quarter" idx="10"/>
+          </p:nvPr>
+        </p:nvSpPr>
+        <p:spPr bwMode="auto"/>
+        <p:txBody>
+          <a:bodyPr/>
+          <a:lstStyle/>
+          <a:p>
+            <a:r>
+              <a:rPr kumimoji="1" lang="ja-JP" altLang="en-US" dirty="0"/>
+              <a:t>読点「、」「，」は使って良い場所が決まっている</a:t>
+            </a:r>
+            <a:endParaRPr kumimoji="1" lang="en-US" altLang="ja-JP" dirty="0"/>
+          </a:p>
+          <a:p>
+            <a:pPr marL="817200" lvl="1" indent="-457200">
+              <a:buFont typeface="+mj-lt"/>
+              <a:buAutoNum type="arabicPeriod"/>
+            </a:pPr>
+            <a:r>
+              <a:rPr kumimoji="1" lang="ja-JP" altLang="en-US" dirty="0"/>
+              <a:t>複文における文と文の間の切れ目</a:t>
+            </a:r>
+            <a:endParaRPr kumimoji="1" lang="en-US" altLang="ja-JP" dirty="0"/>
+          </a:p>
+          <a:p>
+            <a:pPr lvl="2"/>
+            <a:r>
+              <a:rPr kumimoji="1" lang="ja-JP" altLang="en-US" dirty="0"/>
+              <a:t>「</a:t>
+            </a:r>
+            <a:r>
+              <a:rPr kumimoji="1" lang="en-US" altLang="ja-JP" dirty="0"/>
+              <a:t>A </a:t>
+            </a:r>
+            <a:r>
+              <a:rPr kumimoji="1" lang="ja-JP" altLang="en-US" dirty="0"/>
+              <a:t>は </a:t>
+            </a:r>
+            <a:r>
+              <a:rPr kumimoji="1" lang="en-US" altLang="ja-JP" dirty="0"/>
+              <a:t>B </a:t>
+            </a:r>
+            <a:r>
+              <a:rPr kumimoji="1" lang="ja-JP" altLang="en-US" dirty="0"/>
+              <a:t>であり，したがって </a:t>
+            </a:r>
+            <a:r>
+              <a:rPr kumimoji="1" lang="en-US" altLang="ja-JP" dirty="0"/>
+              <a:t>B </a:t>
+            </a:r>
+            <a:r>
+              <a:rPr kumimoji="1" lang="ja-JP" altLang="en-US" dirty="0"/>
+              <a:t>は </a:t>
+            </a:r>
+            <a:r>
+              <a:rPr kumimoji="1" lang="en-US" altLang="ja-JP" dirty="0"/>
+              <a:t>C </a:t>
+            </a:r>
+            <a:r>
+              <a:rPr kumimoji="1" lang="ja-JP" altLang="en-US" dirty="0"/>
+              <a:t>である」</a:t>
+            </a:r>
+            <a:endParaRPr kumimoji="1" lang="en-US" altLang="ja-JP" dirty="0"/>
+          </a:p>
+          <a:p>
+            <a:pPr marL="817200" lvl="1" indent="-457200">
+              <a:buFont typeface="+mj-lt"/>
+              <a:buAutoNum type="arabicPeriod"/>
+            </a:pPr>
+            <a:r>
+              <a:rPr kumimoji="1" lang="ja-JP" altLang="en-US" dirty="0"/>
+              <a:t>接続詞の後</a:t>
+            </a:r>
+            <a:endParaRPr kumimoji="1" lang="en-US" altLang="ja-JP" dirty="0"/>
+          </a:p>
+          <a:p>
+            <a:pPr lvl="2"/>
+            <a:r>
+              <a:rPr kumimoji="1" lang="ja-JP" altLang="en-US" dirty="0"/>
+              <a:t>「しかし，それは･･･」</a:t>
+            </a:r>
+            <a:endParaRPr kumimoji="1" lang="en-US" altLang="ja-JP" dirty="0"/>
+          </a:p>
+          <a:p>
+            <a:pPr marL="817200" lvl="1" indent="-457200">
+              <a:buFont typeface="+mj-lt"/>
+              <a:buAutoNum type="arabicPeriod"/>
+            </a:pPr>
+            <a:r>
+              <a:rPr kumimoji="1" lang="ja-JP" altLang="en-US" dirty="0"/>
+              <a:t>主語と述語の距離が遠い場合</a:t>
+            </a:r>
+            <a:endParaRPr kumimoji="1" lang="en-US" altLang="ja-JP" dirty="0"/>
+          </a:p>
+          <a:p>
+            <a:pPr lvl="2"/>
+            <a:r>
+              <a:rPr kumimoji="1" lang="ja-JP" altLang="en-US" dirty="0"/>
+              <a:t>「この </a:t>
+            </a:r>
+            <a:r>
+              <a:rPr kumimoji="1" lang="en-US" altLang="ja-JP" dirty="0">
+                <a:solidFill>
+                  <a:schemeClr val="accent5"/>
+                </a:solidFill>
+              </a:rPr>
+              <a:t>A </a:t>
+            </a:r>
+            <a:r>
+              <a:rPr kumimoji="1" lang="ja-JP" altLang="en-US" dirty="0">
+                <a:solidFill>
+                  <a:schemeClr val="accent5"/>
+                </a:solidFill>
+              </a:rPr>
+              <a:t>は</a:t>
+            </a:r>
+            <a:r>
+              <a:rPr kumimoji="1" lang="ja-JP" altLang="en-US" dirty="0"/>
+              <a:t>，</a:t>
+            </a:r>
+            <a:r>
+              <a:rPr kumimoji="1" lang="en-US" altLang="ja-JP" dirty="0"/>
+              <a:t>B </a:t>
+            </a:r>
+            <a:r>
+              <a:rPr kumimoji="1" lang="ja-JP" altLang="en-US" dirty="0"/>
+              <a:t>における </a:t>
+            </a:r>
+            <a:r>
+              <a:rPr kumimoji="1" lang="en-US" altLang="ja-JP" dirty="0"/>
+              <a:t>C </a:t>
+            </a:r>
+            <a:r>
+              <a:rPr kumimoji="1" lang="ja-JP" altLang="en-US" dirty="0"/>
+              <a:t>に依存して大きく</a:t>
+            </a:r>
+            <a:r>
+              <a:rPr kumimoji="1" lang="ja-JP" altLang="en-US" dirty="0">
+                <a:solidFill>
+                  <a:schemeClr val="accent5"/>
+                </a:solidFill>
+              </a:rPr>
+              <a:t>変化する</a:t>
+            </a:r>
+            <a:r>
+              <a:rPr kumimoji="1" lang="ja-JP" altLang="en-US" dirty="0"/>
+              <a:t>」</a:t>
+            </a:r>
+            <a:endParaRPr kumimoji="1" lang="en-US" dirty="0"/>
+          </a:p>
+        </p:txBody>
+      </p:sp>
+    </p:spTree>
+    <p:extLst>
+      <p:ext uri="{BB962C8B-B14F-4D97-AF65-F5344CB8AC3E}">
+        <p14:creationId xmlns:p14="http://schemas.microsoft.com/office/powerpoint/2010/main" val="543887066"/>
+      </p:ext>
+    </p:extLst>
+  </p:cSld>
+  <p:clrMapOvr>
+    <a:masterClrMapping/>
+  </p:clrMapOvr>
+  <mc:AlternateContent xmlns:mc="http://schemas.openxmlformats.org/markup-compatibility/2006" xmlns:p14="http://schemas.microsoft.com/office/powerpoint/2010/main">
+    <mc:Choice Requires="p14">
+      <p:transition p14:dur="10"/>
+    </mc:Choice>
+    <mc:Fallback xmlns="">
+      <p:transition/>
+    </mc:Fallback>
+  </mc:AlternateContent>
+</p:sld>
+</file>
+
+<file path=ppt/slides/slide33.xml><?xml version="1.0" encoding="utf-8"?>
+<p:sld xmlns:a="http://schemas.openxmlformats.org/drawingml/2006/main" xmlns:r="http://schemas.openxmlformats.org/officeDocument/2006/relationships" xmlns:p="http://schemas.openxmlformats.org/presentationml/2006/main">
+  <p:cSld>
+    <p:spTree>
+      <p:nvGrpSpPr>
+        <p:cNvPr id="1" name=""/>
+        <p:cNvGrpSpPr/>
+        <p:nvPr/>
+      </p:nvGrpSpPr>
+      <p:grpSpPr>
+        <a:xfrm>
+          <a:off x="0" y="0"/>
+          <a:ext cx="0" cy="0"/>
+          <a:chOff x="0" y="0"/>
+          <a:chExt cx="0" cy="0"/>
+        </a:xfrm>
+      </p:grpSpPr>
+      <p:sp>
+        <p:nvSpPr>
+          <p:cNvPr id="2" name="タイトル 1">
+            <a:extLst>
+              <a:ext uri="{FF2B5EF4-FFF2-40B4-BE49-F238E27FC236}">
+                <a16:creationId xmlns:a16="http://schemas.microsoft.com/office/drawing/2014/main" id="{3E93050F-74CF-CA41-CD19-B44E754077E2}"/>
+              </a:ext>
+            </a:extLst>
+          </p:cNvPr>
+          <p:cNvSpPr>
+            <a:spLocks noGrp="1"/>
+          </p:cNvSpPr>
+          <p:nvPr>
+            <p:ph type="title"/>
+          </p:nvPr>
+        </p:nvSpPr>
+        <p:spPr/>
+        <p:txBody>
+          <a:bodyPr/>
+          <a:lstStyle/>
+          <a:p>
+            <a:r>
+              <a:rPr kumimoji="1" lang="ja-JP" altLang="en-US" dirty="0"/>
+              <a:t>括弧</a:t>
+            </a:r>
+            <a:endParaRPr kumimoji="1" lang="en-US" dirty="0"/>
+          </a:p>
+        </p:txBody>
+      </p:sp>
+      <p:sp>
+        <p:nvSpPr>
+          <p:cNvPr id="3" name="テキスト プレースホルダー 2">
+            <a:extLst>
+              <a:ext uri="{FF2B5EF4-FFF2-40B4-BE49-F238E27FC236}">
+                <a16:creationId xmlns:a16="http://schemas.microsoft.com/office/drawing/2014/main" id="{9CE96331-990A-0E17-D0A4-92F844D51E20}"/>
               </a:ext>
             </a:extLst>
           </p:cNvPr>
@@ -13464,40 +14038,24 @@
           <a:p>
             <a:r>
               <a:rPr kumimoji="1" lang="ja-JP" altLang="en-US" dirty="0"/>
-              <a:t>この資料では文章の書き方を説明する</a:t>
+              <a:t>小括弧「（）」は，</a:t>
             </a:r>
             <a:endParaRPr kumimoji="1" lang="en-US" altLang="ja-JP" dirty="0"/>
           </a:p>
           <a:p>
             <a:pPr lvl="1"/>
             <a:r>
-              <a:rPr lang="ja-JP" altLang="en-US" dirty="0"/>
-              <a:t>論文などのいわゆる「仕事の文章」が対象</a:t>
-            </a:r>
-            <a:endParaRPr lang="en-US" altLang="ja-JP" dirty="0"/>
-          </a:p>
-          <a:p>
-            <a:pPr lvl="1"/>
-            <a:r>
               <a:rPr kumimoji="1" lang="ja-JP" altLang="en-US" dirty="0"/>
-              <a:t>プロットはすでに出来ていることを想定</a:t>
-            </a:r>
-            <a:endParaRPr kumimoji="1" lang="en-US" altLang="ja-JP" dirty="0"/>
-          </a:p>
-          <a:p>
-            <a:pPr lvl="2"/>
-            <a:r>
-              <a:rPr lang="ja-JP" altLang="en-US" dirty="0"/>
-              <a:t>別資料の「プロットの作り方」を参照</a:t>
-            </a:r>
-            <a:endParaRPr kumimoji="1" lang="ja-JP" altLang="en-US" dirty="0"/>
+              <a:t>日本語の時は全角，英語の時は半角に</a:t>
+            </a:r>
+            <a:endParaRPr kumimoji="1" lang="en-US" dirty="0"/>
           </a:p>
         </p:txBody>
       </p:sp>
     </p:spTree>
     <p:extLst>
       <p:ext uri="{BB962C8B-B14F-4D97-AF65-F5344CB8AC3E}">
-        <p14:creationId xmlns:p14="http://schemas.microsoft.com/office/powerpoint/2010/main" val="2379243111"/>
+        <p14:creationId xmlns:p14="http://schemas.microsoft.com/office/powerpoint/2010/main" val="3101355679"/>
       </p:ext>
     </p:extLst>
   </p:cSld>
@@ -13537,7 +14095,7 @@
           <p:cNvPr id="2" name="タイトル 1">
             <a:extLst>
               <a:ext uri="{FF2B5EF4-FFF2-40B4-BE49-F238E27FC236}">
-                <a16:creationId xmlns:a16="http://schemas.microsoft.com/office/drawing/2014/main" id="{DC6035E9-7FA8-52D4-6259-C89BA02C1A03}"/>
+                <a16:creationId xmlns:a16="http://schemas.microsoft.com/office/drawing/2014/main" id="{F1737B44-8032-4C9C-E23C-52FE6C5F10AD}"/>
               </a:ext>
             </a:extLst>
           </p:cNvPr>
@@ -13554,10 +14112,9 @@
           <a:lstStyle/>
           <a:p>
             <a:r>
-              <a:rPr lang="ja-JP" altLang="en-US" dirty="0"/>
-              <a:t>もくじ</a:t>
-            </a:r>
-            <a:endParaRPr kumimoji="1" lang="ja-JP" altLang="en-US" dirty="0"/>
+              <a:rPr kumimoji="1" lang="ja-JP" altLang="en-US" dirty="0"/>
+              <a:t>はじめに</a:t>
+            </a:r>
           </a:p>
         </p:txBody>
       </p:sp>
@@ -13566,7 +14123,7 @@
           <p:cNvPr id="3" name="テキスト プレースホルダー 2">
             <a:extLst>
               <a:ext uri="{FF2B5EF4-FFF2-40B4-BE49-F238E27FC236}">
-                <a16:creationId xmlns:a16="http://schemas.microsoft.com/office/drawing/2014/main" id="{CC66A8BF-6CAA-B169-34F4-739557816258}"/>
+                <a16:creationId xmlns:a16="http://schemas.microsoft.com/office/drawing/2014/main" id="{2AF16432-062D-1B5F-79E7-959ADC48A770}"/>
               </a:ext>
             </a:extLst>
           </p:cNvPr>
@@ -13582,65 +14139,42 @@
           <a:bodyPr/>
           <a:lstStyle/>
           <a:p>
-            <a:pPr marL="457200" indent="-457200">
-              <a:buFont typeface="+mj-lt"/>
-              <a:buAutoNum type="arabicPeriod"/>
-            </a:pPr>
             <a:r>
               <a:rPr kumimoji="1" lang="ja-JP" altLang="en-US" dirty="0"/>
-              <a:t>文章とは</a:t>
+              <a:t>この資料では文章の書き方を説明する</a:t>
             </a:r>
             <a:endParaRPr kumimoji="1" lang="en-US" altLang="ja-JP" dirty="0"/>
           </a:p>
           <a:p>
-            <a:pPr marL="457200" indent="-457200">
-              <a:buFont typeface="+mj-lt"/>
-              <a:buAutoNum type="arabicPeriod"/>
-            </a:pPr>
+            <a:pPr lvl="1"/>
+            <a:r>
+              <a:rPr lang="ja-JP" altLang="en-US" dirty="0"/>
+              <a:t>論文などのいわゆる「仕事の文章」が対象</a:t>
+            </a:r>
+            <a:endParaRPr lang="en-US" altLang="ja-JP" dirty="0"/>
+          </a:p>
+          <a:p>
+            <a:pPr lvl="1"/>
             <a:r>
               <a:rPr kumimoji="1" lang="ja-JP" altLang="en-US" dirty="0"/>
-              <a:t>パラグラフ</a:t>
-            </a:r>
-          </a:p>
-          <a:p>
-            <a:pPr marL="457200" indent="-457200">
-              <a:buFont typeface="+mj-lt"/>
-              <a:buAutoNum type="arabicPeriod"/>
-            </a:pPr>
+              <a:t>プロットはすでに出来ていることを想定</a:t>
+            </a:r>
+            <a:endParaRPr kumimoji="1" lang="en-US" altLang="ja-JP" dirty="0"/>
+          </a:p>
+          <a:p>
+            <a:pPr lvl="2"/>
             <a:r>
               <a:rPr lang="ja-JP" altLang="en-US" dirty="0"/>
-              <a:t>文</a:t>
-            </a:r>
-            <a:endParaRPr lang="en-US" altLang="ja-JP" dirty="0"/>
-          </a:p>
-          <a:p>
-            <a:pPr marL="457200" indent="-457200">
-              <a:buFont typeface="+mj-lt"/>
-              <a:buAutoNum type="arabicPeriod"/>
-            </a:pPr>
-            <a:r>
-              <a:rPr lang="ja-JP" altLang="en-US" dirty="0"/>
-              <a:t>文の接続</a:t>
-            </a:r>
-            <a:endParaRPr lang="en-US" altLang="ja-JP" dirty="0"/>
-          </a:p>
-          <a:p>
-            <a:pPr marL="457200" indent="-457200">
-              <a:buFont typeface="+mj-lt"/>
-              <a:buAutoNum type="arabicPeriod"/>
-            </a:pPr>
-            <a:r>
-              <a:rPr lang="ja-JP" altLang="en-US" dirty="0"/>
-              <a:t>プロットから文章への展開</a:t>
-            </a:r>
-            <a:endParaRPr lang="en-US" altLang="ja-JP" dirty="0"/>
+              <a:t>別資料の「プロットの作り方」を参照</a:t>
+            </a:r>
+            <a:endParaRPr kumimoji="1" lang="ja-JP" altLang="en-US" dirty="0"/>
           </a:p>
         </p:txBody>
       </p:sp>
     </p:spTree>
     <p:extLst>
       <p:ext uri="{BB962C8B-B14F-4D97-AF65-F5344CB8AC3E}">
-        <p14:creationId xmlns:p14="http://schemas.microsoft.com/office/powerpoint/2010/main" val="460280010"/>
+        <p14:creationId xmlns:p14="http://schemas.microsoft.com/office/powerpoint/2010/main" val="2379243111"/>
       </p:ext>
     </p:extLst>
   </p:cSld>
@@ -13677,6 +14211,149 @@
       </p:grpSpPr>
       <p:sp>
         <p:nvSpPr>
+          <p:cNvPr id="2" name="タイトル 1">
+            <a:extLst>
+              <a:ext uri="{FF2B5EF4-FFF2-40B4-BE49-F238E27FC236}">
+                <a16:creationId xmlns:a16="http://schemas.microsoft.com/office/drawing/2014/main" id="{DC6035E9-7FA8-52D4-6259-C89BA02C1A03}"/>
+              </a:ext>
+            </a:extLst>
+          </p:cNvPr>
+          <p:cNvSpPr>
+            <a:spLocks noGrp="1"/>
+          </p:cNvSpPr>
+          <p:nvPr>
+            <p:ph type="title"/>
+          </p:nvPr>
+        </p:nvSpPr>
+        <p:spPr/>
+        <p:txBody>
+          <a:bodyPr/>
+          <a:lstStyle/>
+          <a:p>
+            <a:r>
+              <a:rPr lang="ja-JP" altLang="en-US" dirty="0"/>
+              <a:t>もくじ</a:t>
+            </a:r>
+            <a:endParaRPr kumimoji="1" lang="ja-JP" altLang="en-US" dirty="0"/>
+          </a:p>
+        </p:txBody>
+      </p:sp>
+      <p:sp>
+        <p:nvSpPr>
+          <p:cNvPr id="3" name="テキスト プレースホルダー 2">
+            <a:extLst>
+              <a:ext uri="{FF2B5EF4-FFF2-40B4-BE49-F238E27FC236}">
+                <a16:creationId xmlns:a16="http://schemas.microsoft.com/office/drawing/2014/main" id="{CC66A8BF-6CAA-B169-34F4-739557816258}"/>
+              </a:ext>
+            </a:extLst>
+          </p:cNvPr>
+          <p:cNvSpPr>
+            <a:spLocks noGrp="1"/>
+          </p:cNvSpPr>
+          <p:nvPr>
+            <p:ph type="body" sz="quarter" idx="10"/>
+          </p:nvPr>
+        </p:nvSpPr>
+        <p:spPr/>
+        <p:txBody>
+          <a:bodyPr/>
+          <a:lstStyle/>
+          <a:p>
+            <a:pPr marL="457200" indent="-457200">
+              <a:buFont typeface="+mj-lt"/>
+              <a:buAutoNum type="arabicPeriod"/>
+            </a:pPr>
+            <a:r>
+              <a:rPr kumimoji="1" lang="ja-JP" altLang="en-US" dirty="0"/>
+              <a:t>文章とは</a:t>
+            </a:r>
+            <a:endParaRPr kumimoji="1" lang="en-US" altLang="ja-JP" dirty="0"/>
+          </a:p>
+          <a:p>
+            <a:pPr marL="457200" indent="-457200">
+              <a:buFont typeface="+mj-lt"/>
+              <a:buAutoNum type="arabicPeriod"/>
+            </a:pPr>
+            <a:r>
+              <a:rPr kumimoji="1" lang="ja-JP" altLang="en-US" dirty="0"/>
+              <a:t>パラグラフ</a:t>
+            </a:r>
+          </a:p>
+          <a:p>
+            <a:pPr marL="457200" indent="-457200">
+              <a:buFont typeface="+mj-lt"/>
+              <a:buAutoNum type="arabicPeriod"/>
+            </a:pPr>
+            <a:r>
+              <a:rPr lang="ja-JP" altLang="en-US" dirty="0"/>
+              <a:t>文</a:t>
+            </a:r>
+            <a:endParaRPr lang="en-US" altLang="ja-JP" dirty="0"/>
+          </a:p>
+          <a:p>
+            <a:pPr marL="457200" indent="-457200">
+              <a:buFont typeface="+mj-lt"/>
+              <a:buAutoNum type="arabicPeriod"/>
+            </a:pPr>
+            <a:r>
+              <a:rPr lang="ja-JP" altLang="en-US" dirty="0"/>
+              <a:t>文の接続</a:t>
+            </a:r>
+            <a:endParaRPr lang="en-US" altLang="ja-JP" dirty="0"/>
+          </a:p>
+          <a:p>
+            <a:pPr marL="457200" indent="-457200">
+              <a:buFont typeface="+mj-lt"/>
+              <a:buAutoNum type="arabicPeriod"/>
+            </a:pPr>
+            <a:r>
+              <a:rPr lang="ja-JP" altLang="en-US" dirty="0"/>
+              <a:t>プロットから文章への展開</a:t>
+            </a:r>
+            <a:endParaRPr lang="en-US" altLang="ja-JP" dirty="0"/>
+          </a:p>
+        </p:txBody>
+      </p:sp>
+    </p:spTree>
+    <p:extLst>
+      <p:ext uri="{BB962C8B-B14F-4D97-AF65-F5344CB8AC3E}">
+        <p14:creationId xmlns:p14="http://schemas.microsoft.com/office/powerpoint/2010/main" val="460280010"/>
+      </p:ext>
+    </p:extLst>
+  </p:cSld>
+  <p:clrMapOvr>
+    <a:masterClrMapping/>
+  </p:clrMapOvr>
+  <mc:AlternateContent xmlns:mc="http://schemas.openxmlformats.org/markup-compatibility/2006" xmlns:p14="http://schemas.microsoft.com/office/powerpoint/2010/main">
+    <mc:Choice Requires="p14">
+      <p:transition p14:dur="10"/>
+    </mc:Choice>
+    <mc:Fallback xmlns="">
+      <p:transition/>
+    </mc:Fallback>
+  </mc:AlternateContent>
+</p:sld>
+</file>
+
+<file path=ppt/slides/slide6.xml><?xml version="1.0" encoding="utf-8"?>
+<p:sld xmlns:a="http://schemas.openxmlformats.org/drawingml/2006/main" xmlns:r="http://schemas.openxmlformats.org/officeDocument/2006/relationships" xmlns:p="http://schemas.openxmlformats.org/presentationml/2006/main">
+  <p:cSld>
+    <p:spTree>
+      <p:nvGrpSpPr>
+        <p:cNvPr id="1" name=""/>
+        <p:cNvGrpSpPr/>
+        <p:nvPr/>
+      </p:nvGrpSpPr>
+      <p:grpSpPr>
+        <a:xfrm>
+          <a:off x="0" y="0"/>
+          <a:ext cx="0" cy="0"/>
+          <a:chOff x="0" y="0"/>
+          <a:chExt cx="0" cy="0"/>
+        </a:xfrm>
+      </p:grpSpPr>
+      <p:sp>
+        <p:nvSpPr>
           <p:cNvPr id="6" name="タイトル 5">
             <a:extLst>
               <a:ext uri="{FF2B5EF4-FFF2-40B4-BE49-F238E27FC236}">
@@ -13717,7 +14394,7 @@
 </p:sld>
 </file>
 
-<file path=ppt/slides/slide6.xml><?xml version="1.0" encoding="utf-8"?>
+<file path=ppt/slides/slide7.xml><?xml version="1.0" encoding="utf-8"?>
 <p:sld xmlns:a="http://schemas.openxmlformats.org/drawingml/2006/main" xmlns:r="http://schemas.openxmlformats.org/officeDocument/2006/relationships" xmlns:p="http://schemas.openxmlformats.org/presentationml/2006/main">
   <p:cSld>
     <p:spTree>
@@ -13864,7 +14541,7 @@
 </p:sld>
 </file>
 
-<file path=ppt/slides/slide7.xml><?xml version="1.0" encoding="utf-8"?>
+<file path=ppt/slides/slide8.xml><?xml version="1.0" encoding="utf-8"?>
 <p:sld xmlns:a="http://schemas.openxmlformats.org/drawingml/2006/main" xmlns:r="http://schemas.openxmlformats.org/officeDocument/2006/relationships" xmlns:p="http://schemas.openxmlformats.org/presentationml/2006/main">
   <p:cSld>
     <p:spTree>
@@ -15633,7 +16310,7 @@
 </p:sld>
 </file>
 
-<file path=ppt/slides/slide8.xml><?xml version="1.0" encoding="utf-8"?>
+<file path=ppt/slides/slide9.xml><?xml version="1.0" encoding="utf-8"?>
 <p:sld xmlns:a="http://schemas.openxmlformats.org/drawingml/2006/main" xmlns:r="http://schemas.openxmlformats.org/officeDocument/2006/relationships" xmlns:p="http://schemas.openxmlformats.org/presentationml/2006/main">
   <p:cSld>
     <p:spTree>
@@ -15689,157 +16366,6 @@
   <p:clrMapOvr>
     <a:masterClrMapping/>
   </p:clrMapOvr>
-</p:sld>
-</file>
-
-<file path=ppt/slides/slide9.xml><?xml version="1.0" encoding="utf-8"?>
-<p:sld xmlns:a="http://schemas.openxmlformats.org/drawingml/2006/main" xmlns:r="http://schemas.openxmlformats.org/officeDocument/2006/relationships" xmlns:p="http://schemas.openxmlformats.org/presentationml/2006/main">
-  <p:cSld>
-    <p:spTree>
-      <p:nvGrpSpPr>
-        <p:cNvPr id="1" name=""/>
-        <p:cNvGrpSpPr/>
-        <p:nvPr/>
-      </p:nvGrpSpPr>
-      <p:grpSpPr>
-        <a:xfrm>
-          <a:off x="0" y="0"/>
-          <a:ext cx="0" cy="0"/>
-          <a:chOff x="0" y="0"/>
-          <a:chExt cx="0" cy="0"/>
-        </a:xfrm>
-      </p:grpSpPr>
-      <p:sp>
-        <p:nvSpPr>
-          <p:cNvPr id="2" name="タイトル 1">
-            <a:extLst>
-              <a:ext uri="{FF2B5EF4-FFF2-40B4-BE49-F238E27FC236}">
-                <a16:creationId xmlns:a16="http://schemas.microsoft.com/office/drawing/2014/main" id="{85895AA1-C3F6-5137-D327-90AEE8D8717F}"/>
-              </a:ext>
-            </a:extLst>
-          </p:cNvPr>
-          <p:cNvSpPr>
-            <a:spLocks noGrp="1"/>
-          </p:cNvSpPr>
-          <p:nvPr>
-            <p:ph type="title"/>
-          </p:nvPr>
-        </p:nvSpPr>
-        <p:spPr/>
-        <p:txBody>
-          <a:bodyPr/>
-          <a:lstStyle/>
-          <a:p>
-            <a:r>
-              <a:rPr kumimoji="1" lang="ja-JP" altLang="en-US" dirty="0"/>
-              <a:t>パラグラフ</a:t>
-            </a:r>
-          </a:p>
-        </p:txBody>
-      </p:sp>
-      <p:sp>
-        <p:nvSpPr>
-          <p:cNvPr id="3" name="テキスト プレースホルダー 2">
-            <a:extLst>
-              <a:ext uri="{FF2B5EF4-FFF2-40B4-BE49-F238E27FC236}">
-                <a16:creationId xmlns:a16="http://schemas.microsoft.com/office/drawing/2014/main" id="{AF7DC518-51F8-FA2A-0A74-B2DB18D49FC7}"/>
-              </a:ext>
-            </a:extLst>
-          </p:cNvPr>
-          <p:cNvSpPr>
-            <a:spLocks noGrp="1"/>
-          </p:cNvSpPr>
-          <p:nvPr>
-            <p:ph type="body" sz="quarter" idx="10"/>
-          </p:nvPr>
-        </p:nvSpPr>
-        <p:spPr/>
-        <p:txBody>
-          <a:bodyPr/>
-          <a:lstStyle/>
-          <a:p>
-            <a:r>
-              <a:rPr kumimoji="1" lang="ja-JP" altLang="en-US" dirty="0">
-                <a:solidFill>
-                  <a:schemeClr val="accent5"/>
-                </a:solidFill>
-              </a:rPr>
-              <a:t>１つの主張</a:t>
-            </a:r>
-            <a:r>
-              <a:rPr kumimoji="1" lang="ja-JP" altLang="en-US" dirty="0"/>
-              <a:t>を述べるための，複数の文からなるまとまり</a:t>
-            </a:r>
-            <a:endParaRPr kumimoji="1" lang="en-US" altLang="ja-JP" dirty="0"/>
-          </a:p>
-          <a:p>
-            <a:pPr lvl="1"/>
-            <a:r>
-              <a:rPr kumimoji="1" lang="ja-JP" altLang="en-US" dirty="0"/>
-              <a:t>パラグラフ内に違う主張をいれてはならない</a:t>
-            </a:r>
-            <a:endParaRPr kumimoji="1" lang="en-US" altLang="ja-JP" dirty="0"/>
-          </a:p>
-          <a:p>
-            <a:r>
-              <a:rPr kumimoji="1" lang="ja-JP" altLang="en-US" dirty="0"/>
-              <a:t>以下の種類の複数の文からなる</a:t>
-            </a:r>
-            <a:endParaRPr kumimoji="1" lang="en-US" altLang="ja-JP" dirty="0"/>
-          </a:p>
-          <a:p>
-            <a:pPr marL="817200" lvl="1" indent="-457200">
-              <a:buFont typeface="+mj-lt"/>
-              <a:buAutoNum type="arabicPeriod"/>
-            </a:pPr>
-            <a:r>
-              <a:rPr lang="ja-JP" altLang="en-US" dirty="0"/>
-              <a:t>先頭：　トピック・センテンス</a:t>
-            </a:r>
-            <a:endParaRPr lang="en-US" altLang="ja-JP" dirty="0"/>
-          </a:p>
-          <a:p>
-            <a:pPr marL="817200" lvl="1" indent="-457200">
-              <a:buFont typeface="+mj-lt"/>
-              <a:buAutoNum type="arabicPeriod"/>
-            </a:pPr>
-            <a:r>
-              <a:rPr kumimoji="1" lang="ja-JP" altLang="en-US" dirty="0"/>
-              <a:t>真ん中：サポーティング・センテンス</a:t>
-            </a:r>
-            <a:endParaRPr kumimoji="1" lang="en-US" altLang="ja-JP" dirty="0"/>
-          </a:p>
-          <a:p>
-            <a:pPr marL="817200" lvl="1" indent="-457200">
-              <a:buFont typeface="+mj-lt"/>
-              <a:buAutoNum type="arabicPeriod"/>
-            </a:pPr>
-            <a:r>
-              <a:rPr lang="ja-JP" altLang="en-US" dirty="0"/>
-              <a:t>最後：　コンクルーディング・センテンス</a:t>
-            </a:r>
-            <a:endParaRPr lang="en-US" altLang="ja-JP" dirty="0"/>
-          </a:p>
-        </p:txBody>
-      </p:sp>
-    </p:spTree>
-    <p:extLst>
-      <p:ext uri="{BB962C8B-B14F-4D97-AF65-F5344CB8AC3E}">
-        <p14:creationId xmlns:p14="http://schemas.microsoft.com/office/powerpoint/2010/main" val="2942226945"/>
-      </p:ext>
-    </p:extLst>
-  </p:cSld>
-  <p:clrMapOvr>
-    <a:masterClrMapping/>
-  </p:clrMapOvr>
-  <mc:AlternateContent xmlns:mc="http://schemas.openxmlformats.org/markup-compatibility/2006" xmlns:p14="http://schemas.microsoft.com/office/powerpoint/2010/main">
-    <mc:Choice Requires="p14">
-      <p:transition p14:dur="10"/>
-    </mc:Choice>
-    <mc:Fallback xmlns="">
-      <p:transition/>
-    </mc:Fallback>
-  </mc:AlternateContent>
 </p:sld>
 </file>
 

--- a/writing.pptx
+++ b/writing.pptx
@@ -5,42 +5,50 @@
     <p:sldMasterId id="2147483669" r:id="rId1"/>
   </p:sldMasterIdLst>
   <p:notesMasterIdLst>
-    <p:notesMasterId r:id="rId35"/>
+    <p:notesMasterId r:id="rId43"/>
   </p:notesMasterIdLst>
   <p:sldIdLst>
     <p:sldId id="440" r:id="rId2"/>
     <p:sldId id="508" r:id="rId3"/>
-    <p:sldId id="523" r:id="rId4"/>
-    <p:sldId id="503" r:id="rId5"/>
-    <p:sldId id="504" r:id="rId6"/>
-    <p:sldId id="518" r:id="rId7"/>
+    <p:sldId id="535" r:id="rId4"/>
+    <p:sldId id="523" r:id="rId5"/>
+    <p:sldId id="534" r:id="rId6"/>
+    <p:sldId id="503" r:id="rId7"/>
     <p:sldId id="505" r:id="rId8"/>
     <p:sldId id="512" r:id="rId9"/>
-    <p:sldId id="519" r:id="rId10"/>
-    <p:sldId id="506" r:id="rId11"/>
-    <p:sldId id="509" r:id="rId12"/>
-    <p:sldId id="510" r:id="rId13"/>
-    <p:sldId id="511" r:id="rId14"/>
-    <p:sldId id="520" r:id="rId15"/>
-    <p:sldId id="452" r:id="rId16"/>
-    <p:sldId id="448" r:id="rId17"/>
-    <p:sldId id="450" r:id="rId18"/>
-    <p:sldId id="521" r:id="rId19"/>
-    <p:sldId id="507" r:id="rId20"/>
-    <p:sldId id="517" r:id="rId21"/>
-    <p:sldId id="456" r:id="rId22"/>
-    <p:sldId id="457" r:id="rId23"/>
-    <p:sldId id="474" r:id="rId24"/>
-    <p:sldId id="458" r:id="rId25"/>
-    <p:sldId id="513" r:id="rId26"/>
-    <p:sldId id="522" r:id="rId27"/>
-    <p:sldId id="479" r:id="rId28"/>
-    <p:sldId id="481" r:id="rId29"/>
-    <p:sldId id="482" r:id="rId30"/>
-    <p:sldId id="483" r:id="rId31"/>
-    <p:sldId id="524" r:id="rId32"/>
-    <p:sldId id="525" r:id="rId33"/>
-    <p:sldId id="526" r:id="rId34"/>
+    <p:sldId id="532" r:id="rId10"/>
+    <p:sldId id="520" r:id="rId11"/>
+    <p:sldId id="452" r:id="rId12"/>
+    <p:sldId id="448" r:id="rId13"/>
+    <p:sldId id="450" r:id="rId14"/>
+    <p:sldId id="521" r:id="rId15"/>
+    <p:sldId id="507" r:id="rId16"/>
+    <p:sldId id="517" r:id="rId17"/>
+    <p:sldId id="456" r:id="rId18"/>
+    <p:sldId id="457" r:id="rId19"/>
+    <p:sldId id="474" r:id="rId20"/>
+    <p:sldId id="458" r:id="rId21"/>
+    <p:sldId id="519" r:id="rId22"/>
+    <p:sldId id="506" r:id="rId23"/>
+    <p:sldId id="509" r:id="rId24"/>
+    <p:sldId id="510" r:id="rId25"/>
+    <p:sldId id="511" r:id="rId26"/>
+    <p:sldId id="527" r:id="rId27"/>
+    <p:sldId id="529" r:id="rId28"/>
+    <p:sldId id="513" r:id="rId29"/>
+    <p:sldId id="531" r:id="rId30"/>
+    <p:sldId id="538" r:id="rId31"/>
+    <p:sldId id="539" r:id="rId32"/>
+    <p:sldId id="522" r:id="rId33"/>
+    <p:sldId id="479" r:id="rId34"/>
+    <p:sldId id="481" r:id="rId35"/>
+    <p:sldId id="482" r:id="rId36"/>
+    <p:sldId id="483" r:id="rId37"/>
+    <p:sldId id="524" r:id="rId38"/>
+    <p:sldId id="525" r:id="rId39"/>
+    <p:sldId id="536" r:id="rId40"/>
+    <p:sldId id="537" r:id="rId41"/>
+    <p:sldId id="526" r:id="rId42"/>
   </p:sldIdLst>
   <p:sldSz cx="9144000" cy="6858000" type="screen4x3"/>
   <p:notesSz cx="6858000" cy="9144000"/>
@@ -146,17 +154,13 @@
           <p14:sldIdLst>
             <p14:sldId id="440"/>
             <p14:sldId id="508"/>
+            <p14:sldId id="535"/>
             <p14:sldId id="523"/>
+            <p14:sldId id="534"/>
             <p14:sldId id="503"/>
-            <p14:sldId id="504"/>
-            <p14:sldId id="518"/>
             <p14:sldId id="505"/>
             <p14:sldId id="512"/>
-            <p14:sldId id="519"/>
-            <p14:sldId id="506"/>
-            <p14:sldId id="509"/>
-            <p14:sldId id="510"/>
-            <p14:sldId id="511"/>
+            <p14:sldId id="532"/>
             <p14:sldId id="520"/>
             <p14:sldId id="452"/>
             <p14:sldId id="448"/>
@@ -168,7 +172,17 @@
             <p14:sldId id="457"/>
             <p14:sldId id="474"/>
             <p14:sldId id="458"/>
+            <p14:sldId id="519"/>
+            <p14:sldId id="506"/>
+            <p14:sldId id="509"/>
+            <p14:sldId id="510"/>
+            <p14:sldId id="511"/>
+            <p14:sldId id="527"/>
+            <p14:sldId id="529"/>
             <p14:sldId id="513"/>
+            <p14:sldId id="531"/>
+            <p14:sldId id="538"/>
+            <p14:sldId id="539"/>
             <p14:sldId id="522"/>
             <p14:sldId id="479"/>
             <p14:sldId id="481"/>
@@ -176,6 +190,8 @@
             <p14:sldId id="483"/>
             <p14:sldId id="524"/>
             <p14:sldId id="525"/>
+            <p14:sldId id="536"/>
+            <p14:sldId id="537"/>
             <p14:sldId id="526"/>
           </p14:sldIdLst>
         </p14:section>
@@ -284,7 +300,7 @@
           <a:p>
             <a:fld id="{2ABE53D4-1A7B-4FFE-8A95-4265B045F058}" type="datetimeFigureOut">
               <a:rPr kumimoji="1" lang="ja-JP" altLang="en-US" smtClean="0"/>
-              <a:t>2024/5/7</a:t>
+              <a:t>2025/3/12</a:t>
             </a:fld>
             <a:endParaRPr kumimoji="1" lang="ja-JP" altLang="en-US"/>
           </a:p>
@@ -3078,8 +3094,8 @@
               <a:t>文章の書き方 </a:t>
             </a:r>
             <a:r>
-              <a:rPr lang="en-US" altLang="ja-JP" sz="2800"/>
-              <a:t>v2</a:t>
+              <a:rPr lang="en-US" altLang="ja-JP" sz="2800" dirty="0"/>
+              <a:t>v3</a:t>
             </a:r>
             <a:endParaRPr kumimoji="1" lang="ja-JP" altLang="en-US" sz="2800" dirty="0"/>
           </a:p>
@@ -3403,10 +3419,10 @@
       </p:grpSpPr>
       <p:sp>
         <p:nvSpPr>
-          <p:cNvPr id="2" name="タイトル 1">
-            <a:extLst>
-              <a:ext uri="{FF2B5EF4-FFF2-40B4-BE49-F238E27FC236}">
-                <a16:creationId xmlns:a16="http://schemas.microsoft.com/office/drawing/2014/main" id="{85895AA1-C3F6-5137-D327-90AEE8D8717F}"/>
+          <p:cNvPr id="6" name="タイトル 5">
+            <a:extLst>
+              <a:ext uri="{FF2B5EF4-FFF2-40B4-BE49-F238E27FC236}">
+                <a16:creationId xmlns:a16="http://schemas.microsoft.com/office/drawing/2014/main" id="{D44FC4B2-BE5F-0B62-A30B-6488B98CA7F1}"/>
               </a:ext>
             </a:extLst>
           </p:cNvPr>
@@ -3423,115 +3439,27 @@
           <a:lstStyle/>
           <a:p>
             <a:r>
-              <a:rPr kumimoji="1" lang="ja-JP" altLang="en-US" dirty="0"/>
-              <a:t>パラグラフ</a:t>
-            </a:r>
-          </a:p>
-        </p:txBody>
-      </p:sp>
-      <p:sp>
-        <p:nvSpPr>
-          <p:cNvPr id="3" name="テキスト プレースホルダー 2">
-            <a:extLst>
-              <a:ext uri="{FF2B5EF4-FFF2-40B4-BE49-F238E27FC236}">
-                <a16:creationId xmlns:a16="http://schemas.microsoft.com/office/drawing/2014/main" id="{AF7DC518-51F8-FA2A-0A74-B2DB18D49FC7}"/>
-              </a:ext>
-            </a:extLst>
-          </p:cNvPr>
-          <p:cNvSpPr>
-            <a:spLocks noGrp="1"/>
-          </p:cNvSpPr>
-          <p:nvPr>
-            <p:ph type="body" sz="quarter" idx="10"/>
-          </p:nvPr>
-        </p:nvSpPr>
-        <p:spPr/>
-        <p:txBody>
-          <a:bodyPr/>
-          <a:lstStyle/>
-          <a:p>
-            <a:r>
-              <a:rPr kumimoji="1" lang="ja-JP" altLang="en-US" dirty="0">
-                <a:solidFill>
-                  <a:schemeClr val="accent5"/>
-                </a:solidFill>
-              </a:rPr>
-              <a:t>１つの主張</a:t>
-            </a:r>
-            <a:r>
-              <a:rPr kumimoji="1" lang="ja-JP" altLang="en-US" dirty="0"/>
-              <a:t>を述べるための，複数の文からなるまとまり</a:t>
-            </a:r>
-            <a:endParaRPr kumimoji="1" lang="en-US" altLang="ja-JP" dirty="0"/>
-          </a:p>
-          <a:p>
-            <a:pPr lvl="1"/>
-            <a:r>
-              <a:rPr kumimoji="1" lang="ja-JP" altLang="en-US" dirty="0"/>
-              <a:t>パラグラフ内に違う主張をいれてはならない</a:t>
-            </a:r>
-            <a:endParaRPr kumimoji="1" lang="en-US" altLang="ja-JP" dirty="0"/>
-          </a:p>
-          <a:p>
-            <a:r>
-              <a:rPr kumimoji="1" lang="ja-JP" altLang="en-US" dirty="0"/>
-              <a:t>以下の種類の複数の文からなる</a:t>
-            </a:r>
-            <a:endParaRPr kumimoji="1" lang="en-US" altLang="ja-JP" dirty="0"/>
-          </a:p>
-          <a:p>
-            <a:pPr marL="817200" lvl="1" indent="-457200">
-              <a:buFont typeface="+mj-lt"/>
-              <a:buAutoNum type="arabicPeriod"/>
-            </a:pPr>
-            <a:r>
-              <a:rPr lang="ja-JP" altLang="en-US" dirty="0"/>
-              <a:t>先頭：　トピック・センテンス</a:t>
-            </a:r>
-            <a:endParaRPr lang="en-US" altLang="ja-JP" dirty="0"/>
-          </a:p>
-          <a:p>
-            <a:pPr marL="817200" lvl="1" indent="-457200">
-              <a:buFont typeface="+mj-lt"/>
-              <a:buAutoNum type="arabicPeriod"/>
-            </a:pPr>
-            <a:r>
-              <a:rPr kumimoji="1" lang="ja-JP" altLang="en-US" dirty="0"/>
-              <a:t>真ん中：サポーティング・センテンス</a:t>
-            </a:r>
-            <a:endParaRPr kumimoji="1" lang="en-US" altLang="ja-JP" dirty="0"/>
-          </a:p>
-          <a:p>
-            <a:pPr marL="817200" lvl="1" indent="-457200">
-              <a:buFont typeface="+mj-lt"/>
-              <a:buAutoNum type="arabicPeriod"/>
-            </a:pPr>
-            <a:r>
-              <a:rPr lang="ja-JP" altLang="en-US" dirty="0"/>
-              <a:t>最後：　コンクルーディング・センテンス</a:t>
-            </a:r>
-            <a:endParaRPr lang="en-US" altLang="ja-JP" dirty="0"/>
+              <a:rPr lang="en-US" altLang="ja-JP" b="1" dirty="0"/>
+              <a:t>[A] </a:t>
+            </a:r>
+            <a:r>
+              <a:rPr lang="ja-JP" altLang="en-US" b="1" dirty="0"/>
+              <a:t>文</a:t>
+            </a:r>
+            <a:endParaRPr lang="en-US" b="1" dirty="0"/>
           </a:p>
         </p:txBody>
       </p:sp>
     </p:spTree>
     <p:extLst>
       <p:ext uri="{BB962C8B-B14F-4D97-AF65-F5344CB8AC3E}">
-        <p14:creationId xmlns:p14="http://schemas.microsoft.com/office/powerpoint/2010/main" val="2942226945"/>
+        <p14:creationId xmlns:p14="http://schemas.microsoft.com/office/powerpoint/2010/main" val="2493814936"/>
       </p:ext>
     </p:extLst>
   </p:cSld>
   <p:clrMapOvr>
     <a:masterClrMapping/>
   </p:clrMapOvr>
-  <mc:AlternateContent xmlns:mc="http://schemas.openxmlformats.org/markup-compatibility/2006" xmlns:p14="http://schemas.microsoft.com/office/powerpoint/2010/main">
-    <mc:Choice Requires="p14">
-      <p:transition p14:dur="10"/>
-    </mc:Choice>
-    <mc:Fallback xmlns="">
-      <p:transition/>
-    </mc:Fallback>
-  </mc:AlternateContent>
 </p:sld>
 </file>
 
@@ -3557,7 +3485,7 @@
           <p:cNvPr id="2" name="タイトル 1">
             <a:extLst>
               <a:ext uri="{FF2B5EF4-FFF2-40B4-BE49-F238E27FC236}">
-                <a16:creationId xmlns:a16="http://schemas.microsoft.com/office/drawing/2014/main" id="{85895AA1-C3F6-5137-D327-90AEE8D8717F}"/>
+                <a16:creationId xmlns:a16="http://schemas.microsoft.com/office/drawing/2014/main" id="{D93A85F1-1B35-5F84-85D9-55D1C6172E1E}"/>
               </a:ext>
             </a:extLst>
           </p:cNvPr>
@@ -3575,7 +3503,7 @@
           <a:p>
             <a:r>
               <a:rPr kumimoji="1" lang="ja-JP" altLang="en-US" dirty="0"/>
-              <a:t>トピック・センテンス</a:t>
+              <a:t>「文」の書き方のポイント</a:t>
             </a:r>
           </a:p>
         </p:txBody>
@@ -3585,7 +3513,7 @@
           <p:cNvPr id="3" name="テキスト プレースホルダー 2">
             <a:extLst>
               <a:ext uri="{FF2B5EF4-FFF2-40B4-BE49-F238E27FC236}">
-                <a16:creationId xmlns:a16="http://schemas.microsoft.com/office/drawing/2014/main" id="{AF7DC518-51F8-FA2A-0A74-B2DB18D49FC7}"/>
+                <a16:creationId xmlns:a16="http://schemas.microsoft.com/office/drawing/2014/main" id="{B4414A41-3B92-4E38-46C4-3166C73733E8}"/>
               </a:ext>
             </a:extLst>
           </p:cNvPr>
@@ -3602,72 +3530,32 @@
           <a:lstStyle/>
           <a:p>
             <a:r>
-              <a:rPr lang="ja-JP" altLang="en-US" dirty="0"/>
-              <a:t>そのパラグラフ全体で述べたい主張をまとめた文</a:t>
-            </a:r>
-            <a:endParaRPr lang="en-US" altLang="ja-JP" dirty="0"/>
-          </a:p>
-          <a:p>
-            <a:pPr lvl="1"/>
-            <a:r>
-              <a:rPr lang="ja-JP" altLang="en-US" dirty="0"/>
-              <a:t>トピック・センテンスは各パラグラフに１つある</a:t>
-            </a:r>
-            <a:endParaRPr lang="en-US" altLang="ja-JP" dirty="0"/>
-          </a:p>
-          <a:p>
-            <a:pPr lvl="1"/>
-            <a:r>
-              <a:rPr lang="ja-JP" altLang="en-US" dirty="0"/>
-              <a:t>基本的にはそのパラグラフの先頭にある</a:t>
-            </a:r>
-            <a:endParaRPr lang="en-US" altLang="ja-JP" dirty="0"/>
-          </a:p>
-          <a:p>
-            <a:pPr lvl="2"/>
-            <a:r>
-              <a:rPr lang="ja-JP" altLang="en-US" dirty="0"/>
-              <a:t>前のパラグラフとの接続の関係で２文目等にくることもある</a:t>
-            </a:r>
-            <a:endParaRPr lang="en-US" altLang="ja-JP" dirty="0"/>
-          </a:p>
-          <a:p>
-            <a:r>
-              <a:rPr lang="ja-JP" altLang="en-US" dirty="0">
-                <a:solidFill>
-                  <a:schemeClr val="accent5"/>
-                </a:solidFill>
-              </a:rPr>
-              <a:t>各パラグラフのトピック・センテンスだけを取り出して繋げて読んでもおおよそ意味が通るようにする</a:t>
-            </a:r>
-            <a:endParaRPr lang="en-US" altLang="ja-JP" dirty="0">
-              <a:solidFill>
-                <a:schemeClr val="accent5"/>
-              </a:solidFill>
-            </a:endParaRPr>
-          </a:p>
-          <a:p>
-            <a:pPr lvl="1"/>
-            <a:r>
-              <a:rPr lang="ja-JP" altLang="en-US" dirty="0"/>
-              <a:t>トピック・センテンスはパラグラフの主張をまとめたもの</a:t>
-            </a:r>
-            <a:endParaRPr lang="en-US" altLang="ja-JP" dirty="0"/>
-          </a:p>
-          <a:p>
-            <a:pPr lvl="1"/>
-            <a:r>
-              <a:rPr lang="ja-JP" altLang="en-US" dirty="0"/>
-              <a:t>そこだけを取り出せば，おおまかな全体の主張がわかる</a:t>
-            </a:r>
-            <a:endParaRPr lang="en-US" altLang="ja-JP" dirty="0"/>
+              <a:rPr kumimoji="1" lang="en-US" altLang="ja-JP" dirty="0"/>
+              <a:t>[A1] </a:t>
+            </a:r>
+            <a:r>
+              <a:rPr kumimoji="1" lang="ja-JP" altLang="en-US" dirty="0"/>
+              <a:t>各文を短く簡潔にする</a:t>
+            </a:r>
+            <a:endParaRPr kumimoji="1" lang="en-US" altLang="ja-JP" dirty="0"/>
+          </a:p>
+          <a:p>
+            <a:r>
+              <a:rPr kumimoji="1" lang="en-US" altLang="ja-JP" dirty="0"/>
+              <a:t>[A2] </a:t>
+            </a:r>
+            <a:r>
+              <a:rPr kumimoji="1" lang="ja-JP" altLang="en-US" dirty="0"/>
+              <a:t>各文の主語や動詞，述語を明確にする</a:t>
+            </a:r>
+            <a:endParaRPr kumimoji="1" lang="en-US" altLang="ja-JP" dirty="0"/>
           </a:p>
         </p:txBody>
       </p:sp>
     </p:spTree>
     <p:extLst>
       <p:ext uri="{BB962C8B-B14F-4D97-AF65-F5344CB8AC3E}">
-        <p14:creationId xmlns:p14="http://schemas.microsoft.com/office/powerpoint/2010/main" val="4163540200"/>
+        <p14:creationId xmlns:p14="http://schemas.microsoft.com/office/powerpoint/2010/main" val="3057599224"/>
       </p:ext>
     </p:extLst>
   </p:cSld>
@@ -3707,7 +3595,7 @@
           <p:cNvPr id="2" name="タイトル 1">
             <a:extLst>
               <a:ext uri="{FF2B5EF4-FFF2-40B4-BE49-F238E27FC236}">
-                <a16:creationId xmlns:a16="http://schemas.microsoft.com/office/drawing/2014/main" id="{85895AA1-C3F6-5137-D327-90AEE8D8717F}"/>
+                <a16:creationId xmlns:a16="http://schemas.microsoft.com/office/drawing/2014/main" id="{A660BB84-DBA8-6642-6C09-5A4CA1B7E113}"/>
               </a:ext>
             </a:extLst>
           </p:cNvPr>
@@ -3724,8 +3612,12 @@
           <a:lstStyle/>
           <a:p>
             <a:r>
+              <a:rPr kumimoji="1" lang="en-US" altLang="ja-JP" dirty="0"/>
+              <a:t>[A1] [A2] </a:t>
+            </a:r>
+            <a:r>
               <a:rPr kumimoji="1" lang="ja-JP" altLang="en-US" dirty="0"/>
-              <a:t>サポーティング・センテンス</a:t>
+              <a:t>各文を短く簡潔にする</a:t>
             </a:r>
           </a:p>
         </p:txBody>
@@ -3735,7 +3627,7 @@
           <p:cNvPr id="3" name="テキスト プレースホルダー 2">
             <a:extLst>
               <a:ext uri="{FF2B5EF4-FFF2-40B4-BE49-F238E27FC236}">
-                <a16:creationId xmlns:a16="http://schemas.microsoft.com/office/drawing/2014/main" id="{AF7DC518-51F8-FA2A-0A74-B2DB18D49FC7}"/>
+                <a16:creationId xmlns:a16="http://schemas.microsoft.com/office/drawing/2014/main" id="{7FC8FB9F-70D9-3B50-054F-E1E6CF721F79}"/>
               </a:ext>
             </a:extLst>
           </p:cNvPr>
@@ -3752,52 +3644,59 @@
           <a:lstStyle/>
           <a:p>
             <a:r>
+              <a:rPr kumimoji="1" lang="ja-JP" altLang="en-US" b="1" dirty="0">
+                <a:solidFill>
+                  <a:schemeClr val="accent5"/>
+                </a:solidFill>
+              </a:rPr>
+              <a:t>短い文は全てを解決する</a:t>
+            </a:r>
+            <a:endParaRPr kumimoji="1" lang="en-US" altLang="ja-JP" dirty="0"/>
+          </a:p>
+          <a:p>
+            <a:pPr lvl="1"/>
+            <a:r>
               <a:rPr kumimoji="1" lang="ja-JP" altLang="en-US" dirty="0"/>
-              <a:t>サポーティング・センテンス</a:t>
+              <a:t>短く簡潔な文は，誰が読んでも明確に意味が理解できる</a:t>
             </a:r>
             <a:endParaRPr kumimoji="1" lang="en-US" altLang="ja-JP" dirty="0"/>
           </a:p>
           <a:p>
             <a:pPr lvl="1"/>
             <a:r>
-              <a:rPr lang="ja-JP" altLang="en-US" dirty="0"/>
-              <a:t>トピック・センテンスの主張を補強するための文</a:t>
-            </a:r>
-            <a:endParaRPr lang="en-US" altLang="ja-JP" dirty="0"/>
+              <a:rPr kumimoji="1" lang="ja-JP" altLang="en-US" dirty="0"/>
+              <a:t>短い文に区切り，それらを適切に繋ぐ</a:t>
+            </a:r>
+            <a:endParaRPr kumimoji="1" lang="en-US" altLang="ja-JP" dirty="0"/>
+          </a:p>
+          <a:p>
+            <a:pPr lvl="2"/>
+            <a:r>
+              <a:rPr kumimoji="1" lang="ja-JP" altLang="en-US" dirty="0"/>
+              <a:t>ぶつ切れになってしまう場合は，次節以降の接続方法を参照</a:t>
+            </a:r>
+            <a:endParaRPr kumimoji="1" lang="en-US" altLang="ja-JP" dirty="0"/>
+          </a:p>
+          <a:p>
+            <a:r>
+              <a:rPr kumimoji="1" lang="ja-JP" altLang="en-US" dirty="0"/>
+              <a:t>長い修飾節を持つ文を書かない</a:t>
+            </a:r>
+            <a:endParaRPr kumimoji="1" lang="en-US" altLang="ja-JP" dirty="0"/>
+          </a:p>
+          <a:p>
+            <a:r>
+              <a:rPr kumimoji="1" lang="ja-JP" altLang="en-US" dirty="0"/>
+              <a:t>複文も可能な限り避ける</a:t>
+            </a:r>
+            <a:endParaRPr kumimoji="1" lang="en-US" altLang="ja-JP" dirty="0"/>
           </a:p>
           <a:p>
             <a:pPr lvl="1"/>
             <a:r>
               <a:rPr kumimoji="1" lang="ja-JP" altLang="en-US" dirty="0"/>
-              <a:t>各パラグラフはサポーティング・センテンスを１～複数含む</a:t>
-            </a:r>
-            <a:endParaRPr kumimoji="1" lang="en-US" altLang="ja-JP" dirty="0"/>
-          </a:p>
-          <a:p>
-            <a:r>
-              <a:rPr lang="ja-JP" altLang="en-US" dirty="0"/>
-              <a:t>トピック・センテンスとの関係</a:t>
-            </a:r>
-            <a:endParaRPr lang="en-US" altLang="ja-JP" dirty="0"/>
-          </a:p>
-          <a:p>
-            <a:pPr lvl="1"/>
-            <a:r>
-              <a:rPr kumimoji="1" lang="ja-JP" altLang="en-US" dirty="0"/>
-              <a:t>サポーティング・センテンスはトピック・センテンスの詳細を述べる関係にある</a:t>
-            </a:r>
-            <a:endParaRPr kumimoji="1" lang="en-US" altLang="ja-JP" dirty="0"/>
-          </a:p>
-          <a:p>
-            <a:pPr lvl="1"/>
-            <a:r>
-              <a:rPr kumimoji="1" lang="ja-JP" altLang="en-US" dirty="0"/>
-              <a:t>トピック・センテンスはサポーティング・センテンス達をまとめたものとなる</a:t>
-            </a:r>
-            <a:endParaRPr kumimoji="1" lang="en-US" altLang="ja-JP" dirty="0"/>
-          </a:p>
-          <a:p>
-            <a:pPr lvl="2"/>
+              <a:t>３文以上からなる複文は禁止</a:t>
+            </a:r>
             <a:endParaRPr kumimoji="1" lang="en-US" altLang="ja-JP" dirty="0"/>
           </a:p>
         </p:txBody>
@@ -3805,7 +3704,7 @@
     </p:spTree>
     <p:extLst>
       <p:ext uri="{BB962C8B-B14F-4D97-AF65-F5344CB8AC3E}">
-        <p14:creationId xmlns:p14="http://schemas.microsoft.com/office/powerpoint/2010/main" val="1366793701"/>
+        <p14:creationId xmlns:p14="http://schemas.microsoft.com/office/powerpoint/2010/main" val="1822019107"/>
       </p:ext>
     </p:extLst>
   </p:cSld>
@@ -3845,7 +3744,7 @@
           <p:cNvPr id="2" name="タイトル 1">
             <a:extLst>
               <a:ext uri="{FF2B5EF4-FFF2-40B4-BE49-F238E27FC236}">
-                <a16:creationId xmlns:a16="http://schemas.microsoft.com/office/drawing/2014/main" id="{85895AA1-C3F6-5137-D327-90AEE8D8717F}"/>
+                <a16:creationId xmlns:a16="http://schemas.microsoft.com/office/drawing/2014/main" id="{7015080F-9E79-6A62-8922-464CD13B906F}"/>
               </a:ext>
             </a:extLst>
           </p:cNvPr>
@@ -3862,14 +3761,13 @@
           <a:lstStyle/>
           <a:p>
             <a:r>
-              <a:rPr lang="ja-JP" altLang="en-US" dirty="0"/>
-              <a:t>コンクルーディング</a:t>
-            </a:r>
-            <a:r>
-              <a:rPr lang="ja-JP" altLang="en-US"/>
-              <a:t>・センテンス</a:t>
-            </a:r>
-            <a:endParaRPr kumimoji="1" lang="ja-JP" altLang="en-US" dirty="0"/>
+              <a:rPr kumimoji="1" lang="en-US" altLang="ja-JP" dirty="0"/>
+              <a:t>[A3] </a:t>
+            </a:r>
+            <a:r>
+              <a:rPr kumimoji="1" lang="ja-JP" altLang="en-US" dirty="0"/>
+              <a:t>各文の主語や動詞，述語を明確にする</a:t>
+            </a:r>
           </a:p>
         </p:txBody>
       </p:sp>
@@ -3878,7 +3776,7 @@
           <p:cNvPr id="3" name="テキスト プレースホルダー 2">
             <a:extLst>
               <a:ext uri="{FF2B5EF4-FFF2-40B4-BE49-F238E27FC236}">
-                <a16:creationId xmlns:a16="http://schemas.microsoft.com/office/drawing/2014/main" id="{AF7DC518-51F8-FA2A-0A74-B2DB18D49FC7}"/>
+                <a16:creationId xmlns:a16="http://schemas.microsoft.com/office/drawing/2014/main" id="{CFBEEDD7-1ABB-B544-39E1-C52AB828F23A}"/>
               </a:ext>
             </a:extLst>
           </p:cNvPr>
@@ -3895,16 +3793,16 @@
           <a:lstStyle/>
           <a:p>
             <a:r>
-              <a:rPr lang="ja-JP" altLang="en-US" dirty="0"/>
-              <a:t>コンクルーディング・センテンス</a:t>
-            </a:r>
-            <a:endParaRPr lang="en-US" altLang="ja-JP" dirty="0"/>
+              <a:rPr kumimoji="1" lang="ja-JP" altLang="en-US" dirty="0"/>
+              <a:t>日本語は主語や述語（目的語）を省略して書けてしまう</a:t>
+            </a:r>
+            <a:endParaRPr kumimoji="1" lang="en-US" altLang="ja-JP" dirty="0"/>
           </a:p>
           <a:p>
             <a:pPr lvl="1"/>
             <a:r>
               <a:rPr kumimoji="1" lang="ja-JP" altLang="en-US" dirty="0"/>
-              <a:t>トピック・センテンスの内容を別の言い方でまとめたもの</a:t>
+              <a:t>日本語論文であっても，本来そのような曖昧さは排除すべき</a:t>
             </a:r>
             <a:endParaRPr kumimoji="1" lang="en-US" altLang="ja-JP" dirty="0"/>
           </a:p>
@@ -3912,16 +3810,38 @@
             <a:pPr lvl="1"/>
             <a:r>
               <a:rPr kumimoji="1" lang="ja-JP" altLang="en-US" dirty="0"/>
-              <a:t>ない場合も結構ある</a:t>
+              <a:t>多少冗長であっても，意味に紛れがないよう略さずにきちんと書くべき</a:t>
             </a:r>
             <a:endParaRPr kumimoji="1" lang="en-US" altLang="ja-JP" dirty="0"/>
+          </a:p>
+          <a:p>
+            <a:r>
+              <a:rPr kumimoji="1" lang="ja-JP" altLang="en-US" dirty="0">
+                <a:solidFill>
+                  <a:schemeClr val="accent5"/>
+                </a:solidFill>
+              </a:rPr>
+              <a:t>まず各文を確認して，主語や述語が欠けていないかを確認</a:t>
+            </a:r>
+            <a:endParaRPr kumimoji="1" lang="en-US" altLang="ja-JP" dirty="0">
+              <a:solidFill>
+                <a:schemeClr val="accent5"/>
+              </a:solidFill>
+            </a:endParaRPr>
+          </a:p>
+          <a:p>
+            <a:pPr lvl="1"/>
+            <a:r>
+              <a:rPr kumimoji="1" lang="ja-JP" altLang="en-US" dirty="0"/>
+              <a:t>自明な場合でも「それ」などを使った方がよい</a:t>
+            </a:r>
           </a:p>
         </p:txBody>
       </p:sp>
     </p:spTree>
     <p:extLst>
       <p:ext uri="{BB962C8B-B14F-4D97-AF65-F5344CB8AC3E}">
-        <p14:creationId xmlns:p14="http://schemas.microsoft.com/office/powerpoint/2010/main" val="127409624"/>
+        <p14:creationId xmlns:p14="http://schemas.microsoft.com/office/powerpoint/2010/main" val="902104713"/>
       </p:ext>
     </p:extLst>
   </p:cSld>
@@ -3978,17 +3898,21 @@
           <a:lstStyle/>
           <a:p>
             <a:r>
-              <a:rPr lang="ja-JP" altLang="en-US" dirty="0"/>
-              <a:t>文</a:t>
-            </a:r>
-            <a:endParaRPr lang="en-US" dirty="0"/>
+              <a:rPr lang="en-US" altLang="ja-JP" b="1" dirty="0"/>
+              <a:t>[B] </a:t>
+            </a:r>
+            <a:r>
+              <a:rPr lang="ja-JP" altLang="en-US" b="1" dirty="0"/>
+              <a:t>文の接続</a:t>
+            </a:r>
+            <a:endParaRPr lang="en-US" b="1" dirty="0"/>
           </a:p>
         </p:txBody>
       </p:sp>
     </p:spTree>
     <p:extLst>
       <p:ext uri="{BB962C8B-B14F-4D97-AF65-F5344CB8AC3E}">
-        <p14:creationId xmlns:p14="http://schemas.microsoft.com/office/powerpoint/2010/main" val="2493814936"/>
+        <p14:creationId xmlns:p14="http://schemas.microsoft.com/office/powerpoint/2010/main" val="1455509777"/>
       </p:ext>
     </p:extLst>
   </p:cSld>
@@ -4020,7 +3944,7 @@
           <p:cNvPr id="2" name="タイトル 1">
             <a:extLst>
               <a:ext uri="{FF2B5EF4-FFF2-40B4-BE49-F238E27FC236}">
-                <a16:creationId xmlns:a16="http://schemas.microsoft.com/office/drawing/2014/main" id="{D93A85F1-1B35-5F84-85D9-55D1C6172E1E}"/>
+                <a16:creationId xmlns:a16="http://schemas.microsoft.com/office/drawing/2014/main" id="{29EE214D-6E7A-0357-0756-680B63295B42}"/>
               </a:ext>
             </a:extLst>
           </p:cNvPr>
@@ -4037,9 +3961,14 @@
           <a:lstStyle/>
           <a:p>
             <a:r>
-              <a:rPr kumimoji="1" lang="ja-JP" altLang="en-US" dirty="0"/>
-              <a:t>「文」の書き方のポイント</a:t>
-            </a:r>
+              <a:rPr lang="en-US" altLang="ja-JP" dirty="0"/>
+              <a:t>[B1] </a:t>
+            </a:r>
+            <a:r>
+              <a:rPr lang="ja-JP" altLang="en-US" dirty="0"/>
+              <a:t>文の接続の基本１：古い情報と新しい情報</a:t>
+            </a:r>
+            <a:endParaRPr kumimoji="1" lang="ja-JP" altLang="en-US" dirty="0"/>
           </a:p>
         </p:txBody>
       </p:sp>
@@ -4048,7 +3977,7 @@
           <p:cNvPr id="3" name="テキスト プレースホルダー 2">
             <a:extLst>
               <a:ext uri="{FF2B5EF4-FFF2-40B4-BE49-F238E27FC236}">
-                <a16:creationId xmlns:a16="http://schemas.microsoft.com/office/drawing/2014/main" id="{B4414A41-3B92-4E38-46C4-3166C73733E8}"/>
+                <a16:creationId xmlns:a16="http://schemas.microsoft.com/office/drawing/2014/main" id="{73E7C1C9-4BB8-6905-4AC9-D99FB1224F57}"/>
               </a:ext>
             </a:extLst>
           </p:cNvPr>
@@ -4064,33 +3993,104 @@
           <a:bodyPr/>
           <a:lstStyle/>
           <a:p>
-            <a:pPr marL="457200" indent="-457200">
-              <a:buFont typeface="+mj-lt"/>
-              <a:buAutoNum type="arabicPeriod"/>
-            </a:pPr>
+            <a:r>
+              <a:rPr lang="ja-JP" altLang="en-US" dirty="0">
+                <a:solidFill>
+                  <a:schemeClr val="accent5"/>
+                </a:solidFill>
+              </a:rPr>
+              <a:t>文や文章は「古い情報」に「新しい情報」を結びつける</a:t>
+            </a:r>
+            <a:endParaRPr lang="en-US" altLang="ja-JP" dirty="0">
+              <a:solidFill>
+                <a:schemeClr val="accent5"/>
+              </a:solidFill>
+            </a:endParaRPr>
+          </a:p>
+          <a:p>
+            <a:pPr lvl="1"/>
             <a:r>
               <a:rPr kumimoji="1" lang="ja-JP" altLang="en-US" dirty="0"/>
-              <a:t>各文を短く簡潔にする</a:t>
+              <a:t>古い情報：</a:t>
             </a:r>
             <a:endParaRPr kumimoji="1" lang="en-US" altLang="ja-JP" dirty="0"/>
           </a:p>
           <a:p>
-            <a:pPr marL="457200" indent="-457200">
-              <a:buFont typeface="+mj-lt"/>
-              <a:buAutoNum type="arabicPeriod"/>
-            </a:pPr>
+            <a:pPr lvl="2"/>
             <a:r>
               <a:rPr kumimoji="1" lang="ja-JP" altLang="en-US" dirty="0"/>
-              <a:t>各文の主語や動詞，述語を明確にする</a:t>
+              <a:t>その文までに文章中に出てきた情報</a:t>
             </a:r>
             <a:endParaRPr kumimoji="1" lang="en-US" altLang="ja-JP" dirty="0"/>
+          </a:p>
+          <a:p>
+            <a:pPr lvl="2"/>
+            <a:r>
+              <a:rPr kumimoji="1" lang="ja-JP" altLang="en-US" dirty="0"/>
+              <a:t>読者が元から知っている（と想定できる）情報</a:t>
+            </a:r>
+            <a:endParaRPr kumimoji="1" lang="en-US" altLang="ja-JP" dirty="0"/>
+          </a:p>
+          <a:p>
+            <a:pPr lvl="1"/>
+            <a:r>
+              <a:rPr lang="ja-JP" altLang="en-US" dirty="0"/>
+              <a:t>新しい情報：</a:t>
+            </a:r>
+            <a:endParaRPr lang="en-US" altLang="ja-JP" dirty="0"/>
+          </a:p>
+          <a:p>
+            <a:pPr lvl="2"/>
+            <a:r>
+              <a:rPr lang="ja-JP" altLang="en-US" dirty="0"/>
+              <a:t>まだ文章中に出てきていない情報</a:t>
+            </a:r>
+            <a:endParaRPr lang="en-US" altLang="ja-JP" dirty="0"/>
+          </a:p>
+          <a:p>
+            <a:r>
+              <a:rPr kumimoji="1" lang="ja-JP" altLang="en-US" dirty="0"/>
+              <a:t>文章の構造：</a:t>
+            </a:r>
+            <a:endParaRPr kumimoji="1" lang="en-US" altLang="ja-JP" dirty="0"/>
+          </a:p>
+          <a:p>
+            <a:pPr lvl="1"/>
+            <a:r>
+              <a:rPr lang="ja-JP" altLang="en-US" dirty="0"/>
+              <a:t>個々の文によって新しい情報を少しずつ足す</a:t>
+            </a:r>
+            <a:endParaRPr lang="en-US" altLang="ja-JP" dirty="0"/>
+          </a:p>
+          <a:p>
+            <a:pPr lvl="1"/>
+            <a:r>
+              <a:rPr lang="ja-JP" altLang="en-US" dirty="0"/>
+              <a:t>文の集まりである文章により大きな新しい情報を表現する</a:t>
+            </a:r>
+            <a:endParaRPr kumimoji="1" lang="en-US" altLang="ja-JP" dirty="0"/>
+          </a:p>
+          <a:p>
+            <a:r>
+              <a:rPr lang="ja-JP" altLang="en-US" dirty="0">
+                <a:solidFill>
+                  <a:schemeClr val="accent5"/>
+                </a:solidFill>
+              </a:rPr>
+              <a:t>「古い情報」を一切含まない文は基本的に文章中に現れない</a:t>
+            </a:r>
+            <a:endParaRPr kumimoji="1" lang="ja-JP" altLang="en-US" dirty="0">
+              <a:solidFill>
+                <a:schemeClr val="accent5"/>
+              </a:solidFill>
+            </a:endParaRPr>
           </a:p>
         </p:txBody>
       </p:sp>
     </p:spTree>
     <p:extLst>
       <p:ext uri="{BB962C8B-B14F-4D97-AF65-F5344CB8AC3E}">
-        <p14:creationId xmlns:p14="http://schemas.microsoft.com/office/powerpoint/2010/main" val="3057599224"/>
+        <p14:creationId xmlns:p14="http://schemas.microsoft.com/office/powerpoint/2010/main" val="2172065855"/>
       </p:ext>
     </p:extLst>
   </p:cSld>
@@ -4130,7 +4130,7 @@
           <p:cNvPr id="2" name="タイトル 1">
             <a:extLst>
               <a:ext uri="{FF2B5EF4-FFF2-40B4-BE49-F238E27FC236}">
-                <a16:creationId xmlns:a16="http://schemas.microsoft.com/office/drawing/2014/main" id="{A660BB84-DBA8-6642-6C09-5A4CA1B7E113}"/>
+                <a16:creationId xmlns:a16="http://schemas.microsoft.com/office/drawing/2014/main" id="{29EE214D-6E7A-0357-0756-680B63295B42}"/>
               </a:ext>
             </a:extLst>
           </p:cNvPr>
@@ -4147,13 +4147,14 @@
           <a:lstStyle/>
           <a:p>
             <a:r>
-              <a:rPr kumimoji="1" lang="en-US" altLang="ja-JP" dirty="0"/>
-              <a:t>1. </a:t>
-            </a:r>
-            <a:r>
-              <a:rPr kumimoji="1" lang="ja-JP" altLang="en-US" dirty="0"/>
-              <a:t>各文を短く簡潔にする</a:t>
-            </a:r>
+              <a:rPr lang="en-US" altLang="ja-JP" dirty="0"/>
+              <a:t>[B2] </a:t>
+            </a:r>
+            <a:r>
+              <a:rPr lang="ja-JP" altLang="en-US" dirty="0"/>
+              <a:t>文の接続の基本２：概観から詳細へ</a:t>
+            </a:r>
+            <a:endParaRPr kumimoji="1" lang="ja-JP" altLang="en-US" dirty="0"/>
           </a:p>
         </p:txBody>
       </p:sp>
@@ -4162,7 +4163,7 @@
           <p:cNvPr id="3" name="テキスト プレースホルダー 2">
             <a:extLst>
               <a:ext uri="{FF2B5EF4-FFF2-40B4-BE49-F238E27FC236}">
-                <a16:creationId xmlns:a16="http://schemas.microsoft.com/office/drawing/2014/main" id="{7FC8FB9F-70D9-3B50-054F-E1E6CF721F79}"/>
+                <a16:creationId xmlns:a16="http://schemas.microsoft.com/office/drawing/2014/main" id="{73E7C1C9-4BB8-6905-4AC9-D99FB1224F57}"/>
               </a:ext>
             </a:extLst>
           </p:cNvPr>
@@ -4179,36 +4180,96 @@
           <a:lstStyle/>
           <a:p>
             <a:r>
-              <a:rPr kumimoji="1" lang="ja-JP" altLang="en-US" b="1" dirty="0">
+              <a:rPr kumimoji="1" lang="ja-JP" altLang="en-US" dirty="0">
                 <a:solidFill>
                   <a:schemeClr val="accent5"/>
                 </a:solidFill>
               </a:rPr>
-              <a:t>短い文は全てを解決する</a:t>
+              <a:t>概観を先に話してから，その詳細を次に話すのが鉄則</a:t>
+            </a:r>
+            <a:endParaRPr kumimoji="1" lang="en-US" altLang="ja-JP" dirty="0">
+              <a:solidFill>
+                <a:schemeClr val="accent5"/>
+              </a:solidFill>
+            </a:endParaRPr>
+          </a:p>
+          <a:p>
+            <a:pPr lvl="1"/>
+            <a:r>
+              <a:rPr kumimoji="1" lang="ja-JP" altLang="en-US" dirty="0"/>
+              <a:t>概観の例</a:t>
             </a:r>
             <a:endParaRPr kumimoji="1" lang="en-US" altLang="ja-JP" dirty="0"/>
           </a:p>
           <a:p>
+            <a:pPr lvl="2"/>
             <a:r>
               <a:rPr kumimoji="1" lang="ja-JP" altLang="en-US" dirty="0"/>
-              <a:t>短く簡潔な文は，</a:t>
+              <a:t>おおざっぱに一言で言うとどう言う事か</a:t>
             </a:r>
             <a:endParaRPr kumimoji="1" lang="en-US" altLang="ja-JP" dirty="0"/>
           </a:p>
           <a:p>
+            <a:pPr lvl="2"/>
+            <a:r>
+              <a:rPr kumimoji="1" lang="ja-JP" altLang="en-US" dirty="0"/>
+              <a:t>なんの話題についてか</a:t>
+            </a:r>
+            <a:endParaRPr kumimoji="1" lang="en-US" altLang="ja-JP" dirty="0"/>
+          </a:p>
+          <a:p>
             <a:pPr lvl="1"/>
             <a:r>
               <a:rPr kumimoji="1" lang="ja-JP" altLang="en-US" dirty="0"/>
-              <a:t>誰が読んでも明確に意味が理解できる</a:t>
+              <a:t>詳細の例</a:t>
             </a:r>
             <a:endParaRPr kumimoji="1" lang="en-US" altLang="ja-JP" dirty="0"/>
+          </a:p>
+          <a:p>
+            <a:pPr lvl="2"/>
+            <a:r>
+              <a:rPr kumimoji="1" lang="ja-JP" altLang="en-US" dirty="0"/>
+              <a:t>一言で言った内容の理由や内訳など</a:t>
+            </a:r>
+            <a:endParaRPr kumimoji="1" lang="en-US" altLang="ja-JP" dirty="0"/>
+          </a:p>
+          <a:p>
+            <a:r>
+              <a:rPr kumimoji="1" lang="ja-JP" altLang="en-US" dirty="0"/>
+              <a:t>逆にしてしまいがち</a:t>
+            </a:r>
+            <a:endParaRPr kumimoji="1" lang="en-US" altLang="ja-JP" dirty="0"/>
+          </a:p>
+          <a:p>
+            <a:pPr lvl="1"/>
+            <a:r>
+              <a:rPr kumimoji="1" lang="ja-JP" altLang="en-US" dirty="0"/>
+              <a:t>逆にすると，最後まで読むと意味が繋がって わかる文になる</a:t>
+            </a:r>
+            <a:endParaRPr kumimoji="1" lang="en-US" altLang="ja-JP" dirty="0"/>
+          </a:p>
+          <a:p>
+            <a:pPr lvl="1"/>
+            <a:r>
+              <a:rPr kumimoji="1" lang="ja-JP" altLang="en-US" dirty="0">
+                <a:solidFill>
+                  <a:schemeClr val="accent5"/>
+                </a:solidFill>
+              </a:rPr>
+              <a:t>これは脳内に情報を全部スタックしておく必要があり，非常にわかりにくい</a:t>
+            </a:r>
+            <a:endParaRPr kumimoji="1" lang="en-US" altLang="ja-JP" dirty="0">
+              <a:solidFill>
+                <a:schemeClr val="accent5"/>
+              </a:solidFill>
+            </a:endParaRPr>
           </a:p>
         </p:txBody>
       </p:sp>
     </p:spTree>
     <p:extLst>
       <p:ext uri="{BB962C8B-B14F-4D97-AF65-F5344CB8AC3E}">
-        <p14:creationId xmlns:p14="http://schemas.microsoft.com/office/powerpoint/2010/main" val="1822019107"/>
+        <p14:creationId xmlns:p14="http://schemas.microsoft.com/office/powerpoint/2010/main" val="3682535709"/>
       </p:ext>
     </p:extLst>
   </p:cSld>
@@ -4248,7 +4309,7 @@
           <p:cNvPr id="2" name="タイトル 1">
             <a:extLst>
               <a:ext uri="{FF2B5EF4-FFF2-40B4-BE49-F238E27FC236}">
-                <a16:creationId xmlns:a16="http://schemas.microsoft.com/office/drawing/2014/main" id="{7015080F-9E79-6A62-8922-464CD13B906F}"/>
+                <a16:creationId xmlns:a16="http://schemas.microsoft.com/office/drawing/2014/main" id="{91D89DC0-3FD1-AEAA-2E43-17FD95F7ABA3}"/>
               </a:ext>
             </a:extLst>
           </p:cNvPr>
@@ -4265,12 +4326,8 @@
           <a:lstStyle/>
           <a:p>
             <a:r>
-              <a:rPr kumimoji="1" lang="en-US" altLang="ja-JP" dirty="0"/>
-              <a:t>2. </a:t>
-            </a:r>
-            <a:r>
               <a:rPr kumimoji="1" lang="ja-JP" altLang="en-US" dirty="0"/>
-              <a:t>各文の主語や動詞，述語を明確にする</a:t>
+              <a:t>各文を適切に接続する</a:t>
             </a:r>
           </a:p>
         </p:txBody>
@@ -4280,7 +4337,7 @@
           <p:cNvPr id="3" name="テキスト プレースホルダー 2">
             <a:extLst>
               <a:ext uri="{FF2B5EF4-FFF2-40B4-BE49-F238E27FC236}">
-                <a16:creationId xmlns:a16="http://schemas.microsoft.com/office/drawing/2014/main" id="{CFBEEDD7-1ABB-B544-39E1-C52AB828F23A}"/>
+                <a16:creationId xmlns:a16="http://schemas.microsoft.com/office/drawing/2014/main" id="{5BC3025A-7B01-BA2E-4B61-9B87B1743DAB}"/>
               </a:ext>
             </a:extLst>
           </p:cNvPr>
@@ -4298,7 +4355,7 @@
           <a:p>
             <a:r>
               <a:rPr kumimoji="1" lang="ja-JP" altLang="en-US" dirty="0"/>
-              <a:t>日本語は主語や述語（目的語）を省略して書けてしまう</a:t>
+              <a:t>なにも考えずに文を短くするとぶつ切れになる</a:t>
             </a:r>
             <a:endParaRPr kumimoji="1" lang="en-US" altLang="ja-JP" dirty="0"/>
           </a:p>
@@ -4306,46 +4363,76 @@
             <a:pPr lvl="1"/>
             <a:r>
               <a:rPr kumimoji="1" lang="ja-JP" altLang="en-US" dirty="0"/>
-              <a:t>日本語論文であっても，本来そのような曖昧さは排除すべき</a:t>
+              <a:t>元々なんとなく繋がっていた気がしていただけで，</a:t>
+            </a:r>
+            <a:br>
+              <a:rPr kumimoji="1" lang="en-US" altLang="ja-JP" dirty="0"/>
+            </a:br>
+            <a:r>
+              <a:rPr kumimoji="1" lang="ja-JP" altLang="en-US" dirty="0"/>
+              <a:t>実は論理的に接続されていないとこうなりがち</a:t>
             </a:r>
             <a:endParaRPr kumimoji="1" lang="en-US" altLang="ja-JP" dirty="0"/>
           </a:p>
           <a:p>
-            <a:pPr lvl="1"/>
             <a:r>
               <a:rPr kumimoji="1" lang="ja-JP" altLang="en-US" dirty="0"/>
-              <a:t>多少冗長であっても，意味に紛れがないよう略さずにきちんと書くべき</a:t>
+              <a:t>文同士を接続する方法</a:t>
             </a:r>
             <a:endParaRPr kumimoji="1" lang="en-US" altLang="ja-JP" dirty="0"/>
           </a:p>
           <a:p>
-            <a:r>
-              <a:rPr kumimoji="1" lang="ja-JP" altLang="en-US" dirty="0">
-                <a:solidFill>
-                  <a:schemeClr val="accent5"/>
-                </a:solidFill>
-              </a:rPr>
-              <a:t>まず各文を確認して，主語や述語が欠けていないかを確認</a:t>
-            </a:r>
-            <a:endParaRPr kumimoji="1" lang="en-US" altLang="ja-JP" dirty="0">
-              <a:solidFill>
-                <a:schemeClr val="accent5"/>
-              </a:solidFill>
-            </a:endParaRPr>
-          </a:p>
-          <a:p>
-            <a:pPr lvl="1"/>
+            <a:pPr marL="817200" lvl="1" indent="-457200">
+              <a:buFont typeface="+mj-lt"/>
+              <a:buAutoNum type="arabicPeriod"/>
+            </a:pPr>
             <a:r>
               <a:rPr kumimoji="1" lang="ja-JP" altLang="en-US" dirty="0"/>
-              <a:t>自明な場合でも「それ」などを使った方がよい</a:t>
-            </a:r>
+              <a:t>接続詞を適切に入れる</a:t>
+            </a:r>
+            <a:endParaRPr kumimoji="1" lang="en-US" altLang="ja-JP" dirty="0"/>
+          </a:p>
+          <a:p>
+            <a:pPr lvl="2"/>
+            <a:r>
+              <a:rPr kumimoji="1" lang="ja-JP" altLang="en-US" dirty="0"/>
+              <a:t>「したがって」</a:t>
+            </a:r>
+            <a:endParaRPr kumimoji="1" lang="en-US" altLang="ja-JP" dirty="0"/>
+          </a:p>
+          <a:p>
+            <a:pPr lvl="2"/>
+            <a:r>
+              <a:rPr kumimoji="1" lang="ja-JP" altLang="en-US" dirty="0"/>
+              <a:t>「なぜなら」</a:t>
+            </a:r>
+            <a:endParaRPr kumimoji="1" lang="en-US" altLang="ja-JP" dirty="0"/>
+          </a:p>
+          <a:p>
+            <a:pPr lvl="2"/>
+            <a:r>
+              <a:rPr kumimoji="1" lang="ja-JP" altLang="en-US" dirty="0"/>
+              <a:t>「しかし」</a:t>
+            </a:r>
+            <a:endParaRPr kumimoji="1" lang="en-US" altLang="ja-JP" dirty="0"/>
+          </a:p>
+          <a:p>
+            <a:pPr marL="817200" lvl="1" indent="-457200">
+              <a:buFont typeface="+mj-lt"/>
+              <a:buAutoNum type="arabicPeriod"/>
+            </a:pPr>
+            <a:r>
+              <a:rPr kumimoji="1" lang="ja-JP" altLang="en-US" dirty="0"/>
+              <a:t>文内の論理的な繋がりを使う</a:t>
+            </a:r>
+            <a:endParaRPr kumimoji="1" lang="en-US" altLang="ja-JP" dirty="0"/>
           </a:p>
         </p:txBody>
       </p:sp>
     </p:spTree>
     <p:extLst>
       <p:ext uri="{BB962C8B-B14F-4D97-AF65-F5344CB8AC3E}">
-        <p14:creationId xmlns:p14="http://schemas.microsoft.com/office/powerpoint/2010/main" val="902104713"/>
+        <p14:creationId xmlns:p14="http://schemas.microsoft.com/office/powerpoint/2010/main" val="308663371"/>
       </p:ext>
     </p:extLst>
   </p:cSld>
@@ -4382,10 +4469,10 @@
       </p:grpSpPr>
       <p:sp>
         <p:nvSpPr>
-          <p:cNvPr id="6" name="タイトル 5">
-            <a:extLst>
-              <a:ext uri="{FF2B5EF4-FFF2-40B4-BE49-F238E27FC236}">
-                <a16:creationId xmlns:a16="http://schemas.microsoft.com/office/drawing/2014/main" id="{D44FC4B2-BE5F-0B62-A30B-6488B98CA7F1}"/>
+          <p:cNvPr id="2" name="タイトル 1">
+            <a:extLst>
+              <a:ext uri="{FF2B5EF4-FFF2-40B4-BE49-F238E27FC236}">
+                <a16:creationId xmlns:a16="http://schemas.microsoft.com/office/drawing/2014/main" id="{0AA3E805-C8B0-4B62-0EE7-64CFD041C187}"/>
               </a:ext>
             </a:extLst>
           </p:cNvPr>
@@ -4402,23 +4489,214 @@
           <a:lstStyle/>
           <a:p>
             <a:r>
-              <a:rPr lang="ja-JP" altLang="en-US" dirty="0"/>
-              <a:t>文の接続</a:t>
-            </a:r>
-            <a:endParaRPr lang="en-US" dirty="0"/>
+              <a:rPr kumimoji="1" lang="ja-JP" altLang="en-US" dirty="0"/>
+              <a:t>論理的な繋がりを使った文の接続１</a:t>
+            </a:r>
+          </a:p>
+        </p:txBody>
+      </p:sp>
+      <p:sp>
+        <p:nvSpPr>
+          <p:cNvPr id="3" name="テキスト プレースホルダー 2">
+            <a:extLst>
+              <a:ext uri="{FF2B5EF4-FFF2-40B4-BE49-F238E27FC236}">
+                <a16:creationId xmlns:a16="http://schemas.microsoft.com/office/drawing/2014/main" id="{60ADC020-2198-50F1-6F94-34B8CBB0F2D4}"/>
+              </a:ext>
+            </a:extLst>
+          </p:cNvPr>
+          <p:cNvSpPr>
+            <a:spLocks noGrp="1"/>
+          </p:cNvSpPr>
+          <p:nvPr>
+            <p:ph type="body" sz="quarter" idx="10"/>
+          </p:nvPr>
+        </p:nvSpPr>
+        <p:spPr/>
+        <p:txBody>
+          <a:bodyPr/>
+          <a:lstStyle/>
+          <a:p>
+            <a:r>
+              <a:rPr kumimoji="1" lang="ja-JP" altLang="en-US" sz="1800" dirty="0">
+                <a:solidFill>
+                  <a:schemeClr val="accent5"/>
+                </a:solidFill>
+              </a:rPr>
+              <a:t>そこより前の文に出てくる単語や事象を入れると自然に繋がる</a:t>
+            </a:r>
+            <a:endParaRPr kumimoji="1" lang="en-US" altLang="ja-JP" sz="1800" dirty="0">
+              <a:solidFill>
+                <a:schemeClr val="accent5"/>
+              </a:solidFill>
+            </a:endParaRPr>
+          </a:p>
+          <a:p>
+            <a:pPr lvl="1"/>
+            <a:r>
+              <a:rPr kumimoji="1" lang="ja-JP" altLang="en-US" sz="1800" dirty="0"/>
+              <a:t>そこまでの文の内容に新しい情報を付け足す形にする</a:t>
+            </a:r>
+            <a:endParaRPr kumimoji="1" lang="en-US" altLang="ja-JP" sz="1800" dirty="0"/>
+          </a:p>
+          <a:p>
+            <a:r>
+              <a:rPr kumimoji="1" lang="ja-JP" altLang="en-US" sz="1800" dirty="0"/>
+              <a:t>「</a:t>
+            </a:r>
+            <a:r>
+              <a:rPr kumimoji="1" lang="en-US" altLang="ja-JP" sz="1800" dirty="0"/>
+              <a:t>A </a:t>
+            </a:r>
+            <a:r>
+              <a:rPr kumimoji="1" lang="ja-JP" altLang="en-US" sz="1800" dirty="0"/>
+              <a:t>は </a:t>
+            </a:r>
+            <a:r>
+              <a:rPr kumimoji="1" lang="en-US" altLang="ja-JP" sz="1800" dirty="0"/>
+              <a:t>B </a:t>
+            </a:r>
+            <a:r>
+              <a:rPr kumimoji="1" lang="ja-JP" altLang="en-US" sz="1800" dirty="0"/>
+              <a:t>である．なぜなら </a:t>
+            </a:r>
+            <a:r>
+              <a:rPr lang="en-US" altLang="ja-JP" sz="1800" dirty="0"/>
+              <a:t>B </a:t>
+            </a:r>
+            <a:r>
+              <a:rPr lang="ja-JP" altLang="en-US" sz="1800" dirty="0"/>
+              <a:t>は </a:t>
+            </a:r>
+            <a:r>
+              <a:rPr lang="en-US" altLang="ja-JP" sz="1800" dirty="0"/>
+              <a:t>C </a:t>
+            </a:r>
+            <a:r>
+              <a:rPr lang="ja-JP" altLang="en-US" sz="1800" dirty="0"/>
+              <a:t>だからだ</a:t>
+            </a:r>
+            <a:r>
+              <a:rPr kumimoji="1" lang="ja-JP" altLang="en-US" sz="1800" dirty="0"/>
+              <a:t>」の後に繋げる文を考える</a:t>
+            </a:r>
+            <a:endParaRPr kumimoji="1" lang="en-US" altLang="ja-JP" sz="1800" dirty="0"/>
+          </a:p>
+          <a:p>
+            <a:pPr lvl="1"/>
+            <a:r>
+              <a:rPr kumimoji="1" lang="ja-JP" altLang="en-US" sz="1800" dirty="0"/>
+              <a:t>良い例：</a:t>
+            </a:r>
+            <a:endParaRPr kumimoji="1" lang="en-US" altLang="ja-JP" sz="1800" dirty="0"/>
+          </a:p>
+          <a:p>
+            <a:pPr lvl="2"/>
+            <a:r>
+              <a:rPr kumimoji="1" lang="ja-JP" altLang="en-US" sz="1800" dirty="0"/>
+              <a:t>「この </a:t>
+            </a:r>
+            <a:r>
+              <a:rPr kumimoji="1" lang="en-US" altLang="ja-JP" sz="1800" dirty="0"/>
+              <a:t>B </a:t>
+            </a:r>
+            <a:r>
+              <a:rPr kumimoji="1" lang="ja-JP" altLang="en-US" sz="1800" dirty="0"/>
+              <a:t>は～という性質をもつ」</a:t>
+            </a:r>
+            <a:endParaRPr kumimoji="1" lang="en-US" altLang="ja-JP" sz="1800" dirty="0"/>
+          </a:p>
+          <a:p>
+            <a:pPr lvl="2"/>
+            <a:r>
+              <a:rPr kumimoji="1" lang="ja-JP" altLang="en-US" sz="1800" dirty="0"/>
+              <a:t>「この </a:t>
+            </a:r>
+            <a:r>
+              <a:rPr kumimoji="1" lang="en-US" altLang="ja-JP" sz="1800" dirty="0"/>
+              <a:t>C </a:t>
+            </a:r>
+            <a:r>
+              <a:rPr kumimoji="1" lang="ja-JP" altLang="en-US" sz="1800" dirty="0"/>
+              <a:t>は一般に </a:t>
+            </a:r>
+            <a:r>
+              <a:rPr kumimoji="1" lang="en-US" altLang="ja-JP" sz="1800" dirty="0"/>
+              <a:t>D </a:t>
+            </a:r>
+            <a:r>
+              <a:rPr kumimoji="1" lang="ja-JP" altLang="en-US" sz="1800" dirty="0"/>
+              <a:t>である」</a:t>
+            </a:r>
+            <a:endParaRPr kumimoji="1" lang="en-US" altLang="ja-JP" sz="1800" dirty="0"/>
+          </a:p>
+          <a:p>
+            <a:pPr lvl="1"/>
+            <a:r>
+              <a:rPr kumimoji="1" lang="ja-JP" altLang="en-US" sz="1800" dirty="0"/>
+              <a:t>だめな例：</a:t>
+            </a:r>
+            <a:endParaRPr kumimoji="1" lang="en-US" altLang="ja-JP" sz="1800" dirty="0"/>
+          </a:p>
+          <a:p>
+            <a:pPr lvl="2"/>
+            <a:r>
+              <a:rPr kumimoji="1" lang="ja-JP" altLang="en-US" sz="1800" dirty="0"/>
+              <a:t>「</a:t>
+            </a:r>
+            <a:r>
+              <a:rPr kumimoji="1" lang="en-US" altLang="ja-JP" sz="1800" dirty="0"/>
+              <a:t>E </a:t>
+            </a:r>
+            <a:r>
+              <a:rPr kumimoji="1" lang="ja-JP" altLang="en-US" sz="1800" dirty="0"/>
+              <a:t>は </a:t>
+            </a:r>
+            <a:r>
+              <a:rPr kumimoji="1" lang="en-US" altLang="ja-JP" sz="1800" dirty="0"/>
+              <a:t>F </a:t>
+            </a:r>
+            <a:r>
+              <a:rPr kumimoji="1" lang="ja-JP" altLang="en-US" sz="1800" dirty="0"/>
+              <a:t>である」（</a:t>
+            </a:r>
+            <a:r>
+              <a:rPr kumimoji="1" lang="en-US" altLang="ja-JP" sz="1800" dirty="0"/>
+              <a:t>E </a:t>
+            </a:r>
+            <a:r>
+              <a:rPr kumimoji="1" lang="ja-JP" altLang="en-US" sz="1800" dirty="0"/>
+              <a:t>も </a:t>
+            </a:r>
+            <a:r>
+              <a:rPr kumimoji="1" lang="en-US" altLang="ja-JP" sz="1800" dirty="0"/>
+              <a:t>F </a:t>
+            </a:r>
+            <a:r>
+              <a:rPr kumimoji="1" lang="ja-JP" altLang="en-US" sz="1800" dirty="0"/>
+              <a:t>も初登場なので繋がってない）</a:t>
+            </a:r>
+            <a:endParaRPr kumimoji="1" lang="en-US" altLang="ja-JP" sz="1800" dirty="0"/>
           </a:p>
         </p:txBody>
       </p:sp>
     </p:spTree>
     <p:extLst>
       <p:ext uri="{BB962C8B-B14F-4D97-AF65-F5344CB8AC3E}">
-        <p14:creationId xmlns:p14="http://schemas.microsoft.com/office/powerpoint/2010/main" val="1455509777"/>
+        <p14:creationId xmlns:p14="http://schemas.microsoft.com/office/powerpoint/2010/main" val="1530409555"/>
       </p:ext>
     </p:extLst>
   </p:cSld>
   <p:clrMapOvr>
     <a:masterClrMapping/>
   </p:clrMapOvr>
+  <mc:AlternateContent xmlns:mc="http://schemas.openxmlformats.org/markup-compatibility/2006" xmlns:p14="http://schemas.microsoft.com/office/powerpoint/2010/main">
+    <mc:Choice Requires="p14">
+      <p:transition p14:dur="10"/>
+    </mc:Choice>
+    <mc:Fallback xmlns="">
+      <p:transition/>
+    </mc:Fallback>
+  </mc:AlternateContent>
 </p:sld>
 </file>
 
@@ -4444,7 +4722,7 @@
           <p:cNvPr id="2" name="タイトル 1">
             <a:extLst>
               <a:ext uri="{FF2B5EF4-FFF2-40B4-BE49-F238E27FC236}">
-                <a16:creationId xmlns:a16="http://schemas.microsoft.com/office/drawing/2014/main" id="{29EE214D-6E7A-0357-0756-680B63295B42}"/>
+                <a16:creationId xmlns:a16="http://schemas.microsoft.com/office/drawing/2014/main" id="{0AA3E805-C8B0-4B62-0EE7-64CFD041C187}"/>
               </a:ext>
             </a:extLst>
           </p:cNvPr>
@@ -4461,10 +4739,9 @@
           <a:lstStyle/>
           <a:p>
             <a:r>
-              <a:rPr lang="ja-JP" altLang="en-US" dirty="0"/>
-              <a:t>文の接続の基本１：古い情報と新しい情報</a:t>
-            </a:r>
-            <a:endParaRPr kumimoji="1" lang="ja-JP" altLang="en-US" dirty="0"/>
+              <a:rPr kumimoji="1" lang="ja-JP" altLang="en-US" dirty="0"/>
+              <a:t>論理的な繋がりを使った文の接続２</a:t>
+            </a:r>
           </a:p>
         </p:txBody>
       </p:sp>
@@ -4473,7 +4750,7 @@
           <p:cNvPr id="3" name="テキスト プレースホルダー 2">
             <a:extLst>
               <a:ext uri="{FF2B5EF4-FFF2-40B4-BE49-F238E27FC236}">
-                <a16:creationId xmlns:a16="http://schemas.microsoft.com/office/drawing/2014/main" id="{73E7C1C9-4BB8-6905-4AC9-D99FB1224F57}"/>
+                <a16:creationId xmlns:a16="http://schemas.microsoft.com/office/drawing/2014/main" id="{60ADC020-2198-50F1-6F94-34B8CBB0F2D4}"/>
               </a:ext>
             </a:extLst>
           </p:cNvPr>
@@ -4490,103 +4767,164 @@
           <a:lstStyle/>
           <a:p>
             <a:r>
-              <a:rPr lang="ja-JP" altLang="en-US" dirty="0">
+              <a:rPr kumimoji="1" lang="ja-JP" altLang="en-US" sz="1800" dirty="0">
                 <a:solidFill>
                   <a:schemeClr val="accent5"/>
                 </a:solidFill>
               </a:rPr>
-              <a:t>文や文章は「古い情報」に「新しい情報」を結びつける</a:t>
-            </a:r>
-            <a:endParaRPr lang="en-US" altLang="ja-JP" dirty="0">
-              <a:solidFill>
-                <a:schemeClr val="accent5"/>
-              </a:solidFill>
-            </a:endParaRPr>
+              <a:t>各文内の前の方に，（なるべく近くの）既出の単語や事象を置く</a:t>
+            </a:r>
+            <a:endParaRPr kumimoji="1" lang="en-US" altLang="ja-JP" sz="1800" dirty="0"/>
           </a:p>
           <a:p>
             <a:pPr lvl="1"/>
             <a:r>
-              <a:rPr kumimoji="1" lang="ja-JP" altLang="en-US" dirty="0"/>
-              <a:t>古い情報：</a:t>
-            </a:r>
-            <a:endParaRPr kumimoji="1" lang="en-US" altLang="ja-JP" dirty="0"/>
+              <a:rPr kumimoji="1" lang="ja-JP" altLang="en-US" sz="1800" dirty="0"/>
+              <a:t>既出の単語が，長い文の後半で初めて出てくるのは良くない</a:t>
+            </a:r>
+            <a:endParaRPr kumimoji="1" lang="en-US" altLang="ja-JP" sz="1800" dirty="0"/>
+          </a:p>
+          <a:p>
+            <a:pPr lvl="1"/>
+            <a:r>
+              <a:rPr kumimoji="1" lang="ja-JP" altLang="en-US" sz="1800" dirty="0"/>
+              <a:t>その文を最後まで読まないと，接続関係がわからない</a:t>
+            </a:r>
+            <a:endParaRPr kumimoji="1" lang="en-US" altLang="ja-JP" sz="1800" dirty="0"/>
+          </a:p>
+          <a:p>
+            <a:r>
+              <a:rPr kumimoji="1" lang="ja-JP" altLang="en-US" sz="1800" dirty="0"/>
+              <a:t>また「</a:t>
+            </a:r>
+            <a:r>
+              <a:rPr kumimoji="1" lang="en-US" altLang="ja-JP" sz="1800" dirty="0"/>
+              <a:t>A </a:t>
+            </a:r>
+            <a:r>
+              <a:rPr kumimoji="1" lang="ja-JP" altLang="en-US" sz="1800" dirty="0"/>
+              <a:t>は </a:t>
+            </a:r>
+            <a:r>
+              <a:rPr kumimoji="1" lang="en-US" altLang="ja-JP" sz="1800" dirty="0"/>
+              <a:t>B </a:t>
+            </a:r>
+            <a:r>
+              <a:rPr kumimoji="1" lang="ja-JP" altLang="en-US" sz="1800" dirty="0"/>
+              <a:t>である．なぜなら </a:t>
+            </a:r>
+            <a:r>
+              <a:rPr lang="en-US" altLang="ja-JP" sz="1800" dirty="0"/>
+              <a:t>B </a:t>
+            </a:r>
+            <a:r>
+              <a:rPr lang="ja-JP" altLang="en-US" sz="1800" dirty="0"/>
+              <a:t>は </a:t>
+            </a:r>
+            <a:r>
+              <a:rPr lang="en-US" altLang="ja-JP" sz="1800" b="1" dirty="0">
+                <a:solidFill>
+                  <a:schemeClr val="accent5"/>
+                </a:solidFill>
+              </a:rPr>
+              <a:t>C</a:t>
+            </a:r>
+            <a:r>
+              <a:rPr lang="en-US" altLang="ja-JP" sz="1800" dirty="0"/>
+              <a:t> </a:t>
+            </a:r>
+            <a:r>
+              <a:rPr lang="ja-JP" altLang="en-US" sz="1800" dirty="0"/>
+              <a:t>だからだ</a:t>
+            </a:r>
+            <a:r>
+              <a:rPr kumimoji="1" lang="ja-JP" altLang="en-US" sz="1800" dirty="0"/>
+              <a:t>」の後に繋げる文を考える</a:t>
+            </a:r>
+            <a:endParaRPr kumimoji="1" lang="en-US" altLang="ja-JP" sz="1800" dirty="0"/>
+          </a:p>
+          <a:p>
+            <a:pPr lvl="1"/>
+            <a:r>
+              <a:rPr kumimoji="1" lang="ja-JP" altLang="en-US" sz="1800" dirty="0"/>
+              <a:t>だめな例：</a:t>
+            </a:r>
+            <a:endParaRPr kumimoji="1" lang="en-US" altLang="ja-JP" sz="1800" dirty="0"/>
           </a:p>
           <a:p>
             <a:pPr lvl="2"/>
             <a:r>
-              <a:rPr kumimoji="1" lang="ja-JP" altLang="en-US" dirty="0"/>
-              <a:t>その文までに文章中に出てきた情報</a:t>
-            </a:r>
-            <a:endParaRPr kumimoji="1" lang="en-US" altLang="ja-JP" dirty="0"/>
+              <a:rPr kumimoji="1" lang="ja-JP" altLang="en-US" sz="1800" dirty="0"/>
+              <a:t>「～は～であり，そのため～は </a:t>
+            </a:r>
+            <a:r>
+              <a:rPr kumimoji="1" lang="en-US" altLang="ja-JP" sz="1800" b="1" dirty="0">
+                <a:solidFill>
+                  <a:schemeClr val="accent5"/>
+                </a:solidFill>
+              </a:rPr>
+              <a:t>C</a:t>
+            </a:r>
+            <a:r>
+              <a:rPr kumimoji="1" lang="en-US" altLang="ja-JP" sz="1800" dirty="0"/>
+              <a:t> </a:t>
+            </a:r>
+            <a:r>
+              <a:rPr kumimoji="1" lang="ja-JP" altLang="en-US" sz="1800" dirty="0"/>
+              <a:t>である」</a:t>
+            </a:r>
+            <a:endParaRPr kumimoji="1" lang="en-US" altLang="ja-JP" sz="1800" dirty="0"/>
           </a:p>
           <a:p>
             <a:pPr lvl="2"/>
             <a:r>
-              <a:rPr kumimoji="1" lang="ja-JP" altLang="en-US" dirty="0"/>
-              <a:t>読者が元から知っている（と想定できる）情報</a:t>
-            </a:r>
-            <a:endParaRPr kumimoji="1" lang="en-US" altLang="ja-JP" dirty="0"/>
+              <a:rPr kumimoji="1" lang="en-US" altLang="ja-JP" sz="1800" dirty="0"/>
+              <a:t>C </a:t>
+            </a:r>
+            <a:r>
+              <a:rPr kumimoji="1" lang="ja-JP" altLang="en-US" sz="1800" dirty="0"/>
+              <a:t>が最後に出てくるので，そこまで読まないと関係がわからない</a:t>
+            </a:r>
+            <a:endParaRPr kumimoji="1" lang="en-US" altLang="ja-JP" sz="1800" dirty="0"/>
           </a:p>
           <a:p>
             <a:pPr lvl="1"/>
             <a:r>
-              <a:rPr lang="ja-JP" altLang="en-US" dirty="0"/>
-              <a:t>新しい情報：</a:t>
-            </a:r>
-            <a:endParaRPr lang="en-US" altLang="ja-JP" dirty="0"/>
+              <a:rPr kumimoji="1" lang="ja-JP" altLang="en-US" sz="1800" dirty="0"/>
+              <a:t>良い例：</a:t>
+            </a:r>
+            <a:endParaRPr kumimoji="1" lang="en-US" altLang="ja-JP" sz="1800" dirty="0"/>
           </a:p>
           <a:p>
             <a:pPr lvl="2"/>
             <a:r>
-              <a:rPr lang="ja-JP" altLang="en-US" dirty="0"/>
-              <a:t>まだ文章中に出てきていない情報</a:t>
-            </a:r>
-            <a:endParaRPr lang="en-US" altLang="ja-JP" dirty="0"/>
-          </a:p>
-          <a:p>
-            <a:r>
-              <a:rPr kumimoji="1" lang="ja-JP" altLang="en-US" dirty="0"/>
-              <a:t>文章の構造：</a:t>
-            </a:r>
-            <a:endParaRPr kumimoji="1" lang="en-US" altLang="ja-JP" dirty="0"/>
-          </a:p>
-          <a:p>
-            <a:pPr lvl="1"/>
-            <a:r>
-              <a:rPr lang="ja-JP" altLang="en-US" dirty="0"/>
-              <a:t>個々の文によって新しい情報を少しずつ足す</a:t>
-            </a:r>
-            <a:endParaRPr lang="en-US" altLang="ja-JP" dirty="0"/>
-          </a:p>
-          <a:p>
-            <a:pPr lvl="1"/>
-            <a:r>
-              <a:rPr lang="ja-JP" altLang="en-US" dirty="0"/>
-              <a:t>文の集まりである文章により大きな新しい情報を表現する</a:t>
-            </a:r>
-            <a:endParaRPr kumimoji="1" lang="en-US" altLang="ja-JP" dirty="0"/>
-          </a:p>
-          <a:p>
-            <a:r>
-              <a:rPr lang="ja-JP" altLang="en-US" dirty="0">
+              <a:rPr kumimoji="1" lang="ja-JP" altLang="en-US" sz="1800" dirty="0"/>
+              <a:t>「～は </a:t>
+            </a:r>
+            <a:r>
+              <a:rPr kumimoji="1" lang="en-US" altLang="ja-JP" sz="1800" b="1" dirty="0">
                 <a:solidFill>
                   <a:schemeClr val="accent5"/>
                 </a:solidFill>
               </a:rPr>
-              <a:t>「古い情報」を一切含まない文は基本的に文章中に現れない</a:t>
-            </a:r>
-            <a:endParaRPr kumimoji="1" lang="ja-JP" altLang="en-US" dirty="0">
-              <a:solidFill>
-                <a:schemeClr val="accent5"/>
-              </a:solidFill>
-            </a:endParaRPr>
+              <a:t>C</a:t>
+            </a:r>
+            <a:r>
+              <a:rPr kumimoji="1" lang="en-US" altLang="ja-JP" sz="1800" dirty="0"/>
+              <a:t> </a:t>
+            </a:r>
+            <a:r>
+              <a:rPr kumimoji="1" lang="ja-JP" altLang="en-US" sz="1800" dirty="0"/>
+              <a:t>である．なぜなら～は～であるためである」</a:t>
+            </a:r>
+            <a:endParaRPr kumimoji="1" lang="en-US" altLang="ja-JP" sz="1800" dirty="0"/>
           </a:p>
         </p:txBody>
       </p:sp>
     </p:spTree>
     <p:extLst>
       <p:ext uri="{BB962C8B-B14F-4D97-AF65-F5344CB8AC3E}">
-        <p14:creationId xmlns:p14="http://schemas.microsoft.com/office/powerpoint/2010/main" val="2172065855"/>
+        <p14:creationId xmlns:p14="http://schemas.microsoft.com/office/powerpoint/2010/main" val="3414039066"/>
       </p:ext>
     </p:extLst>
   </p:cSld>
@@ -4718,7 +5056,7 @@
           <p:cNvPr id="2" name="タイトル 1">
             <a:extLst>
               <a:ext uri="{FF2B5EF4-FFF2-40B4-BE49-F238E27FC236}">
-                <a16:creationId xmlns:a16="http://schemas.microsoft.com/office/drawing/2014/main" id="{29EE214D-6E7A-0357-0756-680B63295B42}"/>
+                <a16:creationId xmlns:a16="http://schemas.microsoft.com/office/drawing/2014/main" id="{97F43A36-1241-4642-C35D-F2423024AF7E}"/>
               </a:ext>
             </a:extLst>
           </p:cNvPr>
@@ -4735,10 +5073,9 @@
           <a:lstStyle/>
           <a:p>
             <a:r>
-              <a:rPr lang="ja-JP" altLang="en-US" dirty="0"/>
-              <a:t>文の接続の基本２：概観から詳細へ</a:t>
-            </a:r>
-            <a:endParaRPr kumimoji="1" lang="ja-JP" altLang="en-US" dirty="0"/>
+              <a:rPr kumimoji="1" lang="ja-JP" altLang="en-US" dirty="0"/>
+              <a:t>論理的な繋がりを使った文の接続３</a:t>
+            </a:r>
           </a:p>
         </p:txBody>
       </p:sp>
@@ -4747,7 +5084,7 @@
           <p:cNvPr id="3" name="テキスト プレースホルダー 2">
             <a:extLst>
               <a:ext uri="{FF2B5EF4-FFF2-40B4-BE49-F238E27FC236}">
-                <a16:creationId xmlns:a16="http://schemas.microsoft.com/office/drawing/2014/main" id="{73E7C1C9-4BB8-6905-4AC9-D99FB1224F57}"/>
+                <a16:creationId xmlns:a16="http://schemas.microsoft.com/office/drawing/2014/main" id="{0AE5F184-FC3A-2542-0079-3B39E1BBBD63}"/>
               </a:ext>
             </a:extLst>
           </p:cNvPr>
@@ -4764,32 +5101,71 @@
           <a:lstStyle/>
           <a:p>
             <a:r>
-              <a:rPr kumimoji="1" lang="ja-JP" altLang="en-US" dirty="0">
-                <a:solidFill>
-                  <a:schemeClr val="accent5"/>
-                </a:solidFill>
-              </a:rPr>
-              <a:t>概観を先に話してから，その詳細を次に話すのが鉄則</a:t>
-            </a:r>
-            <a:endParaRPr kumimoji="1" lang="en-US" altLang="ja-JP" dirty="0">
-              <a:solidFill>
-                <a:schemeClr val="accent5"/>
-              </a:solidFill>
-            </a:endParaRPr>
+              <a:rPr kumimoji="1" lang="ja-JP" altLang="en-US" dirty="0"/>
+              <a:t>最初に要素や単語を列挙してから，ぶらさげる</a:t>
+            </a:r>
+            <a:endParaRPr kumimoji="1" lang="en-US" altLang="ja-JP" dirty="0"/>
           </a:p>
           <a:p>
             <a:pPr lvl="1"/>
             <a:r>
               <a:rPr kumimoji="1" lang="ja-JP" altLang="en-US" dirty="0"/>
-              <a:t>概観の例</a:t>
+              <a:t>この後ろに列挙した要素の説明がくることが自然に伝わる</a:t>
             </a:r>
             <a:endParaRPr kumimoji="1" lang="en-US" altLang="ja-JP" dirty="0"/>
           </a:p>
           <a:p>
+            <a:r>
+              <a:rPr kumimoji="1" lang="ja-JP" altLang="en-US" dirty="0"/>
+              <a:t>例：</a:t>
+            </a:r>
+            <a:endParaRPr kumimoji="1" lang="en-US" altLang="ja-JP" dirty="0"/>
+          </a:p>
+          <a:p>
+            <a:pPr lvl="1"/>
+            <a:r>
+              <a:rPr kumimoji="1" lang="ja-JP" altLang="en-US" dirty="0"/>
+              <a:t>「</a:t>
+            </a:r>
+            <a:r>
+              <a:rPr kumimoji="1" lang="en-US" altLang="ja-JP" dirty="0"/>
+              <a:t>A </a:t>
+            </a:r>
+            <a:r>
+              <a:rPr kumimoji="1" lang="ja-JP" altLang="en-US" dirty="0"/>
+              <a:t>には </a:t>
+            </a:r>
+            <a:r>
+              <a:rPr kumimoji="1" lang="en-US" altLang="ja-JP" dirty="0"/>
+              <a:t>B </a:t>
+            </a:r>
+            <a:r>
+              <a:rPr kumimoji="1" lang="ja-JP" altLang="en-US" dirty="0"/>
+              <a:t>と </a:t>
+            </a:r>
+            <a:r>
+              <a:rPr kumimoji="1" lang="en-US" altLang="ja-JP" dirty="0"/>
+              <a:t>C </a:t>
+            </a:r>
+            <a:r>
+              <a:rPr kumimoji="1" lang="ja-JP" altLang="en-US" dirty="0"/>
+              <a:t>がある」</a:t>
+            </a:r>
+            <a:endParaRPr kumimoji="1" lang="en-US" altLang="ja-JP" dirty="0"/>
+          </a:p>
+          <a:p>
             <a:pPr lvl="2"/>
             <a:r>
               <a:rPr kumimoji="1" lang="ja-JP" altLang="en-US" dirty="0"/>
-              <a:t>おおざっぱに一言で言うとどう言う事か</a:t>
+              <a:t>「</a:t>
+            </a:r>
+            <a:r>
+              <a:rPr kumimoji="1" lang="en-US" altLang="ja-JP" dirty="0"/>
+              <a:t>B </a:t>
+            </a:r>
+            <a:r>
+              <a:rPr kumimoji="1" lang="ja-JP" altLang="en-US" dirty="0"/>
+              <a:t>は～である」</a:t>
             </a:r>
             <a:endParaRPr kumimoji="1" lang="en-US" altLang="ja-JP" dirty="0"/>
           </a:p>
@@ -4797,15 +5173,26 @@
             <a:pPr lvl="2"/>
             <a:r>
               <a:rPr kumimoji="1" lang="ja-JP" altLang="en-US" dirty="0"/>
-              <a:t>なんの話題についてか</a:t>
-            </a:r>
+              <a:t>「一方で </a:t>
+            </a:r>
+            <a:r>
+              <a:rPr kumimoji="1" lang="en-US" altLang="ja-JP" dirty="0"/>
+              <a:t>C </a:t>
+            </a:r>
+            <a:r>
+              <a:rPr kumimoji="1" lang="ja-JP" altLang="en-US" dirty="0"/>
+              <a:t>は～である」</a:t>
+            </a:r>
+            <a:br>
+              <a:rPr kumimoji="1" lang="en-US" altLang="ja-JP" dirty="0"/>
+            </a:br>
             <a:endParaRPr kumimoji="1" lang="en-US" altLang="ja-JP" dirty="0"/>
           </a:p>
           <a:p>
             <a:pPr lvl="1"/>
             <a:r>
               <a:rPr kumimoji="1" lang="ja-JP" altLang="en-US" dirty="0"/>
-              <a:t>詳細の例</a:t>
+              <a:t>「～は以下の手順で行われる」</a:t>
             </a:r>
             <a:endParaRPr kumimoji="1" lang="en-US" altLang="ja-JP" dirty="0"/>
           </a:p>
@@ -4813,39 +5200,76 @@
             <a:pPr lvl="2"/>
             <a:r>
               <a:rPr kumimoji="1" lang="ja-JP" altLang="en-US" dirty="0"/>
-              <a:t>一言で言った内容の理由や内訳など</a:t>
+              <a:t>「</a:t>
+            </a:r>
+            <a:r>
+              <a:rPr kumimoji="1" lang="en-US" altLang="ja-JP" dirty="0"/>
+              <a:t>1.</a:t>
+            </a:r>
+            <a:r>
+              <a:rPr kumimoji="1" lang="ja-JP" altLang="en-US" dirty="0"/>
+              <a:t>」「</a:t>
+            </a:r>
+            <a:r>
+              <a:rPr kumimoji="1" lang="en-US" altLang="ja-JP" dirty="0"/>
+              <a:t>2.</a:t>
+            </a:r>
+            <a:r>
+              <a:rPr kumimoji="1" lang="ja-JP" altLang="en-US" dirty="0"/>
+              <a:t>」「</a:t>
+            </a:r>
+            <a:r>
+              <a:rPr kumimoji="1" lang="en-US" altLang="ja-JP" dirty="0"/>
+              <a:t>3.</a:t>
+            </a:r>
+            <a:r>
+              <a:rPr kumimoji="1" lang="ja-JP" altLang="en-US" dirty="0"/>
+              <a:t>」</a:t>
             </a:r>
             <a:endParaRPr kumimoji="1" lang="en-US" altLang="ja-JP" dirty="0"/>
           </a:p>
           <a:p>
+            <a:pPr lvl="1"/>
             <a:r>
               <a:rPr kumimoji="1" lang="ja-JP" altLang="en-US" dirty="0"/>
-              <a:t>逆にしてしまいがち</a:t>
+              <a:t>「～は以下の２つの理由からなる」</a:t>
             </a:r>
             <a:endParaRPr kumimoji="1" lang="en-US" altLang="ja-JP" dirty="0"/>
           </a:p>
           <a:p>
+            <a:pPr lvl="2"/>
+            <a:r>
+              <a:rPr kumimoji="1" lang="ja-JP" altLang="en-US" dirty="0"/>
+              <a:t>「</a:t>
+            </a:r>
+            <a:r>
+              <a:rPr kumimoji="1" lang="en-US" altLang="ja-JP" dirty="0"/>
+              <a:t>1.</a:t>
+            </a:r>
+            <a:r>
+              <a:rPr kumimoji="1" lang="ja-JP" altLang="en-US" dirty="0"/>
+              <a:t>」「</a:t>
+            </a:r>
+            <a:r>
+              <a:rPr kumimoji="1" lang="en-US" altLang="ja-JP" dirty="0"/>
+              <a:t>2.</a:t>
+            </a:r>
+            <a:r>
+              <a:rPr kumimoji="1" lang="ja-JP" altLang="en-US" dirty="0"/>
+              <a:t>」</a:t>
+            </a:r>
+            <a:endParaRPr kumimoji="1" lang="en-US" altLang="ja-JP" dirty="0"/>
+          </a:p>
+          <a:p>
             <a:pPr lvl="1"/>
-            <a:r>
-              <a:rPr kumimoji="1" lang="ja-JP" altLang="en-US" dirty="0"/>
-              <a:t>逆にすると，最後まで読むと意味が繋がって わかる文になる</a:t>
-            </a:r>
-            <a:endParaRPr kumimoji="1" lang="en-US" altLang="ja-JP" dirty="0"/>
-          </a:p>
-          <a:p>
-            <a:pPr lvl="1"/>
-            <a:r>
-              <a:rPr kumimoji="1" lang="ja-JP" altLang="en-US" dirty="0"/>
-              <a:t>これは脳内に情報を全部スタックしておく必要があり，非常にわかりにくい</a:t>
-            </a:r>
-            <a:endParaRPr kumimoji="1" lang="en-US" altLang="ja-JP" dirty="0"/>
+            <a:endParaRPr kumimoji="1" lang="ja-JP" altLang="en-US" dirty="0"/>
           </a:p>
         </p:txBody>
       </p:sp>
     </p:spTree>
     <p:extLst>
       <p:ext uri="{BB962C8B-B14F-4D97-AF65-F5344CB8AC3E}">
-        <p14:creationId xmlns:p14="http://schemas.microsoft.com/office/powerpoint/2010/main" val="3682535709"/>
+        <p14:creationId xmlns:p14="http://schemas.microsoft.com/office/powerpoint/2010/main" val="2236628389"/>
       </p:ext>
     </p:extLst>
   </p:cSld>
@@ -4882,10 +5306,10 @@
       </p:grpSpPr>
       <p:sp>
         <p:nvSpPr>
-          <p:cNvPr id="2" name="タイトル 1">
-            <a:extLst>
-              <a:ext uri="{FF2B5EF4-FFF2-40B4-BE49-F238E27FC236}">
-                <a16:creationId xmlns:a16="http://schemas.microsoft.com/office/drawing/2014/main" id="{91D89DC0-3FD1-AEAA-2E43-17FD95F7ABA3}"/>
+          <p:cNvPr id="6" name="タイトル 5">
+            <a:extLst>
+              <a:ext uri="{FF2B5EF4-FFF2-40B4-BE49-F238E27FC236}">
+                <a16:creationId xmlns:a16="http://schemas.microsoft.com/office/drawing/2014/main" id="{D44FC4B2-BE5F-0B62-A30B-6488B98CA7F1}"/>
               </a:ext>
             </a:extLst>
           </p:cNvPr>
@@ -4902,127 +5326,27 @@
           <a:lstStyle/>
           <a:p>
             <a:r>
-              <a:rPr kumimoji="1" lang="ja-JP" altLang="en-US" dirty="0"/>
-              <a:t>各文を適切に接続する</a:t>
-            </a:r>
-          </a:p>
-        </p:txBody>
-      </p:sp>
-      <p:sp>
-        <p:nvSpPr>
-          <p:cNvPr id="3" name="テキスト プレースホルダー 2">
-            <a:extLst>
-              <a:ext uri="{FF2B5EF4-FFF2-40B4-BE49-F238E27FC236}">
-                <a16:creationId xmlns:a16="http://schemas.microsoft.com/office/drawing/2014/main" id="{5BC3025A-7B01-BA2E-4B61-9B87B1743DAB}"/>
-              </a:ext>
-            </a:extLst>
-          </p:cNvPr>
-          <p:cNvSpPr>
-            <a:spLocks noGrp="1"/>
-          </p:cNvSpPr>
-          <p:nvPr>
-            <p:ph type="body" sz="quarter" idx="10"/>
-          </p:nvPr>
-        </p:nvSpPr>
-        <p:spPr/>
-        <p:txBody>
-          <a:bodyPr/>
-          <a:lstStyle/>
-          <a:p>
-            <a:r>
-              <a:rPr kumimoji="1" lang="ja-JP" altLang="en-US" dirty="0"/>
-              <a:t>なにも考えずに文を短くするとぶつ切れになる</a:t>
-            </a:r>
-            <a:endParaRPr kumimoji="1" lang="en-US" altLang="ja-JP" dirty="0"/>
-          </a:p>
-          <a:p>
-            <a:pPr lvl="1"/>
-            <a:r>
-              <a:rPr kumimoji="1" lang="ja-JP" altLang="en-US" dirty="0"/>
-              <a:t>元々なんとなく繋がっていた気がしていただけで，</a:t>
-            </a:r>
-            <a:br>
-              <a:rPr kumimoji="1" lang="en-US" altLang="ja-JP" dirty="0"/>
-            </a:br>
-            <a:r>
-              <a:rPr kumimoji="1" lang="ja-JP" altLang="en-US" dirty="0"/>
-              <a:t>実は論理的に接続されていないとこうなりがち</a:t>
-            </a:r>
-            <a:endParaRPr kumimoji="1" lang="en-US" altLang="ja-JP" dirty="0"/>
-          </a:p>
-          <a:p>
-            <a:r>
-              <a:rPr kumimoji="1" lang="ja-JP" altLang="en-US" dirty="0"/>
-              <a:t>文同士を接続する方法</a:t>
-            </a:r>
-            <a:endParaRPr kumimoji="1" lang="en-US" altLang="ja-JP" dirty="0"/>
-          </a:p>
-          <a:p>
-            <a:pPr marL="817200" lvl="1" indent="-457200">
-              <a:buFont typeface="+mj-lt"/>
-              <a:buAutoNum type="arabicPeriod"/>
-            </a:pPr>
-            <a:r>
-              <a:rPr kumimoji="1" lang="ja-JP" altLang="en-US" dirty="0"/>
-              <a:t>接続詞を適切に入れる</a:t>
-            </a:r>
-            <a:endParaRPr kumimoji="1" lang="en-US" altLang="ja-JP" dirty="0"/>
-          </a:p>
-          <a:p>
-            <a:pPr lvl="2"/>
-            <a:r>
-              <a:rPr kumimoji="1" lang="ja-JP" altLang="en-US" dirty="0"/>
-              <a:t>「したがって」</a:t>
-            </a:r>
-            <a:endParaRPr kumimoji="1" lang="en-US" altLang="ja-JP" dirty="0"/>
-          </a:p>
-          <a:p>
-            <a:pPr lvl="2"/>
-            <a:r>
-              <a:rPr kumimoji="1" lang="ja-JP" altLang="en-US" dirty="0"/>
-              <a:t>「なぜなら」</a:t>
-            </a:r>
-            <a:endParaRPr kumimoji="1" lang="en-US" altLang="ja-JP" dirty="0"/>
-          </a:p>
-          <a:p>
-            <a:pPr lvl="2"/>
-            <a:r>
-              <a:rPr kumimoji="1" lang="ja-JP" altLang="en-US" dirty="0"/>
-              <a:t>「しかし」</a:t>
-            </a:r>
-            <a:endParaRPr kumimoji="1" lang="en-US" altLang="ja-JP" dirty="0"/>
-          </a:p>
-          <a:p>
-            <a:pPr marL="817200" lvl="1" indent="-457200">
-              <a:buFont typeface="+mj-lt"/>
-              <a:buAutoNum type="arabicPeriod"/>
-            </a:pPr>
-            <a:r>
-              <a:rPr kumimoji="1" lang="ja-JP" altLang="en-US" dirty="0"/>
-              <a:t>文内の論理的な繋がりを使う</a:t>
-            </a:r>
-            <a:endParaRPr kumimoji="1" lang="en-US" altLang="ja-JP" dirty="0"/>
+              <a:rPr lang="en-US" altLang="ja-JP" b="1" dirty="0"/>
+              <a:t>[C] </a:t>
+            </a:r>
+            <a:r>
+              <a:rPr lang="ja-JP" altLang="en-US" b="1" dirty="0"/>
+              <a:t>パラグラフ</a:t>
+            </a:r>
+            <a:endParaRPr lang="en-US" b="1" dirty="0"/>
           </a:p>
         </p:txBody>
       </p:sp>
     </p:spTree>
     <p:extLst>
       <p:ext uri="{BB962C8B-B14F-4D97-AF65-F5344CB8AC3E}">
-        <p14:creationId xmlns:p14="http://schemas.microsoft.com/office/powerpoint/2010/main" val="308663371"/>
+        <p14:creationId xmlns:p14="http://schemas.microsoft.com/office/powerpoint/2010/main" val="2418874671"/>
       </p:ext>
     </p:extLst>
   </p:cSld>
   <p:clrMapOvr>
     <a:masterClrMapping/>
   </p:clrMapOvr>
-  <mc:AlternateContent xmlns:mc="http://schemas.openxmlformats.org/markup-compatibility/2006" xmlns:p14="http://schemas.microsoft.com/office/powerpoint/2010/main">
-    <mc:Choice Requires="p14">
-      <p:transition p14:dur="10"/>
-    </mc:Choice>
-    <mc:Fallback xmlns="">
-      <p:transition/>
-    </mc:Fallback>
-  </mc:AlternateContent>
 </p:sld>
 </file>
 
@@ -5048,7 +5372,7 @@
           <p:cNvPr id="2" name="タイトル 1">
             <a:extLst>
               <a:ext uri="{FF2B5EF4-FFF2-40B4-BE49-F238E27FC236}">
-                <a16:creationId xmlns:a16="http://schemas.microsoft.com/office/drawing/2014/main" id="{0AA3E805-C8B0-4B62-0EE7-64CFD041C187}"/>
+                <a16:creationId xmlns:a16="http://schemas.microsoft.com/office/drawing/2014/main" id="{85895AA1-C3F6-5137-D327-90AEE8D8717F}"/>
               </a:ext>
             </a:extLst>
           </p:cNvPr>
@@ -5066,7 +5390,7 @@
           <a:p>
             <a:r>
               <a:rPr kumimoji="1" lang="ja-JP" altLang="en-US" dirty="0"/>
-              <a:t>論理的な繋がりを使った文の接続１</a:t>
+              <a:t>パラグラフ</a:t>
             </a:r>
           </a:p>
         </p:txBody>
@@ -5076,7 +5400,7 @@
           <p:cNvPr id="3" name="テキスト プレースホルダー 2">
             <a:extLst>
               <a:ext uri="{FF2B5EF4-FFF2-40B4-BE49-F238E27FC236}">
-                <a16:creationId xmlns:a16="http://schemas.microsoft.com/office/drawing/2014/main" id="{60ADC020-2198-50F1-6F94-34B8CBB0F2D4}"/>
+                <a16:creationId xmlns:a16="http://schemas.microsoft.com/office/drawing/2014/main" id="{AF7DC518-51F8-FA2A-0A74-B2DB18D49FC7}"/>
               </a:ext>
             </a:extLst>
           </p:cNvPr>
@@ -5093,172 +5417,73 @@
           <a:lstStyle/>
           <a:p>
             <a:r>
-              <a:rPr kumimoji="1" lang="ja-JP" altLang="en-US" sz="1800" dirty="0">
+              <a:rPr kumimoji="1" lang="ja-JP" altLang="en-US" dirty="0">
                 <a:solidFill>
                   <a:schemeClr val="accent5"/>
                 </a:solidFill>
               </a:rPr>
-              <a:t>そこより前の文に出てくる単語や事象を入れると自然に繋がる</a:t>
-            </a:r>
-            <a:endParaRPr kumimoji="1" lang="en-US" altLang="ja-JP" sz="1800" dirty="0">
-              <a:solidFill>
-                <a:schemeClr val="accent5"/>
-              </a:solidFill>
-            </a:endParaRPr>
+              <a:t>１つの主張</a:t>
+            </a:r>
+            <a:r>
+              <a:rPr kumimoji="1" lang="ja-JP" altLang="en-US" dirty="0"/>
+              <a:t>を述べるための，複数の文からなるまとまり</a:t>
+            </a:r>
+            <a:endParaRPr kumimoji="1" lang="en-US" altLang="ja-JP" dirty="0"/>
           </a:p>
           <a:p>
             <a:pPr lvl="1"/>
             <a:r>
-              <a:rPr kumimoji="1" lang="ja-JP" altLang="en-US" sz="1800" dirty="0"/>
-              <a:t>そこまでの文の内容に新しい情報を付け足す形にする</a:t>
-            </a:r>
-            <a:endParaRPr kumimoji="1" lang="en-US" altLang="ja-JP" sz="1800" dirty="0"/>
-          </a:p>
-          <a:p>
-            <a:r>
-              <a:rPr kumimoji="1" lang="ja-JP" altLang="en-US" sz="1800" dirty="0"/>
-              <a:t>「</a:t>
-            </a:r>
-            <a:r>
-              <a:rPr kumimoji="1" lang="en-US" altLang="ja-JP" sz="1800" dirty="0"/>
-              <a:t>A </a:t>
-            </a:r>
-            <a:r>
-              <a:rPr kumimoji="1" lang="ja-JP" altLang="en-US" sz="1800" dirty="0"/>
-              <a:t>は </a:t>
-            </a:r>
-            <a:r>
-              <a:rPr kumimoji="1" lang="en-US" altLang="ja-JP" sz="1800" dirty="0"/>
-              <a:t>B </a:t>
-            </a:r>
-            <a:r>
-              <a:rPr kumimoji="1" lang="ja-JP" altLang="en-US" sz="1800" dirty="0"/>
-              <a:t>である．なぜなら </a:t>
-            </a:r>
-            <a:r>
-              <a:rPr lang="en-US" altLang="ja-JP" sz="1800" dirty="0"/>
-              <a:t>B </a:t>
-            </a:r>
-            <a:r>
-              <a:rPr lang="ja-JP" altLang="en-US" sz="1800" dirty="0"/>
-              <a:t>は </a:t>
-            </a:r>
-            <a:r>
-              <a:rPr lang="en-US" altLang="ja-JP" sz="1800" dirty="0"/>
-              <a:t>C </a:t>
-            </a:r>
-            <a:r>
-              <a:rPr lang="ja-JP" altLang="en-US" sz="1800" dirty="0"/>
-              <a:t>だからだ</a:t>
-            </a:r>
-            <a:r>
-              <a:rPr kumimoji="1" lang="ja-JP" altLang="en-US" sz="1800" dirty="0"/>
-              <a:t>」の後に繋げる文を考える</a:t>
-            </a:r>
-            <a:endParaRPr kumimoji="1" lang="en-US" altLang="ja-JP" sz="1800" dirty="0"/>
-          </a:p>
-          <a:p>
-            <a:pPr lvl="1"/>
-            <a:r>
-              <a:rPr kumimoji="1" lang="ja-JP" altLang="en-US" sz="1800" dirty="0"/>
-              <a:t>良い例：</a:t>
-            </a:r>
-            <a:endParaRPr kumimoji="1" lang="en-US" altLang="ja-JP" sz="1800" dirty="0"/>
-          </a:p>
-          <a:p>
-            <a:pPr lvl="2"/>
-            <a:r>
-              <a:rPr kumimoji="1" lang="ja-JP" altLang="en-US" sz="1800" dirty="0"/>
-              <a:t>「この </a:t>
-            </a:r>
-            <a:r>
-              <a:rPr kumimoji="1" lang="en-US" altLang="ja-JP" sz="1800" dirty="0"/>
-              <a:t>B </a:t>
-            </a:r>
-            <a:r>
-              <a:rPr kumimoji="1" lang="ja-JP" altLang="en-US" sz="1800" dirty="0"/>
-              <a:t>は～という性質をもつ」</a:t>
-            </a:r>
-            <a:endParaRPr kumimoji="1" lang="en-US" altLang="ja-JP" sz="1800" dirty="0"/>
-          </a:p>
-          <a:p>
-            <a:pPr lvl="2"/>
-            <a:r>
-              <a:rPr kumimoji="1" lang="ja-JP" altLang="en-US" sz="1800" dirty="0"/>
-              <a:t>「この </a:t>
-            </a:r>
-            <a:r>
-              <a:rPr kumimoji="1" lang="en-US" altLang="ja-JP" sz="1800" dirty="0"/>
-              <a:t>C </a:t>
-            </a:r>
-            <a:r>
-              <a:rPr kumimoji="1" lang="ja-JP" altLang="en-US" sz="1800" dirty="0"/>
-              <a:t>は一般に </a:t>
-            </a:r>
-            <a:r>
-              <a:rPr kumimoji="1" lang="en-US" altLang="ja-JP" sz="1800" dirty="0"/>
-              <a:t>D </a:t>
-            </a:r>
-            <a:r>
-              <a:rPr kumimoji="1" lang="ja-JP" altLang="en-US" sz="1800" dirty="0"/>
-              <a:t>である」</a:t>
-            </a:r>
-            <a:endParaRPr kumimoji="1" lang="en-US" altLang="ja-JP" sz="1800" dirty="0"/>
-          </a:p>
-          <a:p>
-            <a:pPr lvl="1"/>
-            <a:r>
-              <a:rPr kumimoji="1" lang="ja-JP" altLang="en-US" sz="1800" dirty="0"/>
-              <a:t>だめな例：</a:t>
-            </a:r>
-            <a:endParaRPr kumimoji="1" lang="en-US" altLang="ja-JP" sz="1800" dirty="0"/>
-          </a:p>
-          <a:p>
-            <a:pPr lvl="2"/>
-            <a:r>
-              <a:rPr kumimoji="1" lang="ja-JP" altLang="en-US" sz="1800" dirty="0"/>
-              <a:t>「</a:t>
-            </a:r>
-            <a:r>
-              <a:rPr kumimoji="1" lang="en-US" altLang="ja-JP" sz="1800" dirty="0"/>
-              <a:t>E </a:t>
-            </a:r>
-            <a:r>
-              <a:rPr kumimoji="1" lang="ja-JP" altLang="en-US" sz="1800" dirty="0"/>
-              <a:t>は </a:t>
-            </a:r>
-            <a:r>
-              <a:rPr kumimoji="1" lang="en-US" altLang="ja-JP" sz="1800" dirty="0"/>
-              <a:t>F </a:t>
-            </a:r>
-            <a:r>
-              <a:rPr kumimoji="1" lang="ja-JP" altLang="en-US" sz="1800" dirty="0"/>
-              <a:t>である」（</a:t>
-            </a:r>
-            <a:r>
-              <a:rPr kumimoji="1" lang="en-US" altLang="ja-JP" sz="1800" dirty="0"/>
-              <a:t>E </a:t>
-            </a:r>
-            <a:r>
-              <a:rPr kumimoji="1" lang="ja-JP" altLang="en-US" sz="1800" dirty="0"/>
-              <a:t>も </a:t>
-            </a:r>
-            <a:r>
-              <a:rPr kumimoji="1" lang="en-US" altLang="ja-JP" sz="1800" dirty="0"/>
-              <a:t>F </a:t>
-            </a:r>
-            <a:r>
-              <a:rPr kumimoji="1" lang="ja-JP" altLang="en-US" sz="1800" dirty="0"/>
-              <a:t>も初登場なので繋がってない）</a:t>
-            </a:r>
-            <a:endParaRPr kumimoji="1" lang="en-US" altLang="ja-JP" sz="1800" dirty="0"/>
+              <a:rPr kumimoji="1" lang="ja-JP" altLang="en-US" dirty="0"/>
+              <a:t>パラグラフ内にその主張と違う別の主張をいれてはならない</a:t>
+            </a:r>
+            <a:endParaRPr kumimoji="1" lang="en-US" altLang="ja-JP" dirty="0"/>
+          </a:p>
+          <a:p>
+            <a:r>
+              <a:rPr kumimoji="1" lang="ja-JP" altLang="en-US" dirty="0"/>
+              <a:t>以下の種類の複数の文からなる</a:t>
+            </a:r>
+            <a:endParaRPr kumimoji="1" lang="en-US" altLang="ja-JP" dirty="0"/>
+          </a:p>
+          <a:p>
+            <a:pPr marL="817200" lvl="1" indent="-457200">
+              <a:buFont typeface="+mj-lt"/>
+              <a:buAutoNum type="arabicPeriod"/>
+            </a:pPr>
+            <a:r>
+              <a:rPr lang="ja-JP" altLang="en-US" dirty="0"/>
+              <a:t>先頭：　トピック・センテンス</a:t>
+            </a:r>
+            <a:endParaRPr lang="en-US" altLang="ja-JP" dirty="0"/>
+          </a:p>
+          <a:p>
+            <a:pPr marL="817200" lvl="1" indent="-457200">
+              <a:buFont typeface="+mj-lt"/>
+              <a:buAutoNum type="arabicPeriod"/>
+            </a:pPr>
+            <a:r>
+              <a:rPr kumimoji="1" lang="ja-JP" altLang="en-US" dirty="0"/>
+              <a:t>真ん中：サポーティング・センテンス</a:t>
+            </a:r>
+            <a:endParaRPr kumimoji="1" lang="en-US" altLang="ja-JP" dirty="0"/>
+          </a:p>
+          <a:p>
+            <a:pPr marL="817200" lvl="1" indent="-457200">
+              <a:buFont typeface="+mj-lt"/>
+              <a:buAutoNum type="arabicPeriod"/>
+            </a:pPr>
+            <a:r>
+              <a:rPr lang="ja-JP" altLang="en-US" dirty="0"/>
+              <a:t>最後：　コンクルーディング・センテンス</a:t>
+            </a:r>
+            <a:endParaRPr lang="en-US" altLang="ja-JP" dirty="0"/>
           </a:p>
         </p:txBody>
       </p:sp>
     </p:spTree>
     <p:extLst>
       <p:ext uri="{BB962C8B-B14F-4D97-AF65-F5344CB8AC3E}">
-        <p14:creationId xmlns:p14="http://schemas.microsoft.com/office/powerpoint/2010/main" val="1530409555"/>
+        <p14:creationId xmlns:p14="http://schemas.microsoft.com/office/powerpoint/2010/main" val="3922889760"/>
       </p:ext>
     </p:extLst>
   </p:cSld>
@@ -5298,7 +5523,7 @@
           <p:cNvPr id="2" name="タイトル 1">
             <a:extLst>
               <a:ext uri="{FF2B5EF4-FFF2-40B4-BE49-F238E27FC236}">
-                <a16:creationId xmlns:a16="http://schemas.microsoft.com/office/drawing/2014/main" id="{0AA3E805-C8B0-4B62-0EE7-64CFD041C187}"/>
+                <a16:creationId xmlns:a16="http://schemas.microsoft.com/office/drawing/2014/main" id="{85895AA1-C3F6-5137-D327-90AEE8D8717F}"/>
               </a:ext>
             </a:extLst>
           </p:cNvPr>
@@ -5315,8 +5540,12 @@
           <a:lstStyle/>
           <a:p>
             <a:r>
+              <a:rPr kumimoji="1" lang="en-US" altLang="ja-JP" dirty="0"/>
+              <a:t>[C1] </a:t>
+            </a:r>
+            <a:r>
               <a:rPr kumimoji="1" lang="ja-JP" altLang="en-US" dirty="0"/>
-              <a:t>論理的な繋がりを使った文の接続２</a:t>
+              <a:t>トピック・センテンス</a:t>
             </a:r>
           </a:p>
         </p:txBody>
@@ -5326,7 +5555,7 @@
           <p:cNvPr id="3" name="テキスト プレースホルダー 2">
             <a:extLst>
               <a:ext uri="{FF2B5EF4-FFF2-40B4-BE49-F238E27FC236}">
-                <a16:creationId xmlns:a16="http://schemas.microsoft.com/office/drawing/2014/main" id="{60ADC020-2198-50F1-6F94-34B8CBB0F2D4}"/>
+                <a16:creationId xmlns:a16="http://schemas.microsoft.com/office/drawing/2014/main" id="{AF7DC518-51F8-FA2A-0A74-B2DB18D49FC7}"/>
               </a:ext>
             </a:extLst>
           </p:cNvPr>
@@ -5343,164 +5572,87 @@
           <a:lstStyle/>
           <a:p>
             <a:r>
-              <a:rPr kumimoji="1" lang="ja-JP" altLang="en-US" sz="1800" dirty="0">
+              <a:rPr lang="ja-JP" altLang="en-US" dirty="0"/>
+              <a:t>そのパラグラフ全体で述べたい主張をまとめた文</a:t>
+            </a:r>
+            <a:endParaRPr lang="en-US" altLang="ja-JP" dirty="0"/>
+          </a:p>
+          <a:p>
+            <a:pPr lvl="1"/>
+            <a:r>
+              <a:rPr lang="ja-JP" altLang="en-US" dirty="0"/>
+              <a:t>トピック・センテンスは各パラグラフに１つある</a:t>
+            </a:r>
+            <a:endParaRPr lang="en-US" altLang="ja-JP" dirty="0"/>
+          </a:p>
+          <a:p>
+            <a:pPr lvl="1"/>
+            <a:r>
+              <a:rPr lang="ja-JP" altLang="en-US" dirty="0"/>
+              <a:t>基本的にはそのパラグラフの先頭にある</a:t>
+            </a:r>
+            <a:endParaRPr lang="en-US" altLang="ja-JP" dirty="0"/>
+          </a:p>
+          <a:p>
+            <a:pPr lvl="2"/>
+            <a:r>
+              <a:rPr lang="ja-JP" altLang="en-US" dirty="0"/>
+              <a:t>前のパラグラフとの接続の関係で２文目等にくることもある</a:t>
+            </a:r>
+            <a:endParaRPr lang="en-US" altLang="ja-JP" dirty="0"/>
+          </a:p>
+          <a:p>
+            <a:r>
+              <a:rPr lang="ja-JP" altLang="en-US" dirty="0">
                 <a:solidFill>
                   <a:schemeClr val="accent5"/>
                 </a:solidFill>
               </a:rPr>
-              <a:t>各文内の前の方に，（なるべく近くの）既出の単語や事象を置く</a:t>
-            </a:r>
-            <a:endParaRPr kumimoji="1" lang="en-US" altLang="ja-JP" sz="1800" dirty="0"/>
+              <a:t>各パラグラフのトピック・センテンスだけを取り出して繋げて</a:t>
+            </a:r>
+            <a:br>
+              <a:rPr lang="en-US" altLang="ja-JP" dirty="0">
+                <a:solidFill>
+                  <a:schemeClr val="accent5"/>
+                </a:solidFill>
+              </a:rPr>
+            </a:br>
+            <a:r>
+              <a:rPr lang="ja-JP" altLang="en-US" dirty="0">
+                <a:solidFill>
+                  <a:schemeClr val="accent5"/>
+                </a:solidFill>
+              </a:rPr>
+              <a:t>読んでもおおよそ意味が通るようにする</a:t>
+            </a:r>
+            <a:endParaRPr lang="en-US" altLang="ja-JP" dirty="0">
+              <a:solidFill>
+                <a:schemeClr val="accent5"/>
+              </a:solidFill>
+            </a:endParaRPr>
           </a:p>
           <a:p>
             <a:pPr lvl="1"/>
             <a:r>
-              <a:rPr kumimoji="1" lang="ja-JP" altLang="en-US" sz="1800" dirty="0"/>
-              <a:t>既出の単語が，長い文の後半で初めて出てくるのは良くない</a:t>
-            </a:r>
-            <a:endParaRPr kumimoji="1" lang="en-US" altLang="ja-JP" sz="1800" dirty="0"/>
+              <a:rPr lang="ja-JP" altLang="en-US" dirty="0"/>
+              <a:t>トピック・センテンスはパラグラフの主張をまとめたもの</a:t>
+            </a:r>
+            <a:endParaRPr lang="en-US" altLang="ja-JP" dirty="0"/>
           </a:p>
           <a:p>
             <a:pPr lvl="1"/>
             <a:r>
-              <a:rPr kumimoji="1" lang="ja-JP" altLang="en-US" sz="1800" dirty="0"/>
-              <a:t>その文を最後まで読まないと，接続関係がわからない</a:t>
-            </a:r>
-            <a:endParaRPr kumimoji="1" lang="en-US" altLang="ja-JP" sz="1800" dirty="0"/>
-          </a:p>
-          <a:p>
-            <a:r>
-              <a:rPr kumimoji="1" lang="ja-JP" altLang="en-US" sz="1800" dirty="0"/>
-              <a:t>また「</a:t>
-            </a:r>
-            <a:r>
-              <a:rPr kumimoji="1" lang="en-US" altLang="ja-JP" sz="1800" dirty="0"/>
-              <a:t>A </a:t>
-            </a:r>
-            <a:r>
-              <a:rPr kumimoji="1" lang="ja-JP" altLang="en-US" sz="1800" dirty="0"/>
-              <a:t>は </a:t>
-            </a:r>
-            <a:r>
-              <a:rPr kumimoji="1" lang="en-US" altLang="ja-JP" sz="1800" dirty="0"/>
-              <a:t>B </a:t>
-            </a:r>
-            <a:r>
-              <a:rPr kumimoji="1" lang="ja-JP" altLang="en-US" sz="1800" dirty="0"/>
-              <a:t>である．なぜなら </a:t>
-            </a:r>
-            <a:r>
-              <a:rPr lang="en-US" altLang="ja-JP" sz="1800" dirty="0"/>
-              <a:t>B </a:t>
-            </a:r>
-            <a:r>
-              <a:rPr lang="ja-JP" altLang="en-US" sz="1800" dirty="0"/>
-              <a:t>は </a:t>
-            </a:r>
-            <a:r>
-              <a:rPr lang="en-US" altLang="ja-JP" sz="1800" b="1" dirty="0">
-                <a:solidFill>
-                  <a:schemeClr val="accent5"/>
-                </a:solidFill>
-              </a:rPr>
-              <a:t>C</a:t>
-            </a:r>
-            <a:r>
-              <a:rPr lang="en-US" altLang="ja-JP" sz="1800" dirty="0"/>
-              <a:t> </a:t>
-            </a:r>
-            <a:r>
-              <a:rPr lang="ja-JP" altLang="en-US" sz="1800" dirty="0"/>
-              <a:t>だからだ</a:t>
-            </a:r>
-            <a:r>
-              <a:rPr kumimoji="1" lang="ja-JP" altLang="en-US" sz="1800" dirty="0"/>
-              <a:t>」の後に繋げる文を考える</a:t>
-            </a:r>
-            <a:endParaRPr kumimoji="1" lang="en-US" altLang="ja-JP" sz="1800" dirty="0"/>
-          </a:p>
-          <a:p>
-            <a:pPr lvl="1"/>
-            <a:r>
-              <a:rPr kumimoji="1" lang="ja-JP" altLang="en-US" sz="1800" dirty="0"/>
-              <a:t>だめな例：</a:t>
-            </a:r>
-            <a:endParaRPr kumimoji="1" lang="en-US" altLang="ja-JP" sz="1800" dirty="0"/>
-          </a:p>
-          <a:p>
-            <a:pPr lvl="2"/>
-            <a:r>
-              <a:rPr kumimoji="1" lang="ja-JP" altLang="en-US" sz="1800" dirty="0"/>
-              <a:t>「～は～であり，そのため～は </a:t>
-            </a:r>
-            <a:r>
-              <a:rPr kumimoji="1" lang="en-US" altLang="ja-JP" sz="1800" b="1" dirty="0">
-                <a:solidFill>
-                  <a:schemeClr val="accent5"/>
-                </a:solidFill>
-              </a:rPr>
-              <a:t>C</a:t>
-            </a:r>
-            <a:r>
-              <a:rPr kumimoji="1" lang="en-US" altLang="ja-JP" sz="1800" dirty="0"/>
-              <a:t> </a:t>
-            </a:r>
-            <a:r>
-              <a:rPr kumimoji="1" lang="ja-JP" altLang="en-US" sz="1800" dirty="0"/>
-              <a:t>である」</a:t>
-            </a:r>
-            <a:endParaRPr kumimoji="1" lang="en-US" altLang="ja-JP" sz="1800" dirty="0"/>
-          </a:p>
-          <a:p>
-            <a:pPr lvl="2"/>
-            <a:r>
-              <a:rPr kumimoji="1" lang="en-US" altLang="ja-JP" sz="1800" dirty="0"/>
-              <a:t>C </a:t>
-            </a:r>
-            <a:r>
-              <a:rPr kumimoji="1" lang="ja-JP" altLang="en-US" sz="1800" dirty="0"/>
-              <a:t>が最後に出てくるので，そこまで読まないと関係がわからない</a:t>
-            </a:r>
-            <a:endParaRPr kumimoji="1" lang="en-US" altLang="ja-JP" sz="1800" dirty="0"/>
-          </a:p>
-          <a:p>
-            <a:pPr lvl="1"/>
-            <a:r>
-              <a:rPr kumimoji="1" lang="ja-JP" altLang="en-US" sz="1800" dirty="0"/>
-              <a:t>良い例：</a:t>
-            </a:r>
-            <a:endParaRPr kumimoji="1" lang="en-US" altLang="ja-JP" sz="1800" dirty="0"/>
-          </a:p>
-          <a:p>
-            <a:pPr lvl="2"/>
-            <a:r>
-              <a:rPr kumimoji="1" lang="ja-JP" altLang="en-US" sz="1800" dirty="0"/>
-              <a:t>「～は </a:t>
-            </a:r>
-            <a:r>
-              <a:rPr kumimoji="1" lang="en-US" altLang="ja-JP" sz="1800" b="1" dirty="0">
-                <a:solidFill>
-                  <a:schemeClr val="accent5"/>
-                </a:solidFill>
-              </a:rPr>
-              <a:t>C</a:t>
-            </a:r>
-            <a:r>
-              <a:rPr kumimoji="1" lang="en-US" altLang="ja-JP" sz="1800" dirty="0"/>
-              <a:t> </a:t>
-            </a:r>
-            <a:r>
-              <a:rPr kumimoji="1" lang="ja-JP" altLang="en-US" sz="1800" dirty="0"/>
-              <a:t>である．なぜなら～は～であるためである」</a:t>
-            </a:r>
-            <a:endParaRPr kumimoji="1" lang="en-US" altLang="ja-JP" sz="1800" dirty="0"/>
+              <a:rPr lang="ja-JP" altLang="en-US" dirty="0"/>
+              <a:t>そこだけを取り出せば，おおまかな全体の主張がわかるように</a:t>
+            </a:r>
+            <a:endParaRPr lang="en-US" altLang="ja-JP" dirty="0"/>
           </a:p>
         </p:txBody>
       </p:sp>
     </p:spTree>
     <p:extLst>
       <p:ext uri="{BB962C8B-B14F-4D97-AF65-F5344CB8AC3E}">
-        <p14:creationId xmlns:p14="http://schemas.microsoft.com/office/powerpoint/2010/main" val="3414039066"/>
+        <p14:creationId xmlns:p14="http://schemas.microsoft.com/office/powerpoint/2010/main" val="1922558597"/>
       </p:ext>
     </p:extLst>
   </p:cSld>
@@ -5540,7 +5692,7 @@
           <p:cNvPr id="2" name="タイトル 1">
             <a:extLst>
               <a:ext uri="{FF2B5EF4-FFF2-40B4-BE49-F238E27FC236}">
-                <a16:creationId xmlns:a16="http://schemas.microsoft.com/office/drawing/2014/main" id="{97F43A36-1241-4642-C35D-F2423024AF7E}"/>
+                <a16:creationId xmlns:a16="http://schemas.microsoft.com/office/drawing/2014/main" id="{85895AA1-C3F6-5137-D327-90AEE8D8717F}"/>
               </a:ext>
             </a:extLst>
           </p:cNvPr>
@@ -5558,7 +5710,7 @@
           <a:p>
             <a:r>
               <a:rPr kumimoji="1" lang="ja-JP" altLang="en-US" dirty="0"/>
-              <a:t>論理的な繋がりを使った文の接続３</a:t>
+              <a:t>サポーティング・センテンス</a:t>
             </a:r>
           </a:p>
         </p:txBody>
@@ -5568,7 +5720,7 @@
           <p:cNvPr id="3" name="テキスト プレースホルダー 2">
             <a:extLst>
               <a:ext uri="{FF2B5EF4-FFF2-40B4-BE49-F238E27FC236}">
-                <a16:creationId xmlns:a16="http://schemas.microsoft.com/office/drawing/2014/main" id="{0AE5F184-FC3A-2542-0079-3B39E1BBBD63}"/>
+                <a16:creationId xmlns:a16="http://schemas.microsoft.com/office/drawing/2014/main" id="{AF7DC518-51F8-FA2A-0A74-B2DB18D49FC7}"/>
               </a:ext>
             </a:extLst>
           </p:cNvPr>
@@ -5586,22 +5738,38 @@
           <a:p>
             <a:r>
               <a:rPr kumimoji="1" lang="ja-JP" altLang="en-US" dirty="0"/>
-              <a:t>最初に要素や単語を列挙してから，ぶらさげる</a:t>
+              <a:t>サポーティング・センテンス</a:t>
             </a:r>
             <a:endParaRPr kumimoji="1" lang="en-US" altLang="ja-JP" dirty="0"/>
           </a:p>
           <a:p>
             <a:pPr lvl="1"/>
             <a:r>
+              <a:rPr lang="ja-JP" altLang="en-US" dirty="0"/>
+              <a:t>トピック・センテンスの主張を補強するための文</a:t>
+            </a:r>
+            <a:endParaRPr lang="en-US" altLang="ja-JP" dirty="0"/>
+          </a:p>
+          <a:p>
+            <a:pPr lvl="1"/>
+            <a:r>
               <a:rPr kumimoji="1" lang="ja-JP" altLang="en-US" dirty="0"/>
-              <a:t>この後ろに列挙した要素の説明がくることが自然に伝わる</a:t>
+              <a:t>各パラグラフはサポーティング・センテンスを基本的に複数含む</a:t>
             </a:r>
             <a:endParaRPr kumimoji="1" lang="en-US" altLang="ja-JP" dirty="0"/>
           </a:p>
           <a:p>
             <a:r>
+              <a:rPr lang="ja-JP" altLang="en-US" dirty="0"/>
+              <a:t>トピック・センテンスとの関係</a:t>
+            </a:r>
+            <a:endParaRPr lang="en-US" altLang="ja-JP" dirty="0"/>
+          </a:p>
+          <a:p>
+            <a:pPr lvl="1"/>
+            <a:r>
               <a:rPr kumimoji="1" lang="ja-JP" altLang="en-US" dirty="0"/>
-              <a:t>例：</a:t>
+              <a:t>サポーティング・センテンスはトピック・センテンスの詳細を述べる関係にある</a:t>
             </a:r>
             <a:endParaRPr kumimoji="1" lang="en-US" altLang="ja-JP" dirty="0"/>
           </a:p>
@@ -5609,151 +5777,20 @@
             <a:pPr lvl="1"/>
             <a:r>
               <a:rPr kumimoji="1" lang="ja-JP" altLang="en-US" dirty="0"/>
-              <a:t>「</a:t>
-            </a:r>
-            <a:r>
-              <a:rPr kumimoji="1" lang="en-US" altLang="ja-JP" dirty="0"/>
-              <a:t>A </a:t>
-            </a:r>
-            <a:r>
-              <a:rPr kumimoji="1" lang="ja-JP" altLang="en-US" dirty="0"/>
-              <a:t>には </a:t>
-            </a:r>
-            <a:r>
-              <a:rPr kumimoji="1" lang="en-US" altLang="ja-JP" dirty="0"/>
-              <a:t>B </a:t>
-            </a:r>
-            <a:r>
-              <a:rPr kumimoji="1" lang="ja-JP" altLang="en-US" dirty="0"/>
-              <a:t>と </a:t>
-            </a:r>
-            <a:r>
-              <a:rPr kumimoji="1" lang="en-US" altLang="ja-JP" dirty="0"/>
-              <a:t>C </a:t>
-            </a:r>
-            <a:r>
-              <a:rPr kumimoji="1" lang="ja-JP" altLang="en-US" dirty="0"/>
-              <a:t>がある」</a:t>
+              <a:t>トピック・センテンスはサポーティング・センテンス達をまとめたものとなる</a:t>
             </a:r>
             <a:endParaRPr kumimoji="1" lang="en-US" altLang="ja-JP" dirty="0"/>
           </a:p>
           <a:p>
             <a:pPr lvl="2"/>
-            <a:r>
-              <a:rPr kumimoji="1" lang="ja-JP" altLang="en-US" dirty="0"/>
-              <a:t>「</a:t>
-            </a:r>
-            <a:r>
-              <a:rPr kumimoji="1" lang="en-US" altLang="ja-JP" dirty="0"/>
-              <a:t>B </a:t>
-            </a:r>
-            <a:r>
-              <a:rPr kumimoji="1" lang="ja-JP" altLang="en-US" dirty="0"/>
-              <a:t>は～である」</a:t>
-            </a:r>
             <a:endParaRPr kumimoji="1" lang="en-US" altLang="ja-JP" dirty="0"/>
-          </a:p>
-          <a:p>
-            <a:pPr lvl="2"/>
-            <a:r>
-              <a:rPr kumimoji="1" lang="ja-JP" altLang="en-US" dirty="0"/>
-              <a:t>「一方で </a:t>
-            </a:r>
-            <a:r>
-              <a:rPr kumimoji="1" lang="en-US" altLang="ja-JP" dirty="0"/>
-              <a:t>C </a:t>
-            </a:r>
-            <a:r>
-              <a:rPr kumimoji="1" lang="ja-JP" altLang="en-US" dirty="0"/>
-              <a:t>は～である」</a:t>
-            </a:r>
-            <a:br>
-              <a:rPr kumimoji="1" lang="en-US" altLang="ja-JP" dirty="0"/>
-            </a:br>
-            <a:endParaRPr kumimoji="1" lang="en-US" altLang="ja-JP" dirty="0"/>
-          </a:p>
-          <a:p>
-            <a:pPr lvl="1"/>
-            <a:r>
-              <a:rPr kumimoji="1" lang="ja-JP" altLang="en-US" dirty="0"/>
-              <a:t>「～は以下の手順で行われる」</a:t>
-            </a:r>
-            <a:endParaRPr kumimoji="1" lang="en-US" altLang="ja-JP" dirty="0"/>
-          </a:p>
-          <a:p>
-            <a:pPr lvl="2"/>
-            <a:r>
-              <a:rPr kumimoji="1" lang="ja-JP" altLang="en-US" dirty="0"/>
-              <a:t>「</a:t>
-            </a:r>
-            <a:r>
-              <a:rPr kumimoji="1" lang="en-US" altLang="ja-JP" dirty="0"/>
-              <a:t>1.</a:t>
-            </a:r>
-            <a:r>
-              <a:rPr kumimoji="1" lang="ja-JP" altLang="en-US" dirty="0"/>
-              <a:t>」「</a:t>
-            </a:r>
-            <a:r>
-              <a:rPr kumimoji="1" lang="en-US" altLang="ja-JP" dirty="0"/>
-              <a:t>2.</a:t>
-            </a:r>
-            <a:r>
-              <a:rPr kumimoji="1" lang="ja-JP" altLang="en-US" dirty="0"/>
-              <a:t>」「</a:t>
-            </a:r>
-            <a:r>
-              <a:rPr kumimoji="1" lang="en-US" altLang="ja-JP" dirty="0"/>
-              <a:t>3.</a:t>
-            </a:r>
-            <a:r>
-              <a:rPr kumimoji="1" lang="ja-JP" altLang="en-US" dirty="0"/>
-              <a:t>」</a:t>
-            </a:r>
-            <a:endParaRPr kumimoji="1" lang="en-US" altLang="ja-JP" dirty="0"/>
-          </a:p>
-          <a:p>
-            <a:pPr lvl="1"/>
-            <a:r>
-              <a:rPr kumimoji="1" lang="ja-JP" altLang="en-US" dirty="0"/>
-              <a:t>「～は以下の２つの理由からなる」</a:t>
-            </a:r>
-            <a:endParaRPr kumimoji="1" lang="en-US" altLang="ja-JP" dirty="0"/>
-          </a:p>
-          <a:p>
-            <a:pPr lvl="2"/>
-            <a:r>
-              <a:rPr kumimoji="1" lang="ja-JP" altLang="en-US" dirty="0"/>
-              <a:t>「</a:t>
-            </a:r>
-            <a:r>
-              <a:rPr kumimoji="1" lang="en-US" altLang="ja-JP" dirty="0"/>
-              <a:t>1.</a:t>
-            </a:r>
-            <a:r>
-              <a:rPr kumimoji="1" lang="ja-JP" altLang="en-US" dirty="0"/>
-              <a:t>」「</a:t>
-            </a:r>
-            <a:r>
-              <a:rPr kumimoji="1" lang="en-US" altLang="ja-JP" dirty="0"/>
-              <a:t>2.</a:t>
-            </a:r>
-            <a:r>
-              <a:rPr kumimoji="1" lang="ja-JP" altLang="en-US" dirty="0"/>
-              <a:t>」</a:t>
-            </a:r>
-            <a:endParaRPr kumimoji="1" lang="en-US" altLang="ja-JP" dirty="0"/>
-          </a:p>
-          <a:p>
-            <a:pPr lvl="1"/>
-            <a:endParaRPr kumimoji="1" lang="ja-JP" altLang="en-US" dirty="0"/>
           </a:p>
         </p:txBody>
       </p:sp>
     </p:spTree>
     <p:extLst>
       <p:ext uri="{BB962C8B-B14F-4D97-AF65-F5344CB8AC3E}">
-        <p14:creationId xmlns:p14="http://schemas.microsoft.com/office/powerpoint/2010/main" val="2236628389"/>
+        <p14:creationId xmlns:p14="http://schemas.microsoft.com/office/powerpoint/2010/main" val="3433765562"/>
       </p:ext>
     </p:extLst>
   </p:cSld>
@@ -5793,7 +5830,7 @@
           <p:cNvPr id="2" name="タイトル 1">
             <a:extLst>
               <a:ext uri="{FF2B5EF4-FFF2-40B4-BE49-F238E27FC236}">
-                <a16:creationId xmlns:a16="http://schemas.microsoft.com/office/drawing/2014/main" id="{29EE214D-6E7A-0357-0756-680B63295B42}"/>
+                <a16:creationId xmlns:a16="http://schemas.microsoft.com/office/drawing/2014/main" id="{85895AA1-C3F6-5137-D327-90AEE8D8717F}"/>
               </a:ext>
             </a:extLst>
           </p:cNvPr>
@@ -5811,7 +5848,11 @@
           <a:p>
             <a:r>
               <a:rPr lang="ja-JP" altLang="en-US" dirty="0"/>
-              <a:t>パラグラフや文内の接続：古い情報と新しい情報</a:t>
+              <a:t>コンクルーディング</a:t>
+            </a:r>
+            <a:r>
+              <a:rPr lang="ja-JP" altLang="en-US"/>
+              <a:t>・センテンス</a:t>
             </a:r>
             <a:endParaRPr kumimoji="1" lang="ja-JP" altLang="en-US" dirty="0"/>
           </a:p>
@@ -5822,7 +5863,7 @@
           <p:cNvPr id="3" name="テキスト プレースホルダー 2">
             <a:extLst>
               <a:ext uri="{FF2B5EF4-FFF2-40B4-BE49-F238E27FC236}">
-                <a16:creationId xmlns:a16="http://schemas.microsoft.com/office/drawing/2014/main" id="{73E7C1C9-4BB8-6905-4AC9-D99FB1224F57}"/>
+                <a16:creationId xmlns:a16="http://schemas.microsoft.com/office/drawing/2014/main" id="{AF7DC518-51F8-FA2A-0A74-B2DB18D49FC7}"/>
               </a:ext>
             </a:extLst>
           </p:cNvPr>
@@ -5840,7 +5881,7 @@
           <a:p>
             <a:r>
               <a:rPr lang="ja-JP" altLang="en-US" dirty="0"/>
-              <a:t>パラグラフ内の各文</a:t>
+              <a:t>コンクルーディング・センテンス</a:t>
             </a:r>
             <a:endParaRPr lang="en-US" altLang="ja-JP" dirty="0"/>
           </a:p>
@@ -5848,39 +5889,24 @@
             <a:pPr lvl="1"/>
             <a:r>
               <a:rPr kumimoji="1" lang="ja-JP" altLang="en-US" dirty="0"/>
-              <a:t>トピック・センテンス </a:t>
-            </a:r>
-            <a:r>
-              <a:rPr kumimoji="1" lang="en-US" altLang="ja-JP" dirty="0"/>
-              <a:t>or </a:t>
-            </a:r>
+              <a:t>トピック・センテンスの内容を別の言い方でまとめたもの</a:t>
+            </a:r>
+            <a:endParaRPr kumimoji="1" lang="en-US" altLang="ja-JP" dirty="0"/>
+          </a:p>
+          <a:p>
+            <a:pPr lvl="1"/>
             <a:r>
               <a:rPr kumimoji="1" lang="ja-JP" altLang="en-US" dirty="0"/>
-              <a:t>それまでのサポーティング・センテンスで触れた内容に必ず繋がっている</a:t>
+              <a:t>ない場合も結構ある</a:t>
             </a:r>
             <a:endParaRPr kumimoji="1" lang="en-US" altLang="ja-JP" dirty="0"/>
-          </a:p>
-          <a:p>
-            <a:pPr lvl="1"/>
-            <a:r>
-              <a:rPr kumimoji="1" lang="ja-JP" altLang="en-US" dirty="0"/>
-              <a:t>そこまでに現れていない概念や単語だけで構成された文を入れてはいけない</a:t>
-            </a:r>
-            <a:endParaRPr kumimoji="1" lang="en-US" altLang="ja-JP" dirty="0"/>
-          </a:p>
-          <a:p>
-            <a:pPr lvl="2"/>
-            <a:r>
-              <a:rPr kumimoji="1" lang="ja-JP" altLang="en-US" dirty="0"/>
-              <a:t>その後まで読んではじめて意味がわかるようなものはだめ</a:t>
-            </a:r>
           </a:p>
         </p:txBody>
       </p:sp>
     </p:spTree>
     <p:extLst>
       <p:ext uri="{BB962C8B-B14F-4D97-AF65-F5344CB8AC3E}">
-        <p14:creationId xmlns:p14="http://schemas.microsoft.com/office/powerpoint/2010/main" val="1929943680"/>
+        <p14:creationId xmlns:p14="http://schemas.microsoft.com/office/powerpoint/2010/main" val="1114935817"/>
       </p:ext>
     </p:extLst>
   </p:cSld>
@@ -5917,10 +5943,10 @@
       </p:grpSpPr>
       <p:sp>
         <p:nvSpPr>
-          <p:cNvPr id="6" name="タイトル 5">
-            <a:extLst>
-              <a:ext uri="{FF2B5EF4-FFF2-40B4-BE49-F238E27FC236}">
-                <a16:creationId xmlns:a16="http://schemas.microsoft.com/office/drawing/2014/main" id="{D44FC4B2-BE5F-0B62-A30B-6488B98CA7F1}"/>
+          <p:cNvPr id="2" name="タイトル 1">
+            <a:extLst>
+              <a:ext uri="{FF2B5EF4-FFF2-40B4-BE49-F238E27FC236}">
+                <a16:creationId xmlns:a16="http://schemas.microsoft.com/office/drawing/2014/main" id="{DCF5D009-BF18-02FC-BE96-9B0C95B92972}"/>
               </a:ext>
             </a:extLst>
           </p:cNvPr>
@@ -5937,23 +5963,126 @@
           <a:lstStyle/>
           <a:p>
             <a:r>
-              <a:rPr lang="ja-JP" altLang="en-US" dirty="0"/>
-              <a:t>プロットから文章への展開</a:t>
-            </a:r>
-            <a:endParaRPr lang="en-US" altLang="ja-JP" dirty="0"/>
+              <a:rPr kumimoji="1" lang="en-US" altLang="ja-JP" dirty="0"/>
+              <a:t>[C2] </a:t>
+            </a:r>
+            <a:r>
+              <a:rPr kumimoji="1" lang="ja-JP" altLang="en-US" dirty="0"/>
+              <a:t>パラグラフの長さについて</a:t>
+            </a:r>
+            <a:endParaRPr kumimoji="1" lang="en-US" dirty="0"/>
+          </a:p>
+        </p:txBody>
+      </p:sp>
+      <p:sp>
+        <p:nvSpPr>
+          <p:cNvPr id="3" name="テキスト プレースホルダー 2">
+            <a:extLst>
+              <a:ext uri="{FF2B5EF4-FFF2-40B4-BE49-F238E27FC236}">
+                <a16:creationId xmlns:a16="http://schemas.microsoft.com/office/drawing/2014/main" id="{74E361A1-FB51-6A08-743F-E336891A646F}"/>
+              </a:ext>
+            </a:extLst>
+          </p:cNvPr>
+          <p:cNvSpPr>
+            <a:spLocks noGrp="1"/>
+          </p:cNvSpPr>
+          <p:nvPr>
+            <p:ph type="body" sz="quarter" idx="10"/>
+          </p:nvPr>
+        </p:nvSpPr>
+        <p:spPr/>
+        <p:txBody>
+          <a:bodyPr/>
+          <a:lstStyle/>
+          <a:p>
+            <a:r>
+              <a:rPr kumimoji="1" lang="ja-JP" altLang="en-US" dirty="0"/>
+              <a:t>パラグラフの長さは必ず一定の長さに揃える</a:t>
+            </a:r>
+            <a:endParaRPr kumimoji="1" lang="en-US" altLang="ja-JP" dirty="0"/>
+          </a:p>
+          <a:p>
+            <a:pPr lvl="1"/>
+            <a:r>
+              <a:rPr kumimoji="1" lang="ja-JP" altLang="en-US" dirty="0"/>
+              <a:t>通常は３～６文程度</a:t>
+            </a:r>
+            <a:endParaRPr kumimoji="1" lang="en-US" altLang="ja-JP" dirty="0"/>
+          </a:p>
+          <a:p>
+            <a:pPr lvl="1"/>
+            <a:r>
+              <a:rPr kumimoji="1" lang="ja-JP" altLang="en-US" dirty="0">
+                <a:solidFill>
+                  <a:schemeClr val="accent5"/>
+                </a:solidFill>
+              </a:rPr>
+              <a:t>１～２文だけのパラグラフを作ってはいけない</a:t>
+            </a:r>
+            <a:endParaRPr kumimoji="1" lang="en-US" altLang="ja-JP" dirty="0">
+              <a:solidFill>
+                <a:schemeClr val="accent5"/>
+              </a:solidFill>
+            </a:endParaRPr>
+          </a:p>
+          <a:p>
+            <a:r>
+              <a:rPr kumimoji="1" lang="ja-JP" altLang="en-US" dirty="0"/>
+              <a:t>これは意味や論理のかたまりの粒度を揃えて読みやすくするため</a:t>
+            </a:r>
+            <a:endParaRPr kumimoji="1" lang="en-US" altLang="ja-JP" dirty="0"/>
+          </a:p>
+          <a:p>
+            <a:pPr lvl="1"/>
+            <a:r>
+              <a:rPr kumimoji="1" lang="ja-JP" altLang="en-US" dirty="0"/>
+              <a:t>意味や論理のツリーをバランスさせる</a:t>
+            </a:r>
+            <a:endParaRPr kumimoji="1" lang="en-US" altLang="ja-JP" dirty="0"/>
+          </a:p>
+          <a:p>
+            <a:pPr lvl="1"/>
+            <a:r>
+              <a:rPr kumimoji="1" lang="ja-JP" altLang="en-US" dirty="0"/>
+              <a:t>１文だけのパラグラフがあると，かなりアンバランスになる</a:t>
+            </a:r>
+            <a:endParaRPr kumimoji="1" lang="en-US" altLang="ja-JP" dirty="0"/>
+          </a:p>
+          <a:p>
+            <a:r>
+              <a:rPr kumimoji="1" lang="ja-JP" altLang="en-US" dirty="0"/>
+              <a:t>特に英語の論文書く時は必須</a:t>
+            </a:r>
+            <a:endParaRPr kumimoji="1" lang="en-US" altLang="ja-JP" dirty="0"/>
+          </a:p>
+          <a:p>
+            <a:pPr lvl="1"/>
+            <a:r>
+              <a:rPr kumimoji="1" lang="ja-JP" altLang="en-US" dirty="0"/>
+              <a:t>基本的な作法だと思って良い</a:t>
+            </a:r>
+            <a:endParaRPr kumimoji="1" lang="en-US" altLang="ja-JP" dirty="0"/>
           </a:p>
         </p:txBody>
       </p:sp>
     </p:spTree>
     <p:extLst>
       <p:ext uri="{BB962C8B-B14F-4D97-AF65-F5344CB8AC3E}">
-        <p14:creationId xmlns:p14="http://schemas.microsoft.com/office/powerpoint/2010/main" val="3590338157"/>
+        <p14:creationId xmlns:p14="http://schemas.microsoft.com/office/powerpoint/2010/main" val="694378491"/>
       </p:ext>
     </p:extLst>
   </p:cSld>
   <p:clrMapOvr>
     <a:masterClrMapping/>
   </p:clrMapOvr>
+  <mc:AlternateContent xmlns:mc="http://schemas.openxmlformats.org/markup-compatibility/2006" xmlns:p14="http://schemas.microsoft.com/office/powerpoint/2010/main">
+    <mc:Choice Requires="p14">
+      <p:transition p14:dur="10"/>
+    </mc:Choice>
+    <mc:Fallback xmlns="">
+      <p:transition/>
+    </mc:Fallback>
+  </mc:AlternateContent>
 </p:sld>
 </file>
 
@@ -5976,10 +6105,10 @@
       </p:grpSpPr>
       <p:sp>
         <p:nvSpPr>
-          <p:cNvPr id="4" name="タイトル 3">
-            <a:extLst>
-              <a:ext uri="{FF2B5EF4-FFF2-40B4-BE49-F238E27FC236}">
-                <a16:creationId xmlns:a16="http://schemas.microsoft.com/office/drawing/2014/main" id="{6562E51A-24AB-589C-C10B-60BA2743CF86}"/>
+          <p:cNvPr id="2" name="タイトル 1">
+            <a:extLst>
+              <a:ext uri="{FF2B5EF4-FFF2-40B4-BE49-F238E27FC236}">
+                <a16:creationId xmlns:a16="http://schemas.microsoft.com/office/drawing/2014/main" id="{C4D89BBE-C954-57EF-0CFE-551A02390E58}"/>
               </a:ext>
             </a:extLst>
           </p:cNvPr>
@@ -5996,18 +6125,19 @@
           <a:lstStyle/>
           <a:p>
             <a:r>
-              <a:rPr lang="ja-JP" altLang="en-US" dirty="0"/>
-              <a:t>プロットから文章やスライドへ</a:t>
-            </a:r>
+              <a:rPr kumimoji="1" lang="ja-JP" altLang="en-US" dirty="0"/>
+              <a:t>概要から詳細への原則</a:t>
+            </a:r>
+            <a:endParaRPr kumimoji="1" lang="en-US" dirty="0"/>
           </a:p>
         </p:txBody>
       </p:sp>
       <p:sp>
         <p:nvSpPr>
-          <p:cNvPr id="5" name="テキスト プレースホルダー 4">
-            <a:extLst>
-              <a:ext uri="{FF2B5EF4-FFF2-40B4-BE49-F238E27FC236}">
-                <a16:creationId xmlns:a16="http://schemas.microsoft.com/office/drawing/2014/main" id="{24288186-ECCC-F136-8196-B4294566CB12}"/>
+          <p:cNvPr id="3" name="テキスト プレースホルダー 2">
+            <a:extLst>
+              <a:ext uri="{FF2B5EF4-FFF2-40B4-BE49-F238E27FC236}">
+                <a16:creationId xmlns:a16="http://schemas.microsoft.com/office/drawing/2014/main" id="{F7041E1F-2A20-3868-089C-909BDA31BB1A}"/>
               </a:ext>
             </a:extLst>
           </p:cNvPr>
@@ -6024,122 +6154,39 @@
           <a:lstStyle/>
           <a:p>
             <a:r>
-              <a:rPr lang="ja-JP" altLang="en-US" dirty="0"/>
-              <a:t>プロットと文章の違い：</a:t>
-            </a:r>
-            <a:endParaRPr lang="en-US" altLang="ja-JP" dirty="0"/>
+              <a:rPr kumimoji="1" lang="ja-JP" altLang="en-US" dirty="0"/>
+              <a:t>まず概要や結論を話してから，その詳細を説明する</a:t>
+            </a:r>
+            <a:endParaRPr kumimoji="1" lang="en-US" altLang="ja-JP" dirty="0"/>
           </a:p>
           <a:p>
             <a:pPr lvl="1"/>
             <a:r>
-              <a:rPr lang="ja-JP" altLang="en-US" dirty="0"/>
-              <a:t>プロットは論理の階層構造を単に表せば良い</a:t>
-            </a:r>
-            <a:endParaRPr lang="en-US" altLang="ja-JP" dirty="0"/>
-          </a:p>
-          <a:p>
-            <a:pPr lvl="2"/>
-            <a:r>
-              <a:rPr lang="ja-JP" altLang="en-US" dirty="0"/>
-              <a:t>子は親にぶら下がっている事で視覚的に論理関係がわかる</a:t>
-            </a:r>
-            <a:endParaRPr lang="en-US" altLang="ja-JP" dirty="0"/>
-          </a:p>
-          <a:p>
-            <a:pPr lvl="2"/>
-            <a:r>
-              <a:rPr lang="ja-JP" altLang="en-US" dirty="0"/>
-              <a:t>つなぎの言葉は通常あまり書かない</a:t>
-            </a:r>
-            <a:endParaRPr lang="en-US" altLang="ja-JP" dirty="0"/>
-          </a:p>
-          <a:p>
-            <a:pPr lvl="1"/>
-            <a:r>
-              <a:rPr lang="ja-JP" altLang="en-US" dirty="0"/>
-              <a:t>しかし，文章（スライド）は基本的にシーケンシャル</a:t>
-            </a:r>
-            <a:endParaRPr lang="en-US" altLang="ja-JP" dirty="0"/>
-          </a:p>
-          <a:p>
-            <a:pPr lvl="2"/>
-            <a:r>
-              <a:rPr lang="ja-JP" altLang="en-US" dirty="0"/>
-              <a:t>文章は前から後ろにむかって順に読むもの</a:t>
-            </a:r>
-            <a:endParaRPr lang="en-US" altLang="ja-JP" dirty="0"/>
-          </a:p>
-          <a:p>
-            <a:pPr lvl="2"/>
-            <a:r>
-              <a:rPr lang="ja-JP" altLang="en-US" dirty="0">
-                <a:solidFill>
-                  <a:schemeClr val="accent5"/>
-                </a:solidFill>
-              </a:rPr>
-              <a:t>前から読んでわかる順序に論理を展開し，それぞれにつなぎを入れる必要がある</a:t>
-            </a:r>
-            <a:endParaRPr lang="en-US" altLang="ja-JP" dirty="0">
-              <a:solidFill>
-                <a:schemeClr val="accent5"/>
-              </a:solidFill>
-            </a:endParaRPr>
-          </a:p>
-          <a:p>
-            <a:r>
-              <a:rPr lang="ja-JP" altLang="en-US" dirty="0"/>
-              <a:t>課題：</a:t>
+              <a:rPr kumimoji="1" lang="ja-JP" altLang="en-US" dirty="0"/>
+              <a:t>ミクロにもマクロにも，この順序を一貫する</a:t>
+            </a:r>
+            <a:endParaRPr kumimoji="1" lang="en-US" altLang="ja-JP" dirty="0"/>
+          </a:p>
+          <a:p>
+            <a:r>
+              <a:rPr kumimoji="1" lang="ja-JP" altLang="en-US" dirty="0"/>
+              <a:t>トピック・センテンス → サポーティング・センテンスも，</a:t>
             </a:r>
             <a:br>
-              <a:rPr lang="en-US" altLang="ja-JP" dirty="0"/>
+              <a:rPr kumimoji="1" lang="en-US" altLang="ja-JP" dirty="0"/>
             </a:br>
             <a:r>
-              <a:rPr lang="ja-JP" altLang="en-US" dirty="0"/>
-              <a:t>プロットの論理をどのようにシーケンシャルな文章に展開するか？</a:t>
-            </a:r>
-            <a:endParaRPr lang="en-US" altLang="ja-JP" dirty="0"/>
-          </a:p>
-        </p:txBody>
-      </p:sp>
-      <p:sp>
-        <p:nvSpPr>
-          <p:cNvPr id="2" name="スライド番号プレースホルダー 1">
-            <a:extLst>
-              <a:ext uri="{FF2B5EF4-FFF2-40B4-BE49-F238E27FC236}">
-                <a16:creationId xmlns:a16="http://schemas.microsoft.com/office/drawing/2014/main" id="{CFEF9DC9-89E4-71EE-05DF-89E205E66070}"/>
-              </a:ext>
-            </a:extLst>
-          </p:cNvPr>
-          <p:cNvSpPr>
-            <a:spLocks noGrp="1"/>
-          </p:cNvSpPr>
-          <p:nvPr>
-            <p:ph type="sldNum" sz="quarter" idx="4294967295"/>
-          </p:nvPr>
-        </p:nvSpPr>
-        <p:spPr>
-          <a:xfrm>
-            <a:off x="8531225" y="6308725"/>
-            <a:ext cx="612775" cy="549275"/>
-          </a:xfrm>
-        </p:spPr>
-        <p:txBody>
-          <a:bodyPr/>
-          <a:lstStyle/>
-          <a:p>
-            <a:fld id="{D2D8002D-B5B0-4BAC-B1F6-782DDCCE6D9C}" type="slidenum">
-              <a:rPr kumimoji="1" lang="ja-JP" altLang="en-US" smtClean="0"/>
-              <a:pPr/>
-              <a:t>27</a:t>
-            </a:fld>
-            <a:endParaRPr kumimoji="1" lang="ja-JP" altLang="en-US"/>
+              <a:rPr kumimoji="1" lang="ja-JP" altLang="en-US" dirty="0"/>
+              <a:t>この基本ルールに従っている</a:t>
+            </a:r>
+            <a:endParaRPr kumimoji="1" lang="en-US" dirty="0"/>
           </a:p>
         </p:txBody>
       </p:sp>
     </p:spTree>
     <p:extLst>
       <p:ext uri="{BB962C8B-B14F-4D97-AF65-F5344CB8AC3E}">
-        <p14:creationId xmlns:p14="http://schemas.microsoft.com/office/powerpoint/2010/main" val="4034395818"/>
+        <p14:creationId xmlns:p14="http://schemas.microsoft.com/office/powerpoint/2010/main" val="4233752164"/>
       </p:ext>
     </p:extLst>
   </p:cSld>
@@ -6179,6 +6226,2203 @@
           <p:cNvPr id="2" name="タイトル 1">
             <a:extLst>
               <a:ext uri="{FF2B5EF4-FFF2-40B4-BE49-F238E27FC236}">
+                <a16:creationId xmlns:a16="http://schemas.microsoft.com/office/drawing/2014/main" id="{29EE214D-6E7A-0357-0756-680B63295B42}"/>
+              </a:ext>
+            </a:extLst>
+          </p:cNvPr>
+          <p:cNvSpPr>
+            <a:spLocks noGrp="1"/>
+          </p:cNvSpPr>
+          <p:nvPr>
+            <p:ph type="title"/>
+          </p:nvPr>
+        </p:nvSpPr>
+        <p:spPr/>
+        <p:txBody>
+          <a:bodyPr/>
+          <a:lstStyle/>
+          <a:p>
+            <a:r>
+              <a:rPr lang="ja-JP" altLang="en-US" dirty="0"/>
+              <a:t>パラグラフや文内の接続：古い情報と新しい情報</a:t>
+            </a:r>
+            <a:endParaRPr kumimoji="1" lang="ja-JP" altLang="en-US" dirty="0"/>
+          </a:p>
+        </p:txBody>
+      </p:sp>
+      <p:sp>
+        <p:nvSpPr>
+          <p:cNvPr id="3" name="テキスト プレースホルダー 2">
+            <a:extLst>
+              <a:ext uri="{FF2B5EF4-FFF2-40B4-BE49-F238E27FC236}">
+                <a16:creationId xmlns:a16="http://schemas.microsoft.com/office/drawing/2014/main" id="{73E7C1C9-4BB8-6905-4AC9-D99FB1224F57}"/>
+              </a:ext>
+            </a:extLst>
+          </p:cNvPr>
+          <p:cNvSpPr>
+            <a:spLocks noGrp="1"/>
+          </p:cNvSpPr>
+          <p:nvPr>
+            <p:ph type="body" sz="quarter" idx="10"/>
+          </p:nvPr>
+        </p:nvSpPr>
+        <p:spPr>
+          <a:xfrm>
+            <a:off x="611956" y="1088974"/>
+            <a:ext cx="7920088" cy="5219751"/>
+          </a:xfrm>
+        </p:spPr>
+        <p:txBody>
+          <a:bodyPr/>
+          <a:lstStyle/>
+          <a:p>
+            <a:r>
+              <a:rPr lang="ja-JP" altLang="en-US" dirty="0"/>
+              <a:t>パラグラフ内の各文</a:t>
+            </a:r>
+            <a:endParaRPr lang="en-US" altLang="ja-JP" dirty="0"/>
+          </a:p>
+          <a:p>
+            <a:pPr lvl="1"/>
+            <a:r>
+              <a:rPr kumimoji="1" lang="ja-JP" altLang="en-US" dirty="0"/>
+              <a:t>トピック・センテンス </a:t>
+            </a:r>
+            <a:r>
+              <a:rPr kumimoji="1" lang="en-US" altLang="ja-JP" dirty="0"/>
+              <a:t>or </a:t>
+            </a:r>
+            <a:r>
+              <a:rPr kumimoji="1" lang="ja-JP" altLang="en-US" dirty="0"/>
+              <a:t>それまでのサポーティング・センテンスで触れた内容に必ず繋がっている</a:t>
+            </a:r>
+            <a:endParaRPr kumimoji="1" lang="en-US" altLang="ja-JP" dirty="0"/>
+          </a:p>
+          <a:p>
+            <a:pPr lvl="1"/>
+            <a:r>
+              <a:rPr kumimoji="1" lang="ja-JP" altLang="en-US" dirty="0">
+                <a:solidFill>
+                  <a:schemeClr val="accent5"/>
+                </a:solidFill>
+              </a:rPr>
+              <a:t>そこまでに現れていない概念や単語だけで構成された文を入れてはいけない</a:t>
+            </a:r>
+            <a:endParaRPr kumimoji="1" lang="en-US" altLang="ja-JP" dirty="0">
+              <a:solidFill>
+                <a:schemeClr val="accent5"/>
+              </a:solidFill>
+            </a:endParaRPr>
+          </a:p>
+          <a:p>
+            <a:pPr lvl="2"/>
+            <a:r>
+              <a:rPr kumimoji="1" lang="ja-JP" altLang="en-US" dirty="0"/>
+              <a:t>その後まで読んではじめて意味がわかるようなものはだめ</a:t>
+            </a:r>
+          </a:p>
+        </p:txBody>
+      </p:sp>
+    </p:spTree>
+    <p:extLst>
+      <p:ext uri="{BB962C8B-B14F-4D97-AF65-F5344CB8AC3E}">
+        <p14:creationId xmlns:p14="http://schemas.microsoft.com/office/powerpoint/2010/main" val="2780098737"/>
+      </p:ext>
+    </p:extLst>
+  </p:cSld>
+  <p:clrMapOvr>
+    <a:masterClrMapping/>
+  </p:clrMapOvr>
+  <mc:AlternateContent xmlns:mc="http://schemas.openxmlformats.org/markup-compatibility/2006" xmlns:p14="http://schemas.microsoft.com/office/powerpoint/2010/main">
+    <mc:Choice Requires="p14">
+      <p:transition p14:dur="10"/>
+    </mc:Choice>
+    <mc:Fallback xmlns="">
+      <p:transition/>
+    </mc:Fallback>
+  </mc:AlternateContent>
+</p:sld>
+</file>
+
+<file path=ppt/slides/slide29.xml><?xml version="1.0" encoding="utf-8"?>
+<p:sld xmlns:a="http://schemas.openxmlformats.org/drawingml/2006/main" xmlns:r="http://schemas.openxmlformats.org/officeDocument/2006/relationships" xmlns:p="http://schemas.openxmlformats.org/presentationml/2006/main">
+  <p:cSld>
+    <p:spTree>
+      <p:nvGrpSpPr>
+        <p:cNvPr id="1" name=""/>
+        <p:cNvGrpSpPr/>
+        <p:nvPr/>
+      </p:nvGrpSpPr>
+      <p:grpSpPr>
+        <a:xfrm>
+          <a:off x="0" y="0"/>
+          <a:ext cx="0" cy="0"/>
+          <a:chOff x="0" y="0"/>
+          <a:chExt cx="0" cy="0"/>
+        </a:xfrm>
+      </p:grpSpPr>
+      <p:sp>
+        <p:nvSpPr>
+          <p:cNvPr id="2" name="タイトル 1">
+            <a:extLst>
+              <a:ext uri="{FF2B5EF4-FFF2-40B4-BE49-F238E27FC236}">
+                <a16:creationId xmlns:a16="http://schemas.microsoft.com/office/drawing/2014/main" id="{C4D89BBE-C954-57EF-0CFE-551A02390E58}"/>
+              </a:ext>
+            </a:extLst>
+          </p:cNvPr>
+          <p:cNvSpPr>
+            <a:spLocks noGrp="1"/>
+          </p:cNvSpPr>
+          <p:nvPr>
+            <p:ph type="title"/>
+          </p:nvPr>
+        </p:nvSpPr>
+        <p:spPr/>
+        <p:txBody>
+          <a:bodyPr/>
+          <a:lstStyle/>
+          <a:p>
+            <a:r>
+              <a:rPr kumimoji="1" lang="ja-JP" altLang="en-US" dirty="0"/>
+              <a:t>良くない例</a:t>
+            </a:r>
+            <a:endParaRPr kumimoji="1" lang="en-US" altLang="ja-JP" dirty="0"/>
+          </a:p>
+        </p:txBody>
+      </p:sp>
+      <p:sp>
+        <p:nvSpPr>
+          <p:cNvPr id="3" name="テキスト プレースホルダー 2">
+            <a:extLst>
+              <a:ext uri="{FF2B5EF4-FFF2-40B4-BE49-F238E27FC236}">
+                <a16:creationId xmlns:a16="http://schemas.microsoft.com/office/drawing/2014/main" id="{F7041E1F-2A20-3868-089C-909BDA31BB1A}"/>
+              </a:ext>
+            </a:extLst>
+          </p:cNvPr>
+          <p:cNvSpPr>
+            <a:spLocks noGrp="1"/>
+          </p:cNvSpPr>
+          <p:nvPr>
+            <p:ph type="body" sz="quarter" idx="10"/>
+          </p:nvPr>
+        </p:nvSpPr>
+        <p:spPr/>
+        <p:txBody>
+          <a:bodyPr/>
+          <a:lstStyle/>
+          <a:p>
+            <a:r>
+              <a:rPr kumimoji="1" lang="ja-JP" altLang="en-US" dirty="0"/>
+              <a:t>良くない例：</a:t>
+            </a:r>
+            <a:br>
+              <a:rPr kumimoji="1" lang="en-US" altLang="ja-JP" dirty="0"/>
+            </a:br>
+            <a:endParaRPr kumimoji="1" lang="en-US" altLang="ja-JP" dirty="0"/>
+          </a:p>
+          <a:p>
+            <a:pPr lvl="1"/>
+            <a:r>
+              <a:rPr kumimoji="1" lang="ja-JP" altLang="en-US" dirty="0"/>
+              <a:t>各パラグラフで順に理由をたくさん書いてから，</a:t>
+            </a:r>
+            <a:br>
+              <a:rPr kumimoji="1" lang="en-US" altLang="ja-JP" dirty="0"/>
+            </a:br>
+            <a:r>
+              <a:rPr kumimoji="1" lang="ja-JP" altLang="en-US" dirty="0"/>
+              <a:t>最後に「したがって」と結論をはじめて書く</a:t>
+            </a:r>
+            <a:endParaRPr kumimoji="1" lang="en-US" altLang="ja-JP" dirty="0"/>
+          </a:p>
+          <a:p>
+            <a:pPr lvl="1"/>
+            <a:endParaRPr kumimoji="1" lang="en-US" altLang="ja-JP" dirty="0"/>
+          </a:p>
+          <a:p>
+            <a:pPr lvl="1"/>
+            <a:r>
+              <a:rPr kumimoji="1" lang="ja-JP" altLang="en-US" dirty="0"/>
+              <a:t>各パラグラフで色々前置きを書いてから，</a:t>
+            </a:r>
+            <a:br>
+              <a:rPr kumimoji="1" lang="en-US" altLang="ja-JP" dirty="0"/>
+            </a:br>
+            <a:r>
+              <a:rPr kumimoji="1" lang="ja-JP" altLang="en-US" dirty="0"/>
+              <a:t>「しかし，」と途中や最後に一番重要なことを書く</a:t>
+            </a:r>
+            <a:endParaRPr kumimoji="1" lang="en-US" altLang="ja-JP" dirty="0"/>
+          </a:p>
+        </p:txBody>
+      </p:sp>
+    </p:spTree>
+    <p:extLst>
+      <p:ext uri="{BB962C8B-B14F-4D97-AF65-F5344CB8AC3E}">
+        <p14:creationId xmlns:p14="http://schemas.microsoft.com/office/powerpoint/2010/main" val="1627413652"/>
+      </p:ext>
+    </p:extLst>
+  </p:cSld>
+  <p:clrMapOvr>
+    <a:masterClrMapping/>
+  </p:clrMapOvr>
+  <mc:AlternateContent xmlns:mc="http://schemas.openxmlformats.org/markup-compatibility/2006" xmlns:p14="http://schemas.microsoft.com/office/powerpoint/2010/main">
+    <mc:Choice Requires="p14">
+      <p:transition p14:dur="10"/>
+    </mc:Choice>
+    <mc:Fallback xmlns="">
+      <p:transition/>
+    </mc:Fallback>
+  </mc:AlternateContent>
+</p:sld>
+</file>
+
+<file path=ppt/slides/slide3.xml><?xml version="1.0" encoding="utf-8"?>
+<p:sld xmlns:a="http://schemas.openxmlformats.org/drawingml/2006/main" xmlns:r="http://schemas.openxmlformats.org/officeDocument/2006/relationships" xmlns:p="http://schemas.openxmlformats.org/presentationml/2006/main">
+  <p:cSld>
+    <p:spTree>
+      <p:nvGrpSpPr>
+        <p:cNvPr id="1" name=""/>
+        <p:cNvGrpSpPr/>
+        <p:nvPr/>
+      </p:nvGrpSpPr>
+      <p:grpSpPr>
+        <a:xfrm>
+          <a:off x="0" y="0"/>
+          <a:ext cx="0" cy="0"/>
+          <a:chOff x="0" y="0"/>
+          <a:chExt cx="0" cy="0"/>
+        </a:xfrm>
+      </p:grpSpPr>
+      <p:sp>
+        <p:nvSpPr>
+          <p:cNvPr id="2" name="タイトル 1">
+            <a:extLst>
+              <a:ext uri="{FF2B5EF4-FFF2-40B4-BE49-F238E27FC236}">
+                <a16:creationId xmlns:a16="http://schemas.microsoft.com/office/drawing/2014/main" id="{E2B2804B-5759-9AAD-53B1-42FDE0863920}"/>
+              </a:ext>
+            </a:extLst>
+          </p:cNvPr>
+          <p:cNvSpPr>
+            <a:spLocks noGrp="1"/>
+          </p:cNvSpPr>
+          <p:nvPr>
+            <p:ph type="title"/>
+          </p:nvPr>
+        </p:nvSpPr>
+        <p:spPr/>
+        <p:txBody>
+          <a:bodyPr/>
+          <a:lstStyle/>
+          <a:p>
+            <a:r>
+              <a:rPr kumimoji="1" lang="ja-JP" altLang="en-US" dirty="0"/>
+              <a:t>チェックリスト </a:t>
+            </a:r>
+            <a:r>
+              <a:rPr kumimoji="1" lang="en-US" altLang="ja-JP" dirty="0"/>
+              <a:t>1</a:t>
+            </a:r>
+            <a:endParaRPr kumimoji="1" lang="en-US" dirty="0"/>
+          </a:p>
+        </p:txBody>
+      </p:sp>
+      <p:sp>
+        <p:nvSpPr>
+          <p:cNvPr id="3" name="テキスト プレースホルダー 2">
+            <a:extLst>
+              <a:ext uri="{FF2B5EF4-FFF2-40B4-BE49-F238E27FC236}">
+                <a16:creationId xmlns:a16="http://schemas.microsoft.com/office/drawing/2014/main" id="{7BF7AC90-EE6A-FEBB-4396-0C91BB79835D}"/>
+              </a:ext>
+            </a:extLst>
+          </p:cNvPr>
+          <p:cNvSpPr>
+            <a:spLocks noGrp="1"/>
+          </p:cNvSpPr>
+          <p:nvPr>
+            <p:ph type="body" sz="quarter" idx="10"/>
+          </p:nvPr>
+        </p:nvSpPr>
+        <p:spPr/>
+        <p:txBody>
+          <a:bodyPr/>
+          <a:lstStyle/>
+          <a:p>
+            <a:r>
+              <a:rPr kumimoji="1" lang="en-US" altLang="ja-JP" dirty="0"/>
+              <a:t>A </a:t>
+            </a:r>
+            <a:r>
+              <a:rPr kumimoji="1" lang="ja-JP" altLang="en-US" dirty="0"/>
+              <a:t>文</a:t>
+            </a:r>
+            <a:endParaRPr kumimoji="1" lang="en-US" altLang="ja-JP" dirty="0"/>
+          </a:p>
+          <a:p>
+            <a:pPr lvl="1"/>
+            <a:r>
+              <a:rPr kumimoji="1" lang="en-US" altLang="ja-JP" dirty="0"/>
+              <a:t>[A1] </a:t>
+            </a:r>
+            <a:r>
+              <a:rPr kumimoji="1" lang="ja-JP" altLang="en-US" dirty="0"/>
+              <a:t>各文は短く簡潔になっている</a:t>
+            </a:r>
+            <a:endParaRPr kumimoji="1" lang="en-US" altLang="ja-JP" dirty="0"/>
+          </a:p>
+          <a:p>
+            <a:pPr lvl="1"/>
+            <a:r>
+              <a:rPr kumimoji="1" lang="en-US" altLang="ja-JP" dirty="0"/>
+              <a:t>[A2] </a:t>
+            </a:r>
+            <a:r>
+              <a:rPr kumimoji="1" lang="ja-JP" altLang="en-US" dirty="0"/>
+              <a:t>複文を書く場合は，それが２文以下におさまっている</a:t>
+            </a:r>
+            <a:endParaRPr kumimoji="1" lang="en-US" altLang="ja-JP" dirty="0"/>
+          </a:p>
+          <a:p>
+            <a:pPr lvl="1"/>
+            <a:r>
+              <a:rPr kumimoji="1" lang="en-US" altLang="ja-JP" dirty="0"/>
+              <a:t>[A3] </a:t>
+            </a:r>
+            <a:r>
+              <a:rPr kumimoji="1" lang="ja-JP" altLang="en-US" dirty="0"/>
+              <a:t>各文に主語や述語が省略されずに含まれている</a:t>
+            </a:r>
+            <a:endParaRPr kumimoji="1" lang="en-US" altLang="ja-JP" dirty="0"/>
+          </a:p>
+          <a:p>
+            <a:r>
+              <a:rPr lang="en-US" altLang="ja-JP" dirty="0"/>
+              <a:t>B </a:t>
+            </a:r>
+            <a:r>
+              <a:rPr lang="ja-JP" altLang="en-US" dirty="0"/>
+              <a:t>文の接続</a:t>
+            </a:r>
+            <a:endParaRPr lang="en-US" altLang="ja-JP" dirty="0"/>
+          </a:p>
+          <a:p>
+            <a:pPr lvl="1"/>
+            <a:r>
+              <a:rPr lang="en-US" altLang="ja-JP" dirty="0"/>
+              <a:t>[B1] </a:t>
+            </a:r>
+            <a:r>
+              <a:rPr kumimoji="1" lang="ja-JP" altLang="en-US" dirty="0"/>
+              <a:t>全ての文はそれまでに出てきた古い情報を明に含み，</a:t>
+            </a:r>
+            <a:br>
+              <a:rPr kumimoji="1" lang="en-US" altLang="ja-JP" dirty="0"/>
+            </a:br>
+            <a:r>
+              <a:rPr kumimoji="1" lang="ja-JP" altLang="en-US" dirty="0"/>
+              <a:t>きちんと接続されている</a:t>
+            </a:r>
+            <a:endParaRPr kumimoji="1" lang="en-US" altLang="ja-JP" dirty="0"/>
+          </a:p>
+          <a:p>
+            <a:pPr lvl="1"/>
+            <a:r>
+              <a:rPr lang="en-US" altLang="ja-JP" dirty="0"/>
+              <a:t>[B2] </a:t>
+            </a:r>
+            <a:r>
+              <a:rPr lang="ja-JP" altLang="en-US" dirty="0"/>
+              <a:t>概観から詳細への原則で接続されている</a:t>
+            </a:r>
+            <a:endParaRPr kumimoji="1" lang="en-US" altLang="ja-JP" dirty="0"/>
+          </a:p>
+          <a:p>
+            <a:pPr lvl="1"/>
+            <a:r>
+              <a:rPr kumimoji="1" lang="en-US" altLang="ja-JP" dirty="0"/>
+              <a:t>[B3] </a:t>
+            </a:r>
+            <a:r>
+              <a:rPr kumimoji="1" lang="ja-JP" altLang="en-US" dirty="0"/>
+              <a:t>読点を正しく打っている</a:t>
+            </a:r>
+            <a:endParaRPr kumimoji="1" lang="en-US" altLang="ja-JP" dirty="0"/>
+          </a:p>
+          <a:p>
+            <a:r>
+              <a:rPr lang="en-US" altLang="ja-JP" dirty="0"/>
+              <a:t>C </a:t>
+            </a:r>
+            <a:r>
+              <a:rPr lang="ja-JP" altLang="en-US" dirty="0"/>
+              <a:t>パラグラフ</a:t>
+            </a:r>
+            <a:r>
+              <a:rPr lang="en-US" altLang="ja-JP" dirty="0"/>
+              <a:t>	</a:t>
+            </a:r>
+            <a:endParaRPr kumimoji="1" lang="en-US" altLang="ja-JP" dirty="0"/>
+          </a:p>
+          <a:p>
+            <a:pPr lvl="1"/>
+            <a:r>
+              <a:rPr kumimoji="1" lang="en-US" altLang="ja-JP" dirty="0"/>
+              <a:t>[A1] </a:t>
+            </a:r>
+            <a:r>
+              <a:rPr kumimoji="1" lang="ja-JP" altLang="en-US" dirty="0"/>
+              <a:t>トピック・センテンスだけを繋げて読んでも意味がわかる</a:t>
+            </a:r>
+            <a:endParaRPr kumimoji="1" lang="en-US" altLang="ja-JP" dirty="0"/>
+          </a:p>
+          <a:p>
+            <a:pPr lvl="1"/>
+            <a:r>
+              <a:rPr kumimoji="1" lang="en-US" altLang="ja-JP" dirty="0"/>
+              <a:t>[A2] </a:t>
+            </a:r>
+            <a:r>
+              <a:rPr kumimoji="1" lang="ja-JP" altLang="en-US" dirty="0"/>
+              <a:t>パラグラフの長さは一定になっている</a:t>
+            </a:r>
+            <a:endParaRPr kumimoji="1" lang="en-US" altLang="ja-JP" dirty="0"/>
+          </a:p>
+        </p:txBody>
+      </p:sp>
+    </p:spTree>
+    <p:extLst>
+      <p:ext uri="{BB962C8B-B14F-4D97-AF65-F5344CB8AC3E}">
+        <p14:creationId xmlns:p14="http://schemas.microsoft.com/office/powerpoint/2010/main" val="589779602"/>
+      </p:ext>
+    </p:extLst>
+  </p:cSld>
+  <p:clrMapOvr>
+    <a:masterClrMapping/>
+  </p:clrMapOvr>
+  <mc:AlternateContent xmlns:mc="http://schemas.openxmlformats.org/markup-compatibility/2006" xmlns:p14="http://schemas.microsoft.com/office/powerpoint/2010/main">
+    <mc:Choice Requires="p14">
+      <p:transition p14:dur="10"/>
+    </mc:Choice>
+    <mc:Fallback xmlns="">
+      <p:transition/>
+    </mc:Fallback>
+  </mc:AlternateContent>
+</p:sld>
+</file>
+
+<file path=ppt/slides/slide30.xml><?xml version="1.0" encoding="utf-8"?>
+<p:sld xmlns:a="http://schemas.openxmlformats.org/drawingml/2006/main" xmlns:r="http://schemas.openxmlformats.org/officeDocument/2006/relationships" xmlns:p="http://schemas.openxmlformats.org/presentationml/2006/main">
+  <p:cSld>
+    <p:spTree>
+      <p:nvGrpSpPr>
+        <p:cNvPr id="1" name=""/>
+        <p:cNvGrpSpPr/>
+        <p:nvPr/>
+      </p:nvGrpSpPr>
+      <p:grpSpPr>
+        <a:xfrm>
+          <a:off x="0" y="0"/>
+          <a:ext cx="0" cy="0"/>
+          <a:chOff x="0" y="0"/>
+          <a:chExt cx="0" cy="0"/>
+        </a:xfrm>
+      </p:grpSpPr>
+      <p:sp>
+        <p:nvSpPr>
+          <p:cNvPr id="2" name="タイトル 1">
+            <a:extLst>
+              <a:ext uri="{FF2B5EF4-FFF2-40B4-BE49-F238E27FC236}">
+                <a16:creationId xmlns:a16="http://schemas.microsoft.com/office/drawing/2014/main" id="{7901F17E-8805-BFE0-8050-4A58DA644D1D}"/>
+              </a:ext>
+            </a:extLst>
+          </p:cNvPr>
+          <p:cNvSpPr>
+            <a:spLocks noGrp="1"/>
+          </p:cNvSpPr>
+          <p:nvPr>
+            <p:ph type="title"/>
+          </p:nvPr>
+        </p:nvSpPr>
+        <p:spPr/>
+        <p:txBody>
+          <a:bodyPr/>
+          <a:lstStyle/>
+          <a:p>
+            <a:r>
+              <a:rPr kumimoji="1" lang="ja-JP" altLang="en-US" dirty="0"/>
+              <a:t>具体的なよくない例</a:t>
+            </a:r>
+            <a:endParaRPr kumimoji="1" lang="en-US" dirty="0"/>
+          </a:p>
+        </p:txBody>
+      </p:sp>
+      <p:sp>
+        <p:nvSpPr>
+          <p:cNvPr id="3" name="テキスト プレースホルダー 2">
+            <a:extLst>
+              <a:ext uri="{FF2B5EF4-FFF2-40B4-BE49-F238E27FC236}">
+                <a16:creationId xmlns:a16="http://schemas.microsoft.com/office/drawing/2014/main" id="{6BA94EF2-C7E6-7648-9675-86D177A7CBCF}"/>
+              </a:ext>
+            </a:extLst>
+          </p:cNvPr>
+          <p:cNvSpPr>
+            <a:spLocks noGrp="1"/>
+          </p:cNvSpPr>
+          <p:nvPr>
+            <p:ph type="body" sz="quarter" idx="10"/>
+          </p:nvPr>
+        </p:nvSpPr>
+        <p:spPr>
+          <a:xfrm>
+            <a:off x="251952" y="1088974"/>
+            <a:ext cx="8280092" cy="1980022"/>
+          </a:xfrm>
+        </p:spPr>
+        <p:txBody>
+          <a:bodyPr/>
+          <a:lstStyle/>
+          <a:p>
+            <a:pPr marL="702900" lvl="1" indent="-342900">
+              <a:buFont typeface="+mj-lt"/>
+              <a:buAutoNum type="arabicPeriod"/>
+            </a:pPr>
+            <a:r>
+              <a:rPr kumimoji="1" lang="ja-JP" altLang="en-US" sz="1400" dirty="0"/>
+              <a:t>この問題を解決するために、ベクトル命令のインオーダ実行とスカラ命令の</a:t>
+            </a:r>
+            <a:r>
+              <a:rPr kumimoji="1" lang="en-US" altLang="ja-JP" sz="1400" dirty="0"/>
+              <a:t>OoO</a:t>
+            </a:r>
+            <a:r>
+              <a:rPr kumimoji="1" lang="ja-JP" altLang="en-US" sz="1400" dirty="0"/>
+              <a:t>実行により、回路面積の肥大化を防ぐ方法が提案されている。</a:t>
+            </a:r>
+            <a:endParaRPr kumimoji="1" lang="en-US" altLang="ja-JP" sz="1400" dirty="0"/>
+          </a:p>
+          <a:p>
+            <a:pPr marL="702900" lvl="1" indent="-342900">
+              <a:buFont typeface="+mj-lt"/>
+              <a:buAutoNum type="arabicPeriod"/>
+            </a:pPr>
+            <a:r>
+              <a:rPr kumimoji="1" lang="ja-JP" altLang="en-US" sz="1400" dirty="0"/>
+              <a:t>ベクトル命令を用いるベンチマークはメモリ・アクセス・パタンがシンプルであることから、データ・プリフェッチによるメモリ・アクセスのレイテンシ削減効果が大きい。</a:t>
+            </a:r>
+            <a:endParaRPr kumimoji="1" lang="en-US" altLang="ja-JP" sz="1400" dirty="0"/>
+          </a:p>
+          <a:p>
+            <a:pPr marL="702900" lvl="1" indent="-342900">
+              <a:buFont typeface="+mj-lt"/>
+              <a:buAutoNum type="arabicPeriod"/>
+            </a:pPr>
+            <a:r>
+              <a:rPr kumimoji="1" lang="ja-JP" altLang="en-US" sz="1400" dirty="0"/>
+              <a:t>加えて、ベクトル命令が元来持つレイテンシを隠ぺいすることができる性質により、</a:t>
+            </a:r>
+            <a:r>
+              <a:rPr kumimoji="1" lang="en-US" altLang="ja-JP" sz="1400" dirty="0"/>
+              <a:t>OoO</a:t>
+            </a:r>
+            <a:r>
+              <a:rPr kumimoji="1" lang="ja-JP" altLang="en-US" sz="1400" dirty="0"/>
+              <a:t>実行の効果が小さいことに着目している。</a:t>
+            </a:r>
+            <a:endParaRPr kumimoji="1" lang="en-US" altLang="ja-JP" sz="1400" dirty="0"/>
+          </a:p>
+          <a:p>
+            <a:pPr marL="702900" lvl="1" indent="-342900">
+              <a:buFont typeface="+mj-lt"/>
+              <a:buAutoNum type="arabicPeriod"/>
+            </a:pPr>
+            <a:r>
+              <a:rPr kumimoji="1" lang="ja-JP" altLang="en-US" sz="1400" dirty="0"/>
+              <a:t>これらのことを活用して、</a:t>
+            </a:r>
+            <a:r>
+              <a:rPr kumimoji="1" lang="en-US" altLang="ja-JP" sz="1400" dirty="0"/>
+              <a:t>[1] </a:t>
+            </a:r>
+            <a:r>
+              <a:rPr kumimoji="1" lang="ja-JP" altLang="en-US" sz="1400" dirty="0"/>
+              <a:t>ではベクトル命令とインオーダ実行することを提案しており、これにより回路面積を削減している。</a:t>
+            </a:r>
+            <a:endParaRPr kumimoji="1" lang="en-US" sz="1400" dirty="0"/>
+          </a:p>
+        </p:txBody>
+      </p:sp>
+      <p:sp>
+        <p:nvSpPr>
+          <p:cNvPr id="4" name="テキスト プレースホルダー 2">
+            <a:extLst>
+              <a:ext uri="{FF2B5EF4-FFF2-40B4-BE49-F238E27FC236}">
+                <a16:creationId xmlns:a16="http://schemas.microsoft.com/office/drawing/2014/main" id="{B49298B3-CAD3-434B-5455-185F626F5DB6}"/>
+              </a:ext>
+            </a:extLst>
+          </p:cNvPr>
+          <p:cNvSpPr txBox="1">
+            <a:spLocks/>
+          </p:cNvSpPr>
+          <p:nvPr/>
+        </p:nvSpPr>
+        <p:spPr bwMode="auto">
+          <a:xfrm>
+            <a:off x="251952" y="3429000"/>
+            <a:ext cx="8280092" cy="3240036"/>
+          </a:xfrm>
+          <a:prstGeom prst="rect">
+            <a:avLst/>
+          </a:prstGeom>
+          <a:noFill/>
+          <a:ln w="9525">
+            <a:noFill/>
+            <a:miter lim="800000"/>
+            <a:headEnd/>
+            <a:tailEnd/>
+          </a:ln>
+          <a:effectLst/>
+        </p:spPr>
+        <p:txBody>
+          <a:bodyPr vert="horz" wrap="square" lIns="91440" tIns="45720" rIns="91440" bIns="45720" numCol="1" anchor="t" anchorCtr="0" compatLnSpc="1">
+            <a:prstTxWarp prst="textNoShape">
+              <a:avLst/>
+            </a:prstTxWarp>
+          </a:bodyPr>
+          <a:lstStyle>
+            <a:lvl1pPr marL="360000" indent="-360000" algn="l" rtl="0" eaLnBrk="1" fontAlgn="base" hangingPunct="1">
+              <a:lnSpc>
+                <a:spcPct val="110000"/>
+              </a:lnSpc>
+              <a:spcBef>
+                <a:spcPts val="2400"/>
+              </a:spcBef>
+              <a:spcAft>
+                <a:spcPts val="600"/>
+              </a:spcAft>
+              <a:buClr>
+                <a:schemeClr val="accent5"/>
+              </a:buClr>
+              <a:buFont typeface="Wingdings" panose="05000000000000000000" pitchFamily="2" charset="2"/>
+              <a:buChar char="n"/>
+              <a:tabLst>
+                <a:tab pos="2057400" algn="l"/>
+              </a:tabLst>
+              <a:defRPr kumimoji="1" sz="2000">
+                <a:solidFill>
+                  <a:schemeClr val="tx1">
+                    <a:lumMod val="75000"/>
+                    <a:lumOff val="25000"/>
+                  </a:schemeClr>
+                </a:solidFill>
+                <a:latin typeface="+mn-lt"/>
+                <a:ea typeface="メイリオ" pitchFamily="50" charset="-128"/>
+                <a:cs typeface="メイリオ" pitchFamily="50" charset="-128"/>
+              </a:defRPr>
+            </a:lvl1pPr>
+            <a:lvl2pPr marL="720000" indent="-360000" algn="l" rtl="0" eaLnBrk="1" fontAlgn="base" hangingPunct="1">
+              <a:lnSpc>
+                <a:spcPct val="110000"/>
+              </a:lnSpc>
+              <a:spcBef>
+                <a:spcPts val="300"/>
+              </a:spcBef>
+              <a:spcAft>
+                <a:spcPts val="300"/>
+              </a:spcAft>
+              <a:buClr>
+                <a:schemeClr val="accent4"/>
+              </a:buClr>
+              <a:buSzPct val="90000"/>
+              <a:buFont typeface="メイリオ" panose="020B0604030504040204" pitchFamily="50" charset="-128"/>
+              <a:buChar char="◇"/>
+              <a:tabLst>
+                <a:tab pos="2057400" algn="l"/>
+              </a:tabLst>
+              <a:defRPr kumimoji="1" sz="2000">
+                <a:solidFill>
+                  <a:schemeClr val="tx1">
+                    <a:lumMod val="75000"/>
+                    <a:lumOff val="25000"/>
+                  </a:schemeClr>
+                </a:solidFill>
+                <a:latin typeface="+mn-lt"/>
+                <a:ea typeface="メイリオ" pitchFamily="50" charset="-128"/>
+                <a:cs typeface="メイリオ" pitchFamily="50" charset="-128"/>
+              </a:defRPr>
+            </a:lvl2pPr>
+            <a:lvl3pPr marL="1080000" indent="-360000" algn="l" rtl="0" eaLnBrk="1" fontAlgn="base" hangingPunct="1">
+              <a:lnSpc>
+                <a:spcPct val="110000"/>
+              </a:lnSpc>
+              <a:spcBef>
+                <a:spcPts val="300"/>
+              </a:spcBef>
+              <a:spcAft>
+                <a:spcPts val="100"/>
+              </a:spcAft>
+              <a:buClr>
+                <a:schemeClr val="accent3"/>
+              </a:buClr>
+              <a:buSzPct val="90000"/>
+              <a:buFont typeface="メイリオ" panose="020B0604030504040204" pitchFamily="50" charset="-128"/>
+              <a:buChar char="☐"/>
+              <a:tabLst>
+                <a:tab pos="2057400" algn="l"/>
+              </a:tabLst>
+              <a:defRPr kumimoji="1" sz="2000">
+                <a:solidFill>
+                  <a:schemeClr val="tx1">
+                    <a:lumMod val="75000"/>
+                    <a:lumOff val="25000"/>
+                  </a:schemeClr>
+                </a:solidFill>
+                <a:latin typeface="+mn-lt"/>
+                <a:ea typeface="メイリオ" pitchFamily="50" charset="-128"/>
+                <a:cs typeface="メイリオ" pitchFamily="50" charset="-128"/>
+              </a:defRPr>
+            </a:lvl3pPr>
+            <a:lvl4pPr marL="1440000" indent="-360000" algn="l" rtl="0" eaLnBrk="1" fontAlgn="base" hangingPunct="1">
+              <a:lnSpc>
+                <a:spcPct val="100000"/>
+              </a:lnSpc>
+              <a:spcBef>
+                <a:spcPts val="100"/>
+              </a:spcBef>
+              <a:spcAft>
+                <a:spcPts val="100"/>
+              </a:spcAft>
+              <a:buClr>
+                <a:schemeClr val="accent5"/>
+              </a:buClr>
+              <a:buSzPct val="80000"/>
+              <a:buFont typeface="MeiryoKe_PGothic" panose="020B0604030504040204" pitchFamily="50" charset="-128"/>
+              <a:buChar char="✳"/>
+              <a:tabLst>
+                <a:tab pos="2057400" algn="l"/>
+              </a:tabLst>
+              <a:defRPr kumimoji="1" sz="2000">
+                <a:solidFill>
+                  <a:schemeClr val="tx1">
+                    <a:lumMod val="75000"/>
+                    <a:lumOff val="25000"/>
+                  </a:schemeClr>
+                </a:solidFill>
+                <a:latin typeface="+mn-lt"/>
+                <a:ea typeface="メイリオ" pitchFamily="50" charset="-128"/>
+                <a:cs typeface="メイリオ" pitchFamily="50" charset="-128"/>
+              </a:defRPr>
+            </a:lvl4pPr>
+            <a:lvl5pPr marL="1800000" indent="-360000" algn="l" rtl="0" eaLnBrk="1" fontAlgn="base" hangingPunct="1">
+              <a:lnSpc>
+                <a:spcPct val="100000"/>
+              </a:lnSpc>
+              <a:spcBef>
+                <a:spcPts val="100"/>
+              </a:spcBef>
+              <a:spcAft>
+                <a:spcPts val="100"/>
+              </a:spcAft>
+              <a:buClr>
+                <a:schemeClr val="accent5"/>
+              </a:buClr>
+              <a:buSzPct val="80000"/>
+              <a:buFont typeface="MeiryoKe_PGothic" panose="020B0604030504040204" pitchFamily="50" charset="-128"/>
+              <a:buChar char="＋"/>
+              <a:tabLst>
+                <a:tab pos="2057400" algn="l"/>
+              </a:tabLst>
+              <a:defRPr kumimoji="1" sz="2000">
+                <a:solidFill>
+                  <a:schemeClr val="tx1">
+                    <a:lumMod val="75000"/>
+                    <a:lumOff val="25000"/>
+                  </a:schemeClr>
+                </a:solidFill>
+                <a:latin typeface="+mn-lt"/>
+                <a:ea typeface="メイリオ" pitchFamily="50" charset="-128"/>
+                <a:cs typeface="メイリオ" pitchFamily="50" charset="-128"/>
+              </a:defRPr>
+            </a:lvl5pPr>
+            <a:lvl6pPr marL="2514600" indent="-260350" algn="l" rtl="0" eaLnBrk="1" fontAlgn="base" hangingPunct="1">
+              <a:spcBef>
+                <a:spcPct val="20000"/>
+              </a:spcBef>
+              <a:spcAft>
+                <a:spcPct val="0"/>
+              </a:spcAft>
+              <a:buClr>
+                <a:schemeClr val="hlink"/>
+              </a:buClr>
+              <a:buChar char="•"/>
+              <a:tabLst>
+                <a:tab pos="2057400" algn="l"/>
+              </a:tabLst>
+              <a:defRPr kumimoji="1" sz="2000">
+                <a:solidFill>
+                  <a:schemeClr val="tx1"/>
+                </a:solidFill>
+                <a:latin typeface="+mn-lt"/>
+                <a:ea typeface="+mn-ea"/>
+              </a:defRPr>
+            </a:lvl6pPr>
+            <a:lvl7pPr marL="2971800" indent="-260350" algn="l" rtl="0" eaLnBrk="1" fontAlgn="base" hangingPunct="1">
+              <a:spcBef>
+                <a:spcPct val="20000"/>
+              </a:spcBef>
+              <a:spcAft>
+                <a:spcPct val="0"/>
+              </a:spcAft>
+              <a:buClr>
+                <a:schemeClr val="hlink"/>
+              </a:buClr>
+              <a:buChar char="•"/>
+              <a:tabLst>
+                <a:tab pos="2057400" algn="l"/>
+              </a:tabLst>
+              <a:defRPr kumimoji="1" sz="2000">
+                <a:solidFill>
+                  <a:schemeClr val="tx1"/>
+                </a:solidFill>
+                <a:latin typeface="+mn-lt"/>
+                <a:ea typeface="+mn-ea"/>
+              </a:defRPr>
+            </a:lvl7pPr>
+            <a:lvl8pPr marL="3429000" indent="-260350" algn="l" rtl="0" eaLnBrk="1" fontAlgn="base" hangingPunct="1">
+              <a:spcBef>
+                <a:spcPct val="20000"/>
+              </a:spcBef>
+              <a:spcAft>
+                <a:spcPct val="0"/>
+              </a:spcAft>
+              <a:buClr>
+                <a:schemeClr val="hlink"/>
+              </a:buClr>
+              <a:buChar char="•"/>
+              <a:tabLst>
+                <a:tab pos="2057400" algn="l"/>
+              </a:tabLst>
+              <a:defRPr kumimoji="1" sz="2000">
+                <a:solidFill>
+                  <a:schemeClr val="tx1"/>
+                </a:solidFill>
+                <a:latin typeface="+mn-lt"/>
+                <a:ea typeface="+mn-ea"/>
+              </a:defRPr>
+            </a:lvl8pPr>
+            <a:lvl9pPr marL="3886200" indent="-260350" algn="l" rtl="0" eaLnBrk="1" fontAlgn="base" hangingPunct="1">
+              <a:spcBef>
+                <a:spcPct val="20000"/>
+              </a:spcBef>
+              <a:spcAft>
+                <a:spcPct val="0"/>
+              </a:spcAft>
+              <a:buClr>
+                <a:schemeClr val="hlink"/>
+              </a:buClr>
+              <a:buChar char="•"/>
+              <a:tabLst>
+                <a:tab pos="2057400" algn="l"/>
+              </a:tabLst>
+              <a:defRPr kumimoji="1" sz="2000">
+                <a:solidFill>
+                  <a:schemeClr val="tx1"/>
+                </a:solidFill>
+                <a:latin typeface="+mn-lt"/>
+                <a:ea typeface="+mn-ea"/>
+              </a:defRPr>
+            </a:lvl9pPr>
+          </a:lstStyle>
+          <a:p>
+            <a:r>
+              <a:rPr lang="ja-JP" altLang="en-US" sz="1800" kern="0" dirty="0"/>
+              <a:t>このパラグラフの問題：</a:t>
+            </a:r>
+            <a:endParaRPr lang="en-US" altLang="ja-JP" sz="1800" kern="0" dirty="0"/>
+          </a:p>
+          <a:p>
+            <a:pPr lvl="1"/>
+            <a:r>
+              <a:rPr lang="ja-JP" altLang="en-US" sz="1800" kern="0" dirty="0">
+                <a:solidFill>
+                  <a:schemeClr val="accent5"/>
+                </a:solidFill>
+              </a:rPr>
+              <a:t>逆茂木型の</a:t>
+            </a:r>
+            <a:r>
+              <a:rPr lang="ja-JP" altLang="en-US" sz="1800" b="1" kern="0" dirty="0">
+                <a:solidFill>
+                  <a:schemeClr val="accent5"/>
+                </a:solidFill>
+              </a:rPr>
+              <a:t>文</a:t>
+            </a:r>
+            <a:r>
+              <a:rPr lang="ja-JP" altLang="en-US" sz="1800" kern="0" dirty="0"/>
+              <a:t>：全体に長い文が多く，複文も多い</a:t>
+            </a:r>
+            <a:endParaRPr lang="en-US" altLang="ja-JP" sz="1800" kern="0" dirty="0"/>
+          </a:p>
+          <a:p>
+            <a:pPr lvl="2"/>
+            <a:r>
+              <a:rPr lang="ja-JP" altLang="en-US" sz="1800" kern="0" dirty="0"/>
+              <a:t>文 </a:t>
+            </a:r>
+            <a:r>
+              <a:rPr lang="en-US" altLang="ja-JP" sz="1800" kern="0" dirty="0"/>
+              <a:t>1. </a:t>
+            </a:r>
+            <a:r>
+              <a:rPr lang="ja-JP" altLang="en-US" sz="1800" kern="0" dirty="0"/>
+              <a:t>は，「ベクトル命令の～」と「問題を解決」の関係が，この文の最後の「提案されている」を読むまでわからない</a:t>
+            </a:r>
+            <a:endParaRPr lang="en-US" altLang="ja-JP" sz="1800" kern="0" dirty="0"/>
+          </a:p>
+          <a:p>
+            <a:pPr lvl="1"/>
+            <a:r>
+              <a:rPr lang="ja-JP" altLang="en-US" sz="1800" kern="0" dirty="0">
+                <a:solidFill>
+                  <a:schemeClr val="accent5"/>
+                </a:solidFill>
+              </a:rPr>
+              <a:t>逆茂木型の</a:t>
+            </a:r>
+            <a:r>
+              <a:rPr lang="ja-JP" altLang="en-US" sz="1800" b="1" kern="0" dirty="0">
+                <a:solidFill>
+                  <a:schemeClr val="accent5"/>
+                </a:solidFill>
+              </a:rPr>
+              <a:t>文章</a:t>
+            </a:r>
+            <a:r>
+              <a:rPr lang="ja-JP" altLang="en-US" sz="1800" kern="0" dirty="0"/>
+              <a:t>：各文同士の関係性が最後の文に書かれている</a:t>
+            </a:r>
+            <a:endParaRPr lang="en-US" altLang="ja-JP" sz="1800" kern="0" dirty="0"/>
+          </a:p>
+          <a:p>
+            <a:pPr lvl="2"/>
+            <a:r>
+              <a:rPr lang="ja-JP" altLang="en-US" sz="1800" kern="0" dirty="0"/>
+              <a:t>文 </a:t>
+            </a:r>
+            <a:r>
+              <a:rPr lang="en-US" sz="1800" kern="0" dirty="0"/>
+              <a:t>2. </a:t>
+            </a:r>
+            <a:r>
+              <a:rPr lang="ja-JP" altLang="en-US" sz="1800" kern="0" dirty="0"/>
+              <a:t>と 文 </a:t>
+            </a:r>
+            <a:r>
+              <a:rPr lang="en-US" altLang="ja-JP" sz="1800" kern="0" dirty="0"/>
+              <a:t>3. </a:t>
+            </a:r>
+            <a:r>
+              <a:rPr lang="ja-JP" altLang="en-US" sz="1800" kern="0" dirty="0"/>
+              <a:t>は，文 </a:t>
+            </a:r>
+            <a:r>
+              <a:rPr lang="en-US" altLang="ja-JP" sz="1800" kern="0" dirty="0"/>
+              <a:t>4. </a:t>
+            </a:r>
+            <a:r>
+              <a:rPr lang="ja-JP" altLang="en-US" sz="1800" kern="0" dirty="0"/>
+              <a:t>で活用している性質の説明だが，それは </a:t>
+            </a:r>
+            <a:r>
+              <a:rPr lang="en-US" altLang="ja-JP" sz="1800" kern="0" dirty="0"/>
+              <a:t>4. </a:t>
+            </a:r>
+            <a:r>
+              <a:rPr lang="ja-JP" altLang="en-US" sz="1800" kern="0" dirty="0"/>
+              <a:t>を読むまではわからない</a:t>
+            </a:r>
+            <a:endParaRPr lang="en-US" altLang="ja-JP" sz="1800" kern="0" dirty="0"/>
+          </a:p>
+          <a:p>
+            <a:pPr lvl="2"/>
+            <a:r>
+              <a:rPr lang="ja-JP" altLang="en-US" sz="1800" kern="0" dirty="0"/>
+              <a:t>文 </a:t>
+            </a:r>
+            <a:r>
+              <a:rPr lang="en-US" altLang="ja-JP" sz="1800" kern="0" dirty="0"/>
+              <a:t>2. </a:t>
+            </a:r>
+            <a:r>
+              <a:rPr lang="ja-JP" altLang="en-US" sz="1800" kern="0" dirty="0"/>
+              <a:t>を読んでも，それと文 </a:t>
+            </a:r>
+            <a:r>
+              <a:rPr lang="en-US" altLang="ja-JP" sz="1800" kern="0" dirty="0"/>
+              <a:t>1. </a:t>
+            </a:r>
+            <a:r>
+              <a:rPr lang="ja-JP" altLang="en-US" sz="1800" kern="0" dirty="0"/>
+              <a:t>との関係がわからない</a:t>
+            </a:r>
+            <a:endParaRPr lang="en-US" altLang="ja-JP" sz="1800" kern="0" dirty="0"/>
+          </a:p>
+          <a:p>
+            <a:pPr lvl="1"/>
+            <a:r>
+              <a:rPr lang="ja-JP" altLang="en-US" sz="1800" kern="0" dirty="0"/>
+              <a:t>文 </a:t>
+            </a:r>
+            <a:r>
+              <a:rPr lang="en-US" altLang="ja-JP" sz="1800" kern="0" dirty="0"/>
+              <a:t>4. </a:t>
+            </a:r>
+            <a:r>
+              <a:rPr lang="ja-JP" altLang="en-US" sz="1800" kern="0" dirty="0"/>
+              <a:t>は 文 </a:t>
+            </a:r>
+            <a:r>
+              <a:rPr lang="en-US" altLang="ja-JP" sz="1800" kern="0" dirty="0"/>
+              <a:t>1. </a:t>
+            </a:r>
+            <a:r>
+              <a:rPr lang="ja-JP" altLang="en-US" sz="1800" kern="0" dirty="0"/>
+              <a:t>とほぼ同じ事を繰り返しており冗長</a:t>
+            </a:r>
+            <a:endParaRPr lang="en-US" sz="1800" kern="0" dirty="0"/>
+          </a:p>
+        </p:txBody>
+      </p:sp>
+    </p:spTree>
+    <p:extLst>
+      <p:ext uri="{BB962C8B-B14F-4D97-AF65-F5344CB8AC3E}">
+        <p14:creationId xmlns:p14="http://schemas.microsoft.com/office/powerpoint/2010/main" val="2625774496"/>
+      </p:ext>
+    </p:extLst>
+  </p:cSld>
+  <p:clrMapOvr>
+    <a:masterClrMapping/>
+  </p:clrMapOvr>
+  <mc:AlternateContent xmlns:mc="http://schemas.openxmlformats.org/markup-compatibility/2006" xmlns:p14="http://schemas.microsoft.com/office/powerpoint/2010/main">
+    <mc:Choice Requires="p14">
+      <p:transition p14:dur="10"/>
+    </mc:Choice>
+    <mc:Fallback xmlns="">
+      <p:transition/>
+    </mc:Fallback>
+  </mc:AlternateContent>
+</p:sld>
+</file>
+
+<file path=ppt/slides/slide31.xml><?xml version="1.0" encoding="utf-8"?>
+<p:sld xmlns:a="http://schemas.openxmlformats.org/drawingml/2006/main" xmlns:r="http://schemas.openxmlformats.org/officeDocument/2006/relationships" xmlns:p="http://schemas.openxmlformats.org/presentationml/2006/main">
+  <p:cSld>
+    <p:spTree>
+      <p:nvGrpSpPr>
+        <p:cNvPr id="1" name=""/>
+        <p:cNvGrpSpPr/>
+        <p:nvPr/>
+      </p:nvGrpSpPr>
+      <p:grpSpPr>
+        <a:xfrm>
+          <a:off x="0" y="0"/>
+          <a:ext cx="0" cy="0"/>
+          <a:chOff x="0" y="0"/>
+          <a:chExt cx="0" cy="0"/>
+        </a:xfrm>
+      </p:grpSpPr>
+      <p:sp>
+        <p:nvSpPr>
+          <p:cNvPr id="2" name="タイトル 1">
+            <a:extLst>
+              <a:ext uri="{FF2B5EF4-FFF2-40B4-BE49-F238E27FC236}">
+                <a16:creationId xmlns:a16="http://schemas.microsoft.com/office/drawing/2014/main" id="{7901F17E-8805-BFE0-8050-4A58DA644D1D}"/>
+              </a:ext>
+            </a:extLst>
+          </p:cNvPr>
+          <p:cNvSpPr>
+            <a:spLocks noGrp="1"/>
+          </p:cNvSpPr>
+          <p:nvPr>
+            <p:ph type="title"/>
+          </p:nvPr>
+        </p:nvSpPr>
+        <p:spPr/>
+        <p:txBody>
+          <a:bodyPr/>
+          <a:lstStyle/>
+          <a:p>
+            <a:r>
+              <a:rPr kumimoji="1" lang="ja-JP" altLang="en-US" dirty="0"/>
+              <a:t>改良案</a:t>
+            </a:r>
+            <a:endParaRPr kumimoji="1" lang="en-US" dirty="0"/>
+          </a:p>
+        </p:txBody>
+      </p:sp>
+      <p:sp>
+        <p:nvSpPr>
+          <p:cNvPr id="3" name="テキスト プレースホルダー 2">
+            <a:extLst>
+              <a:ext uri="{FF2B5EF4-FFF2-40B4-BE49-F238E27FC236}">
+                <a16:creationId xmlns:a16="http://schemas.microsoft.com/office/drawing/2014/main" id="{6BA94EF2-C7E6-7648-9675-86D177A7CBCF}"/>
+              </a:ext>
+            </a:extLst>
+          </p:cNvPr>
+          <p:cNvSpPr>
+            <a:spLocks noGrp="1"/>
+          </p:cNvSpPr>
+          <p:nvPr>
+            <p:ph type="body" sz="quarter" idx="10"/>
+          </p:nvPr>
+        </p:nvSpPr>
+        <p:spPr>
+          <a:xfrm>
+            <a:off x="251952" y="998973"/>
+            <a:ext cx="8280092" cy="1980022"/>
+          </a:xfrm>
+        </p:spPr>
+        <p:txBody>
+          <a:bodyPr anchor="t"/>
+          <a:lstStyle/>
+          <a:p>
+            <a:pPr marL="702900" lvl="1" indent="-342900">
+              <a:buFont typeface="+mj-lt"/>
+              <a:buAutoNum type="arabicPeriod"/>
+            </a:pPr>
+            <a:r>
+              <a:rPr kumimoji="1" lang="ja-JP" altLang="en-US" sz="1400" dirty="0"/>
+              <a:t>この回路面積の問題を解決するために、命令スケジューリングの工夫に基づく手法が提案されている </a:t>
+            </a:r>
+            <a:r>
+              <a:rPr kumimoji="1" lang="en-US" altLang="ja-JP" sz="1400" dirty="0"/>
+              <a:t>[1]</a:t>
+            </a:r>
+            <a:r>
+              <a:rPr kumimoji="1" lang="ja-JP" altLang="en-US" sz="1400" dirty="0"/>
+              <a:t>。</a:t>
+            </a:r>
+            <a:endParaRPr kumimoji="1" lang="en-US" altLang="ja-JP" sz="1400" dirty="0"/>
+          </a:p>
+          <a:p>
+            <a:pPr marL="702900" lvl="1" indent="-342900">
+              <a:buFont typeface="+mj-lt"/>
+              <a:buAutoNum type="arabicPeriod"/>
+            </a:pPr>
+            <a:r>
+              <a:rPr kumimoji="1" lang="ja-JP" altLang="en-US" sz="1400" dirty="0"/>
+              <a:t>この手法では、スカラ命令に対してのみ </a:t>
+            </a:r>
+            <a:r>
+              <a:rPr kumimoji="1" lang="en-US" altLang="ja-JP" sz="1400" dirty="0"/>
+              <a:t>Out-of-Order (OoO) </a:t>
+            </a:r>
+            <a:r>
+              <a:rPr kumimoji="1" lang="ja-JP" altLang="en-US" sz="1400" dirty="0"/>
+              <a:t>スケジューリングを行い、ベクトル命令はインオーダに実行する。</a:t>
+            </a:r>
+            <a:endParaRPr kumimoji="1" lang="en-US" altLang="ja-JP" sz="1400" dirty="0"/>
+          </a:p>
+          <a:p>
+            <a:pPr marL="702900" lvl="1" indent="-342900">
+              <a:buFont typeface="+mj-lt"/>
+              <a:buAutoNum type="arabicPeriod"/>
+            </a:pPr>
+            <a:r>
+              <a:rPr kumimoji="1" lang="ja-JP" altLang="en-US" sz="1400" dirty="0"/>
+              <a:t>これは以下の理由により、ベクトル命令をインオーダ実行としても一般に性能はほとんど低下しない事に基づく：</a:t>
+            </a:r>
+            <a:endParaRPr kumimoji="1" lang="en-US" altLang="ja-JP" sz="1400" dirty="0"/>
+          </a:p>
+          <a:p>
+            <a:pPr marL="1062900" lvl="2" indent="-342900">
+              <a:buFont typeface="+mj-lt"/>
+              <a:buAutoNum type="arabicPeriod"/>
+            </a:pPr>
+            <a:r>
+              <a:rPr kumimoji="1" lang="ja-JP" altLang="en-US" sz="1400" dirty="0"/>
+              <a:t>ベクトル命令にはもともとレイテンシ隠蔽効果があるため </a:t>
+            </a:r>
+            <a:r>
+              <a:rPr kumimoji="1" lang="en-US" altLang="ja-JP" sz="1400" dirty="0"/>
+              <a:t>OoO </a:t>
+            </a:r>
+            <a:r>
+              <a:rPr kumimoji="1" lang="ja-JP" altLang="en-US" sz="1400" dirty="0"/>
+              <a:t>スケジューリングの恩恵が小さい</a:t>
+            </a:r>
+            <a:endParaRPr kumimoji="1" lang="en-US" altLang="ja-JP" sz="1400" dirty="0"/>
+          </a:p>
+          <a:p>
+            <a:pPr marL="1062900" lvl="2" indent="-342900">
+              <a:buFont typeface="+mj-lt"/>
+              <a:buAutoNum type="arabicPeriod"/>
+            </a:pPr>
+            <a:r>
+              <a:rPr kumimoji="1" lang="ja-JP" altLang="en-US" sz="1400" dirty="0"/>
+              <a:t>ベクトル命令のメモリアクセスは一般に単純であるためプリフェッチによるレイテンシ隠蔽が有効に機能する</a:t>
+            </a:r>
+            <a:endParaRPr kumimoji="1" lang="en-US" altLang="ja-JP" sz="1400" dirty="0"/>
+          </a:p>
+          <a:p>
+            <a:pPr marL="702900" lvl="1" indent="-342900">
+              <a:buFont typeface="+mj-lt"/>
+              <a:buAutoNum type="arabicPeriod"/>
+            </a:pPr>
+            <a:r>
+              <a:rPr kumimoji="1" lang="ja-JP" altLang="en-US" sz="1400" dirty="0"/>
+              <a:t>このようにベクトル命令をインオーダ実行とすることで性能への影響を最小限に抑えつつ、</a:t>
+            </a:r>
+            <a:r>
+              <a:rPr kumimoji="1" lang="en-US" altLang="ja-JP" sz="1400" dirty="0"/>
+              <a:t>OoO </a:t>
+            </a:r>
+            <a:r>
+              <a:rPr kumimoji="1" lang="ja-JP" altLang="en-US" sz="1400" dirty="0"/>
+              <a:t>実行に必要な回路を省略することで，</a:t>
+            </a:r>
+            <a:r>
+              <a:rPr kumimoji="1" lang="en-US" altLang="ja-JP" sz="1400" dirty="0"/>
+              <a:t>[1] </a:t>
+            </a:r>
+            <a:r>
+              <a:rPr kumimoji="1" lang="ja-JP" altLang="en-US" sz="1400" dirty="0"/>
+              <a:t>では大幅な回路面積の削減を実現している。</a:t>
+            </a:r>
+            <a:endParaRPr kumimoji="1" lang="en-US" sz="1400" dirty="0"/>
+          </a:p>
+        </p:txBody>
+      </p:sp>
+      <p:sp>
+        <p:nvSpPr>
+          <p:cNvPr id="4" name="テキスト プレースホルダー 2">
+            <a:extLst>
+              <a:ext uri="{FF2B5EF4-FFF2-40B4-BE49-F238E27FC236}">
+                <a16:creationId xmlns:a16="http://schemas.microsoft.com/office/drawing/2014/main" id="{B49298B3-CAD3-434B-5455-185F626F5DB6}"/>
+              </a:ext>
+            </a:extLst>
+          </p:cNvPr>
+          <p:cNvSpPr txBox="1">
+            <a:spLocks/>
+          </p:cNvSpPr>
+          <p:nvPr/>
+        </p:nvSpPr>
+        <p:spPr bwMode="auto">
+          <a:xfrm>
+            <a:off x="611956" y="3519001"/>
+            <a:ext cx="8280092" cy="3240036"/>
+          </a:xfrm>
+          <a:prstGeom prst="rect">
+            <a:avLst/>
+          </a:prstGeom>
+          <a:noFill/>
+          <a:ln w="9525">
+            <a:noFill/>
+            <a:miter lim="800000"/>
+            <a:headEnd/>
+            <a:tailEnd/>
+          </a:ln>
+          <a:effectLst/>
+        </p:spPr>
+        <p:txBody>
+          <a:bodyPr vert="horz" wrap="square" lIns="91440" tIns="45720" rIns="91440" bIns="45720" numCol="1" anchor="t" anchorCtr="0" compatLnSpc="1">
+            <a:prstTxWarp prst="textNoShape">
+              <a:avLst/>
+            </a:prstTxWarp>
+          </a:bodyPr>
+          <a:lstStyle>
+            <a:lvl1pPr marL="360000" indent="-360000" algn="l" rtl="0" eaLnBrk="1" fontAlgn="base" hangingPunct="1">
+              <a:lnSpc>
+                <a:spcPct val="110000"/>
+              </a:lnSpc>
+              <a:spcBef>
+                <a:spcPts val="2400"/>
+              </a:spcBef>
+              <a:spcAft>
+                <a:spcPts val="600"/>
+              </a:spcAft>
+              <a:buClr>
+                <a:schemeClr val="accent5"/>
+              </a:buClr>
+              <a:buFont typeface="Wingdings" panose="05000000000000000000" pitchFamily="2" charset="2"/>
+              <a:buChar char="n"/>
+              <a:tabLst>
+                <a:tab pos="2057400" algn="l"/>
+              </a:tabLst>
+              <a:defRPr kumimoji="1" sz="2000">
+                <a:solidFill>
+                  <a:schemeClr val="tx1">
+                    <a:lumMod val="75000"/>
+                    <a:lumOff val="25000"/>
+                  </a:schemeClr>
+                </a:solidFill>
+                <a:latin typeface="+mn-lt"/>
+                <a:ea typeface="メイリオ" pitchFamily="50" charset="-128"/>
+                <a:cs typeface="メイリオ" pitchFamily="50" charset="-128"/>
+              </a:defRPr>
+            </a:lvl1pPr>
+            <a:lvl2pPr marL="720000" indent="-360000" algn="l" rtl="0" eaLnBrk="1" fontAlgn="base" hangingPunct="1">
+              <a:lnSpc>
+                <a:spcPct val="110000"/>
+              </a:lnSpc>
+              <a:spcBef>
+                <a:spcPts val="300"/>
+              </a:spcBef>
+              <a:spcAft>
+                <a:spcPts val="300"/>
+              </a:spcAft>
+              <a:buClr>
+                <a:schemeClr val="accent4"/>
+              </a:buClr>
+              <a:buSzPct val="90000"/>
+              <a:buFont typeface="メイリオ" panose="020B0604030504040204" pitchFamily="50" charset="-128"/>
+              <a:buChar char="◇"/>
+              <a:tabLst>
+                <a:tab pos="2057400" algn="l"/>
+              </a:tabLst>
+              <a:defRPr kumimoji="1" sz="2000">
+                <a:solidFill>
+                  <a:schemeClr val="tx1">
+                    <a:lumMod val="75000"/>
+                    <a:lumOff val="25000"/>
+                  </a:schemeClr>
+                </a:solidFill>
+                <a:latin typeface="+mn-lt"/>
+                <a:ea typeface="メイリオ" pitchFamily="50" charset="-128"/>
+                <a:cs typeface="メイリオ" pitchFamily="50" charset="-128"/>
+              </a:defRPr>
+            </a:lvl2pPr>
+            <a:lvl3pPr marL="1080000" indent="-360000" algn="l" rtl="0" eaLnBrk="1" fontAlgn="base" hangingPunct="1">
+              <a:lnSpc>
+                <a:spcPct val="110000"/>
+              </a:lnSpc>
+              <a:spcBef>
+                <a:spcPts val="300"/>
+              </a:spcBef>
+              <a:spcAft>
+                <a:spcPts val="100"/>
+              </a:spcAft>
+              <a:buClr>
+                <a:schemeClr val="accent3"/>
+              </a:buClr>
+              <a:buSzPct val="90000"/>
+              <a:buFont typeface="メイリオ" panose="020B0604030504040204" pitchFamily="50" charset="-128"/>
+              <a:buChar char="☐"/>
+              <a:tabLst>
+                <a:tab pos="2057400" algn="l"/>
+              </a:tabLst>
+              <a:defRPr kumimoji="1" sz="2000">
+                <a:solidFill>
+                  <a:schemeClr val="tx1">
+                    <a:lumMod val="75000"/>
+                    <a:lumOff val="25000"/>
+                  </a:schemeClr>
+                </a:solidFill>
+                <a:latin typeface="+mn-lt"/>
+                <a:ea typeface="メイリオ" pitchFamily="50" charset="-128"/>
+                <a:cs typeface="メイリオ" pitchFamily="50" charset="-128"/>
+              </a:defRPr>
+            </a:lvl3pPr>
+            <a:lvl4pPr marL="1440000" indent="-360000" algn="l" rtl="0" eaLnBrk="1" fontAlgn="base" hangingPunct="1">
+              <a:lnSpc>
+                <a:spcPct val="100000"/>
+              </a:lnSpc>
+              <a:spcBef>
+                <a:spcPts val="100"/>
+              </a:spcBef>
+              <a:spcAft>
+                <a:spcPts val="100"/>
+              </a:spcAft>
+              <a:buClr>
+                <a:schemeClr val="accent5"/>
+              </a:buClr>
+              <a:buSzPct val="80000"/>
+              <a:buFont typeface="MeiryoKe_PGothic" panose="020B0604030504040204" pitchFamily="50" charset="-128"/>
+              <a:buChar char="✳"/>
+              <a:tabLst>
+                <a:tab pos="2057400" algn="l"/>
+              </a:tabLst>
+              <a:defRPr kumimoji="1" sz="2000">
+                <a:solidFill>
+                  <a:schemeClr val="tx1">
+                    <a:lumMod val="75000"/>
+                    <a:lumOff val="25000"/>
+                  </a:schemeClr>
+                </a:solidFill>
+                <a:latin typeface="+mn-lt"/>
+                <a:ea typeface="メイリオ" pitchFamily="50" charset="-128"/>
+                <a:cs typeface="メイリオ" pitchFamily="50" charset="-128"/>
+              </a:defRPr>
+            </a:lvl4pPr>
+            <a:lvl5pPr marL="1800000" indent="-360000" algn="l" rtl="0" eaLnBrk="1" fontAlgn="base" hangingPunct="1">
+              <a:lnSpc>
+                <a:spcPct val="100000"/>
+              </a:lnSpc>
+              <a:spcBef>
+                <a:spcPts val="100"/>
+              </a:spcBef>
+              <a:spcAft>
+                <a:spcPts val="100"/>
+              </a:spcAft>
+              <a:buClr>
+                <a:schemeClr val="accent5"/>
+              </a:buClr>
+              <a:buSzPct val="80000"/>
+              <a:buFont typeface="MeiryoKe_PGothic" panose="020B0604030504040204" pitchFamily="50" charset="-128"/>
+              <a:buChar char="＋"/>
+              <a:tabLst>
+                <a:tab pos="2057400" algn="l"/>
+              </a:tabLst>
+              <a:defRPr kumimoji="1" sz="2000">
+                <a:solidFill>
+                  <a:schemeClr val="tx1">
+                    <a:lumMod val="75000"/>
+                    <a:lumOff val="25000"/>
+                  </a:schemeClr>
+                </a:solidFill>
+                <a:latin typeface="+mn-lt"/>
+                <a:ea typeface="メイリオ" pitchFamily="50" charset="-128"/>
+                <a:cs typeface="メイリオ" pitchFamily="50" charset="-128"/>
+              </a:defRPr>
+            </a:lvl5pPr>
+            <a:lvl6pPr marL="2514600" indent="-260350" algn="l" rtl="0" eaLnBrk="1" fontAlgn="base" hangingPunct="1">
+              <a:spcBef>
+                <a:spcPct val="20000"/>
+              </a:spcBef>
+              <a:spcAft>
+                <a:spcPct val="0"/>
+              </a:spcAft>
+              <a:buClr>
+                <a:schemeClr val="hlink"/>
+              </a:buClr>
+              <a:buChar char="•"/>
+              <a:tabLst>
+                <a:tab pos="2057400" algn="l"/>
+              </a:tabLst>
+              <a:defRPr kumimoji="1" sz="2000">
+                <a:solidFill>
+                  <a:schemeClr val="tx1"/>
+                </a:solidFill>
+                <a:latin typeface="+mn-lt"/>
+                <a:ea typeface="+mn-ea"/>
+              </a:defRPr>
+            </a:lvl6pPr>
+            <a:lvl7pPr marL="2971800" indent="-260350" algn="l" rtl="0" eaLnBrk="1" fontAlgn="base" hangingPunct="1">
+              <a:spcBef>
+                <a:spcPct val="20000"/>
+              </a:spcBef>
+              <a:spcAft>
+                <a:spcPct val="0"/>
+              </a:spcAft>
+              <a:buClr>
+                <a:schemeClr val="hlink"/>
+              </a:buClr>
+              <a:buChar char="•"/>
+              <a:tabLst>
+                <a:tab pos="2057400" algn="l"/>
+              </a:tabLst>
+              <a:defRPr kumimoji="1" sz="2000">
+                <a:solidFill>
+                  <a:schemeClr val="tx1"/>
+                </a:solidFill>
+                <a:latin typeface="+mn-lt"/>
+                <a:ea typeface="+mn-ea"/>
+              </a:defRPr>
+            </a:lvl7pPr>
+            <a:lvl8pPr marL="3429000" indent="-260350" algn="l" rtl="0" eaLnBrk="1" fontAlgn="base" hangingPunct="1">
+              <a:spcBef>
+                <a:spcPct val="20000"/>
+              </a:spcBef>
+              <a:spcAft>
+                <a:spcPct val="0"/>
+              </a:spcAft>
+              <a:buClr>
+                <a:schemeClr val="hlink"/>
+              </a:buClr>
+              <a:buChar char="•"/>
+              <a:tabLst>
+                <a:tab pos="2057400" algn="l"/>
+              </a:tabLst>
+              <a:defRPr kumimoji="1" sz="2000">
+                <a:solidFill>
+                  <a:schemeClr val="tx1"/>
+                </a:solidFill>
+                <a:latin typeface="+mn-lt"/>
+                <a:ea typeface="+mn-ea"/>
+              </a:defRPr>
+            </a:lvl8pPr>
+            <a:lvl9pPr marL="3886200" indent="-260350" algn="l" rtl="0" eaLnBrk="1" fontAlgn="base" hangingPunct="1">
+              <a:spcBef>
+                <a:spcPct val="20000"/>
+              </a:spcBef>
+              <a:spcAft>
+                <a:spcPct val="0"/>
+              </a:spcAft>
+              <a:buClr>
+                <a:schemeClr val="hlink"/>
+              </a:buClr>
+              <a:buChar char="•"/>
+              <a:tabLst>
+                <a:tab pos="2057400" algn="l"/>
+              </a:tabLst>
+              <a:defRPr kumimoji="1" sz="2000">
+                <a:solidFill>
+                  <a:schemeClr val="tx1"/>
+                </a:solidFill>
+                <a:latin typeface="+mn-lt"/>
+                <a:ea typeface="+mn-ea"/>
+              </a:defRPr>
+            </a:lvl9pPr>
+          </a:lstStyle>
+          <a:p>
+            <a:endParaRPr lang="en-US" sz="1800" kern="0" dirty="0"/>
+          </a:p>
+        </p:txBody>
+      </p:sp>
+      <p:sp>
+        <p:nvSpPr>
+          <p:cNvPr id="9" name="テキスト プレースホルダー 2">
+            <a:extLst>
+              <a:ext uri="{FF2B5EF4-FFF2-40B4-BE49-F238E27FC236}">
+                <a16:creationId xmlns:a16="http://schemas.microsoft.com/office/drawing/2014/main" id="{42FEF4C0-D1BE-2B2A-7DCF-60DCDAE5C954}"/>
+              </a:ext>
+            </a:extLst>
+          </p:cNvPr>
+          <p:cNvSpPr txBox="1">
+            <a:spLocks/>
+          </p:cNvSpPr>
+          <p:nvPr/>
+        </p:nvSpPr>
+        <p:spPr bwMode="auto">
+          <a:xfrm>
+            <a:off x="251952" y="4509012"/>
+            <a:ext cx="8640096" cy="2160024"/>
+          </a:xfrm>
+          <a:prstGeom prst="rect">
+            <a:avLst/>
+          </a:prstGeom>
+          <a:noFill/>
+          <a:ln w="9525">
+            <a:noFill/>
+            <a:miter lim="800000"/>
+            <a:headEnd/>
+            <a:tailEnd/>
+          </a:ln>
+          <a:effectLst/>
+        </p:spPr>
+        <p:txBody>
+          <a:bodyPr vert="horz" wrap="square" lIns="91440" tIns="45720" rIns="91440" bIns="45720" numCol="1" anchor="t" anchorCtr="0" compatLnSpc="1">
+            <a:prstTxWarp prst="textNoShape">
+              <a:avLst/>
+            </a:prstTxWarp>
+          </a:bodyPr>
+          <a:lstStyle>
+            <a:lvl1pPr marL="360000" indent="-360000" algn="l" rtl="0" eaLnBrk="1" fontAlgn="base" hangingPunct="1">
+              <a:lnSpc>
+                <a:spcPct val="110000"/>
+              </a:lnSpc>
+              <a:spcBef>
+                <a:spcPts val="2400"/>
+              </a:spcBef>
+              <a:spcAft>
+                <a:spcPts val="600"/>
+              </a:spcAft>
+              <a:buClr>
+                <a:schemeClr val="accent5"/>
+              </a:buClr>
+              <a:buFont typeface="Wingdings" panose="05000000000000000000" pitchFamily="2" charset="2"/>
+              <a:buChar char="n"/>
+              <a:tabLst>
+                <a:tab pos="2057400" algn="l"/>
+              </a:tabLst>
+              <a:defRPr kumimoji="1" sz="2000">
+                <a:solidFill>
+                  <a:schemeClr val="tx1">
+                    <a:lumMod val="75000"/>
+                    <a:lumOff val="25000"/>
+                  </a:schemeClr>
+                </a:solidFill>
+                <a:latin typeface="+mn-lt"/>
+                <a:ea typeface="メイリオ" pitchFamily="50" charset="-128"/>
+                <a:cs typeface="メイリオ" pitchFamily="50" charset="-128"/>
+              </a:defRPr>
+            </a:lvl1pPr>
+            <a:lvl2pPr marL="720000" indent="-360000" algn="l" rtl="0" eaLnBrk="1" fontAlgn="base" hangingPunct="1">
+              <a:lnSpc>
+                <a:spcPct val="110000"/>
+              </a:lnSpc>
+              <a:spcBef>
+                <a:spcPts val="300"/>
+              </a:spcBef>
+              <a:spcAft>
+                <a:spcPts val="300"/>
+              </a:spcAft>
+              <a:buClr>
+                <a:schemeClr val="accent4"/>
+              </a:buClr>
+              <a:buSzPct val="90000"/>
+              <a:buFont typeface="メイリオ" panose="020B0604030504040204" pitchFamily="50" charset="-128"/>
+              <a:buChar char="◇"/>
+              <a:tabLst>
+                <a:tab pos="2057400" algn="l"/>
+              </a:tabLst>
+              <a:defRPr kumimoji="1" sz="2000">
+                <a:solidFill>
+                  <a:schemeClr val="tx1">
+                    <a:lumMod val="75000"/>
+                    <a:lumOff val="25000"/>
+                  </a:schemeClr>
+                </a:solidFill>
+                <a:latin typeface="+mn-lt"/>
+                <a:ea typeface="メイリオ" pitchFamily="50" charset="-128"/>
+                <a:cs typeface="メイリオ" pitchFamily="50" charset="-128"/>
+              </a:defRPr>
+            </a:lvl2pPr>
+            <a:lvl3pPr marL="1080000" indent="-360000" algn="l" rtl="0" eaLnBrk="1" fontAlgn="base" hangingPunct="1">
+              <a:lnSpc>
+                <a:spcPct val="110000"/>
+              </a:lnSpc>
+              <a:spcBef>
+                <a:spcPts val="300"/>
+              </a:spcBef>
+              <a:spcAft>
+                <a:spcPts val="100"/>
+              </a:spcAft>
+              <a:buClr>
+                <a:schemeClr val="accent3"/>
+              </a:buClr>
+              <a:buSzPct val="90000"/>
+              <a:buFont typeface="メイリオ" panose="020B0604030504040204" pitchFamily="50" charset="-128"/>
+              <a:buChar char="☐"/>
+              <a:tabLst>
+                <a:tab pos="2057400" algn="l"/>
+              </a:tabLst>
+              <a:defRPr kumimoji="1" sz="2000">
+                <a:solidFill>
+                  <a:schemeClr val="tx1">
+                    <a:lumMod val="75000"/>
+                    <a:lumOff val="25000"/>
+                  </a:schemeClr>
+                </a:solidFill>
+                <a:latin typeface="+mn-lt"/>
+                <a:ea typeface="メイリオ" pitchFamily="50" charset="-128"/>
+                <a:cs typeface="メイリオ" pitchFamily="50" charset="-128"/>
+              </a:defRPr>
+            </a:lvl3pPr>
+            <a:lvl4pPr marL="1440000" indent="-360000" algn="l" rtl="0" eaLnBrk="1" fontAlgn="base" hangingPunct="1">
+              <a:lnSpc>
+                <a:spcPct val="100000"/>
+              </a:lnSpc>
+              <a:spcBef>
+                <a:spcPts val="100"/>
+              </a:spcBef>
+              <a:spcAft>
+                <a:spcPts val="100"/>
+              </a:spcAft>
+              <a:buClr>
+                <a:schemeClr val="accent5"/>
+              </a:buClr>
+              <a:buSzPct val="80000"/>
+              <a:buFont typeface="MeiryoKe_PGothic" panose="020B0604030504040204" pitchFamily="50" charset="-128"/>
+              <a:buChar char="✳"/>
+              <a:tabLst>
+                <a:tab pos="2057400" algn="l"/>
+              </a:tabLst>
+              <a:defRPr kumimoji="1" sz="2000">
+                <a:solidFill>
+                  <a:schemeClr val="tx1">
+                    <a:lumMod val="75000"/>
+                    <a:lumOff val="25000"/>
+                  </a:schemeClr>
+                </a:solidFill>
+                <a:latin typeface="+mn-lt"/>
+                <a:ea typeface="メイリオ" pitchFamily="50" charset="-128"/>
+                <a:cs typeface="メイリオ" pitchFamily="50" charset="-128"/>
+              </a:defRPr>
+            </a:lvl4pPr>
+            <a:lvl5pPr marL="1800000" indent="-360000" algn="l" rtl="0" eaLnBrk="1" fontAlgn="base" hangingPunct="1">
+              <a:lnSpc>
+                <a:spcPct val="100000"/>
+              </a:lnSpc>
+              <a:spcBef>
+                <a:spcPts val="100"/>
+              </a:spcBef>
+              <a:spcAft>
+                <a:spcPts val="100"/>
+              </a:spcAft>
+              <a:buClr>
+                <a:schemeClr val="accent5"/>
+              </a:buClr>
+              <a:buSzPct val="80000"/>
+              <a:buFont typeface="MeiryoKe_PGothic" panose="020B0604030504040204" pitchFamily="50" charset="-128"/>
+              <a:buChar char="＋"/>
+              <a:tabLst>
+                <a:tab pos="2057400" algn="l"/>
+              </a:tabLst>
+              <a:defRPr kumimoji="1" sz="2000">
+                <a:solidFill>
+                  <a:schemeClr val="tx1">
+                    <a:lumMod val="75000"/>
+                    <a:lumOff val="25000"/>
+                  </a:schemeClr>
+                </a:solidFill>
+                <a:latin typeface="+mn-lt"/>
+                <a:ea typeface="メイリオ" pitchFamily="50" charset="-128"/>
+                <a:cs typeface="メイリオ" pitchFamily="50" charset="-128"/>
+              </a:defRPr>
+            </a:lvl5pPr>
+            <a:lvl6pPr marL="2514600" indent="-260350" algn="l" rtl="0" eaLnBrk="1" fontAlgn="base" hangingPunct="1">
+              <a:spcBef>
+                <a:spcPct val="20000"/>
+              </a:spcBef>
+              <a:spcAft>
+                <a:spcPct val="0"/>
+              </a:spcAft>
+              <a:buClr>
+                <a:schemeClr val="hlink"/>
+              </a:buClr>
+              <a:buChar char="•"/>
+              <a:tabLst>
+                <a:tab pos="2057400" algn="l"/>
+              </a:tabLst>
+              <a:defRPr kumimoji="1" sz="2000">
+                <a:solidFill>
+                  <a:schemeClr val="tx1"/>
+                </a:solidFill>
+                <a:latin typeface="+mn-lt"/>
+                <a:ea typeface="+mn-ea"/>
+              </a:defRPr>
+            </a:lvl6pPr>
+            <a:lvl7pPr marL="2971800" indent="-260350" algn="l" rtl="0" eaLnBrk="1" fontAlgn="base" hangingPunct="1">
+              <a:spcBef>
+                <a:spcPct val="20000"/>
+              </a:spcBef>
+              <a:spcAft>
+                <a:spcPct val="0"/>
+              </a:spcAft>
+              <a:buClr>
+                <a:schemeClr val="hlink"/>
+              </a:buClr>
+              <a:buChar char="•"/>
+              <a:tabLst>
+                <a:tab pos="2057400" algn="l"/>
+              </a:tabLst>
+              <a:defRPr kumimoji="1" sz="2000">
+                <a:solidFill>
+                  <a:schemeClr val="tx1"/>
+                </a:solidFill>
+                <a:latin typeface="+mn-lt"/>
+                <a:ea typeface="+mn-ea"/>
+              </a:defRPr>
+            </a:lvl7pPr>
+            <a:lvl8pPr marL="3429000" indent="-260350" algn="l" rtl="0" eaLnBrk="1" fontAlgn="base" hangingPunct="1">
+              <a:spcBef>
+                <a:spcPct val="20000"/>
+              </a:spcBef>
+              <a:spcAft>
+                <a:spcPct val="0"/>
+              </a:spcAft>
+              <a:buClr>
+                <a:schemeClr val="hlink"/>
+              </a:buClr>
+              <a:buChar char="•"/>
+              <a:tabLst>
+                <a:tab pos="2057400" algn="l"/>
+              </a:tabLst>
+              <a:defRPr kumimoji="1" sz="2000">
+                <a:solidFill>
+                  <a:schemeClr val="tx1"/>
+                </a:solidFill>
+                <a:latin typeface="+mn-lt"/>
+                <a:ea typeface="+mn-ea"/>
+              </a:defRPr>
+            </a:lvl8pPr>
+            <a:lvl9pPr marL="3886200" indent="-260350" algn="l" rtl="0" eaLnBrk="1" fontAlgn="base" hangingPunct="1">
+              <a:spcBef>
+                <a:spcPct val="20000"/>
+              </a:spcBef>
+              <a:spcAft>
+                <a:spcPct val="0"/>
+              </a:spcAft>
+              <a:buClr>
+                <a:schemeClr val="hlink"/>
+              </a:buClr>
+              <a:buChar char="•"/>
+              <a:tabLst>
+                <a:tab pos="2057400" algn="l"/>
+              </a:tabLst>
+              <a:defRPr kumimoji="1" sz="2000">
+                <a:solidFill>
+                  <a:schemeClr val="tx1"/>
+                </a:solidFill>
+                <a:latin typeface="+mn-lt"/>
+                <a:ea typeface="+mn-ea"/>
+              </a:defRPr>
+            </a:lvl9pPr>
+          </a:lstStyle>
+          <a:p>
+            <a:r>
+              <a:rPr lang="ja-JP" altLang="en-US" sz="1600" kern="0" dirty="0"/>
+              <a:t>改良案：抽象度の調整，文の分離，箇条書き など</a:t>
+            </a:r>
+            <a:endParaRPr lang="en-US" altLang="ja-JP" sz="1600" kern="0" dirty="0"/>
+          </a:p>
+          <a:p>
+            <a:pPr lvl="1"/>
+            <a:r>
+              <a:rPr lang="ja-JP" altLang="en-US" sz="1600" kern="0" dirty="0"/>
+              <a:t>文 </a:t>
+            </a:r>
+            <a:r>
+              <a:rPr lang="en-US" altLang="ja-JP" sz="1600" kern="0" dirty="0"/>
+              <a:t>1. </a:t>
+            </a:r>
+            <a:r>
+              <a:rPr lang="ja-JP" altLang="en-US" sz="1600" kern="0" dirty="0"/>
+              <a:t>の抽象度を上げることで接続を改善し，繰り返しを避ける</a:t>
+            </a:r>
+            <a:endParaRPr lang="en-US" altLang="ja-JP" sz="1600" kern="0" dirty="0"/>
+          </a:p>
+          <a:p>
+            <a:pPr lvl="2"/>
+            <a:r>
+              <a:rPr lang="ja-JP" altLang="en-US" sz="1600" kern="0" dirty="0"/>
+              <a:t>具体的な内容は次の 文 </a:t>
+            </a:r>
+            <a:r>
+              <a:rPr lang="en-US" altLang="ja-JP" sz="1600" kern="0" dirty="0"/>
+              <a:t>2. </a:t>
+            </a:r>
+            <a:r>
+              <a:rPr lang="ja-JP" altLang="en-US" sz="1600" kern="0" dirty="0"/>
+              <a:t>に分離</a:t>
+            </a:r>
+            <a:endParaRPr lang="en-US" altLang="ja-JP" sz="1600" kern="0" dirty="0"/>
+          </a:p>
+          <a:p>
+            <a:pPr lvl="1"/>
+            <a:r>
+              <a:rPr lang="ja-JP" altLang="en-US" sz="1600" kern="0" dirty="0"/>
+              <a:t>理由を箇条書きにして，まず「理由は以下にある」と先に言う</a:t>
+            </a:r>
+            <a:endParaRPr lang="en-US" altLang="ja-JP" sz="1600" kern="0" dirty="0"/>
+          </a:p>
+          <a:p>
+            <a:pPr lvl="1"/>
+            <a:r>
+              <a:rPr lang="ja-JP" altLang="en-US" sz="1600" kern="0" dirty="0"/>
+              <a:t>最後の文は詳細度を上げて，最初の文との抽象度の差を作って情報を足し，繰り返し</a:t>
+            </a:r>
+            <a:r>
+              <a:rPr lang="ja-JP" altLang="en-US" sz="1600" kern="0"/>
+              <a:t>を避ける</a:t>
+            </a:r>
+            <a:endParaRPr lang="en-US" sz="1600" kern="0" dirty="0"/>
+          </a:p>
+        </p:txBody>
+      </p:sp>
+    </p:spTree>
+    <p:extLst>
+      <p:ext uri="{BB962C8B-B14F-4D97-AF65-F5344CB8AC3E}">
+        <p14:creationId xmlns:p14="http://schemas.microsoft.com/office/powerpoint/2010/main" val="3655485710"/>
+      </p:ext>
+    </p:extLst>
+  </p:cSld>
+  <p:clrMapOvr>
+    <a:masterClrMapping/>
+  </p:clrMapOvr>
+  <mc:AlternateContent xmlns:mc="http://schemas.openxmlformats.org/markup-compatibility/2006" xmlns:p14="http://schemas.microsoft.com/office/powerpoint/2010/main">
+    <mc:Choice Requires="p14">
+      <p:transition p14:dur="10"/>
+    </mc:Choice>
+    <mc:Fallback xmlns="">
+      <p:transition/>
+    </mc:Fallback>
+  </mc:AlternateContent>
+</p:sld>
+</file>
+
+<file path=ppt/slides/slide32.xml><?xml version="1.0" encoding="utf-8"?>
+<p:sld xmlns:a="http://schemas.openxmlformats.org/drawingml/2006/main" xmlns:r="http://schemas.openxmlformats.org/officeDocument/2006/relationships" xmlns:p="http://schemas.openxmlformats.org/presentationml/2006/main">
+  <p:cSld>
+    <p:spTree>
+      <p:nvGrpSpPr>
+        <p:cNvPr id="1" name=""/>
+        <p:cNvGrpSpPr/>
+        <p:nvPr/>
+      </p:nvGrpSpPr>
+      <p:grpSpPr>
+        <a:xfrm>
+          <a:off x="0" y="0"/>
+          <a:ext cx="0" cy="0"/>
+          <a:chOff x="0" y="0"/>
+          <a:chExt cx="0" cy="0"/>
+        </a:xfrm>
+      </p:grpSpPr>
+      <p:sp>
+        <p:nvSpPr>
+          <p:cNvPr id="6" name="タイトル 5">
+            <a:extLst>
+              <a:ext uri="{FF2B5EF4-FFF2-40B4-BE49-F238E27FC236}">
+                <a16:creationId xmlns:a16="http://schemas.microsoft.com/office/drawing/2014/main" id="{D44FC4B2-BE5F-0B62-A30B-6488B98CA7F1}"/>
+              </a:ext>
+            </a:extLst>
+          </p:cNvPr>
+          <p:cNvSpPr>
+            <a:spLocks noGrp="1"/>
+          </p:cNvSpPr>
+          <p:nvPr>
+            <p:ph type="title"/>
+          </p:nvPr>
+        </p:nvSpPr>
+        <p:spPr/>
+        <p:txBody>
+          <a:bodyPr/>
+          <a:lstStyle/>
+          <a:p>
+            <a:r>
+              <a:rPr lang="ja-JP" altLang="en-US" dirty="0"/>
+              <a:t>プロットから文章への展開</a:t>
+            </a:r>
+            <a:endParaRPr lang="en-US" altLang="ja-JP" dirty="0"/>
+          </a:p>
+        </p:txBody>
+      </p:sp>
+    </p:spTree>
+    <p:extLst>
+      <p:ext uri="{BB962C8B-B14F-4D97-AF65-F5344CB8AC3E}">
+        <p14:creationId xmlns:p14="http://schemas.microsoft.com/office/powerpoint/2010/main" val="3590338157"/>
+      </p:ext>
+    </p:extLst>
+  </p:cSld>
+  <p:clrMapOvr>
+    <a:masterClrMapping/>
+  </p:clrMapOvr>
+</p:sld>
+</file>
+
+<file path=ppt/slides/slide33.xml><?xml version="1.0" encoding="utf-8"?>
+<p:sld xmlns:a="http://schemas.openxmlformats.org/drawingml/2006/main" xmlns:r="http://schemas.openxmlformats.org/officeDocument/2006/relationships" xmlns:p="http://schemas.openxmlformats.org/presentationml/2006/main">
+  <p:cSld>
+    <p:spTree>
+      <p:nvGrpSpPr>
+        <p:cNvPr id="1" name=""/>
+        <p:cNvGrpSpPr/>
+        <p:nvPr/>
+      </p:nvGrpSpPr>
+      <p:grpSpPr>
+        <a:xfrm>
+          <a:off x="0" y="0"/>
+          <a:ext cx="0" cy="0"/>
+          <a:chOff x="0" y="0"/>
+          <a:chExt cx="0" cy="0"/>
+        </a:xfrm>
+      </p:grpSpPr>
+      <p:sp>
+        <p:nvSpPr>
+          <p:cNvPr id="4" name="タイトル 3">
+            <a:extLst>
+              <a:ext uri="{FF2B5EF4-FFF2-40B4-BE49-F238E27FC236}">
+                <a16:creationId xmlns:a16="http://schemas.microsoft.com/office/drawing/2014/main" id="{6562E51A-24AB-589C-C10B-60BA2743CF86}"/>
+              </a:ext>
+            </a:extLst>
+          </p:cNvPr>
+          <p:cNvSpPr>
+            <a:spLocks noGrp="1"/>
+          </p:cNvSpPr>
+          <p:nvPr>
+            <p:ph type="title"/>
+          </p:nvPr>
+        </p:nvSpPr>
+        <p:spPr/>
+        <p:txBody>
+          <a:bodyPr/>
+          <a:lstStyle/>
+          <a:p>
+            <a:r>
+              <a:rPr lang="ja-JP" altLang="en-US" dirty="0"/>
+              <a:t>プロットから文章やスライドへ</a:t>
+            </a:r>
+          </a:p>
+        </p:txBody>
+      </p:sp>
+      <p:sp>
+        <p:nvSpPr>
+          <p:cNvPr id="5" name="テキスト プレースホルダー 4">
+            <a:extLst>
+              <a:ext uri="{FF2B5EF4-FFF2-40B4-BE49-F238E27FC236}">
+                <a16:creationId xmlns:a16="http://schemas.microsoft.com/office/drawing/2014/main" id="{24288186-ECCC-F136-8196-B4294566CB12}"/>
+              </a:ext>
+            </a:extLst>
+          </p:cNvPr>
+          <p:cNvSpPr>
+            <a:spLocks noGrp="1"/>
+          </p:cNvSpPr>
+          <p:nvPr>
+            <p:ph type="body" sz="quarter" idx="10"/>
+          </p:nvPr>
+        </p:nvSpPr>
+        <p:spPr/>
+        <p:txBody>
+          <a:bodyPr/>
+          <a:lstStyle/>
+          <a:p>
+            <a:r>
+              <a:rPr lang="ja-JP" altLang="en-US" dirty="0"/>
+              <a:t>プロットと文章の違い：</a:t>
+            </a:r>
+            <a:endParaRPr lang="en-US" altLang="ja-JP" dirty="0"/>
+          </a:p>
+          <a:p>
+            <a:pPr lvl="1"/>
+            <a:r>
+              <a:rPr lang="ja-JP" altLang="en-US" dirty="0"/>
+              <a:t>プロットは論理の階層構造を単に表せば良い</a:t>
+            </a:r>
+            <a:endParaRPr lang="en-US" altLang="ja-JP" dirty="0"/>
+          </a:p>
+          <a:p>
+            <a:pPr lvl="2"/>
+            <a:r>
+              <a:rPr lang="ja-JP" altLang="en-US" dirty="0"/>
+              <a:t>子は親にぶら下がっている事で視覚的に論理関係がわかる</a:t>
+            </a:r>
+            <a:endParaRPr lang="en-US" altLang="ja-JP" dirty="0"/>
+          </a:p>
+          <a:p>
+            <a:pPr lvl="2"/>
+            <a:r>
+              <a:rPr lang="ja-JP" altLang="en-US" dirty="0"/>
+              <a:t>つなぎの言葉は通常あまり書かない</a:t>
+            </a:r>
+            <a:endParaRPr lang="en-US" altLang="ja-JP" dirty="0"/>
+          </a:p>
+          <a:p>
+            <a:pPr lvl="1"/>
+            <a:r>
+              <a:rPr lang="ja-JP" altLang="en-US" dirty="0"/>
+              <a:t>しかし，文章（スライド）は基本的にシーケンシャル</a:t>
+            </a:r>
+            <a:endParaRPr lang="en-US" altLang="ja-JP" dirty="0"/>
+          </a:p>
+          <a:p>
+            <a:pPr lvl="2"/>
+            <a:r>
+              <a:rPr lang="ja-JP" altLang="en-US" dirty="0"/>
+              <a:t>文章は前から後ろにむかって順に読むもの</a:t>
+            </a:r>
+            <a:endParaRPr lang="en-US" altLang="ja-JP" dirty="0"/>
+          </a:p>
+          <a:p>
+            <a:pPr lvl="2"/>
+            <a:r>
+              <a:rPr lang="ja-JP" altLang="en-US" dirty="0">
+                <a:solidFill>
+                  <a:schemeClr val="accent5"/>
+                </a:solidFill>
+              </a:rPr>
+              <a:t>前から読んでわかる順序に論理を展開し，それぞれにつなぎを入れる必要がある</a:t>
+            </a:r>
+            <a:endParaRPr lang="en-US" altLang="ja-JP" dirty="0">
+              <a:solidFill>
+                <a:schemeClr val="accent5"/>
+              </a:solidFill>
+            </a:endParaRPr>
+          </a:p>
+          <a:p>
+            <a:r>
+              <a:rPr lang="ja-JP" altLang="en-US" dirty="0"/>
+              <a:t>課題：</a:t>
+            </a:r>
+            <a:br>
+              <a:rPr lang="en-US" altLang="ja-JP" dirty="0"/>
+            </a:br>
+            <a:r>
+              <a:rPr lang="ja-JP" altLang="en-US" dirty="0"/>
+              <a:t>プロットの論理をどのようにシーケンシャルな文章に展開するか？</a:t>
+            </a:r>
+            <a:endParaRPr lang="en-US" altLang="ja-JP" dirty="0"/>
+          </a:p>
+        </p:txBody>
+      </p:sp>
+      <p:sp>
+        <p:nvSpPr>
+          <p:cNvPr id="2" name="スライド番号プレースホルダー 1">
+            <a:extLst>
+              <a:ext uri="{FF2B5EF4-FFF2-40B4-BE49-F238E27FC236}">
+                <a16:creationId xmlns:a16="http://schemas.microsoft.com/office/drawing/2014/main" id="{CFEF9DC9-89E4-71EE-05DF-89E205E66070}"/>
+              </a:ext>
+            </a:extLst>
+          </p:cNvPr>
+          <p:cNvSpPr>
+            <a:spLocks noGrp="1"/>
+          </p:cNvSpPr>
+          <p:nvPr>
+            <p:ph type="sldNum" sz="quarter" idx="4294967295"/>
+          </p:nvPr>
+        </p:nvSpPr>
+        <p:spPr>
+          <a:xfrm>
+            <a:off x="8531225" y="6308725"/>
+            <a:ext cx="612775" cy="549275"/>
+          </a:xfrm>
+        </p:spPr>
+        <p:txBody>
+          <a:bodyPr/>
+          <a:lstStyle/>
+          <a:p>
+            <a:fld id="{D2D8002D-B5B0-4BAC-B1F6-782DDCCE6D9C}" type="slidenum">
+              <a:rPr kumimoji="1" lang="ja-JP" altLang="en-US" smtClean="0"/>
+              <a:pPr/>
+              <a:t>33</a:t>
+            </a:fld>
+            <a:endParaRPr kumimoji="1" lang="ja-JP" altLang="en-US"/>
+          </a:p>
+        </p:txBody>
+      </p:sp>
+    </p:spTree>
+    <p:extLst>
+      <p:ext uri="{BB962C8B-B14F-4D97-AF65-F5344CB8AC3E}">
+        <p14:creationId xmlns:p14="http://schemas.microsoft.com/office/powerpoint/2010/main" val="4034395818"/>
+      </p:ext>
+    </p:extLst>
+  </p:cSld>
+  <p:clrMapOvr>
+    <a:masterClrMapping/>
+  </p:clrMapOvr>
+  <mc:AlternateContent xmlns:mc="http://schemas.openxmlformats.org/markup-compatibility/2006" xmlns:p14="http://schemas.microsoft.com/office/powerpoint/2010/main">
+    <mc:Choice Requires="p14">
+      <p:transition p14:dur="10"/>
+    </mc:Choice>
+    <mc:Fallback xmlns="">
+      <p:transition/>
+    </mc:Fallback>
+  </mc:AlternateContent>
+</p:sld>
+</file>
+
+<file path=ppt/slides/slide34.xml><?xml version="1.0" encoding="utf-8"?>
+<p:sld xmlns:a="http://schemas.openxmlformats.org/drawingml/2006/main" xmlns:r="http://schemas.openxmlformats.org/officeDocument/2006/relationships" xmlns:p="http://schemas.openxmlformats.org/presentationml/2006/main">
+  <p:cSld>
+    <p:spTree>
+      <p:nvGrpSpPr>
+        <p:cNvPr id="1" name=""/>
+        <p:cNvGrpSpPr/>
+        <p:nvPr/>
+      </p:nvGrpSpPr>
+      <p:grpSpPr>
+        <a:xfrm>
+          <a:off x="0" y="0"/>
+          <a:ext cx="0" cy="0"/>
+          <a:chOff x="0" y="0"/>
+          <a:chExt cx="0" cy="0"/>
+        </a:xfrm>
+      </p:grpSpPr>
+      <p:sp>
+        <p:nvSpPr>
+          <p:cNvPr id="2" name="タイトル 1">
+            <a:extLst>
+              <a:ext uri="{FF2B5EF4-FFF2-40B4-BE49-F238E27FC236}">
                 <a16:creationId xmlns:a16="http://schemas.microsoft.com/office/drawing/2014/main" id="{76460A38-7213-E877-786C-852C28C01C66}"/>
               </a:ext>
             </a:extLst>
@@ -6383,7 +8627,7 @@
 </p:sld>
 </file>
 
-<file path=ppt/slides/slide29.xml><?xml version="1.0" encoding="utf-8"?>
+<file path=ppt/slides/slide35.xml><?xml version="1.0" encoding="utf-8"?>
 <p:sld xmlns:a="http://schemas.openxmlformats.org/drawingml/2006/main" xmlns:r="http://schemas.openxmlformats.org/officeDocument/2006/relationships" xmlns:p="http://schemas.openxmlformats.org/presentationml/2006/main">
   <p:cSld>
     <p:spTree>
@@ -9969,129 +12213,7 @@
 </p:sld>
 </file>
 
-<file path=ppt/slides/slide3.xml><?xml version="1.0" encoding="utf-8"?>
-<p:sld xmlns:a="http://schemas.openxmlformats.org/drawingml/2006/main" xmlns:r="http://schemas.openxmlformats.org/officeDocument/2006/relationships" xmlns:p="http://schemas.openxmlformats.org/presentationml/2006/main">
-  <p:cSld>
-    <p:spTree>
-      <p:nvGrpSpPr>
-        <p:cNvPr id="1" name=""/>
-        <p:cNvGrpSpPr/>
-        <p:nvPr/>
-      </p:nvGrpSpPr>
-      <p:grpSpPr>
-        <a:xfrm>
-          <a:off x="0" y="0"/>
-          <a:ext cx="0" cy="0"/>
-          <a:chOff x="0" y="0"/>
-          <a:chExt cx="0" cy="0"/>
-        </a:xfrm>
-      </p:grpSpPr>
-      <p:sp>
-        <p:nvSpPr>
-          <p:cNvPr id="2" name="タイトル 1">
-            <a:extLst>
-              <a:ext uri="{FF2B5EF4-FFF2-40B4-BE49-F238E27FC236}">
-                <a16:creationId xmlns:a16="http://schemas.microsoft.com/office/drawing/2014/main" id="{E2B2804B-5759-9AAD-53B1-42FDE0863920}"/>
-              </a:ext>
-            </a:extLst>
-          </p:cNvPr>
-          <p:cNvSpPr>
-            <a:spLocks noGrp="1"/>
-          </p:cNvSpPr>
-          <p:nvPr>
-            <p:ph type="title"/>
-          </p:nvPr>
-        </p:nvSpPr>
-        <p:spPr/>
-        <p:txBody>
-          <a:bodyPr/>
-          <a:lstStyle/>
-          <a:p>
-            <a:r>
-              <a:rPr kumimoji="1" lang="ja-JP" altLang="en-US" dirty="0"/>
-              <a:t>チェックリスト</a:t>
-            </a:r>
-            <a:endParaRPr kumimoji="1" lang="en-US" dirty="0"/>
-          </a:p>
-        </p:txBody>
-      </p:sp>
-      <p:sp>
-        <p:nvSpPr>
-          <p:cNvPr id="3" name="テキスト プレースホルダー 2">
-            <a:extLst>
-              <a:ext uri="{FF2B5EF4-FFF2-40B4-BE49-F238E27FC236}">
-                <a16:creationId xmlns:a16="http://schemas.microsoft.com/office/drawing/2014/main" id="{7BF7AC90-EE6A-FEBB-4396-0C91BB79835D}"/>
-              </a:ext>
-            </a:extLst>
-          </p:cNvPr>
-          <p:cNvSpPr>
-            <a:spLocks noGrp="1"/>
-          </p:cNvSpPr>
-          <p:nvPr>
-            <p:ph type="body" sz="quarter" idx="10"/>
-          </p:nvPr>
-        </p:nvSpPr>
-        <p:spPr/>
-        <p:txBody>
-          <a:bodyPr/>
-          <a:lstStyle/>
-          <a:p>
-            <a:pPr marL="457200" indent="-457200">
-              <a:buFont typeface="+mj-lt"/>
-              <a:buAutoNum type="arabicPeriod"/>
-            </a:pPr>
-            <a:r>
-              <a:rPr kumimoji="1" lang="ja-JP" altLang="en-US" dirty="0"/>
-              <a:t>複文を書く場合は２文以下におさまっている</a:t>
-            </a:r>
-            <a:endParaRPr kumimoji="1" lang="en-US" altLang="ja-JP" dirty="0"/>
-          </a:p>
-          <a:p>
-            <a:pPr marL="457200" indent="-457200">
-              <a:buFont typeface="+mj-lt"/>
-              <a:buAutoNum type="arabicPeriod"/>
-            </a:pPr>
-            <a:r>
-              <a:rPr kumimoji="1" lang="ja-JP" altLang="en-US" dirty="0"/>
-              <a:t>全ての文はそれまでに出てきた古い情報を明に含み接続されている</a:t>
-            </a:r>
-            <a:endParaRPr kumimoji="1" lang="en-US" altLang="ja-JP" dirty="0"/>
-          </a:p>
-          <a:p>
-            <a:pPr marL="457200" indent="-457200">
-              <a:buFont typeface="+mj-lt"/>
-              <a:buAutoNum type="arabicPeriod"/>
-            </a:pPr>
-            <a:r>
-              <a:rPr kumimoji="1" lang="ja-JP" altLang="en-US" dirty="0"/>
-              <a:t>読点を正しくうっている</a:t>
-            </a:r>
-            <a:endParaRPr kumimoji="1" lang="en-US" dirty="0"/>
-          </a:p>
-        </p:txBody>
-      </p:sp>
-    </p:spTree>
-    <p:extLst>
-      <p:ext uri="{BB962C8B-B14F-4D97-AF65-F5344CB8AC3E}">
-        <p14:creationId xmlns:p14="http://schemas.microsoft.com/office/powerpoint/2010/main" val="2963593128"/>
-      </p:ext>
-    </p:extLst>
-  </p:cSld>
-  <p:clrMapOvr>
-    <a:masterClrMapping/>
-  </p:clrMapOvr>
-  <mc:AlternateContent xmlns:mc="http://schemas.openxmlformats.org/markup-compatibility/2006" xmlns:p14="http://schemas.microsoft.com/office/powerpoint/2010/main">
-    <mc:Choice Requires="p14">
-      <p:transition p14:dur="10"/>
-    </mc:Choice>
-    <mc:Fallback xmlns="">
-      <p:transition/>
-    </mc:Fallback>
-  </mc:AlternateContent>
-</p:sld>
-</file>
-
-<file path=ppt/slides/slide30.xml><?xml version="1.0" encoding="utf-8"?>
+<file path=ppt/slides/slide36.xml><?xml version="1.0" encoding="utf-8"?>
 <p:sld xmlns:a="http://schemas.openxmlformats.org/drawingml/2006/main" xmlns:r="http://schemas.openxmlformats.org/officeDocument/2006/relationships" xmlns:p="http://schemas.openxmlformats.org/presentationml/2006/main">
   <p:cSld>
     <p:spTree>
@@ -13677,7 +15799,7 @@
 </p:sld>
 </file>
 
-<file path=ppt/slides/slide31.xml><?xml version="1.0" encoding="utf-8"?>
+<file path=ppt/slides/slide37.xml><?xml version="1.0" encoding="utf-8"?>
 <p:sld xmlns:a="http://schemas.openxmlformats.org/drawingml/2006/main" xmlns:r="http://schemas.openxmlformats.org/officeDocument/2006/relationships" xmlns:p="http://schemas.openxmlformats.org/presentationml/2006/main">
   <p:cSld>
     <p:spTree>
@@ -13716,10 +15838,14 @@
           <a:lstStyle/>
           <a:p>
             <a:r>
-              <a:rPr lang="ja-JP" altLang="en-US" dirty="0"/>
+              <a:rPr lang="en-US" altLang="ja-JP" b="1" dirty="0"/>
+              <a:t>D </a:t>
+            </a:r>
+            <a:r>
+              <a:rPr lang="ja-JP" altLang="en-US" b="1" dirty="0"/>
               <a:t>その他の話題</a:t>
             </a:r>
-            <a:endParaRPr lang="en-US" dirty="0"/>
+            <a:endParaRPr lang="en-US" b="1" dirty="0"/>
           </a:p>
         </p:txBody>
       </p:sp>
@@ -13736,7 +15862,7 @@
 </p:sld>
 </file>
 
-<file path=ppt/slides/slide32.xml><?xml version="1.0" encoding="utf-8"?>
+<file path=ppt/slides/slide38.xml><?xml version="1.0" encoding="utf-8"?>
 <p:sld xmlns:a="http://schemas.openxmlformats.org/drawingml/2006/main" xmlns:r="http://schemas.openxmlformats.org/officeDocument/2006/relationships" xmlns:p="http://schemas.openxmlformats.org/presentationml/2006/main">
   <p:cSld>
     <p:spTree>
@@ -13774,6 +15900,10 @@
           <a:bodyPr/>
           <a:lstStyle/>
           <a:p>
+            <a:r>
+              <a:rPr kumimoji="1" lang="en-US" altLang="ja-JP" dirty="0"/>
+              <a:t>[D1] </a:t>
+            </a:r>
             <a:r>
               <a:rPr kumimoji="1" lang="ja-JP" altLang="en-US" dirty="0"/>
               <a:t>読点の打ち方</a:t>
@@ -13969,7 +16099,7 @@
 </p:sld>
 </file>
 
-<file path=ppt/slides/slide33.xml><?xml version="1.0" encoding="utf-8"?>
+<file path=ppt/slides/slide39.xml><?xml version="1.0" encoding="utf-8"?>
 <p:sld xmlns:a="http://schemas.openxmlformats.org/drawingml/2006/main" xmlns:r="http://schemas.openxmlformats.org/officeDocument/2006/relationships" xmlns:p="http://schemas.openxmlformats.org/presentationml/2006/main">
   <p:cSld>
     <p:spTree>
@@ -13991,7 +16121,7 @@
           <p:cNvPr id="2" name="タイトル 1">
             <a:extLst>
               <a:ext uri="{FF2B5EF4-FFF2-40B4-BE49-F238E27FC236}">
-                <a16:creationId xmlns:a16="http://schemas.microsoft.com/office/drawing/2014/main" id="{3E93050F-74CF-CA41-CD19-B44E754077E2}"/>
+                <a16:creationId xmlns:a16="http://schemas.microsoft.com/office/drawing/2014/main" id="{1C19F0FF-EC89-BCFC-436A-D65013D9294F}"/>
               </a:ext>
             </a:extLst>
           </p:cNvPr>
@@ -14008,8 +16138,12 @@
           <a:lstStyle/>
           <a:p>
             <a:r>
+              <a:rPr kumimoji="1" lang="en-US" dirty="0"/>
+              <a:t>[D2] </a:t>
+            </a:r>
+            <a:r>
               <a:rPr kumimoji="1" lang="ja-JP" altLang="en-US" dirty="0"/>
-              <a:t>括弧</a:t>
+              <a:t>「しかし」を極力減らす</a:t>
             </a:r>
             <a:endParaRPr kumimoji="1" lang="en-US" dirty="0"/>
           </a:p>
@@ -14020,7 +16154,7 @@
           <p:cNvPr id="3" name="テキスト プレースホルダー 2">
             <a:extLst>
               <a:ext uri="{FF2B5EF4-FFF2-40B4-BE49-F238E27FC236}">
-                <a16:creationId xmlns:a16="http://schemas.microsoft.com/office/drawing/2014/main" id="{9CE96331-990A-0E17-D0A4-92F844D51E20}"/>
+                <a16:creationId xmlns:a16="http://schemas.microsoft.com/office/drawing/2014/main" id="{07501D39-A295-DFE5-4C3E-DFE6D6F3FA77}"/>
               </a:ext>
             </a:extLst>
           </p:cNvPr>
@@ -14038,7 +16172,7 @@
           <a:p>
             <a:r>
               <a:rPr kumimoji="1" lang="ja-JP" altLang="en-US" dirty="0"/>
-              <a:t>小括弧「（）」は，</a:t>
+              <a:t>「しかし」の使用をなるべく避ける</a:t>
             </a:r>
             <a:endParaRPr kumimoji="1" lang="en-US" altLang="ja-JP" dirty="0"/>
           </a:p>
@@ -14046,7 +16180,23 @@
             <a:pPr lvl="1"/>
             <a:r>
               <a:rPr kumimoji="1" lang="ja-JP" altLang="en-US" dirty="0"/>
-              <a:t>日本語の時は全角，英語の時は半角に</a:t>
+              <a:t>「しかし」による論理の反転は，それ自体がかなりわかりづらい</a:t>
+            </a:r>
+            <a:endParaRPr kumimoji="1" lang="en-US" altLang="ja-JP" dirty="0"/>
+          </a:p>
+          <a:p>
+            <a:pPr lvl="1"/>
+            <a:r>
+              <a:rPr kumimoji="1" lang="ja-JP" altLang="en-US" dirty="0"/>
+              <a:t>各パラグラフで２回以上使う事は禁止</a:t>
+            </a:r>
+            <a:endParaRPr kumimoji="1" lang="en-US" altLang="ja-JP" dirty="0"/>
+          </a:p>
+          <a:p>
+            <a:pPr lvl="2"/>
+            <a:r>
+              <a:rPr kumimoji="1" lang="ja-JP" altLang="en-US" dirty="0"/>
+              <a:t>話の筋がかなりわかりにくくなる</a:t>
             </a:r>
             <a:endParaRPr kumimoji="1" lang="en-US" dirty="0"/>
           </a:p>
@@ -14055,7 +16205,7 @@
     </p:spTree>
     <p:extLst>
       <p:ext uri="{BB962C8B-B14F-4D97-AF65-F5344CB8AC3E}">
-        <p14:creationId xmlns:p14="http://schemas.microsoft.com/office/powerpoint/2010/main" val="3101355679"/>
+        <p14:creationId xmlns:p14="http://schemas.microsoft.com/office/powerpoint/2010/main" val="3746617974"/>
       </p:ext>
     </p:extLst>
   </p:cSld>
@@ -14095,7 +16245,7 @@
           <p:cNvPr id="2" name="タイトル 1">
             <a:extLst>
               <a:ext uri="{FF2B5EF4-FFF2-40B4-BE49-F238E27FC236}">
-                <a16:creationId xmlns:a16="http://schemas.microsoft.com/office/drawing/2014/main" id="{F1737B44-8032-4C9C-E23C-52FE6C5F10AD}"/>
+                <a16:creationId xmlns:a16="http://schemas.microsoft.com/office/drawing/2014/main" id="{E2B2804B-5759-9AAD-53B1-42FDE0863920}"/>
               </a:ext>
             </a:extLst>
           </p:cNvPr>
@@ -14113,8 +16263,13 @@
           <a:p>
             <a:r>
               <a:rPr kumimoji="1" lang="ja-JP" altLang="en-US" dirty="0"/>
-              <a:t>はじめに</a:t>
-            </a:r>
+              <a:t>チェックリスト </a:t>
+            </a:r>
+            <a:r>
+              <a:rPr kumimoji="1" lang="en-US" altLang="ja-JP" dirty="0"/>
+              <a:t>2</a:t>
+            </a:r>
+            <a:endParaRPr kumimoji="1" lang="en-US" dirty="0"/>
           </a:p>
         </p:txBody>
       </p:sp>
@@ -14123,7 +16278,7 @@
           <p:cNvPr id="3" name="テキスト プレースホルダー 2">
             <a:extLst>
               <a:ext uri="{FF2B5EF4-FFF2-40B4-BE49-F238E27FC236}">
-                <a16:creationId xmlns:a16="http://schemas.microsoft.com/office/drawing/2014/main" id="{2AF16432-062D-1B5F-79E7-959ADC48A770}"/>
+                <a16:creationId xmlns:a16="http://schemas.microsoft.com/office/drawing/2014/main" id="{7BF7AC90-EE6A-FEBB-4396-0C91BB79835D}"/>
               </a:ext>
             </a:extLst>
           </p:cNvPr>
@@ -14140,6 +16295,447 @@
           <a:lstStyle/>
           <a:p>
             <a:r>
+              <a:rPr kumimoji="1" lang="en-US" altLang="ja-JP" dirty="0"/>
+              <a:t>D </a:t>
+            </a:r>
+            <a:r>
+              <a:rPr kumimoji="1" lang="ja-JP" altLang="en-US" dirty="0"/>
+              <a:t>その他</a:t>
+            </a:r>
+            <a:endParaRPr kumimoji="1" lang="en-US" altLang="ja-JP" dirty="0"/>
+          </a:p>
+          <a:p>
+            <a:pPr lvl="1"/>
+            <a:r>
+              <a:rPr lang="en-US" altLang="ja-JP" dirty="0"/>
+              <a:t>[D1] </a:t>
+            </a:r>
+            <a:r>
+              <a:rPr lang="ja-JP" altLang="en-US" dirty="0"/>
+              <a:t>読点は必要な部分にのみ適切に打たれている</a:t>
+            </a:r>
+            <a:endParaRPr lang="en-US" altLang="ja-JP" dirty="0"/>
+          </a:p>
+          <a:p>
+            <a:pPr lvl="1"/>
+            <a:r>
+              <a:rPr lang="en-US" altLang="ja-JP" dirty="0"/>
+              <a:t>[D2] </a:t>
+            </a:r>
+            <a:r>
+              <a:rPr lang="ja-JP" altLang="en-US" dirty="0"/>
+              <a:t>「しかし」は各パラグラフで１回までにする</a:t>
+            </a:r>
+            <a:endParaRPr lang="en-US" altLang="ja-JP" dirty="0"/>
+          </a:p>
+          <a:p>
+            <a:pPr lvl="1"/>
+            <a:r>
+              <a:rPr kumimoji="1" lang="en-US" altLang="ja-JP" dirty="0"/>
+              <a:t>[D3] </a:t>
+            </a:r>
+            <a:r>
+              <a:rPr kumimoji="1" lang="ja-JP" altLang="en-US" dirty="0"/>
+              <a:t>事実と典型をきちんと区別する</a:t>
+            </a:r>
+            <a:endParaRPr lang="en-US" altLang="ja-JP" dirty="0"/>
+          </a:p>
+        </p:txBody>
+      </p:sp>
+    </p:spTree>
+    <p:extLst>
+      <p:ext uri="{BB962C8B-B14F-4D97-AF65-F5344CB8AC3E}">
+        <p14:creationId xmlns:p14="http://schemas.microsoft.com/office/powerpoint/2010/main" val="2963593128"/>
+      </p:ext>
+    </p:extLst>
+  </p:cSld>
+  <p:clrMapOvr>
+    <a:masterClrMapping/>
+  </p:clrMapOvr>
+  <mc:AlternateContent xmlns:mc="http://schemas.openxmlformats.org/markup-compatibility/2006" xmlns:p14="http://schemas.microsoft.com/office/powerpoint/2010/main">
+    <mc:Choice Requires="p14">
+      <p:transition p14:dur="10"/>
+    </mc:Choice>
+    <mc:Fallback xmlns="">
+      <p:transition/>
+    </mc:Fallback>
+  </mc:AlternateContent>
+</p:sld>
+</file>
+
+<file path=ppt/slides/slide40.xml><?xml version="1.0" encoding="utf-8"?>
+<p:sld xmlns:a="http://schemas.openxmlformats.org/drawingml/2006/main" xmlns:r="http://schemas.openxmlformats.org/officeDocument/2006/relationships" xmlns:p="http://schemas.openxmlformats.org/presentationml/2006/main">
+  <p:cSld>
+    <p:spTree>
+      <p:nvGrpSpPr>
+        <p:cNvPr id="1" name=""/>
+        <p:cNvGrpSpPr/>
+        <p:nvPr/>
+      </p:nvGrpSpPr>
+      <p:grpSpPr>
+        <a:xfrm>
+          <a:off x="0" y="0"/>
+          <a:ext cx="0" cy="0"/>
+          <a:chOff x="0" y="0"/>
+          <a:chExt cx="0" cy="0"/>
+        </a:xfrm>
+      </p:grpSpPr>
+      <p:sp>
+        <p:nvSpPr>
+          <p:cNvPr id="2" name="タイトル 1">
+            <a:extLst>
+              <a:ext uri="{FF2B5EF4-FFF2-40B4-BE49-F238E27FC236}">
+                <a16:creationId xmlns:a16="http://schemas.microsoft.com/office/drawing/2014/main" id="{7EA3149F-EEFA-AA1E-8D70-148A76F43349}"/>
+              </a:ext>
+            </a:extLst>
+          </p:cNvPr>
+          <p:cNvSpPr>
+            <a:spLocks noGrp="1"/>
+          </p:cNvSpPr>
+          <p:nvPr>
+            <p:ph type="title"/>
+          </p:nvPr>
+        </p:nvSpPr>
+        <p:spPr/>
+        <p:txBody>
+          <a:bodyPr/>
+          <a:lstStyle/>
+          <a:p>
+            <a:r>
+              <a:rPr kumimoji="1" lang="en-US" dirty="0"/>
+              <a:t>[D3] </a:t>
+            </a:r>
+            <a:r>
+              <a:rPr kumimoji="1" lang="ja-JP" altLang="en-US" dirty="0"/>
+              <a:t>事実と典型をきちんと区別する</a:t>
+            </a:r>
+            <a:endParaRPr kumimoji="1" lang="en-US" dirty="0"/>
+          </a:p>
+        </p:txBody>
+      </p:sp>
+      <p:sp>
+        <p:nvSpPr>
+          <p:cNvPr id="3" name="テキスト プレースホルダー 2">
+            <a:extLst>
+              <a:ext uri="{FF2B5EF4-FFF2-40B4-BE49-F238E27FC236}">
+                <a16:creationId xmlns:a16="http://schemas.microsoft.com/office/drawing/2014/main" id="{74707D73-558B-25CC-8427-90D49EDD55A7}"/>
+              </a:ext>
+            </a:extLst>
+          </p:cNvPr>
+          <p:cNvSpPr>
+            <a:spLocks noGrp="1"/>
+          </p:cNvSpPr>
+          <p:nvPr>
+            <p:ph type="body" sz="quarter" idx="10"/>
+          </p:nvPr>
+        </p:nvSpPr>
+        <p:spPr/>
+        <p:txBody>
+          <a:bodyPr/>
+          <a:lstStyle/>
+          <a:p>
+            <a:r>
+              <a:rPr kumimoji="1" lang="ja-JP" altLang="en-US" dirty="0"/>
+              <a:t>言い切ってはいけない場合を慎重に見分ける</a:t>
+            </a:r>
+            <a:r>
+              <a:rPr kumimoji="1" lang="en-US" altLang="ja-JP" dirty="0"/>
+              <a:t>	</a:t>
+            </a:r>
+          </a:p>
+          <a:p>
+            <a:pPr lvl="1"/>
+            <a:r>
+              <a:rPr lang="en-US" altLang="ja-JP" dirty="0"/>
+              <a:t>100% </a:t>
+            </a:r>
+            <a:r>
+              <a:rPr lang="ja-JP" altLang="en-US" dirty="0"/>
+              <a:t>絶対にそうである事実と，典型的にそうであることをきちんと区別する</a:t>
+            </a:r>
+            <a:endParaRPr lang="en-US" altLang="ja-JP" dirty="0"/>
+          </a:p>
+          <a:p>
+            <a:pPr lvl="1"/>
+            <a:r>
+              <a:rPr kumimoji="1" lang="ja-JP" altLang="en-US" dirty="0"/>
+              <a:t>「一般には」「典型的に」などを省略してはいけない</a:t>
+            </a:r>
+            <a:endParaRPr kumimoji="1" lang="en-US" altLang="ja-JP" dirty="0"/>
+          </a:p>
+          <a:p>
+            <a:r>
+              <a:rPr kumimoji="1" lang="ja-JP" altLang="en-US" dirty="0"/>
+              <a:t>事実と主観や意見，判断も同様にきちんと区別する</a:t>
+            </a:r>
+            <a:endParaRPr kumimoji="1" lang="en-US" altLang="ja-JP" dirty="0"/>
+          </a:p>
+          <a:p>
+            <a:pPr lvl="1"/>
+            <a:r>
+              <a:rPr kumimoji="1" lang="ja-JP" altLang="en-US" dirty="0"/>
+              <a:t>主観的にそう判断できる場合に，それが事実であるように書いてはいけない</a:t>
+            </a:r>
+          </a:p>
+        </p:txBody>
+      </p:sp>
+    </p:spTree>
+    <p:extLst>
+      <p:ext uri="{BB962C8B-B14F-4D97-AF65-F5344CB8AC3E}">
+        <p14:creationId xmlns:p14="http://schemas.microsoft.com/office/powerpoint/2010/main" val="792018178"/>
+      </p:ext>
+    </p:extLst>
+  </p:cSld>
+  <p:clrMapOvr>
+    <a:masterClrMapping/>
+  </p:clrMapOvr>
+  <mc:AlternateContent xmlns:mc="http://schemas.openxmlformats.org/markup-compatibility/2006" xmlns:p14="http://schemas.microsoft.com/office/powerpoint/2010/main">
+    <mc:Choice Requires="p14">
+      <p:transition p14:dur="10"/>
+    </mc:Choice>
+    <mc:Fallback xmlns="">
+      <p:transition/>
+    </mc:Fallback>
+  </mc:AlternateContent>
+</p:sld>
+</file>
+
+<file path=ppt/slides/slide41.xml><?xml version="1.0" encoding="utf-8"?>
+<p:sld xmlns:a="http://schemas.openxmlformats.org/drawingml/2006/main" xmlns:r="http://schemas.openxmlformats.org/officeDocument/2006/relationships" xmlns:p="http://schemas.openxmlformats.org/presentationml/2006/main">
+  <p:cSld>
+    <p:spTree>
+      <p:nvGrpSpPr>
+        <p:cNvPr id="1" name=""/>
+        <p:cNvGrpSpPr/>
+        <p:nvPr/>
+      </p:nvGrpSpPr>
+      <p:grpSpPr>
+        <a:xfrm>
+          <a:off x="0" y="0"/>
+          <a:ext cx="0" cy="0"/>
+          <a:chOff x="0" y="0"/>
+          <a:chExt cx="0" cy="0"/>
+        </a:xfrm>
+      </p:grpSpPr>
+      <p:sp>
+        <p:nvSpPr>
+          <p:cNvPr id="2" name="タイトル 1">
+            <a:extLst>
+              <a:ext uri="{FF2B5EF4-FFF2-40B4-BE49-F238E27FC236}">
+                <a16:creationId xmlns:a16="http://schemas.microsoft.com/office/drawing/2014/main" id="{3E93050F-74CF-CA41-CD19-B44E754077E2}"/>
+              </a:ext>
+            </a:extLst>
+          </p:cNvPr>
+          <p:cNvSpPr>
+            <a:spLocks noGrp="1"/>
+          </p:cNvSpPr>
+          <p:nvPr>
+            <p:ph type="title"/>
+          </p:nvPr>
+        </p:nvSpPr>
+        <p:spPr/>
+        <p:txBody>
+          <a:bodyPr/>
+          <a:lstStyle/>
+          <a:p>
+            <a:r>
+              <a:rPr kumimoji="1" lang="ja-JP" altLang="en-US" dirty="0"/>
+              <a:t>括弧</a:t>
+            </a:r>
+            <a:endParaRPr kumimoji="1" lang="en-US" dirty="0"/>
+          </a:p>
+        </p:txBody>
+      </p:sp>
+      <p:sp>
+        <p:nvSpPr>
+          <p:cNvPr id="3" name="テキスト プレースホルダー 2">
+            <a:extLst>
+              <a:ext uri="{FF2B5EF4-FFF2-40B4-BE49-F238E27FC236}">
+                <a16:creationId xmlns:a16="http://schemas.microsoft.com/office/drawing/2014/main" id="{9CE96331-990A-0E17-D0A4-92F844D51E20}"/>
+              </a:ext>
+            </a:extLst>
+          </p:cNvPr>
+          <p:cNvSpPr>
+            <a:spLocks noGrp="1"/>
+          </p:cNvSpPr>
+          <p:nvPr>
+            <p:ph type="body" sz="quarter" idx="10"/>
+          </p:nvPr>
+        </p:nvSpPr>
+        <p:spPr/>
+        <p:txBody>
+          <a:bodyPr/>
+          <a:lstStyle/>
+          <a:p>
+            <a:r>
+              <a:rPr kumimoji="1" lang="ja-JP" altLang="en-US" dirty="0"/>
+              <a:t>小括弧「（）」は，</a:t>
+            </a:r>
+            <a:endParaRPr kumimoji="1" lang="en-US" altLang="ja-JP" dirty="0"/>
+          </a:p>
+          <a:p>
+            <a:pPr lvl="1"/>
+            <a:r>
+              <a:rPr kumimoji="1" lang="ja-JP" altLang="en-US" dirty="0"/>
+              <a:t>日本語の時は全角，英語の時は半角に</a:t>
+            </a:r>
+            <a:endParaRPr kumimoji="1" lang="en-US" dirty="0"/>
+          </a:p>
+        </p:txBody>
+      </p:sp>
+    </p:spTree>
+    <p:extLst>
+      <p:ext uri="{BB962C8B-B14F-4D97-AF65-F5344CB8AC3E}">
+        <p14:creationId xmlns:p14="http://schemas.microsoft.com/office/powerpoint/2010/main" val="3101355679"/>
+      </p:ext>
+    </p:extLst>
+  </p:cSld>
+  <p:clrMapOvr>
+    <a:masterClrMapping/>
+  </p:clrMapOvr>
+  <mc:AlternateContent xmlns:mc="http://schemas.openxmlformats.org/markup-compatibility/2006" xmlns:p14="http://schemas.microsoft.com/office/powerpoint/2010/main">
+    <mc:Choice Requires="p14">
+      <p:transition p14:dur="10"/>
+    </mc:Choice>
+    <mc:Fallback xmlns="">
+      <p:transition/>
+    </mc:Fallback>
+  </mc:AlternateContent>
+</p:sld>
+</file>
+
+<file path=ppt/slides/slide5.xml><?xml version="1.0" encoding="utf-8"?>
+<p:sld xmlns:a="http://schemas.openxmlformats.org/drawingml/2006/main" xmlns:r="http://schemas.openxmlformats.org/officeDocument/2006/relationships" xmlns:p="http://schemas.openxmlformats.org/presentationml/2006/main">
+  <p:cSld>
+    <p:spTree>
+      <p:nvGrpSpPr>
+        <p:cNvPr id="1" name="">
+          <a:extLst>
+            <a:ext uri="{FF2B5EF4-FFF2-40B4-BE49-F238E27FC236}">
+              <a16:creationId xmlns:a16="http://schemas.microsoft.com/office/drawing/2014/main" id="{73A19EF2-8191-8337-3102-B480543972F7}"/>
+            </a:ext>
+          </a:extLst>
+        </p:cNvPr>
+        <p:cNvGrpSpPr/>
+        <p:nvPr/>
+      </p:nvGrpSpPr>
+      <p:grpSpPr>
+        <a:xfrm>
+          <a:off x="0" y="0"/>
+          <a:ext cx="0" cy="0"/>
+          <a:chOff x="0" y="0"/>
+          <a:chExt cx="0" cy="0"/>
+        </a:xfrm>
+      </p:grpSpPr>
+      <p:sp>
+        <p:nvSpPr>
+          <p:cNvPr id="6" name="タイトル 5">
+            <a:extLst>
+              <a:ext uri="{FF2B5EF4-FFF2-40B4-BE49-F238E27FC236}">
+                <a16:creationId xmlns:a16="http://schemas.microsoft.com/office/drawing/2014/main" id="{9FC83072-D41C-D063-7413-3484FAE7FBDD}"/>
+              </a:ext>
+            </a:extLst>
+          </p:cNvPr>
+          <p:cNvSpPr>
+            <a:spLocks noGrp="1"/>
+          </p:cNvSpPr>
+          <p:nvPr>
+            <p:ph type="title"/>
+          </p:nvPr>
+        </p:nvSpPr>
+        <p:spPr/>
+        <p:txBody>
+          <a:bodyPr/>
+          <a:lstStyle/>
+          <a:p>
+            <a:r>
+              <a:rPr lang="ja-JP" altLang="en-US" b="1" dirty="0"/>
+              <a:t>はじめに</a:t>
+            </a:r>
+            <a:endParaRPr lang="en-US" b="1" dirty="0"/>
+          </a:p>
+        </p:txBody>
+      </p:sp>
+    </p:spTree>
+    <p:extLst>
+      <p:ext uri="{BB962C8B-B14F-4D97-AF65-F5344CB8AC3E}">
+        <p14:creationId xmlns:p14="http://schemas.microsoft.com/office/powerpoint/2010/main" val="1499502502"/>
+      </p:ext>
+    </p:extLst>
+  </p:cSld>
+  <p:clrMapOvr>
+    <a:masterClrMapping/>
+  </p:clrMapOvr>
+</p:sld>
+</file>
+
+<file path=ppt/slides/slide6.xml><?xml version="1.0" encoding="utf-8"?>
+<p:sld xmlns:a="http://schemas.openxmlformats.org/drawingml/2006/main" xmlns:r="http://schemas.openxmlformats.org/officeDocument/2006/relationships" xmlns:p="http://schemas.openxmlformats.org/presentationml/2006/main">
+  <p:cSld>
+    <p:spTree>
+      <p:nvGrpSpPr>
+        <p:cNvPr id="1" name=""/>
+        <p:cNvGrpSpPr/>
+        <p:nvPr/>
+      </p:nvGrpSpPr>
+      <p:grpSpPr>
+        <a:xfrm>
+          <a:off x="0" y="0"/>
+          <a:ext cx="0" cy="0"/>
+          <a:chOff x="0" y="0"/>
+          <a:chExt cx="0" cy="0"/>
+        </a:xfrm>
+      </p:grpSpPr>
+      <p:sp>
+        <p:nvSpPr>
+          <p:cNvPr id="2" name="タイトル 1">
+            <a:extLst>
+              <a:ext uri="{FF2B5EF4-FFF2-40B4-BE49-F238E27FC236}">
+                <a16:creationId xmlns:a16="http://schemas.microsoft.com/office/drawing/2014/main" id="{F1737B44-8032-4C9C-E23C-52FE6C5F10AD}"/>
+              </a:ext>
+            </a:extLst>
+          </p:cNvPr>
+          <p:cNvSpPr>
+            <a:spLocks noGrp="1"/>
+          </p:cNvSpPr>
+          <p:nvPr>
+            <p:ph type="title"/>
+          </p:nvPr>
+        </p:nvSpPr>
+        <p:spPr/>
+        <p:txBody>
+          <a:bodyPr/>
+          <a:lstStyle/>
+          <a:p>
+            <a:r>
+              <a:rPr kumimoji="1" lang="ja-JP" altLang="en-US" dirty="0"/>
+              <a:t>はじめに</a:t>
+            </a:r>
+          </a:p>
+        </p:txBody>
+      </p:sp>
+      <p:sp>
+        <p:nvSpPr>
+          <p:cNvPr id="3" name="テキスト プレースホルダー 2">
+            <a:extLst>
+              <a:ext uri="{FF2B5EF4-FFF2-40B4-BE49-F238E27FC236}">
+                <a16:creationId xmlns:a16="http://schemas.microsoft.com/office/drawing/2014/main" id="{2AF16432-062D-1B5F-79E7-959ADC48A770}"/>
+              </a:ext>
+            </a:extLst>
+          </p:cNvPr>
+          <p:cNvSpPr>
+            <a:spLocks noGrp="1"/>
+          </p:cNvSpPr>
+          <p:nvPr>
+            <p:ph type="body" sz="quarter" idx="10"/>
+          </p:nvPr>
+        </p:nvSpPr>
+        <p:spPr/>
+        <p:txBody>
+          <a:bodyPr/>
+          <a:lstStyle/>
+          <a:p>
+            <a:r>
               <a:rPr kumimoji="1" lang="ja-JP" altLang="en-US" dirty="0"/>
               <a:t>この資料では文章の書き方を説明する</a:t>
             </a:r>
@@ -14154,20 +16750,35 @@
             <a:endParaRPr lang="en-US" altLang="ja-JP" dirty="0"/>
           </a:p>
           <a:p>
+            <a:r>
+              <a:rPr kumimoji="1" lang="ja-JP" altLang="en-US" dirty="0"/>
+              <a:t>特に文章のミクロな部分の書き方に焦点を絞る</a:t>
+            </a:r>
+            <a:endParaRPr kumimoji="1" lang="en-US" altLang="ja-JP" dirty="0"/>
+          </a:p>
+          <a:p>
             <a:pPr lvl="1"/>
             <a:r>
               <a:rPr kumimoji="1" lang="ja-JP" altLang="en-US" dirty="0"/>
-              <a:t>プロットはすでに出来ていることを想定</a:t>
+              <a:t>パラグラフや個々の文など</a:t>
             </a:r>
             <a:endParaRPr kumimoji="1" lang="en-US" altLang="ja-JP" dirty="0"/>
           </a:p>
           <a:p>
+            <a:pPr lvl="1"/>
+            <a:r>
+              <a:rPr kumimoji="1" lang="ja-JP" altLang="en-US" dirty="0"/>
+              <a:t>より大きな全体のストーリーの構成や，章構成は別資料にて説明</a:t>
+            </a:r>
+            <a:endParaRPr kumimoji="1" lang="en-US" altLang="ja-JP" dirty="0"/>
+          </a:p>
+          <a:p>
             <a:pPr lvl="2"/>
             <a:r>
               <a:rPr lang="ja-JP" altLang="en-US" dirty="0"/>
-              <a:t>別資料の「プロットの作り方」を参照</a:t>
-            </a:r>
-            <a:endParaRPr kumimoji="1" lang="ja-JP" altLang="en-US" dirty="0"/>
+              <a:t>別資料の「３点プロットの作り方」などを参照</a:t>
+            </a:r>
+            <a:endParaRPr lang="en-US" altLang="ja-JP" dirty="0"/>
           </a:p>
         </p:txBody>
       </p:sp>
@@ -14192,208 +16803,6 @@
 </p:sld>
 </file>
 
-<file path=ppt/slides/slide5.xml><?xml version="1.0" encoding="utf-8"?>
-<p:sld xmlns:a="http://schemas.openxmlformats.org/drawingml/2006/main" xmlns:r="http://schemas.openxmlformats.org/officeDocument/2006/relationships" xmlns:p="http://schemas.openxmlformats.org/presentationml/2006/main">
-  <p:cSld>
-    <p:spTree>
-      <p:nvGrpSpPr>
-        <p:cNvPr id="1" name=""/>
-        <p:cNvGrpSpPr/>
-        <p:nvPr/>
-      </p:nvGrpSpPr>
-      <p:grpSpPr>
-        <a:xfrm>
-          <a:off x="0" y="0"/>
-          <a:ext cx="0" cy="0"/>
-          <a:chOff x="0" y="0"/>
-          <a:chExt cx="0" cy="0"/>
-        </a:xfrm>
-      </p:grpSpPr>
-      <p:sp>
-        <p:nvSpPr>
-          <p:cNvPr id="2" name="タイトル 1">
-            <a:extLst>
-              <a:ext uri="{FF2B5EF4-FFF2-40B4-BE49-F238E27FC236}">
-                <a16:creationId xmlns:a16="http://schemas.microsoft.com/office/drawing/2014/main" id="{DC6035E9-7FA8-52D4-6259-C89BA02C1A03}"/>
-              </a:ext>
-            </a:extLst>
-          </p:cNvPr>
-          <p:cNvSpPr>
-            <a:spLocks noGrp="1"/>
-          </p:cNvSpPr>
-          <p:nvPr>
-            <p:ph type="title"/>
-          </p:nvPr>
-        </p:nvSpPr>
-        <p:spPr/>
-        <p:txBody>
-          <a:bodyPr/>
-          <a:lstStyle/>
-          <a:p>
-            <a:r>
-              <a:rPr lang="ja-JP" altLang="en-US" dirty="0"/>
-              <a:t>もくじ</a:t>
-            </a:r>
-            <a:endParaRPr kumimoji="1" lang="ja-JP" altLang="en-US" dirty="0"/>
-          </a:p>
-        </p:txBody>
-      </p:sp>
-      <p:sp>
-        <p:nvSpPr>
-          <p:cNvPr id="3" name="テキスト プレースホルダー 2">
-            <a:extLst>
-              <a:ext uri="{FF2B5EF4-FFF2-40B4-BE49-F238E27FC236}">
-                <a16:creationId xmlns:a16="http://schemas.microsoft.com/office/drawing/2014/main" id="{CC66A8BF-6CAA-B169-34F4-739557816258}"/>
-              </a:ext>
-            </a:extLst>
-          </p:cNvPr>
-          <p:cNvSpPr>
-            <a:spLocks noGrp="1"/>
-          </p:cNvSpPr>
-          <p:nvPr>
-            <p:ph type="body" sz="quarter" idx="10"/>
-          </p:nvPr>
-        </p:nvSpPr>
-        <p:spPr/>
-        <p:txBody>
-          <a:bodyPr/>
-          <a:lstStyle/>
-          <a:p>
-            <a:pPr marL="457200" indent="-457200">
-              <a:buFont typeface="+mj-lt"/>
-              <a:buAutoNum type="arabicPeriod"/>
-            </a:pPr>
-            <a:r>
-              <a:rPr kumimoji="1" lang="ja-JP" altLang="en-US" dirty="0"/>
-              <a:t>文章とは</a:t>
-            </a:r>
-            <a:endParaRPr kumimoji="1" lang="en-US" altLang="ja-JP" dirty="0"/>
-          </a:p>
-          <a:p>
-            <a:pPr marL="457200" indent="-457200">
-              <a:buFont typeface="+mj-lt"/>
-              <a:buAutoNum type="arabicPeriod"/>
-            </a:pPr>
-            <a:r>
-              <a:rPr kumimoji="1" lang="ja-JP" altLang="en-US" dirty="0"/>
-              <a:t>パラグラフ</a:t>
-            </a:r>
-          </a:p>
-          <a:p>
-            <a:pPr marL="457200" indent="-457200">
-              <a:buFont typeface="+mj-lt"/>
-              <a:buAutoNum type="arabicPeriod"/>
-            </a:pPr>
-            <a:r>
-              <a:rPr lang="ja-JP" altLang="en-US" dirty="0"/>
-              <a:t>文</a:t>
-            </a:r>
-            <a:endParaRPr lang="en-US" altLang="ja-JP" dirty="0"/>
-          </a:p>
-          <a:p>
-            <a:pPr marL="457200" indent="-457200">
-              <a:buFont typeface="+mj-lt"/>
-              <a:buAutoNum type="arabicPeriod"/>
-            </a:pPr>
-            <a:r>
-              <a:rPr lang="ja-JP" altLang="en-US" dirty="0"/>
-              <a:t>文の接続</a:t>
-            </a:r>
-            <a:endParaRPr lang="en-US" altLang="ja-JP" dirty="0"/>
-          </a:p>
-          <a:p>
-            <a:pPr marL="457200" indent="-457200">
-              <a:buFont typeface="+mj-lt"/>
-              <a:buAutoNum type="arabicPeriod"/>
-            </a:pPr>
-            <a:r>
-              <a:rPr lang="ja-JP" altLang="en-US" dirty="0"/>
-              <a:t>プロットから文章への展開</a:t>
-            </a:r>
-            <a:endParaRPr lang="en-US" altLang="ja-JP" dirty="0"/>
-          </a:p>
-        </p:txBody>
-      </p:sp>
-    </p:spTree>
-    <p:extLst>
-      <p:ext uri="{BB962C8B-B14F-4D97-AF65-F5344CB8AC3E}">
-        <p14:creationId xmlns:p14="http://schemas.microsoft.com/office/powerpoint/2010/main" val="460280010"/>
-      </p:ext>
-    </p:extLst>
-  </p:cSld>
-  <p:clrMapOvr>
-    <a:masterClrMapping/>
-  </p:clrMapOvr>
-  <mc:AlternateContent xmlns:mc="http://schemas.openxmlformats.org/markup-compatibility/2006" xmlns:p14="http://schemas.microsoft.com/office/powerpoint/2010/main">
-    <mc:Choice Requires="p14">
-      <p:transition p14:dur="10"/>
-    </mc:Choice>
-    <mc:Fallback xmlns="">
-      <p:transition/>
-    </mc:Fallback>
-  </mc:AlternateContent>
-</p:sld>
-</file>
-
-<file path=ppt/slides/slide6.xml><?xml version="1.0" encoding="utf-8"?>
-<p:sld xmlns:a="http://schemas.openxmlformats.org/drawingml/2006/main" xmlns:r="http://schemas.openxmlformats.org/officeDocument/2006/relationships" xmlns:p="http://schemas.openxmlformats.org/presentationml/2006/main">
-  <p:cSld>
-    <p:spTree>
-      <p:nvGrpSpPr>
-        <p:cNvPr id="1" name=""/>
-        <p:cNvGrpSpPr/>
-        <p:nvPr/>
-      </p:nvGrpSpPr>
-      <p:grpSpPr>
-        <a:xfrm>
-          <a:off x="0" y="0"/>
-          <a:ext cx="0" cy="0"/>
-          <a:chOff x="0" y="0"/>
-          <a:chExt cx="0" cy="0"/>
-        </a:xfrm>
-      </p:grpSpPr>
-      <p:sp>
-        <p:nvSpPr>
-          <p:cNvPr id="6" name="タイトル 5">
-            <a:extLst>
-              <a:ext uri="{FF2B5EF4-FFF2-40B4-BE49-F238E27FC236}">
-                <a16:creationId xmlns:a16="http://schemas.microsoft.com/office/drawing/2014/main" id="{D44FC4B2-BE5F-0B62-A30B-6488B98CA7F1}"/>
-              </a:ext>
-            </a:extLst>
-          </p:cNvPr>
-          <p:cNvSpPr>
-            <a:spLocks noGrp="1"/>
-          </p:cNvSpPr>
-          <p:nvPr>
-            <p:ph type="title"/>
-          </p:nvPr>
-        </p:nvSpPr>
-        <p:spPr/>
-        <p:txBody>
-          <a:bodyPr/>
-          <a:lstStyle/>
-          <a:p>
-            <a:r>
-              <a:rPr lang="ja-JP" altLang="en-US" dirty="0"/>
-              <a:t>文章とは</a:t>
-            </a:r>
-            <a:endParaRPr lang="en-US" dirty="0"/>
-          </a:p>
-        </p:txBody>
-      </p:sp>
-    </p:spTree>
-    <p:extLst>
-      <p:ext uri="{BB962C8B-B14F-4D97-AF65-F5344CB8AC3E}">
-        <p14:creationId xmlns:p14="http://schemas.microsoft.com/office/powerpoint/2010/main" val="265921179"/>
-      </p:ext>
-    </p:extLst>
-  </p:cSld>
-  <p:clrMapOvr>
-    <a:masterClrMapping/>
-  </p:clrMapOvr>
-</p:sld>
-</file>
-
 <file path=ppt/slides/slide7.xml><?xml version="1.0" encoding="utf-8"?>
 <p:sld xmlns:a="http://schemas.openxmlformats.org/drawingml/2006/main" xmlns:r="http://schemas.openxmlformats.org/officeDocument/2006/relationships" xmlns:p="http://schemas.openxmlformats.org/presentationml/2006/main">
   <p:cSld>
@@ -14488,6 +16897,9 @@
               <a:rPr lang="ja-JP" altLang="en-US" dirty="0"/>
               <a:t>複文：主語と述語のペアを２つ以上含む</a:t>
             </a:r>
+            <a:br>
+              <a:rPr lang="en-US" altLang="ja-JP" dirty="0"/>
+            </a:br>
             <a:endParaRPr lang="en-US" altLang="ja-JP" dirty="0"/>
           </a:p>
           <a:p>
@@ -14496,9 +16908,13 @@
               <a:rPr kumimoji="1" lang="ja-JP" altLang="en-US" dirty="0"/>
               <a:t>パラグラフ：</a:t>
             </a:r>
+            <a:endParaRPr kumimoji="1" lang="en-US" altLang="ja-JP" dirty="0"/>
+          </a:p>
+          <a:p>
+            <a:pPr lvl="2"/>
             <a:r>
               <a:rPr lang="ja-JP" altLang="en-US" dirty="0"/>
-              <a:t>複数の文からなる</a:t>
+              <a:t>複数の文からなり，１つの話題を扱うまとまり</a:t>
             </a:r>
             <a:endParaRPr lang="en-US" altLang="ja-JP" dirty="0"/>
           </a:p>
@@ -14506,15 +16922,34 @@
             <a:pPr lvl="1"/>
             <a:r>
               <a:rPr lang="ja-JP" altLang="en-US" dirty="0"/>
-              <a:t>セクション：複数のパラグラフからなる</a:t>
+              <a:t>セクション：</a:t>
             </a:r>
             <a:endParaRPr lang="en-US" altLang="ja-JP" dirty="0"/>
           </a:p>
           <a:p>
+            <a:pPr lvl="2"/>
+            <a:r>
+              <a:rPr lang="ja-JP" altLang="en-US" dirty="0"/>
+              <a:t>複数のパラグラフからなり，より大きな意味のまとまりなす</a:t>
+            </a:r>
+            <a:br>
+              <a:rPr lang="en-US" altLang="ja-JP" dirty="0"/>
+            </a:br>
+            <a:endParaRPr lang="en-US" altLang="ja-JP" dirty="0"/>
+          </a:p>
+          <a:p>
             <a:pPr lvl="1"/>
             <a:r>
               <a:rPr lang="ja-JP" altLang="en-US" dirty="0"/>
-              <a:t>文章：複数のパラグラフからなる</a:t>
+              <a:t>文章：</a:t>
+            </a:r>
+            <a:endParaRPr lang="en-US" altLang="ja-JP" dirty="0"/>
+          </a:p>
+          <a:p>
+            <a:pPr lvl="2"/>
+            <a:r>
+              <a:rPr lang="ja-JP" altLang="en-US" dirty="0"/>
+              <a:t>（論文などの場合通常は）複数のセクションからなる</a:t>
             </a:r>
             <a:endParaRPr lang="en-US" altLang="ja-JP" dirty="0"/>
           </a:p>
@@ -14560,6 +16995,109 @@
       </p:grpSpPr>
       <p:sp>
         <p:nvSpPr>
+          <p:cNvPr id="5" name="正方形/長方形 4">
+            <a:extLst>
+              <a:ext uri="{FF2B5EF4-FFF2-40B4-BE49-F238E27FC236}">
+                <a16:creationId xmlns:a16="http://schemas.microsoft.com/office/drawing/2014/main" id="{40355BA4-8010-F853-8B93-A86B31D17499}"/>
+              </a:ext>
+            </a:extLst>
+          </p:cNvPr>
+          <p:cNvSpPr/>
+          <p:nvPr/>
+        </p:nvSpPr>
+        <p:spPr bwMode="auto">
+          <a:xfrm>
+            <a:off x="611956" y="3338999"/>
+            <a:ext cx="8460094" cy="1260014"/>
+          </a:xfrm>
+          <a:prstGeom prst="rect">
+            <a:avLst/>
+          </a:prstGeom>
+          <a:solidFill>
+            <a:schemeClr val="accent5">
+              <a:lumMod val="20000"/>
+              <a:lumOff val="80000"/>
+            </a:schemeClr>
+          </a:solidFill>
+          <a:ln>
+            <a:noFill/>
+            <a:headEnd/>
+            <a:tailEnd type="triangle" w="sm" len="med"/>
+          </a:ln>
+        </p:spPr>
+        <p:style>
+          <a:lnRef idx="2">
+            <a:schemeClr val="accent5"/>
+          </a:lnRef>
+          <a:fillRef idx="1">
+            <a:schemeClr val="lt1"/>
+          </a:fillRef>
+          <a:effectRef idx="0">
+            <a:schemeClr val="accent5"/>
+          </a:effectRef>
+          <a:fontRef idx="minor">
+            <a:schemeClr val="dk1"/>
+          </a:fontRef>
+        </p:style>
+        <p:txBody>
+          <a:bodyPr rot="0" spcFirstLastPara="0" vertOverflow="overflow" horzOverflow="overflow" vert="horz" wrap="none" lIns="91440" tIns="45720" rIns="91440" bIns="45720" numCol="1" spcCol="0" rtlCol="0" fromWordArt="0" anchor="ctr" anchorCtr="0" forceAA="0" compatLnSpc="1">
+            <a:prstTxWarp prst="textNoShape">
+              <a:avLst/>
+            </a:prstTxWarp>
+            <a:noAutofit/>
+          </a:bodyPr>
+          <a:lstStyle/>
+          <a:p>
+            <a:pPr algn="r"/>
+            <a:r>
+              <a:rPr kumimoji="1" lang="ja-JP" altLang="en-US" dirty="0">
+                <a:solidFill>
+                  <a:schemeClr val="tx1">
+                    <a:lumMod val="75000"/>
+                    <a:lumOff val="25000"/>
+                  </a:schemeClr>
+                </a:solidFill>
+                <a:latin typeface="+mn-ea"/>
+              </a:rPr>
+              <a:t>この階層の作り方が　</a:t>
+            </a:r>
+            <a:br>
+              <a:rPr kumimoji="1" lang="en-US" altLang="ja-JP" dirty="0">
+                <a:solidFill>
+                  <a:schemeClr val="tx1">
+                    <a:lumMod val="75000"/>
+                    <a:lumOff val="25000"/>
+                  </a:schemeClr>
+                </a:solidFill>
+                <a:latin typeface="+mn-ea"/>
+              </a:rPr>
+            </a:br>
+            <a:r>
+              <a:rPr kumimoji="1" lang="ja-JP" altLang="en-US" dirty="0">
+                <a:solidFill>
+                  <a:schemeClr val="tx1">
+                    <a:lumMod val="75000"/>
+                    <a:lumOff val="25000"/>
+                  </a:schemeClr>
+                </a:solidFill>
+                <a:latin typeface="+mn-ea"/>
+              </a:rPr>
+              <a:t>この資料の主題　</a:t>
+            </a:r>
+            <a:endParaRPr kumimoji="1" lang="en-US" dirty="0">
+              <a:solidFill>
+                <a:schemeClr val="tx1">
+                  <a:lumMod val="75000"/>
+                  <a:lumOff val="25000"/>
+                </a:schemeClr>
+              </a:solidFill>
+              <a:latin typeface="+mn-ea"/>
+            </a:endParaRPr>
+          </a:p>
+        </p:txBody>
+      </p:sp>
+      <p:sp>
+        <p:nvSpPr>
           <p:cNvPr id="4" name="四角形: 角を丸くする 3">
             <a:extLst>
               <a:ext uri="{FF2B5EF4-FFF2-40B4-BE49-F238E27FC236}">
@@ -14683,6 +17221,7 @@
             <a:endParaRPr lang="en-US" altLang="ja-JP" dirty="0"/>
           </a:p>
           <a:p>
+            <a:pPr lvl="1"/>
             <a:r>
               <a:rPr lang="ja-JP" altLang="en-US" dirty="0"/>
               <a:t>節（</a:t>
@@ -14693,7 +17232,7 @@
             </a:r>
             <a:r>
               <a:rPr lang="ja-JP" altLang="en-US" dirty="0"/>
-              <a:t>セクション）の配置方法はプロットの作り方などで議論する</a:t>
+              <a:t>セクション）の配置方法は，別の資料のプロットの作り方などで議論する</a:t>
             </a:r>
             <a:endParaRPr lang="en-US" altLang="ja-JP" dirty="0"/>
           </a:p>
@@ -15027,13 +17566,13 @@
         </p:spPr>
         <p:style>
           <a:lnRef idx="1">
-            <a:schemeClr val="accent5"/>
+            <a:schemeClr val="accent6"/>
           </a:lnRef>
           <a:fillRef idx="2">
-            <a:schemeClr val="accent5"/>
+            <a:schemeClr val="accent6"/>
           </a:fillRef>
           <a:effectRef idx="1">
-            <a:schemeClr val="accent5"/>
+            <a:schemeClr val="accent6"/>
           </a:effectRef>
           <a:fontRef idx="minor">
             <a:schemeClr val="dk1"/>
@@ -15787,6 +18326,9 @@
             <a:avLst/>
           </a:prstGeom>
           <a:ln>
+            <a:solidFill>
+              <a:schemeClr val="accent6"/>
+            </a:solidFill>
             <a:headEnd type="none" w="med" len="med"/>
             <a:tailEnd type="triangle"/>
           </a:ln>
@@ -15833,13 +18375,13 @@
         </p:spPr>
         <p:style>
           <a:lnRef idx="1">
-            <a:schemeClr val="accent5"/>
+            <a:schemeClr val="accent6"/>
           </a:lnRef>
           <a:fillRef idx="2">
-            <a:schemeClr val="accent5"/>
+            <a:schemeClr val="accent6"/>
           </a:fillRef>
           <a:effectRef idx="1">
-            <a:schemeClr val="accent5"/>
+            <a:schemeClr val="accent6"/>
           </a:effectRef>
           <a:fontRef idx="minor">
             <a:schemeClr val="dk1"/>
@@ -15894,13 +18436,13 @@
         </p:spPr>
         <p:style>
           <a:lnRef idx="1">
-            <a:schemeClr val="accent5"/>
+            <a:schemeClr val="accent6"/>
           </a:lnRef>
           <a:fillRef idx="2">
-            <a:schemeClr val="accent5"/>
+            <a:schemeClr val="accent6"/>
           </a:fillRef>
           <a:effectRef idx="1">
-            <a:schemeClr val="accent5"/>
+            <a:schemeClr val="accent6"/>
           </a:effectRef>
           <a:fontRef idx="minor">
             <a:schemeClr val="dk1"/>
@@ -15955,13 +18497,13 @@
         </p:spPr>
         <p:style>
           <a:lnRef idx="1">
-            <a:schemeClr val="accent5"/>
+            <a:schemeClr val="accent6"/>
           </a:lnRef>
           <a:fillRef idx="2">
-            <a:schemeClr val="accent5"/>
+            <a:schemeClr val="accent6"/>
           </a:fillRef>
           <a:effectRef idx="1">
-            <a:schemeClr val="accent5"/>
+            <a:schemeClr val="accent6"/>
           </a:effectRef>
           <a:fontRef idx="minor">
             <a:schemeClr val="dk1"/>
@@ -16016,13 +18558,13 @@
         </p:spPr>
         <p:style>
           <a:lnRef idx="1">
-            <a:schemeClr val="accent5"/>
+            <a:schemeClr val="accent6"/>
           </a:lnRef>
           <a:fillRef idx="2">
-            <a:schemeClr val="accent5"/>
+            <a:schemeClr val="accent6"/>
           </a:fillRef>
           <a:effectRef idx="1">
-            <a:schemeClr val="accent5"/>
+            <a:schemeClr val="accent6"/>
           </a:effectRef>
           <a:fontRef idx="minor">
             <a:schemeClr val="dk1"/>
@@ -16075,6 +18617,9 @@
             <a:avLst/>
           </a:prstGeom>
           <a:ln>
+            <a:solidFill>
+              <a:schemeClr val="accent6"/>
+            </a:solidFill>
             <a:headEnd type="none" w="med" len="med"/>
             <a:tailEnd type="triangle"/>
           </a:ln>
@@ -16119,6 +18664,9 @@
             <a:avLst/>
           </a:prstGeom>
           <a:ln>
+            <a:solidFill>
+              <a:schemeClr val="accent6"/>
+            </a:solidFill>
             <a:headEnd type="none" w="med" len="med"/>
             <a:tailEnd type="triangle"/>
           </a:ln>
@@ -16163,6 +18711,9 @@
             <a:avLst/>
           </a:prstGeom>
           <a:ln>
+            <a:solidFill>
+              <a:schemeClr val="accent6"/>
+            </a:solidFill>
             <a:headEnd type="none" w="med" len="med"/>
             <a:tailEnd type="triangle"/>
           </a:ln>
@@ -16286,6 +18837,232 @@
               </a:rPr>
               <a:t>節２</a:t>
             </a:r>
+          </a:p>
+        </p:txBody>
+      </p:sp>
+      <p:sp>
+        <p:nvSpPr>
+          <p:cNvPr id="9" name="四角形: 角を丸くする 8">
+            <a:extLst>
+              <a:ext uri="{FF2B5EF4-FFF2-40B4-BE49-F238E27FC236}">
+                <a16:creationId xmlns:a16="http://schemas.microsoft.com/office/drawing/2014/main" id="{83C8A648-84E0-6540-1178-6E5CDD1208E8}"/>
+              </a:ext>
+            </a:extLst>
+          </p:cNvPr>
+          <p:cNvSpPr/>
+          <p:nvPr/>
+        </p:nvSpPr>
+        <p:spPr bwMode="auto">
+          <a:xfrm>
+            <a:off x="4932004" y="1358977"/>
+            <a:ext cx="720008" cy="360004"/>
+          </a:xfrm>
+          <a:prstGeom prst="roundRect">
+            <a:avLst/>
+          </a:prstGeom>
+          <a:ln>
+            <a:headEnd/>
+            <a:tailEnd type="triangle" w="sm" len="med"/>
+          </a:ln>
+        </p:spPr>
+        <p:style>
+          <a:lnRef idx="1">
+            <a:schemeClr val="accent5"/>
+          </a:lnRef>
+          <a:fillRef idx="2">
+            <a:schemeClr val="accent5"/>
+          </a:fillRef>
+          <a:effectRef idx="1">
+            <a:schemeClr val="accent5"/>
+          </a:effectRef>
+          <a:fontRef idx="minor">
+            <a:schemeClr val="dk1"/>
+          </a:fontRef>
+        </p:style>
+        <p:txBody>
+          <a:bodyPr rot="0" spcFirstLastPara="0" vertOverflow="overflow" horzOverflow="overflow" vert="horz" wrap="none" lIns="91440" tIns="45720" rIns="91440" bIns="45720" numCol="1" spcCol="0" rtlCol="0" fromWordArt="0" anchor="ctr" anchorCtr="0" forceAA="0" compatLnSpc="1">
+            <a:prstTxWarp prst="textNoShape">
+              <a:avLst/>
+            </a:prstTxWarp>
+            <a:noAutofit/>
+          </a:bodyPr>
+          <a:lstStyle/>
+          <a:p>
+            <a:pPr algn="ctr"/>
+            <a:r>
+              <a:rPr kumimoji="1" lang="ja-JP" altLang="en-US" sz="1400" dirty="0">
+                <a:solidFill>
+                  <a:schemeClr val="tx1">
+                    <a:lumMod val="75000"/>
+                    <a:lumOff val="25000"/>
+                  </a:schemeClr>
+                </a:solidFill>
+                <a:latin typeface="+mn-ea"/>
+              </a:rPr>
+              <a:t>タイトル</a:t>
+            </a:r>
+          </a:p>
+        </p:txBody>
+      </p:sp>
+      <p:cxnSp>
+        <p:nvCxnSpPr>
+          <p:cNvPr id="10" name="直線矢印コネクタ 9">
+            <a:extLst>
+              <a:ext uri="{FF2B5EF4-FFF2-40B4-BE49-F238E27FC236}">
+                <a16:creationId xmlns:a16="http://schemas.microsoft.com/office/drawing/2014/main" id="{C8FFE48B-BC5F-344E-CF9F-BB350CA7B25B}"/>
+              </a:ext>
+            </a:extLst>
+          </p:cNvPr>
+          <p:cNvCxnSpPr>
+            <a:cxnSpLocks/>
+            <a:endCxn id="4" idx="0"/>
+          </p:cNvCxnSpPr>
+          <p:nvPr/>
+        </p:nvCxnSpPr>
+        <p:spPr bwMode="auto">
+          <a:xfrm>
+            <a:off x="5292008" y="1718981"/>
+            <a:ext cx="2691" cy="270003"/>
+          </a:xfrm>
+          <a:prstGeom prst="straightConnector1">
+            <a:avLst/>
+          </a:prstGeom>
+          <a:ln>
+            <a:headEnd type="none" w="med" len="med"/>
+            <a:tailEnd type="triangle"/>
+          </a:ln>
+        </p:spPr>
+        <p:style>
+          <a:lnRef idx="1">
+            <a:schemeClr val="accent5"/>
+          </a:lnRef>
+          <a:fillRef idx="0">
+            <a:schemeClr val="accent5"/>
+          </a:fillRef>
+          <a:effectRef idx="0">
+            <a:schemeClr val="accent5"/>
+          </a:effectRef>
+          <a:fontRef idx="minor">
+            <a:schemeClr val="tx1"/>
+          </a:fontRef>
+        </p:style>
+      </p:cxnSp>
+      <p:sp>
+        <p:nvSpPr>
+          <p:cNvPr id="15" name="正方形/長方形 14">
+            <a:extLst>
+              <a:ext uri="{FF2B5EF4-FFF2-40B4-BE49-F238E27FC236}">
+                <a16:creationId xmlns:a16="http://schemas.microsoft.com/office/drawing/2014/main" id="{B9ED3017-7784-7674-876A-8CF46DCB5CCE}"/>
+              </a:ext>
+            </a:extLst>
+          </p:cNvPr>
+          <p:cNvSpPr/>
+          <p:nvPr/>
+        </p:nvSpPr>
+        <p:spPr bwMode="auto">
+          <a:xfrm>
+            <a:off x="2681979" y="1358977"/>
+            <a:ext cx="1710019" cy="450005"/>
+          </a:xfrm>
+          <a:prstGeom prst="rect">
+            <a:avLst/>
+          </a:prstGeom>
+          <a:ln>
+            <a:noFill/>
+            <a:headEnd/>
+            <a:tailEnd type="triangle" w="sm" len="med"/>
+          </a:ln>
+        </p:spPr>
+        <p:style>
+          <a:lnRef idx="2">
+            <a:schemeClr val="accent5"/>
+          </a:lnRef>
+          <a:fillRef idx="1">
+            <a:schemeClr val="lt1"/>
+          </a:fillRef>
+          <a:effectRef idx="0">
+            <a:schemeClr val="accent5"/>
+          </a:effectRef>
+          <a:fontRef idx="minor">
+            <a:schemeClr val="dk1"/>
+          </a:fontRef>
+        </p:style>
+        <p:txBody>
+          <a:bodyPr rot="0" spcFirstLastPara="0" vertOverflow="overflow" horzOverflow="overflow" vert="horz" wrap="none" lIns="91440" tIns="45720" rIns="91440" bIns="45720" numCol="1" spcCol="0" rtlCol="0" fromWordArt="0" anchor="ctr" anchorCtr="0" forceAA="0" compatLnSpc="1">
+            <a:prstTxWarp prst="textNoShape">
+              <a:avLst/>
+            </a:prstTxWarp>
+            <a:noAutofit/>
+          </a:bodyPr>
+          <a:lstStyle/>
+          <a:p>
+            <a:r>
+              <a:rPr kumimoji="1" lang="ja-JP" altLang="en-US" sz="1400" dirty="0">
+                <a:solidFill>
+                  <a:schemeClr val="tx1">
+                    <a:lumMod val="75000"/>
+                    <a:lumOff val="25000"/>
+                  </a:schemeClr>
+                </a:solidFill>
+                <a:latin typeface="+mn-ea"/>
+              </a:rPr>
+              <a:t>タイトルは最上位にあり，</a:t>
+            </a:r>
+            <a:endParaRPr kumimoji="1" lang="en-US" altLang="ja-JP" sz="1400" dirty="0">
+              <a:solidFill>
+                <a:schemeClr val="tx1">
+                  <a:lumMod val="75000"/>
+                  <a:lumOff val="25000"/>
+                </a:schemeClr>
+              </a:solidFill>
+              <a:latin typeface="+mn-ea"/>
+            </a:endParaRPr>
+          </a:p>
+          <a:p>
+            <a:r>
+              <a:rPr kumimoji="1" lang="ja-JP" altLang="en-US" sz="1400" dirty="0">
+                <a:solidFill>
+                  <a:schemeClr val="tx1">
+                    <a:lumMod val="75000"/>
+                    <a:lumOff val="25000"/>
+                  </a:schemeClr>
+                </a:solidFill>
+                <a:latin typeface="+mn-ea"/>
+              </a:rPr>
+              <a:t>その文章の全てを一言で</a:t>
+            </a:r>
+            <a:br>
+              <a:rPr kumimoji="1" lang="en-US" altLang="ja-JP" sz="1400" dirty="0">
+                <a:solidFill>
+                  <a:schemeClr val="tx1">
+                    <a:lumMod val="75000"/>
+                    <a:lumOff val="25000"/>
+                  </a:schemeClr>
+                </a:solidFill>
+                <a:latin typeface="+mn-ea"/>
+              </a:rPr>
+            </a:br>
+            <a:r>
+              <a:rPr kumimoji="1" lang="ja-JP" altLang="en-US" sz="1400" dirty="0">
+                <a:solidFill>
+                  <a:schemeClr val="tx1">
+                    <a:lumMod val="75000"/>
+                    <a:lumOff val="25000"/>
+                  </a:schemeClr>
+                </a:solidFill>
+                <a:latin typeface="+mn-ea"/>
+              </a:rPr>
+              <a:t>表したものになる</a:t>
+            </a:r>
+            <a:endParaRPr kumimoji="1" lang="en-US" sz="1400" dirty="0">
+              <a:solidFill>
+                <a:schemeClr val="tx1">
+                  <a:lumMod val="75000"/>
+                  <a:lumOff val="25000"/>
+                </a:schemeClr>
+              </a:solidFill>
+              <a:latin typeface="+mn-ea"/>
+            </a:endParaRPr>
           </a:p>
         </p:txBody>
       </p:sp>
@@ -16329,10 +19106,10 @@
       </p:grpSpPr>
       <p:sp>
         <p:nvSpPr>
-          <p:cNvPr id="6" name="タイトル 5">
-            <a:extLst>
-              <a:ext uri="{FF2B5EF4-FFF2-40B4-BE49-F238E27FC236}">
-                <a16:creationId xmlns:a16="http://schemas.microsoft.com/office/drawing/2014/main" id="{D44FC4B2-BE5F-0B62-A30B-6488B98CA7F1}"/>
+          <p:cNvPr id="2" name="タイトル 1">
+            <a:extLst>
+              <a:ext uri="{FF2B5EF4-FFF2-40B4-BE49-F238E27FC236}">
+                <a16:creationId xmlns:a16="http://schemas.microsoft.com/office/drawing/2014/main" id="{665F2B47-DE8F-EE5E-5084-075E53B27B9B}"/>
               </a:ext>
             </a:extLst>
           </p:cNvPr>
@@ -16349,23 +19126,107 @@
           <a:lstStyle/>
           <a:p>
             <a:r>
+              <a:rPr kumimoji="1" lang="ja-JP" altLang="en-US" dirty="0"/>
+              <a:t>もくじ</a:t>
+            </a:r>
+            <a:endParaRPr kumimoji="1" lang="en-US" dirty="0"/>
+          </a:p>
+        </p:txBody>
+      </p:sp>
+      <p:sp>
+        <p:nvSpPr>
+          <p:cNvPr id="3" name="テキスト プレースホルダー 2">
+            <a:extLst>
+              <a:ext uri="{FF2B5EF4-FFF2-40B4-BE49-F238E27FC236}">
+                <a16:creationId xmlns:a16="http://schemas.microsoft.com/office/drawing/2014/main" id="{C1C0FC8F-B29E-005A-806A-5B6521475251}"/>
+              </a:ext>
+            </a:extLst>
+          </p:cNvPr>
+          <p:cNvSpPr>
+            <a:spLocks noGrp="1"/>
+          </p:cNvSpPr>
+          <p:nvPr>
+            <p:ph type="body" sz="quarter" idx="10"/>
+          </p:nvPr>
+        </p:nvSpPr>
+        <p:spPr/>
+        <p:txBody>
+          <a:bodyPr/>
+          <a:lstStyle/>
+          <a:p>
+            <a:r>
+              <a:rPr lang="en-US" altLang="ja-JP" dirty="0"/>
+              <a:t>[A] </a:t>
+            </a:r>
+            <a:r>
               <a:rPr lang="ja-JP" altLang="en-US" dirty="0"/>
+              <a:t>文</a:t>
+            </a:r>
+            <a:endParaRPr lang="en-US" altLang="ja-JP" dirty="0"/>
+          </a:p>
+          <a:p>
+            <a:r>
+              <a:rPr kumimoji="1" lang="en-US" altLang="ja-JP" dirty="0"/>
+              <a:t>[B] </a:t>
+            </a:r>
+            <a:r>
+              <a:rPr kumimoji="1" lang="ja-JP" altLang="en-US" dirty="0"/>
+              <a:t>文の接続</a:t>
+            </a:r>
+            <a:endParaRPr kumimoji="1" lang="en-US" dirty="0"/>
+          </a:p>
+          <a:p>
+            <a:r>
+              <a:rPr kumimoji="1" lang="en-US" dirty="0"/>
+              <a:t>[</a:t>
+            </a:r>
+            <a:r>
+              <a:rPr kumimoji="1" lang="en-US" altLang="ja-JP" dirty="0"/>
+              <a:t>C</a:t>
+            </a:r>
+            <a:r>
+              <a:rPr kumimoji="1" lang="en-US" dirty="0"/>
+              <a:t>] </a:t>
+            </a:r>
+            <a:r>
+              <a:rPr kumimoji="1" lang="ja-JP" altLang="en-US" dirty="0"/>
               <a:t>パラグラフ</a:t>
             </a:r>
-            <a:endParaRPr lang="en-US" dirty="0"/>
+            <a:endParaRPr kumimoji="1" lang="en-US" altLang="ja-JP" dirty="0"/>
+          </a:p>
+          <a:p>
+            <a:endParaRPr kumimoji="1" lang="en-US" dirty="0"/>
+          </a:p>
+          <a:p>
+            <a:pPr marL="0" indent="0">
+              <a:buNone/>
+            </a:pPr>
+            <a:r>
+              <a:rPr kumimoji="1" lang="ja-JP" altLang="en-US" dirty="0"/>
+              <a:t>チェックリスト項目の通し番号は各章の通し番号に対応する</a:t>
+            </a:r>
+            <a:endParaRPr kumimoji="1" lang="en-US" dirty="0"/>
           </a:p>
         </p:txBody>
       </p:sp>
     </p:spTree>
     <p:extLst>
       <p:ext uri="{BB962C8B-B14F-4D97-AF65-F5344CB8AC3E}">
-        <p14:creationId xmlns:p14="http://schemas.microsoft.com/office/powerpoint/2010/main" val="3637064490"/>
+        <p14:creationId xmlns:p14="http://schemas.microsoft.com/office/powerpoint/2010/main" val="4160215560"/>
       </p:ext>
     </p:extLst>
   </p:cSld>
   <p:clrMapOvr>
     <a:masterClrMapping/>
   </p:clrMapOvr>
+  <mc:AlternateContent xmlns:mc="http://schemas.openxmlformats.org/markup-compatibility/2006" xmlns:p14="http://schemas.microsoft.com/office/powerpoint/2010/main">
+    <mc:Choice Requires="p14">
+      <p:transition p14:dur="10"/>
+    </mc:Choice>
+    <mc:Fallback xmlns="">
+      <p:transition/>
+    </mc:Fallback>
+  </mc:AlternateContent>
 </p:sld>
 </file>
 

--- a/writing.pptx
+++ b/writing.pptx
@@ -300,7 +300,7 @@
           <a:p>
             <a:fld id="{2ABE53D4-1A7B-4FFE-8A95-4265B045F058}" type="datetimeFigureOut">
               <a:rPr kumimoji="1" lang="ja-JP" altLang="en-US" smtClean="0"/>
-              <a:t>2025/3/12</a:t>
+              <a:t>2025/3/14</a:t>
             </a:fld>
             <a:endParaRPr kumimoji="1" lang="ja-JP" altLang="en-US"/>
           </a:p>
@@ -3094,8 +3094,8 @@
               <a:t>文章の書き方 </a:t>
             </a:r>
             <a:r>
-              <a:rPr lang="en-US" altLang="ja-JP" sz="2800" dirty="0"/>
-              <a:t>v3</a:t>
+              <a:rPr lang="en-US" altLang="ja-JP" sz="2800"/>
+              <a:t>v4</a:t>
             </a:r>
             <a:endParaRPr kumimoji="1" lang="ja-JP" altLang="en-US" sz="2800" dirty="0"/>
           </a:p>
@@ -3695,7 +3695,11 @@
             <a:pPr lvl="1"/>
             <a:r>
               <a:rPr kumimoji="1" lang="ja-JP" altLang="en-US" dirty="0"/>
-              <a:t>３文以上からなる複文は禁止</a:t>
+              <a:t>３文以上からなる</a:t>
+            </a:r>
+            <a:r>
+              <a:rPr kumimoji="1" lang="ja-JP" altLang="en-US"/>
+              <a:t>複文は基本的には禁止</a:t>
             </a:r>
             <a:endParaRPr kumimoji="1" lang="en-US" altLang="ja-JP" dirty="0"/>
           </a:p>
@@ -6550,7 +6554,7 @@
           <a:p>
             <a:r>
               <a:rPr kumimoji="1" lang="en-US" altLang="ja-JP" dirty="0"/>
-              <a:t>A </a:t>
+              <a:t>[A] </a:t>
             </a:r>
             <a:r>
               <a:rPr kumimoji="1" lang="ja-JP" altLang="en-US" dirty="0"/>
@@ -6597,7 +6601,7 @@
           <a:p>
             <a:r>
               <a:rPr lang="en-US" altLang="ja-JP" dirty="0"/>
-              <a:t>B </a:t>
+              <a:t>[B] </a:t>
             </a:r>
             <a:r>
               <a:rPr lang="ja-JP" altLang="en-US" dirty="0"/>
@@ -6651,7 +6655,7 @@
           <a:p>
             <a:r>
               <a:rPr lang="en-US" altLang="ja-JP" dirty="0"/>
-              <a:t>C </a:t>
+              <a:t>[C] </a:t>
             </a:r>
             <a:r>
               <a:rPr lang="ja-JP" altLang="en-US" dirty="0"/>
@@ -7441,7 +7445,7 @@
             </a:pPr>
             <a:r>
               <a:rPr kumimoji="1" lang="ja-JP" altLang="en-US" sz="1400" dirty="0"/>
-              <a:t>ベクトル命令にはもともとレイテンシ隠蔽効果があるため </a:t>
+              <a:t>ベクトル命令にはもともとレイテンシ隠蔽効果があるため，</a:t>
             </a:r>
             <a:r>
               <a:rPr kumimoji="1" lang="en-US" altLang="ja-JP" sz="1400" dirty="0"/>
@@ -7460,7 +7464,7 @@
             </a:pPr>
             <a:r>
               <a:rPr kumimoji="1" lang="ja-JP" altLang="en-US" sz="1400" dirty="0"/>
-              <a:t>ベクトル命令のメモリアクセスは一般に単純であるためプリフェッチによるレイテンシ隠蔽が有効に機能する</a:t>
+              <a:t>ベクトル命令のメモリアクセスは一般に単純であるため，プリフェッチによるレイテンシ隠蔽が有効に機能する</a:t>
             </a:r>
             <a:endParaRPr kumimoji="1" lang="en-US" altLang="ja-JP" sz="1400" dirty="0"/>
           </a:p>
@@ -7471,7 +7475,7 @@
             </a:pPr>
             <a:r>
               <a:rPr kumimoji="1" lang="ja-JP" altLang="en-US" sz="1400" dirty="0"/>
-              <a:t>このようにベクトル命令をインオーダ実行とすることで性能への影響を最小限に抑えつつ、</a:t>
+              <a:t>このようにして性能低下を抑えつつ </a:t>
             </a:r>
             <a:r>
               <a:rPr kumimoji="1" lang="en-US" altLang="ja-JP" sz="1400" dirty="0"/>
@@ -7479,7 +7483,7 @@
             </a:r>
             <a:r>
               <a:rPr kumimoji="1" lang="ja-JP" altLang="en-US" sz="1400" dirty="0"/>
-              <a:t>実行に必要な回路を省略することで，</a:t>
+              <a:t>実行（とそれに必要な回路）を一部省略することにより，</a:t>
             </a:r>
             <a:r>
               <a:rPr kumimoji="1" lang="en-US" altLang="ja-JP" sz="1400" dirty="0"/>
@@ -7487,7 +7491,7 @@
             </a:r>
             <a:r>
               <a:rPr kumimoji="1" lang="ja-JP" altLang="en-US" sz="1400" dirty="0"/>
-              <a:t>では大幅な回路面積の削減を実現している。</a:t>
+              <a:t>では大幅に回路面積を削減している。</a:t>
             </a:r>
             <a:endParaRPr kumimoji="1" lang="en-US" sz="1400" dirty="0"/>
           </a:p>
@@ -8111,11 +8115,7 @@
             <a:pPr lvl="1"/>
             <a:r>
               <a:rPr lang="ja-JP" altLang="en-US" sz="1600" kern="0" dirty="0"/>
-              <a:t>最後の文は詳細度を上げて，最初の文との抽象度の差を作って情報を足し，繰り返し</a:t>
-            </a:r>
-            <a:r>
-              <a:rPr lang="ja-JP" altLang="en-US" sz="1600" kern="0"/>
-              <a:t>を避ける</a:t>
+              <a:t>最後の文は詳細度を上げて，最初の文との抽象度の差を作って情報を足し，繰り返しを避ける</a:t>
             </a:r>
             <a:endParaRPr lang="en-US" sz="1600" kern="0" dirty="0"/>
           </a:p>
@@ -8181,10 +8181,14 @@
           <a:lstStyle/>
           <a:p>
             <a:r>
-              <a:rPr lang="ja-JP" altLang="en-US" dirty="0"/>
+              <a:rPr lang="en-US" altLang="ja-JP" b="1" dirty="0"/>
+              <a:t>[D] </a:t>
+            </a:r>
+            <a:r>
+              <a:rPr lang="ja-JP" altLang="en-US" b="1" dirty="0"/>
               <a:t>プロットから文章への展開</a:t>
             </a:r>
-            <a:endParaRPr lang="en-US" altLang="ja-JP" dirty="0"/>
+            <a:endParaRPr lang="en-US" altLang="ja-JP" b="1" dirty="0"/>
           </a:p>
         </p:txBody>
       </p:sp>
@@ -15839,7 +15843,7 @@
           <a:p>
             <a:r>
               <a:rPr lang="en-US" altLang="ja-JP" b="1" dirty="0"/>
-              <a:t>D </a:t>
+              <a:t>[E] </a:t>
             </a:r>
             <a:r>
               <a:rPr lang="ja-JP" altLang="en-US" b="1" dirty="0"/>
@@ -15902,7 +15906,7 @@
           <a:p>
             <a:r>
               <a:rPr kumimoji="1" lang="en-US" altLang="ja-JP" dirty="0"/>
-              <a:t>[D1] </a:t>
+              <a:t>[E1] </a:t>
             </a:r>
             <a:r>
               <a:rPr kumimoji="1" lang="ja-JP" altLang="en-US" dirty="0"/>
@@ -16139,7 +16143,7 @@
           <a:p>
             <a:r>
               <a:rPr kumimoji="1" lang="en-US" dirty="0"/>
-              <a:t>[D2] </a:t>
+              <a:t>[E2] </a:t>
             </a:r>
             <a:r>
               <a:rPr kumimoji="1" lang="ja-JP" altLang="en-US" dirty="0"/>
@@ -16296,7 +16300,7 @@
           <a:p>
             <a:r>
               <a:rPr kumimoji="1" lang="en-US" altLang="ja-JP" dirty="0"/>
-              <a:t>D </a:t>
+              <a:t>[E] </a:t>
             </a:r>
             <a:r>
               <a:rPr kumimoji="1" lang="ja-JP" altLang="en-US" dirty="0"/>
@@ -16308,7 +16312,7 @@
             <a:pPr lvl="1"/>
             <a:r>
               <a:rPr lang="en-US" altLang="ja-JP" dirty="0"/>
-              <a:t>[D1] </a:t>
+              <a:t>[E1] </a:t>
             </a:r>
             <a:r>
               <a:rPr lang="ja-JP" altLang="en-US" dirty="0"/>
@@ -16320,7 +16324,7 @@
             <a:pPr lvl="1"/>
             <a:r>
               <a:rPr lang="en-US" altLang="ja-JP" dirty="0"/>
-              <a:t>[D2] </a:t>
+              <a:t>[E2] </a:t>
             </a:r>
             <a:r>
               <a:rPr lang="ja-JP" altLang="en-US" dirty="0"/>
@@ -16332,7 +16336,7 @@
             <a:pPr lvl="1"/>
             <a:r>
               <a:rPr kumimoji="1" lang="en-US" altLang="ja-JP" dirty="0"/>
-              <a:t>[D3] </a:t>
+              <a:t>[E3] </a:t>
             </a:r>
             <a:r>
               <a:rPr kumimoji="1" lang="ja-JP" altLang="en-US" dirty="0"/>
@@ -16403,7 +16407,7 @@
           <a:p>
             <a:r>
               <a:rPr kumimoji="1" lang="en-US" dirty="0"/>
-              <a:t>[D3] </a:t>
+              <a:t>[E3] </a:t>
             </a:r>
             <a:r>
               <a:rPr kumimoji="1" lang="ja-JP" altLang="en-US" dirty="0"/>
@@ -19155,6 +19159,17 @@
           <a:lstStyle/>
           <a:p>
             <a:r>
+              <a:rPr lang="ja-JP" altLang="en-US" dirty="0"/>
+              <a:t>もじく：</a:t>
+            </a:r>
+            <a:endParaRPr lang="en-US" altLang="ja-JP" dirty="0"/>
+          </a:p>
+          <a:p>
+            <a:pPr marL="817200" lvl="1" indent="-457200">
+              <a:buFont typeface="+mj-lt"/>
+              <a:buAutoNum type="arabicPeriod"/>
+            </a:pPr>
+            <a:r>
               <a:rPr lang="en-US" altLang="ja-JP" dirty="0"/>
               <a:t>[A] </a:t>
             </a:r>
@@ -19165,6 +19180,10 @@
             <a:endParaRPr lang="en-US" altLang="ja-JP" dirty="0"/>
           </a:p>
           <a:p>
+            <a:pPr marL="817200" lvl="1" indent="-457200">
+              <a:buFont typeface="+mj-lt"/>
+              <a:buAutoNum type="arabicPeriod"/>
+            </a:pPr>
             <a:r>
               <a:rPr kumimoji="1" lang="en-US" altLang="ja-JP" dirty="0"/>
               <a:t>[B] </a:t>
@@ -19176,6 +19195,10 @@
             <a:endParaRPr kumimoji="1" lang="en-US" dirty="0"/>
           </a:p>
           <a:p>
+            <a:pPr marL="817200" lvl="1" indent="-457200">
+              <a:buFont typeface="+mj-lt"/>
+              <a:buAutoNum type="arabicPeriod"/>
+            </a:pPr>
             <a:r>
               <a:rPr kumimoji="1" lang="en-US" dirty="0"/>
               <a:t>[</a:t>
@@ -19195,6 +19218,33 @@
             <a:endParaRPr kumimoji="1" lang="en-US" altLang="ja-JP" dirty="0"/>
           </a:p>
           <a:p>
+            <a:pPr marL="817200" lvl="1" indent="-457200">
+              <a:buFont typeface="+mj-lt"/>
+              <a:buAutoNum type="arabicPeriod"/>
+            </a:pPr>
+            <a:r>
+              <a:rPr kumimoji="1" lang="en-US" altLang="ja-JP" dirty="0"/>
+              <a:t>[D] </a:t>
+            </a:r>
+            <a:r>
+              <a:rPr kumimoji="1" lang="ja-JP" altLang="en-US" dirty="0"/>
+              <a:t>プロットから文章への展開</a:t>
+            </a:r>
+            <a:endParaRPr kumimoji="1" lang="en-US" altLang="ja-JP" dirty="0"/>
+          </a:p>
+          <a:p>
+            <a:pPr marL="817200" lvl="1" indent="-457200">
+              <a:buFont typeface="+mj-lt"/>
+              <a:buAutoNum type="arabicPeriod"/>
+            </a:pPr>
+            <a:r>
+              <a:rPr kumimoji="1" lang="en-US" altLang="ja-JP" dirty="0"/>
+              <a:t>[E] </a:t>
+            </a:r>
+            <a:r>
+              <a:rPr kumimoji="1" lang="ja-JP" altLang="en-US" dirty="0"/>
+              <a:t>その他</a:t>
+            </a:r>
             <a:endParaRPr kumimoji="1" lang="en-US" dirty="0"/>
           </a:p>
           <a:p>

--- a/writing.pptx
+++ b/writing.pptx
@@ -5,50 +5,48 @@
     <p:sldMasterId id="2147483669" r:id="rId1"/>
   </p:sldMasterIdLst>
   <p:notesMasterIdLst>
-    <p:notesMasterId r:id="rId43"/>
+    <p:notesMasterId r:id="rId41"/>
   </p:notesMasterIdLst>
   <p:sldIdLst>
     <p:sldId id="440" r:id="rId2"/>
-    <p:sldId id="508" r:id="rId3"/>
-    <p:sldId id="535" r:id="rId4"/>
-    <p:sldId id="523" r:id="rId5"/>
-    <p:sldId id="534" r:id="rId6"/>
-    <p:sldId id="503" r:id="rId7"/>
-    <p:sldId id="505" r:id="rId8"/>
-    <p:sldId id="512" r:id="rId9"/>
-    <p:sldId id="532" r:id="rId10"/>
-    <p:sldId id="520" r:id="rId11"/>
-    <p:sldId id="452" r:id="rId12"/>
-    <p:sldId id="448" r:id="rId13"/>
-    <p:sldId id="450" r:id="rId14"/>
-    <p:sldId id="521" r:id="rId15"/>
-    <p:sldId id="507" r:id="rId16"/>
-    <p:sldId id="517" r:id="rId17"/>
-    <p:sldId id="456" r:id="rId18"/>
-    <p:sldId id="457" r:id="rId19"/>
-    <p:sldId id="474" r:id="rId20"/>
-    <p:sldId id="458" r:id="rId21"/>
-    <p:sldId id="519" r:id="rId22"/>
-    <p:sldId id="506" r:id="rId23"/>
-    <p:sldId id="509" r:id="rId24"/>
-    <p:sldId id="510" r:id="rId25"/>
-    <p:sldId id="511" r:id="rId26"/>
-    <p:sldId id="527" r:id="rId27"/>
-    <p:sldId id="529" r:id="rId28"/>
-    <p:sldId id="513" r:id="rId29"/>
-    <p:sldId id="531" r:id="rId30"/>
-    <p:sldId id="538" r:id="rId31"/>
-    <p:sldId id="539" r:id="rId32"/>
-    <p:sldId id="522" r:id="rId33"/>
-    <p:sldId id="479" r:id="rId34"/>
-    <p:sldId id="481" r:id="rId35"/>
-    <p:sldId id="482" r:id="rId36"/>
-    <p:sldId id="483" r:id="rId37"/>
-    <p:sldId id="524" r:id="rId38"/>
-    <p:sldId id="525" r:id="rId39"/>
-    <p:sldId id="536" r:id="rId40"/>
-    <p:sldId id="537" r:id="rId41"/>
-    <p:sldId id="526" r:id="rId42"/>
+    <p:sldId id="535" r:id="rId3"/>
+    <p:sldId id="534" r:id="rId4"/>
+    <p:sldId id="503" r:id="rId5"/>
+    <p:sldId id="505" r:id="rId6"/>
+    <p:sldId id="512" r:id="rId7"/>
+    <p:sldId id="532" r:id="rId8"/>
+    <p:sldId id="520" r:id="rId9"/>
+    <p:sldId id="452" r:id="rId10"/>
+    <p:sldId id="448" r:id="rId11"/>
+    <p:sldId id="450" r:id="rId12"/>
+    <p:sldId id="521" r:id="rId13"/>
+    <p:sldId id="507" r:id="rId14"/>
+    <p:sldId id="517" r:id="rId15"/>
+    <p:sldId id="456" r:id="rId16"/>
+    <p:sldId id="457" r:id="rId17"/>
+    <p:sldId id="474" r:id="rId18"/>
+    <p:sldId id="458" r:id="rId19"/>
+    <p:sldId id="519" r:id="rId20"/>
+    <p:sldId id="506" r:id="rId21"/>
+    <p:sldId id="509" r:id="rId22"/>
+    <p:sldId id="510" r:id="rId23"/>
+    <p:sldId id="511" r:id="rId24"/>
+    <p:sldId id="527" r:id="rId25"/>
+    <p:sldId id="529" r:id="rId26"/>
+    <p:sldId id="513" r:id="rId27"/>
+    <p:sldId id="531" r:id="rId28"/>
+    <p:sldId id="538" r:id="rId29"/>
+    <p:sldId id="539" r:id="rId30"/>
+    <p:sldId id="522" r:id="rId31"/>
+    <p:sldId id="479" r:id="rId32"/>
+    <p:sldId id="481" r:id="rId33"/>
+    <p:sldId id="482" r:id="rId34"/>
+    <p:sldId id="483" r:id="rId35"/>
+    <p:sldId id="524" r:id="rId36"/>
+    <p:sldId id="525" r:id="rId37"/>
+    <p:sldId id="536" r:id="rId38"/>
+    <p:sldId id="537" r:id="rId39"/>
+    <p:sldId id="526" r:id="rId40"/>
   </p:sldIdLst>
   <p:sldSz cx="9144000" cy="6858000" type="screen4x3"/>
   <p:notesSz cx="6858000" cy="9144000"/>
@@ -153,9 +151,7 @@
         <p14:section name="既定のセクション" id="{73465A77-B51D-4F21-B04F-1D8E90BC29EE}">
           <p14:sldIdLst>
             <p14:sldId id="440"/>
-            <p14:sldId id="508"/>
             <p14:sldId id="535"/>
-            <p14:sldId id="523"/>
             <p14:sldId id="534"/>
             <p14:sldId id="503"/>
             <p14:sldId id="505"/>
@@ -300,7 +296,7 @@
           <a:p>
             <a:fld id="{2ABE53D4-1A7B-4FFE-8A95-4265B045F058}" type="datetimeFigureOut">
               <a:rPr kumimoji="1" lang="ja-JP" altLang="en-US" smtClean="0"/>
-              <a:t>2025/3/14</a:t>
+              <a:t>2025/3/15</a:t>
             </a:fld>
             <a:endParaRPr kumimoji="1" lang="ja-JP" altLang="en-US"/>
           </a:p>
@@ -3094,8 +3090,8 @@
               <a:t>文章の書き方 </a:t>
             </a:r>
             <a:r>
-              <a:rPr lang="en-US" altLang="ja-JP" sz="2800"/>
-              <a:t>v4</a:t>
+              <a:rPr lang="en-US" altLang="ja-JP" sz="2800" dirty="0"/>
+              <a:t>v5</a:t>
             </a:r>
             <a:endParaRPr kumimoji="1" lang="ja-JP" altLang="en-US" sz="2800" dirty="0"/>
           </a:p>
@@ -3419,10 +3415,10 @@
       </p:grpSpPr>
       <p:sp>
         <p:nvSpPr>
-          <p:cNvPr id="6" name="タイトル 5">
-            <a:extLst>
-              <a:ext uri="{FF2B5EF4-FFF2-40B4-BE49-F238E27FC236}">
-                <a16:creationId xmlns:a16="http://schemas.microsoft.com/office/drawing/2014/main" id="{D44FC4B2-BE5F-0B62-A30B-6488B98CA7F1}"/>
+          <p:cNvPr id="2" name="タイトル 1">
+            <a:extLst>
+              <a:ext uri="{FF2B5EF4-FFF2-40B4-BE49-F238E27FC236}">
+                <a16:creationId xmlns:a16="http://schemas.microsoft.com/office/drawing/2014/main" id="{A660BB84-DBA8-6642-6C09-5A4CA1B7E113}"/>
               </a:ext>
             </a:extLst>
           </p:cNvPr>
@@ -3439,27 +3435,117 @@
           <a:lstStyle/>
           <a:p>
             <a:r>
-              <a:rPr lang="en-US" altLang="ja-JP" b="1" dirty="0"/>
-              <a:t>[A] </a:t>
-            </a:r>
-            <a:r>
-              <a:rPr lang="ja-JP" altLang="en-US" b="1" dirty="0"/>
-              <a:t>文</a:t>
-            </a:r>
-            <a:endParaRPr lang="en-US" b="1" dirty="0"/>
+              <a:rPr kumimoji="1" lang="en-US" altLang="ja-JP" dirty="0"/>
+              <a:t>[A1] [A2] </a:t>
+            </a:r>
+            <a:r>
+              <a:rPr kumimoji="1" lang="ja-JP" altLang="en-US" dirty="0"/>
+              <a:t>各文を短く簡潔にする</a:t>
+            </a:r>
+          </a:p>
+        </p:txBody>
+      </p:sp>
+      <p:sp>
+        <p:nvSpPr>
+          <p:cNvPr id="3" name="テキスト プレースホルダー 2">
+            <a:extLst>
+              <a:ext uri="{FF2B5EF4-FFF2-40B4-BE49-F238E27FC236}">
+                <a16:creationId xmlns:a16="http://schemas.microsoft.com/office/drawing/2014/main" id="{7FC8FB9F-70D9-3B50-054F-E1E6CF721F79}"/>
+              </a:ext>
+            </a:extLst>
+          </p:cNvPr>
+          <p:cNvSpPr>
+            <a:spLocks noGrp="1"/>
+          </p:cNvSpPr>
+          <p:nvPr>
+            <p:ph type="body" sz="quarter" idx="10"/>
+          </p:nvPr>
+        </p:nvSpPr>
+        <p:spPr/>
+        <p:txBody>
+          <a:bodyPr/>
+          <a:lstStyle/>
+          <a:p>
+            <a:r>
+              <a:rPr kumimoji="1" lang="ja-JP" altLang="en-US" b="1" dirty="0">
+                <a:solidFill>
+                  <a:schemeClr val="accent5"/>
+                </a:solidFill>
+              </a:rPr>
+              <a:t>短い文は全てを解決する</a:t>
+            </a:r>
+            <a:endParaRPr kumimoji="1" lang="en-US" altLang="ja-JP" dirty="0"/>
+          </a:p>
+          <a:p>
+            <a:pPr lvl="1"/>
+            <a:r>
+              <a:rPr kumimoji="1" lang="ja-JP" altLang="en-US" dirty="0"/>
+              <a:t>短く簡潔な文は，誰が読んでも明確に意味が理解できる</a:t>
+            </a:r>
+            <a:endParaRPr kumimoji="1" lang="en-US" altLang="ja-JP" dirty="0"/>
+          </a:p>
+          <a:p>
+            <a:pPr lvl="1"/>
+            <a:r>
+              <a:rPr kumimoji="1" lang="ja-JP" altLang="en-US" dirty="0"/>
+              <a:t>短い文に区切り，それらを適切に繋ぐ</a:t>
+            </a:r>
+            <a:endParaRPr kumimoji="1" lang="en-US" altLang="ja-JP" dirty="0"/>
+          </a:p>
+          <a:p>
+            <a:pPr lvl="2"/>
+            <a:r>
+              <a:rPr kumimoji="1" lang="ja-JP" altLang="en-US" dirty="0"/>
+              <a:t>ぶつ切れになってしまう場合は，次節以降の接続方法を参照</a:t>
+            </a:r>
+            <a:endParaRPr kumimoji="1" lang="en-US" altLang="ja-JP" dirty="0"/>
+          </a:p>
+          <a:p>
+            <a:r>
+              <a:rPr kumimoji="1" lang="ja-JP" altLang="en-US" dirty="0"/>
+              <a:t>長い修飾節を持つ文を書かない</a:t>
+            </a:r>
+            <a:endParaRPr kumimoji="1" lang="en-US" altLang="ja-JP" dirty="0"/>
+          </a:p>
+          <a:p>
+            <a:r>
+              <a:rPr kumimoji="1" lang="ja-JP" altLang="en-US" dirty="0"/>
+              <a:t>複文も可能な限り避ける</a:t>
+            </a:r>
+            <a:endParaRPr kumimoji="1" lang="en-US" altLang="ja-JP" dirty="0"/>
+          </a:p>
+          <a:p>
+            <a:pPr lvl="1"/>
+            <a:r>
+              <a:rPr kumimoji="1" lang="ja-JP" altLang="en-US" dirty="0"/>
+              <a:t>３文以上からなる</a:t>
+            </a:r>
+            <a:r>
+              <a:rPr kumimoji="1" lang="ja-JP" altLang="en-US"/>
+              <a:t>複文は基本的には禁止</a:t>
+            </a:r>
+            <a:endParaRPr kumimoji="1" lang="en-US" altLang="ja-JP" dirty="0"/>
           </a:p>
         </p:txBody>
       </p:sp>
     </p:spTree>
     <p:extLst>
       <p:ext uri="{BB962C8B-B14F-4D97-AF65-F5344CB8AC3E}">
-        <p14:creationId xmlns:p14="http://schemas.microsoft.com/office/powerpoint/2010/main" val="2493814936"/>
+        <p14:creationId xmlns:p14="http://schemas.microsoft.com/office/powerpoint/2010/main" val="1822019107"/>
       </p:ext>
     </p:extLst>
   </p:cSld>
   <p:clrMapOvr>
     <a:masterClrMapping/>
   </p:clrMapOvr>
+  <mc:AlternateContent xmlns:mc="http://schemas.openxmlformats.org/markup-compatibility/2006" xmlns:p14="http://schemas.microsoft.com/office/powerpoint/2010/main">
+    <mc:Choice Requires="p14">
+      <p:transition p14:dur="10"/>
+    </mc:Choice>
+    <mc:Fallback xmlns="">
+      <p:transition/>
+    </mc:Fallback>
+  </mc:AlternateContent>
 </p:sld>
 </file>
 
@@ -3485,7 +3571,7 @@
           <p:cNvPr id="2" name="タイトル 1">
             <a:extLst>
               <a:ext uri="{FF2B5EF4-FFF2-40B4-BE49-F238E27FC236}">
-                <a16:creationId xmlns:a16="http://schemas.microsoft.com/office/drawing/2014/main" id="{D93A85F1-1B35-5F84-85D9-55D1C6172E1E}"/>
+                <a16:creationId xmlns:a16="http://schemas.microsoft.com/office/drawing/2014/main" id="{7015080F-9E79-6A62-8922-464CD13B906F}"/>
               </a:ext>
             </a:extLst>
           </p:cNvPr>
@@ -3502,8 +3588,12 @@
           <a:lstStyle/>
           <a:p>
             <a:r>
+              <a:rPr kumimoji="1" lang="en-US" altLang="ja-JP" dirty="0"/>
+              <a:t>[A3] </a:t>
+            </a:r>
+            <a:r>
               <a:rPr kumimoji="1" lang="ja-JP" altLang="en-US" dirty="0"/>
-              <a:t>「文」の書き方のポイント</a:t>
+              <a:t>各文の主語や動詞，述語を明確にする</a:t>
             </a:r>
           </a:p>
         </p:txBody>
@@ -3513,7 +3603,7 @@
           <p:cNvPr id="3" name="テキスト プレースホルダー 2">
             <a:extLst>
               <a:ext uri="{FF2B5EF4-FFF2-40B4-BE49-F238E27FC236}">
-                <a16:creationId xmlns:a16="http://schemas.microsoft.com/office/drawing/2014/main" id="{B4414A41-3B92-4E38-46C4-3166C73733E8}"/>
+                <a16:creationId xmlns:a16="http://schemas.microsoft.com/office/drawing/2014/main" id="{CFBEEDD7-1ABB-B544-39E1-C52AB828F23A}"/>
               </a:ext>
             </a:extLst>
           </p:cNvPr>
@@ -3530,32 +3620,55 @@
           <a:lstStyle/>
           <a:p>
             <a:r>
-              <a:rPr kumimoji="1" lang="en-US" altLang="ja-JP" dirty="0"/>
-              <a:t>[A1] </a:t>
-            </a:r>
-            <a:r>
               <a:rPr kumimoji="1" lang="ja-JP" altLang="en-US" dirty="0"/>
-              <a:t>各文を短く簡潔にする</a:t>
+              <a:t>日本語は主語や述語（目的語）を省略して書けてしまう</a:t>
             </a:r>
             <a:endParaRPr kumimoji="1" lang="en-US" altLang="ja-JP" dirty="0"/>
           </a:p>
           <a:p>
-            <a:r>
-              <a:rPr kumimoji="1" lang="en-US" altLang="ja-JP" dirty="0"/>
-              <a:t>[A2] </a:t>
-            </a:r>
+            <a:pPr lvl="1"/>
             <a:r>
               <a:rPr kumimoji="1" lang="ja-JP" altLang="en-US" dirty="0"/>
-              <a:t>各文の主語や動詞，述語を明確にする</a:t>
+              <a:t>日本語論文であっても，本来そのような曖昧さは排除すべき</a:t>
             </a:r>
             <a:endParaRPr kumimoji="1" lang="en-US" altLang="ja-JP" dirty="0"/>
+          </a:p>
+          <a:p>
+            <a:pPr lvl="1"/>
+            <a:r>
+              <a:rPr kumimoji="1" lang="ja-JP" altLang="en-US" dirty="0"/>
+              <a:t>多少冗長であっても，意味に紛れがないよう略さずにきちんと書くべき</a:t>
+            </a:r>
+            <a:endParaRPr kumimoji="1" lang="en-US" altLang="ja-JP" dirty="0"/>
+          </a:p>
+          <a:p>
+            <a:r>
+              <a:rPr kumimoji="1" lang="ja-JP" altLang="en-US" dirty="0">
+                <a:solidFill>
+                  <a:schemeClr val="accent5"/>
+                </a:solidFill>
+              </a:rPr>
+              <a:t>まず各文を確認して，主語や述語が欠けていないかを確認</a:t>
+            </a:r>
+            <a:endParaRPr kumimoji="1" lang="en-US" altLang="ja-JP" dirty="0">
+              <a:solidFill>
+                <a:schemeClr val="accent5"/>
+              </a:solidFill>
+            </a:endParaRPr>
+          </a:p>
+          <a:p>
+            <a:pPr lvl="1"/>
+            <a:r>
+              <a:rPr kumimoji="1" lang="ja-JP" altLang="en-US" dirty="0"/>
+              <a:t>自明な場合でも「それ」などを使った方がよい</a:t>
+            </a:r>
           </a:p>
         </p:txBody>
       </p:sp>
     </p:spTree>
     <p:extLst>
       <p:ext uri="{BB962C8B-B14F-4D97-AF65-F5344CB8AC3E}">
-        <p14:creationId xmlns:p14="http://schemas.microsoft.com/office/powerpoint/2010/main" val="3057599224"/>
+        <p14:creationId xmlns:p14="http://schemas.microsoft.com/office/powerpoint/2010/main" val="902104713"/>
       </p:ext>
     </p:extLst>
   </p:cSld>
@@ -3592,10 +3705,10 @@
       </p:grpSpPr>
       <p:sp>
         <p:nvSpPr>
-          <p:cNvPr id="2" name="タイトル 1">
-            <a:extLst>
-              <a:ext uri="{FF2B5EF4-FFF2-40B4-BE49-F238E27FC236}">
-                <a16:creationId xmlns:a16="http://schemas.microsoft.com/office/drawing/2014/main" id="{A660BB84-DBA8-6642-6C09-5A4CA1B7E113}"/>
+          <p:cNvPr id="6" name="タイトル 5">
+            <a:extLst>
+              <a:ext uri="{FF2B5EF4-FFF2-40B4-BE49-F238E27FC236}">
+                <a16:creationId xmlns:a16="http://schemas.microsoft.com/office/drawing/2014/main" id="{D44FC4B2-BE5F-0B62-A30B-6488B98CA7F1}"/>
               </a:ext>
             </a:extLst>
           </p:cNvPr>
@@ -3612,117 +3725,27 @@
           <a:lstStyle/>
           <a:p>
             <a:r>
-              <a:rPr kumimoji="1" lang="en-US" altLang="ja-JP" dirty="0"/>
-              <a:t>[A1] [A2] </a:t>
-            </a:r>
-            <a:r>
-              <a:rPr kumimoji="1" lang="ja-JP" altLang="en-US" dirty="0"/>
-              <a:t>各文を短く簡潔にする</a:t>
-            </a:r>
-          </a:p>
-        </p:txBody>
-      </p:sp>
-      <p:sp>
-        <p:nvSpPr>
-          <p:cNvPr id="3" name="テキスト プレースホルダー 2">
-            <a:extLst>
-              <a:ext uri="{FF2B5EF4-FFF2-40B4-BE49-F238E27FC236}">
-                <a16:creationId xmlns:a16="http://schemas.microsoft.com/office/drawing/2014/main" id="{7FC8FB9F-70D9-3B50-054F-E1E6CF721F79}"/>
-              </a:ext>
-            </a:extLst>
-          </p:cNvPr>
-          <p:cNvSpPr>
-            <a:spLocks noGrp="1"/>
-          </p:cNvSpPr>
-          <p:nvPr>
-            <p:ph type="body" sz="quarter" idx="10"/>
-          </p:nvPr>
-        </p:nvSpPr>
-        <p:spPr/>
-        <p:txBody>
-          <a:bodyPr/>
-          <a:lstStyle/>
-          <a:p>
-            <a:r>
-              <a:rPr kumimoji="1" lang="ja-JP" altLang="en-US" b="1" dirty="0">
-                <a:solidFill>
-                  <a:schemeClr val="accent5"/>
-                </a:solidFill>
-              </a:rPr>
-              <a:t>短い文は全てを解決する</a:t>
-            </a:r>
-            <a:endParaRPr kumimoji="1" lang="en-US" altLang="ja-JP" dirty="0"/>
-          </a:p>
-          <a:p>
-            <a:pPr lvl="1"/>
-            <a:r>
-              <a:rPr kumimoji="1" lang="ja-JP" altLang="en-US" dirty="0"/>
-              <a:t>短く簡潔な文は，誰が読んでも明確に意味が理解できる</a:t>
-            </a:r>
-            <a:endParaRPr kumimoji="1" lang="en-US" altLang="ja-JP" dirty="0"/>
-          </a:p>
-          <a:p>
-            <a:pPr lvl="1"/>
-            <a:r>
-              <a:rPr kumimoji="1" lang="ja-JP" altLang="en-US" dirty="0"/>
-              <a:t>短い文に区切り，それらを適切に繋ぐ</a:t>
-            </a:r>
-            <a:endParaRPr kumimoji="1" lang="en-US" altLang="ja-JP" dirty="0"/>
-          </a:p>
-          <a:p>
-            <a:pPr lvl="2"/>
-            <a:r>
-              <a:rPr kumimoji="1" lang="ja-JP" altLang="en-US" dirty="0"/>
-              <a:t>ぶつ切れになってしまう場合は，次節以降の接続方法を参照</a:t>
-            </a:r>
-            <a:endParaRPr kumimoji="1" lang="en-US" altLang="ja-JP" dirty="0"/>
-          </a:p>
-          <a:p>
-            <a:r>
-              <a:rPr kumimoji="1" lang="ja-JP" altLang="en-US" dirty="0"/>
-              <a:t>長い修飾節を持つ文を書かない</a:t>
-            </a:r>
-            <a:endParaRPr kumimoji="1" lang="en-US" altLang="ja-JP" dirty="0"/>
-          </a:p>
-          <a:p>
-            <a:r>
-              <a:rPr kumimoji="1" lang="ja-JP" altLang="en-US" dirty="0"/>
-              <a:t>複文も可能な限り避ける</a:t>
-            </a:r>
-            <a:endParaRPr kumimoji="1" lang="en-US" altLang="ja-JP" dirty="0"/>
-          </a:p>
-          <a:p>
-            <a:pPr lvl="1"/>
-            <a:r>
-              <a:rPr kumimoji="1" lang="ja-JP" altLang="en-US" dirty="0"/>
-              <a:t>３文以上からなる</a:t>
-            </a:r>
-            <a:r>
-              <a:rPr kumimoji="1" lang="ja-JP" altLang="en-US"/>
-              <a:t>複文は基本的には禁止</a:t>
-            </a:r>
-            <a:endParaRPr kumimoji="1" lang="en-US" altLang="ja-JP" dirty="0"/>
+              <a:rPr lang="en-US" altLang="ja-JP" b="1" dirty="0"/>
+              <a:t>[B] </a:t>
+            </a:r>
+            <a:r>
+              <a:rPr lang="ja-JP" altLang="en-US" b="1" dirty="0"/>
+              <a:t>文の接続</a:t>
+            </a:r>
+            <a:endParaRPr lang="en-US" b="1" dirty="0"/>
           </a:p>
         </p:txBody>
       </p:sp>
     </p:spTree>
     <p:extLst>
       <p:ext uri="{BB962C8B-B14F-4D97-AF65-F5344CB8AC3E}">
-        <p14:creationId xmlns:p14="http://schemas.microsoft.com/office/powerpoint/2010/main" val="1822019107"/>
+        <p14:creationId xmlns:p14="http://schemas.microsoft.com/office/powerpoint/2010/main" val="1455509777"/>
       </p:ext>
     </p:extLst>
   </p:cSld>
   <p:clrMapOvr>
     <a:masterClrMapping/>
   </p:clrMapOvr>
-  <mc:AlternateContent xmlns:mc="http://schemas.openxmlformats.org/markup-compatibility/2006" xmlns:p14="http://schemas.microsoft.com/office/powerpoint/2010/main">
-    <mc:Choice Requires="p14">
-      <p:transition p14:dur="10"/>
-    </mc:Choice>
-    <mc:Fallback xmlns="">
-      <p:transition/>
-    </mc:Fallback>
-  </mc:AlternateContent>
 </p:sld>
 </file>
 
@@ -3748,7 +3771,7 @@
           <p:cNvPr id="2" name="タイトル 1">
             <a:extLst>
               <a:ext uri="{FF2B5EF4-FFF2-40B4-BE49-F238E27FC236}">
-                <a16:creationId xmlns:a16="http://schemas.microsoft.com/office/drawing/2014/main" id="{7015080F-9E79-6A62-8922-464CD13B906F}"/>
+                <a16:creationId xmlns:a16="http://schemas.microsoft.com/office/drawing/2014/main" id="{29EE214D-6E7A-0357-0756-680B63295B42}"/>
               </a:ext>
             </a:extLst>
           </p:cNvPr>
@@ -3765,13 +3788,14 @@
           <a:lstStyle/>
           <a:p>
             <a:r>
-              <a:rPr kumimoji="1" lang="en-US" altLang="ja-JP" dirty="0"/>
-              <a:t>[A3] </a:t>
-            </a:r>
-            <a:r>
-              <a:rPr kumimoji="1" lang="ja-JP" altLang="en-US" dirty="0"/>
-              <a:t>各文の主語や動詞，述語を明確にする</a:t>
-            </a:r>
+              <a:rPr lang="en-US" altLang="ja-JP" dirty="0"/>
+              <a:t>[B1] </a:t>
+            </a:r>
+            <a:r>
+              <a:rPr lang="ja-JP" altLang="en-US" dirty="0"/>
+              <a:t>文の接続の基本１：古い情報と新しい情報</a:t>
+            </a:r>
+            <a:endParaRPr kumimoji="1" lang="ja-JP" altLang="en-US" dirty="0"/>
           </a:p>
         </p:txBody>
       </p:sp>
@@ -3780,7 +3804,7 @@
           <p:cNvPr id="3" name="テキスト プレースホルダー 2">
             <a:extLst>
               <a:ext uri="{FF2B5EF4-FFF2-40B4-BE49-F238E27FC236}">
-                <a16:creationId xmlns:a16="http://schemas.microsoft.com/office/drawing/2014/main" id="{CFBEEDD7-1ABB-B544-39E1-C52AB828F23A}"/>
+                <a16:creationId xmlns:a16="http://schemas.microsoft.com/office/drawing/2014/main" id="{73E7C1C9-4BB8-6905-4AC9-D99FB1224F57}"/>
               </a:ext>
             </a:extLst>
           </p:cNvPr>
@@ -3797,37 +3821,14 @@
           <a:lstStyle/>
           <a:p>
             <a:r>
-              <a:rPr kumimoji="1" lang="ja-JP" altLang="en-US" dirty="0"/>
-              <a:t>日本語は主語や述語（目的語）を省略して書けてしまう</a:t>
-            </a:r>
-            <a:endParaRPr kumimoji="1" lang="en-US" altLang="ja-JP" dirty="0"/>
-          </a:p>
-          <a:p>
-            <a:pPr lvl="1"/>
-            <a:r>
-              <a:rPr kumimoji="1" lang="ja-JP" altLang="en-US" dirty="0"/>
-              <a:t>日本語論文であっても，本来そのような曖昧さは排除すべき</a:t>
-            </a:r>
-            <a:endParaRPr kumimoji="1" lang="en-US" altLang="ja-JP" dirty="0"/>
-          </a:p>
-          <a:p>
-            <a:pPr lvl="1"/>
-            <a:r>
-              <a:rPr kumimoji="1" lang="ja-JP" altLang="en-US" dirty="0"/>
-              <a:t>多少冗長であっても，意味に紛れがないよう略さずにきちんと書くべき</a:t>
-            </a:r>
-            <a:endParaRPr kumimoji="1" lang="en-US" altLang="ja-JP" dirty="0"/>
-          </a:p>
-          <a:p>
-            <a:r>
-              <a:rPr kumimoji="1" lang="ja-JP" altLang="en-US" dirty="0">
+              <a:rPr lang="ja-JP" altLang="en-US" dirty="0">
                 <a:solidFill>
                   <a:schemeClr val="accent5"/>
                 </a:solidFill>
               </a:rPr>
-              <a:t>まず各文を確認して，主語や述語が欠けていないかを確認</a:t>
-            </a:r>
-            <a:endParaRPr kumimoji="1" lang="en-US" altLang="ja-JP" dirty="0">
+              <a:t>文や文章は「古い情報」に「新しい情報」を結びつける</a:t>
+            </a:r>
+            <a:endParaRPr lang="en-US" altLang="ja-JP" dirty="0">
               <a:solidFill>
                 <a:schemeClr val="accent5"/>
               </a:solidFill>
@@ -3837,15 +3838,86 @@
             <a:pPr lvl="1"/>
             <a:r>
               <a:rPr kumimoji="1" lang="ja-JP" altLang="en-US" dirty="0"/>
-              <a:t>自明な場合でも「それ」などを使った方がよい</a:t>
-            </a:r>
+              <a:t>古い情報：</a:t>
+            </a:r>
+            <a:endParaRPr kumimoji="1" lang="en-US" altLang="ja-JP" dirty="0"/>
+          </a:p>
+          <a:p>
+            <a:pPr lvl="2"/>
+            <a:r>
+              <a:rPr kumimoji="1" lang="ja-JP" altLang="en-US" dirty="0"/>
+              <a:t>その文までに文章中に出てきた情報</a:t>
+            </a:r>
+            <a:endParaRPr kumimoji="1" lang="en-US" altLang="ja-JP" dirty="0"/>
+          </a:p>
+          <a:p>
+            <a:pPr lvl="2"/>
+            <a:r>
+              <a:rPr kumimoji="1" lang="ja-JP" altLang="en-US" dirty="0"/>
+              <a:t>読者が元から知っている（と想定できる）情報</a:t>
+            </a:r>
+            <a:endParaRPr kumimoji="1" lang="en-US" altLang="ja-JP" dirty="0"/>
+          </a:p>
+          <a:p>
+            <a:pPr lvl="1"/>
+            <a:r>
+              <a:rPr lang="ja-JP" altLang="en-US" dirty="0"/>
+              <a:t>新しい情報：</a:t>
+            </a:r>
+            <a:endParaRPr lang="en-US" altLang="ja-JP" dirty="0"/>
+          </a:p>
+          <a:p>
+            <a:pPr lvl="2"/>
+            <a:r>
+              <a:rPr lang="ja-JP" altLang="en-US" dirty="0"/>
+              <a:t>まだ文章中に出てきていない情報</a:t>
+            </a:r>
+            <a:endParaRPr lang="en-US" altLang="ja-JP" dirty="0"/>
+          </a:p>
+          <a:p>
+            <a:r>
+              <a:rPr kumimoji="1" lang="ja-JP" altLang="en-US" dirty="0"/>
+              <a:t>文章の構造：</a:t>
+            </a:r>
+            <a:endParaRPr kumimoji="1" lang="en-US" altLang="ja-JP" dirty="0"/>
+          </a:p>
+          <a:p>
+            <a:pPr lvl="1"/>
+            <a:r>
+              <a:rPr lang="ja-JP" altLang="en-US" dirty="0"/>
+              <a:t>個々の文によって新しい情報を少しずつ足す</a:t>
+            </a:r>
+            <a:endParaRPr lang="en-US" altLang="ja-JP" dirty="0"/>
+          </a:p>
+          <a:p>
+            <a:pPr lvl="1"/>
+            <a:r>
+              <a:rPr lang="ja-JP" altLang="en-US" dirty="0"/>
+              <a:t>文の集まりである文章により大きな新しい情報を表現する</a:t>
+            </a:r>
+            <a:endParaRPr kumimoji="1" lang="en-US" altLang="ja-JP" dirty="0"/>
+          </a:p>
+          <a:p>
+            <a:r>
+              <a:rPr lang="ja-JP" altLang="en-US" dirty="0">
+                <a:solidFill>
+                  <a:schemeClr val="accent5"/>
+                </a:solidFill>
+              </a:rPr>
+              <a:t>「古い情報」を一切含まない文は基本的に文章中に現れない</a:t>
+            </a:r>
+            <a:endParaRPr kumimoji="1" lang="ja-JP" altLang="en-US" dirty="0">
+              <a:solidFill>
+                <a:schemeClr val="accent5"/>
+              </a:solidFill>
+            </a:endParaRPr>
           </a:p>
         </p:txBody>
       </p:sp>
     </p:spTree>
     <p:extLst>
       <p:ext uri="{BB962C8B-B14F-4D97-AF65-F5344CB8AC3E}">
-        <p14:creationId xmlns:p14="http://schemas.microsoft.com/office/powerpoint/2010/main" val="902104713"/>
+        <p14:creationId xmlns:p14="http://schemas.microsoft.com/office/powerpoint/2010/main" val="2172065855"/>
       </p:ext>
     </p:extLst>
   </p:cSld>
@@ -3882,10 +3954,10 @@
       </p:grpSpPr>
       <p:sp>
         <p:nvSpPr>
-          <p:cNvPr id="6" name="タイトル 5">
-            <a:extLst>
-              <a:ext uri="{FF2B5EF4-FFF2-40B4-BE49-F238E27FC236}">
-                <a16:creationId xmlns:a16="http://schemas.microsoft.com/office/drawing/2014/main" id="{D44FC4B2-BE5F-0B62-A30B-6488B98CA7F1}"/>
+          <p:cNvPr id="2" name="タイトル 1">
+            <a:extLst>
+              <a:ext uri="{FF2B5EF4-FFF2-40B4-BE49-F238E27FC236}">
+                <a16:creationId xmlns:a16="http://schemas.microsoft.com/office/drawing/2014/main" id="{29EE214D-6E7A-0357-0756-680B63295B42}"/>
               </a:ext>
             </a:extLst>
           </p:cNvPr>
@@ -3902,27 +3974,143 @@
           <a:lstStyle/>
           <a:p>
             <a:r>
-              <a:rPr lang="en-US" altLang="ja-JP" b="1" dirty="0"/>
-              <a:t>[B] </a:t>
-            </a:r>
-            <a:r>
-              <a:rPr lang="ja-JP" altLang="en-US" b="1" dirty="0"/>
-              <a:t>文の接続</a:t>
-            </a:r>
-            <a:endParaRPr lang="en-US" b="1" dirty="0"/>
+              <a:rPr lang="en-US" altLang="ja-JP" dirty="0"/>
+              <a:t>[B2] </a:t>
+            </a:r>
+            <a:r>
+              <a:rPr lang="ja-JP" altLang="en-US" dirty="0"/>
+              <a:t>文の接続の基本２：概観から詳細へ</a:t>
+            </a:r>
+            <a:endParaRPr kumimoji="1" lang="ja-JP" altLang="en-US" dirty="0"/>
+          </a:p>
+        </p:txBody>
+      </p:sp>
+      <p:sp>
+        <p:nvSpPr>
+          <p:cNvPr id="3" name="テキスト プレースホルダー 2">
+            <a:extLst>
+              <a:ext uri="{FF2B5EF4-FFF2-40B4-BE49-F238E27FC236}">
+                <a16:creationId xmlns:a16="http://schemas.microsoft.com/office/drawing/2014/main" id="{73E7C1C9-4BB8-6905-4AC9-D99FB1224F57}"/>
+              </a:ext>
+            </a:extLst>
+          </p:cNvPr>
+          <p:cNvSpPr>
+            <a:spLocks noGrp="1"/>
+          </p:cNvSpPr>
+          <p:nvPr>
+            <p:ph type="body" sz="quarter" idx="10"/>
+          </p:nvPr>
+        </p:nvSpPr>
+        <p:spPr/>
+        <p:txBody>
+          <a:bodyPr/>
+          <a:lstStyle/>
+          <a:p>
+            <a:r>
+              <a:rPr kumimoji="1" lang="ja-JP" altLang="en-US" dirty="0">
+                <a:solidFill>
+                  <a:schemeClr val="accent5"/>
+                </a:solidFill>
+              </a:rPr>
+              <a:t>概観を先に話してから，その詳細を次に話すのが鉄則</a:t>
+            </a:r>
+            <a:endParaRPr kumimoji="1" lang="en-US" altLang="ja-JP" dirty="0">
+              <a:solidFill>
+                <a:schemeClr val="accent5"/>
+              </a:solidFill>
+            </a:endParaRPr>
+          </a:p>
+          <a:p>
+            <a:pPr lvl="1"/>
+            <a:r>
+              <a:rPr kumimoji="1" lang="ja-JP" altLang="en-US" dirty="0"/>
+              <a:t>概観の例</a:t>
+            </a:r>
+            <a:endParaRPr kumimoji="1" lang="en-US" altLang="ja-JP" dirty="0"/>
+          </a:p>
+          <a:p>
+            <a:pPr lvl="2"/>
+            <a:r>
+              <a:rPr kumimoji="1" lang="ja-JP" altLang="en-US" dirty="0"/>
+              <a:t>おおざっぱに一言で言うとどう言う事か</a:t>
+            </a:r>
+            <a:endParaRPr kumimoji="1" lang="en-US" altLang="ja-JP" dirty="0"/>
+          </a:p>
+          <a:p>
+            <a:pPr lvl="2"/>
+            <a:r>
+              <a:rPr kumimoji="1" lang="ja-JP" altLang="en-US" dirty="0"/>
+              <a:t>なんの話題についてか</a:t>
+            </a:r>
+            <a:endParaRPr kumimoji="1" lang="en-US" altLang="ja-JP" dirty="0"/>
+          </a:p>
+          <a:p>
+            <a:pPr lvl="1"/>
+            <a:r>
+              <a:rPr kumimoji="1" lang="ja-JP" altLang="en-US" dirty="0"/>
+              <a:t>詳細の例</a:t>
+            </a:r>
+            <a:endParaRPr kumimoji="1" lang="en-US" altLang="ja-JP" dirty="0"/>
+          </a:p>
+          <a:p>
+            <a:pPr lvl="2"/>
+            <a:r>
+              <a:rPr kumimoji="1" lang="ja-JP" altLang="en-US" dirty="0"/>
+              <a:t>一言で言った内容の理由や内訳など</a:t>
+            </a:r>
+            <a:endParaRPr kumimoji="1" lang="en-US" altLang="ja-JP" dirty="0"/>
+          </a:p>
+          <a:p>
+            <a:r>
+              <a:rPr kumimoji="1" lang="ja-JP" altLang="en-US" dirty="0"/>
+              <a:t>逆にしてしまいがち</a:t>
+            </a:r>
+            <a:endParaRPr kumimoji="1" lang="en-US" altLang="ja-JP" dirty="0"/>
+          </a:p>
+          <a:p>
+            <a:pPr lvl="1"/>
+            <a:r>
+              <a:rPr kumimoji="1" lang="ja-JP" altLang="en-US" dirty="0"/>
+              <a:t>逆にすると，最後まで読むと意味が繋がって わかる文になる</a:t>
+            </a:r>
+            <a:endParaRPr kumimoji="1" lang="en-US" altLang="ja-JP" dirty="0"/>
+          </a:p>
+          <a:p>
+            <a:pPr lvl="1"/>
+            <a:r>
+              <a:rPr kumimoji="1" lang="ja-JP" altLang="en-US" dirty="0">
+                <a:solidFill>
+                  <a:schemeClr val="accent5"/>
+                </a:solidFill>
+              </a:rPr>
+              <a:t>これは脳内に情報を全部スタックしておく必要があり，非常にわかりにくい</a:t>
+            </a:r>
+            <a:endParaRPr kumimoji="1" lang="en-US" altLang="ja-JP" dirty="0">
+              <a:solidFill>
+                <a:schemeClr val="accent5"/>
+              </a:solidFill>
+            </a:endParaRPr>
           </a:p>
         </p:txBody>
       </p:sp>
     </p:spTree>
     <p:extLst>
       <p:ext uri="{BB962C8B-B14F-4D97-AF65-F5344CB8AC3E}">
-        <p14:creationId xmlns:p14="http://schemas.microsoft.com/office/powerpoint/2010/main" val="1455509777"/>
+        <p14:creationId xmlns:p14="http://schemas.microsoft.com/office/powerpoint/2010/main" val="3682535709"/>
       </p:ext>
     </p:extLst>
   </p:cSld>
   <p:clrMapOvr>
     <a:masterClrMapping/>
   </p:clrMapOvr>
+  <mc:AlternateContent xmlns:mc="http://schemas.openxmlformats.org/markup-compatibility/2006" xmlns:p14="http://schemas.microsoft.com/office/powerpoint/2010/main">
+    <mc:Choice Requires="p14">
+      <p:transition p14:dur="10"/>
+    </mc:Choice>
+    <mc:Fallback xmlns="">
+      <p:transition/>
+    </mc:Fallback>
+  </mc:AlternateContent>
 </p:sld>
 </file>
 
@@ -3948,7 +4136,7 @@
           <p:cNvPr id="2" name="タイトル 1">
             <a:extLst>
               <a:ext uri="{FF2B5EF4-FFF2-40B4-BE49-F238E27FC236}">
-                <a16:creationId xmlns:a16="http://schemas.microsoft.com/office/drawing/2014/main" id="{29EE214D-6E7A-0357-0756-680B63295B42}"/>
+                <a16:creationId xmlns:a16="http://schemas.microsoft.com/office/drawing/2014/main" id="{91D89DC0-3FD1-AEAA-2E43-17FD95F7ABA3}"/>
               </a:ext>
             </a:extLst>
           </p:cNvPr>
@@ -3965,14 +4153,9 @@
           <a:lstStyle/>
           <a:p>
             <a:r>
-              <a:rPr lang="en-US" altLang="ja-JP" dirty="0"/>
-              <a:t>[B1] </a:t>
-            </a:r>
-            <a:r>
-              <a:rPr lang="ja-JP" altLang="en-US" dirty="0"/>
-              <a:t>文の接続の基本１：古い情報と新しい情報</a:t>
-            </a:r>
-            <a:endParaRPr kumimoji="1" lang="ja-JP" altLang="en-US" dirty="0"/>
+              <a:rPr kumimoji="1" lang="ja-JP" altLang="en-US" dirty="0"/>
+              <a:t>各文を適切に接続する</a:t>
+            </a:r>
           </a:p>
         </p:txBody>
       </p:sp>
@@ -3981,7 +4164,7 @@
           <p:cNvPr id="3" name="テキスト プレースホルダー 2">
             <a:extLst>
               <a:ext uri="{FF2B5EF4-FFF2-40B4-BE49-F238E27FC236}">
-                <a16:creationId xmlns:a16="http://schemas.microsoft.com/office/drawing/2014/main" id="{73E7C1C9-4BB8-6905-4AC9-D99FB1224F57}"/>
+                <a16:creationId xmlns:a16="http://schemas.microsoft.com/office/drawing/2014/main" id="{5BC3025A-7B01-BA2E-4B61-9B87B1743DAB}"/>
               </a:ext>
             </a:extLst>
           </p:cNvPr>
@@ -3998,32 +4181,49 @@
           <a:lstStyle/>
           <a:p>
             <a:r>
-              <a:rPr lang="ja-JP" altLang="en-US" dirty="0">
-                <a:solidFill>
-                  <a:schemeClr val="accent5"/>
-                </a:solidFill>
-              </a:rPr>
-              <a:t>文や文章は「古い情報」に「新しい情報」を結びつける</a:t>
-            </a:r>
-            <a:endParaRPr lang="en-US" altLang="ja-JP" dirty="0">
-              <a:solidFill>
-                <a:schemeClr val="accent5"/>
-              </a:solidFill>
-            </a:endParaRPr>
+              <a:rPr kumimoji="1" lang="ja-JP" altLang="en-US" dirty="0"/>
+              <a:t>なにも考えずに文を短くするとぶつ切れになる</a:t>
+            </a:r>
+            <a:endParaRPr kumimoji="1" lang="en-US" altLang="ja-JP" dirty="0"/>
           </a:p>
           <a:p>
             <a:pPr lvl="1"/>
             <a:r>
               <a:rPr kumimoji="1" lang="ja-JP" altLang="en-US" dirty="0"/>
-              <a:t>古い情報：</a:t>
+              <a:t>元々なんとなく繋がっていた気がしていただけで，</a:t>
+            </a:r>
+            <a:br>
+              <a:rPr kumimoji="1" lang="en-US" altLang="ja-JP" dirty="0"/>
+            </a:br>
+            <a:r>
+              <a:rPr kumimoji="1" lang="ja-JP" altLang="en-US" dirty="0"/>
+              <a:t>実は論理的に接続されていないとこうなりがち</a:t>
             </a:r>
             <a:endParaRPr kumimoji="1" lang="en-US" altLang="ja-JP" dirty="0"/>
           </a:p>
           <a:p>
+            <a:r>
+              <a:rPr kumimoji="1" lang="ja-JP" altLang="en-US" dirty="0"/>
+              <a:t>文同士を接続する方法</a:t>
+            </a:r>
+            <a:endParaRPr kumimoji="1" lang="en-US" altLang="ja-JP" dirty="0"/>
+          </a:p>
+          <a:p>
+            <a:pPr marL="817200" lvl="1" indent="-457200">
+              <a:buFont typeface="+mj-lt"/>
+              <a:buAutoNum type="arabicPeriod"/>
+            </a:pPr>
+            <a:r>
+              <a:rPr kumimoji="1" lang="ja-JP" altLang="en-US" dirty="0"/>
+              <a:t>接続詞を適切に入れる</a:t>
+            </a:r>
+            <a:endParaRPr kumimoji="1" lang="en-US" altLang="ja-JP" dirty="0"/>
+          </a:p>
+          <a:p>
             <a:pPr lvl="2"/>
             <a:r>
               <a:rPr kumimoji="1" lang="ja-JP" altLang="en-US" dirty="0"/>
-              <a:t>その文までに文章中に出てきた情報</a:t>
+              <a:t>「したがって」</a:t>
             </a:r>
             <a:endParaRPr kumimoji="1" lang="en-US" altLang="ja-JP" dirty="0"/>
           </a:p>
@@ -4031,70 +4231,35 @@
             <a:pPr lvl="2"/>
             <a:r>
               <a:rPr kumimoji="1" lang="ja-JP" altLang="en-US" dirty="0"/>
-              <a:t>読者が元から知っている（と想定できる）情報</a:t>
+              <a:t>「なぜなら」</a:t>
             </a:r>
             <a:endParaRPr kumimoji="1" lang="en-US" altLang="ja-JP" dirty="0"/>
           </a:p>
           <a:p>
-            <a:pPr lvl="1"/>
-            <a:r>
-              <a:rPr lang="ja-JP" altLang="en-US" dirty="0"/>
-              <a:t>新しい情報：</a:t>
-            </a:r>
-            <a:endParaRPr lang="en-US" altLang="ja-JP" dirty="0"/>
-          </a:p>
-          <a:p>
             <a:pPr lvl="2"/>
             <a:r>
-              <a:rPr lang="ja-JP" altLang="en-US" dirty="0"/>
-              <a:t>まだ文章中に出てきていない情報</a:t>
-            </a:r>
-            <a:endParaRPr lang="en-US" altLang="ja-JP" dirty="0"/>
-          </a:p>
-          <a:p>
-            <a:r>
               <a:rPr kumimoji="1" lang="ja-JP" altLang="en-US" dirty="0"/>
-              <a:t>文章の構造：</a:t>
+              <a:t>「しかし」</a:t>
             </a:r>
             <a:endParaRPr kumimoji="1" lang="en-US" altLang="ja-JP" dirty="0"/>
           </a:p>
           <a:p>
-            <a:pPr lvl="1"/>
-            <a:r>
-              <a:rPr lang="ja-JP" altLang="en-US" dirty="0"/>
-              <a:t>個々の文によって新しい情報を少しずつ足す</a:t>
-            </a:r>
-            <a:endParaRPr lang="en-US" altLang="ja-JP" dirty="0"/>
-          </a:p>
-          <a:p>
-            <a:pPr lvl="1"/>
-            <a:r>
-              <a:rPr lang="ja-JP" altLang="en-US" dirty="0"/>
-              <a:t>文の集まりである文章により大きな新しい情報を表現する</a:t>
+            <a:pPr marL="817200" lvl="1" indent="-457200">
+              <a:buFont typeface="+mj-lt"/>
+              <a:buAutoNum type="arabicPeriod"/>
+            </a:pPr>
+            <a:r>
+              <a:rPr kumimoji="1" lang="ja-JP" altLang="en-US" dirty="0"/>
+              <a:t>文内の論理的な繋がりを使う</a:t>
             </a:r>
             <a:endParaRPr kumimoji="1" lang="en-US" altLang="ja-JP" dirty="0"/>
-          </a:p>
-          <a:p>
-            <a:r>
-              <a:rPr lang="ja-JP" altLang="en-US" dirty="0">
-                <a:solidFill>
-                  <a:schemeClr val="accent5"/>
-                </a:solidFill>
-              </a:rPr>
-              <a:t>「古い情報」を一切含まない文は基本的に文章中に現れない</a:t>
-            </a:r>
-            <a:endParaRPr kumimoji="1" lang="ja-JP" altLang="en-US" dirty="0">
-              <a:solidFill>
-                <a:schemeClr val="accent5"/>
-              </a:solidFill>
-            </a:endParaRPr>
           </a:p>
         </p:txBody>
       </p:sp>
     </p:spTree>
     <p:extLst>
       <p:ext uri="{BB962C8B-B14F-4D97-AF65-F5344CB8AC3E}">
-        <p14:creationId xmlns:p14="http://schemas.microsoft.com/office/powerpoint/2010/main" val="2172065855"/>
+        <p14:creationId xmlns:p14="http://schemas.microsoft.com/office/powerpoint/2010/main" val="308663371"/>
       </p:ext>
     </p:extLst>
   </p:cSld>
@@ -4134,7 +4299,7 @@
           <p:cNvPr id="2" name="タイトル 1">
             <a:extLst>
               <a:ext uri="{FF2B5EF4-FFF2-40B4-BE49-F238E27FC236}">
-                <a16:creationId xmlns:a16="http://schemas.microsoft.com/office/drawing/2014/main" id="{29EE214D-6E7A-0357-0756-680B63295B42}"/>
+                <a16:creationId xmlns:a16="http://schemas.microsoft.com/office/drawing/2014/main" id="{0AA3E805-C8B0-4B62-0EE7-64CFD041C187}"/>
               </a:ext>
             </a:extLst>
           </p:cNvPr>
@@ -4151,14 +4316,9 @@
           <a:lstStyle/>
           <a:p>
             <a:r>
-              <a:rPr lang="en-US" altLang="ja-JP" dirty="0"/>
-              <a:t>[B2] </a:t>
-            </a:r>
-            <a:r>
-              <a:rPr lang="ja-JP" altLang="en-US" dirty="0"/>
-              <a:t>文の接続の基本２：概観から詳細へ</a:t>
-            </a:r>
-            <a:endParaRPr kumimoji="1" lang="ja-JP" altLang="en-US" dirty="0"/>
+              <a:rPr kumimoji="1" lang="ja-JP" altLang="en-US" dirty="0"/>
+              <a:t>論理的な繋がりを使った文の接続１</a:t>
+            </a:r>
           </a:p>
         </p:txBody>
       </p:sp>
@@ -4167,7 +4327,7 @@
           <p:cNvPr id="3" name="テキスト プレースホルダー 2">
             <a:extLst>
               <a:ext uri="{FF2B5EF4-FFF2-40B4-BE49-F238E27FC236}">
-                <a16:creationId xmlns:a16="http://schemas.microsoft.com/office/drawing/2014/main" id="{73E7C1C9-4BB8-6905-4AC9-D99FB1224F57}"/>
+                <a16:creationId xmlns:a16="http://schemas.microsoft.com/office/drawing/2014/main" id="{60ADC020-2198-50F1-6F94-34B8CBB0F2D4}"/>
               </a:ext>
             </a:extLst>
           </p:cNvPr>
@@ -4184,14 +4344,14 @@
           <a:lstStyle/>
           <a:p>
             <a:r>
-              <a:rPr kumimoji="1" lang="ja-JP" altLang="en-US" dirty="0">
+              <a:rPr kumimoji="1" lang="ja-JP" altLang="en-US" sz="1800" dirty="0">
                 <a:solidFill>
                   <a:schemeClr val="accent5"/>
                 </a:solidFill>
               </a:rPr>
-              <a:t>概観を先に話してから，その詳細を次に話すのが鉄則</a:t>
-            </a:r>
-            <a:endParaRPr kumimoji="1" lang="en-US" altLang="ja-JP" dirty="0">
+              <a:t>そこより前の文に出てくる単語や事象を入れると自然に繋がる</a:t>
+            </a:r>
+            <a:endParaRPr kumimoji="1" lang="en-US" altLang="ja-JP" sz="1800" dirty="0">
               <a:solidFill>
                 <a:schemeClr val="accent5"/>
               </a:solidFill>
@@ -4200,80 +4360,156 @@
           <a:p>
             <a:pPr lvl="1"/>
             <a:r>
-              <a:rPr kumimoji="1" lang="ja-JP" altLang="en-US" dirty="0"/>
-              <a:t>概観の例</a:t>
-            </a:r>
-            <a:endParaRPr kumimoji="1" lang="en-US" altLang="ja-JP" dirty="0"/>
+              <a:rPr kumimoji="1" lang="ja-JP" altLang="en-US" sz="1800" dirty="0"/>
+              <a:t>そこまでの文の内容に新しい情報を付け足す形にする</a:t>
+            </a:r>
+            <a:endParaRPr kumimoji="1" lang="en-US" altLang="ja-JP" sz="1800" dirty="0"/>
+          </a:p>
+          <a:p>
+            <a:r>
+              <a:rPr kumimoji="1" lang="ja-JP" altLang="en-US" sz="1800" dirty="0"/>
+              <a:t>「</a:t>
+            </a:r>
+            <a:r>
+              <a:rPr kumimoji="1" lang="en-US" altLang="ja-JP" sz="1800" dirty="0"/>
+              <a:t>A </a:t>
+            </a:r>
+            <a:r>
+              <a:rPr kumimoji="1" lang="ja-JP" altLang="en-US" sz="1800" dirty="0"/>
+              <a:t>は </a:t>
+            </a:r>
+            <a:r>
+              <a:rPr kumimoji="1" lang="en-US" altLang="ja-JP" sz="1800" dirty="0"/>
+              <a:t>B </a:t>
+            </a:r>
+            <a:r>
+              <a:rPr kumimoji="1" lang="ja-JP" altLang="en-US" sz="1800" dirty="0"/>
+              <a:t>である．なぜなら </a:t>
+            </a:r>
+            <a:r>
+              <a:rPr lang="en-US" altLang="ja-JP" sz="1800" dirty="0"/>
+              <a:t>B </a:t>
+            </a:r>
+            <a:r>
+              <a:rPr lang="ja-JP" altLang="en-US" sz="1800" dirty="0"/>
+              <a:t>は </a:t>
+            </a:r>
+            <a:r>
+              <a:rPr lang="en-US" altLang="ja-JP" sz="1800" dirty="0"/>
+              <a:t>C </a:t>
+            </a:r>
+            <a:r>
+              <a:rPr lang="ja-JP" altLang="en-US" sz="1800" dirty="0"/>
+              <a:t>だからだ</a:t>
+            </a:r>
+            <a:r>
+              <a:rPr kumimoji="1" lang="ja-JP" altLang="en-US" sz="1800" dirty="0"/>
+              <a:t>」の後に繋げる文を考える</a:t>
+            </a:r>
+            <a:endParaRPr kumimoji="1" lang="en-US" altLang="ja-JP" sz="1800" dirty="0"/>
+          </a:p>
+          <a:p>
+            <a:pPr lvl="1"/>
+            <a:r>
+              <a:rPr kumimoji="1" lang="ja-JP" altLang="en-US" sz="1800" dirty="0"/>
+              <a:t>良い例：</a:t>
+            </a:r>
+            <a:endParaRPr kumimoji="1" lang="en-US" altLang="ja-JP" sz="1800" dirty="0"/>
           </a:p>
           <a:p>
             <a:pPr lvl="2"/>
             <a:r>
-              <a:rPr kumimoji="1" lang="ja-JP" altLang="en-US" dirty="0"/>
-              <a:t>おおざっぱに一言で言うとどう言う事か</a:t>
-            </a:r>
-            <a:endParaRPr kumimoji="1" lang="en-US" altLang="ja-JP" dirty="0"/>
+              <a:rPr kumimoji="1" lang="ja-JP" altLang="en-US" sz="1800" dirty="0"/>
+              <a:t>「この </a:t>
+            </a:r>
+            <a:r>
+              <a:rPr kumimoji="1" lang="en-US" altLang="ja-JP" sz="1800" dirty="0"/>
+              <a:t>B </a:t>
+            </a:r>
+            <a:r>
+              <a:rPr kumimoji="1" lang="ja-JP" altLang="en-US" sz="1800" dirty="0"/>
+              <a:t>は～という性質をもつ」</a:t>
+            </a:r>
+            <a:endParaRPr kumimoji="1" lang="en-US" altLang="ja-JP" sz="1800" dirty="0"/>
           </a:p>
           <a:p>
             <a:pPr lvl="2"/>
             <a:r>
-              <a:rPr kumimoji="1" lang="ja-JP" altLang="en-US" dirty="0"/>
-              <a:t>なんの話題についてか</a:t>
-            </a:r>
-            <a:endParaRPr kumimoji="1" lang="en-US" altLang="ja-JP" dirty="0"/>
+              <a:rPr kumimoji="1" lang="ja-JP" altLang="en-US" sz="1800" dirty="0"/>
+              <a:t>「この </a:t>
+            </a:r>
+            <a:r>
+              <a:rPr kumimoji="1" lang="en-US" altLang="ja-JP" sz="1800" dirty="0"/>
+              <a:t>C </a:t>
+            </a:r>
+            <a:r>
+              <a:rPr kumimoji="1" lang="ja-JP" altLang="en-US" sz="1800" dirty="0"/>
+              <a:t>は一般に </a:t>
+            </a:r>
+            <a:r>
+              <a:rPr kumimoji="1" lang="en-US" altLang="ja-JP" sz="1800" dirty="0"/>
+              <a:t>D </a:t>
+            </a:r>
+            <a:r>
+              <a:rPr kumimoji="1" lang="ja-JP" altLang="en-US" sz="1800" dirty="0"/>
+              <a:t>である」</a:t>
+            </a:r>
+            <a:endParaRPr kumimoji="1" lang="en-US" altLang="ja-JP" sz="1800" dirty="0"/>
           </a:p>
           <a:p>
             <a:pPr lvl="1"/>
             <a:r>
-              <a:rPr kumimoji="1" lang="ja-JP" altLang="en-US" dirty="0"/>
-              <a:t>詳細の例</a:t>
-            </a:r>
-            <a:endParaRPr kumimoji="1" lang="en-US" altLang="ja-JP" dirty="0"/>
+              <a:rPr kumimoji="1" lang="ja-JP" altLang="en-US" sz="1800" dirty="0"/>
+              <a:t>だめな例：</a:t>
+            </a:r>
+            <a:endParaRPr kumimoji="1" lang="en-US" altLang="ja-JP" sz="1800" dirty="0"/>
           </a:p>
           <a:p>
             <a:pPr lvl="2"/>
             <a:r>
-              <a:rPr kumimoji="1" lang="ja-JP" altLang="en-US" dirty="0"/>
-              <a:t>一言で言った内容の理由や内訳など</a:t>
-            </a:r>
-            <a:endParaRPr kumimoji="1" lang="en-US" altLang="ja-JP" dirty="0"/>
-          </a:p>
-          <a:p>
-            <a:r>
-              <a:rPr kumimoji="1" lang="ja-JP" altLang="en-US" dirty="0"/>
-              <a:t>逆にしてしまいがち</a:t>
-            </a:r>
-            <a:endParaRPr kumimoji="1" lang="en-US" altLang="ja-JP" dirty="0"/>
-          </a:p>
-          <a:p>
-            <a:pPr lvl="1"/>
-            <a:r>
-              <a:rPr kumimoji="1" lang="ja-JP" altLang="en-US" dirty="0"/>
-              <a:t>逆にすると，最後まで読むと意味が繋がって わかる文になる</a:t>
-            </a:r>
-            <a:endParaRPr kumimoji="1" lang="en-US" altLang="ja-JP" dirty="0"/>
-          </a:p>
-          <a:p>
-            <a:pPr lvl="1"/>
-            <a:r>
-              <a:rPr kumimoji="1" lang="ja-JP" altLang="en-US" dirty="0">
-                <a:solidFill>
-                  <a:schemeClr val="accent5"/>
-                </a:solidFill>
-              </a:rPr>
-              <a:t>これは脳内に情報を全部スタックしておく必要があり，非常にわかりにくい</a:t>
-            </a:r>
-            <a:endParaRPr kumimoji="1" lang="en-US" altLang="ja-JP" dirty="0">
-              <a:solidFill>
-                <a:schemeClr val="accent5"/>
-              </a:solidFill>
-            </a:endParaRPr>
+              <a:rPr kumimoji="1" lang="ja-JP" altLang="en-US" sz="1800" dirty="0"/>
+              <a:t>「</a:t>
+            </a:r>
+            <a:r>
+              <a:rPr kumimoji="1" lang="en-US" altLang="ja-JP" sz="1800" dirty="0"/>
+              <a:t>E </a:t>
+            </a:r>
+            <a:r>
+              <a:rPr kumimoji="1" lang="ja-JP" altLang="en-US" sz="1800" dirty="0"/>
+              <a:t>は </a:t>
+            </a:r>
+            <a:r>
+              <a:rPr kumimoji="1" lang="en-US" altLang="ja-JP" sz="1800" dirty="0"/>
+              <a:t>F </a:t>
+            </a:r>
+            <a:r>
+              <a:rPr kumimoji="1" lang="ja-JP" altLang="en-US" sz="1800" dirty="0"/>
+              <a:t>である」（</a:t>
+            </a:r>
+            <a:r>
+              <a:rPr kumimoji="1" lang="en-US" altLang="ja-JP" sz="1800" dirty="0"/>
+              <a:t>E </a:t>
+            </a:r>
+            <a:r>
+              <a:rPr kumimoji="1" lang="ja-JP" altLang="en-US" sz="1800" dirty="0"/>
+              <a:t>も </a:t>
+            </a:r>
+            <a:r>
+              <a:rPr kumimoji="1" lang="en-US" altLang="ja-JP" sz="1800" dirty="0"/>
+              <a:t>F </a:t>
+            </a:r>
+            <a:r>
+              <a:rPr kumimoji="1" lang="ja-JP" altLang="en-US" sz="1800" dirty="0"/>
+              <a:t>も初登場なので繋がってない）</a:t>
+            </a:r>
+            <a:endParaRPr kumimoji="1" lang="en-US" altLang="ja-JP" sz="1800" dirty="0"/>
           </a:p>
         </p:txBody>
       </p:sp>
     </p:spTree>
     <p:extLst>
       <p:ext uri="{BB962C8B-B14F-4D97-AF65-F5344CB8AC3E}">
-        <p14:creationId xmlns:p14="http://schemas.microsoft.com/office/powerpoint/2010/main" val="3682535709"/>
+        <p14:creationId xmlns:p14="http://schemas.microsoft.com/office/powerpoint/2010/main" val="1530409555"/>
       </p:ext>
     </p:extLst>
   </p:cSld>
@@ -4313,7 +4549,7 @@
           <p:cNvPr id="2" name="タイトル 1">
             <a:extLst>
               <a:ext uri="{FF2B5EF4-FFF2-40B4-BE49-F238E27FC236}">
-                <a16:creationId xmlns:a16="http://schemas.microsoft.com/office/drawing/2014/main" id="{91D89DC0-3FD1-AEAA-2E43-17FD95F7ABA3}"/>
+                <a16:creationId xmlns:a16="http://schemas.microsoft.com/office/drawing/2014/main" id="{0AA3E805-C8B0-4B62-0EE7-64CFD041C187}"/>
               </a:ext>
             </a:extLst>
           </p:cNvPr>
@@ -4331,7 +4567,7 @@
           <a:p>
             <a:r>
               <a:rPr kumimoji="1" lang="ja-JP" altLang="en-US" dirty="0"/>
-              <a:t>各文を適切に接続する</a:t>
+              <a:t>論理的な繋がりを使った文の接続２</a:t>
             </a:r>
           </a:p>
         </p:txBody>
@@ -4341,7 +4577,7 @@
           <p:cNvPr id="3" name="テキスト プレースホルダー 2">
             <a:extLst>
               <a:ext uri="{FF2B5EF4-FFF2-40B4-BE49-F238E27FC236}">
-                <a16:creationId xmlns:a16="http://schemas.microsoft.com/office/drawing/2014/main" id="{5BC3025A-7B01-BA2E-4B61-9B87B1743DAB}"/>
+                <a16:creationId xmlns:a16="http://schemas.microsoft.com/office/drawing/2014/main" id="{60ADC020-2198-50F1-6F94-34B8CBB0F2D4}"/>
               </a:ext>
             </a:extLst>
           </p:cNvPr>
@@ -4358,85 +4594,164 @@
           <a:lstStyle/>
           <a:p>
             <a:r>
-              <a:rPr kumimoji="1" lang="ja-JP" altLang="en-US" dirty="0"/>
-              <a:t>なにも考えずに文を短くするとぶつ切れになる</a:t>
-            </a:r>
-            <a:endParaRPr kumimoji="1" lang="en-US" altLang="ja-JP" dirty="0"/>
+              <a:rPr kumimoji="1" lang="ja-JP" altLang="en-US" sz="1800" dirty="0">
+                <a:solidFill>
+                  <a:schemeClr val="accent5"/>
+                </a:solidFill>
+              </a:rPr>
+              <a:t>各文内の前の方に，（なるべく近くの）既出の単語や事象を置く</a:t>
+            </a:r>
+            <a:endParaRPr kumimoji="1" lang="en-US" altLang="ja-JP" sz="1800" dirty="0"/>
           </a:p>
           <a:p>
             <a:pPr lvl="1"/>
             <a:r>
-              <a:rPr kumimoji="1" lang="ja-JP" altLang="en-US" dirty="0"/>
-              <a:t>元々なんとなく繋がっていた気がしていただけで，</a:t>
-            </a:r>
-            <a:br>
-              <a:rPr kumimoji="1" lang="en-US" altLang="ja-JP" dirty="0"/>
-            </a:br>
-            <a:r>
-              <a:rPr kumimoji="1" lang="ja-JP" altLang="en-US" dirty="0"/>
-              <a:t>実は論理的に接続されていないとこうなりがち</a:t>
-            </a:r>
-            <a:endParaRPr kumimoji="1" lang="en-US" altLang="ja-JP" dirty="0"/>
-          </a:p>
-          <a:p>
-            <a:r>
-              <a:rPr kumimoji="1" lang="ja-JP" altLang="en-US" dirty="0"/>
-              <a:t>文同士を接続する方法</a:t>
-            </a:r>
-            <a:endParaRPr kumimoji="1" lang="en-US" altLang="ja-JP" dirty="0"/>
-          </a:p>
-          <a:p>
-            <a:pPr marL="817200" lvl="1" indent="-457200">
-              <a:buFont typeface="+mj-lt"/>
-              <a:buAutoNum type="arabicPeriod"/>
-            </a:pPr>
-            <a:r>
-              <a:rPr kumimoji="1" lang="ja-JP" altLang="en-US" dirty="0"/>
-              <a:t>接続詞を適切に入れる</a:t>
-            </a:r>
-            <a:endParaRPr kumimoji="1" lang="en-US" altLang="ja-JP" dirty="0"/>
+              <a:rPr kumimoji="1" lang="ja-JP" altLang="en-US" sz="1800" dirty="0"/>
+              <a:t>既出の単語が，長い文の後半で初めて出てくるのは良くない</a:t>
+            </a:r>
+            <a:endParaRPr kumimoji="1" lang="en-US" altLang="ja-JP" sz="1800" dirty="0"/>
+          </a:p>
+          <a:p>
+            <a:pPr lvl="1"/>
+            <a:r>
+              <a:rPr kumimoji="1" lang="ja-JP" altLang="en-US" sz="1800" dirty="0"/>
+              <a:t>その文を最後まで読まないと，接続関係がわからない</a:t>
+            </a:r>
+            <a:endParaRPr kumimoji="1" lang="en-US" altLang="ja-JP" sz="1800" dirty="0"/>
+          </a:p>
+          <a:p>
+            <a:r>
+              <a:rPr kumimoji="1" lang="ja-JP" altLang="en-US" sz="1800" dirty="0"/>
+              <a:t>また「</a:t>
+            </a:r>
+            <a:r>
+              <a:rPr kumimoji="1" lang="en-US" altLang="ja-JP" sz="1800" dirty="0"/>
+              <a:t>A </a:t>
+            </a:r>
+            <a:r>
+              <a:rPr kumimoji="1" lang="ja-JP" altLang="en-US" sz="1800" dirty="0"/>
+              <a:t>は </a:t>
+            </a:r>
+            <a:r>
+              <a:rPr kumimoji="1" lang="en-US" altLang="ja-JP" sz="1800" dirty="0"/>
+              <a:t>B </a:t>
+            </a:r>
+            <a:r>
+              <a:rPr kumimoji="1" lang="ja-JP" altLang="en-US" sz="1800" dirty="0"/>
+              <a:t>である．なぜなら </a:t>
+            </a:r>
+            <a:r>
+              <a:rPr lang="en-US" altLang="ja-JP" sz="1800" dirty="0"/>
+              <a:t>B </a:t>
+            </a:r>
+            <a:r>
+              <a:rPr lang="ja-JP" altLang="en-US" sz="1800" dirty="0"/>
+              <a:t>は </a:t>
+            </a:r>
+            <a:r>
+              <a:rPr lang="en-US" altLang="ja-JP" sz="1800" b="1" dirty="0">
+                <a:solidFill>
+                  <a:schemeClr val="accent5"/>
+                </a:solidFill>
+              </a:rPr>
+              <a:t>C</a:t>
+            </a:r>
+            <a:r>
+              <a:rPr lang="en-US" altLang="ja-JP" sz="1800" dirty="0"/>
+              <a:t> </a:t>
+            </a:r>
+            <a:r>
+              <a:rPr lang="ja-JP" altLang="en-US" sz="1800" dirty="0"/>
+              <a:t>だからだ</a:t>
+            </a:r>
+            <a:r>
+              <a:rPr kumimoji="1" lang="ja-JP" altLang="en-US" sz="1800" dirty="0"/>
+              <a:t>」の後に繋げる文を考える</a:t>
+            </a:r>
+            <a:endParaRPr kumimoji="1" lang="en-US" altLang="ja-JP" sz="1800" dirty="0"/>
+          </a:p>
+          <a:p>
+            <a:pPr lvl="1"/>
+            <a:r>
+              <a:rPr kumimoji="1" lang="ja-JP" altLang="en-US" sz="1800" dirty="0"/>
+              <a:t>だめな例：</a:t>
+            </a:r>
+            <a:endParaRPr kumimoji="1" lang="en-US" altLang="ja-JP" sz="1800" dirty="0"/>
           </a:p>
           <a:p>
             <a:pPr lvl="2"/>
             <a:r>
-              <a:rPr kumimoji="1" lang="ja-JP" altLang="en-US" dirty="0"/>
-              <a:t>「したがって」</a:t>
-            </a:r>
-            <a:endParaRPr kumimoji="1" lang="en-US" altLang="ja-JP" dirty="0"/>
+              <a:rPr kumimoji="1" lang="ja-JP" altLang="en-US" sz="1800" dirty="0"/>
+              <a:t>「～は～であり，そのため～は </a:t>
+            </a:r>
+            <a:r>
+              <a:rPr kumimoji="1" lang="en-US" altLang="ja-JP" sz="1800" b="1" dirty="0">
+                <a:solidFill>
+                  <a:schemeClr val="accent5"/>
+                </a:solidFill>
+              </a:rPr>
+              <a:t>C</a:t>
+            </a:r>
+            <a:r>
+              <a:rPr kumimoji="1" lang="en-US" altLang="ja-JP" sz="1800" dirty="0"/>
+              <a:t> </a:t>
+            </a:r>
+            <a:r>
+              <a:rPr kumimoji="1" lang="ja-JP" altLang="en-US" sz="1800" dirty="0"/>
+              <a:t>である」</a:t>
+            </a:r>
+            <a:endParaRPr kumimoji="1" lang="en-US" altLang="ja-JP" sz="1800" dirty="0"/>
           </a:p>
           <a:p>
             <a:pPr lvl="2"/>
             <a:r>
-              <a:rPr kumimoji="1" lang="ja-JP" altLang="en-US" dirty="0"/>
-              <a:t>「なぜなら」</a:t>
-            </a:r>
-            <a:endParaRPr kumimoji="1" lang="en-US" altLang="ja-JP" dirty="0"/>
+              <a:rPr kumimoji="1" lang="en-US" altLang="ja-JP" sz="1800" dirty="0"/>
+              <a:t>C </a:t>
+            </a:r>
+            <a:r>
+              <a:rPr kumimoji="1" lang="ja-JP" altLang="en-US" sz="1800" dirty="0"/>
+              <a:t>が最後に出てくるので，そこまで読まないと関係がわからない</a:t>
+            </a:r>
+            <a:endParaRPr kumimoji="1" lang="en-US" altLang="ja-JP" sz="1800" dirty="0"/>
+          </a:p>
+          <a:p>
+            <a:pPr lvl="1"/>
+            <a:r>
+              <a:rPr kumimoji="1" lang="ja-JP" altLang="en-US" sz="1800" dirty="0"/>
+              <a:t>良い例：</a:t>
+            </a:r>
+            <a:endParaRPr kumimoji="1" lang="en-US" altLang="ja-JP" sz="1800" dirty="0"/>
           </a:p>
           <a:p>
             <a:pPr lvl="2"/>
             <a:r>
-              <a:rPr kumimoji="1" lang="ja-JP" altLang="en-US" dirty="0"/>
-              <a:t>「しかし」</a:t>
-            </a:r>
-            <a:endParaRPr kumimoji="1" lang="en-US" altLang="ja-JP" dirty="0"/>
-          </a:p>
-          <a:p>
-            <a:pPr marL="817200" lvl="1" indent="-457200">
-              <a:buFont typeface="+mj-lt"/>
-              <a:buAutoNum type="arabicPeriod"/>
-            </a:pPr>
-            <a:r>
-              <a:rPr kumimoji="1" lang="ja-JP" altLang="en-US" dirty="0"/>
-              <a:t>文内の論理的な繋がりを使う</a:t>
-            </a:r>
-            <a:endParaRPr kumimoji="1" lang="en-US" altLang="ja-JP" dirty="0"/>
+              <a:rPr kumimoji="1" lang="ja-JP" altLang="en-US" sz="1800" dirty="0"/>
+              <a:t>「～は </a:t>
+            </a:r>
+            <a:r>
+              <a:rPr kumimoji="1" lang="en-US" altLang="ja-JP" sz="1800" b="1" dirty="0">
+                <a:solidFill>
+                  <a:schemeClr val="accent5"/>
+                </a:solidFill>
+              </a:rPr>
+              <a:t>C</a:t>
+            </a:r>
+            <a:r>
+              <a:rPr kumimoji="1" lang="en-US" altLang="ja-JP" sz="1800" dirty="0"/>
+              <a:t> </a:t>
+            </a:r>
+            <a:r>
+              <a:rPr kumimoji="1" lang="ja-JP" altLang="en-US" sz="1800" dirty="0"/>
+              <a:t>である．なぜなら～は～であるためである」</a:t>
+            </a:r>
+            <a:endParaRPr kumimoji="1" lang="en-US" altLang="ja-JP" sz="1800" dirty="0"/>
           </a:p>
         </p:txBody>
       </p:sp>
     </p:spTree>
     <p:extLst>
       <p:ext uri="{BB962C8B-B14F-4D97-AF65-F5344CB8AC3E}">
-        <p14:creationId xmlns:p14="http://schemas.microsoft.com/office/powerpoint/2010/main" val="308663371"/>
+        <p14:creationId xmlns:p14="http://schemas.microsoft.com/office/powerpoint/2010/main" val="3414039066"/>
       </p:ext>
     </p:extLst>
   </p:cSld>
@@ -4476,7 +4791,7 @@
           <p:cNvPr id="2" name="タイトル 1">
             <a:extLst>
               <a:ext uri="{FF2B5EF4-FFF2-40B4-BE49-F238E27FC236}">
-                <a16:creationId xmlns:a16="http://schemas.microsoft.com/office/drawing/2014/main" id="{0AA3E805-C8B0-4B62-0EE7-64CFD041C187}"/>
+                <a16:creationId xmlns:a16="http://schemas.microsoft.com/office/drawing/2014/main" id="{97F43A36-1241-4642-C35D-F2423024AF7E}"/>
               </a:ext>
             </a:extLst>
           </p:cNvPr>
@@ -4494,7 +4809,7 @@
           <a:p>
             <a:r>
               <a:rPr kumimoji="1" lang="ja-JP" altLang="en-US" dirty="0"/>
-              <a:t>論理的な繋がりを使った文の接続１</a:t>
+              <a:t>論理的な繋がりを使った文の接続３</a:t>
             </a:r>
           </a:p>
         </p:txBody>
@@ -4504,7 +4819,7 @@
           <p:cNvPr id="3" name="テキスト プレースホルダー 2">
             <a:extLst>
               <a:ext uri="{FF2B5EF4-FFF2-40B4-BE49-F238E27FC236}">
-                <a16:creationId xmlns:a16="http://schemas.microsoft.com/office/drawing/2014/main" id="{60ADC020-2198-50F1-6F94-34B8CBB0F2D4}"/>
+                <a16:creationId xmlns:a16="http://schemas.microsoft.com/office/drawing/2014/main" id="{0AE5F184-FC3A-2542-0079-3B39E1BBBD63}"/>
               </a:ext>
             </a:extLst>
           </p:cNvPr>
@@ -4521,172 +4836,175 @@
           <a:lstStyle/>
           <a:p>
             <a:r>
-              <a:rPr kumimoji="1" lang="ja-JP" altLang="en-US" sz="1800" dirty="0">
-                <a:solidFill>
-                  <a:schemeClr val="accent5"/>
-                </a:solidFill>
-              </a:rPr>
-              <a:t>そこより前の文に出てくる単語や事象を入れると自然に繋がる</a:t>
-            </a:r>
-            <a:endParaRPr kumimoji="1" lang="en-US" altLang="ja-JP" sz="1800" dirty="0">
-              <a:solidFill>
-                <a:schemeClr val="accent5"/>
-              </a:solidFill>
-            </a:endParaRPr>
+              <a:rPr kumimoji="1" lang="ja-JP" altLang="en-US" dirty="0"/>
+              <a:t>最初に要素や単語を列挙してから，ぶらさげる</a:t>
+            </a:r>
+            <a:endParaRPr kumimoji="1" lang="en-US" altLang="ja-JP" dirty="0"/>
           </a:p>
           <a:p>
             <a:pPr lvl="1"/>
             <a:r>
-              <a:rPr kumimoji="1" lang="ja-JP" altLang="en-US" sz="1800" dirty="0"/>
-              <a:t>そこまでの文の内容に新しい情報を付け足す形にする</a:t>
-            </a:r>
-            <a:endParaRPr kumimoji="1" lang="en-US" altLang="ja-JP" sz="1800" dirty="0"/>
-          </a:p>
-          <a:p>
-            <a:r>
-              <a:rPr kumimoji="1" lang="ja-JP" altLang="en-US" sz="1800" dirty="0"/>
+              <a:rPr kumimoji="1" lang="ja-JP" altLang="en-US" dirty="0"/>
+              <a:t>この後ろに列挙した要素の説明がくることが自然に伝わる</a:t>
+            </a:r>
+            <a:endParaRPr kumimoji="1" lang="en-US" altLang="ja-JP" dirty="0"/>
+          </a:p>
+          <a:p>
+            <a:r>
+              <a:rPr kumimoji="1" lang="ja-JP" altLang="en-US" dirty="0"/>
+              <a:t>例：</a:t>
+            </a:r>
+            <a:endParaRPr kumimoji="1" lang="en-US" altLang="ja-JP" dirty="0"/>
+          </a:p>
+          <a:p>
+            <a:pPr lvl="1"/>
+            <a:r>
+              <a:rPr kumimoji="1" lang="ja-JP" altLang="en-US" dirty="0"/>
               <a:t>「</a:t>
             </a:r>
             <a:r>
-              <a:rPr kumimoji="1" lang="en-US" altLang="ja-JP" sz="1800" dirty="0"/>
+              <a:rPr kumimoji="1" lang="en-US" altLang="ja-JP" dirty="0"/>
               <a:t>A </a:t>
             </a:r>
             <a:r>
-              <a:rPr kumimoji="1" lang="ja-JP" altLang="en-US" sz="1800" dirty="0"/>
-              <a:t>は </a:t>
-            </a:r>
-            <a:r>
-              <a:rPr kumimoji="1" lang="en-US" altLang="ja-JP" sz="1800" dirty="0"/>
+              <a:rPr kumimoji="1" lang="ja-JP" altLang="en-US" dirty="0"/>
+              <a:t>には </a:t>
+            </a:r>
+            <a:r>
+              <a:rPr kumimoji="1" lang="en-US" altLang="ja-JP" dirty="0"/>
               <a:t>B </a:t>
             </a:r>
             <a:r>
-              <a:rPr kumimoji="1" lang="ja-JP" altLang="en-US" sz="1800" dirty="0"/>
-              <a:t>である．なぜなら </a:t>
-            </a:r>
-            <a:r>
-              <a:rPr lang="en-US" altLang="ja-JP" sz="1800" dirty="0"/>
+              <a:rPr kumimoji="1" lang="ja-JP" altLang="en-US" dirty="0"/>
+              <a:t>と </a:t>
+            </a:r>
+            <a:r>
+              <a:rPr kumimoji="1" lang="en-US" altLang="ja-JP" dirty="0"/>
+              <a:t>C </a:t>
+            </a:r>
+            <a:r>
+              <a:rPr kumimoji="1" lang="ja-JP" altLang="en-US" dirty="0"/>
+              <a:t>がある」</a:t>
+            </a:r>
+            <a:endParaRPr kumimoji="1" lang="en-US" altLang="ja-JP" dirty="0"/>
+          </a:p>
+          <a:p>
+            <a:pPr lvl="2"/>
+            <a:r>
+              <a:rPr kumimoji="1" lang="ja-JP" altLang="en-US" dirty="0"/>
+              <a:t>「</a:t>
+            </a:r>
+            <a:r>
+              <a:rPr kumimoji="1" lang="en-US" altLang="ja-JP" dirty="0"/>
               <a:t>B </a:t>
             </a:r>
             <a:r>
-              <a:rPr lang="ja-JP" altLang="en-US" sz="1800" dirty="0"/>
-              <a:t>は </a:t>
-            </a:r>
-            <a:r>
-              <a:rPr lang="en-US" altLang="ja-JP" sz="1800" dirty="0"/>
+              <a:rPr kumimoji="1" lang="ja-JP" altLang="en-US" dirty="0"/>
+              <a:t>は～である」</a:t>
+            </a:r>
+            <a:endParaRPr kumimoji="1" lang="en-US" altLang="ja-JP" dirty="0"/>
+          </a:p>
+          <a:p>
+            <a:pPr lvl="2"/>
+            <a:r>
+              <a:rPr kumimoji="1" lang="ja-JP" altLang="en-US" dirty="0"/>
+              <a:t>「一方で </a:t>
+            </a:r>
+            <a:r>
+              <a:rPr kumimoji="1" lang="en-US" altLang="ja-JP" dirty="0"/>
               <a:t>C </a:t>
             </a:r>
             <a:r>
-              <a:rPr lang="ja-JP" altLang="en-US" sz="1800" dirty="0"/>
-              <a:t>だからだ</a:t>
-            </a:r>
-            <a:r>
-              <a:rPr kumimoji="1" lang="ja-JP" altLang="en-US" sz="1800" dirty="0"/>
-              <a:t>」の後に繋げる文を考える</a:t>
-            </a:r>
-            <a:endParaRPr kumimoji="1" lang="en-US" altLang="ja-JP" sz="1800" dirty="0"/>
+              <a:rPr kumimoji="1" lang="ja-JP" altLang="en-US" dirty="0"/>
+              <a:t>は～である」</a:t>
+            </a:r>
+            <a:br>
+              <a:rPr kumimoji="1" lang="en-US" altLang="ja-JP" dirty="0"/>
+            </a:br>
+            <a:endParaRPr kumimoji="1" lang="en-US" altLang="ja-JP" dirty="0"/>
           </a:p>
           <a:p>
             <a:pPr lvl="1"/>
             <a:r>
-              <a:rPr kumimoji="1" lang="ja-JP" altLang="en-US" sz="1800" dirty="0"/>
-              <a:t>良い例：</a:t>
-            </a:r>
-            <a:endParaRPr kumimoji="1" lang="en-US" altLang="ja-JP" sz="1800" dirty="0"/>
+              <a:rPr kumimoji="1" lang="ja-JP" altLang="en-US" dirty="0"/>
+              <a:t>「～は以下の手順で行われる」</a:t>
+            </a:r>
+            <a:endParaRPr kumimoji="1" lang="en-US" altLang="ja-JP" dirty="0"/>
           </a:p>
           <a:p>
             <a:pPr lvl="2"/>
             <a:r>
-              <a:rPr kumimoji="1" lang="ja-JP" altLang="en-US" sz="1800" dirty="0"/>
-              <a:t>「この </a:t>
-            </a:r>
-            <a:r>
-              <a:rPr kumimoji="1" lang="en-US" altLang="ja-JP" sz="1800" dirty="0"/>
-              <a:t>B </a:t>
-            </a:r>
-            <a:r>
-              <a:rPr kumimoji="1" lang="ja-JP" altLang="en-US" sz="1800" dirty="0"/>
-              <a:t>は～という性質をもつ」</a:t>
-            </a:r>
-            <a:endParaRPr kumimoji="1" lang="en-US" altLang="ja-JP" sz="1800" dirty="0"/>
+              <a:rPr kumimoji="1" lang="ja-JP" altLang="en-US" dirty="0"/>
+              <a:t>「</a:t>
+            </a:r>
+            <a:r>
+              <a:rPr kumimoji="1" lang="en-US" altLang="ja-JP" dirty="0"/>
+              <a:t>1.</a:t>
+            </a:r>
+            <a:r>
+              <a:rPr kumimoji="1" lang="ja-JP" altLang="en-US" dirty="0"/>
+              <a:t>」「</a:t>
+            </a:r>
+            <a:r>
+              <a:rPr kumimoji="1" lang="en-US" altLang="ja-JP" dirty="0"/>
+              <a:t>2.</a:t>
+            </a:r>
+            <a:r>
+              <a:rPr kumimoji="1" lang="ja-JP" altLang="en-US" dirty="0"/>
+              <a:t>」「</a:t>
+            </a:r>
+            <a:r>
+              <a:rPr kumimoji="1" lang="en-US" altLang="ja-JP" dirty="0"/>
+              <a:t>3.</a:t>
+            </a:r>
+            <a:r>
+              <a:rPr kumimoji="1" lang="ja-JP" altLang="en-US" dirty="0"/>
+              <a:t>」</a:t>
+            </a:r>
+            <a:endParaRPr kumimoji="1" lang="en-US" altLang="ja-JP" dirty="0"/>
+          </a:p>
+          <a:p>
+            <a:pPr lvl="1"/>
+            <a:r>
+              <a:rPr kumimoji="1" lang="ja-JP" altLang="en-US" dirty="0"/>
+              <a:t>「～は以下の２つの理由からなる」</a:t>
+            </a:r>
+            <a:endParaRPr kumimoji="1" lang="en-US" altLang="ja-JP" dirty="0"/>
           </a:p>
           <a:p>
             <a:pPr lvl="2"/>
             <a:r>
-              <a:rPr kumimoji="1" lang="ja-JP" altLang="en-US" sz="1800" dirty="0"/>
-              <a:t>「この </a:t>
-            </a:r>
-            <a:r>
-              <a:rPr kumimoji="1" lang="en-US" altLang="ja-JP" sz="1800" dirty="0"/>
-              <a:t>C </a:t>
-            </a:r>
-            <a:r>
-              <a:rPr kumimoji="1" lang="ja-JP" altLang="en-US" sz="1800" dirty="0"/>
-              <a:t>は一般に </a:t>
-            </a:r>
-            <a:r>
-              <a:rPr kumimoji="1" lang="en-US" altLang="ja-JP" sz="1800" dirty="0"/>
-              <a:t>D </a:t>
-            </a:r>
-            <a:r>
-              <a:rPr kumimoji="1" lang="ja-JP" altLang="en-US" sz="1800" dirty="0"/>
-              <a:t>である」</a:t>
-            </a:r>
-            <a:endParaRPr kumimoji="1" lang="en-US" altLang="ja-JP" sz="1800" dirty="0"/>
+              <a:rPr kumimoji="1" lang="ja-JP" altLang="en-US" dirty="0"/>
+              <a:t>「</a:t>
+            </a:r>
+            <a:r>
+              <a:rPr kumimoji="1" lang="en-US" altLang="ja-JP" dirty="0"/>
+              <a:t>1.</a:t>
+            </a:r>
+            <a:r>
+              <a:rPr kumimoji="1" lang="ja-JP" altLang="en-US" dirty="0"/>
+              <a:t>」「</a:t>
+            </a:r>
+            <a:r>
+              <a:rPr kumimoji="1" lang="en-US" altLang="ja-JP" dirty="0"/>
+              <a:t>2.</a:t>
+            </a:r>
+            <a:r>
+              <a:rPr kumimoji="1" lang="ja-JP" altLang="en-US" dirty="0"/>
+              <a:t>」</a:t>
+            </a:r>
+            <a:endParaRPr kumimoji="1" lang="en-US" altLang="ja-JP" dirty="0"/>
           </a:p>
           <a:p>
             <a:pPr lvl="1"/>
-            <a:r>
-              <a:rPr kumimoji="1" lang="ja-JP" altLang="en-US" sz="1800" dirty="0"/>
-              <a:t>だめな例：</a:t>
-            </a:r>
-            <a:endParaRPr kumimoji="1" lang="en-US" altLang="ja-JP" sz="1800" dirty="0"/>
-          </a:p>
-          <a:p>
-            <a:pPr lvl="2"/>
-            <a:r>
-              <a:rPr kumimoji="1" lang="ja-JP" altLang="en-US" sz="1800" dirty="0"/>
-              <a:t>「</a:t>
-            </a:r>
-            <a:r>
-              <a:rPr kumimoji="1" lang="en-US" altLang="ja-JP" sz="1800" dirty="0"/>
-              <a:t>E </a:t>
-            </a:r>
-            <a:r>
-              <a:rPr kumimoji="1" lang="ja-JP" altLang="en-US" sz="1800" dirty="0"/>
-              <a:t>は </a:t>
-            </a:r>
-            <a:r>
-              <a:rPr kumimoji="1" lang="en-US" altLang="ja-JP" sz="1800" dirty="0"/>
-              <a:t>F </a:t>
-            </a:r>
-            <a:r>
-              <a:rPr kumimoji="1" lang="ja-JP" altLang="en-US" sz="1800" dirty="0"/>
-              <a:t>である」（</a:t>
-            </a:r>
-            <a:r>
-              <a:rPr kumimoji="1" lang="en-US" altLang="ja-JP" sz="1800" dirty="0"/>
-              <a:t>E </a:t>
-            </a:r>
-            <a:r>
-              <a:rPr kumimoji="1" lang="ja-JP" altLang="en-US" sz="1800" dirty="0"/>
-              <a:t>も </a:t>
-            </a:r>
-            <a:r>
-              <a:rPr kumimoji="1" lang="en-US" altLang="ja-JP" sz="1800" dirty="0"/>
-              <a:t>F </a:t>
-            </a:r>
-            <a:r>
-              <a:rPr kumimoji="1" lang="ja-JP" altLang="en-US" sz="1800" dirty="0"/>
-              <a:t>も初登場なので繋がってない）</a:t>
-            </a:r>
-            <a:endParaRPr kumimoji="1" lang="en-US" altLang="ja-JP" sz="1800" dirty="0"/>
+            <a:endParaRPr kumimoji="1" lang="ja-JP" altLang="en-US" dirty="0"/>
           </a:p>
         </p:txBody>
       </p:sp>
     </p:spTree>
     <p:extLst>
       <p:ext uri="{BB962C8B-B14F-4D97-AF65-F5344CB8AC3E}">
-        <p14:creationId xmlns:p14="http://schemas.microsoft.com/office/powerpoint/2010/main" val="1530409555"/>
+        <p14:creationId xmlns:p14="http://schemas.microsoft.com/office/powerpoint/2010/main" val="2236628389"/>
       </p:ext>
     </p:extLst>
   </p:cSld>
@@ -4723,10 +5041,10 @@
       </p:grpSpPr>
       <p:sp>
         <p:nvSpPr>
-          <p:cNvPr id="2" name="タイトル 1">
-            <a:extLst>
-              <a:ext uri="{FF2B5EF4-FFF2-40B4-BE49-F238E27FC236}">
-                <a16:creationId xmlns:a16="http://schemas.microsoft.com/office/drawing/2014/main" id="{0AA3E805-C8B0-4B62-0EE7-64CFD041C187}"/>
+          <p:cNvPr id="6" name="タイトル 5">
+            <a:extLst>
+              <a:ext uri="{FF2B5EF4-FFF2-40B4-BE49-F238E27FC236}">
+                <a16:creationId xmlns:a16="http://schemas.microsoft.com/office/drawing/2014/main" id="{D44FC4B2-BE5F-0B62-A30B-6488B98CA7F1}"/>
               </a:ext>
             </a:extLst>
           </p:cNvPr>
@@ -4743,206 +5061,27 @@
           <a:lstStyle/>
           <a:p>
             <a:r>
-              <a:rPr kumimoji="1" lang="ja-JP" altLang="en-US" dirty="0"/>
-              <a:t>論理的な繋がりを使った文の接続２</a:t>
-            </a:r>
-          </a:p>
-        </p:txBody>
-      </p:sp>
-      <p:sp>
-        <p:nvSpPr>
-          <p:cNvPr id="3" name="テキスト プレースホルダー 2">
-            <a:extLst>
-              <a:ext uri="{FF2B5EF4-FFF2-40B4-BE49-F238E27FC236}">
-                <a16:creationId xmlns:a16="http://schemas.microsoft.com/office/drawing/2014/main" id="{60ADC020-2198-50F1-6F94-34B8CBB0F2D4}"/>
-              </a:ext>
-            </a:extLst>
-          </p:cNvPr>
-          <p:cNvSpPr>
-            <a:spLocks noGrp="1"/>
-          </p:cNvSpPr>
-          <p:nvPr>
-            <p:ph type="body" sz="quarter" idx="10"/>
-          </p:nvPr>
-        </p:nvSpPr>
-        <p:spPr/>
-        <p:txBody>
-          <a:bodyPr/>
-          <a:lstStyle/>
-          <a:p>
-            <a:r>
-              <a:rPr kumimoji="1" lang="ja-JP" altLang="en-US" sz="1800" dirty="0">
-                <a:solidFill>
-                  <a:schemeClr val="accent5"/>
-                </a:solidFill>
-              </a:rPr>
-              <a:t>各文内の前の方に，（なるべく近くの）既出の単語や事象を置く</a:t>
-            </a:r>
-            <a:endParaRPr kumimoji="1" lang="en-US" altLang="ja-JP" sz="1800" dirty="0"/>
-          </a:p>
-          <a:p>
-            <a:pPr lvl="1"/>
-            <a:r>
-              <a:rPr kumimoji="1" lang="ja-JP" altLang="en-US" sz="1800" dirty="0"/>
-              <a:t>既出の単語が，長い文の後半で初めて出てくるのは良くない</a:t>
-            </a:r>
-            <a:endParaRPr kumimoji="1" lang="en-US" altLang="ja-JP" sz="1800" dirty="0"/>
-          </a:p>
-          <a:p>
-            <a:pPr lvl="1"/>
-            <a:r>
-              <a:rPr kumimoji="1" lang="ja-JP" altLang="en-US" sz="1800" dirty="0"/>
-              <a:t>その文を最後まで読まないと，接続関係がわからない</a:t>
-            </a:r>
-            <a:endParaRPr kumimoji="1" lang="en-US" altLang="ja-JP" sz="1800" dirty="0"/>
-          </a:p>
-          <a:p>
-            <a:r>
-              <a:rPr kumimoji="1" lang="ja-JP" altLang="en-US" sz="1800" dirty="0"/>
-              <a:t>また「</a:t>
-            </a:r>
-            <a:r>
-              <a:rPr kumimoji="1" lang="en-US" altLang="ja-JP" sz="1800" dirty="0"/>
-              <a:t>A </a:t>
-            </a:r>
-            <a:r>
-              <a:rPr kumimoji="1" lang="ja-JP" altLang="en-US" sz="1800" dirty="0"/>
-              <a:t>は </a:t>
-            </a:r>
-            <a:r>
-              <a:rPr kumimoji="1" lang="en-US" altLang="ja-JP" sz="1800" dirty="0"/>
-              <a:t>B </a:t>
-            </a:r>
-            <a:r>
-              <a:rPr kumimoji="1" lang="ja-JP" altLang="en-US" sz="1800" dirty="0"/>
-              <a:t>である．なぜなら </a:t>
-            </a:r>
-            <a:r>
-              <a:rPr lang="en-US" altLang="ja-JP" sz="1800" dirty="0"/>
-              <a:t>B </a:t>
-            </a:r>
-            <a:r>
-              <a:rPr lang="ja-JP" altLang="en-US" sz="1800" dirty="0"/>
-              <a:t>は </a:t>
-            </a:r>
-            <a:r>
-              <a:rPr lang="en-US" altLang="ja-JP" sz="1800" b="1" dirty="0">
-                <a:solidFill>
-                  <a:schemeClr val="accent5"/>
-                </a:solidFill>
-              </a:rPr>
-              <a:t>C</a:t>
-            </a:r>
-            <a:r>
-              <a:rPr lang="en-US" altLang="ja-JP" sz="1800" dirty="0"/>
-              <a:t> </a:t>
-            </a:r>
-            <a:r>
-              <a:rPr lang="ja-JP" altLang="en-US" sz="1800" dirty="0"/>
-              <a:t>だからだ</a:t>
-            </a:r>
-            <a:r>
-              <a:rPr kumimoji="1" lang="ja-JP" altLang="en-US" sz="1800" dirty="0"/>
-              <a:t>」の後に繋げる文を考える</a:t>
-            </a:r>
-            <a:endParaRPr kumimoji="1" lang="en-US" altLang="ja-JP" sz="1800" dirty="0"/>
-          </a:p>
-          <a:p>
-            <a:pPr lvl="1"/>
-            <a:r>
-              <a:rPr kumimoji="1" lang="ja-JP" altLang="en-US" sz="1800" dirty="0"/>
-              <a:t>だめな例：</a:t>
-            </a:r>
-            <a:endParaRPr kumimoji="1" lang="en-US" altLang="ja-JP" sz="1800" dirty="0"/>
-          </a:p>
-          <a:p>
-            <a:pPr lvl="2"/>
-            <a:r>
-              <a:rPr kumimoji="1" lang="ja-JP" altLang="en-US" sz="1800" dirty="0"/>
-              <a:t>「～は～であり，そのため～は </a:t>
-            </a:r>
-            <a:r>
-              <a:rPr kumimoji="1" lang="en-US" altLang="ja-JP" sz="1800" b="1" dirty="0">
-                <a:solidFill>
-                  <a:schemeClr val="accent5"/>
-                </a:solidFill>
-              </a:rPr>
-              <a:t>C</a:t>
-            </a:r>
-            <a:r>
-              <a:rPr kumimoji="1" lang="en-US" altLang="ja-JP" sz="1800" dirty="0"/>
-              <a:t> </a:t>
-            </a:r>
-            <a:r>
-              <a:rPr kumimoji="1" lang="ja-JP" altLang="en-US" sz="1800" dirty="0"/>
-              <a:t>である」</a:t>
-            </a:r>
-            <a:endParaRPr kumimoji="1" lang="en-US" altLang="ja-JP" sz="1800" dirty="0"/>
-          </a:p>
-          <a:p>
-            <a:pPr lvl="2"/>
-            <a:r>
-              <a:rPr kumimoji="1" lang="en-US" altLang="ja-JP" sz="1800" dirty="0"/>
-              <a:t>C </a:t>
-            </a:r>
-            <a:r>
-              <a:rPr kumimoji="1" lang="ja-JP" altLang="en-US" sz="1800" dirty="0"/>
-              <a:t>が最後に出てくるので，そこまで読まないと関係がわからない</a:t>
-            </a:r>
-            <a:endParaRPr kumimoji="1" lang="en-US" altLang="ja-JP" sz="1800" dirty="0"/>
-          </a:p>
-          <a:p>
-            <a:pPr lvl="1"/>
-            <a:r>
-              <a:rPr kumimoji="1" lang="ja-JP" altLang="en-US" sz="1800" dirty="0"/>
-              <a:t>良い例：</a:t>
-            </a:r>
-            <a:endParaRPr kumimoji="1" lang="en-US" altLang="ja-JP" sz="1800" dirty="0"/>
-          </a:p>
-          <a:p>
-            <a:pPr lvl="2"/>
-            <a:r>
-              <a:rPr kumimoji="1" lang="ja-JP" altLang="en-US" sz="1800" dirty="0"/>
-              <a:t>「～は </a:t>
-            </a:r>
-            <a:r>
-              <a:rPr kumimoji="1" lang="en-US" altLang="ja-JP" sz="1800" b="1" dirty="0">
-                <a:solidFill>
-                  <a:schemeClr val="accent5"/>
-                </a:solidFill>
-              </a:rPr>
-              <a:t>C</a:t>
-            </a:r>
-            <a:r>
-              <a:rPr kumimoji="1" lang="en-US" altLang="ja-JP" sz="1800" dirty="0"/>
-              <a:t> </a:t>
-            </a:r>
-            <a:r>
-              <a:rPr kumimoji="1" lang="ja-JP" altLang="en-US" sz="1800" dirty="0"/>
-              <a:t>である．なぜなら～は～であるためである」</a:t>
-            </a:r>
-            <a:endParaRPr kumimoji="1" lang="en-US" altLang="ja-JP" sz="1800" dirty="0"/>
+              <a:rPr lang="en-US" altLang="ja-JP" b="1" dirty="0"/>
+              <a:t>[C] </a:t>
+            </a:r>
+            <a:r>
+              <a:rPr lang="ja-JP" altLang="en-US" b="1" dirty="0"/>
+              <a:t>パラグラフ</a:t>
+            </a:r>
+            <a:endParaRPr lang="en-US" b="1" dirty="0"/>
           </a:p>
         </p:txBody>
       </p:sp>
     </p:spTree>
     <p:extLst>
       <p:ext uri="{BB962C8B-B14F-4D97-AF65-F5344CB8AC3E}">
-        <p14:creationId xmlns:p14="http://schemas.microsoft.com/office/powerpoint/2010/main" val="3414039066"/>
+        <p14:creationId xmlns:p14="http://schemas.microsoft.com/office/powerpoint/2010/main" val="2418874671"/>
       </p:ext>
     </p:extLst>
   </p:cSld>
   <p:clrMapOvr>
     <a:masterClrMapping/>
   </p:clrMapOvr>
-  <mc:AlternateContent xmlns:mc="http://schemas.openxmlformats.org/markup-compatibility/2006" xmlns:p14="http://schemas.microsoft.com/office/powerpoint/2010/main">
-    <mc:Choice Requires="p14">
-      <p:transition p14:dur="10"/>
-    </mc:Choice>
-    <mc:Fallback xmlns="">
-      <p:transition/>
-    </mc:Fallback>
-  </mc:AlternateContent>
 </p:sld>
 </file>
 
@@ -4968,7 +5107,7 @@
           <p:cNvPr id="2" name="タイトル 1">
             <a:extLst>
               <a:ext uri="{FF2B5EF4-FFF2-40B4-BE49-F238E27FC236}">
-                <a16:creationId xmlns:a16="http://schemas.microsoft.com/office/drawing/2014/main" id="{9D61C188-5860-DCBE-4F54-3F8C103E2DAC}"/>
+                <a16:creationId xmlns:a16="http://schemas.microsoft.com/office/drawing/2014/main" id="{E2B2804B-5759-9AAD-53B1-42FDE0863920}"/>
               </a:ext>
             </a:extLst>
           </p:cNvPr>
@@ -4984,7 +5123,11 @@
           <a:bodyPr/>
           <a:lstStyle/>
           <a:p>
-            <a:endParaRPr kumimoji="1" lang="ja-JP" altLang="en-US"/>
+            <a:r>
+              <a:rPr kumimoji="1" lang="ja-JP" altLang="en-US" dirty="0"/>
+              <a:t>チェックリスト</a:t>
+            </a:r>
+            <a:endParaRPr kumimoji="1" lang="en-US" dirty="0"/>
           </a:p>
         </p:txBody>
       </p:sp>
@@ -4993,7 +5136,7 @@
           <p:cNvPr id="3" name="テキスト プレースホルダー 2">
             <a:extLst>
               <a:ext uri="{FF2B5EF4-FFF2-40B4-BE49-F238E27FC236}">
-                <a16:creationId xmlns:a16="http://schemas.microsoft.com/office/drawing/2014/main" id="{16406EAA-6DD5-1103-E09E-A8675115D0B4}"/>
+                <a16:creationId xmlns:a16="http://schemas.microsoft.com/office/drawing/2014/main" id="{7BF7AC90-EE6A-FEBB-4396-0C91BB79835D}"/>
               </a:ext>
             </a:extLst>
           </p:cNvPr>
@@ -5004,23 +5147,196 @@
             <p:ph type="body" sz="quarter" idx="10"/>
           </p:nvPr>
         </p:nvSpPr>
-        <p:spPr/>
+        <p:spPr>
+          <a:xfrm>
+            <a:off x="611956" y="1269283"/>
+            <a:ext cx="8280092" cy="5219751"/>
+          </a:xfrm>
+        </p:spPr>
         <p:txBody>
           <a:bodyPr/>
           <a:lstStyle/>
           <a:p>
             <a:r>
-              <a:rPr lang="ja-JP" altLang="en-US" dirty="0"/>
-              <a:t>まだ工事中</a:t>
-            </a:r>
-            <a:endParaRPr kumimoji="1" lang="ja-JP" altLang="en-US" dirty="0"/>
+              <a:rPr kumimoji="1" lang="en-US" altLang="ja-JP" sz="1400" dirty="0"/>
+              <a:t>[A] </a:t>
+            </a:r>
+            <a:r>
+              <a:rPr kumimoji="1" lang="ja-JP" altLang="en-US" sz="1400" dirty="0"/>
+              <a:t>文</a:t>
+            </a:r>
+            <a:endParaRPr kumimoji="1" lang="en-US" altLang="ja-JP" sz="1400" dirty="0"/>
+          </a:p>
+          <a:p>
+            <a:pPr lvl="1"/>
+            <a:r>
+              <a:rPr kumimoji="1" lang="en-US" altLang="ja-JP" sz="1400" dirty="0"/>
+              <a:t>[A1] </a:t>
+            </a:r>
+            <a:r>
+              <a:rPr kumimoji="1" lang="ja-JP" altLang="en-US" sz="1400" dirty="0"/>
+              <a:t>各文は短く簡潔になっている</a:t>
+            </a:r>
+            <a:endParaRPr kumimoji="1" lang="en-US" altLang="ja-JP" sz="1400" dirty="0"/>
+          </a:p>
+          <a:p>
+            <a:pPr lvl="1"/>
+            <a:r>
+              <a:rPr kumimoji="1" lang="en-US" altLang="ja-JP" sz="1400" dirty="0"/>
+              <a:t>[A2] </a:t>
+            </a:r>
+            <a:r>
+              <a:rPr kumimoji="1" lang="ja-JP" altLang="en-US" sz="1400" dirty="0"/>
+              <a:t>複文を書く場合は，それが２文以下におさまっている</a:t>
+            </a:r>
+            <a:endParaRPr kumimoji="1" lang="en-US" altLang="ja-JP" sz="1400" dirty="0"/>
+          </a:p>
+          <a:p>
+            <a:pPr lvl="1"/>
+            <a:r>
+              <a:rPr kumimoji="1" lang="en-US" altLang="ja-JP" sz="1400" dirty="0"/>
+              <a:t>[A3] </a:t>
+            </a:r>
+            <a:r>
+              <a:rPr kumimoji="1" lang="ja-JP" altLang="en-US" sz="1400" dirty="0"/>
+              <a:t>各文に主語や述語が省略されずに含まれている</a:t>
+            </a:r>
+            <a:endParaRPr kumimoji="1" lang="en-US" altLang="ja-JP" sz="1400" dirty="0"/>
+          </a:p>
+          <a:p>
+            <a:r>
+              <a:rPr lang="en-US" altLang="ja-JP" sz="1400" dirty="0"/>
+              <a:t>[B] </a:t>
+            </a:r>
+            <a:r>
+              <a:rPr lang="ja-JP" altLang="en-US" sz="1400" dirty="0"/>
+              <a:t>文の接続</a:t>
+            </a:r>
+            <a:endParaRPr lang="en-US" altLang="ja-JP" sz="1400" dirty="0"/>
+          </a:p>
+          <a:p>
+            <a:pPr lvl="1"/>
+            <a:r>
+              <a:rPr lang="en-US" altLang="ja-JP" sz="1400" dirty="0"/>
+              <a:t>[B1] </a:t>
+            </a:r>
+            <a:r>
+              <a:rPr kumimoji="1" lang="ja-JP" altLang="en-US" sz="1400" dirty="0"/>
+              <a:t>全ての文はそれまでに出てきた古い情報を明に含み，</a:t>
+            </a:r>
+            <a:br>
+              <a:rPr kumimoji="1" lang="en-US" altLang="ja-JP" sz="1400" dirty="0"/>
+            </a:br>
+            <a:r>
+              <a:rPr kumimoji="1" lang="ja-JP" altLang="en-US" sz="1400" dirty="0"/>
+              <a:t>きちんと接続されている</a:t>
+            </a:r>
+            <a:endParaRPr kumimoji="1" lang="en-US" altLang="ja-JP" sz="1400" dirty="0"/>
+          </a:p>
+          <a:p>
+            <a:pPr lvl="1"/>
+            <a:r>
+              <a:rPr lang="en-US" altLang="ja-JP" sz="1400" dirty="0"/>
+              <a:t>[B2] </a:t>
+            </a:r>
+            <a:r>
+              <a:rPr lang="ja-JP" altLang="en-US" sz="1400" dirty="0"/>
+              <a:t>概観から詳細への原則で接続されている</a:t>
+            </a:r>
+            <a:endParaRPr kumimoji="1" lang="en-US" altLang="ja-JP" sz="1400" dirty="0"/>
+          </a:p>
+          <a:p>
+            <a:r>
+              <a:rPr lang="en-US" altLang="ja-JP" sz="1400" dirty="0"/>
+              <a:t>[C] </a:t>
+            </a:r>
+            <a:r>
+              <a:rPr lang="ja-JP" altLang="en-US" sz="1400" dirty="0"/>
+              <a:t>パラグラフ</a:t>
+            </a:r>
+            <a:r>
+              <a:rPr lang="en-US" altLang="ja-JP" sz="1400" dirty="0"/>
+              <a:t>	</a:t>
+            </a:r>
+            <a:endParaRPr kumimoji="1" lang="en-US" altLang="ja-JP" sz="1400" dirty="0"/>
+          </a:p>
+          <a:p>
+            <a:pPr lvl="1"/>
+            <a:r>
+              <a:rPr kumimoji="1" lang="en-US" altLang="ja-JP" sz="1400" dirty="0"/>
+              <a:t>[C1] </a:t>
+            </a:r>
+            <a:r>
+              <a:rPr kumimoji="1" lang="ja-JP" altLang="en-US" sz="1400" dirty="0"/>
+              <a:t>トピック・センテンスだけを繋げて読んでも意味がわかる</a:t>
+            </a:r>
+            <a:endParaRPr kumimoji="1" lang="en-US" altLang="ja-JP" sz="1400" dirty="0"/>
+          </a:p>
+          <a:p>
+            <a:pPr lvl="1"/>
+            <a:r>
+              <a:rPr kumimoji="1" lang="en-US" altLang="ja-JP" sz="1400" dirty="0"/>
+              <a:t>[C2] </a:t>
+            </a:r>
+            <a:r>
+              <a:rPr kumimoji="1" lang="ja-JP" altLang="en-US" sz="1400" dirty="0"/>
+              <a:t>パラグラフの長さは一定になっている</a:t>
+            </a:r>
+            <a:endParaRPr kumimoji="1" lang="en-US" altLang="ja-JP" sz="1400" dirty="0"/>
+          </a:p>
+          <a:p>
+            <a:r>
+              <a:rPr kumimoji="1" lang="en-US" altLang="ja-JP" sz="1400" dirty="0"/>
+              <a:t>[E] </a:t>
+            </a:r>
+            <a:r>
+              <a:rPr kumimoji="1" lang="ja-JP" altLang="en-US" sz="1400" dirty="0"/>
+              <a:t>その他</a:t>
+            </a:r>
+            <a:endParaRPr kumimoji="1" lang="en-US" altLang="ja-JP" sz="1400" dirty="0"/>
+          </a:p>
+          <a:p>
+            <a:pPr lvl="1"/>
+            <a:r>
+              <a:rPr lang="en-US" altLang="ja-JP" sz="1400" dirty="0"/>
+              <a:t>[E1] </a:t>
+            </a:r>
+            <a:r>
+              <a:rPr lang="ja-JP" altLang="en-US" sz="1400" dirty="0"/>
+              <a:t>読点は必要な部分にのみ適切に打たれている</a:t>
+            </a:r>
+            <a:endParaRPr lang="en-US" altLang="ja-JP" sz="1400" dirty="0"/>
+          </a:p>
+          <a:p>
+            <a:pPr lvl="1"/>
+            <a:r>
+              <a:rPr lang="en-US" altLang="ja-JP" sz="1400" dirty="0"/>
+              <a:t>[E2] </a:t>
+            </a:r>
+            <a:r>
+              <a:rPr lang="ja-JP" altLang="en-US" sz="1400" dirty="0"/>
+              <a:t>「しかし」は各パラグラフで１回までにする</a:t>
+            </a:r>
+            <a:endParaRPr lang="en-US" altLang="ja-JP" sz="1400" dirty="0"/>
+          </a:p>
+          <a:p>
+            <a:pPr lvl="1"/>
+            <a:r>
+              <a:rPr kumimoji="1" lang="en-US" altLang="ja-JP" sz="1400" dirty="0"/>
+              <a:t>[E3] </a:t>
+            </a:r>
+            <a:r>
+              <a:rPr kumimoji="1" lang="ja-JP" altLang="en-US" sz="1400" dirty="0"/>
+              <a:t>事実と意見をきちんと区別する</a:t>
+            </a:r>
+            <a:endParaRPr kumimoji="1" lang="en-US" altLang="ja-JP" sz="1400" dirty="0"/>
           </a:p>
         </p:txBody>
       </p:sp>
     </p:spTree>
     <p:extLst>
       <p:ext uri="{BB962C8B-B14F-4D97-AF65-F5344CB8AC3E}">
-        <p14:creationId xmlns:p14="http://schemas.microsoft.com/office/powerpoint/2010/main" val="3860254781"/>
+        <p14:creationId xmlns:p14="http://schemas.microsoft.com/office/powerpoint/2010/main" val="589779602"/>
       </p:ext>
     </p:extLst>
   </p:cSld>
@@ -5060,7 +5376,7 @@
           <p:cNvPr id="2" name="タイトル 1">
             <a:extLst>
               <a:ext uri="{FF2B5EF4-FFF2-40B4-BE49-F238E27FC236}">
-                <a16:creationId xmlns:a16="http://schemas.microsoft.com/office/drawing/2014/main" id="{97F43A36-1241-4642-C35D-F2423024AF7E}"/>
+                <a16:creationId xmlns:a16="http://schemas.microsoft.com/office/drawing/2014/main" id="{85895AA1-C3F6-5137-D327-90AEE8D8717F}"/>
               </a:ext>
             </a:extLst>
           </p:cNvPr>
@@ -5078,7 +5394,7 @@
           <a:p>
             <a:r>
               <a:rPr kumimoji="1" lang="ja-JP" altLang="en-US" dirty="0"/>
-              <a:t>論理的な繋がりを使った文の接続３</a:t>
+              <a:t>パラグラフ</a:t>
             </a:r>
           </a:p>
         </p:txBody>
@@ -5088,7 +5404,7 @@
           <p:cNvPr id="3" name="テキスト プレースホルダー 2">
             <a:extLst>
               <a:ext uri="{FF2B5EF4-FFF2-40B4-BE49-F238E27FC236}">
-                <a16:creationId xmlns:a16="http://schemas.microsoft.com/office/drawing/2014/main" id="{0AE5F184-FC3A-2542-0079-3B39E1BBBD63}"/>
+                <a16:creationId xmlns:a16="http://schemas.microsoft.com/office/drawing/2014/main" id="{AF7DC518-51F8-FA2A-0A74-B2DB18D49FC7}"/>
               </a:ext>
             </a:extLst>
           </p:cNvPr>
@@ -5105,8 +5421,16 @@
           <a:lstStyle/>
           <a:p>
             <a:r>
+              <a:rPr kumimoji="1" lang="ja-JP" altLang="en-US" dirty="0">
+                <a:solidFill>
+                  <a:schemeClr val="accent5"/>
+                </a:solidFill>
+              </a:rPr>
+              <a:t>１つの主張</a:t>
+            </a:r>
+            <a:r>
               <a:rPr kumimoji="1" lang="ja-JP" altLang="en-US" dirty="0"/>
-              <a:t>最初に要素や単語を列挙してから，ぶらさげる</a:t>
+              <a:t>を述べるための，複数の文からなるまとまり</a:t>
             </a:r>
             <a:endParaRPr kumimoji="1" lang="en-US" altLang="ja-JP" dirty="0"/>
           </a:p>
@@ -5114,166 +5438,56 @@
             <a:pPr lvl="1"/>
             <a:r>
               <a:rPr kumimoji="1" lang="ja-JP" altLang="en-US" dirty="0"/>
-              <a:t>この後ろに列挙した要素の説明がくることが自然に伝わる</a:t>
+              <a:t>パラグラフ内にその主張と違う別の主張をいれてはならない</a:t>
             </a:r>
             <a:endParaRPr kumimoji="1" lang="en-US" altLang="ja-JP" dirty="0"/>
           </a:p>
           <a:p>
             <a:r>
               <a:rPr kumimoji="1" lang="ja-JP" altLang="en-US" dirty="0"/>
-              <a:t>例：</a:t>
+              <a:t>以下の種類の複数の文からなる</a:t>
             </a:r>
             <a:endParaRPr kumimoji="1" lang="en-US" altLang="ja-JP" dirty="0"/>
           </a:p>
           <a:p>
-            <a:pPr lvl="1"/>
+            <a:pPr marL="817200" lvl="1" indent="-457200">
+              <a:buFont typeface="+mj-lt"/>
+              <a:buAutoNum type="arabicPeriod"/>
+            </a:pPr>
+            <a:r>
+              <a:rPr lang="ja-JP" altLang="en-US" dirty="0"/>
+              <a:t>先頭：　トピック・センテンス</a:t>
+            </a:r>
+            <a:endParaRPr lang="en-US" altLang="ja-JP" dirty="0"/>
+          </a:p>
+          <a:p>
+            <a:pPr marL="817200" lvl="1" indent="-457200">
+              <a:buFont typeface="+mj-lt"/>
+              <a:buAutoNum type="arabicPeriod"/>
+            </a:pPr>
             <a:r>
               <a:rPr kumimoji="1" lang="ja-JP" altLang="en-US" dirty="0"/>
-              <a:t>「</a:t>
-            </a:r>
-            <a:r>
-              <a:rPr kumimoji="1" lang="en-US" altLang="ja-JP" dirty="0"/>
-              <a:t>A </a:t>
-            </a:r>
-            <a:r>
-              <a:rPr kumimoji="1" lang="ja-JP" altLang="en-US" dirty="0"/>
-              <a:t>には </a:t>
-            </a:r>
-            <a:r>
-              <a:rPr kumimoji="1" lang="en-US" altLang="ja-JP" dirty="0"/>
-              <a:t>B </a:t>
-            </a:r>
-            <a:r>
-              <a:rPr kumimoji="1" lang="ja-JP" altLang="en-US" dirty="0"/>
-              <a:t>と </a:t>
-            </a:r>
-            <a:r>
-              <a:rPr kumimoji="1" lang="en-US" altLang="ja-JP" dirty="0"/>
-              <a:t>C </a:t>
-            </a:r>
-            <a:r>
-              <a:rPr kumimoji="1" lang="ja-JP" altLang="en-US" dirty="0"/>
-              <a:t>がある」</a:t>
+              <a:t>真ん中：サポーティング・センテンス</a:t>
             </a:r>
             <a:endParaRPr kumimoji="1" lang="en-US" altLang="ja-JP" dirty="0"/>
           </a:p>
           <a:p>
-            <a:pPr lvl="2"/>
-            <a:r>
-              <a:rPr kumimoji="1" lang="ja-JP" altLang="en-US" dirty="0"/>
-              <a:t>「</a:t>
-            </a:r>
-            <a:r>
-              <a:rPr kumimoji="1" lang="en-US" altLang="ja-JP" dirty="0"/>
-              <a:t>B </a:t>
-            </a:r>
-            <a:r>
-              <a:rPr kumimoji="1" lang="ja-JP" altLang="en-US" dirty="0"/>
-              <a:t>は～である」</a:t>
-            </a:r>
-            <a:endParaRPr kumimoji="1" lang="en-US" altLang="ja-JP" dirty="0"/>
-          </a:p>
-          <a:p>
-            <a:pPr lvl="2"/>
-            <a:r>
-              <a:rPr kumimoji="1" lang="ja-JP" altLang="en-US" dirty="0"/>
-              <a:t>「一方で </a:t>
-            </a:r>
-            <a:r>
-              <a:rPr kumimoji="1" lang="en-US" altLang="ja-JP" dirty="0"/>
-              <a:t>C </a:t>
-            </a:r>
-            <a:r>
-              <a:rPr kumimoji="1" lang="ja-JP" altLang="en-US" dirty="0"/>
-              <a:t>は～である」</a:t>
-            </a:r>
-            <a:br>
-              <a:rPr kumimoji="1" lang="en-US" altLang="ja-JP" dirty="0"/>
-            </a:br>
-            <a:endParaRPr kumimoji="1" lang="en-US" altLang="ja-JP" dirty="0"/>
-          </a:p>
-          <a:p>
-            <a:pPr lvl="1"/>
-            <a:r>
-              <a:rPr kumimoji="1" lang="ja-JP" altLang="en-US" dirty="0"/>
-              <a:t>「～は以下の手順で行われる」</a:t>
-            </a:r>
-            <a:endParaRPr kumimoji="1" lang="en-US" altLang="ja-JP" dirty="0"/>
-          </a:p>
-          <a:p>
-            <a:pPr lvl="2"/>
-            <a:r>
-              <a:rPr kumimoji="1" lang="ja-JP" altLang="en-US" dirty="0"/>
-              <a:t>「</a:t>
-            </a:r>
-            <a:r>
-              <a:rPr kumimoji="1" lang="en-US" altLang="ja-JP" dirty="0"/>
-              <a:t>1.</a:t>
-            </a:r>
-            <a:r>
-              <a:rPr kumimoji="1" lang="ja-JP" altLang="en-US" dirty="0"/>
-              <a:t>」「</a:t>
-            </a:r>
-            <a:r>
-              <a:rPr kumimoji="1" lang="en-US" altLang="ja-JP" dirty="0"/>
-              <a:t>2.</a:t>
-            </a:r>
-            <a:r>
-              <a:rPr kumimoji="1" lang="ja-JP" altLang="en-US" dirty="0"/>
-              <a:t>」「</a:t>
-            </a:r>
-            <a:r>
-              <a:rPr kumimoji="1" lang="en-US" altLang="ja-JP" dirty="0"/>
-              <a:t>3.</a:t>
-            </a:r>
-            <a:r>
-              <a:rPr kumimoji="1" lang="ja-JP" altLang="en-US" dirty="0"/>
-              <a:t>」</a:t>
-            </a:r>
-            <a:endParaRPr kumimoji="1" lang="en-US" altLang="ja-JP" dirty="0"/>
-          </a:p>
-          <a:p>
-            <a:pPr lvl="1"/>
-            <a:r>
-              <a:rPr kumimoji="1" lang="ja-JP" altLang="en-US" dirty="0"/>
-              <a:t>「～は以下の２つの理由からなる」</a:t>
-            </a:r>
-            <a:endParaRPr kumimoji="1" lang="en-US" altLang="ja-JP" dirty="0"/>
-          </a:p>
-          <a:p>
-            <a:pPr lvl="2"/>
-            <a:r>
-              <a:rPr kumimoji="1" lang="ja-JP" altLang="en-US" dirty="0"/>
-              <a:t>「</a:t>
-            </a:r>
-            <a:r>
-              <a:rPr kumimoji="1" lang="en-US" altLang="ja-JP" dirty="0"/>
-              <a:t>1.</a:t>
-            </a:r>
-            <a:r>
-              <a:rPr kumimoji="1" lang="ja-JP" altLang="en-US" dirty="0"/>
-              <a:t>」「</a:t>
-            </a:r>
-            <a:r>
-              <a:rPr kumimoji="1" lang="en-US" altLang="ja-JP" dirty="0"/>
-              <a:t>2.</a:t>
-            </a:r>
-            <a:r>
-              <a:rPr kumimoji="1" lang="ja-JP" altLang="en-US" dirty="0"/>
-              <a:t>」</a:t>
-            </a:r>
-            <a:endParaRPr kumimoji="1" lang="en-US" altLang="ja-JP" dirty="0"/>
-          </a:p>
-          <a:p>
-            <a:pPr lvl="1"/>
-            <a:endParaRPr kumimoji="1" lang="ja-JP" altLang="en-US" dirty="0"/>
+            <a:pPr marL="817200" lvl="1" indent="-457200">
+              <a:buFont typeface="+mj-lt"/>
+              <a:buAutoNum type="arabicPeriod"/>
+            </a:pPr>
+            <a:r>
+              <a:rPr lang="ja-JP" altLang="en-US" dirty="0"/>
+              <a:t>最後：　コンクルーディング・センテンス</a:t>
+            </a:r>
+            <a:endParaRPr lang="en-US" altLang="ja-JP" dirty="0"/>
           </a:p>
         </p:txBody>
       </p:sp>
     </p:spTree>
     <p:extLst>
       <p:ext uri="{BB962C8B-B14F-4D97-AF65-F5344CB8AC3E}">
-        <p14:creationId xmlns:p14="http://schemas.microsoft.com/office/powerpoint/2010/main" val="2236628389"/>
+        <p14:creationId xmlns:p14="http://schemas.microsoft.com/office/powerpoint/2010/main" val="3922889760"/>
       </p:ext>
     </p:extLst>
   </p:cSld>
@@ -5310,10 +5524,10 @@
       </p:grpSpPr>
       <p:sp>
         <p:nvSpPr>
-          <p:cNvPr id="6" name="タイトル 5">
-            <a:extLst>
-              <a:ext uri="{FF2B5EF4-FFF2-40B4-BE49-F238E27FC236}">
-                <a16:creationId xmlns:a16="http://schemas.microsoft.com/office/drawing/2014/main" id="{D44FC4B2-BE5F-0B62-A30B-6488B98CA7F1}"/>
+          <p:cNvPr id="2" name="タイトル 1">
+            <a:extLst>
+              <a:ext uri="{FF2B5EF4-FFF2-40B4-BE49-F238E27FC236}">
+                <a16:creationId xmlns:a16="http://schemas.microsoft.com/office/drawing/2014/main" id="{85895AA1-C3F6-5137-D327-90AEE8D8717F}"/>
               </a:ext>
             </a:extLst>
           </p:cNvPr>
@@ -5330,27 +5544,133 @@
           <a:lstStyle/>
           <a:p>
             <a:r>
-              <a:rPr lang="en-US" altLang="ja-JP" b="1" dirty="0"/>
-              <a:t>[C] </a:t>
-            </a:r>
-            <a:r>
-              <a:rPr lang="ja-JP" altLang="en-US" b="1" dirty="0"/>
-              <a:t>パラグラフ</a:t>
-            </a:r>
-            <a:endParaRPr lang="en-US" b="1" dirty="0"/>
+              <a:rPr kumimoji="1" lang="en-US" altLang="ja-JP" dirty="0"/>
+              <a:t>[C1] </a:t>
+            </a:r>
+            <a:r>
+              <a:rPr kumimoji="1" lang="ja-JP" altLang="en-US" dirty="0"/>
+              <a:t>トピック・センテンス</a:t>
+            </a:r>
+          </a:p>
+        </p:txBody>
+      </p:sp>
+      <p:sp>
+        <p:nvSpPr>
+          <p:cNvPr id="3" name="テキスト プレースホルダー 2">
+            <a:extLst>
+              <a:ext uri="{FF2B5EF4-FFF2-40B4-BE49-F238E27FC236}">
+                <a16:creationId xmlns:a16="http://schemas.microsoft.com/office/drawing/2014/main" id="{AF7DC518-51F8-FA2A-0A74-B2DB18D49FC7}"/>
+              </a:ext>
+            </a:extLst>
+          </p:cNvPr>
+          <p:cNvSpPr>
+            <a:spLocks noGrp="1"/>
+          </p:cNvSpPr>
+          <p:nvPr>
+            <p:ph type="body" sz="quarter" idx="10"/>
+          </p:nvPr>
+        </p:nvSpPr>
+        <p:spPr/>
+        <p:txBody>
+          <a:bodyPr/>
+          <a:lstStyle/>
+          <a:p>
+            <a:r>
+              <a:rPr lang="ja-JP" altLang="en-US" dirty="0"/>
+              <a:t>そのパラグラフ全体で述べたい主張をまとめた文</a:t>
+            </a:r>
+            <a:endParaRPr lang="en-US" altLang="ja-JP" dirty="0"/>
+          </a:p>
+          <a:p>
+            <a:pPr lvl="1"/>
+            <a:r>
+              <a:rPr lang="ja-JP" altLang="en-US" dirty="0"/>
+              <a:t>トピック・センテンスは各パラグラフに１つある</a:t>
+            </a:r>
+            <a:endParaRPr lang="en-US" altLang="ja-JP" dirty="0"/>
+          </a:p>
+          <a:p>
+            <a:pPr lvl="1"/>
+            <a:r>
+              <a:rPr lang="ja-JP" altLang="en-US" dirty="0"/>
+              <a:t>基本的にはそのパラグラフの先頭にある</a:t>
+            </a:r>
+            <a:endParaRPr lang="en-US" altLang="ja-JP" dirty="0"/>
+          </a:p>
+          <a:p>
+            <a:pPr lvl="2"/>
+            <a:r>
+              <a:rPr lang="ja-JP" altLang="en-US" dirty="0"/>
+              <a:t>前のパラグラフとの接続の関係で２文目等にくることもある</a:t>
+            </a:r>
+            <a:endParaRPr lang="en-US" altLang="ja-JP" dirty="0"/>
+          </a:p>
+          <a:p>
+            <a:r>
+              <a:rPr lang="ja-JP" altLang="en-US" dirty="0">
+                <a:solidFill>
+                  <a:schemeClr val="accent5"/>
+                </a:solidFill>
+              </a:rPr>
+              <a:t>各パラグラフのトピック・センテンスだけを取り出して繋げて</a:t>
+            </a:r>
+            <a:br>
+              <a:rPr lang="en-US" altLang="ja-JP" dirty="0">
+                <a:solidFill>
+                  <a:schemeClr val="accent5"/>
+                </a:solidFill>
+              </a:rPr>
+            </a:br>
+            <a:r>
+              <a:rPr lang="ja-JP" altLang="en-US" dirty="0">
+                <a:solidFill>
+                  <a:schemeClr val="accent5"/>
+                </a:solidFill>
+              </a:rPr>
+              <a:t>読んでもおおよそ意味が通るようにする</a:t>
+            </a:r>
+            <a:endParaRPr lang="en-US" altLang="ja-JP" dirty="0">
+              <a:solidFill>
+                <a:schemeClr val="accent5"/>
+              </a:solidFill>
+            </a:endParaRPr>
+          </a:p>
+          <a:p>
+            <a:pPr lvl="1"/>
+            <a:r>
+              <a:rPr lang="ja-JP" altLang="en-US" dirty="0"/>
+              <a:t>トピック・センテンスはパラグラフの主張をまとめたもの</a:t>
+            </a:r>
+            <a:endParaRPr lang="en-US" altLang="ja-JP" dirty="0"/>
+          </a:p>
+          <a:p>
+            <a:pPr lvl="1"/>
+            <a:r>
+              <a:rPr lang="ja-JP" altLang="en-US" dirty="0"/>
+              <a:t>そこだけを取り出せば，おおまかな全体の主張がわかるように</a:t>
+            </a:r>
+            <a:endParaRPr lang="en-US" altLang="ja-JP" dirty="0"/>
           </a:p>
         </p:txBody>
       </p:sp>
     </p:spTree>
     <p:extLst>
       <p:ext uri="{BB962C8B-B14F-4D97-AF65-F5344CB8AC3E}">
-        <p14:creationId xmlns:p14="http://schemas.microsoft.com/office/powerpoint/2010/main" val="2418874671"/>
+        <p14:creationId xmlns:p14="http://schemas.microsoft.com/office/powerpoint/2010/main" val="1922558597"/>
       </p:ext>
     </p:extLst>
   </p:cSld>
   <p:clrMapOvr>
     <a:masterClrMapping/>
   </p:clrMapOvr>
+  <mc:AlternateContent xmlns:mc="http://schemas.openxmlformats.org/markup-compatibility/2006" xmlns:p14="http://schemas.microsoft.com/office/powerpoint/2010/main">
+    <mc:Choice Requires="p14">
+      <p:transition p14:dur="10"/>
+    </mc:Choice>
+    <mc:Fallback xmlns="">
+      <p:transition/>
+    </mc:Fallback>
+  </mc:AlternateContent>
 </p:sld>
 </file>
 
@@ -5394,7 +5714,7 @@
           <a:p>
             <a:r>
               <a:rPr kumimoji="1" lang="ja-JP" altLang="en-US" dirty="0"/>
-              <a:t>パラグラフ</a:t>
+              <a:t>サポーティング・センテンス</a:t>
             </a:r>
           </a:p>
         </p:txBody>
@@ -5421,73 +5741,60 @@
           <a:lstStyle/>
           <a:p>
             <a:r>
-              <a:rPr kumimoji="1" lang="ja-JP" altLang="en-US" dirty="0">
-                <a:solidFill>
-                  <a:schemeClr val="accent5"/>
-                </a:solidFill>
-              </a:rPr>
-              <a:t>１つの主張</a:t>
-            </a:r>
-            <a:r>
               <a:rPr kumimoji="1" lang="ja-JP" altLang="en-US" dirty="0"/>
-              <a:t>を述べるための，複数の文からなるまとまり</a:t>
+              <a:t>サポーティング・センテンス</a:t>
             </a:r>
             <a:endParaRPr kumimoji="1" lang="en-US" altLang="ja-JP" dirty="0"/>
           </a:p>
           <a:p>
             <a:pPr lvl="1"/>
             <a:r>
+              <a:rPr lang="ja-JP" altLang="en-US" dirty="0"/>
+              <a:t>トピック・センテンスの主張を補強するための文</a:t>
+            </a:r>
+            <a:endParaRPr lang="en-US" altLang="ja-JP" dirty="0"/>
+          </a:p>
+          <a:p>
+            <a:pPr lvl="1"/>
+            <a:r>
               <a:rPr kumimoji="1" lang="ja-JP" altLang="en-US" dirty="0"/>
-              <a:t>パラグラフ内にその主張と違う別の主張をいれてはならない</a:t>
+              <a:t>各パラグラフはサポーティング・センテンスを基本的に複数含む</a:t>
             </a:r>
             <a:endParaRPr kumimoji="1" lang="en-US" altLang="ja-JP" dirty="0"/>
           </a:p>
           <a:p>
             <a:r>
+              <a:rPr lang="ja-JP" altLang="en-US" dirty="0"/>
+              <a:t>トピック・センテンスとの関係</a:t>
+            </a:r>
+            <a:endParaRPr lang="en-US" altLang="ja-JP" dirty="0"/>
+          </a:p>
+          <a:p>
+            <a:pPr lvl="1"/>
+            <a:r>
               <a:rPr kumimoji="1" lang="ja-JP" altLang="en-US" dirty="0"/>
-              <a:t>以下の種類の複数の文からなる</a:t>
+              <a:t>サポーティング・センテンスはトピック・センテンスの詳細を述べる関係にある</a:t>
             </a:r>
             <a:endParaRPr kumimoji="1" lang="en-US" altLang="ja-JP" dirty="0"/>
           </a:p>
           <a:p>
-            <a:pPr marL="817200" lvl="1" indent="-457200">
-              <a:buFont typeface="+mj-lt"/>
-              <a:buAutoNum type="arabicPeriod"/>
-            </a:pPr>
-            <a:r>
-              <a:rPr lang="ja-JP" altLang="en-US" dirty="0"/>
-              <a:t>先頭：　トピック・センテンス</a:t>
-            </a:r>
-            <a:endParaRPr lang="en-US" altLang="ja-JP" dirty="0"/>
-          </a:p>
-          <a:p>
-            <a:pPr marL="817200" lvl="1" indent="-457200">
-              <a:buFont typeface="+mj-lt"/>
-              <a:buAutoNum type="arabicPeriod"/>
-            </a:pPr>
+            <a:pPr lvl="1"/>
             <a:r>
               <a:rPr kumimoji="1" lang="ja-JP" altLang="en-US" dirty="0"/>
-              <a:t>真ん中：サポーティング・センテンス</a:t>
+              <a:t>トピック・センテンスはサポーティング・センテンス達をまとめたものとなる</a:t>
             </a:r>
             <a:endParaRPr kumimoji="1" lang="en-US" altLang="ja-JP" dirty="0"/>
           </a:p>
           <a:p>
-            <a:pPr marL="817200" lvl="1" indent="-457200">
-              <a:buFont typeface="+mj-lt"/>
-              <a:buAutoNum type="arabicPeriod"/>
-            </a:pPr>
-            <a:r>
-              <a:rPr lang="ja-JP" altLang="en-US" dirty="0"/>
-              <a:t>最後：　コンクルーディング・センテンス</a:t>
-            </a:r>
-            <a:endParaRPr lang="en-US" altLang="ja-JP" dirty="0"/>
+            <a:pPr lvl="2"/>
+            <a:endParaRPr kumimoji="1" lang="en-US" altLang="ja-JP" dirty="0"/>
           </a:p>
         </p:txBody>
       </p:sp>
     </p:spTree>
     <p:extLst>
       <p:ext uri="{BB962C8B-B14F-4D97-AF65-F5344CB8AC3E}">
-        <p14:creationId xmlns:p14="http://schemas.microsoft.com/office/powerpoint/2010/main" val="3922889760"/>
+        <p14:creationId xmlns:p14="http://schemas.microsoft.com/office/powerpoint/2010/main" val="3433765562"/>
       </p:ext>
     </p:extLst>
   </p:cSld>
@@ -5544,13 +5851,14 @@
           <a:lstStyle/>
           <a:p>
             <a:r>
-              <a:rPr kumimoji="1" lang="en-US" altLang="ja-JP" dirty="0"/>
-              <a:t>[C1] </a:t>
-            </a:r>
-            <a:r>
-              <a:rPr kumimoji="1" lang="ja-JP" altLang="en-US" dirty="0"/>
-              <a:t>トピック・センテンス</a:t>
-            </a:r>
+              <a:rPr lang="ja-JP" altLang="en-US" dirty="0"/>
+              <a:t>コンクルーディング</a:t>
+            </a:r>
+            <a:r>
+              <a:rPr lang="ja-JP" altLang="en-US"/>
+              <a:t>・センテンス</a:t>
+            </a:r>
+            <a:endParaRPr kumimoji="1" lang="ja-JP" altLang="en-US" dirty="0"/>
           </a:p>
         </p:txBody>
       </p:sp>
@@ -5577,86 +5885,32 @@
           <a:p>
             <a:r>
               <a:rPr lang="ja-JP" altLang="en-US" dirty="0"/>
-              <a:t>そのパラグラフ全体で述べたい主張をまとめた文</a:t>
+              <a:t>コンクルーディング・センテンス</a:t>
             </a:r>
             <a:endParaRPr lang="en-US" altLang="ja-JP" dirty="0"/>
           </a:p>
           <a:p>
             <a:pPr lvl="1"/>
             <a:r>
-              <a:rPr lang="ja-JP" altLang="en-US" dirty="0"/>
-              <a:t>トピック・センテンスは各パラグラフに１つある</a:t>
-            </a:r>
-            <a:endParaRPr lang="en-US" altLang="ja-JP" dirty="0"/>
+              <a:rPr kumimoji="1" lang="ja-JP" altLang="en-US" dirty="0"/>
+              <a:t>トピック・センテンスの内容を別の言い方でまとめたもの</a:t>
+            </a:r>
+            <a:endParaRPr kumimoji="1" lang="en-US" altLang="ja-JP" dirty="0"/>
           </a:p>
           <a:p>
             <a:pPr lvl="1"/>
             <a:r>
-              <a:rPr lang="ja-JP" altLang="en-US" dirty="0"/>
-              <a:t>基本的にはそのパラグラフの先頭にある</a:t>
-            </a:r>
-            <a:endParaRPr lang="en-US" altLang="ja-JP" dirty="0"/>
-          </a:p>
-          <a:p>
-            <a:pPr lvl="2"/>
-            <a:r>
-              <a:rPr lang="ja-JP" altLang="en-US" dirty="0"/>
-              <a:t>前のパラグラフとの接続の関係で２文目等にくることもある</a:t>
-            </a:r>
-            <a:endParaRPr lang="en-US" altLang="ja-JP" dirty="0"/>
-          </a:p>
-          <a:p>
-            <a:r>
-              <a:rPr lang="ja-JP" altLang="en-US" dirty="0">
-                <a:solidFill>
-                  <a:schemeClr val="accent5"/>
-                </a:solidFill>
-              </a:rPr>
-              <a:t>各パラグラフのトピック・センテンスだけを取り出して繋げて</a:t>
-            </a:r>
-            <a:br>
-              <a:rPr lang="en-US" altLang="ja-JP" dirty="0">
-                <a:solidFill>
-                  <a:schemeClr val="accent5"/>
-                </a:solidFill>
-              </a:rPr>
-            </a:br>
-            <a:r>
-              <a:rPr lang="ja-JP" altLang="en-US" dirty="0">
-                <a:solidFill>
-                  <a:schemeClr val="accent5"/>
-                </a:solidFill>
-              </a:rPr>
-              <a:t>読んでもおおよそ意味が通るようにする</a:t>
-            </a:r>
-            <a:endParaRPr lang="en-US" altLang="ja-JP" dirty="0">
-              <a:solidFill>
-                <a:schemeClr val="accent5"/>
-              </a:solidFill>
-            </a:endParaRPr>
-          </a:p>
-          <a:p>
-            <a:pPr lvl="1"/>
-            <a:r>
-              <a:rPr lang="ja-JP" altLang="en-US" dirty="0"/>
-              <a:t>トピック・センテンスはパラグラフの主張をまとめたもの</a:t>
-            </a:r>
-            <a:endParaRPr lang="en-US" altLang="ja-JP" dirty="0"/>
-          </a:p>
-          <a:p>
-            <a:pPr lvl="1"/>
-            <a:r>
-              <a:rPr lang="ja-JP" altLang="en-US" dirty="0"/>
-              <a:t>そこだけを取り出せば，おおまかな全体の主張がわかるように</a:t>
-            </a:r>
-            <a:endParaRPr lang="en-US" altLang="ja-JP" dirty="0"/>
+              <a:rPr kumimoji="1" lang="ja-JP" altLang="en-US" dirty="0"/>
+              <a:t>ない場合も結構ある</a:t>
+            </a:r>
+            <a:endParaRPr kumimoji="1" lang="en-US" altLang="ja-JP" dirty="0"/>
           </a:p>
         </p:txBody>
       </p:sp>
     </p:spTree>
     <p:extLst>
       <p:ext uri="{BB962C8B-B14F-4D97-AF65-F5344CB8AC3E}">
-        <p14:creationId xmlns:p14="http://schemas.microsoft.com/office/powerpoint/2010/main" val="1922558597"/>
+        <p14:creationId xmlns:p14="http://schemas.microsoft.com/office/powerpoint/2010/main" val="1114935817"/>
       </p:ext>
     </p:extLst>
   </p:cSld>
@@ -5696,7 +5950,7 @@
           <p:cNvPr id="2" name="タイトル 1">
             <a:extLst>
               <a:ext uri="{FF2B5EF4-FFF2-40B4-BE49-F238E27FC236}">
-                <a16:creationId xmlns:a16="http://schemas.microsoft.com/office/drawing/2014/main" id="{85895AA1-C3F6-5137-D327-90AEE8D8717F}"/>
+                <a16:creationId xmlns:a16="http://schemas.microsoft.com/office/drawing/2014/main" id="{DCF5D009-BF18-02FC-BE96-9B0C95B92972}"/>
               </a:ext>
             </a:extLst>
           </p:cNvPr>
@@ -5713,9 +5967,14 @@
           <a:lstStyle/>
           <a:p>
             <a:r>
+              <a:rPr kumimoji="1" lang="en-US" altLang="ja-JP" dirty="0"/>
+              <a:t>[C2] </a:t>
+            </a:r>
+            <a:r>
               <a:rPr kumimoji="1" lang="ja-JP" altLang="en-US" dirty="0"/>
-              <a:t>サポーティング・センテンス</a:t>
-            </a:r>
+              <a:t>パラグラフの長さについて</a:t>
+            </a:r>
+            <a:endParaRPr kumimoji="1" lang="en-US" dirty="0"/>
           </a:p>
         </p:txBody>
       </p:sp>
@@ -5724,7 +5983,7 @@
           <p:cNvPr id="3" name="テキスト プレースホルダー 2">
             <a:extLst>
               <a:ext uri="{FF2B5EF4-FFF2-40B4-BE49-F238E27FC236}">
-                <a16:creationId xmlns:a16="http://schemas.microsoft.com/office/drawing/2014/main" id="{AF7DC518-51F8-FA2A-0A74-B2DB18D49FC7}"/>
+                <a16:creationId xmlns:a16="http://schemas.microsoft.com/office/drawing/2014/main" id="{74E361A1-FB51-6A08-743F-E336891A646F}"/>
               </a:ext>
             </a:extLst>
           </p:cNvPr>
@@ -5742,38 +6001,46 @@
           <a:p>
             <a:r>
               <a:rPr kumimoji="1" lang="ja-JP" altLang="en-US" dirty="0"/>
-              <a:t>サポーティング・センテンス</a:t>
+              <a:t>パラグラフの長さは必ず一定の長さに揃える</a:t>
             </a:r>
             <a:endParaRPr kumimoji="1" lang="en-US" altLang="ja-JP" dirty="0"/>
           </a:p>
           <a:p>
             <a:pPr lvl="1"/>
             <a:r>
-              <a:rPr lang="ja-JP" altLang="en-US" dirty="0"/>
-              <a:t>トピック・センテンスの主張を補強するための文</a:t>
-            </a:r>
-            <a:endParaRPr lang="en-US" altLang="ja-JP" dirty="0"/>
+              <a:rPr kumimoji="1" lang="ja-JP" altLang="en-US" dirty="0"/>
+              <a:t>通常は３～６文程度</a:t>
+            </a:r>
+            <a:endParaRPr kumimoji="1" lang="en-US" altLang="ja-JP" dirty="0"/>
           </a:p>
           <a:p>
             <a:pPr lvl="1"/>
             <a:r>
+              <a:rPr kumimoji="1" lang="ja-JP" altLang="en-US" dirty="0">
+                <a:solidFill>
+                  <a:schemeClr val="accent5"/>
+                </a:solidFill>
+              </a:rPr>
+              <a:t>１～２文だけのパラグラフを作ってはいけない</a:t>
+            </a:r>
+            <a:endParaRPr kumimoji="1" lang="en-US" altLang="ja-JP" dirty="0">
+              <a:solidFill>
+                <a:schemeClr val="accent5"/>
+              </a:solidFill>
+            </a:endParaRPr>
+          </a:p>
+          <a:p>
+            <a:r>
               <a:rPr kumimoji="1" lang="ja-JP" altLang="en-US" dirty="0"/>
-              <a:t>各パラグラフはサポーティング・センテンスを基本的に複数含む</a:t>
+              <a:t>これは意味や論理のかたまりの粒度を揃えて読みやすくするため</a:t>
             </a:r>
             <a:endParaRPr kumimoji="1" lang="en-US" altLang="ja-JP" dirty="0"/>
           </a:p>
           <a:p>
-            <a:r>
-              <a:rPr lang="ja-JP" altLang="en-US" dirty="0"/>
-              <a:t>トピック・センテンスとの関係</a:t>
-            </a:r>
-            <a:endParaRPr lang="en-US" altLang="ja-JP" dirty="0"/>
-          </a:p>
-          <a:p>
             <a:pPr lvl="1"/>
             <a:r>
               <a:rPr kumimoji="1" lang="ja-JP" altLang="en-US" dirty="0"/>
-              <a:t>サポーティング・センテンスはトピック・センテンスの詳細を述べる関係にある</a:t>
+              <a:t>意味や論理のツリーをバランスさせる</a:t>
             </a:r>
             <a:endParaRPr kumimoji="1" lang="en-US" altLang="ja-JP" dirty="0"/>
           </a:p>
@@ -5781,12 +6048,23 @@
             <a:pPr lvl="1"/>
             <a:r>
               <a:rPr kumimoji="1" lang="ja-JP" altLang="en-US" dirty="0"/>
-              <a:t>トピック・センテンスはサポーティング・センテンス達をまとめたものとなる</a:t>
+              <a:t>１文だけのパラグラフがあると，かなりアンバランスになる</a:t>
             </a:r>
             <a:endParaRPr kumimoji="1" lang="en-US" altLang="ja-JP" dirty="0"/>
           </a:p>
           <a:p>
-            <a:pPr lvl="2"/>
+            <a:r>
+              <a:rPr kumimoji="1" lang="ja-JP" altLang="en-US" dirty="0"/>
+              <a:t>特に英語の論文書く時は必須</a:t>
+            </a:r>
+            <a:endParaRPr kumimoji="1" lang="en-US" altLang="ja-JP" dirty="0"/>
+          </a:p>
+          <a:p>
+            <a:pPr lvl="1"/>
+            <a:r>
+              <a:rPr kumimoji="1" lang="ja-JP" altLang="en-US" dirty="0"/>
+              <a:t>基本的な作法だと思って良い</a:t>
+            </a:r>
             <a:endParaRPr kumimoji="1" lang="en-US" altLang="ja-JP" dirty="0"/>
           </a:p>
         </p:txBody>
@@ -5794,7 +6072,7 @@
     </p:spTree>
     <p:extLst>
       <p:ext uri="{BB962C8B-B14F-4D97-AF65-F5344CB8AC3E}">
-        <p14:creationId xmlns:p14="http://schemas.microsoft.com/office/powerpoint/2010/main" val="3433765562"/>
+        <p14:creationId xmlns:p14="http://schemas.microsoft.com/office/powerpoint/2010/main" val="694378491"/>
       </p:ext>
     </p:extLst>
   </p:cSld>
@@ -5834,7 +6112,7 @@
           <p:cNvPr id="2" name="タイトル 1">
             <a:extLst>
               <a:ext uri="{FF2B5EF4-FFF2-40B4-BE49-F238E27FC236}">
-                <a16:creationId xmlns:a16="http://schemas.microsoft.com/office/drawing/2014/main" id="{85895AA1-C3F6-5137-D327-90AEE8D8717F}"/>
+                <a16:creationId xmlns:a16="http://schemas.microsoft.com/office/drawing/2014/main" id="{C4D89BBE-C954-57EF-0CFE-551A02390E58}"/>
               </a:ext>
             </a:extLst>
           </p:cNvPr>
@@ -5851,14 +6129,10 @@
           <a:lstStyle/>
           <a:p>
             <a:r>
-              <a:rPr lang="ja-JP" altLang="en-US" dirty="0"/>
-              <a:t>コンクルーディング</a:t>
-            </a:r>
-            <a:r>
-              <a:rPr lang="ja-JP" altLang="en-US"/>
-              <a:t>・センテンス</a:t>
-            </a:r>
-            <a:endParaRPr kumimoji="1" lang="ja-JP" altLang="en-US" dirty="0"/>
+              <a:rPr kumimoji="1" lang="ja-JP" altLang="en-US" dirty="0"/>
+              <a:t>概要から詳細への原則</a:t>
+            </a:r>
+            <a:endParaRPr kumimoji="1" lang="en-US" dirty="0"/>
           </a:p>
         </p:txBody>
       </p:sp>
@@ -5867,7 +6141,7 @@
           <p:cNvPr id="3" name="テキスト プレースホルダー 2">
             <a:extLst>
               <a:ext uri="{FF2B5EF4-FFF2-40B4-BE49-F238E27FC236}">
-                <a16:creationId xmlns:a16="http://schemas.microsoft.com/office/drawing/2014/main" id="{AF7DC518-51F8-FA2A-0A74-B2DB18D49FC7}"/>
+                <a16:creationId xmlns:a16="http://schemas.microsoft.com/office/drawing/2014/main" id="{F7041E1F-2A20-3868-089C-909BDA31BB1A}"/>
               </a:ext>
             </a:extLst>
           </p:cNvPr>
@@ -5884,33 +6158,39 @@
           <a:lstStyle/>
           <a:p>
             <a:r>
-              <a:rPr lang="ja-JP" altLang="en-US" dirty="0"/>
-              <a:t>コンクルーディング・センテンス</a:t>
-            </a:r>
-            <a:endParaRPr lang="en-US" altLang="ja-JP" dirty="0"/>
+              <a:rPr kumimoji="1" lang="ja-JP" altLang="en-US" dirty="0"/>
+              <a:t>まず概要や結論を話してから，その詳細を説明する</a:t>
+            </a:r>
+            <a:endParaRPr kumimoji="1" lang="en-US" altLang="ja-JP" dirty="0"/>
           </a:p>
           <a:p>
             <a:pPr lvl="1"/>
             <a:r>
               <a:rPr kumimoji="1" lang="ja-JP" altLang="en-US" dirty="0"/>
-              <a:t>トピック・センテンスの内容を別の言い方でまとめたもの</a:t>
+              <a:t>ミクロにもマクロにも，この順序を一貫する</a:t>
             </a:r>
             <a:endParaRPr kumimoji="1" lang="en-US" altLang="ja-JP" dirty="0"/>
           </a:p>
           <a:p>
-            <a:pPr lvl="1"/>
             <a:r>
               <a:rPr kumimoji="1" lang="ja-JP" altLang="en-US" dirty="0"/>
-              <a:t>ない場合も結構ある</a:t>
-            </a:r>
-            <a:endParaRPr kumimoji="1" lang="en-US" altLang="ja-JP" dirty="0"/>
+              <a:t>トピック・センテンス → サポーティング・センテンスも，</a:t>
+            </a:r>
+            <a:br>
+              <a:rPr kumimoji="1" lang="en-US" altLang="ja-JP" dirty="0"/>
+            </a:br>
+            <a:r>
+              <a:rPr kumimoji="1" lang="ja-JP" altLang="en-US" dirty="0"/>
+              <a:t>この基本ルールに従っている</a:t>
+            </a:r>
+            <a:endParaRPr kumimoji="1" lang="en-US" dirty="0"/>
           </a:p>
         </p:txBody>
       </p:sp>
     </p:spTree>
     <p:extLst>
       <p:ext uri="{BB962C8B-B14F-4D97-AF65-F5344CB8AC3E}">
-        <p14:creationId xmlns:p14="http://schemas.microsoft.com/office/powerpoint/2010/main" val="1114935817"/>
+        <p14:creationId xmlns:p14="http://schemas.microsoft.com/office/powerpoint/2010/main" val="4233752164"/>
       </p:ext>
     </p:extLst>
   </p:cSld>
@@ -5950,7 +6230,7 @@
           <p:cNvPr id="2" name="タイトル 1">
             <a:extLst>
               <a:ext uri="{FF2B5EF4-FFF2-40B4-BE49-F238E27FC236}">
-                <a16:creationId xmlns:a16="http://schemas.microsoft.com/office/drawing/2014/main" id="{DCF5D009-BF18-02FC-BE96-9B0C95B92972}"/>
+                <a16:creationId xmlns:a16="http://schemas.microsoft.com/office/drawing/2014/main" id="{29EE214D-6E7A-0357-0756-680B63295B42}"/>
               </a:ext>
             </a:extLst>
           </p:cNvPr>
@@ -5967,14 +6247,10 @@
           <a:lstStyle/>
           <a:p>
             <a:r>
-              <a:rPr kumimoji="1" lang="en-US" altLang="ja-JP" dirty="0"/>
-              <a:t>[C2] </a:t>
-            </a:r>
-            <a:r>
-              <a:rPr kumimoji="1" lang="ja-JP" altLang="en-US" dirty="0"/>
-              <a:t>パラグラフの長さについて</a:t>
-            </a:r>
-            <a:endParaRPr kumimoji="1" lang="en-US" dirty="0"/>
+              <a:rPr lang="ja-JP" altLang="en-US" dirty="0"/>
+              <a:t>パラグラフや文内の接続：古い情報と新しい情報</a:t>
+            </a:r>
+            <a:endParaRPr kumimoji="1" lang="ja-JP" altLang="en-US" dirty="0"/>
           </a:p>
         </p:txBody>
       </p:sp>
@@ -5983,7 +6259,7 @@
           <p:cNvPr id="3" name="テキスト プレースホルダー 2">
             <a:extLst>
               <a:ext uri="{FF2B5EF4-FFF2-40B4-BE49-F238E27FC236}">
-                <a16:creationId xmlns:a16="http://schemas.microsoft.com/office/drawing/2014/main" id="{74E361A1-FB51-6A08-743F-E336891A646F}"/>
+                <a16:creationId xmlns:a16="http://schemas.microsoft.com/office/drawing/2014/main" id="{73E7C1C9-4BB8-6905-4AC9-D99FB1224F57}"/>
               </a:ext>
             </a:extLst>
           </p:cNvPr>
@@ -5994,34 +6270,47 @@
             <p:ph type="body" sz="quarter" idx="10"/>
           </p:nvPr>
         </p:nvSpPr>
-        <p:spPr/>
+        <p:spPr>
+          <a:xfrm>
+            <a:off x="611956" y="1088974"/>
+            <a:ext cx="7920088" cy="5219751"/>
+          </a:xfrm>
+        </p:spPr>
         <p:txBody>
           <a:bodyPr/>
           <a:lstStyle/>
           <a:p>
             <a:r>
+              <a:rPr lang="ja-JP" altLang="en-US" dirty="0"/>
+              <a:t>パラグラフ内の各文</a:t>
+            </a:r>
+            <a:endParaRPr lang="en-US" altLang="ja-JP" dirty="0"/>
+          </a:p>
+          <a:p>
+            <a:pPr lvl="1"/>
+            <a:r>
               <a:rPr kumimoji="1" lang="ja-JP" altLang="en-US" dirty="0"/>
-              <a:t>パラグラフの長さは必ず一定の長さに揃える</a:t>
+              <a:t>トピック・センテンス </a:t>
+            </a:r>
+            <a:r>
+              <a:rPr kumimoji="1" lang="en-US" altLang="ja-JP" dirty="0"/>
+              <a:t>or </a:t>
+            </a:r>
+            <a:r>
+              <a:rPr kumimoji="1" lang="ja-JP" altLang="en-US" dirty="0"/>
+              <a:t>それまでのサポーティング・センテンスで触れた内容に必ず繋がっている</a:t>
             </a:r>
             <a:endParaRPr kumimoji="1" lang="en-US" altLang="ja-JP" dirty="0"/>
           </a:p>
           <a:p>
             <a:pPr lvl="1"/>
             <a:r>
-              <a:rPr kumimoji="1" lang="ja-JP" altLang="en-US" dirty="0"/>
-              <a:t>通常は３～６文程度</a:t>
-            </a:r>
-            <a:endParaRPr kumimoji="1" lang="en-US" altLang="ja-JP" dirty="0"/>
-          </a:p>
-          <a:p>
-            <a:pPr lvl="1"/>
-            <a:r>
               <a:rPr kumimoji="1" lang="ja-JP" altLang="en-US" dirty="0">
                 <a:solidFill>
                   <a:schemeClr val="accent5"/>
                 </a:solidFill>
               </a:rPr>
-              <a:t>１～２文だけのパラグラフを作ってはいけない</a:t>
+              <a:t>そこまでに現れていない概念や単語だけで構成された文を入れてはいけない</a:t>
             </a:r>
             <a:endParaRPr kumimoji="1" lang="en-US" altLang="ja-JP" dirty="0">
               <a:solidFill>
@@ -6030,49 +6319,18 @@
             </a:endParaRPr>
           </a:p>
           <a:p>
+            <a:pPr lvl="2"/>
             <a:r>
               <a:rPr kumimoji="1" lang="ja-JP" altLang="en-US" dirty="0"/>
-              <a:t>これは意味や論理のかたまりの粒度を揃えて読みやすくするため</a:t>
-            </a:r>
-            <a:endParaRPr kumimoji="1" lang="en-US" altLang="ja-JP" dirty="0"/>
-          </a:p>
-          <a:p>
-            <a:pPr lvl="1"/>
-            <a:r>
-              <a:rPr kumimoji="1" lang="ja-JP" altLang="en-US" dirty="0"/>
-              <a:t>意味や論理のツリーをバランスさせる</a:t>
-            </a:r>
-            <a:endParaRPr kumimoji="1" lang="en-US" altLang="ja-JP" dirty="0"/>
-          </a:p>
-          <a:p>
-            <a:pPr lvl="1"/>
-            <a:r>
-              <a:rPr kumimoji="1" lang="ja-JP" altLang="en-US" dirty="0"/>
-              <a:t>１文だけのパラグラフがあると，かなりアンバランスになる</a:t>
-            </a:r>
-            <a:endParaRPr kumimoji="1" lang="en-US" altLang="ja-JP" dirty="0"/>
-          </a:p>
-          <a:p>
-            <a:r>
-              <a:rPr kumimoji="1" lang="ja-JP" altLang="en-US" dirty="0"/>
-              <a:t>特に英語の論文書く時は必須</a:t>
-            </a:r>
-            <a:endParaRPr kumimoji="1" lang="en-US" altLang="ja-JP" dirty="0"/>
-          </a:p>
-          <a:p>
-            <a:pPr lvl="1"/>
-            <a:r>
-              <a:rPr kumimoji="1" lang="ja-JP" altLang="en-US" dirty="0"/>
-              <a:t>基本的な作法だと思って良い</a:t>
-            </a:r>
-            <a:endParaRPr kumimoji="1" lang="en-US" altLang="ja-JP" dirty="0"/>
+              <a:t>その後まで読んではじめて意味がわかるようなものはだめ</a:t>
+            </a:r>
           </a:p>
         </p:txBody>
       </p:sp>
     </p:spTree>
     <p:extLst>
       <p:ext uri="{BB962C8B-B14F-4D97-AF65-F5344CB8AC3E}">
-        <p14:creationId xmlns:p14="http://schemas.microsoft.com/office/powerpoint/2010/main" val="694378491"/>
+        <p14:creationId xmlns:p14="http://schemas.microsoft.com/office/powerpoint/2010/main" val="2780098737"/>
       </p:ext>
     </p:extLst>
   </p:cSld>
@@ -6130,264 +6388,6 @@
           <a:p>
             <a:r>
               <a:rPr kumimoji="1" lang="ja-JP" altLang="en-US" dirty="0"/>
-              <a:t>概要から詳細への原則</a:t>
-            </a:r>
-            <a:endParaRPr kumimoji="1" lang="en-US" dirty="0"/>
-          </a:p>
-        </p:txBody>
-      </p:sp>
-      <p:sp>
-        <p:nvSpPr>
-          <p:cNvPr id="3" name="テキスト プレースホルダー 2">
-            <a:extLst>
-              <a:ext uri="{FF2B5EF4-FFF2-40B4-BE49-F238E27FC236}">
-                <a16:creationId xmlns:a16="http://schemas.microsoft.com/office/drawing/2014/main" id="{F7041E1F-2A20-3868-089C-909BDA31BB1A}"/>
-              </a:ext>
-            </a:extLst>
-          </p:cNvPr>
-          <p:cNvSpPr>
-            <a:spLocks noGrp="1"/>
-          </p:cNvSpPr>
-          <p:nvPr>
-            <p:ph type="body" sz="quarter" idx="10"/>
-          </p:nvPr>
-        </p:nvSpPr>
-        <p:spPr/>
-        <p:txBody>
-          <a:bodyPr/>
-          <a:lstStyle/>
-          <a:p>
-            <a:r>
-              <a:rPr kumimoji="1" lang="ja-JP" altLang="en-US" dirty="0"/>
-              <a:t>まず概要や結論を話してから，その詳細を説明する</a:t>
-            </a:r>
-            <a:endParaRPr kumimoji="1" lang="en-US" altLang="ja-JP" dirty="0"/>
-          </a:p>
-          <a:p>
-            <a:pPr lvl="1"/>
-            <a:r>
-              <a:rPr kumimoji="1" lang="ja-JP" altLang="en-US" dirty="0"/>
-              <a:t>ミクロにもマクロにも，この順序を一貫する</a:t>
-            </a:r>
-            <a:endParaRPr kumimoji="1" lang="en-US" altLang="ja-JP" dirty="0"/>
-          </a:p>
-          <a:p>
-            <a:r>
-              <a:rPr kumimoji="1" lang="ja-JP" altLang="en-US" dirty="0"/>
-              <a:t>トピック・センテンス → サポーティング・センテンスも，</a:t>
-            </a:r>
-            <a:br>
-              <a:rPr kumimoji="1" lang="en-US" altLang="ja-JP" dirty="0"/>
-            </a:br>
-            <a:r>
-              <a:rPr kumimoji="1" lang="ja-JP" altLang="en-US" dirty="0"/>
-              <a:t>この基本ルールに従っている</a:t>
-            </a:r>
-            <a:endParaRPr kumimoji="1" lang="en-US" dirty="0"/>
-          </a:p>
-        </p:txBody>
-      </p:sp>
-    </p:spTree>
-    <p:extLst>
-      <p:ext uri="{BB962C8B-B14F-4D97-AF65-F5344CB8AC3E}">
-        <p14:creationId xmlns:p14="http://schemas.microsoft.com/office/powerpoint/2010/main" val="4233752164"/>
-      </p:ext>
-    </p:extLst>
-  </p:cSld>
-  <p:clrMapOvr>
-    <a:masterClrMapping/>
-  </p:clrMapOvr>
-  <mc:AlternateContent xmlns:mc="http://schemas.openxmlformats.org/markup-compatibility/2006" xmlns:p14="http://schemas.microsoft.com/office/powerpoint/2010/main">
-    <mc:Choice Requires="p14">
-      <p:transition p14:dur="10"/>
-    </mc:Choice>
-    <mc:Fallback xmlns="">
-      <p:transition/>
-    </mc:Fallback>
-  </mc:AlternateContent>
-</p:sld>
-</file>
-
-<file path=ppt/slides/slide28.xml><?xml version="1.0" encoding="utf-8"?>
-<p:sld xmlns:a="http://schemas.openxmlformats.org/drawingml/2006/main" xmlns:r="http://schemas.openxmlformats.org/officeDocument/2006/relationships" xmlns:p="http://schemas.openxmlformats.org/presentationml/2006/main">
-  <p:cSld>
-    <p:spTree>
-      <p:nvGrpSpPr>
-        <p:cNvPr id="1" name=""/>
-        <p:cNvGrpSpPr/>
-        <p:nvPr/>
-      </p:nvGrpSpPr>
-      <p:grpSpPr>
-        <a:xfrm>
-          <a:off x="0" y="0"/>
-          <a:ext cx="0" cy="0"/>
-          <a:chOff x="0" y="0"/>
-          <a:chExt cx="0" cy="0"/>
-        </a:xfrm>
-      </p:grpSpPr>
-      <p:sp>
-        <p:nvSpPr>
-          <p:cNvPr id="2" name="タイトル 1">
-            <a:extLst>
-              <a:ext uri="{FF2B5EF4-FFF2-40B4-BE49-F238E27FC236}">
-                <a16:creationId xmlns:a16="http://schemas.microsoft.com/office/drawing/2014/main" id="{29EE214D-6E7A-0357-0756-680B63295B42}"/>
-              </a:ext>
-            </a:extLst>
-          </p:cNvPr>
-          <p:cNvSpPr>
-            <a:spLocks noGrp="1"/>
-          </p:cNvSpPr>
-          <p:nvPr>
-            <p:ph type="title"/>
-          </p:nvPr>
-        </p:nvSpPr>
-        <p:spPr/>
-        <p:txBody>
-          <a:bodyPr/>
-          <a:lstStyle/>
-          <a:p>
-            <a:r>
-              <a:rPr lang="ja-JP" altLang="en-US" dirty="0"/>
-              <a:t>パラグラフや文内の接続：古い情報と新しい情報</a:t>
-            </a:r>
-            <a:endParaRPr kumimoji="1" lang="ja-JP" altLang="en-US" dirty="0"/>
-          </a:p>
-        </p:txBody>
-      </p:sp>
-      <p:sp>
-        <p:nvSpPr>
-          <p:cNvPr id="3" name="テキスト プレースホルダー 2">
-            <a:extLst>
-              <a:ext uri="{FF2B5EF4-FFF2-40B4-BE49-F238E27FC236}">
-                <a16:creationId xmlns:a16="http://schemas.microsoft.com/office/drawing/2014/main" id="{73E7C1C9-4BB8-6905-4AC9-D99FB1224F57}"/>
-              </a:ext>
-            </a:extLst>
-          </p:cNvPr>
-          <p:cNvSpPr>
-            <a:spLocks noGrp="1"/>
-          </p:cNvSpPr>
-          <p:nvPr>
-            <p:ph type="body" sz="quarter" idx="10"/>
-          </p:nvPr>
-        </p:nvSpPr>
-        <p:spPr>
-          <a:xfrm>
-            <a:off x="611956" y="1088974"/>
-            <a:ext cx="7920088" cy="5219751"/>
-          </a:xfrm>
-        </p:spPr>
-        <p:txBody>
-          <a:bodyPr/>
-          <a:lstStyle/>
-          <a:p>
-            <a:r>
-              <a:rPr lang="ja-JP" altLang="en-US" dirty="0"/>
-              <a:t>パラグラフ内の各文</a:t>
-            </a:r>
-            <a:endParaRPr lang="en-US" altLang="ja-JP" dirty="0"/>
-          </a:p>
-          <a:p>
-            <a:pPr lvl="1"/>
-            <a:r>
-              <a:rPr kumimoji="1" lang="ja-JP" altLang="en-US" dirty="0"/>
-              <a:t>トピック・センテンス </a:t>
-            </a:r>
-            <a:r>
-              <a:rPr kumimoji="1" lang="en-US" altLang="ja-JP" dirty="0"/>
-              <a:t>or </a:t>
-            </a:r>
-            <a:r>
-              <a:rPr kumimoji="1" lang="ja-JP" altLang="en-US" dirty="0"/>
-              <a:t>それまでのサポーティング・センテンスで触れた内容に必ず繋がっている</a:t>
-            </a:r>
-            <a:endParaRPr kumimoji="1" lang="en-US" altLang="ja-JP" dirty="0"/>
-          </a:p>
-          <a:p>
-            <a:pPr lvl="1"/>
-            <a:r>
-              <a:rPr kumimoji="1" lang="ja-JP" altLang="en-US" dirty="0">
-                <a:solidFill>
-                  <a:schemeClr val="accent5"/>
-                </a:solidFill>
-              </a:rPr>
-              <a:t>そこまでに現れていない概念や単語だけで構成された文を入れてはいけない</a:t>
-            </a:r>
-            <a:endParaRPr kumimoji="1" lang="en-US" altLang="ja-JP" dirty="0">
-              <a:solidFill>
-                <a:schemeClr val="accent5"/>
-              </a:solidFill>
-            </a:endParaRPr>
-          </a:p>
-          <a:p>
-            <a:pPr lvl="2"/>
-            <a:r>
-              <a:rPr kumimoji="1" lang="ja-JP" altLang="en-US" dirty="0"/>
-              <a:t>その後まで読んではじめて意味がわかるようなものはだめ</a:t>
-            </a:r>
-          </a:p>
-        </p:txBody>
-      </p:sp>
-    </p:spTree>
-    <p:extLst>
-      <p:ext uri="{BB962C8B-B14F-4D97-AF65-F5344CB8AC3E}">
-        <p14:creationId xmlns:p14="http://schemas.microsoft.com/office/powerpoint/2010/main" val="2780098737"/>
-      </p:ext>
-    </p:extLst>
-  </p:cSld>
-  <p:clrMapOvr>
-    <a:masterClrMapping/>
-  </p:clrMapOvr>
-  <mc:AlternateContent xmlns:mc="http://schemas.openxmlformats.org/markup-compatibility/2006" xmlns:p14="http://schemas.microsoft.com/office/powerpoint/2010/main">
-    <mc:Choice Requires="p14">
-      <p:transition p14:dur="10"/>
-    </mc:Choice>
-    <mc:Fallback xmlns="">
-      <p:transition/>
-    </mc:Fallback>
-  </mc:AlternateContent>
-</p:sld>
-</file>
-
-<file path=ppt/slides/slide29.xml><?xml version="1.0" encoding="utf-8"?>
-<p:sld xmlns:a="http://schemas.openxmlformats.org/drawingml/2006/main" xmlns:r="http://schemas.openxmlformats.org/officeDocument/2006/relationships" xmlns:p="http://schemas.openxmlformats.org/presentationml/2006/main">
-  <p:cSld>
-    <p:spTree>
-      <p:nvGrpSpPr>
-        <p:cNvPr id="1" name=""/>
-        <p:cNvGrpSpPr/>
-        <p:nvPr/>
-      </p:nvGrpSpPr>
-      <p:grpSpPr>
-        <a:xfrm>
-          <a:off x="0" y="0"/>
-          <a:ext cx="0" cy="0"/>
-          <a:chOff x="0" y="0"/>
-          <a:chExt cx="0" cy="0"/>
-        </a:xfrm>
-      </p:grpSpPr>
-      <p:sp>
-        <p:nvSpPr>
-          <p:cNvPr id="2" name="タイトル 1">
-            <a:extLst>
-              <a:ext uri="{FF2B5EF4-FFF2-40B4-BE49-F238E27FC236}">
-                <a16:creationId xmlns:a16="http://schemas.microsoft.com/office/drawing/2014/main" id="{C4D89BBE-C954-57EF-0CFE-551A02390E58}"/>
-              </a:ext>
-            </a:extLst>
-          </p:cNvPr>
-          <p:cNvSpPr>
-            <a:spLocks noGrp="1"/>
-          </p:cNvSpPr>
-          <p:nvPr>
-            <p:ph type="title"/>
-          </p:nvPr>
-        </p:nvSpPr>
-        <p:spPr/>
-        <p:txBody>
-          <a:bodyPr/>
-          <a:lstStyle/>
-          <a:p>
-            <a:r>
-              <a:rPr kumimoji="1" lang="ja-JP" altLang="en-US" dirty="0"/>
               <a:t>良くない例</a:t>
             </a:r>
             <a:endParaRPr kumimoji="1" lang="en-US" altLang="ja-JP" dirty="0"/>
@@ -6481,240 +6481,7 @@
 </p:sld>
 </file>
 
-<file path=ppt/slides/slide3.xml><?xml version="1.0" encoding="utf-8"?>
-<p:sld xmlns:a="http://schemas.openxmlformats.org/drawingml/2006/main" xmlns:r="http://schemas.openxmlformats.org/officeDocument/2006/relationships" xmlns:p="http://schemas.openxmlformats.org/presentationml/2006/main">
-  <p:cSld>
-    <p:spTree>
-      <p:nvGrpSpPr>
-        <p:cNvPr id="1" name=""/>
-        <p:cNvGrpSpPr/>
-        <p:nvPr/>
-      </p:nvGrpSpPr>
-      <p:grpSpPr>
-        <a:xfrm>
-          <a:off x="0" y="0"/>
-          <a:ext cx="0" cy="0"/>
-          <a:chOff x="0" y="0"/>
-          <a:chExt cx="0" cy="0"/>
-        </a:xfrm>
-      </p:grpSpPr>
-      <p:sp>
-        <p:nvSpPr>
-          <p:cNvPr id="2" name="タイトル 1">
-            <a:extLst>
-              <a:ext uri="{FF2B5EF4-FFF2-40B4-BE49-F238E27FC236}">
-                <a16:creationId xmlns:a16="http://schemas.microsoft.com/office/drawing/2014/main" id="{E2B2804B-5759-9AAD-53B1-42FDE0863920}"/>
-              </a:ext>
-            </a:extLst>
-          </p:cNvPr>
-          <p:cNvSpPr>
-            <a:spLocks noGrp="1"/>
-          </p:cNvSpPr>
-          <p:nvPr>
-            <p:ph type="title"/>
-          </p:nvPr>
-        </p:nvSpPr>
-        <p:spPr/>
-        <p:txBody>
-          <a:bodyPr/>
-          <a:lstStyle/>
-          <a:p>
-            <a:r>
-              <a:rPr kumimoji="1" lang="ja-JP" altLang="en-US" dirty="0"/>
-              <a:t>チェックリスト </a:t>
-            </a:r>
-            <a:r>
-              <a:rPr kumimoji="1" lang="en-US" altLang="ja-JP" dirty="0"/>
-              <a:t>1</a:t>
-            </a:r>
-            <a:endParaRPr kumimoji="1" lang="en-US" dirty="0"/>
-          </a:p>
-        </p:txBody>
-      </p:sp>
-      <p:sp>
-        <p:nvSpPr>
-          <p:cNvPr id="3" name="テキスト プレースホルダー 2">
-            <a:extLst>
-              <a:ext uri="{FF2B5EF4-FFF2-40B4-BE49-F238E27FC236}">
-                <a16:creationId xmlns:a16="http://schemas.microsoft.com/office/drawing/2014/main" id="{7BF7AC90-EE6A-FEBB-4396-0C91BB79835D}"/>
-              </a:ext>
-            </a:extLst>
-          </p:cNvPr>
-          <p:cNvSpPr>
-            <a:spLocks noGrp="1"/>
-          </p:cNvSpPr>
-          <p:nvPr>
-            <p:ph type="body" sz="quarter" idx="10"/>
-          </p:nvPr>
-        </p:nvSpPr>
-        <p:spPr/>
-        <p:txBody>
-          <a:bodyPr/>
-          <a:lstStyle/>
-          <a:p>
-            <a:r>
-              <a:rPr kumimoji="1" lang="en-US" altLang="ja-JP" dirty="0"/>
-              <a:t>[A] </a:t>
-            </a:r>
-            <a:r>
-              <a:rPr kumimoji="1" lang="ja-JP" altLang="en-US" dirty="0"/>
-              <a:t>文</a:t>
-            </a:r>
-            <a:endParaRPr kumimoji="1" lang="en-US" altLang="ja-JP" dirty="0"/>
-          </a:p>
-          <a:p>
-            <a:pPr lvl="1"/>
-            <a:r>
-              <a:rPr kumimoji="1" lang="en-US" altLang="ja-JP" dirty="0"/>
-              <a:t>[A1] </a:t>
-            </a:r>
-            <a:r>
-              <a:rPr kumimoji="1" lang="ja-JP" altLang="en-US" dirty="0"/>
-              <a:t>各文は短く簡潔になっている</a:t>
-            </a:r>
-            <a:endParaRPr kumimoji="1" lang="en-US" altLang="ja-JP" dirty="0"/>
-          </a:p>
-          <a:p>
-            <a:pPr lvl="1"/>
-            <a:r>
-              <a:rPr kumimoji="1" lang="en-US" altLang="ja-JP" dirty="0"/>
-              <a:t>[A2] </a:t>
-            </a:r>
-            <a:r>
-              <a:rPr kumimoji="1" lang="ja-JP" altLang="en-US" dirty="0"/>
-              <a:t>複文を書く場合は，それが２文以下におさまっている</a:t>
-            </a:r>
-            <a:endParaRPr kumimoji="1" lang="en-US" altLang="ja-JP" dirty="0"/>
-          </a:p>
-          <a:p>
-            <a:pPr lvl="1"/>
-            <a:r>
-              <a:rPr kumimoji="1" lang="en-US" altLang="ja-JP" dirty="0"/>
-              <a:t>[A3] </a:t>
-            </a:r>
-            <a:r>
-              <a:rPr kumimoji="1" lang="ja-JP" altLang="en-US" dirty="0"/>
-              <a:t>各文に主語や述語が省略されずに含まれている</a:t>
-            </a:r>
-            <a:endParaRPr kumimoji="1" lang="en-US" altLang="ja-JP" dirty="0"/>
-          </a:p>
-          <a:p>
-            <a:r>
-              <a:rPr lang="en-US" altLang="ja-JP" dirty="0"/>
-              <a:t>[B] </a:t>
-            </a:r>
-            <a:r>
-              <a:rPr lang="ja-JP" altLang="en-US" dirty="0"/>
-              <a:t>文の接続</a:t>
-            </a:r>
-            <a:endParaRPr lang="en-US" altLang="ja-JP" dirty="0"/>
-          </a:p>
-          <a:p>
-            <a:pPr lvl="1"/>
-            <a:r>
-              <a:rPr lang="en-US" altLang="ja-JP" dirty="0"/>
-              <a:t>[B1] </a:t>
-            </a:r>
-            <a:r>
-              <a:rPr kumimoji="1" lang="ja-JP" altLang="en-US" dirty="0"/>
-              <a:t>全ての文はそれまでに出てきた古い情報を明に含み，</a:t>
-            </a:r>
-            <a:br>
-              <a:rPr kumimoji="1" lang="en-US" altLang="ja-JP" dirty="0"/>
-            </a:br>
-            <a:r>
-              <a:rPr kumimoji="1" lang="ja-JP" altLang="en-US" dirty="0"/>
-              <a:t>きちんと接続されている</a:t>
-            </a:r>
-            <a:endParaRPr kumimoji="1" lang="en-US" altLang="ja-JP" dirty="0"/>
-          </a:p>
-          <a:p>
-            <a:pPr lvl="1"/>
-            <a:r>
-              <a:rPr lang="en-US" altLang="ja-JP" dirty="0"/>
-              <a:t>[B2] </a:t>
-            </a:r>
-            <a:r>
-              <a:rPr lang="ja-JP" altLang="en-US" dirty="0"/>
-              <a:t>概観から詳細への原則で接続されている</a:t>
-            </a:r>
-            <a:endParaRPr kumimoji="1" lang="en-US" altLang="ja-JP" dirty="0"/>
-          </a:p>
-          <a:p>
-            <a:pPr lvl="1"/>
-            <a:r>
-              <a:rPr kumimoji="1" lang="en-US" altLang="ja-JP" dirty="0"/>
-              <a:t>[B3] </a:t>
-            </a:r>
-            <a:r>
-              <a:rPr kumimoji="1" lang="ja-JP" altLang="en-US" dirty="0"/>
-              <a:t>読点を正しく打っている</a:t>
-            </a:r>
-            <a:endParaRPr kumimoji="1" lang="en-US" altLang="ja-JP" dirty="0"/>
-          </a:p>
-          <a:p>
-            <a:r>
-              <a:rPr lang="en-US" altLang="ja-JP" dirty="0"/>
-              <a:t>[C] </a:t>
-            </a:r>
-            <a:r>
-              <a:rPr lang="ja-JP" altLang="en-US" dirty="0"/>
-              <a:t>パラグラフ</a:t>
-            </a:r>
-            <a:r>
-              <a:rPr lang="en-US" altLang="ja-JP" dirty="0"/>
-              <a:t>	</a:t>
-            </a:r>
-            <a:endParaRPr kumimoji="1" lang="en-US" altLang="ja-JP" dirty="0"/>
-          </a:p>
-          <a:p>
-            <a:pPr lvl="1"/>
-            <a:r>
-              <a:rPr kumimoji="1" lang="en-US" altLang="ja-JP" dirty="0"/>
-              <a:t>[A1] </a:t>
-            </a:r>
-            <a:r>
-              <a:rPr kumimoji="1" lang="ja-JP" altLang="en-US" dirty="0"/>
-              <a:t>トピック・センテンスだけを繋げて読んでも意味がわかる</a:t>
-            </a:r>
-            <a:endParaRPr kumimoji="1" lang="en-US" altLang="ja-JP" dirty="0"/>
-          </a:p>
-          <a:p>
-            <a:pPr lvl="1"/>
-            <a:r>
-              <a:rPr kumimoji="1" lang="en-US" altLang="ja-JP" dirty="0"/>
-              <a:t>[A2] </a:t>
-            </a:r>
-            <a:r>
-              <a:rPr kumimoji="1" lang="ja-JP" altLang="en-US" dirty="0"/>
-              <a:t>パラグラフの長さは一定になっている</a:t>
-            </a:r>
-            <a:endParaRPr kumimoji="1" lang="en-US" altLang="ja-JP" dirty="0"/>
-          </a:p>
-        </p:txBody>
-      </p:sp>
-    </p:spTree>
-    <p:extLst>
-      <p:ext uri="{BB962C8B-B14F-4D97-AF65-F5344CB8AC3E}">
-        <p14:creationId xmlns:p14="http://schemas.microsoft.com/office/powerpoint/2010/main" val="589779602"/>
-      </p:ext>
-    </p:extLst>
-  </p:cSld>
-  <p:clrMapOvr>
-    <a:masterClrMapping/>
-  </p:clrMapOvr>
-  <mc:AlternateContent xmlns:mc="http://schemas.openxmlformats.org/markup-compatibility/2006" xmlns:p14="http://schemas.microsoft.com/office/powerpoint/2010/main">
-    <mc:Choice Requires="p14">
-      <p:transition p14:dur="10"/>
-    </mc:Choice>
-    <mc:Fallback xmlns="">
-      <p:transition/>
-    </mc:Fallback>
-  </mc:AlternateContent>
-</p:sld>
-</file>
-
-<file path=ppt/slides/slide30.xml><?xml version="1.0" encoding="utf-8"?>
+<file path=ppt/slides/slide28.xml><?xml version="1.0" encoding="utf-8"?>
 <p:sld xmlns:a="http://schemas.openxmlformats.org/drawingml/2006/main" xmlns:r="http://schemas.openxmlformats.org/officeDocument/2006/relationships" xmlns:p="http://schemas.openxmlformats.org/presentationml/2006/main">
   <p:cSld>
     <p:spTree>
@@ -7318,7 +7085,7 @@
 </p:sld>
 </file>
 
-<file path=ppt/slides/slide31.xml><?xml version="1.0" encoding="utf-8"?>
+<file path=ppt/slides/slide29.xml><?xml version="1.0" encoding="utf-8"?>
 <p:sld xmlns:a="http://schemas.openxmlformats.org/drawingml/2006/main" xmlns:r="http://schemas.openxmlformats.org/officeDocument/2006/relationships" xmlns:p="http://schemas.openxmlformats.org/presentationml/2006/main">
   <p:cSld>
     <p:spTree>
@@ -8142,7 +7909,72 @@
 </p:sld>
 </file>
 
-<file path=ppt/slides/slide32.xml><?xml version="1.0" encoding="utf-8"?>
+<file path=ppt/slides/slide3.xml><?xml version="1.0" encoding="utf-8"?>
+<p:sld xmlns:a="http://schemas.openxmlformats.org/drawingml/2006/main" xmlns:r="http://schemas.openxmlformats.org/officeDocument/2006/relationships" xmlns:p="http://schemas.openxmlformats.org/presentationml/2006/main">
+  <p:cSld>
+    <p:spTree>
+      <p:nvGrpSpPr>
+        <p:cNvPr id="1" name="">
+          <a:extLst>
+            <a:ext uri="{FF2B5EF4-FFF2-40B4-BE49-F238E27FC236}">
+              <a16:creationId xmlns:a16="http://schemas.microsoft.com/office/drawing/2014/main" id="{73A19EF2-8191-8337-3102-B480543972F7}"/>
+            </a:ext>
+          </a:extLst>
+        </p:cNvPr>
+        <p:cNvGrpSpPr/>
+        <p:nvPr/>
+      </p:nvGrpSpPr>
+      <p:grpSpPr>
+        <a:xfrm>
+          <a:off x="0" y="0"/>
+          <a:ext cx="0" cy="0"/>
+          <a:chOff x="0" y="0"/>
+          <a:chExt cx="0" cy="0"/>
+        </a:xfrm>
+      </p:grpSpPr>
+      <p:sp>
+        <p:nvSpPr>
+          <p:cNvPr id="6" name="タイトル 5">
+            <a:extLst>
+              <a:ext uri="{FF2B5EF4-FFF2-40B4-BE49-F238E27FC236}">
+                <a16:creationId xmlns:a16="http://schemas.microsoft.com/office/drawing/2014/main" id="{9FC83072-D41C-D063-7413-3484FAE7FBDD}"/>
+              </a:ext>
+            </a:extLst>
+          </p:cNvPr>
+          <p:cNvSpPr>
+            <a:spLocks noGrp="1"/>
+          </p:cNvSpPr>
+          <p:nvPr>
+            <p:ph type="title"/>
+          </p:nvPr>
+        </p:nvSpPr>
+        <p:spPr/>
+        <p:txBody>
+          <a:bodyPr/>
+          <a:lstStyle/>
+          <a:p>
+            <a:r>
+              <a:rPr lang="ja-JP" altLang="en-US" b="1" dirty="0"/>
+              <a:t>はじめに</a:t>
+            </a:r>
+            <a:endParaRPr lang="en-US" b="1" dirty="0"/>
+          </a:p>
+        </p:txBody>
+      </p:sp>
+    </p:spTree>
+    <p:extLst>
+      <p:ext uri="{BB962C8B-B14F-4D97-AF65-F5344CB8AC3E}">
+        <p14:creationId xmlns:p14="http://schemas.microsoft.com/office/powerpoint/2010/main" val="1499502502"/>
+      </p:ext>
+    </p:extLst>
+  </p:cSld>
+  <p:clrMapOvr>
+    <a:masterClrMapping/>
+  </p:clrMapOvr>
+</p:sld>
+</file>
+
+<file path=ppt/slides/slide30.xml><?xml version="1.0" encoding="utf-8"?>
 <p:sld xmlns:a="http://schemas.openxmlformats.org/drawingml/2006/main" xmlns:r="http://schemas.openxmlformats.org/officeDocument/2006/relationships" xmlns:p="http://schemas.openxmlformats.org/presentationml/2006/main">
   <p:cSld>
     <p:spTree>
@@ -8205,7 +8037,7 @@
 </p:sld>
 </file>
 
-<file path=ppt/slides/slide33.xml><?xml version="1.0" encoding="utf-8"?>
+<file path=ppt/slides/slide31.xml><?xml version="1.0" encoding="utf-8"?>
 <p:sld xmlns:a="http://schemas.openxmlformats.org/drawingml/2006/main" xmlns:r="http://schemas.openxmlformats.org/officeDocument/2006/relationships" xmlns:p="http://schemas.openxmlformats.org/presentationml/2006/main">
   <p:cSld>
     <p:spTree>
@@ -8378,7 +8210,7 @@
             <a:fld id="{D2D8002D-B5B0-4BAC-B1F6-782DDCCE6D9C}" type="slidenum">
               <a:rPr kumimoji="1" lang="ja-JP" altLang="en-US" smtClean="0"/>
               <a:pPr/>
-              <a:t>33</a:t>
+              <a:t>31</a:t>
             </a:fld>
             <a:endParaRPr kumimoji="1" lang="ja-JP" altLang="en-US"/>
           </a:p>
@@ -8405,7 +8237,7 @@
 </p:sld>
 </file>
 
-<file path=ppt/slides/slide34.xml><?xml version="1.0" encoding="utf-8"?>
+<file path=ppt/slides/slide32.xml><?xml version="1.0" encoding="utf-8"?>
 <p:sld xmlns:a="http://schemas.openxmlformats.org/drawingml/2006/main" xmlns:r="http://schemas.openxmlformats.org/officeDocument/2006/relationships" xmlns:p="http://schemas.openxmlformats.org/presentationml/2006/main">
   <p:cSld>
     <p:spTree>
@@ -8631,7 +8463,7 @@
 </p:sld>
 </file>
 
-<file path=ppt/slides/slide35.xml><?xml version="1.0" encoding="utf-8"?>
+<file path=ppt/slides/slide33.xml><?xml version="1.0" encoding="utf-8"?>
 <p:sld xmlns:a="http://schemas.openxmlformats.org/drawingml/2006/main" xmlns:r="http://schemas.openxmlformats.org/officeDocument/2006/relationships" xmlns:p="http://schemas.openxmlformats.org/presentationml/2006/main">
   <p:cSld>
     <p:spTree>
@@ -12217,7 +12049,7 @@
 </p:sld>
 </file>
 
-<file path=ppt/slides/slide36.xml><?xml version="1.0" encoding="utf-8"?>
+<file path=ppt/slides/slide34.xml><?xml version="1.0" encoding="utf-8"?>
 <p:sld xmlns:a="http://schemas.openxmlformats.org/drawingml/2006/main" xmlns:r="http://schemas.openxmlformats.org/officeDocument/2006/relationships" xmlns:p="http://schemas.openxmlformats.org/presentationml/2006/main">
   <p:cSld>
     <p:spTree>
@@ -15803,6 +15635,306 @@
 </p:sld>
 </file>
 
+<file path=ppt/slides/slide35.xml><?xml version="1.0" encoding="utf-8"?>
+<p:sld xmlns:a="http://schemas.openxmlformats.org/drawingml/2006/main" xmlns:r="http://schemas.openxmlformats.org/officeDocument/2006/relationships" xmlns:p="http://schemas.openxmlformats.org/presentationml/2006/main">
+  <p:cSld>
+    <p:spTree>
+      <p:nvGrpSpPr>
+        <p:cNvPr id="1" name=""/>
+        <p:cNvGrpSpPr/>
+        <p:nvPr/>
+      </p:nvGrpSpPr>
+      <p:grpSpPr>
+        <a:xfrm>
+          <a:off x="0" y="0"/>
+          <a:ext cx="0" cy="0"/>
+          <a:chOff x="0" y="0"/>
+          <a:chExt cx="0" cy="0"/>
+        </a:xfrm>
+      </p:grpSpPr>
+      <p:sp>
+        <p:nvSpPr>
+          <p:cNvPr id="4" name="タイトル 3">
+            <a:extLst>
+              <a:ext uri="{FF2B5EF4-FFF2-40B4-BE49-F238E27FC236}">
+                <a16:creationId xmlns:a16="http://schemas.microsoft.com/office/drawing/2014/main" id="{A9426C05-5AE1-8631-4846-516FF0339BB6}"/>
+              </a:ext>
+            </a:extLst>
+          </p:cNvPr>
+          <p:cNvSpPr>
+            <a:spLocks noGrp="1"/>
+          </p:cNvSpPr>
+          <p:nvPr>
+            <p:ph type="title"/>
+          </p:nvPr>
+        </p:nvSpPr>
+        <p:spPr/>
+        <p:txBody>
+          <a:bodyPr/>
+          <a:lstStyle/>
+          <a:p>
+            <a:r>
+              <a:rPr lang="en-US" altLang="ja-JP" b="1" dirty="0"/>
+              <a:t>[E] </a:t>
+            </a:r>
+            <a:r>
+              <a:rPr lang="ja-JP" altLang="en-US" b="1" dirty="0"/>
+              <a:t>その他の話題</a:t>
+            </a:r>
+            <a:endParaRPr lang="en-US" b="1" dirty="0"/>
+          </a:p>
+        </p:txBody>
+      </p:sp>
+    </p:spTree>
+    <p:extLst>
+      <p:ext uri="{BB962C8B-B14F-4D97-AF65-F5344CB8AC3E}">
+        <p14:creationId xmlns:p14="http://schemas.microsoft.com/office/powerpoint/2010/main" val="3864265871"/>
+      </p:ext>
+    </p:extLst>
+  </p:cSld>
+  <p:clrMapOvr>
+    <a:masterClrMapping/>
+  </p:clrMapOvr>
+</p:sld>
+</file>
+
+<file path=ppt/slides/slide36.xml><?xml version="1.0" encoding="utf-8"?>
+<p:sld xmlns:a="http://schemas.openxmlformats.org/drawingml/2006/main" xmlns:r="http://schemas.openxmlformats.org/officeDocument/2006/relationships" xmlns:p="http://schemas.openxmlformats.org/presentationml/2006/main">
+  <p:cSld>
+    <p:spTree>
+      <p:nvGrpSpPr>
+        <p:cNvPr id="1" name=""/>
+        <p:cNvGrpSpPr/>
+        <p:nvPr/>
+      </p:nvGrpSpPr>
+      <p:grpSpPr>
+        <a:xfrm>
+          <a:off x="0" y="0"/>
+          <a:ext cx="0" cy="0"/>
+          <a:chOff x="0" y="0"/>
+          <a:chExt cx="0" cy="0"/>
+        </a:xfrm>
+      </p:grpSpPr>
+      <p:sp>
+        <p:nvSpPr>
+          <p:cNvPr id="2" name="タイトル 1">
+            <a:extLst>
+              <a:ext uri="{FF2B5EF4-FFF2-40B4-BE49-F238E27FC236}">
+                <a16:creationId xmlns:a16="http://schemas.microsoft.com/office/drawing/2014/main" id="{57D58272-A4AE-3AA5-F40D-3A8576F12440}"/>
+              </a:ext>
+            </a:extLst>
+          </p:cNvPr>
+          <p:cNvSpPr>
+            <a:spLocks noGrp="1"/>
+          </p:cNvSpPr>
+          <p:nvPr>
+            <p:ph type="title"/>
+          </p:nvPr>
+        </p:nvSpPr>
+        <p:spPr/>
+        <p:txBody>
+          <a:bodyPr/>
+          <a:lstStyle/>
+          <a:p>
+            <a:r>
+              <a:rPr kumimoji="1" lang="en-US" altLang="ja-JP" dirty="0"/>
+              <a:t>[E1] </a:t>
+            </a:r>
+            <a:r>
+              <a:rPr kumimoji="1" lang="ja-JP" altLang="en-US" dirty="0"/>
+              <a:t>読点の打ち方</a:t>
+            </a:r>
+            <a:endParaRPr kumimoji="1" lang="en-US" dirty="0"/>
+          </a:p>
+        </p:txBody>
+      </p:sp>
+      <p:sp>
+        <p:nvSpPr>
+          <p:cNvPr id="3" name="テキスト プレースホルダー 2">
+            <a:extLst>
+              <a:ext uri="{FF2B5EF4-FFF2-40B4-BE49-F238E27FC236}">
+                <a16:creationId xmlns:a16="http://schemas.microsoft.com/office/drawing/2014/main" id="{5CFAE879-D802-CFF8-6E96-86A2DEB88E2F}"/>
+              </a:ext>
+            </a:extLst>
+          </p:cNvPr>
+          <p:cNvSpPr>
+            <a:spLocks noGrp="1"/>
+          </p:cNvSpPr>
+          <p:nvPr>
+            <p:ph type="body" sz="quarter" idx="10"/>
+          </p:nvPr>
+        </p:nvSpPr>
+        <p:spPr bwMode="auto"/>
+        <p:txBody>
+          <a:bodyPr/>
+          <a:lstStyle/>
+          <a:p>
+            <a:r>
+              <a:rPr kumimoji="1" lang="ja-JP" altLang="en-US" dirty="0"/>
+              <a:t>読点「、」「，」は使って良い場所が決まっている</a:t>
+            </a:r>
+            <a:endParaRPr kumimoji="1" lang="en-US" altLang="ja-JP" dirty="0"/>
+          </a:p>
+          <a:p>
+            <a:pPr marL="817200" lvl="1" indent="-457200">
+              <a:buFont typeface="+mj-lt"/>
+              <a:buAutoNum type="arabicPeriod"/>
+            </a:pPr>
+            <a:r>
+              <a:rPr kumimoji="1" lang="ja-JP" altLang="en-US" dirty="0"/>
+              <a:t>複文における文と文の間の切れ目</a:t>
+            </a:r>
+            <a:endParaRPr kumimoji="1" lang="en-US" altLang="ja-JP" dirty="0"/>
+          </a:p>
+          <a:p>
+            <a:pPr lvl="2"/>
+            <a:r>
+              <a:rPr kumimoji="1" lang="ja-JP" altLang="en-US" dirty="0"/>
+              <a:t>「</a:t>
+            </a:r>
+            <a:r>
+              <a:rPr kumimoji="1" lang="en-US" altLang="ja-JP" dirty="0"/>
+              <a:t>A </a:t>
+            </a:r>
+            <a:r>
+              <a:rPr kumimoji="1" lang="ja-JP" altLang="en-US" dirty="0"/>
+              <a:t>は </a:t>
+            </a:r>
+            <a:r>
+              <a:rPr kumimoji="1" lang="en-US" altLang="ja-JP" dirty="0"/>
+              <a:t>B </a:t>
+            </a:r>
+            <a:r>
+              <a:rPr kumimoji="1" lang="ja-JP" altLang="en-US" dirty="0"/>
+              <a:t>であり，したがって </a:t>
+            </a:r>
+            <a:r>
+              <a:rPr kumimoji="1" lang="en-US" altLang="ja-JP" dirty="0"/>
+              <a:t>B </a:t>
+            </a:r>
+            <a:r>
+              <a:rPr kumimoji="1" lang="ja-JP" altLang="en-US" dirty="0"/>
+              <a:t>は </a:t>
+            </a:r>
+            <a:r>
+              <a:rPr kumimoji="1" lang="en-US" altLang="ja-JP" dirty="0"/>
+              <a:t>C </a:t>
+            </a:r>
+            <a:r>
+              <a:rPr kumimoji="1" lang="ja-JP" altLang="en-US" dirty="0"/>
+              <a:t>である」</a:t>
+            </a:r>
+            <a:endParaRPr kumimoji="1" lang="en-US" altLang="ja-JP" dirty="0"/>
+          </a:p>
+          <a:p>
+            <a:pPr marL="817200" lvl="1" indent="-457200">
+              <a:buFont typeface="+mj-lt"/>
+              <a:buAutoNum type="arabicPeriod"/>
+            </a:pPr>
+            <a:r>
+              <a:rPr kumimoji="1" lang="ja-JP" altLang="en-US" dirty="0"/>
+              <a:t>接続詞の後</a:t>
+            </a:r>
+            <a:endParaRPr kumimoji="1" lang="en-US" altLang="ja-JP" dirty="0"/>
+          </a:p>
+          <a:p>
+            <a:pPr lvl="2"/>
+            <a:r>
+              <a:rPr kumimoji="1" lang="ja-JP" altLang="en-US" dirty="0"/>
+              <a:t>「しかし，それは･･･」</a:t>
+            </a:r>
+            <a:endParaRPr kumimoji="1" lang="en-US" altLang="ja-JP" dirty="0"/>
+          </a:p>
+          <a:p>
+            <a:pPr marL="817200" lvl="1" indent="-457200">
+              <a:buFont typeface="+mj-lt"/>
+              <a:buAutoNum type="arabicPeriod"/>
+            </a:pPr>
+            <a:r>
+              <a:rPr kumimoji="1" lang="ja-JP" altLang="en-US" dirty="0"/>
+              <a:t>主語と述語の距離が遠い場合</a:t>
+            </a:r>
+            <a:endParaRPr kumimoji="1" lang="en-US" altLang="ja-JP" dirty="0"/>
+          </a:p>
+          <a:p>
+            <a:pPr lvl="2"/>
+            <a:r>
+              <a:rPr kumimoji="1" lang="ja-JP" altLang="en-US" dirty="0"/>
+              <a:t>「この </a:t>
+            </a:r>
+            <a:r>
+              <a:rPr kumimoji="1" lang="en-US" altLang="ja-JP" dirty="0">
+                <a:solidFill>
+                  <a:schemeClr val="accent5"/>
+                </a:solidFill>
+              </a:rPr>
+              <a:t>A </a:t>
+            </a:r>
+            <a:r>
+              <a:rPr kumimoji="1" lang="ja-JP" altLang="en-US" dirty="0">
+                <a:solidFill>
+                  <a:schemeClr val="accent5"/>
+                </a:solidFill>
+              </a:rPr>
+              <a:t>は</a:t>
+            </a:r>
+            <a:r>
+              <a:rPr kumimoji="1" lang="ja-JP" altLang="en-US" dirty="0"/>
+              <a:t>，</a:t>
+            </a:r>
+            <a:r>
+              <a:rPr kumimoji="1" lang="en-US" altLang="ja-JP" dirty="0"/>
+              <a:t>B </a:t>
+            </a:r>
+            <a:r>
+              <a:rPr kumimoji="1" lang="ja-JP" altLang="en-US" dirty="0"/>
+              <a:t>における </a:t>
+            </a:r>
+            <a:r>
+              <a:rPr kumimoji="1" lang="en-US" altLang="ja-JP" dirty="0"/>
+              <a:t>C </a:t>
+            </a:r>
+            <a:r>
+              <a:rPr kumimoji="1" lang="ja-JP" altLang="en-US" dirty="0"/>
+              <a:t>に依存して大きく</a:t>
+            </a:r>
+            <a:r>
+              <a:rPr kumimoji="1" lang="ja-JP" altLang="en-US" dirty="0">
+                <a:solidFill>
+                  <a:schemeClr val="accent5"/>
+                </a:solidFill>
+              </a:rPr>
+              <a:t>変化する</a:t>
+            </a:r>
+            <a:r>
+              <a:rPr kumimoji="1" lang="ja-JP" altLang="en-US" dirty="0"/>
+              <a:t>」</a:t>
+            </a:r>
+            <a:endParaRPr kumimoji="1" lang="en-US" dirty="0"/>
+          </a:p>
+        </p:txBody>
+      </p:sp>
+    </p:spTree>
+    <p:extLst>
+      <p:ext uri="{BB962C8B-B14F-4D97-AF65-F5344CB8AC3E}">
+        <p14:creationId xmlns:p14="http://schemas.microsoft.com/office/powerpoint/2010/main" val="543887066"/>
+      </p:ext>
+    </p:extLst>
+  </p:cSld>
+  <p:clrMapOvr>
+    <a:masterClrMapping/>
+  </p:clrMapOvr>
+  <mc:AlternateContent xmlns:mc="http://schemas.openxmlformats.org/markup-compatibility/2006" xmlns:p14="http://schemas.microsoft.com/office/powerpoint/2010/main">
+    <mc:Choice Requires="p14">
+      <p:transition p14:dur="10"/>
+    </mc:Choice>
+    <mc:Fallback xmlns="">
+      <p:transition/>
+    </mc:Fallback>
+  </mc:AlternateContent>
+</p:sld>
+</file>
+
 <file path=ppt/slides/slide37.xml><?xml version="1.0" encoding="utf-8"?>
 <p:sld xmlns:a="http://schemas.openxmlformats.org/drawingml/2006/main" xmlns:r="http://schemas.openxmlformats.org/officeDocument/2006/relationships" xmlns:p="http://schemas.openxmlformats.org/presentationml/2006/main">
   <p:cSld>
@@ -15822,10 +15954,10 @@
       </p:grpSpPr>
       <p:sp>
         <p:nvSpPr>
-          <p:cNvPr id="4" name="タイトル 3">
-            <a:extLst>
-              <a:ext uri="{FF2B5EF4-FFF2-40B4-BE49-F238E27FC236}">
-                <a16:creationId xmlns:a16="http://schemas.microsoft.com/office/drawing/2014/main" id="{A9426C05-5AE1-8631-4846-516FF0339BB6}"/>
+          <p:cNvPr id="2" name="タイトル 1">
+            <a:extLst>
+              <a:ext uri="{FF2B5EF4-FFF2-40B4-BE49-F238E27FC236}">
+                <a16:creationId xmlns:a16="http://schemas.microsoft.com/office/drawing/2014/main" id="{1C19F0FF-EC89-BCFC-436A-D65013D9294F}"/>
               </a:ext>
             </a:extLst>
           </p:cNvPr>
@@ -15842,27 +15974,88 @@
           <a:lstStyle/>
           <a:p>
             <a:r>
-              <a:rPr lang="en-US" altLang="ja-JP" b="1" dirty="0"/>
-              <a:t>[E] </a:t>
-            </a:r>
-            <a:r>
-              <a:rPr lang="ja-JP" altLang="en-US" b="1" dirty="0"/>
-              <a:t>その他の話題</a:t>
-            </a:r>
-            <a:endParaRPr lang="en-US" b="1" dirty="0"/>
+              <a:rPr kumimoji="1" lang="en-US" dirty="0"/>
+              <a:t>[E2] </a:t>
+            </a:r>
+            <a:r>
+              <a:rPr kumimoji="1" lang="ja-JP" altLang="en-US" dirty="0"/>
+              <a:t>「しかし」を極力減らす</a:t>
+            </a:r>
+            <a:endParaRPr kumimoji="1" lang="en-US" dirty="0"/>
+          </a:p>
+        </p:txBody>
+      </p:sp>
+      <p:sp>
+        <p:nvSpPr>
+          <p:cNvPr id="3" name="テキスト プレースホルダー 2">
+            <a:extLst>
+              <a:ext uri="{FF2B5EF4-FFF2-40B4-BE49-F238E27FC236}">
+                <a16:creationId xmlns:a16="http://schemas.microsoft.com/office/drawing/2014/main" id="{07501D39-A295-DFE5-4C3E-DFE6D6F3FA77}"/>
+              </a:ext>
+            </a:extLst>
+          </p:cNvPr>
+          <p:cNvSpPr>
+            <a:spLocks noGrp="1"/>
+          </p:cNvSpPr>
+          <p:nvPr>
+            <p:ph type="body" sz="quarter" idx="10"/>
+          </p:nvPr>
+        </p:nvSpPr>
+        <p:spPr/>
+        <p:txBody>
+          <a:bodyPr/>
+          <a:lstStyle/>
+          <a:p>
+            <a:r>
+              <a:rPr kumimoji="1" lang="ja-JP" altLang="en-US" dirty="0"/>
+              <a:t>「しかし」の使用をなるべく避ける</a:t>
+            </a:r>
+            <a:endParaRPr kumimoji="1" lang="en-US" altLang="ja-JP" dirty="0"/>
+          </a:p>
+          <a:p>
+            <a:pPr lvl="1"/>
+            <a:r>
+              <a:rPr kumimoji="1" lang="ja-JP" altLang="en-US" dirty="0"/>
+              <a:t>「しかし」による論理の反転は，それ自体がかなりわかりづらい</a:t>
+            </a:r>
+            <a:endParaRPr kumimoji="1" lang="en-US" altLang="ja-JP" dirty="0"/>
+          </a:p>
+          <a:p>
+            <a:pPr lvl="1"/>
+            <a:r>
+              <a:rPr kumimoji="1" lang="ja-JP" altLang="en-US" dirty="0"/>
+              <a:t>各パラグラフで２回以上使う事は禁止</a:t>
+            </a:r>
+            <a:endParaRPr kumimoji="1" lang="en-US" altLang="ja-JP" dirty="0"/>
+          </a:p>
+          <a:p>
+            <a:pPr lvl="2"/>
+            <a:r>
+              <a:rPr kumimoji="1" lang="ja-JP" altLang="en-US" dirty="0"/>
+              <a:t>話の筋がかなりわかりにくくなる</a:t>
+            </a:r>
+            <a:endParaRPr kumimoji="1" lang="en-US" dirty="0"/>
           </a:p>
         </p:txBody>
       </p:sp>
     </p:spTree>
     <p:extLst>
       <p:ext uri="{BB962C8B-B14F-4D97-AF65-F5344CB8AC3E}">
-        <p14:creationId xmlns:p14="http://schemas.microsoft.com/office/powerpoint/2010/main" val="3864265871"/>
+        <p14:creationId xmlns:p14="http://schemas.microsoft.com/office/powerpoint/2010/main" val="3746617974"/>
       </p:ext>
     </p:extLst>
   </p:cSld>
   <p:clrMapOvr>
     <a:masterClrMapping/>
   </p:clrMapOvr>
+  <mc:AlternateContent xmlns:mc="http://schemas.openxmlformats.org/markup-compatibility/2006" xmlns:p14="http://schemas.microsoft.com/office/powerpoint/2010/main">
+    <mc:Choice Requires="p14">
+      <p:transition p14:dur="10"/>
+    </mc:Choice>
+    <mc:Fallback xmlns="">
+      <p:transition/>
+    </mc:Fallback>
+  </mc:AlternateContent>
 </p:sld>
 </file>
 
@@ -15888,7 +16081,7 @@
           <p:cNvPr id="2" name="タイトル 1">
             <a:extLst>
               <a:ext uri="{FF2B5EF4-FFF2-40B4-BE49-F238E27FC236}">
-                <a16:creationId xmlns:a16="http://schemas.microsoft.com/office/drawing/2014/main" id="{57D58272-A4AE-3AA5-F40D-3A8576F12440}"/>
+                <a16:creationId xmlns:a16="http://schemas.microsoft.com/office/drawing/2014/main" id="{7EA3149F-EEFA-AA1E-8D70-148A76F43349}"/>
               </a:ext>
             </a:extLst>
           </p:cNvPr>
@@ -15905,12 +16098,12 @@
           <a:lstStyle/>
           <a:p>
             <a:r>
-              <a:rPr kumimoji="1" lang="en-US" altLang="ja-JP" dirty="0"/>
-              <a:t>[E1] </a:t>
+              <a:rPr kumimoji="1" lang="en-US" dirty="0"/>
+              <a:t>[E3] </a:t>
             </a:r>
             <a:r>
               <a:rPr kumimoji="1" lang="ja-JP" altLang="en-US" dirty="0"/>
-              <a:t>読点の打ち方</a:t>
+              <a:t>事実と意見をきちんと区別する</a:t>
             </a:r>
             <a:endParaRPr kumimoji="1" lang="en-US" dirty="0"/>
           </a:p>
@@ -15921,7 +16114,7 @@
           <p:cNvPr id="3" name="テキスト プレースホルダー 2">
             <a:extLst>
               <a:ext uri="{FF2B5EF4-FFF2-40B4-BE49-F238E27FC236}">
-                <a16:creationId xmlns:a16="http://schemas.microsoft.com/office/drawing/2014/main" id="{5CFAE879-D802-CFF8-6E96-86A2DEB88E2F}"/>
+                <a16:creationId xmlns:a16="http://schemas.microsoft.com/office/drawing/2014/main" id="{74707D73-558B-25CC-8427-90D49EDD55A7}"/>
               </a:ext>
             </a:extLst>
           </p:cNvPr>
@@ -15932,160 +16125,68 @@
             <p:ph type="body" sz="quarter" idx="10"/>
           </p:nvPr>
         </p:nvSpPr>
-        <p:spPr bwMode="auto"/>
+        <p:spPr/>
         <p:txBody>
           <a:bodyPr/>
           <a:lstStyle/>
           <a:p>
             <a:r>
               <a:rPr kumimoji="1" lang="ja-JP" altLang="en-US" dirty="0"/>
-              <a:t>読点「、」「，」は使って良い場所が決まっている</a:t>
+              <a:t>事実と，主観や意見，判断をきちんと区別する</a:t>
             </a:r>
             <a:endParaRPr kumimoji="1" lang="en-US" altLang="ja-JP" dirty="0"/>
           </a:p>
           <a:p>
-            <a:pPr marL="817200" lvl="1" indent="-457200">
-              <a:buFont typeface="+mj-lt"/>
-              <a:buAutoNum type="arabicPeriod"/>
-            </a:pPr>
+            <a:pPr lvl="1"/>
             <a:r>
               <a:rPr kumimoji="1" lang="ja-JP" altLang="en-US" dirty="0"/>
-              <a:t>複文における文と文の間の切れ目</a:t>
+              <a:t>主観的にそう判断した場合に，それを事実であるように書いてはいけない</a:t>
             </a:r>
             <a:endParaRPr kumimoji="1" lang="en-US" altLang="ja-JP" dirty="0"/>
           </a:p>
           <a:p>
-            <a:pPr lvl="2"/>
+            <a:r>
+              <a:rPr kumimoji="1" lang="ja-JP" altLang="en-US"/>
+              <a:t>特に言い切って</a:t>
+            </a:r>
             <a:r>
               <a:rPr kumimoji="1" lang="ja-JP" altLang="en-US" dirty="0"/>
-              <a:t>「</a:t>
+              <a:t>はいけない場合を慎重に見分ける</a:t>
             </a:r>
             <a:r>
               <a:rPr kumimoji="1" lang="en-US" altLang="ja-JP" dirty="0"/>
-              <a:t>A </a:t>
-            </a:r>
+              <a:t>	</a:t>
+            </a:r>
+          </a:p>
+          <a:p>
+            <a:pPr lvl="1"/>
+            <a:r>
+              <a:rPr lang="ja-JP" altLang="en-US" dirty="0"/>
+              <a:t>論理的に </a:t>
+            </a:r>
+            <a:r>
+              <a:rPr lang="en-US" altLang="ja-JP" dirty="0"/>
+              <a:t>100% </a:t>
+            </a:r>
+            <a:r>
+              <a:rPr lang="ja-JP" altLang="en-US" dirty="0"/>
+              <a:t>絶対にそうであるような事実と，典型的にそうであることはきちんと区別する</a:t>
+            </a:r>
+            <a:endParaRPr lang="en-US" altLang="ja-JP" dirty="0"/>
+          </a:p>
+          <a:p>
+            <a:pPr lvl="1"/>
             <a:r>
               <a:rPr kumimoji="1" lang="ja-JP" altLang="en-US" dirty="0"/>
-              <a:t>は </a:t>
-            </a:r>
-            <a:r>
-              <a:rPr kumimoji="1" lang="en-US" altLang="ja-JP" dirty="0"/>
-              <a:t>B </a:t>
-            </a:r>
-            <a:r>
-              <a:rPr kumimoji="1" lang="ja-JP" altLang="en-US" dirty="0"/>
-              <a:t>であり，したがって </a:t>
-            </a:r>
-            <a:r>
-              <a:rPr kumimoji="1" lang="en-US" altLang="ja-JP" dirty="0"/>
-              <a:t>B </a:t>
-            </a:r>
-            <a:r>
-              <a:rPr kumimoji="1" lang="ja-JP" altLang="en-US" dirty="0"/>
-              <a:t>は </a:t>
-            </a:r>
-            <a:r>
-              <a:rPr kumimoji="1" lang="en-US" altLang="ja-JP" dirty="0"/>
-              <a:t>C </a:t>
-            </a:r>
-            <a:r>
-              <a:rPr kumimoji="1" lang="ja-JP" altLang="en-US" dirty="0"/>
-              <a:t>である」</a:t>
-            </a:r>
-            <a:endParaRPr kumimoji="1" lang="en-US" altLang="ja-JP" dirty="0"/>
-          </a:p>
-          <a:p>
-            <a:pPr marL="817200" lvl="1" indent="-457200">
-              <a:buFont typeface="+mj-lt"/>
-              <a:buAutoNum type="arabicPeriod"/>
-            </a:pPr>
-            <a:r>
-              <a:rPr kumimoji="1" lang="ja-JP" altLang="en-US" dirty="0"/>
-              <a:t>接続詞の後</a:t>
-            </a:r>
-            <a:endParaRPr kumimoji="1" lang="en-US" altLang="ja-JP" dirty="0"/>
-          </a:p>
-          <a:p>
-            <a:pPr lvl="2"/>
-            <a:r>
-              <a:rPr kumimoji="1" lang="ja-JP" altLang="en-US" dirty="0"/>
-              <a:t>「しかし，それは･･･」</a:t>
-            </a:r>
-            <a:endParaRPr kumimoji="1" lang="en-US" altLang="ja-JP" dirty="0"/>
-          </a:p>
-          <a:p>
-            <a:pPr marL="817200" lvl="1" indent="-457200">
-              <a:buFont typeface="+mj-lt"/>
-              <a:buAutoNum type="arabicPeriod"/>
-            </a:pPr>
-            <a:r>
-              <a:rPr kumimoji="1" lang="ja-JP" altLang="en-US" dirty="0"/>
-              <a:t>主語と述語の距離が遠い場合</a:t>
-            </a:r>
-            <a:endParaRPr kumimoji="1" lang="en-US" altLang="ja-JP" dirty="0"/>
-          </a:p>
-          <a:p>
-            <a:pPr lvl="2"/>
-            <a:r>
-              <a:rPr kumimoji="1" lang="ja-JP" altLang="en-US" dirty="0"/>
-              <a:t>「この </a:t>
-            </a:r>
-            <a:r>
-              <a:rPr kumimoji="1" lang="en-US" altLang="ja-JP" dirty="0">
-                <a:solidFill>
-                  <a:schemeClr val="accent5"/>
-                </a:solidFill>
-              </a:rPr>
-              <a:t>A </a:t>
-            </a:r>
-            <a:r>
-              <a:rPr kumimoji="1" lang="ja-JP" altLang="en-US" dirty="0">
-                <a:solidFill>
-                  <a:schemeClr val="accent5"/>
-                </a:solidFill>
-              </a:rPr>
-              <a:t>は</a:t>
-            </a:r>
-            <a:r>
-              <a:rPr kumimoji="1" lang="ja-JP" altLang="en-US" dirty="0"/>
-              <a:t>，</a:t>
-            </a:r>
-            <a:r>
-              <a:rPr kumimoji="1" lang="en-US" altLang="ja-JP" dirty="0"/>
-              <a:t>B </a:t>
-            </a:r>
-            <a:r>
-              <a:rPr kumimoji="1" lang="ja-JP" altLang="en-US" dirty="0"/>
-              <a:t>における </a:t>
-            </a:r>
-            <a:r>
-              <a:rPr kumimoji="1" lang="en-US" altLang="ja-JP" dirty="0"/>
-              <a:t>C </a:t>
-            </a:r>
-            <a:r>
-              <a:rPr kumimoji="1" lang="ja-JP" altLang="en-US" dirty="0"/>
-              <a:t>に依存して大きく</a:t>
-            </a:r>
-            <a:r>
-              <a:rPr kumimoji="1" lang="ja-JP" altLang="en-US" dirty="0">
-                <a:solidFill>
-                  <a:schemeClr val="accent5"/>
-                </a:solidFill>
-              </a:rPr>
-              <a:t>変化する</a:t>
-            </a:r>
-            <a:r>
-              <a:rPr kumimoji="1" lang="ja-JP" altLang="en-US" dirty="0"/>
-              <a:t>」</a:t>
-            </a:r>
-            <a:endParaRPr kumimoji="1" lang="en-US" dirty="0"/>
+              <a:t>「一般には」「典型的に」などを省略してはいけない</a:t>
+            </a:r>
           </a:p>
         </p:txBody>
       </p:sp>
     </p:spTree>
     <p:extLst>
       <p:ext uri="{BB962C8B-B14F-4D97-AF65-F5344CB8AC3E}">
-        <p14:creationId xmlns:p14="http://schemas.microsoft.com/office/powerpoint/2010/main" val="543887066"/>
+        <p14:creationId xmlns:p14="http://schemas.microsoft.com/office/powerpoint/2010/main" val="792018178"/>
       </p:ext>
     </p:extLst>
   </p:cSld>
@@ -16125,7 +16226,7 @@
           <p:cNvPr id="2" name="タイトル 1">
             <a:extLst>
               <a:ext uri="{FF2B5EF4-FFF2-40B4-BE49-F238E27FC236}">
-                <a16:creationId xmlns:a16="http://schemas.microsoft.com/office/drawing/2014/main" id="{1C19F0FF-EC89-BCFC-436A-D65013D9294F}"/>
+                <a16:creationId xmlns:a16="http://schemas.microsoft.com/office/drawing/2014/main" id="{3E93050F-74CF-CA41-CD19-B44E754077E2}"/>
               </a:ext>
             </a:extLst>
           </p:cNvPr>
@@ -16142,12 +16243,8 @@
           <a:lstStyle/>
           <a:p>
             <a:r>
-              <a:rPr kumimoji="1" lang="en-US" dirty="0"/>
-              <a:t>[E2] </a:t>
-            </a:r>
-            <a:r>
               <a:rPr kumimoji="1" lang="ja-JP" altLang="en-US" dirty="0"/>
-              <a:t>「しかし」を極力減らす</a:t>
+              <a:t>括弧</a:t>
             </a:r>
             <a:endParaRPr kumimoji="1" lang="en-US" dirty="0"/>
           </a:p>
@@ -16158,7 +16255,7 @@
           <p:cNvPr id="3" name="テキスト プレースホルダー 2">
             <a:extLst>
               <a:ext uri="{FF2B5EF4-FFF2-40B4-BE49-F238E27FC236}">
-                <a16:creationId xmlns:a16="http://schemas.microsoft.com/office/drawing/2014/main" id="{07501D39-A295-DFE5-4C3E-DFE6D6F3FA77}"/>
+                <a16:creationId xmlns:a16="http://schemas.microsoft.com/office/drawing/2014/main" id="{9CE96331-990A-0E17-D0A4-92F844D51E20}"/>
               </a:ext>
             </a:extLst>
           </p:cNvPr>
@@ -16176,7 +16273,7 @@
           <a:p>
             <a:r>
               <a:rPr kumimoji="1" lang="ja-JP" altLang="en-US" dirty="0"/>
-              <a:t>「しかし」の使用をなるべく避ける</a:t>
+              <a:t>小括弧「（）」は，</a:t>
             </a:r>
             <a:endParaRPr kumimoji="1" lang="en-US" altLang="ja-JP" dirty="0"/>
           </a:p>
@@ -16184,23 +16281,7 @@
             <a:pPr lvl="1"/>
             <a:r>
               <a:rPr kumimoji="1" lang="ja-JP" altLang="en-US" dirty="0"/>
-              <a:t>「しかし」による論理の反転は，それ自体がかなりわかりづらい</a:t>
-            </a:r>
-            <a:endParaRPr kumimoji="1" lang="en-US" altLang="ja-JP" dirty="0"/>
-          </a:p>
-          <a:p>
-            <a:pPr lvl="1"/>
-            <a:r>
-              <a:rPr kumimoji="1" lang="ja-JP" altLang="en-US" dirty="0"/>
-              <a:t>各パラグラフで２回以上使う事は禁止</a:t>
-            </a:r>
-            <a:endParaRPr kumimoji="1" lang="en-US" altLang="ja-JP" dirty="0"/>
-          </a:p>
-          <a:p>
-            <a:pPr lvl="2"/>
-            <a:r>
-              <a:rPr kumimoji="1" lang="ja-JP" altLang="en-US" dirty="0"/>
-              <a:t>話の筋がかなりわかりにくくなる</a:t>
+              <a:t>日本語の時は全角，英語の時は半角に</a:t>
             </a:r>
             <a:endParaRPr kumimoji="1" lang="en-US" dirty="0"/>
           </a:p>
@@ -16209,7 +16290,7 @@
     </p:spTree>
     <p:extLst>
       <p:ext uri="{BB962C8B-B14F-4D97-AF65-F5344CB8AC3E}">
-        <p14:creationId xmlns:p14="http://schemas.microsoft.com/office/powerpoint/2010/main" val="3746617974"/>
+        <p14:creationId xmlns:p14="http://schemas.microsoft.com/office/powerpoint/2010/main" val="3101355679"/>
       </p:ext>
     </p:extLst>
   </p:cSld>
@@ -16249,452 +16330,6 @@
           <p:cNvPr id="2" name="タイトル 1">
             <a:extLst>
               <a:ext uri="{FF2B5EF4-FFF2-40B4-BE49-F238E27FC236}">
-                <a16:creationId xmlns:a16="http://schemas.microsoft.com/office/drawing/2014/main" id="{E2B2804B-5759-9AAD-53B1-42FDE0863920}"/>
-              </a:ext>
-            </a:extLst>
-          </p:cNvPr>
-          <p:cNvSpPr>
-            <a:spLocks noGrp="1"/>
-          </p:cNvSpPr>
-          <p:nvPr>
-            <p:ph type="title"/>
-          </p:nvPr>
-        </p:nvSpPr>
-        <p:spPr/>
-        <p:txBody>
-          <a:bodyPr/>
-          <a:lstStyle/>
-          <a:p>
-            <a:r>
-              <a:rPr kumimoji="1" lang="ja-JP" altLang="en-US" dirty="0"/>
-              <a:t>チェックリスト </a:t>
-            </a:r>
-            <a:r>
-              <a:rPr kumimoji="1" lang="en-US" altLang="ja-JP" dirty="0"/>
-              <a:t>2</a:t>
-            </a:r>
-            <a:endParaRPr kumimoji="1" lang="en-US" dirty="0"/>
-          </a:p>
-        </p:txBody>
-      </p:sp>
-      <p:sp>
-        <p:nvSpPr>
-          <p:cNvPr id="3" name="テキスト プレースホルダー 2">
-            <a:extLst>
-              <a:ext uri="{FF2B5EF4-FFF2-40B4-BE49-F238E27FC236}">
-                <a16:creationId xmlns:a16="http://schemas.microsoft.com/office/drawing/2014/main" id="{7BF7AC90-EE6A-FEBB-4396-0C91BB79835D}"/>
-              </a:ext>
-            </a:extLst>
-          </p:cNvPr>
-          <p:cNvSpPr>
-            <a:spLocks noGrp="1"/>
-          </p:cNvSpPr>
-          <p:nvPr>
-            <p:ph type="body" sz="quarter" idx="10"/>
-          </p:nvPr>
-        </p:nvSpPr>
-        <p:spPr/>
-        <p:txBody>
-          <a:bodyPr/>
-          <a:lstStyle/>
-          <a:p>
-            <a:r>
-              <a:rPr kumimoji="1" lang="en-US" altLang="ja-JP" dirty="0"/>
-              <a:t>[E] </a:t>
-            </a:r>
-            <a:r>
-              <a:rPr kumimoji="1" lang="ja-JP" altLang="en-US" dirty="0"/>
-              <a:t>その他</a:t>
-            </a:r>
-            <a:endParaRPr kumimoji="1" lang="en-US" altLang="ja-JP" dirty="0"/>
-          </a:p>
-          <a:p>
-            <a:pPr lvl="1"/>
-            <a:r>
-              <a:rPr lang="en-US" altLang="ja-JP" dirty="0"/>
-              <a:t>[E1] </a:t>
-            </a:r>
-            <a:r>
-              <a:rPr lang="ja-JP" altLang="en-US" dirty="0"/>
-              <a:t>読点は必要な部分にのみ適切に打たれている</a:t>
-            </a:r>
-            <a:endParaRPr lang="en-US" altLang="ja-JP" dirty="0"/>
-          </a:p>
-          <a:p>
-            <a:pPr lvl="1"/>
-            <a:r>
-              <a:rPr lang="en-US" altLang="ja-JP" dirty="0"/>
-              <a:t>[E2] </a:t>
-            </a:r>
-            <a:r>
-              <a:rPr lang="ja-JP" altLang="en-US" dirty="0"/>
-              <a:t>「しかし」は各パラグラフで１回までにする</a:t>
-            </a:r>
-            <a:endParaRPr lang="en-US" altLang="ja-JP" dirty="0"/>
-          </a:p>
-          <a:p>
-            <a:pPr lvl="1"/>
-            <a:r>
-              <a:rPr kumimoji="1" lang="en-US" altLang="ja-JP" dirty="0"/>
-              <a:t>[E3] </a:t>
-            </a:r>
-            <a:r>
-              <a:rPr kumimoji="1" lang="ja-JP" altLang="en-US" dirty="0"/>
-              <a:t>事実と典型をきちんと区別する</a:t>
-            </a:r>
-            <a:endParaRPr lang="en-US" altLang="ja-JP" dirty="0"/>
-          </a:p>
-        </p:txBody>
-      </p:sp>
-    </p:spTree>
-    <p:extLst>
-      <p:ext uri="{BB962C8B-B14F-4D97-AF65-F5344CB8AC3E}">
-        <p14:creationId xmlns:p14="http://schemas.microsoft.com/office/powerpoint/2010/main" val="2963593128"/>
-      </p:ext>
-    </p:extLst>
-  </p:cSld>
-  <p:clrMapOvr>
-    <a:masterClrMapping/>
-  </p:clrMapOvr>
-  <mc:AlternateContent xmlns:mc="http://schemas.openxmlformats.org/markup-compatibility/2006" xmlns:p14="http://schemas.microsoft.com/office/powerpoint/2010/main">
-    <mc:Choice Requires="p14">
-      <p:transition p14:dur="10"/>
-    </mc:Choice>
-    <mc:Fallback xmlns="">
-      <p:transition/>
-    </mc:Fallback>
-  </mc:AlternateContent>
-</p:sld>
-</file>
-
-<file path=ppt/slides/slide40.xml><?xml version="1.0" encoding="utf-8"?>
-<p:sld xmlns:a="http://schemas.openxmlformats.org/drawingml/2006/main" xmlns:r="http://schemas.openxmlformats.org/officeDocument/2006/relationships" xmlns:p="http://schemas.openxmlformats.org/presentationml/2006/main">
-  <p:cSld>
-    <p:spTree>
-      <p:nvGrpSpPr>
-        <p:cNvPr id="1" name=""/>
-        <p:cNvGrpSpPr/>
-        <p:nvPr/>
-      </p:nvGrpSpPr>
-      <p:grpSpPr>
-        <a:xfrm>
-          <a:off x="0" y="0"/>
-          <a:ext cx="0" cy="0"/>
-          <a:chOff x="0" y="0"/>
-          <a:chExt cx="0" cy="0"/>
-        </a:xfrm>
-      </p:grpSpPr>
-      <p:sp>
-        <p:nvSpPr>
-          <p:cNvPr id="2" name="タイトル 1">
-            <a:extLst>
-              <a:ext uri="{FF2B5EF4-FFF2-40B4-BE49-F238E27FC236}">
-                <a16:creationId xmlns:a16="http://schemas.microsoft.com/office/drawing/2014/main" id="{7EA3149F-EEFA-AA1E-8D70-148A76F43349}"/>
-              </a:ext>
-            </a:extLst>
-          </p:cNvPr>
-          <p:cNvSpPr>
-            <a:spLocks noGrp="1"/>
-          </p:cNvSpPr>
-          <p:nvPr>
-            <p:ph type="title"/>
-          </p:nvPr>
-        </p:nvSpPr>
-        <p:spPr/>
-        <p:txBody>
-          <a:bodyPr/>
-          <a:lstStyle/>
-          <a:p>
-            <a:r>
-              <a:rPr kumimoji="1" lang="en-US" dirty="0"/>
-              <a:t>[E3] </a:t>
-            </a:r>
-            <a:r>
-              <a:rPr kumimoji="1" lang="ja-JP" altLang="en-US" dirty="0"/>
-              <a:t>事実と典型をきちんと区別する</a:t>
-            </a:r>
-            <a:endParaRPr kumimoji="1" lang="en-US" dirty="0"/>
-          </a:p>
-        </p:txBody>
-      </p:sp>
-      <p:sp>
-        <p:nvSpPr>
-          <p:cNvPr id="3" name="テキスト プレースホルダー 2">
-            <a:extLst>
-              <a:ext uri="{FF2B5EF4-FFF2-40B4-BE49-F238E27FC236}">
-                <a16:creationId xmlns:a16="http://schemas.microsoft.com/office/drawing/2014/main" id="{74707D73-558B-25CC-8427-90D49EDD55A7}"/>
-              </a:ext>
-            </a:extLst>
-          </p:cNvPr>
-          <p:cNvSpPr>
-            <a:spLocks noGrp="1"/>
-          </p:cNvSpPr>
-          <p:nvPr>
-            <p:ph type="body" sz="quarter" idx="10"/>
-          </p:nvPr>
-        </p:nvSpPr>
-        <p:spPr/>
-        <p:txBody>
-          <a:bodyPr/>
-          <a:lstStyle/>
-          <a:p>
-            <a:r>
-              <a:rPr kumimoji="1" lang="ja-JP" altLang="en-US" dirty="0"/>
-              <a:t>言い切ってはいけない場合を慎重に見分ける</a:t>
-            </a:r>
-            <a:r>
-              <a:rPr kumimoji="1" lang="en-US" altLang="ja-JP" dirty="0"/>
-              <a:t>	</a:t>
-            </a:r>
-          </a:p>
-          <a:p>
-            <a:pPr lvl="1"/>
-            <a:r>
-              <a:rPr lang="en-US" altLang="ja-JP" dirty="0"/>
-              <a:t>100% </a:t>
-            </a:r>
-            <a:r>
-              <a:rPr lang="ja-JP" altLang="en-US" dirty="0"/>
-              <a:t>絶対にそうである事実と，典型的にそうであることをきちんと区別する</a:t>
-            </a:r>
-            <a:endParaRPr lang="en-US" altLang="ja-JP" dirty="0"/>
-          </a:p>
-          <a:p>
-            <a:pPr lvl="1"/>
-            <a:r>
-              <a:rPr kumimoji="1" lang="ja-JP" altLang="en-US" dirty="0"/>
-              <a:t>「一般には」「典型的に」などを省略してはいけない</a:t>
-            </a:r>
-            <a:endParaRPr kumimoji="1" lang="en-US" altLang="ja-JP" dirty="0"/>
-          </a:p>
-          <a:p>
-            <a:r>
-              <a:rPr kumimoji="1" lang="ja-JP" altLang="en-US" dirty="0"/>
-              <a:t>事実と主観や意見，判断も同様にきちんと区別する</a:t>
-            </a:r>
-            <a:endParaRPr kumimoji="1" lang="en-US" altLang="ja-JP" dirty="0"/>
-          </a:p>
-          <a:p>
-            <a:pPr lvl="1"/>
-            <a:r>
-              <a:rPr kumimoji="1" lang="ja-JP" altLang="en-US" dirty="0"/>
-              <a:t>主観的にそう判断できる場合に，それが事実であるように書いてはいけない</a:t>
-            </a:r>
-          </a:p>
-        </p:txBody>
-      </p:sp>
-    </p:spTree>
-    <p:extLst>
-      <p:ext uri="{BB962C8B-B14F-4D97-AF65-F5344CB8AC3E}">
-        <p14:creationId xmlns:p14="http://schemas.microsoft.com/office/powerpoint/2010/main" val="792018178"/>
-      </p:ext>
-    </p:extLst>
-  </p:cSld>
-  <p:clrMapOvr>
-    <a:masterClrMapping/>
-  </p:clrMapOvr>
-  <mc:AlternateContent xmlns:mc="http://schemas.openxmlformats.org/markup-compatibility/2006" xmlns:p14="http://schemas.microsoft.com/office/powerpoint/2010/main">
-    <mc:Choice Requires="p14">
-      <p:transition p14:dur="10"/>
-    </mc:Choice>
-    <mc:Fallback xmlns="">
-      <p:transition/>
-    </mc:Fallback>
-  </mc:AlternateContent>
-</p:sld>
-</file>
-
-<file path=ppt/slides/slide41.xml><?xml version="1.0" encoding="utf-8"?>
-<p:sld xmlns:a="http://schemas.openxmlformats.org/drawingml/2006/main" xmlns:r="http://schemas.openxmlformats.org/officeDocument/2006/relationships" xmlns:p="http://schemas.openxmlformats.org/presentationml/2006/main">
-  <p:cSld>
-    <p:spTree>
-      <p:nvGrpSpPr>
-        <p:cNvPr id="1" name=""/>
-        <p:cNvGrpSpPr/>
-        <p:nvPr/>
-      </p:nvGrpSpPr>
-      <p:grpSpPr>
-        <a:xfrm>
-          <a:off x="0" y="0"/>
-          <a:ext cx="0" cy="0"/>
-          <a:chOff x="0" y="0"/>
-          <a:chExt cx="0" cy="0"/>
-        </a:xfrm>
-      </p:grpSpPr>
-      <p:sp>
-        <p:nvSpPr>
-          <p:cNvPr id="2" name="タイトル 1">
-            <a:extLst>
-              <a:ext uri="{FF2B5EF4-FFF2-40B4-BE49-F238E27FC236}">
-                <a16:creationId xmlns:a16="http://schemas.microsoft.com/office/drawing/2014/main" id="{3E93050F-74CF-CA41-CD19-B44E754077E2}"/>
-              </a:ext>
-            </a:extLst>
-          </p:cNvPr>
-          <p:cNvSpPr>
-            <a:spLocks noGrp="1"/>
-          </p:cNvSpPr>
-          <p:nvPr>
-            <p:ph type="title"/>
-          </p:nvPr>
-        </p:nvSpPr>
-        <p:spPr/>
-        <p:txBody>
-          <a:bodyPr/>
-          <a:lstStyle/>
-          <a:p>
-            <a:r>
-              <a:rPr kumimoji="1" lang="ja-JP" altLang="en-US" dirty="0"/>
-              <a:t>括弧</a:t>
-            </a:r>
-            <a:endParaRPr kumimoji="1" lang="en-US" dirty="0"/>
-          </a:p>
-        </p:txBody>
-      </p:sp>
-      <p:sp>
-        <p:nvSpPr>
-          <p:cNvPr id="3" name="テキスト プレースホルダー 2">
-            <a:extLst>
-              <a:ext uri="{FF2B5EF4-FFF2-40B4-BE49-F238E27FC236}">
-                <a16:creationId xmlns:a16="http://schemas.microsoft.com/office/drawing/2014/main" id="{9CE96331-990A-0E17-D0A4-92F844D51E20}"/>
-              </a:ext>
-            </a:extLst>
-          </p:cNvPr>
-          <p:cNvSpPr>
-            <a:spLocks noGrp="1"/>
-          </p:cNvSpPr>
-          <p:nvPr>
-            <p:ph type="body" sz="quarter" idx="10"/>
-          </p:nvPr>
-        </p:nvSpPr>
-        <p:spPr/>
-        <p:txBody>
-          <a:bodyPr/>
-          <a:lstStyle/>
-          <a:p>
-            <a:r>
-              <a:rPr kumimoji="1" lang="ja-JP" altLang="en-US" dirty="0"/>
-              <a:t>小括弧「（）」は，</a:t>
-            </a:r>
-            <a:endParaRPr kumimoji="1" lang="en-US" altLang="ja-JP" dirty="0"/>
-          </a:p>
-          <a:p>
-            <a:pPr lvl="1"/>
-            <a:r>
-              <a:rPr kumimoji="1" lang="ja-JP" altLang="en-US" dirty="0"/>
-              <a:t>日本語の時は全角，英語の時は半角に</a:t>
-            </a:r>
-            <a:endParaRPr kumimoji="1" lang="en-US" dirty="0"/>
-          </a:p>
-        </p:txBody>
-      </p:sp>
-    </p:spTree>
-    <p:extLst>
-      <p:ext uri="{BB962C8B-B14F-4D97-AF65-F5344CB8AC3E}">
-        <p14:creationId xmlns:p14="http://schemas.microsoft.com/office/powerpoint/2010/main" val="3101355679"/>
-      </p:ext>
-    </p:extLst>
-  </p:cSld>
-  <p:clrMapOvr>
-    <a:masterClrMapping/>
-  </p:clrMapOvr>
-  <mc:AlternateContent xmlns:mc="http://schemas.openxmlformats.org/markup-compatibility/2006" xmlns:p14="http://schemas.microsoft.com/office/powerpoint/2010/main">
-    <mc:Choice Requires="p14">
-      <p:transition p14:dur="10"/>
-    </mc:Choice>
-    <mc:Fallback xmlns="">
-      <p:transition/>
-    </mc:Fallback>
-  </mc:AlternateContent>
-</p:sld>
-</file>
-
-<file path=ppt/slides/slide5.xml><?xml version="1.0" encoding="utf-8"?>
-<p:sld xmlns:a="http://schemas.openxmlformats.org/drawingml/2006/main" xmlns:r="http://schemas.openxmlformats.org/officeDocument/2006/relationships" xmlns:p="http://schemas.openxmlformats.org/presentationml/2006/main">
-  <p:cSld>
-    <p:spTree>
-      <p:nvGrpSpPr>
-        <p:cNvPr id="1" name="">
-          <a:extLst>
-            <a:ext uri="{FF2B5EF4-FFF2-40B4-BE49-F238E27FC236}">
-              <a16:creationId xmlns:a16="http://schemas.microsoft.com/office/drawing/2014/main" id="{73A19EF2-8191-8337-3102-B480543972F7}"/>
-            </a:ext>
-          </a:extLst>
-        </p:cNvPr>
-        <p:cNvGrpSpPr/>
-        <p:nvPr/>
-      </p:nvGrpSpPr>
-      <p:grpSpPr>
-        <a:xfrm>
-          <a:off x="0" y="0"/>
-          <a:ext cx="0" cy="0"/>
-          <a:chOff x="0" y="0"/>
-          <a:chExt cx="0" cy="0"/>
-        </a:xfrm>
-      </p:grpSpPr>
-      <p:sp>
-        <p:nvSpPr>
-          <p:cNvPr id="6" name="タイトル 5">
-            <a:extLst>
-              <a:ext uri="{FF2B5EF4-FFF2-40B4-BE49-F238E27FC236}">
-                <a16:creationId xmlns:a16="http://schemas.microsoft.com/office/drawing/2014/main" id="{9FC83072-D41C-D063-7413-3484FAE7FBDD}"/>
-              </a:ext>
-            </a:extLst>
-          </p:cNvPr>
-          <p:cNvSpPr>
-            <a:spLocks noGrp="1"/>
-          </p:cNvSpPr>
-          <p:nvPr>
-            <p:ph type="title"/>
-          </p:nvPr>
-        </p:nvSpPr>
-        <p:spPr/>
-        <p:txBody>
-          <a:bodyPr/>
-          <a:lstStyle/>
-          <a:p>
-            <a:r>
-              <a:rPr lang="ja-JP" altLang="en-US" b="1" dirty="0"/>
-              <a:t>はじめに</a:t>
-            </a:r>
-            <a:endParaRPr lang="en-US" b="1" dirty="0"/>
-          </a:p>
-        </p:txBody>
-      </p:sp>
-    </p:spTree>
-    <p:extLst>
-      <p:ext uri="{BB962C8B-B14F-4D97-AF65-F5344CB8AC3E}">
-        <p14:creationId xmlns:p14="http://schemas.microsoft.com/office/powerpoint/2010/main" val="1499502502"/>
-      </p:ext>
-    </p:extLst>
-  </p:cSld>
-  <p:clrMapOvr>
-    <a:masterClrMapping/>
-  </p:clrMapOvr>
-</p:sld>
-</file>
-
-<file path=ppt/slides/slide6.xml><?xml version="1.0" encoding="utf-8"?>
-<p:sld xmlns:a="http://schemas.openxmlformats.org/drawingml/2006/main" xmlns:r="http://schemas.openxmlformats.org/officeDocument/2006/relationships" xmlns:p="http://schemas.openxmlformats.org/presentationml/2006/main">
-  <p:cSld>
-    <p:spTree>
-      <p:nvGrpSpPr>
-        <p:cNvPr id="1" name=""/>
-        <p:cNvGrpSpPr/>
-        <p:nvPr/>
-      </p:nvGrpSpPr>
-      <p:grpSpPr>
-        <a:xfrm>
-          <a:off x="0" y="0"/>
-          <a:ext cx="0" cy="0"/>
-          <a:chOff x="0" y="0"/>
-          <a:chExt cx="0" cy="0"/>
-        </a:xfrm>
-      </p:grpSpPr>
-      <p:sp>
-        <p:nvSpPr>
-          <p:cNvPr id="2" name="タイトル 1">
-            <a:extLst>
-              <a:ext uri="{FF2B5EF4-FFF2-40B4-BE49-F238E27FC236}">
                 <a16:creationId xmlns:a16="http://schemas.microsoft.com/office/drawing/2014/main" id="{F1737B44-8032-4C9C-E23C-52FE6C5F10AD}"/>
               </a:ext>
             </a:extLst>
@@ -16807,7 +16442,7 @@
 </p:sld>
 </file>
 
-<file path=ppt/slides/slide7.xml><?xml version="1.0" encoding="utf-8"?>
+<file path=ppt/slides/slide5.xml><?xml version="1.0" encoding="utf-8"?>
 <p:sld xmlns:a="http://schemas.openxmlformats.org/drawingml/2006/main" xmlns:r="http://schemas.openxmlformats.org/officeDocument/2006/relationships" xmlns:p="http://schemas.openxmlformats.org/presentationml/2006/main">
   <p:cSld>
     <p:spTree>
@@ -16980,7 +16615,7 @@
 </p:sld>
 </file>
 
-<file path=ppt/slides/slide8.xml><?xml version="1.0" encoding="utf-8"?>
+<file path=ppt/slides/slide6.xml><?xml version="1.0" encoding="utf-8"?>
 <p:sld xmlns:a="http://schemas.openxmlformats.org/drawingml/2006/main" xmlns:r="http://schemas.openxmlformats.org/officeDocument/2006/relationships" xmlns:p="http://schemas.openxmlformats.org/presentationml/2006/main">
   <p:cSld>
     <p:spTree>
@@ -19091,6 +18726,258 @@
 </p:sld>
 </file>
 
+<file path=ppt/slides/slide7.xml><?xml version="1.0" encoding="utf-8"?>
+<p:sld xmlns:a="http://schemas.openxmlformats.org/drawingml/2006/main" xmlns:r="http://schemas.openxmlformats.org/officeDocument/2006/relationships" xmlns:p="http://schemas.openxmlformats.org/presentationml/2006/main">
+  <p:cSld>
+    <p:spTree>
+      <p:nvGrpSpPr>
+        <p:cNvPr id="1" name=""/>
+        <p:cNvGrpSpPr/>
+        <p:nvPr/>
+      </p:nvGrpSpPr>
+      <p:grpSpPr>
+        <a:xfrm>
+          <a:off x="0" y="0"/>
+          <a:ext cx="0" cy="0"/>
+          <a:chOff x="0" y="0"/>
+          <a:chExt cx="0" cy="0"/>
+        </a:xfrm>
+      </p:grpSpPr>
+      <p:sp>
+        <p:nvSpPr>
+          <p:cNvPr id="2" name="タイトル 1">
+            <a:extLst>
+              <a:ext uri="{FF2B5EF4-FFF2-40B4-BE49-F238E27FC236}">
+                <a16:creationId xmlns:a16="http://schemas.microsoft.com/office/drawing/2014/main" id="{665F2B47-DE8F-EE5E-5084-075E53B27B9B}"/>
+              </a:ext>
+            </a:extLst>
+          </p:cNvPr>
+          <p:cNvSpPr>
+            <a:spLocks noGrp="1"/>
+          </p:cNvSpPr>
+          <p:nvPr>
+            <p:ph type="title"/>
+          </p:nvPr>
+        </p:nvSpPr>
+        <p:spPr/>
+        <p:txBody>
+          <a:bodyPr/>
+          <a:lstStyle/>
+          <a:p>
+            <a:r>
+              <a:rPr kumimoji="1" lang="ja-JP" altLang="en-US" dirty="0"/>
+              <a:t>もくじ</a:t>
+            </a:r>
+            <a:endParaRPr kumimoji="1" lang="en-US" dirty="0"/>
+          </a:p>
+        </p:txBody>
+      </p:sp>
+      <p:sp>
+        <p:nvSpPr>
+          <p:cNvPr id="3" name="テキスト プレースホルダー 2">
+            <a:extLst>
+              <a:ext uri="{FF2B5EF4-FFF2-40B4-BE49-F238E27FC236}">
+                <a16:creationId xmlns:a16="http://schemas.microsoft.com/office/drawing/2014/main" id="{C1C0FC8F-B29E-005A-806A-5B6521475251}"/>
+              </a:ext>
+            </a:extLst>
+          </p:cNvPr>
+          <p:cNvSpPr>
+            <a:spLocks noGrp="1"/>
+          </p:cNvSpPr>
+          <p:nvPr>
+            <p:ph type="body" sz="quarter" idx="10"/>
+          </p:nvPr>
+        </p:nvSpPr>
+        <p:spPr/>
+        <p:txBody>
+          <a:bodyPr/>
+          <a:lstStyle/>
+          <a:p>
+            <a:r>
+              <a:rPr lang="ja-JP" altLang="en-US" dirty="0"/>
+              <a:t>もじく：</a:t>
+            </a:r>
+            <a:endParaRPr lang="en-US" altLang="ja-JP" dirty="0"/>
+          </a:p>
+          <a:p>
+            <a:pPr marL="817200" lvl="1" indent="-457200">
+              <a:buFont typeface="+mj-lt"/>
+              <a:buAutoNum type="arabicPeriod"/>
+            </a:pPr>
+            <a:r>
+              <a:rPr lang="en-US" altLang="ja-JP" dirty="0"/>
+              <a:t>[A] </a:t>
+            </a:r>
+            <a:r>
+              <a:rPr lang="ja-JP" altLang="en-US" dirty="0"/>
+              <a:t>文</a:t>
+            </a:r>
+            <a:endParaRPr lang="en-US" altLang="ja-JP" dirty="0"/>
+          </a:p>
+          <a:p>
+            <a:pPr marL="817200" lvl="1" indent="-457200">
+              <a:buFont typeface="+mj-lt"/>
+              <a:buAutoNum type="arabicPeriod"/>
+            </a:pPr>
+            <a:r>
+              <a:rPr kumimoji="1" lang="en-US" altLang="ja-JP" dirty="0"/>
+              <a:t>[B] </a:t>
+            </a:r>
+            <a:r>
+              <a:rPr kumimoji="1" lang="ja-JP" altLang="en-US" dirty="0"/>
+              <a:t>文の接続</a:t>
+            </a:r>
+            <a:endParaRPr kumimoji="1" lang="en-US" dirty="0"/>
+          </a:p>
+          <a:p>
+            <a:pPr marL="817200" lvl="1" indent="-457200">
+              <a:buFont typeface="+mj-lt"/>
+              <a:buAutoNum type="arabicPeriod"/>
+            </a:pPr>
+            <a:r>
+              <a:rPr kumimoji="1" lang="en-US" dirty="0"/>
+              <a:t>[</a:t>
+            </a:r>
+            <a:r>
+              <a:rPr kumimoji="1" lang="en-US" altLang="ja-JP" dirty="0"/>
+              <a:t>C</a:t>
+            </a:r>
+            <a:r>
+              <a:rPr kumimoji="1" lang="en-US" dirty="0"/>
+              <a:t>] </a:t>
+            </a:r>
+            <a:r>
+              <a:rPr kumimoji="1" lang="ja-JP" altLang="en-US" dirty="0"/>
+              <a:t>パラグラフ</a:t>
+            </a:r>
+            <a:endParaRPr kumimoji="1" lang="en-US" altLang="ja-JP" dirty="0"/>
+          </a:p>
+          <a:p>
+            <a:pPr marL="817200" lvl="1" indent="-457200">
+              <a:buFont typeface="+mj-lt"/>
+              <a:buAutoNum type="arabicPeriod"/>
+            </a:pPr>
+            <a:r>
+              <a:rPr kumimoji="1" lang="en-US" altLang="ja-JP" dirty="0"/>
+              <a:t>[D] </a:t>
+            </a:r>
+            <a:r>
+              <a:rPr kumimoji="1" lang="ja-JP" altLang="en-US" dirty="0"/>
+              <a:t>プロットから文章への展開</a:t>
+            </a:r>
+            <a:endParaRPr kumimoji="1" lang="en-US" altLang="ja-JP" dirty="0"/>
+          </a:p>
+          <a:p>
+            <a:pPr marL="817200" lvl="1" indent="-457200">
+              <a:buFont typeface="+mj-lt"/>
+              <a:buAutoNum type="arabicPeriod"/>
+            </a:pPr>
+            <a:r>
+              <a:rPr kumimoji="1" lang="en-US" altLang="ja-JP" dirty="0"/>
+              <a:t>[E] </a:t>
+            </a:r>
+            <a:r>
+              <a:rPr kumimoji="1" lang="ja-JP" altLang="en-US" dirty="0"/>
+              <a:t>その他</a:t>
+            </a:r>
+            <a:endParaRPr kumimoji="1" lang="en-US" dirty="0"/>
+          </a:p>
+          <a:p>
+            <a:pPr marL="0" indent="0">
+              <a:buNone/>
+            </a:pPr>
+            <a:r>
+              <a:rPr kumimoji="1" lang="ja-JP" altLang="en-US" dirty="0"/>
+              <a:t>チェックリスト項目の通し番号は各章の通し番号に対応する</a:t>
+            </a:r>
+            <a:endParaRPr kumimoji="1" lang="en-US" dirty="0"/>
+          </a:p>
+        </p:txBody>
+      </p:sp>
+    </p:spTree>
+    <p:extLst>
+      <p:ext uri="{BB962C8B-B14F-4D97-AF65-F5344CB8AC3E}">
+        <p14:creationId xmlns:p14="http://schemas.microsoft.com/office/powerpoint/2010/main" val="4160215560"/>
+      </p:ext>
+    </p:extLst>
+  </p:cSld>
+  <p:clrMapOvr>
+    <a:masterClrMapping/>
+  </p:clrMapOvr>
+  <mc:AlternateContent xmlns:mc="http://schemas.openxmlformats.org/markup-compatibility/2006" xmlns:p14="http://schemas.microsoft.com/office/powerpoint/2010/main">
+    <mc:Choice Requires="p14">
+      <p:transition p14:dur="10"/>
+    </mc:Choice>
+    <mc:Fallback xmlns="">
+      <p:transition/>
+    </mc:Fallback>
+  </mc:AlternateContent>
+</p:sld>
+</file>
+
+<file path=ppt/slides/slide8.xml><?xml version="1.0" encoding="utf-8"?>
+<p:sld xmlns:a="http://schemas.openxmlformats.org/drawingml/2006/main" xmlns:r="http://schemas.openxmlformats.org/officeDocument/2006/relationships" xmlns:p="http://schemas.openxmlformats.org/presentationml/2006/main">
+  <p:cSld>
+    <p:spTree>
+      <p:nvGrpSpPr>
+        <p:cNvPr id="1" name=""/>
+        <p:cNvGrpSpPr/>
+        <p:nvPr/>
+      </p:nvGrpSpPr>
+      <p:grpSpPr>
+        <a:xfrm>
+          <a:off x="0" y="0"/>
+          <a:ext cx="0" cy="0"/>
+          <a:chOff x="0" y="0"/>
+          <a:chExt cx="0" cy="0"/>
+        </a:xfrm>
+      </p:grpSpPr>
+      <p:sp>
+        <p:nvSpPr>
+          <p:cNvPr id="6" name="タイトル 5">
+            <a:extLst>
+              <a:ext uri="{FF2B5EF4-FFF2-40B4-BE49-F238E27FC236}">
+                <a16:creationId xmlns:a16="http://schemas.microsoft.com/office/drawing/2014/main" id="{D44FC4B2-BE5F-0B62-A30B-6488B98CA7F1}"/>
+              </a:ext>
+            </a:extLst>
+          </p:cNvPr>
+          <p:cNvSpPr>
+            <a:spLocks noGrp="1"/>
+          </p:cNvSpPr>
+          <p:nvPr>
+            <p:ph type="title"/>
+          </p:nvPr>
+        </p:nvSpPr>
+        <p:spPr/>
+        <p:txBody>
+          <a:bodyPr/>
+          <a:lstStyle/>
+          <a:p>
+            <a:r>
+              <a:rPr lang="en-US" altLang="ja-JP" b="1" dirty="0"/>
+              <a:t>[A] </a:t>
+            </a:r>
+            <a:r>
+              <a:rPr lang="ja-JP" altLang="en-US" b="1" dirty="0"/>
+              <a:t>文</a:t>
+            </a:r>
+            <a:endParaRPr lang="en-US" b="1" dirty="0"/>
+          </a:p>
+        </p:txBody>
+      </p:sp>
+    </p:spTree>
+    <p:extLst>
+      <p:ext uri="{BB962C8B-B14F-4D97-AF65-F5344CB8AC3E}">
+        <p14:creationId xmlns:p14="http://schemas.microsoft.com/office/powerpoint/2010/main" val="2493814936"/>
+      </p:ext>
+    </p:extLst>
+  </p:cSld>
+  <p:clrMapOvr>
+    <a:masterClrMapping/>
+  </p:clrMapOvr>
+</p:sld>
+</file>
+
 <file path=ppt/slides/slide9.xml><?xml version="1.0" encoding="utf-8"?>
 <p:sld xmlns:a="http://schemas.openxmlformats.org/drawingml/2006/main" xmlns:r="http://schemas.openxmlformats.org/officeDocument/2006/relationships" xmlns:p="http://schemas.openxmlformats.org/presentationml/2006/main">
   <p:cSld>
@@ -19113,7 +19000,7 @@
           <p:cNvPr id="2" name="タイトル 1">
             <a:extLst>
               <a:ext uri="{FF2B5EF4-FFF2-40B4-BE49-F238E27FC236}">
-                <a16:creationId xmlns:a16="http://schemas.microsoft.com/office/drawing/2014/main" id="{665F2B47-DE8F-EE5E-5084-075E53B27B9B}"/>
+                <a16:creationId xmlns:a16="http://schemas.microsoft.com/office/drawing/2014/main" id="{D93A85F1-1B35-5F84-85D9-55D1C6172E1E}"/>
               </a:ext>
             </a:extLst>
           </p:cNvPr>
@@ -19131,9 +19018,8 @@
           <a:p>
             <a:r>
               <a:rPr kumimoji="1" lang="ja-JP" altLang="en-US" dirty="0"/>
-              <a:t>もくじ</a:t>
-            </a:r>
-            <a:endParaRPr kumimoji="1" lang="en-US" dirty="0"/>
+              <a:t>「文」の書き方のポイント</a:t>
+            </a:r>
           </a:p>
         </p:txBody>
       </p:sp>
@@ -19142,7 +19028,7 @@
           <p:cNvPr id="3" name="テキスト プレースホルダー 2">
             <a:extLst>
               <a:ext uri="{FF2B5EF4-FFF2-40B4-BE49-F238E27FC236}">
-                <a16:creationId xmlns:a16="http://schemas.microsoft.com/office/drawing/2014/main" id="{C1C0FC8F-B29E-005A-806A-5B6521475251}"/>
+                <a16:creationId xmlns:a16="http://schemas.microsoft.com/office/drawing/2014/main" id="{B4414A41-3B92-4E38-46C4-3166C73733E8}"/>
               </a:ext>
             </a:extLst>
           </p:cNvPr>
@@ -19159,110 +19045,32 @@
           <a:lstStyle/>
           <a:p>
             <a:r>
-              <a:rPr lang="ja-JP" altLang="en-US" dirty="0"/>
-              <a:t>もじく：</a:t>
-            </a:r>
-            <a:endParaRPr lang="en-US" altLang="ja-JP" dirty="0"/>
-          </a:p>
-          <a:p>
-            <a:pPr marL="817200" lvl="1" indent="-457200">
-              <a:buFont typeface="+mj-lt"/>
-              <a:buAutoNum type="arabicPeriod"/>
-            </a:pPr>
-            <a:r>
-              <a:rPr lang="en-US" altLang="ja-JP" dirty="0"/>
-              <a:t>[A] </a:t>
-            </a:r>
-            <a:r>
-              <a:rPr lang="ja-JP" altLang="en-US" dirty="0"/>
-              <a:t>文</a:t>
-            </a:r>
-            <a:endParaRPr lang="en-US" altLang="ja-JP" dirty="0"/>
-          </a:p>
-          <a:p>
-            <a:pPr marL="817200" lvl="1" indent="-457200">
-              <a:buFont typeface="+mj-lt"/>
-              <a:buAutoNum type="arabicPeriod"/>
-            </a:pPr>
-            <a:r>
               <a:rPr kumimoji="1" lang="en-US" altLang="ja-JP" dirty="0"/>
-              <a:t>[B] </a:t>
+              <a:t>[A1] </a:t>
             </a:r>
             <a:r>
               <a:rPr kumimoji="1" lang="ja-JP" altLang="en-US" dirty="0"/>
-              <a:t>文の接続</a:t>
-            </a:r>
-            <a:endParaRPr kumimoji="1" lang="en-US" dirty="0"/>
-          </a:p>
-          <a:p>
-            <a:pPr marL="817200" lvl="1" indent="-457200">
-              <a:buFont typeface="+mj-lt"/>
-              <a:buAutoNum type="arabicPeriod"/>
-            </a:pPr>
-            <a:r>
-              <a:rPr kumimoji="1" lang="en-US" dirty="0"/>
-              <a:t>[</a:t>
-            </a:r>
+              <a:t>各文を短く簡潔にする</a:t>
+            </a:r>
+            <a:endParaRPr kumimoji="1" lang="en-US" altLang="ja-JP" dirty="0"/>
+          </a:p>
+          <a:p>
             <a:r>
               <a:rPr kumimoji="1" lang="en-US" altLang="ja-JP" dirty="0"/>
-              <a:t>C</a:t>
-            </a:r>
-            <a:r>
-              <a:rPr kumimoji="1" lang="en-US" dirty="0"/>
-              <a:t>] </a:t>
+              <a:t>[A2] </a:t>
             </a:r>
             <a:r>
               <a:rPr kumimoji="1" lang="ja-JP" altLang="en-US" dirty="0"/>
-              <a:t>パラグラフ</a:t>
+              <a:t>各文の主語や動詞，述語を明確にする</a:t>
             </a:r>
             <a:endParaRPr kumimoji="1" lang="en-US" altLang="ja-JP" dirty="0"/>
-          </a:p>
-          <a:p>
-            <a:pPr marL="817200" lvl="1" indent="-457200">
-              <a:buFont typeface="+mj-lt"/>
-              <a:buAutoNum type="arabicPeriod"/>
-            </a:pPr>
-            <a:r>
-              <a:rPr kumimoji="1" lang="en-US" altLang="ja-JP" dirty="0"/>
-              <a:t>[D] </a:t>
-            </a:r>
-            <a:r>
-              <a:rPr kumimoji="1" lang="ja-JP" altLang="en-US" dirty="0"/>
-              <a:t>プロットから文章への展開</a:t>
-            </a:r>
-            <a:endParaRPr kumimoji="1" lang="en-US" altLang="ja-JP" dirty="0"/>
-          </a:p>
-          <a:p>
-            <a:pPr marL="817200" lvl="1" indent="-457200">
-              <a:buFont typeface="+mj-lt"/>
-              <a:buAutoNum type="arabicPeriod"/>
-            </a:pPr>
-            <a:r>
-              <a:rPr kumimoji="1" lang="en-US" altLang="ja-JP" dirty="0"/>
-              <a:t>[E] </a:t>
-            </a:r>
-            <a:r>
-              <a:rPr kumimoji="1" lang="ja-JP" altLang="en-US" dirty="0"/>
-              <a:t>その他</a:t>
-            </a:r>
-            <a:endParaRPr kumimoji="1" lang="en-US" dirty="0"/>
-          </a:p>
-          <a:p>
-            <a:pPr marL="0" indent="0">
-              <a:buNone/>
-            </a:pPr>
-            <a:r>
-              <a:rPr kumimoji="1" lang="ja-JP" altLang="en-US" dirty="0"/>
-              <a:t>チェックリスト項目の通し番号は各章の通し番号に対応する</a:t>
-            </a:r>
-            <a:endParaRPr kumimoji="1" lang="en-US" dirty="0"/>
           </a:p>
         </p:txBody>
       </p:sp>
     </p:spTree>
     <p:extLst>
       <p:ext uri="{BB962C8B-B14F-4D97-AF65-F5344CB8AC3E}">
-        <p14:creationId xmlns:p14="http://schemas.microsoft.com/office/powerpoint/2010/main" val="4160215560"/>
+        <p14:creationId xmlns:p14="http://schemas.microsoft.com/office/powerpoint/2010/main" val="3057599224"/>
       </p:ext>
     </p:extLst>
   </p:cSld>

--- a/writing.pptx
+++ b/writing.pptx
@@ -296,7 +296,7 @@
           <a:p>
             <a:fld id="{2ABE53D4-1A7B-4FFE-8A95-4265B045F058}" type="datetimeFigureOut">
               <a:rPr kumimoji="1" lang="ja-JP" altLang="en-US" smtClean="0"/>
-              <a:t>2025/3/15</a:t>
+              <a:t>2025/5/10</a:t>
             </a:fld>
             <a:endParaRPr kumimoji="1" lang="ja-JP" altLang="en-US"/>
           </a:p>
@@ -3090,8 +3090,8 @@
               <a:t>文章の書き方 </a:t>
             </a:r>
             <a:r>
-              <a:rPr lang="en-US" altLang="ja-JP" sz="2800" dirty="0"/>
-              <a:t>v5</a:t>
+              <a:rPr lang="en-US" altLang="ja-JP" sz="2800"/>
+              <a:t>v6</a:t>
             </a:r>
             <a:endParaRPr kumimoji="1" lang="ja-JP" altLang="en-US" sz="2800" dirty="0"/>
           </a:p>
@@ -5127,7 +5127,22 @@
               <a:rPr kumimoji="1" lang="ja-JP" altLang="en-US" dirty="0"/>
               <a:t>チェックリスト</a:t>
             </a:r>
-            <a:endParaRPr kumimoji="1" lang="en-US" dirty="0"/>
+            <a:br>
+              <a:rPr kumimoji="1" lang="en-US" altLang="ja-JP" dirty="0"/>
+            </a:br>
+            <a:r>
+              <a:rPr kumimoji="1" lang="ja-JP" altLang="en-US" sz="1800" dirty="0"/>
+              <a:t>（</a:t>
+            </a:r>
+            <a:r>
+              <a:rPr kumimoji="1" lang="en-US" altLang="ja-JP" sz="1800" dirty="0"/>
+              <a:t>[D] </a:t>
+            </a:r>
+            <a:r>
+              <a:rPr kumimoji="1" lang="ja-JP" altLang="en-US" sz="1800" dirty="0"/>
+              <a:t>は特になし）</a:t>
+            </a:r>
+            <a:endParaRPr kumimoji="1" lang="en-US" sz="1800" dirty="0"/>
           </a:p>
         </p:txBody>
       </p:sp>
@@ -5627,7 +5642,7 @@
                   <a:schemeClr val="accent5"/>
                 </a:solidFill>
               </a:rPr>
-              <a:t>読んでもおおよそ意味が通るようにする</a:t>
+              <a:t>読んでもおおよそ意味が通るようにできると理想</a:t>
             </a:r>
             <a:endParaRPr lang="en-US" altLang="ja-JP" dirty="0">
               <a:solidFill>
@@ -5648,6 +5663,21 @@
             <a:r>
               <a:rPr lang="ja-JP" altLang="en-US" dirty="0"/>
               <a:t>そこだけを取り出せば，おおまかな全体の主張がわかるように</a:t>
+            </a:r>
+            <a:endParaRPr lang="en-US" altLang="ja-JP" dirty="0"/>
+          </a:p>
+          <a:p>
+            <a:r>
+              <a:rPr lang="ja-JP" altLang="en-US" dirty="0"/>
+              <a:t>色々難しい場合，「そのパラグラフで話したい話題は何か」をトピックセンテンスに書くだけでもかなり読みやすくなる</a:t>
+            </a:r>
+            <a:endParaRPr lang="en-US" altLang="ja-JP" dirty="0"/>
+          </a:p>
+          <a:p>
+            <a:pPr lvl="1"/>
+            <a:r>
+              <a:rPr lang="ja-JP" altLang="en-US" dirty="0"/>
+              <a:t>概念としてはセクションのタイトルに似ている</a:t>
             </a:r>
             <a:endParaRPr lang="en-US" altLang="ja-JP" dirty="0"/>
           </a:p>
@@ -6324,6 +6354,15 @@
               <a:rPr kumimoji="1" lang="ja-JP" altLang="en-US" dirty="0"/>
               <a:t>その後まで読んではじめて意味がわかるようなものはだめ</a:t>
             </a:r>
+            <a:endParaRPr kumimoji="1" lang="en-US" altLang="ja-JP" dirty="0"/>
+          </a:p>
+          <a:p>
+            <a:pPr lvl="2"/>
+            <a:r>
+              <a:rPr lang="ja-JP" altLang="en-US" dirty="0"/>
+              <a:t>当然に未定義の単語を使ってもいけない</a:t>
+            </a:r>
+            <a:endParaRPr kumimoji="1" lang="ja-JP" altLang="en-US" dirty="0"/>
           </a:p>
         </p:txBody>
       </p:sp>
@@ -7850,7 +7889,7 @@
             </a:r>
             <a:r>
               <a:rPr lang="ja-JP" altLang="en-US" sz="1600" kern="0" dirty="0"/>
-              <a:t>の抽象度を上げることで接続を改善し，繰り返しを避ける</a:t>
+              <a:t>の抽象度を上げることで繰り返しを避け，同時に接続を改善する</a:t>
             </a:r>
             <a:endParaRPr lang="en-US" altLang="ja-JP" sz="1600" kern="0" dirty="0"/>
           </a:p>
@@ -15910,7 +15949,15 @@
               <a:rPr kumimoji="1" lang="ja-JP" altLang="en-US" dirty="0"/>
               <a:t>」</a:t>
             </a:r>
-            <a:endParaRPr kumimoji="1" lang="en-US" dirty="0"/>
+            <a:endParaRPr kumimoji="1" lang="en-US" altLang="ja-JP" dirty="0"/>
+          </a:p>
+          <a:p>
+            <a:pPr lvl="2"/>
+            <a:r>
+              <a:rPr lang="ja-JP" altLang="en-US" dirty="0"/>
+              <a:t>この主語に対応する術後は遠いぞ，のサインとして使う</a:t>
+            </a:r>
+            <a:endParaRPr kumimoji="1" lang="en-US" altLang="ja-JP" dirty="0"/>
           </a:p>
         </p:txBody>
       </p:sp>
@@ -16536,9 +16583,6 @@
               <a:rPr lang="ja-JP" altLang="en-US" dirty="0"/>
               <a:t>複文：主語と述語のペアを２つ以上含む</a:t>
             </a:r>
-            <a:br>
-              <a:rPr lang="en-US" altLang="ja-JP" dirty="0"/>
-            </a:br>
             <a:endParaRPr lang="en-US" altLang="ja-JP" dirty="0"/>
           </a:p>
           <a:p>
@@ -16571,9 +16615,6 @@
               <a:rPr lang="ja-JP" altLang="en-US" dirty="0"/>
               <a:t>複数のパラグラフからなり，より大きな意味のまとまりなす</a:t>
             </a:r>
-            <a:br>
-              <a:rPr lang="en-US" altLang="ja-JP" dirty="0"/>
-            </a:br>
             <a:endParaRPr lang="en-US" altLang="ja-JP" dirty="0"/>
           </a:p>
           <a:p>
@@ -18795,7 +18836,7 @@
           <a:p>
             <a:r>
               <a:rPr lang="ja-JP" altLang="en-US" dirty="0"/>
-              <a:t>もじく：</a:t>
+              <a:t>もくじ：</a:t>
             </a:r>
             <a:endParaRPr lang="en-US" altLang="ja-JP" dirty="0"/>
           </a:p>
